--- a/Mid Term (1).pptx
+++ b/Mid Term (1).pptx
@@ -5,19 +5,19 @@
     <p:sldMasterId id="2147483724" r:id="rId4"/>
   </p:sldMasterIdLst>
   <p:notesMasterIdLst>
-    <p:notesMasterId r:id="rId28"/>
+    <p:notesMasterId r:id="rId30"/>
   </p:notesMasterIdLst>
   <p:sldIdLst>
     <p:sldId id="256" r:id="rId5"/>
     <p:sldId id="343" r:id="rId6"/>
     <p:sldId id="357" r:id="rId7"/>
     <p:sldId id="342" r:id="rId8"/>
-    <p:sldId id="341" r:id="rId9"/>
-    <p:sldId id="344" r:id="rId10"/>
-    <p:sldId id="365" r:id="rId11"/>
-    <p:sldId id="366" r:id="rId12"/>
-    <p:sldId id="369" r:id="rId13"/>
-    <p:sldId id="350" r:id="rId14"/>
+    <p:sldId id="380" r:id="rId9"/>
+    <p:sldId id="341" r:id="rId10"/>
+    <p:sldId id="344" r:id="rId11"/>
+    <p:sldId id="365" r:id="rId12"/>
+    <p:sldId id="350" r:id="rId13"/>
+    <p:sldId id="366" r:id="rId14"/>
     <p:sldId id="364" r:id="rId15"/>
     <p:sldId id="379" r:id="rId16"/>
     <p:sldId id="372" r:id="rId17"/>
@@ -31,6 +31,8 @@
     <p:sldId id="262" r:id="rId25"/>
     <p:sldId id="263" r:id="rId26"/>
     <p:sldId id="354" r:id="rId27"/>
+    <p:sldId id="381" r:id="rId28"/>
+    <p:sldId id="382" r:id="rId29"/>
   </p:sldIdLst>
   <p:sldSz cx="12192000" cy="6858000"/>
   <p:notesSz cx="6858000" cy="9144000"/>
@@ -140,9 +142,7 @@
 <file path=ppt/revisionInfo.xml><?xml version="1.0" encoding="utf-8"?>
 <p1510:revInfo xmlns:a="http://schemas.openxmlformats.org/drawingml/2006/main" xmlns:r="http://schemas.openxmlformats.org/officeDocument/2006/relationships" xmlns:p1510="http://schemas.microsoft.com/office/powerpoint/2015/10/main">
   <p1510:revLst>
-    <p1510:client id="{11477E9C-2C84-6BF6-6DA8-3F349EBD56F1}" v="3" dt="2022-10-19T17:17:32.916"/>
-    <p1510:client id="{49FB3C54-C934-5136-F75A-12E3EE2BF7B7}" v="538" dt="2022-10-17T17:29:59.873"/>
-    <p1510:client id="{F3114997-6C2F-4E67-BF73-6AF76EB7D47F}" v="3" vWet="5" dt="2022-10-17T17:06:28.465"/>
+    <p1510:client id="{97312CED-9575-4606-A328-07082E28D64F}" v="8" dt="2022-11-28T18:42:52.605"/>
   </p1510:revLst>
 </p1510:revInfo>
 </file>
@@ -150,57 +150,20 @@
 <file path=ppt/changesInfos/changesInfo1.xml><?xml version="1.0" encoding="utf-8"?>
 <pc:chgInfo xmlns:a="http://schemas.openxmlformats.org/drawingml/2006/main" xmlns:r="http://schemas.openxmlformats.org/officeDocument/2006/relationships" xmlns:ac="http://schemas.microsoft.com/office/drawing/2013/main/command" xmlns:pc="http://schemas.microsoft.com/office/powerpoint/2013/main/command">
   <pc:docChgLst>
-    <pc:chgData name="Vasana,Manikanta" userId="S::s545551@nwmissouri.edu::aa5ba442-2039-4fd0-a3af-aa6dd8db2d87" providerId="AD" clId="Web-{9E33308C-2BE0-4477-9970-3C15019AEB70}"/>
-    <pc:docChg chg="addSld delSld modSld sldOrd">
-      <pc:chgData name="Vasana,Manikanta" userId="S::s545551@nwmissouri.edu::aa5ba442-2039-4fd0-a3af-aa6dd8db2d87" providerId="AD" clId="Web-{9E33308C-2BE0-4477-9970-3C15019AEB70}" dt="2022-10-14T16:26:20.416" v="252" actId="20577"/>
+    <pc:chgData name="Myakala,Shiva Krishna" userId="S::s545549@nwmissouri.edu::1ad7070b-5778-4d5e-ba6b-216720902aee" providerId="AD" clId="Web-{EB09C56B-7BA6-67F0-4D7F-666EAF9A81F4}"/>
+    <pc:docChg chg="modSld">
+      <pc:chgData name="Myakala,Shiva Krishna" userId="S::s545549@nwmissouri.edu::1ad7070b-5778-4d5e-ba6b-216720902aee" providerId="AD" clId="Web-{EB09C56B-7BA6-67F0-4D7F-666EAF9A81F4}" dt="2022-10-14T16:45:07.812" v="20" actId="20577"/>
       <pc:docMkLst>
         <pc:docMk/>
       </pc:docMkLst>
       <pc:sldChg chg="modSp">
-        <pc:chgData name="Vasana,Manikanta" userId="S::s545551@nwmissouri.edu::aa5ba442-2039-4fd0-a3af-aa6dd8db2d87" providerId="AD" clId="Web-{9E33308C-2BE0-4477-9970-3C15019AEB70}" dt="2022-10-14T15:06:40.421" v="182" actId="1076"/>
-        <pc:sldMkLst>
-          <pc:docMk/>
-          <pc:sldMk cId="2985600738" sldId="256"/>
-        </pc:sldMkLst>
-        <pc:spChg chg="mod">
-          <ac:chgData name="Vasana,Manikanta" userId="S::s545551@nwmissouri.edu::aa5ba442-2039-4fd0-a3af-aa6dd8db2d87" providerId="AD" clId="Web-{9E33308C-2BE0-4477-9970-3C15019AEB70}" dt="2022-10-14T15:06:40.421" v="182" actId="1076"/>
-          <ac:spMkLst>
-            <pc:docMk/>
-            <pc:sldMk cId="2985600738" sldId="256"/>
-            <ac:spMk id="2" creationId="{9C11EC8D-E2F8-47A8-86F0-53A644871CB0}"/>
-          </ac:spMkLst>
-        </pc:spChg>
-      </pc:sldChg>
-      <pc:sldChg chg="ord">
-        <pc:chgData name="Vasana,Manikanta" userId="S::s545551@nwmissouri.edu::aa5ba442-2039-4fd0-a3af-aa6dd8db2d87" providerId="AD" clId="Web-{9E33308C-2BE0-4477-9970-3C15019AEB70}" dt="2022-10-14T15:07:18.406" v="183"/>
-        <pc:sldMkLst>
-          <pc:docMk/>
-          <pc:sldMk cId="2442537970" sldId="341"/>
-        </pc:sldMkLst>
-      </pc:sldChg>
-      <pc:sldChg chg="modSp">
-        <pc:chgData name="Vasana,Manikanta" userId="S::s545551@nwmissouri.edu::aa5ba442-2039-4fd0-a3af-aa6dd8db2d87" providerId="AD" clId="Web-{9E33308C-2BE0-4477-9970-3C15019AEB70}" dt="2022-10-14T15:07:41.048" v="184" actId="1076"/>
-        <pc:sldMkLst>
-          <pc:docMk/>
-          <pc:sldMk cId="1168084508" sldId="365"/>
-        </pc:sldMkLst>
-        <pc:spChg chg="mod">
-          <ac:chgData name="Vasana,Manikanta" userId="S::s545551@nwmissouri.edu::aa5ba442-2039-4fd0-a3af-aa6dd8db2d87" providerId="AD" clId="Web-{9E33308C-2BE0-4477-9970-3C15019AEB70}" dt="2022-10-14T15:07:41.048" v="184" actId="1076"/>
-          <ac:spMkLst>
-            <pc:docMk/>
-            <pc:sldMk cId="1168084508" sldId="365"/>
-            <ac:spMk id="2" creationId="{0A99E831-0FE4-BBC0-F1D0-9F150956F9CB}"/>
-          </ac:spMkLst>
-        </pc:spChg>
-      </pc:sldChg>
-      <pc:sldChg chg="modSp">
-        <pc:chgData name="Vasana,Manikanta" userId="S::s545551@nwmissouri.edu::aa5ba442-2039-4fd0-a3af-aa6dd8db2d87" providerId="AD" clId="Web-{9E33308C-2BE0-4477-9970-3C15019AEB70}" dt="2022-10-14T16:26:20.416" v="252" actId="20577"/>
+        <pc:chgData name="Myakala,Shiva Krishna" userId="S::s545549@nwmissouri.edu::1ad7070b-5778-4d5e-ba6b-216720902aee" providerId="AD" clId="Web-{EB09C56B-7BA6-67F0-4D7F-666EAF9A81F4}" dt="2022-10-14T16:45:07.812" v="20" actId="20577"/>
         <pc:sldMkLst>
           <pc:docMk/>
           <pc:sldMk cId="884823026" sldId="371"/>
         </pc:sldMkLst>
         <pc:spChg chg="mod">
-          <ac:chgData name="Vasana,Manikanta" userId="S::s545551@nwmissouri.edu::aa5ba442-2039-4fd0-a3af-aa6dd8db2d87" providerId="AD" clId="Web-{9E33308C-2BE0-4477-9970-3C15019AEB70}" dt="2022-10-14T16:26:20.416" v="252" actId="20577"/>
+          <ac:chgData name="Myakala,Shiva Krishna" userId="S::s545549@nwmissouri.edu::1ad7070b-5778-4d5e-ba6b-216720902aee" providerId="AD" clId="Web-{EB09C56B-7BA6-67F0-4D7F-666EAF9A81F4}" dt="2022-10-14T16:45:07.812" v="20" actId="20577"/>
           <ac:spMkLst>
             <pc:docMk/>
             <pc:sldMk cId="884823026" sldId="371"/>
@@ -208,135 +171,1074 @@
           </ac:spMkLst>
         </pc:spChg>
       </pc:sldChg>
-      <pc:sldChg chg="addSp modSp new">
-        <pc:chgData name="Vasana,Manikanta" userId="S::s545551@nwmissouri.edu::aa5ba442-2039-4fd0-a3af-aa6dd8db2d87" providerId="AD" clId="Web-{9E33308C-2BE0-4477-9970-3C15019AEB70}" dt="2022-10-14T15:29:24.531" v="187" actId="1076"/>
+    </pc:docChg>
+  </pc:docChgLst>
+  <pc:docChgLst>
+    <pc:chgData name="Lingampally,Archana" userId="S::s545550@nwmissouri.edu::6d5d5287-629e-421d-85b1-8fee42a451e6" providerId="AD" clId="Web-{FCAD6B97-2E39-40B0-BF4E-9CD712E60FA5}"/>
+    <pc:docChg chg="addSld delSld modSld">
+      <pc:chgData name="Lingampally,Archana" userId="S::s545550@nwmissouri.edu::6d5d5287-629e-421d-85b1-8fee42a451e6" providerId="AD" clId="Web-{FCAD6B97-2E39-40B0-BF4E-9CD712E60FA5}" dt="2022-10-14T04:41:52.384" v="160" actId="20577"/>
+      <pc:docMkLst>
+        <pc:docMk/>
+      </pc:docMkLst>
+      <pc:sldChg chg="modSp">
+        <pc:chgData name="Lingampally,Archana" userId="S::s545550@nwmissouri.edu::6d5d5287-629e-421d-85b1-8fee42a451e6" providerId="AD" clId="Web-{FCAD6B97-2E39-40B0-BF4E-9CD712E60FA5}" dt="2022-10-14T04:41:52.384" v="160" actId="20577"/>
         <pc:sldMkLst>
           <pc:docMk/>
-          <pc:sldMk cId="3360226570" sldId="373"/>
+          <pc:sldMk cId="1045016516" sldId="343"/>
         </pc:sldMkLst>
         <pc:spChg chg="mod">
-          <ac:chgData name="Vasana,Manikanta" userId="S::s545551@nwmissouri.edu::aa5ba442-2039-4fd0-a3af-aa6dd8db2d87" providerId="AD" clId="Web-{9E33308C-2BE0-4477-9970-3C15019AEB70}" dt="2022-10-14T15:05:11.513" v="180" actId="20577"/>
-          <ac:spMkLst>
-            <pc:docMk/>
-            <pc:sldMk cId="3360226570" sldId="373"/>
-            <ac:spMk id="2" creationId="{C70D7201-9327-5D3D-7F01-45617E65561E}"/>
-          </ac:spMkLst>
-        </pc:spChg>
+          <ac:chgData name="Lingampally,Archana" userId="S::s545550@nwmissouri.edu::6d5d5287-629e-421d-85b1-8fee42a451e6" providerId="AD" clId="Web-{FCAD6B97-2E39-40B0-BF4E-9CD712E60FA5}" dt="2022-10-14T04:41:52.384" v="160" actId="20577"/>
+          <ac:spMkLst>
+            <pc:docMk/>
+            <pc:sldMk cId="1045016516" sldId="343"/>
+            <ac:spMk id="3" creationId="{9EF72435-41D5-40ED-A1E0-F497D91EB7D3}"/>
+          </ac:spMkLst>
+        </pc:spChg>
+      </pc:sldChg>
+      <pc:sldChg chg="addSp delSp modSp mod setBg">
+        <pc:chgData name="Lingampally,Archana" userId="S::s545550@nwmissouri.edu::6d5d5287-629e-421d-85b1-8fee42a451e6" providerId="AD" clId="Web-{FCAD6B97-2E39-40B0-BF4E-9CD712E60FA5}" dt="2022-10-14T04:39:26.771" v="120" actId="20577"/>
+        <pc:sldMkLst>
+          <pc:docMk/>
+          <pc:sldMk cId="1837471576" sldId="366"/>
+        </pc:sldMkLst>
         <pc:spChg chg="mod">
-          <ac:chgData name="Vasana,Manikanta" userId="S::s545551@nwmissouri.edu::aa5ba442-2039-4fd0-a3af-aa6dd8db2d87" providerId="AD" clId="Web-{9E33308C-2BE0-4477-9970-3C15019AEB70}" dt="2022-10-14T15:05:19.904" v="181" actId="14100"/>
-          <ac:spMkLst>
-            <pc:docMk/>
-            <pc:sldMk cId="3360226570" sldId="373"/>
-            <ac:spMk id="3" creationId="{479AB6C6-DF7C-4F0A-419D-EED753033418}"/>
-          </ac:spMkLst>
-        </pc:spChg>
-        <pc:picChg chg="add mod">
-          <ac:chgData name="Vasana,Manikanta" userId="S::s545551@nwmissouri.edu::aa5ba442-2039-4fd0-a3af-aa6dd8db2d87" providerId="AD" clId="Web-{9E33308C-2BE0-4477-9970-3C15019AEB70}" dt="2022-10-14T15:29:24.531" v="187" actId="1076"/>
+          <ac:chgData name="Lingampally,Archana" userId="S::s545550@nwmissouri.edu::6d5d5287-629e-421d-85b1-8fee42a451e6" providerId="AD" clId="Web-{FCAD6B97-2E39-40B0-BF4E-9CD712E60FA5}" dt="2022-10-14T04:39:26.771" v="120" actId="20577"/>
+          <ac:spMkLst>
+            <pc:docMk/>
+            <pc:sldMk cId="1837471576" sldId="366"/>
+            <ac:spMk id="2" creationId="{699FDC42-B1C1-8EF3-24EB-74E32AB17A6B}"/>
+          </ac:spMkLst>
+        </pc:spChg>
+        <pc:spChg chg="mod">
+          <ac:chgData name="Lingampally,Archana" userId="S::s545550@nwmissouri.edu::6d5d5287-629e-421d-85b1-8fee42a451e6" providerId="AD" clId="Web-{FCAD6B97-2E39-40B0-BF4E-9CD712E60FA5}" dt="2022-10-14T04:39:17.146" v="119" actId="20577"/>
+          <ac:spMkLst>
+            <pc:docMk/>
+            <pc:sldMk cId="1837471576" sldId="366"/>
+            <ac:spMk id="3" creationId="{A8E34014-DCF4-FA40-FD67-BBA08040D734}"/>
+          </ac:spMkLst>
+        </pc:spChg>
+        <pc:spChg chg="mod ord">
+          <ac:chgData name="Lingampally,Archana" userId="S::s545550@nwmissouri.edu::6d5d5287-629e-421d-85b1-8fee42a451e6" providerId="AD" clId="Web-{FCAD6B97-2E39-40B0-BF4E-9CD712E60FA5}" dt="2022-10-14T04:30:23.362" v="28"/>
+          <ac:spMkLst>
+            <pc:docMk/>
+            <pc:sldMk cId="1837471576" sldId="366"/>
+            <ac:spMk id="4" creationId="{1D8F33DF-6D51-678F-B93A-CFECC5B6B34B}"/>
+          </ac:spMkLst>
+        </pc:spChg>
+        <pc:spChg chg="add del">
+          <ac:chgData name="Lingampally,Archana" userId="S::s545550@nwmissouri.edu::6d5d5287-629e-421d-85b1-8fee42a451e6" providerId="AD" clId="Web-{FCAD6B97-2E39-40B0-BF4E-9CD712E60FA5}" dt="2022-10-14T04:30:01.674" v="17"/>
+          <ac:spMkLst>
+            <pc:docMk/>
+            <pc:sldMk cId="1837471576" sldId="366"/>
+            <ac:spMk id="10" creationId="{2B566528-1B12-4246-9431-5C2D7D081168}"/>
+          </ac:spMkLst>
+        </pc:spChg>
+        <pc:spChg chg="add del">
+          <ac:chgData name="Lingampally,Archana" userId="S::s545550@nwmissouri.edu::6d5d5287-629e-421d-85b1-8fee42a451e6" providerId="AD" clId="Web-{FCAD6B97-2E39-40B0-BF4E-9CD712E60FA5}" dt="2022-10-14T04:30:15.752" v="23"/>
+          <ac:spMkLst>
+            <pc:docMk/>
+            <pc:sldMk cId="1837471576" sldId="366"/>
+            <ac:spMk id="14" creationId="{E659831F-0D9A-4C63-9EBB-8435B85A440F}"/>
+          </ac:spMkLst>
+        </pc:spChg>
+        <pc:spChg chg="add del">
+          <ac:chgData name="Lingampally,Archana" userId="S::s545550@nwmissouri.edu::6d5d5287-629e-421d-85b1-8fee42a451e6" providerId="AD" clId="Web-{FCAD6B97-2E39-40B0-BF4E-9CD712E60FA5}" dt="2022-10-14T04:30:06.471" v="19"/>
+          <ac:spMkLst>
+            <pc:docMk/>
+            <pc:sldMk cId="1837471576" sldId="366"/>
+            <ac:spMk id="20" creationId="{FF9B822F-893E-44C8-963C-64F50ACECBB2}"/>
+          </ac:spMkLst>
+        </pc:spChg>
+        <pc:spChg chg="add del">
+          <ac:chgData name="Lingampally,Archana" userId="S::s545550@nwmissouri.edu::6d5d5287-629e-421d-85b1-8fee42a451e6" providerId="AD" clId="Web-{FCAD6B97-2E39-40B0-BF4E-9CD712E60FA5}" dt="2022-10-14T04:30:06.471" v="19"/>
+          <ac:spMkLst>
+            <pc:docMk/>
+            <pc:sldMk cId="1837471576" sldId="366"/>
+            <ac:spMk id="21" creationId="{EBF87945-A001-489F-9D9B-7D9435F0B9CA}"/>
+          </ac:spMkLst>
+        </pc:spChg>
+        <pc:spChg chg="add del">
+          <ac:chgData name="Lingampally,Archana" userId="S::s545550@nwmissouri.edu::6d5d5287-629e-421d-85b1-8fee42a451e6" providerId="AD" clId="Web-{FCAD6B97-2E39-40B0-BF4E-9CD712E60FA5}" dt="2022-10-14T04:30:14.190" v="21"/>
+          <ac:spMkLst>
+            <pc:docMk/>
+            <pc:sldMk cId="1837471576" sldId="366"/>
+            <ac:spMk id="23" creationId="{2B97F24A-32CE-4C1C-A50D-3016B394DCFB}"/>
+          </ac:spMkLst>
+        </pc:spChg>
+        <pc:spChg chg="add del">
+          <ac:chgData name="Lingampally,Archana" userId="S::s545550@nwmissouri.edu::6d5d5287-629e-421d-85b1-8fee42a451e6" providerId="AD" clId="Web-{FCAD6B97-2E39-40B0-BF4E-9CD712E60FA5}" dt="2022-10-14T04:30:14.190" v="21"/>
+          <ac:spMkLst>
+            <pc:docMk/>
+            <pc:sldMk cId="1837471576" sldId="366"/>
+            <ac:spMk id="24" creationId="{CD8B4F24-440B-49E9-B85D-733523DC064B}"/>
+          </ac:spMkLst>
+        </pc:spChg>
+        <pc:spChg chg="add del">
+          <ac:chgData name="Lingampally,Archana" userId="S::s545550@nwmissouri.edu::6d5d5287-629e-421d-85b1-8fee42a451e6" providerId="AD" clId="Web-{FCAD6B97-2E39-40B0-BF4E-9CD712E60FA5}" dt="2022-10-14T04:30:15.752" v="23"/>
+          <ac:spMkLst>
+            <pc:docMk/>
+            <pc:sldMk cId="1837471576" sldId="366"/>
+            <ac:spMk id="26" creationId="{058A14AF-9FB5-4CC7-BA35-E8E85D3EDF0E}"/>
+          </ac:spMkLst>
+        </pc:spChg>
+        <pc:spChg chg="add del">
+          <ac:chgData name="Lingampally,Archana" userId="S::s545550@nwmissouri.edu::6d5d5287-629e-421d-85b1-8fee42a451e6" providerId="AD" clId="Web-{FCAD6B97-2E39-40B0-BF4E-9CD712E60FA5}" dt="2022-10-14T04:30:15.752" v="23"/>
+          <ac:spMkLst>
+            <pc:docMk/>
+            <pc:sldMk cId="1837471576" sldId="366"/>
+            <ac:spMk id="27" creationId="{3A9A4357-BD1D-4622-A4FE-766E6AB8DE84}"/>
+          </ac:spMkLst>
+        </pc:spChg>
+        <pc:spChg chg="add del">
+          <ac:chgData name="Lingampally,Archana" userId="S::s545550@nwmissouri.edu::6d5d5287-629e-421d-85b1-8fee42a451e6" providerId="AD" clId="Web-{FCAD6B97-2E39-40B0-BF4E-9CD712E60FA5}" dt="2022-10-14T04:30:15.752" v="23"/>
+          <ac:spMkLst>
+            <pc:docMk/>
+            <pc:sldMk cId="1837471576" sldId="366"/>
+            <ac:spMk id="28" creationId="{E6995CE5-F890-4ABA-82A2-26507CE8D2A3}"/>
+          </ac:spMkLst>
+        </pc:spChg>
+        <pc:spChg chg="add del">
+          <ac:chgData name="Lingampally,Archana" userId="S::s545550@nwmissouri.edu::6d5d5287-629e-421d-85b1-8fee42a451e6" providerId="AD" clId="Web-{FCAD6B97-2E39-40B0-BF4E-9CD712E60FA5}" dt="2022-10-14T04:30:21.237" v="25"/>
+          <ac:spMkLst>
+            <pc:docMk/>
+            <pc:sldMk cId="1837471576" sldId="366"/>
+            <ac:spMk id="30" creationId="{7FF47CB7-972F-479F-A36D-9E72D26EC8DA}"/>
+          </ac:spMkLst>
+        </pc:spChg>
+        <pc:spChg chg="add del">
+          <ac:chgData name="Lingampally,Archana" userId="S::s545550@nwmissouri.edu::6d5d5287-629e-421d-85b1-8fee42a451e6" providerId="AD" clId="Web-{FCAD6B97-2E39-40B0-BF4E-9CD712E60FA5}" dt="2022-10-14T04:30:21.237" v="25"/>
+          <ac:spMkLst>
+            <pc:docMk/>
+            <pc:sldMk cId="1837471576" sldId="366"/>
+            <ac:spMk id="31" creationId="{0D153B68-5844-490D-8E67-F616D6D721CA}"/>
+          </ac:spMkLst>
+        </pc:spChg>
+        <pc:spChg chg="add del">
+          <ac:chgData name="Lingampally,Archana" userId="S::s545550@nwmissouri.edu::6d5d5287-629e-421d-85b1-8fee42a451e6" providerId="AD" clId="Web-{FCAD6B97-2E39-40B0-BF4E-9CD712E60FA5}" dt="2022-10-14T04:30:21.237" v="25"/>
+          <ac:spMkLst>
+            <pc:docMk/>
+            <pc:sldMk cId="1837471576" sldId="366"/>
+            <ac:spMk id="32" creationId="{9A0D773F-7A7D-4DBB-9DEA-86BB8B8F4BC8}"/>
+          </ac:spMkLst>
+        </pc:spChg>
+        <pc:spChg chg="add del">
+          <ac:chgData name="Lingampally,Archana" userId="S::s545550@nwmissouri.edu::6d5d5287-629e-421d-85b1-8fee42a451e6" providerId="AD" clId="Web-{FCAD6B97-2E39-40B0-BF4E-9CD712E60FA5}" dt="2022-10-14T04:30:23.362" v="27"/>
+          <ac:spMkLst>
+            <pc:docMk/>
+            <pc:sldMk cId="1837471576" sldId="366"/>
+            <ac:spMk id="34" creationId="{2B97F24A-32CE-4C1C-A50D-3016B394DCFB}"/>
+          </ac:spMkLst>
+        </pc:spChg>
+        <pc:spChg chg="add del">
+          <ac:chgData name="Lingampally,Archana" userId="S::s545550@nwmissouri.edu::6d5d5287-629e-421d-85b1-8fee42a451e6" providerId="AD" clId="Web-{FCAD6B97-2E39-40B0-BF4E-9CD712E60FA5}" dt="2022-10-14T04:30:23.362" v="27"/>
+          <ac:spMkLst>
+            <pc:docMk/>
+            <pc:sldMk cId="1837471576" sldId="366"/>
+            <ac:spMk id="35" creationId="{CD8B4F24-440B-49E9-B85D-733523DC064B}"/>
+          </ac:spMkLst>
+        </pc:spChg>
+        <pc:spChg chg="add">
+          <ac:chgData name="Lingampally,Archana" userId="S::s545550@nwmissouri.edu::6d5d5287-629e-421d-85b1-8fee42a451e6" providerId="AD" clId="Web-{FCAD6B97-2E39-40B0-BF4E-9CD712E60FA5}" dt="2022-10-14T04:30:23.362" v="28"/>
+          <ac:spMkLst>
+            <pc:docMk/>
+            <pc:sldMk cId="1837471576" sldId="366"/>
+            <ac:spMk id="37" creationId="{5E39A796-BE83-48B1-B33F-35C4A32AAB57}"/>
+          </ac:spMkLst>
+        </pc:spChg>
+        <pc:spChg chg="add">
+          <ac:chgData name="Lingampally,Archana" userId="S::s545550@nwmissouri.edu::6d5d5287-629e-421d-85b1-8fee42a451e6" providerId="AD" clId="Web-{FCAD6B97-2E39-40B0-BF4E-9CD712E60FA5}" dt="2022-10-14T04:30:23.362" v="28"/>
+          <ac:spMkLst>
+            <pc:docMk/>
+            <pc:sldMk cId="1837471576" sldId="366"/>
+            <ac:spMk id="38" creationId="{72F84B47-E267-4194-8194-831DB7B5547F}"/>
+          </ac:spMkLst>
+        </pc:spChg>
+        <pc:grpChg chg="add del">
+          <ac:chgData name="Lingampally,Archana" userId="S::s545550@nwmissouri.edu::6d5d5287-629e-421d-85b1-8fee42a451e6" providerId="AD" clId="Web-{FCAD6B97-2E39-40B0-BF4E-9CD712E60FA5}" dt="2022-10-14T04:30:01.674" v="17"/>
+          <ac:grpSpMkLst>
+            <pc:docMk/>
+            <pc:sldMk cId="1837471576" sldId="366"/>
+            <ac:grpSpMk id="12" creationId="{828A5161-06F1-46CF-8AD7-844680A59E13}"/>
+          </ac:grpSpMkLst>
+        </pc:grpChg>
+        <pc:grpChg chg="add del">
+          <ac:chgData name="Lingampally,Archana" userId="S::s545550@nwmissouri.edu::6d5d5287-629e-421d-85b1-8fee42a451e6" providerId="AD" clId="Web-{FCAD6B97-2E39-40B0-BF4E-9CD712E60FA5}" dt="2022-10-14T04:30:01.674" v="17"/>
+          <ac:grpSpMkLst>
+            <pc:docMk/>
+            <pc:sldMk cId="1837471576" sldId="366"/>
+            <ac:grpSpMk id="16" creationId="{5995D10D-E9C9-47DB-AE7E-801FEF38F5C9}"/>
+          </ac:grpSpMkLst>
+        </pc:grpChg>
+        <pc:picChg chg="add mod ord">
+          <ac:chgData name="Lingampally,Archana" userId="S::s545550@nwmissouri.edu::6d5d5287-629e-421d-85b1-8fee42a451e6" providerId="AD" clId="Web-{FCAD6B97-2E39-40B0-BF4E-9CD712E60FA5}" dt="2022-10-14T04:30:23.362" v="28"/>
           <ac:picMkLst>
             <pc:docMk/>
-            <pc:sldMk cId="3360226570" sldId="373"/>
-            <ac:picMk id="4" creationId="{73EA9A43-DEC8-EBBE-28F0-5259D002A528}"/>
+            <pc:sldMk cId="1837471576" sldId="366"/>
+            <ac:picMk id="5" creationId="{648EC96F-B08C-5E2D-87A7-D4153458F535}"/>
           </ac:picMkLst>
         </pc:picChg>
       </pc:sldChg>
-      <pc:sldChg chg="addSp delSp modSp new">
-        <pc:chgData name="Vasana,Manikanta" userId="S::s545551@nwmissouri.edu::aa5ba442-2039-4fd0-a3af-aa6dd8db2d87" providerId="AD" clId="Web-{9E33308C-2BE0-4477-9970-3C15019AEB70}" dt="2022-10-14T15:53:39.658" v="248" actId="1076"/>
+      <pc:sldChg chg="modSp del">
+        <pc:chgData name="Lingampally,Archana" userId="S::s545550@nwmissouri.edu::6d5d5287-629e-421d-85b1-8fee42a451e6" providerId="AD" clId="Web-{FCAD6B97-2E39-40B0-BF4E-9CD712E60FA5}" dt="2022-10-14T04:35:40.953" v="71"/>
         <pc:sldMkLst>
           <pc:docMk/>
-          <pc:sldMk cId="1614585721" sldId="374"/>
+          <pc:sldMk cId="3868749730" sldId="367"/>
         </pc:sldMkLst>
         <pc:spChg chg="mod">
-          <ac:chgData name="Vasana,Manikanta" userId="S::s545551@nwmissouri.edu::aa5ba442-2039-4fd0-a3af-aa6dd8db2d87" providerId="AD" clId="Web-{9E33308C-2BE0-4477-9970-3C15019AEB70}" dt="2022-10-14T15:30:39.658" v="211" actId="14100"/>
-          <ac:spMkLst>
-            <pc:docMk/>
-            <pc:sldMk cId="1614585721" sldId="374"/>
-            <ac:spMk id="2" creationId="{0F872AB6-0F89-8C23-9855-C08AB0E40A22}"/>
-          </ac:spMkLst>
-        </pc:spChg>
+          <ac:chgData name="Lingampally,Archana" userId="S::s545550@nwmissouri.edu::6d5d5287-629e-421d-85b1-8fee42a451e6" providerId="AD" clId="Web-{FCAD6B97-2E39-40B0-BF4E-9CD712E60FA5}" dt="2022-10-14T04:33:01.089" v="34" actId="20577"/>
+          <ac:spMkLst>
+            <pc:docMk/>
+            <pc:sldMk cId="3868749730" sldId="367"/>
+            <ac:spMk id="2" creationId="{B0B3554D-045E-A7DF-ADEE-5920476E61E9}"/>
+          </ac:spMkLst>
+        </pc:spChg>
+        <pc:spChg chg="mod">
+          <ac:chgData name="Lingampally,Archana" userId="S::s545550@nwmissouri.edu::6d5d5287-629e-421d-85b1-8fee42a451e6" providerId="AD" clId="Web-{FCAD6B97-2E39-40B0-BF4E-9CD712E60FA5}" dt="2022-10-14T04:33:03.605" v="35" actId="20577"/>
+          <ac:spMkLst>
+            <pc:docMk/>
+            <pc:sldMk cId="3868749730" sldId="367"/>
+            <ac:spMk id="3" creationId="{647AC2C6-D02F-936F-D40F-942848CF3526}"/>
+          </ac:spMkLst>
+        </pc:spChg>
+      </pc:sldChg>
+      <pc:sldChg chg="new del">
+        <pc:chgData name="Lingampally,Archana" userId="S::s545550@nwmissouri.edu::6d5d5287-629e-421d-85b1-8fee42a451e6" providerId="AD" clId="Web-{FCAD6B97-2E39-40B0-BF4E-9CD712E60FA5}" dt="2022-10-14T04:35:55.484" v="73"/>
+        <pc:sldMkLst>
+          <pc:docMk/>
+          <pc:sldMk cId="482910100" sldId="369"/>
+        </pc:sldMkLst>
+      </pc:sldChg>
+      <pc:sldChg chg="addSp modSp new del">
+        <pc:chgData name="Lingampally,Archana" userId="S::s545550@nwmissouri.edu::6d5d5287-629e-421d-85b1-8fee42a451e6" providerId="AD" clId="Web-{FCAD6B97-2E39-40B0-BF4E-9CD712E60FA5}" dt="2022-10-14T04:36:40.189" v="81"/>
+        <pc:sldMkLst>
+          <pc:docMk/>
+          <pc:sldMk cId="3226338516" sldId="369"/>
+        </pc:sldMkLst>
+        <pc:spChg chg="add mod">
+          <ac:chgData name="Lingampally,Archana" userId="S::s545550@nwmissouri.edu::6d5d5287-629e-421d-85b1-8fee42a451e6" providerId="AD" clId="Web-{FCAD6B97-2E39-40B0-BF4E-9CD712E60FA5}" dt="2022-10-14T04:36:31.579" v="80" actId="14100"/>
+          <ac:spMkLst>
+            <pc:docMk/>
+            <pc:sldMk cId="3226338516" sldId="369"/>
+            <ac:spMk id="3" creationId="{192EED14-BAD4-C303-E6BC-E48A41F20ED5}"/>
+          </ac:spMkLst>
+        </pc:spChg>
+      </pc:sldChg>
+      <pc:sldChg chg="addSp delSp modSp new mod setBg">
+        <pc:chgData name="Lingampally,Archana" userId="S::s545550@nwmissouri.edu::6d5d5287-629e-421d-85b1-8fee42a451e6" providerId="AD" clId="Web-{FCAD6B97-2E39-40B0-BF4E-9CD712E60FA5}" dt="2022-10-14T04:39:09.318" v="104" actId="20577"/>
+        <pc:sldMkLst>
+          <pc:docMk/>
+          <pc:sldMk cId="3832482965" sldId="369"/>
+        </pc:sldMkLst>
         <pc:spChg chg="del mod">
-          <ac:chgData name="Vasana,Manikanta" userId="S::s545551@nwmissouri.edu::aa5ba442-2039-4fd0-a3af-aa6dd8db2d87" providerId="AD" clId="Web-{9E33308C-2BE0-4477-9970-3C15019AEB70}" dt="2022-10-14T15:01:47.336" v="167"/>
-          <ac:spMkLst>
-            <pc:docMk/>
-            <pc:sldMk cId="1614585721" sldId="374"/>
-            <ac:spMk id="3" creationId="{D29A6593-7277-85BE-2832-AAE4222BA9E5}"/>
-          </ac:spMkLst>
-        </pc:spChg>
-        <pc:spChg chg="add del mod">
-          <ac:chgData name="Vasana,Manikanta" userId="S::s545551@nwmissouri.edu::aa5ba442-2039-4fd0-a3af-aa6dd8db2d87" providerId="AD" clId="Web-{9E33308C-2BE0-4477-9970-3C15019AEB70}" dt="2022-10-14T15:03:29.479" v="169"/>
-          <ac:spMkLst>
-            <pc:docMk/>
-            <pc:sldMk cId="1614585721" sldId="374"/>
-            <ac:spMk id="6" creationId="{F9BAF60C-C08E-A94F-986A-F1EDDB987F00}"/>
-          </ac:spMkLst>
-        </pc:spChg>
-        <pc:spChg chg="add del mod">
-          <ac:chgData name="Vasana,Manikanta" userId="S::s545551@nwmissouri.edu::aa5ba442-2039-4fd0-a3af-aa6dd8db2d87" providerId="AD" clId="Web-{9E33308C-2BE0-4477-9970-3C15019AEB70}" dt="2022-10-14T15:33:37.099" v="235"/>
-          <ac:spMkLst>
-            <pc:docMk/>
-            <pc:sldMk cId="1614585721" sldId="374"/>
-            <ac:spMk id="9" creationId="{8855A0B7-3C6E-F408-709A-0C527C838B1F}"/>
-          </ac:spMkLst>
-        </pc:spChg>
-        <pc:spChg chg="add mod">
-          <ac:chgData name="Vasana,Manikanta" userId="S::s545551@nwmissouri.edu::aa5ba442-2039-4fd0-a3af-aa6dd8db2d87" providerId="AD" clId="Web-{9E33308C-2BE0-4477-9970-3C15019AEB70}" dt="2022-10-14T15:53:39.658" v="248" actId="1076"/>
-          <ac:spMkLst>
-            <pc:docMk/>
-            <pc:sldMk cId="1614585721" sldId="374"/>
-            <ac:spMk id="11" creationId="{E54C5EA5-4146-31E0-19C4-AA547EE0D708}"/>
-          </ac:spMkLst>
-        </pc:spChg>
-        <pc:picChg chg="add del mod ord">
-          <ac:chgData name="Vasana,Manikanta" userId="S::s545551@nwmissouri.edu::aa5ba442-2039-4fd0-a3af-aa6dd8db2d87" providerId="AD" clId="Web-{9E33308C-2BE0-4477-9970-3C15019AEB70}" dt="2022-10-14T15:03:20.026" v="168"/>
+          <ac:chgData name="Lingampally,Archana" userId="S::s545550@nwmissouri.edu::6d5d5287-629e-421d-85b1-8fee42a451e6" providerId="AD" clId="Web-{FCAD6B97-2E39-40B0-BF4E-9CD712E60FA5}" dt="2022-10-14T04:37:22.362" v="85"/>
+          <ac:spMkLst>
+            <pc:docMk/>
+            <pc:sldMk cId="3832482965" sldId="369"/>
+            <ac:spMk id="2" creationId="{020F33AB-323E-B43F-C95F-EBD95E5F9801}"/>
+          </ac:spMkLst>
+        </pc:spChg>
+        <pc:spChg chg="mod">
+          <ac:chgData name="Lingampally,Archana" userId="S::s545550@nwmissouri.edu::6d5d5287-629e-421d-85b1-8fee42a451e6" providerId="AD" clId="Web-{FCAD6B97-2E39-40B0-BF4E-9CD712E60FA5}" dt="2022-10-14T04:39:09.318" v="104" actId="20577"/>
+          <ac:spMkLst>
+            <pc:docMk/>
+            <pc:sldMk cId="3832482965" sldId="369"/>
+            <ac:spMk id="3" creationId="{ABC53B28-A702-CB39-14D5-C5D93E4EE12D}"/>
+          </ac:spMkLst>
+        </pc:spChg>
+        <pc:spChg chg="mod">
+          <ac:chgData name="Lingampally,Archana" userId="S::s545550@nwmissouri.edu::6d5d5287-629e-421d-85b1-8fee42a451e6" providerId="AD" clId="Web-{FCAD6B97-2E39-40B0-BF4E-9CD712E60FA5}" dt="2022-10-14T04:37:05.002" v="84"/>
+          <ac:spMkLst>
+            <pc:docMk/>
+            <pc:sldMk cId="3832482965" sldId="369"/>
+            <ac:spMk id="4" creationId="{2FE6C971-314E-93BC-7657-03293E5B84A6}"/>
+          </ac:spMkLst>
+        </pc:spChg>
+        <pc:spChg chg="add del">
+          <ac:chgData name="Lingampally,Archana" userId="S::s545550@nwmissouri.edu::6d5d5287-629e-421d-85b1-8fee42a451e6" providerId="AD" clId="Web-{FCAD6B97-2E39-40B0-BF4E-9CD712E60FA5}" dt="2022-10-14T04:37:05.002" v="84"/>
+          <ac:spMkLst>
+            <pc:docMk/>
+            <pc:sldMk cId="3832482965" sldId="369"/>
+            <ac:spMk id="9" creationId="{2B566528-1B12-4246-9431-5C2D7D081168}"/>
+          </ac:spMkLst>
+        </pc:spChg>
+        <pc:spChg chg="add del">
+          <ac:chgData name="Lingampally,Archana" userId="S::s545550@nwmissouri.edu::6d5d5287-629e-421d-85b1-8fee42a451e6" providerId="AD" clId="Web-{FCAD6B97-2E39-40B0-BF4E-9CD712E60FA5}" dt="2022-10-14T04:37:05.002" v="84"/>
+          <ac:spMkLst>
+            <pc:docMk/>
+            <pc:sldMk cId="3832482965" sldId="369"/>
+            <ac:spMk id="11" creationId="{2E80C965-DB6D-4F81-9E9E-B027384D0BD6}"/>
+          </ac:spMkLst>
+        </pc:spChg>
+        <pc:spChg chg="add del">
+          <ac:chgData name="Lingampally,Archana" userId="S::s545550@nwmissouri.edu::6d5d5287-629e-421d-85b1-8fee42a451e6" providerId="AD" clId="Web-{FCAD6B97-2E39-40B0-BF4E-9CD712E60FA5}" dt="2022-10-14T04:37:05.002" v="84"/>
+          <ac:spMkLst>
+            <pc:docMk/>
+            <pc:sldMk cId="3832482965" sldId="369"/>
+            <ac:spMk id="13" creationId="{A580F890-B085-4E95-96AA-55AEBEC5CE6E}"/>
+          </ac:spMkLst>
+        </pc:spChg>
+        <pc:spChg chg="add del">
+          <ac:chgData name="Lingampally,Archana" userId="S::s545550@nwmissouri.edu::6d5d5287-629e-421d-85b1-8fee42a451e6" providerId="AD" clId="Web-{FCAD6B97-2E39-40B0-BF4E-9CD712E60FA5}" dt="2022-10-14T04:37:05.002" v="84"/>
+          <ac:spMkLst>
+            <pc:docMk/>
+            <pc:sldMk cId="3832482965" sldId="369"/>
+            <ac:spMk id="15" creationId="{D3F51FEB-38FB-4F6C-9F7B-2F2AFAB65463}"/>
+          </ac:spMkLst>
+        </pc:spChg>
+        <pc:spChg chg="add del">
+          <ac:chgData name="Lingampally,Archana" userId="S::s545550@nwmissouri.edu::6d5d5287-629e-421d-85b1-8fee42a451e6" providerId="AD" clId="Web-{FCAD6B97-2E39-40B0-BF4E-9CD712E60FA5}" dt="2022-10-14T04:37:05.002" v="84"/>
+          <ac:spMkLst>
+            <pc:docMk/>
+            <pc:sldMk cId="3832482965" sldId="369"/>
+            <ac:spMk id="17" creationId="{1E547BA6-BAE0-43BB-A7CA-60F69CE252F0}"/>
+          </ac:spMkLst>
+        </pc:spChg>
+      </pc:sldChg>
+    </pc:docChg>
+  </pc:docChgLst>
+  <pc:docChgLst>
+    <pc:chgData name="Mohammed,Abdul Rehman Sayeed" userId="S::s545401@nwmissouri.edu::ec91287c-2f25-40c2-83a5-709028914a19" providerId="AD" clId="Web-{EAC2218A-780A-4EB2-AD9D-DBBA957F5E35}"/>
+    <pc:docChg chg="modSld">
+      <pc:chgData name="Mohammed,Abdul Rehman Sayeed" userId="S::s545401@nwmissouri.edu::ec91287c-2f25-40c2-83a5-709028914a19" providerId="AD" clId="Web-{EAC2218A-780A-4EB2-AD9D-DBBA957F5E35}" dt="2022-10-13T23:36:23.466" v="61" actId="20577"/>
+      <pc:docMkLst>
+        <pc:docMk/>
+      </pc:docMkLst>
+      <pc:sldChg chg="modSp">
+        <pc:chgData name="Mohammed,Abdul Rehman Sayeed" userId="S::s545401@nwmissouri.edu::ec91287c-2f25-40c2-83a5-709028914a19" providerId="AD" clId="Web-{EAC2218A-780A-4EB2-AD9D-DBBA957F5E35}" dt="2022-10-13T23:10:09.322" v="47" actId="20577"/>
+        <pc:sldMkLst>
+          <pc:docMk/>
+          <pc:sldMk cId="1045016516" sldId="343"/>
+        </pc:sldMkLst>
+        <pc:spChg chg="mod">
+          <ac:chgData name="Mohammed,Abdul Rehman Sayeed" userId="S::s545401@nwmissouri.edu::ec91287c-2f25-40c2-83a5-709028914a19" providerId="AD" clId="Web-{EAC2218A-780A-4EB2-AD9D-DBBA957F5E35}" dt="2022-10-13T23:10:09.322" v="47" actId="20577"/>
+          <ac:spMkLst>
+            <pc:docMk/>
+            <pc:sldMk cId="1045016516" sldId="343"/>
+            <ac:spMk id="3" creationId="{9EF72435-41D5-40ED-A1E0-F497D91EB7D3}"/>
+          </ac:spMkLst>
+        </pc:spChg>
+      </pc:sldChg>
+      <pc:sldChg chg="modSp">
+        <pc:chgData name="Mohammed,Abdul Rehman Sayeed" userId="S::s545401@nwmissouri.edu::ec91287c-2f25-40c2-83a5-709028914a19" providerId="AD" clId="Web-{EAC2218A-780A-4EB2-AD9D-DBBA957F5E35}" dt="2022-10-13T23:36:23.466" v="61" actId="20577"/>
+        <pc:sldMkLst>
+          <pc:docMk/>
+          <pc:sldMk cId="1841957312" sldId="357"/>
+        </pc:sldMkLst>
+        <pc:spChg chg="mod">
+          <ac:chgData name="Mohammed,Abdul Rehman Sayeed" userId="S::s545401@nwmissouri.edu::ec91287c-2f25-40c2-83a5-709028914a19" providerId="AD" clId="Web-{EAC2218A-780A-4EB2-AD9D-DBBA957F5E35}" dt="2022-10-13T23:36:23.466" v="61" actId="20577"/>
+          <ac:spMkLst>
+            <pc:docMk/>
+            <pc:sldMk cId="1841957312" sldId="357"/>
+            <ac:spMk id="3" creationId="{66B15469-23DA-28F8-3644-BAB61795B752}"/>
+          </ac:spMkLst>
+        </pc:spChg>
+      </pc:sldChg>
+    </pc:docChg>
+  </pc:docChgLst>
+  <pc:docChgLst>
+    <pc:chgData name="Vissapragada,Sai Tejaswee" userId="S::s545438@nwmissouri.edu::ac5152bd-e08b-42ef-87f5-6857be20e85f" providerId="AD" clId="Web-{874B8582-0C7F-4F1F-9F7E-123D6B1CBF9C}"/>
+    <pc:docChg chg="addSld modSld">
+      <pc:chgData name="Vissapragada,Sai Tejaswee" userId="S::s545438@nwmissouri.edu::ac5152bd-e08b-42ef-87f5-6857be20e85f" providerId="AD" clId="Web-{874B8582-0C7F-4F1F-9F7E-123D6B1CBF9C}" dt="2022-10-14T01:22:06.883" v="76" actId="20577"/>
+      <pc:docMkLst>
+        <pc:docMk/>
+      </pc:docMkLst>
+      <pc:sldChg chg="modSp">
+        <pc:chgData name="Vissapragada,Sai Tejaswee" userId="S::s545438@nwmissouri.edu::ac5152bd-e08b-42ef-87f5-6857be20e85f" providerId="AD" clId="Web-{874B8582-0C7F-4F1F-9F7E-123D6B1CBF9C}" dt="2022-10-13T20:39:00.622" v="1" actId="20577"/>
+        <pc:sldMkLst>
+          <pc:docMk/>
+          <pc:sldMk cId="1841957312" sldId="357"/>
+        </pc:sldMkLst>
+        <pc:spChg chg="mod">
+          <ac:chgData name="Vissapragada,Sai Tejaswee" userId="S::s545438@nwmissouri.edu::ac5152bd-e08b-42ef-87f5-6857be20e85f" providerId="AD" clId="Web-{874B8582-0C7F-4F1F-9F7E-123D6B1CBF9C}" dt="2022-10-13T20:39:00.622" v="1" actId="20577"/>
+          <ac:spMkLst>
+            <pc:docMk/>
+            <pc:sldMk cId="1841957312" sldId="357"/>
+            <ac:spMk id="2" creationId="{00E763BB-9BA0-8B15-EC3A-9596592F3FC1}"/>
+          </ac:spMkLst>
+        </pc:spChg>
+      </pc:sldChg>
+      <pc:sldChg chg="modSp">
+        <pc:chgData name="Vissapragada,Sai Tejaswee" userId="S::s545438@nwmissouri.edu::ac5152bd-e08b-42ef-87f5-6857be20e85f" providerId="AD" clId="Web-{874B8582-0C7F-4F1F-9F7E-123D6B1CBF9C}" dt="2022-10-14T01:19:11.441" v="29" actId="20577"/>
+        <pc:sldMkLst>
+          <pc:docMk/>
+          <pc:sldMk cId="2423198090" sldId="363"/>
+        </pc:sldMkLst>
+        <pc:spChg chg="mod">
+          <ac:chgData name="Vissapragada,Sai Tejaswee" userId="S::s545438@nwmissouri.edu::ac5152bd-e08b-42ef-87f5-6857be20e85f" providerId="AD" clId="Web-{874B8582-0C7F-4F1F-9F7E-123D6B1CBF9C}" dt="2022-10-14T01:19:11.441" v="29" actId="20577"/>
+          <ac:spMkLst>
+            <pc:docMk/>
+            <pc:sldMk cId="2423198090" sldId="363"/>
+            <ac:spMk id="3" creationId="{3C27D1C7-E779-949F-4B8F-5A301D08E902}"/>
+          </ac:spMkLst>
+        </pc:spChg>
+      </pc:sldChg>
+      <pc:sldChg chg="modSp">
+        <pc:chgData name="Vissapragada,Sai Tejaswee" userId="S::s545438@nwmissouri.edu::ac5152bd-e08b-42ef-87f5-6857be20e85f" providerId="AD" clId="Web-{874B8582-0C7F-4F1F-9F7E-123D6B1CBF9C}" dt="2022-10-13T20:38:48.794" v="0" actId="20577"/>
+        <pc:sldMkLst>
+          <pc:docMk/>
+          <pc:sldMk cId="3868749730" sldId="367"/>
+        </pc:sldMkLst>
+        <pc:spChg chg="mod">
+          <ac:chgData name="Vissapragada,Sai Tejaswee" userId="S::s545438@nwmissouri.edu::ac5152bd-e08b-42ef-87f5-6857be20e85f" providerId="AD" clId="Web-{874B8582-0C7F-4F1F-9F7E-123D6B1CBF9C}" dt="2022-10-13T20:38:48.794" v="0" actId="20577"/>
+          <ac:spMkLst>
+            <pc:docMk/>
+            <pc:sldMk cId="3868749730" sldId="367"/>
+            <ac:spMk id="2" creationId="{B0B3554D-045E-A7DF-ADEE-5920476E61E9}"/>
+          </ac:spMkLst>
+        </pc:spChg>
+      </pc:sldChg>
+      <pc:sldChg chg="modSp new">
+        <pc:chgData name="Vissapragada,Sai Tejaswee" userId="S::s545438@nwmissouri.edu::ac5152bd-e08b-42ef-87f5-6857be20e85f" providerId="AD" clId="Web-{874B8582-0C7F-4F1F-9F7E-123D6B1CBF9C}" dt="2022-10-14T01:22:06.883" v="76" actId="20577"/>
+        <pc:sldMkLst>
+          <pc:docMk/>
+          <pc:sldMk cId="2698460313" sldId="368"/>
+        </pc:sldMkLst>
+        <pc:spChg chg="mod">
+          <ac:chgData name="Vissapragada,Sai Tejaswee" userId="S::s545438@nwmissouri.edu::ac5152bd-e08b-42ef-87f5-6857be20e85f" providerId="AD" clId="Web-{874B8582-0C7F-4F1F-9F7E-123D6B1CBF9C}" dt="2022-10-14T01:19:21.645" v="39" actId="20577"/>
+          <ac:spMkLst>
+            <pc:docMk/>
+            <pc:sldMk cId="2698460313" sldId="368"/>
+            <ac:spMk id="2" creationId="{57E92D1A-143E-A8D1-5650-23C53F336A3A}"/>
+          </ac:spMkLst>
+        </pc:spChg>
+        <pc:spChg chg="mod">
+          <ac:chgData name="Vissapragada,Sai Tejaswee" userId="S::s545438@nwmissouri.edu::ac5152bd-e08b-42ef-87f5-6857be20e85f" providerId="AD" clId="Web-{874B8582-0C7F-4F1F-9F7E-123D6B1CBF9C}" dt="2022-10-14T01:22:06.883" v="76" actId="20577"/>
+          <ac:spMkLst>
+            <pc:docMk/>
+            <pc:sldMk cId="2698460313" sldId="368"/>
+            <ac:spMk id="3" creationId="{0485A877-B7E7-764E-DB9E-520F12AC7E8A}"/>
+          </ac:spMkLst>
+        </pc:spChg>
+      </pc:sldChg>
+    </pc:docChg>
+  </pc:docChgLst>
+  <pc:docChgLst>
+    <pc:chgData name="Mohammed,Shahid" userId="S::s545032@nwmissouri.edu::9aecc2f4-f059-4cd3-b4f0-11f59c37e54f" providerId="AD" clId="Web-{9BBCA2FE-C1BF-4ABD-9148-B6D413E824D5}"/>
+    <pc:docChg chg="addSld delSld modSld sldOrd">
+      <pc:chgData name="Mohammed,Shahid" userId="S::s545032@nwmissouri.edu::9aecc2f4-f059-4cd3-b4f0-11f59c37e54f" providerId="AD" clId="Web-{9BBCA2FE-C1BF-4ABD-9148-B6D413E824D5}" dt="2022-10-14T15:53:18.540" v="128" actId="20577"/>
+      <pc:docMkLst>
+        <pc:docMk/>
+      </pc:docMkLst>
+      <pc:sldChg chg="addSp modSp">
+        <pc:chgData name="Mohammed,Shahid" userId="S::s545032@nwmissouri.edu::9aecc2f4-f059-4cd3-b4f0-11f59c37e54f" providerId="AD" clId="Web-{9BBCA2FE-C1BF-4ABD-9148-B6D413E824D5}" dt="2022-10-14T14:54:58.564" v="15" actId="1076"/>
+        <pc:sldMkLst>
+          <pc:docMk/>
+          <pc:sldMk cId="3128748201" sldId="362"/>
+        </pc:sldMkLst>
+        <pc:spChg chg="mod">
+          <ac:chgData name="Mohammed,Shahid" userId="S::s545032@nwmissouri.edu::9aecc2f4-f059-4cd3-b4f0-11f59c37e54f" providerId="AD" clId="Web-{9BBCA2FE-C1BF-4ABD-9148-B6D413E824D5}" dt="2022-10-14T14:54:58.564" v="15" actId="1076"/>
+          <ac:spMkLst>
+            <pc:docMk/>
+            <pc:sldMk cId="3128748201" sldId="362"/>
+            <ac:spMk id="3" creationId="{EBA700B0-EE6F-549E-CF17-345BC994A623}"/>
+          </ac:spMkLst>
+        </pc:spChg>
+        <pc:picChg chg="add mod">
+          <ac:chgData name="Mohammed,Shahid" userId="S::s545032@nwmissouri.edu::9aecc2f4-f059-4cd3-b4f0-11f59c37e54f" providerId="AD" clId="Web-{9BBCA2FE-C1BF-4ABD-9148-B6D413E824D5}" dt="2022-10-14T14:54:00.374" v="12" actId="1076"/>
           <ac:picMkLst>
             <pc:docMk/>
-            <pc:sldMk cId="1614585721" sldId="374"/>
-            <ac:picMk id="4" creationId="{AC0CEC8A-93E8-390E-58FE-A5F7B83D6C34}"/>
+            <pc:sldMk cId="3128748201" sldId="362"/>
+            <ac:picMk id="5" creationId="{C3CEB1D1-984B-2F2F-1AB9-7B7BDD300F57}"/>
           </ac:picMkLst>
         </pc:picChg>
-        <pc:picChg chg="add mod ord">
-          <ac:chgData name="Vasana,Manikanta" userId="S::s545551@nwmissouri.edu::aa5ba442-2039-4fd0-a3af-aa6dd8db2d87" providerId="AD" clId="Web-{9E33308C-2BE0-4477-9970-3C15019AEB70}" dt="2022-10-14T15:31:54.769" v="224" actId="14100"/>
+      </pc:sldChg>
+      <pc:sldChg chg="addSp modSp">
+        <pc:chgData name="Mohammed,Shahid" userId="S::s545032@nwmissouri.edu::9aecc2f4-f059-4cd3-b4f0-11f59c37e54f" providerId="AD" clId="Web-{9BBCA2FE-C1BF-4ABD-9148-B6D413E824D5}" dt="2022-10-14T15:08:13.452" v="62" actId="1076"/>
+        <pc:sldMkLst>
+          <pc:docMk/>
+          <pc:sldMk cId="2459341095" sldId="364"/>
+        </pc:sldMkLst>
+        <pc:spChg chg="mod">
+          <ac:chgData name="Mohammed,Shahid" userId="S::s545032@nwmissouri.edu::9aecc2f4-f059-4cd3-b4f0-11f59c37e54f" providerId="AD" clId="Web-{9BBCA2FE-C1BF-4ABD-9148-B6D413E824D5}" dt="2022-10-14T15:08:10.107" v="61" actId="1076"/>
+          <ac:spMkLst>
+            <pc:docMk/>
+            <pc:sldMk cId="2459341095" sldId="364"/>
+            <ac:spMk id="3" creationId="{386E58DB-AF1A-2DF3-7CF6-71CAE99743B8}"/>
+          </ac:spMkLst>
+        </pc:spChg>
+        <pc:picChg chg="add mod">
+          <ac:chgData name="Mohammed,Shahid" userId="S::s545032@nwmissouri.edu::9aecc2f4-f059-4cd3-b4f0-11f59c37e54f" providerId="AD" clId="Web-{9BBCA2FE-C1BF-4ABD-9148-B6D413E824D5}" dt="2022-10-14T15:08:13.452" v="62" actId="1076"/>
           <ac:picMkLst>
             <pc:docMk/>
-            <pc:sldMk cId="1614585721" sldId="374"/>
-            <ac:picMk id="7" creationId="{406597BD-8376-9BDA-576E-517F9B18FE5B}"/>
+            <pc:sldMk cId="2459341095" sldId="364"/>
+            <ac:picMk id="5" creationId="{CB4F9A2D-D5A9-F4C9-EE29-F33A16A2DCC6}"/>
+          </ac:picMkLst>
+        </pc:picChg>
+      </pc:sldChg>
+      <pc:sldChg chg="modSp">
+        <pc:chgData name="Mohammed,Shahid" userId="S::s545032@nwmissouri.edu::9aecc2f4-f059-4cd3-b4f0-11f59c37e54f" providerId="AD" clId="Web-{9BBCA2FE-C1BF-4ABD-9148-B6D413E824D5}" dt="2022-10-14T15:28:20.927" v="80" actId="20577"/>
+        <pc:sldMkLst>
+          <pc:docMk/>
+          <pc:sldMk cId="437098969" sldId="370"/>
+        </pc:sldMkLst>
+        <pc:spChg chg="mod">
+          <ac:chgData name="Mohammed,Shahid" userId="S::s545032@nwmissouri.edu::9aecc2f4-f059-4cd3-b4f0-11f59c37e54f" providerId="AD" clId="Web-{9BBCA2FE-C1BF-4ABD-9148-B6D413E824D5}" dt="2022-10-14T15:28:20.927" v="80" actId="20577"/>
+          <ac:spMkLst>
+            <pc:docMk/>
+            <pc:sldMk cId="437098969" sldId="370"/>
+            <ac:spMk id="3" creationId="{2717A627-2709-3E6E-A10A-905A446CF39D}"/>
+          </ac:spMkLst>
+        </pc:spChg>
+      </pc:sldChg>
+      <pc:sldChg chg="modSp">
+        <pc:chgData name="Mohammed,Shahid" userId="S::s545032@nwmissouri.edu::9aecc2f4-f059-4cd3-b4f0-11f59c37e54f" providerId="AD" clId="Web-{9BBCA2FE-C1BF-4ABD-9148-B6D413E824D5}" dt="2022-10-14T15:53:18.540" v="128" actId="20577"/>
+        <pc:sldMkLst>
+          <pc:docMk/>
+          <pc:sldMk cId="884823026" sldId="371"/>
+        </pc:sldMkLst>
+        <pc:spChg chg="mod">
+          <ac:chgData name="Mohammed,Shahid" userId="S::s545032@nwmissouri.edu::9aecc2f4-f059-4cd3-b4f0-11f59c37e54f" providerId="AD" clId="Web-{9BBCA2FE-C1BF-4ABD-9148-B6D413E824D5}" dt="2022-10-14T15:53:18.540" v="128" actId="20577"/>
+          <ac:spMkLst>
+            <pc:docMk/>
+            <pc:sldMk cId="884823026" sldId="371"/>
+            <ac:spMk id="3" creationId="{1CE5B5B3-F968-7176-817F-D2DECAB3BFC0}"/>
+          </ac:spMkLst>
+        </pc:spChg>
+      </pc:sldChg>
+      <pc:sldChg chg="modSp new">
+        <pc:chgData name="Mohammed,Shahid" userId="S::s545032@nwmissouri.edu::9aecc2f4-f059-4cd3-b4f0-11f59c37e54f" providerId="AD" clId="Web-{9BBCA2FE-C1BF-4ABD-9148-B6D413E824D5}" dt="2022-10-14T15:45:33.540" v="121" actId="20577"/>
+        <pc:sldMkLst>
+          <pc:docMk/>
+          <pc:sldMk cId="3017103360" sldId="372"/>
+        </pc:sldMkLst>
+        <pc:spChg chg="mod">
+          <ac:chgData name="Mohammed,Shahid" userId="S::s545032@nwmissouri.edu::9aecc2f4-f059-4cd3-b4f0-11f59c37e54f" providerId="AD" clId="Web-{9BBCA2FE-C1BF-4ABD-9148-B6D413E824D5}" dt="2022-10-14T14:55:22.408" v="25" actId="20577"/>
+          <ac:spMkLst>
+            <pc:docMk/>
+            <pc:sldMk cId="3017103360" sldId="372"/>
+            <ac:spMk id="2" creationId="{9B203523-CF4E-5660-E239-E185D27F83C7}"/>
+          </ac:spMkLst>
+        </pc:spChg>
+        <pc:spChg chg="mod">
+          <ac:chgData name="Mohammed,Shahid" userId="S::s545032@nwmissouri.edu::9aecc2f4-f059-4cd3-b4f0-11f59c37e54f" providerId="AD" clId="Web-{9BBCA2FE-C1BF-4ABD-9148-B6D413E824D5}" dt="2022-10-14T15:45:33.540" v="121" actId="20577"/>
+          <ac:spMkLst>
+            <pc:docMk/>
+            <pc:sldMk cId="3017103360" sldId="372"/>
+            <ac:spMk id="3" creationId="{0E3D6556-A722-02BE-F336-6B448678512B}"/>
+          </ac:spMkLst>
+        </pc:spChg>
+      </pc:sldChg>
+      <pc:sldChg chg="addSp modSp new">
+        <pc:chgData name="Mohammed,Shahid" userId="S::s545032@nwmissouri.edu::9aecc2f4-f059-4cd3-b4f0-11f59c37e54f" providerId="AD" clId="Web-{9BBCA2FE-C1BF-4ABD-9148-B6D413E824D5}" dt="2022-10-14T15:12:01.723" v="78" actId="14100"/>
+        <pc:sldMkLst>
+          <pc:docMk/>
+          <pc:sldMk cId="4113795527" sldId="375"/>
+        </pc:sldMkLst>
+        <pc:spChg chg="mod">
+          <ac:chgData name="Mohammed,Shahid" userId="S::s545032@nwmissouri.edu::9aecc2f4-f059-4cd3-b4f0-11f59c37e54f" providerId="AD" clId="Web-{9BBCA2FE-C1BF-4ABD-9148-B6D413E824D5}" dt="2022-10-14T15:11:19.628" v="67" actId="1076"/>
+          <ac:spMkLst>
+            <pc:docMk/>
+            <pc:sldMk cId="4113795527" sldId="375"/>
+            <ac:spMk id="2" creationId="{7AC27030-194D-1EF6-AC29-5F692AEB8181}"/>
+          </ac:spMkLst>
+        </pc:spChg>
+        <pc:spChg chg="mod">
+          <ac:chgData name="Mohammed,Shahid" userId="S::s545032@nwmissouri.edu::9aecc2f4-f059-4cd3-b4f0-11f59c37e54f" providerId="AD" clId="Web-{9BBCA2FE-C1BF-4ABD-9148-B6D413E824D5}" dt="2022-10-14T15:11:50.426" v="73" actId="20577"/>
+          <ac:spMkLst>
+            <pc:docMk/>
+            <pc:sldMk cId="4113795527" sldId="375"/>
+            <ac:spMk id="3" creationId="{7CAED4AF-0819-0D07-042B-3BC87CBC8010}"/>
+          </ac:spMkLst>
+        </pc:spChg>
+        <pc:picChg chg="add mod">
+          <ac:chgData name="Mohammed,Shahid" userId="S::s545032@nwmissouri.edu::9aecc2f4-f059-4cd3-b4f0-11f59c37e54f" providerId="AD" clId="Web-{9BBCA2FE-C1BF-4ABD-9148-B6D413E824D5}" dt="2022-10-14T15:12:01.723" v="78" actId="14100"/>
+          <ac:picMkLst>
+            <pc:docMk/>
+            <pc:sldMk cId="4113795527" sldId="375"/>
+            <ac:picMk id="4" creationId="{074D5358-FD49-FD13-8281-A866D2376EC2}"/>
+          </ac:picMkLst>
+        </pc:picChg>
+      </pc:sldChg>
+      <pc:sldChg chg="addSp delSp modSp mod setBg">
+        <pc:chgData name="Mohammed,Shahid" userId="S::s545032@nwmissouri.edu::9aecc2f4-f059-4cd3-b4f0-11f59c37e54f" providerId="AD" clId="Web-{9BBCA2FE-C1BF-4ABD-9148-B6D413E824D5}" dt="2022-10-14T15:52:47.070" v="124"/>
+        <pc:sldMkLst>
+          <pc:docMk/>
+          <pc:sldMk cId="3225898199" sldId="378"/>
+        </pc:sldMkLst>
+        <pc:spChg chg="mod ord">
+          <ac:chgData name="Mohammed,Shahid" userId="S::s545032@nwmissouri.edu::9aecc2f4-f059-4cd3-b4f0-11f59c37e54f" providerId="AD" clId="Web-{9BBCA2FE-C1BF-4ABD-9148-B6D413E824D5}" dt="2022-10-14T15:52:47.070" v="124"/>
+          <ac:spMkLst>
+            <pc:docMk/>
+            <pc:sldMk cId="3225898199" sldId="378"/>
+            <ac:spMk id="3" creationId="{627AC61C-9393-097F-8278-A135703BB589}"/>
+          </ac:spMkLst>
+        </pc:spChg>
+        <pc:spChg chg="mod">
+          <ac:chgData name="Mohammed,Shahid" userId="S::s545032@nwmissouri.edu::9aecc2f4-f059-4cd3-b4f0-11f59c37e54f" providerId="AD" clId="Web-{9BBCA2FE-C1BF-4ABD-9148-B6D413E824D5}" dt="2022-10-14T15:52:47.070" v="124"/>
+          <ac:spMkLst>
+            <pc:docMk/>
+            <pc:sldMk cId="3225898199" sldId="378"/>
+            <ac:spMk id="7" creationId="{D6B5D823-5C12-1AB8-3142-290071BA27E1}"/>
+          </ac:spMkLst>
+        </pc:spChg>
+        <pc:picChg chg="del">
+          <ac:chgData name="Mohammed,Shahid" userId="S::s545032@nwmissouri.edu::9aecc2f4-f059-4cd3-b4f0-11f59c37e54f" providerId="AD" clId="Web-{9BBCA2FE-C1BF-4ABD-9148-B6D413E824D5}" dt="2022-10-14T15:52:33.663" v="122"/>
+          <ac:picMkLst>
+            <pc:docMk/>
+            <pc:sldMk cId="3225898199" sldId="378"/>
+            <ac:picMk id="4" creationId="{B5949412-727A-B8B1-7800-52D93B576323}"/>
           </ac:picMkLst>
         </pc:picChg>
         <pc:picChg chg="add mod">
-          <ac:chgData name="Vasana,Manikanta" userId="S::s545551@nwmissouri.edu::aa5ba442-2039-4fd0-a3af-aa6dd8db2d87" providerId="AD" clId="Web-{9E33308C-2BE0-4477-9970-3C15019AEB70}" dt="2022-10-14T15:35:57.227" v="245" actId="1076"/>
+          <ac:chgData name="Mohammed,Shahid" userId="S::s545032@nwmissouri.edu::9aecc2f4-f059-4cd3-b4f0-11f59c37e54f" providerId="AD" clId="Web-{9BBCA2FE-C1BF-4ABD-9148-B6D413E824D5}" dt="2022-10-14T15:52:47.070" v="124"/>
           <ac:picMkLst>
             <pc:docMk/>
-            <pc:sldMk cId="1614585721" sldId="374"/>
-            <ac:picMk id="8" creationId="{BF9C0E73-55E4-52F9-38E3-84F4976B7964}"/>
+            <pc:sldMk cId="3225898199" sldId="378"/>
+            <ac:picMk id="6" creationId="{B57B45FC-9368-4581-4C9F-961E7C20F2DF}"/>
           </ac:picMkLst>
         </pc:picChg>
-        <pc:cxnChg chg="add del">
-          <ac:chgData name="Vasana,Manikanta" userId="S::s545551@nwmissouri.edu::aa5ba442-2039-4fd0-a3af-aa6dd8db2d87" providerId="AD" clId="Web-{9E33308C-2BE0-4477-9970-3C15019AEB70}" dt="2022-10-14T15:34:10.834" v="239"/>
-          <ac:cxnSpMkLst>
-            <pc:docMk/>
-            <pc:sldMk cId="1614585721" sldId="374"/>
-            <ac:cxnSpMk id="10" creationId="{D3C279B2-BC41-D4BD-99BC-826F94D4B028}"/>
-          </ac:cxnSpMkLst>
-        </pc:cxnChg>
       </pc:sldChg>
-      <pc:sldChg chg="new del">
-        <pc:chgData name="Vasana,Manikanta" userId="S::s545551@nwmissouri.edu::aa5ba442-2039-4fd0-a3af-aa6dd8db2d87" providerId="AD" clId="Web-{9E33308C-2BE0-4477-9970-3C15019AEB70}" dt="2022-10-14T15:31:10.439" v="216"/>
+      <pc:sldChg chg="addSp modSp new ord">
+        <pc:chgData name="Mohammed,Shahid" userId="S::s545032@nwmissouri.edu::9aecc2f4-f059-4cd3-b4f0-11f59c37e54f" providerId="AD" clId="Web-{9BBCA2FE-C1BF-4ABD-9148-B6D413E824D5}" dt="2022-10-14T15:43:58.037" v="119"/>
         <pc:sldMkLst>
           <pc:docMk/>
-          <pc:sldMk cId="1977206377" sldId="379"/>
+          <pc:sldMk cId="823308323" sldId="379"/>
         </pc:sldMkLst>
+        <pc:spChg chg="mod">
+          <ac:chgData name="Mohammed,Shahid" userId="S::s545032@nwmissouri.edu::9aecc2f4-f059-4cd3-b4f0-11f59c37e54f" providerId="AD" clId="Web-{9BBCA2FE-C1BF-4ABD-9148-B6D413E824D5}" dt="2022-10-14T15:43:40.974" v="116" actId="1076"/>
+          <ac:spMkLst>
+            <pc:docMk/>
+            <pc:sldMk cId="823308323" sldId="379"/>
+            <ac:spMk id="2" creationId="{E27B8719-56DF-1D34-43EB-43F412B69050}"/>
+          </ac:spMkLst>
+        </pc:spChg>
+        <pc:spChg chg="mod">
+          <ac:chgData name="Mohammed,Shahid" userId="S::s545032@nwmissouri.edu::9aecc2f4-f059-4cd3-b4f0-11f59c37e54f" providerId="AD" clId="Web-{9BBCA2FE-C1BF-4ABD-9148-B6D413E824D5}" dt="2022-10-14T15:43:47.568" v="117" actId="1076"/>
+          <ac:spMkLst>
+            <pc:docMk/>
+            <pc:sldMk cId="823308323" sldId="379"/>
+            <ac:spMk id="3" creationId="{ABDEE460-B203-FB49-6CA3-216BB52E9EEC}"/>
+          </ac:spMkLst>
+        </pc:spChg>
+        <pc:picChg chg="add mod">
+          <ac:chgData name="Mohammed,Shahid" userId="S::s545032@nwmissouri.edu::9aecc2f4-f059-4cd3-b4f0-11f59c37e54f" providerId="AD" clId="Web-{9BBCA2FE-C1BF-4ABD-9148-B6D413E824D5}" dt="2022-10-14T15:43:51.286" v="118" actId="1076"/>
+          <ac:picMkLst>
+            <pc:docMk/>
+            <pc:sldMk cId="823308323" sldId="379"/>
+            <ac:picMk id="4" creationId="{ADECC6D3-E6D4-7061-8C3B-B651F7871396}"/>
+          </ac:picMkLst>
+        </pc:picChg>
       </pc:sldChg>
-      <pc:sldChg chg="modSp new del">
-        <pc:chgData name="Vasana,Manikanta" userId="S::s545551@nwmissouri.edu::aa5ba442-2039-4fd0-a3af-aa6dd8db2d87" providerId="AD" clId="Web-{9E33308C-2BE0-4477-9970-3C15019AEB70}" dt="2022-10-14T15:30:27.564" v="209"/>
+      <pc:sldChg chg="addSp delSp modSp new del">
+        <pc:chgData name="Mohammed,Shahid" userId="S::s545032@nwmissouri.edu::9aecc2f4-f059-4cd3-b4f0-11f59c37e54f" providerId="AD" clId="Web-{9BBCA2FE-C1BF-4ABD-9148-B6D413E824D5}" dt="2022-10-14T15:42:35.987" v="103"/>
         <pc:sldMkLst>
           <pc:docMk/>
-          <pc:sldMk cId="2640318406" sldId="379"/>
+          <pc:sldMk cId="836180278" sldId="379"/>
         </pc:sldMkLst>
         <pc:spChg chg="mod">
-          <ac:chgData name="Vasana,Manikanta" userId="S::s545551@nwmissouri.edu::aa5ba442-2039-4fd0-a3af-aa6dd8db2d87" providerId="AD" clId="Web-{9E33308C-2BE0-4477-9970-3C15019AEB70}" dt="2022-10-14T15:30:22.376" v="208" actId="20577"/>
-          <ac:spMkLst>
-            <pc:docMk/>
-            <pc:sldMk cId="2640318406" sldId="379"/>
-            <ac:spMk id="2" creationId="{CD739126-00C5-80F3-1365-6F4CFFED23BD}"/>
+          <ac:chgData name="Mohammed,Shahid" userId="S::s545032@nwmissouri.edu::9aecc2f4-f059-4cd3-b4f0-11f59c37e54f" providerId="AD" clId="Web-{9BBCA2FE-C1BF-4ABD-9148-B6D413E824D5}" dt="2022-10-14T15:42:10.408" v="99" actId="20577"/>
+          <ac:spMkLst>
+            <pc:docMk/>
+            <pc:sldMk cId="836180278" sldId="379"/>
+            <ac:spMk id="2" creationId="{37BD639D-ECD5-3A8E-96A5-472FA621B18D}"/>
+          </ac:spMkLst>
+        </pc:spChg>
+        <pc:spChg chg="mod">
+          <ac:chgData name="Mohammed,Shahid" userId="S::s545032@nwmissouri.edu::9aecc2f4-f059-4cd3-b4f0-11f59c37e54f" providerId="AD" clId="Web-{9BBCA2FE-C1BF-4ABD-9148-B6D413E824D5}" dt="2022-10-14T15:42:29.674" v="102" actId="20577"/>
+          <ac:spMkLst>
+            <pc:docMk/>
+            <pc:sldMk cId="836180278" sldId="379"/>
+            <ac:spMk id="3" creationId="{6F325FD3-8624-CDB2-FF03-5B4140CC7C86}"/>
+          </ac:spMkLst>
+        </pc:spChg>
+        <pc:spChg chg="add del mod">
+          <ac:chgData name="Mohammed,Shahid" userId="S::s545032@nwmissouri.edu::9aecc2f4-f059-4cd3-b4f0-11f59c37e54f" providerId="AD" clId="Web-{9BBCA2FE-C1BF-4ABD-9148-B6D413E824D5}" dt="2022-10-14T15:42:06.314" v="98"/>
+          <ac:spMkLst>
+            <pc:docMk/>
+            <pc:sldMk cId="836180278" sldId="379"/>
+            <ac:spMk id="4" creationId="{77905A6B-5426-B365-0012-E443B79018DF}"/>
+          </ac:spMkLst>
+        </pc:spChg>
+      </pc:sldChg>
+    </pc:docChg>
+  </pc:docChgLst>
+  <pc:docChgLst>
+    <pc:chgData name="Sanku,Dheemanth Reddy" userId="S::s545025@nwmissouri.edu::9f715dee-37bc-46e3-b096-3ccff95550fc" providerId="AD" clId="Web-{49FB3C54-C934-5136-F75A-12E3EE2BF7B7}"/>
+    <pc:docChg chg="addSld modSld sldOrd">
+      <pc:chgData name="Sanku,Dheemanth Reddy" userId="S::s545025@nwmissouri.edu::9f715dee-37bc-46e3-b096-3ccff95550fc" providerId="AD" clId="Web-{49FB3C54-C934-5136-F75A-12E3EE2BF7B7}" dt="2022-10-17T17:29:59.873" v="378" actId="1076"/>
+      <pc:docMkLst>
+        <pc:docMk/>
+      </pc:docMkLst>
+      <pc:sldChg chg="addSp delSp modSp new ord addAnim delAnim">
+        <pc:chgData name="Sanku,Dheemanth Reddy" userId="S::s545025@nwmissouri.edu::9f715dee-37bc-46e3-b096-3ccff95550fc" providerId="AD" clId="Web-{49FB3C54-C934-5136-F75A-12E3EE2BF7B7}" dt="2022-10-17T17:29:59.873" v="378" actId="1076"/>
+        <pc:sldMkLst>
+          <pc:docMk/>
+          <pc:sldMk cId="1436300927" sldId="381"/>
+        </pc:sldMkLst>
+        <pc:spChg chg="add mod">
+          <ac:chgData name="Sanku,Dheemanth Reddy" userId="S::s545025@nwmissouri.edu::9f715dee-37bc-46e3-b096-3ccff95550fc" providerId="AD" clId="Web-{49FB3C54-C934-5136-F75A-12E3EE2BF7B7}" dt="2022-10-17T17:20:16.967" v="255" actId="1076"/>
+          <ac:spMkLst>
+            <pc:docMk/>
+            <pc:sldMk cId="1436300927" sldId="381"/>
+            <ac:spMk id="2" creationId="{12D35EB1-1C4C-7E28-0FBE-939B16B977D9}"/>
+          </ac:spMkLst>
+        </pc:spChg>
+        <pc:spChg chg="add mod">
+          <ac:chgData name="Sanku,Dheemanth Reddy" userId="S::s545025@nwmissouri.edu::9f715dee-37bc-46e3-b096-3ccff95550fc" providerId="AD" clId="Web-{49FB3C54-C934-5136-F75A-12E3EE2BF7B7}" dt="2022-10-17T17:16:58.447" v="181" actId="1076"/>
+          <ac:spMkLst>
+            <pc:docMk/>
+            <pc:sldMk cId="1436300927" sldId="381"/>
+            <ac:spMk id="3" creationId="{3444F04F-CF89-0BD6-FDC3-C09B64885C97}"/>
+          </ac:spMkLst>
+        </pc:spChg>
+        <pc:spChg chg="add del mod">
+          <ac:chgData name="Sanku,Dheemanth Reddy" userId="S::s545025@nwmissouri.edu::9f715dee-37bc-46e3-b096-3ccff95550fc" providerId="AD" clId="Web-{49FB3C54-C934-5136-F75A-12E3EE2BF7B7}" dt="2022-10-17T17:10:17.264" v="120"/>
+          <ac:spMkLst>
+            <pc:docMk/>
+            <pc:sldMk cId="1436300927" sldId="381"/>
+            <ac:spMk id="4" creationId="{7296688B-CAAA-C17D-DD3D-DDF9A7B3B33A}"/>
+          </ac:spMkLst>
+        </pc:spChg>
+        <pc:spChg chg="add mod">
+          <ac:chgData name="Sanku,Dheemanth Reddy" userId="S::s545025@nwmissouri.edu::9f715dee-37bc-46e3-b096-3ccff95550fc" providerId="AD" clId="Web-{49FB3C54-C934-5136-F75A-12E3EE2BF7B7}" dt="2022-10-17T17:11:03.578" v="128" actId="20577"/>
+          <ac:spMkLst>
+            <pc:docMk/>
+            <pc:sldMk cId="1436300927" sldId="381"/>
+            <ac:spMk id="6" creationId="{625A9FBF-712E-AD85-E126-3787A85CA25A}"/>
+          </ac:spMkLst>
+        </pc:spChg>
+        <pc:spChg chg="add mod">
+          <ac:chgData name="Sanku,Dheemanth Reddy" userId="S::s545025@nwmissouri.edu::9f715dee-37bc-46e3-b096-3ccff95550fc" providerId="AD" clId="Web-{49FB3C54-C934-5136-F75A-12E3EE2BF7B7}" dt="2022-10-17T17:13:18.503" v="167" actId="1076"/>
+          <ac:spMkLst>
+            <pc:docMk/>
+            <pc:sldMk cId="1436300927" sldId="381"/>
+            <ac:spMk id="8" creationId="{1527EE82-F424-27CD-BB3B-34C4BAF449F0}"/>
+          </ac:spMkLst>
+        </pc:spChg>
+        <pc:spChg chg="add mod">
+          <ac:chgData name="Sanku,Dheemanth Reddy" userId="S::s545025@nwmissouri.edu::9f715dee-37bc-46e3-b096-3ccff95550fc" providerId="AD" clId="Web-{49FB3C54-C934-5136-F75A-12E3EE2BF7B7}" dt="2022-10-17T17:13:43.207" v="170" actId="20577"/>
+          <ac:spMkLst>
+            <pc:docMk/>
+            <pc:sldMk cId="1436300927" sldId="381"/>
+            <ac:spMk id="10" creationId="{16F76ADC-F7E9-4210-7853-9786A2A4D3EF}"/>
+          </ac:spMkLst>
+        </pc:spChg>
+        <pc:spChg chg="add mod">
+          <ac:chgData name="Sanku,Dheemanth Reddy" userId="S::s545025@nwmissouri.edu::9f715dee-37bc-46e3-b096-3ccff95550fc" providerId="AD" clId="Web-{49FB3C54-C934-5136-F75A-12E3EE2BF7B7}" dt="2022-10-17T17:16:29.774" v="175" actId="1076"/>
+          <ac:spMkLst>
+            <pc:docMk/>
+            <pc:sldMk cId="1436300927" sldId="381"/>
+            <ac:spMk id="11" creationId="{0A9CC521-5CF1-91AD-A9F0-7E90D7BA8475}"/>
+          </ac:spMkLst>
+        </pc:spChg>
+        <pc:spChg chg="add mod">
+          <ac:chgData name="Sanku,Dheemanth Reddy" userId="S::s545025@nwmissouri.edu::9f715dee-37bc-46e3-b096-3ccff95550fc" providerId="AD" clId="Web-{49FB3C54-C934-5136-F75A-12E3EE2BF7B7}" dt="2022-10-17T17:16:48.243" v="180" actId="20577"/>
+          <ac:spMkLst>
+            <pc:docMk/>
+            <pc:sldMk cId="1436300927" sldId="381"/>
+            <ac:spMk id="13" creationId="{117E36FF-09D3-8F58-5F01-1FB385BECA48}"/>
+          </ac:spMkLst>
+        </pc:spChg>
+        <pc:spChg chg="add mod">
+          <ac:chgData name="Sanku,Dheemanth Reddy" userId="S::s545025@nwmissouri.edu::9f715dee-37bc-46e3-b096-3ccff95550fc" providerId="AD" clId="Web-{49FB3C54-C934-5136-F75A-12E3EE2BF7B7}" dt="2022-10-17T17:17:43.010" v="198" actId="20577"/>
+          <ac:spMkLst>
+            <pc:docMk/>
+            <pc:sldMk cId="1436300927" sldId="381"/>
+            <ac:spMk id="15" creationId="{EE508096-ECCC-2503-BF37-6666829F181B}"/>
+          </ac:spMkLst>
+        </pc:spChg>
+        <pc:spChg chg="add mod">
+          <ac:chgData name="Sanku,Dheemanth Reddy" userId="S::s545025@nwmissouri.edu::9f715dee-37bc-46e3-b096-3ccff95550fc" providerId="AD" clId="Web-{49FB3C54-C934-5136-F75A-12E3EE2BF7B7}" dt="2022-10-17T17:17:48.151" v="202" actId="20577"/>
+          <ac:spMkLst>
+            <pc:docMk/>
+            <pc:sldMk cId="1436300927" sldId="381"/>
+            <ac:spMk id="17" creationId="{904E7043-F28D-82B3-35C8-E13D5ABF9FFE}"/>
+          </ac:spMkLst>
+        </pc:spChg>
+        <pc:spChg chg="add mod">
+          <ac:chgData name="Sanku,Dheemanth Reddy" userId="S::s545025@nwmissouri.edu::9f715dee-37bc-46e3-b096-3ccff95550fc" providerId="AD" clId="Web-{49FB3C54-C934-5136-F75A-12E3EE2BF7B7}" dt="2022-10-17T17:17:57.151" v="204" actId="20577"/>
+          <ac:spMkLst>
+            <pc:docMk/>
+            <pc:sldMk cId="1436300927" sldId="381"/>
+            <ac:spMk id="19" creationId="{A852F0B2-10FE-0504-5C3C-4A472EABF586}"/>
+          </ac:spMkLst>
+        </pc:spChg>
+        <pc:spChg chg="add mod">
+          <ac:chgData name="Sanku,Dheemanth Reddy" userId="S::s545025@nwmissouri.edu::9f715dee-37bc-46e3-b096-3ccff95550fc" providerId="AD" clId="Web-{49FB3C54-C934-5136-F75A-12E3EE2BF7B7}" dt="2022-10-17T17:17:36.713" v="195" actId="1076"/>
+          <ac:spMkLst>
+            <pc:docMk/>
+            <pc:sldMk cId="1436300927" sldId="381"/>
+            <ac:spMk id="20" creationId="{F8A632FC-47D5-A490-FA3B-FA7515C67049}"/>
+          </ac:spMkLst>
+        </pc:spChg>
+        <pc:spChg chg="add mod">
+          <ac:chgData name="Sanku,Dheemanth Reddy" userId="S::s545025@nwmissouri.edu::9f715dee-37bc-46e3-b096-3ccff95550fc" providerId="AD" clId="Web-{49FB3C54-C934-5136-F75A-12E3EE2BF7B7}" dt="2022-10-17T17:18:12.823" v="212" actId="20577"/>
+          <ac:spMkLst>
+            <pc:docMk/>
+            <pc:sldMk cId="1436300927" sldId="381"/>
+            <ac:spMk id="22" creationId="{DF6CD902-E51D-0296-A6C2-564A93A98DF9}"/>
+          </ac:spMkLst>
+        </pc:spChg>
+        <pc:spChg chg="add mod">
+          <ac:chgData name="Sanku,Dheemanth Reddy" userId="S::s545025@nwmissouri.edu::9f715dee-37bc-46e3-b096-3ccff95550fc" providerId="AD" clId="Web-{49FB3C54-C934-5136-F75A-12E3EE2BF7B7}" dt="2022-10-17T17:18:51.371" v="229" actId="20577"/>
+          <ac:spMkLst>
+            <pc:docMk/>
+            <pc:sldMk cId="1436300927" sldId="381"/>
+            <ac:spMk id="24" creationId="{58684F71-8129-D8D1-F1DC-382B24DF6BD3}"/>
+          </ac:spMkLst>
+        </pc:spChg>
+        <pc:spChg chg="add mod">
+          <ac:chgData name="Sanku,Dheemanth Reddy" userId="S::s545025@nwmissouri.edu::9f715dee-37bc-46e3-b096-3ccff95550fc" providerId="AD" clId="Web-{49FB3C54-C934-5136-F75A-12E3EE2BF7B7}" dt="2022-10-17T17:18:54.153" v="231" actId="20577"/>
+          <ac:spMkLst>
+            <pc:docMk/>
+            <pc:sldMk cId="1436300927" sldId="381"/>
+            <ac:spMk id="26" creationId="{964D8F5E-F77C-81EE-A71C-AD2DC60A8C72}"/>
+          </ac:spMkLst>
+        </pc:spChg>
+        <pc:spChg chg="add mod">
+          <ac:chgData name="Sanku,Dheemanth Reddy" userId="S::s545025@nwmissouri.edu::9f715dee-37bc-46e3-b096-3ccff95550fc" providerId="AD" clId="Web-{49FB3C54-C934-5136-F75A-12E3EE2BF7B7}" dt="2022-10-17T17:18:59.918" v="235" actId="20577"/>
+          <ac:spMkLst>
+            <pc:docMk/>
+            <pc:sldMk cId="1436300927" sldId="381"/>
+            <ac:spMk id="28" creationId="{B4D52F4C-DE40-8437-03C0-D34AED6EC711}"/>
+          </ac:spMkLst>
+        </pc:spChg>
+        <pc:spChg chg="add mod">
+          <ac:chgData name="Sanku,Dheemanth Reddy" userId="S::s545025@nwmissouri.edu::9f715dee-37bc-46e3-b096-3ccff95550fc" providerId="AD" clId="Web-{49FB3C54-C934-5136-F75A-12E3EE2BF7B7}" dt="2022-10-17T17:20:55.484" v="273" actId="1076"/>
+          <ac:spMkLst>
+            <pc:docMk/>
+            <pc:sldMk cId="1436300927" sldId="381"/>
+            <ac:spMk id="29" creationId="{AE238D3A-C92A-5E0C-7198-A0BCBCFCCD65}"/>
+          </ac:spMkLst>
+        </pc:spChg>
+        <pc:spChg chg="add mod">
+          <ac:chgData name="Sanku,Dheemanth Reddy" userId="S::s545025@nwmissouri.edu::9f715dee-37bc-46e3-b096-3ccff95550fc" providerId="AD" clId="Web-{49FB3C54-C934-5136-F75A-12E3EE2BF7B7}" dt="2022-10-17T17:21:55.126" v="281" actId="20577"/>
+          <ac:spMkLst>
+            <pc:docMk/>
+            <pc:sldMk cId="1436300927" sldId="381"/>
+            <ac:spMk id="31" creationId="{603057A0-250D-E03A-7207-EC432DAA3DAA}"/>
+          </ac:spMkLst>
+        </pc:spChg>
+        <pc:spChg chg="add del mod">
+          <ac:chgData name="Sanku,Dheemanth Reddy" userId="S::s545025@nwmissouri.edu::9f715dee-37bc-46e3-b096-3ccff95550fc" providerId="AD" clId="Web-{49FB3C54-C934-5136-F75A-12E3EE2BF7B7}" dt="2022-10-17T17:20:19.467" v="266"/>
+          <ac:spMkLst>
+            <pc:docMk/>
+            <pc:sldMk cId="1436300927" sldId="381"/>
+            <ac:spMk id="33" creationId="{007DE2CE-0414-A846-90A5-EA22ED2F46B9}"/>
+          </ac:spMkLst>
+        </pc:spChg>
+        <pc:spChg chg="add del mod">
+          <ac:chgData name="Sanku,Dheemanth Reddy" userId="S::s545025@nwmissouri.edu::9f715dee-37bc-46e3-b096-3ccff95550fc" providerId="AD" clId="Web-{49FB3C54-C934-5136-F75A-12E3EE2BF7B7}" dt="2022-10-17T17:20:19.467" v="265"/>
+          <ac:spMkLst>
+            <pc:docMk/>
+            <pc:sldMk cId="1436300927" sldId="381"/>
+            <ac:spMk id="35" creationId="{7ACD22D7-63C1-92DA-E08C-E3533ADB07AE}"/>
+          </ac:spMkLst>
+        </pc:spChg>
+        <pc:spChg chg="add del mod">
+          <ac:chgData name="Sanku,Dheemanth Reddy" userId="S::s545025@nwmissouri.edu::9f715dee-37bc-46e3-b096-3ccff95550fc" providerId="AD" clId="Web-{49FB3C54-C934-5136-F75A-12E3EE2BF7B7}" dt="2022-10-17T17:20:19.467" v="264"/>
+          <ac:spMkLst>
+            <pc:docMk/>
+            <pc:sldMk cId="1436300927" sldId="381"/>
+            <ac:spMk id="37" creationId="{8D890A62-0A05-3E56-8E4F-B0520891C5A2}"/>
+          </ac:spMkLst>
+        </pc:spChg>
+        <pc:spChg chg="add del mod">
+          <ac:chgData name="Sanku,Dheemanth Reddy" userId="S::s545025@nwmissouri.edu::9f715dee-37bc-46e3-b096-3ccff95550fc" providerId="AD" clId="Web-{49FB3C54-C934-5136-F75A-12E3EE2BF7B7}" dt="2022-10-17T17:20:19.467" v="263"/>
+          <ac:spMkLst>
+            <pc:docMk/>
+            <pc:sldMk cId="1436300927" sldId="381"/>
+            <ac:spMk id="38" creationId="{521D52CE-F995-25B2-630F-468E1143C9D1}"/>
+          </ac:spMkLst>
+        </pc:spChg>
+        <pc:spChg chg="add del mod">
+          <ac:chgData name="Sanku,Dheemanth Reddy" userId="S::s545025@nwmissouri.edu::9f715dee-37bc-46e3-b096-3ccff95550fc" providerId="AD" clId="Web-{49FB3C54-C934-5136-F75A-12E3EE2BF7B7}" dt="2022-10-17T17:20:19.467" v="262"/>
+          <ac:spMkLst>
+            <pc:docMk/>
+            <pc:sldMk cId="1436300927" sldId="381"/>
+            <ac:spMk id="40" creationId="{E41C3FB5-55A8-6E52-F1F0-E0CEDED4B62B}"/>
+          </ac:spMkLst>
+        </pc:spChg>
+        <pc:spChg chg="add del mod">
+          <ac:chgData name="Sanku,Dheemanth Reddy" userId="S::s545025@nwmissouri.edu::9f715dee-37bc-46e3-b096-3ccff95550fc" providerId="AD" clId="Web-{49FB3C54-C934-5136-F75A-12E3EE2BF7B7}" dt="2022-10-17T17:22:24.549" v="301"/>
+          <ac:spMkLst>
+            <pc:docMk/>
+            <pc:sldMk cId="1436300927" sldId="381"/>
+            <ac:spMk id="42" creationId="{C4AE930C-4AB5-4B55-FC73-B8A1BE5FF038}"/>
+          </ac:spMkLst>
+        </pc:spChg>
+        <pc:spChg chg="add del mod">
+          <ac:chgData name="Sanku,Dheemanth Reddy" userId="S::s545025@nwmissouri.edu::9f715dee-37bc-46e3-b096-3ccff95550fc" providerId="AD" clId="Web-{49FB3C54-C934-5136-F75A-12E3EE2BF7B7}" dt="2022-10-17T17:22:24.549" v="300"/>
+          <ac:spMkLst>
+            <pc:docMk/>
+            <pc:sldMk cId="1436300927" sldId="381"/>
+            <ac:spMk id="44" creationId="{9FD1C01F-A5CE-55F4-5D81-DDB909736AAF}"/>
+          </ac:spMkLst>
+        </pc:spChg>
+        <pc:spChg chg="add del mod">
+          <ac:chgData name="Sanku,Dheemanth Reddy" userId="S::s545025@nwmissouri.edu::9f715dee-37bc-46e3-b096-3ccff95550fc" providerId="AD" clId="Web-{49FB3C54-C934-5136-F75A-12E3EE2BF7B7}" dt="2022-10-17T17:22:24.533" v="299"/>
+          <ac:spMkLst>
+            <pc:docMk/>
+            <pc:sldMk cId="1436300927" sldId="381"/>
+            <ac:spMk id="46" creationId="{8482F289-BB4A-5E94-0EE3-C55D58F0F65D}"/>
+          </ac:spMkLst>
+        </pc:spChg>
+        <pc:spChg chg="add del mod">
+          <ac:chgData name="Sanku,Dheemanth Reddy" userId="S::s545025@nwmissouri.edu::9f715dee-37bc-46e3-b096-3ccff95550fc" providerId="AD" clId="Web-{49FB3C54-C934-5136-F75A-12E3EE2BF7B7}" dt="2022-10-17T17:22:24.533" v="298"/>
+          <ac:spMkLst>
+            <pc:docMk/>
+            <pc:sldMk cId="1436300927" sldId="381"/>
+            <ac:spMk id="47" creationId="{5A6F1F42-0030-6F9C-01D5-67AFAE30A394}"/>
+          </ac:spMkLst>
+        </pc:spChg>
+        <pc:spChg chg="add del mod">
+          <ac:chgData name="Sanku,Dheemanth Reddy" userId="S::s545025@nwmissouri.edu::9f715dee-37bc-46e3-b096-3ccff95550fc" providerId="AD" clId="Web-{49FB3C54-C934-5136-F75A-12E3EE2BF7B7}" dt="2022-10-17T17:22:24.533" v="297"/>
+          <ac:spMkLst>
+            <pc:docMk/>
+            <pc:sldMk cId="1436300927" sldId="381"/>
+            <ac:spMk id="49" creationId="{34672D94-B874-2AA4-16B5-26239E4551A0}"/>
+          </ac:spMkLst>
+        </pc:spChg>
+        <pc:spChg chg="add del">
+          <ac:chgData name="Sanku,Dheemanth Reddy" userId="S::s545025@nwmissouri.edu::9f715dee-37bc-46e3-b096-3ccff95550fc" providerId="AD" clId="Web-{49FB3C54-C934-5136-F75A-12E3EE2BF7B7}" dt="2022-10-17T17:22:39.768" v="311"/>
+          <ac:spMkLst>
+            <pc:docMk/>
+            <pc:sldMk cId="1436300927" sldId="381"/>
+            <ac:spMk id="51" creationId="{1F5B5897-B0FB-9FBB-2F66-FAE2D0180E39}"/>
+          </ac:spMkLst>
+        </pc:spChg>
+        <pc:spChg chg="add del">
+          <ac:chgData name="Sanku,Dheemanth Reddy" userId="S::s545025@nwmissouri.edu::9f715dee-37bc-46e3-b096-3ccff95550fc" providerId="AD" clId="Web-{49FB3C54-C934-5136-F75A-12E3EE2BF7B7}" dt="2022-10-17T17:22:39.768" v="310"/>
+          <ac:spMkLst>
+            <pc:docMk/>
+            <pc:sldMk cId="1436300927" sldId="381"/>
+            <ac:spMk id="53" creationId="{0A61C116-32F3-95E6-F9F7-34380C36EBAC}"/>
+          </ac:spMkLst>
+        </pc:spChg>
+        <pc:spChg chg="add del">
+          <ac:chgData name="Sanku,Dheemanth Reddy" userId="S::s545025@nwmissouri.edu::9f715dee-37bc-46e3-b096-3ccff95550fc" providerId="AD" clId="Web-{49FB3C54-C934-5136-F75A-12E3EE2BF7B7}" dt="2022-10-17T17:22:39.752" v="309"/>
+          <ac:spMkLst>
+            <pc:docMk/>
+            <pc:sldMk cId="1436300927" sldId="381"/>
+            <ac:spMk id="55" creationId="{E3E54BB4-2B13-45A7-48A7-913842EC8139}"/>
+          </ac:spMkLst>
+        </pc:spChg>
+        <pc:spChg chg="add del">
+          <ac:chgData name="Sanku,Dheemanth Reddy" userId="S::s545025@nwmissouri.edu::9f715dee-37bc-46e3-b096-3ccff95550fc" providerId="AD" clId="Web-{49FB3C54-C934-5136-F75A-12E3EE2BF7B7}" dt="2022-10-17T17:22:39.752" v="308"/>
+          <ac:spMkLst>
+            <pc:docMk/>
+            <pc:sldMk cId="1436300927" sldId="381"/>
+            <ac:spMk id="56" creationId="{796C9C3C-47B1-409B-22B7-581DAAA8CEBD}"/>
+          </ac:spMkLst>
+        </pc:spChg>
+        <pc:spChg chg="add del">
+          <ac:chgData name="Sanku,Dheemanth Reddy" userId="S::s545025@nwmissouri.edu::9f715dee-37bc-46e3-b096-3ccff95550fc" providerId="AD" clId="Web-{49FB3C54-C934-5136-F75A-12E3EE2BF7B7}" dt="2022-10-17T17:22:39.752" v="307"/>
+          <ac:spMkLst>
+            <pc:docMk/>
+            <pc:sldMk cId="1436300927" sldId="381"/>
+            <ac:spMk id="58" creationId="{F3B2836F-B0F4-1B18-CB37-1CBB85B45418}"/>
+          </ac:spMkLst>
+        </pc:spChg>
+        <pc:spChg chg="add mod">
+          <ac:chgData name="Sanku,Dheemanth Reddy" userId="S::s545025@nwmissouri.edu::9f715dee-37bc-46e3-b096-3ccff95550fc" providerId="AD" clId="Web-{49FB3C54-C934-5136-F75A-12E3EE2BF7B7}" dt="2022-10-17T17:23:27.066" v="329" actId="20577"/>
+          <ac:spMkLst>
+            <pc:docMk/>
+            <pc:sldMk cId="1436300927" sldId="381"/>
+            <ac:spMk id="60" creationId="{5B09D351-EDEC-4051-1CEA-632665A2D237}"/>
+          </ac:spMkLst>
+        </pc:spChg>
+        <pc:spChg chg="add mod">
+          <ac:chgData name="Sanku,Dheemanth Reddy" userId="S::s545025@nwmissouri.edu::9f715dee-37bc-46e3-b096-3ccff95550fc" providerId="AD" clId="Web-{49FB3C54-C934-5136-F75A-12E3EE2BF7B7}" dt="2022-10-17T17:23:35.050" v="331" actId="20577"/>
+          <ac:spMkLst>
+            <pc:docMk/>
+            <pc:sldMk cId="1436300927" sldId="381"/>
+            <ac:spMk id="62" creationId="{CE0BE6A4-7C85-7496-6714-641A656BC5D1}"/>
+          </ac:spMkLst>
+        </pc:spChg>
+        <pc:spChg chg="add mod">
+          <ac:chgData name="Sanku,Dheemanth Reddy" userId="S::s545025@nwmissouri.edu::9f715dee-37bc-46e3-b096-3ccff95550fc" providerId="AD" clId="Web-{49FB3C54-C934-5136-F75A-12E3EE2BF7B7}" dt="2022-10-17T17:23:39.394" v="333" actId="20577"/>
+          <ac:spMkLst>
+            <pc:docMk/>
+            <pc:sldMk cId="1436300927" sldId="381"/>
+            <ac:spMk id="64" creationId="{D59599D0-E854-54CB-4384-DC0B881A0C29}"/>
+          </ac:spMkLst>
+        </pc:spChg>
+        <pc:spChg chg="add mod">
+          <ac:chgData name="Sanku,Dheemanth Reddy" userId="S::s545025@nwmissouri.edu::9f715dee-37bc-46e3-b096-3ccff95550fc" providerId="AD" clId="Web-{49FB3C54-C934-5136-F75A-12E3EE2BF7B7}" dt="2022-10-17T17:25:19.631" v="338" actId="1076"/>
+          <ac:spMkLst>
+            <pc:docMk/>
+            <pc:sldMk cId="1436300927" sldId="381"/>
+            <ac:spMk id="65" creationId="{7B0F7F45-2DCA-DEA1-3259-13024CB84D03}"/>
+          </ac:spMkLst>
+        </pc:spChg>
+        <pc:spChg chg="add mod">
+          <ac:chgData name="Sanku,Dheemanth Reddy" userId="S::s545025@nwmissouri.edu::9f715dee-37bc-46e3-b096-3ccff95550fc" providerId="AD" clId="Web-{49FB3C54-C934-5136-F75A-12E3EE2BF7B7}" dt="2022-10-17T17:23:46.816" v="337" actId="20577"/>
+          <ac:spMkLst>
+            <pc:docMk/>
+            <pc:sldMk cId="1436300927" sldId="381"/>
+            <ac:spMk id="67" creationId="{87871F6E-3DBC-5C54-B274-7A06BAD80E14}"/>
+          </ac:spMkLst>
+        </pc:spChg>
+        <pc:spChg chg="add mod">
+          <ac:chgData name="Sanku,Dheemanth Reddy" userId="S::s545025@nwmissouri.edu::9f715dee-37bc-46e3-b096-3ccff95550fc" providerId="AD" clId="Web-{49FB3C54-C934-5136-F75A-12E3EE2BF7B7}" dt="2022-10-17T17:29:43.044" v="375" actId="1076"/>
+          <ac:spMkLst>
+            <pc:docMk/>
+            <pc:sldMk cId="1436300927" sldId="381"/>
+            <ac:spMk id="68" creationId="{DF9D7618-5111-7190-CDA2-B174471497D0}"/>
+          </ac:spMkLst>
+        </pc:spChg>
+        <pc:spChg chg="add mod">
+          <ac:chgData name="Sanku,Dheemanth Reddy" userId="S::s545025@nwmissouri.edu::9f715dee-37bc-46e3-b096-3ccff95550fc" providerId="AD" clId="Web-{49FB3C54-C934-5136-F75A-12E3EE2BF7B7}" dt="2022-10-17T17:29:46.029" v="376" actId="1076"/>
+          <ac:spMkLst>
+            <pc:docMk/>
+            <pc:sldMk cId="1436300927" sldId="381"/>
+            <ac:spMk id="69" creationId="{E25A936C-2DE9-FEBF-5286-53B228590403}"/>
+          </ac:spMkLst>
+        </pc:spChg>
+        <pc:spChg chg="add mod">
+          <ac:chgData name="Sanku,Dheemanth Reddy" userId="S::s545025@nwmissouri.edu::9f715dee-37bc-46e3-b096-3ccff95550fc" providerId="AD" clId="Web-{49FB3C54-C934-5136-F75A-12E3EE2BF7B7}" dt="2022-10-17T17:29:53.029" v="377" actId="1076"/>
+          <ac:spMkLst>
+            <pc:docMk/>
+            <pc:sldMk cId="1436300927" sldId="381"/>
+            <ac:spMk id="70" creationId="{A952E6CB-2B7A-637C-8DD3-D2077E5F05A5}"/>
+          </ac:spMkLst>
+        </pc:spChg>
+        <pc:spChg chg="add mod">
+          <ac:chgData name="Sanku,Dheemanth Reddy" userId="S::s545025@nwmissouri.edu::9f715dee-37bc-46e3-b096-3ccff95550fc" providerId="AD" clId="Web-{49FB3C54-C934-5136-F75A-12E3EE2BF7B7}" dt="2022-10-17T17:29:59.873" v="378" actId="1076"/>
+          <ac:spMkLst>
+            <pc:docMk/>
+            <pc:sldMk cId="1436300927" sldId="381"/>
+            <ac:spMk id="71" creationId="{2DD1ED87-EB33-3868-8F47-3452393B8D72}"/>
+          </ac:spMkLst>
+        </pc:spChg>
+        <pc:spChg chg="add mod">
+          <ac:chgData name="Sanku,Dheemanth Reddy" userId="S::s545025@nwmissouri.edu::9f715dee-37bc-46e3-b096-3ccff95550fc" providerId="AD" clId="Web-{49FB3C54-C934-5136-F75A-12E3EE2BF7B7}" dt="2022-10-17T17:28:56.027" v="363" actId="20577"/>
+          <ac:spMkLst>
+            <pc:docMk/>
+            <pc:sldMk cId="1436300927" sldId="381"/>
+            <ac:spMk id="73" creationId="{E6713405-AA92-5419-40B8-B54F47080415}"/>
+          </ac:spMkLst>
+        </pc:spChg>
+        <pc:spChg chg="add mod">
+          <ac:chgData name="Sanku,Dheemanth Reddy" userId="S::s545025@nwmissouri.edu::9f715dee-37bc-46e3-b096-3ccff95550fc" providerId="AD" clId="Web-{49FB3C54-C934-5136-F75A-12E3EE2BF7B7}" dt="2022-10-17T17:28:58.309" v="365" actId="20577"/>
+          <ac:spMkLst>
+            <pc:docMk/>
+            <pc:sldMk cId="1436300927" sldId="381"/>
+            <ac:spMk id="75" creationId="{4263F6AF-8F88-42BD-369B-DB875AE4C45B}"/>
+          </ac:spMkLst>
+        </pc:spChg>
+        <pc:spChg chg="add mod">
+          <ac:chgData name="Sanku,Dheemanth Reddy" userId="S::s545025@nwmissouri.edu::9f715dee-37bc-46e3-b096-3ccff95550fc" providerId="AD" clId="Web-{49FB3C54-C934-5136-F75A-12E3EE2BF7B7}" dt="2022-10-17T17:29:14.356" v="370" actId="20577"/>
+          <ac:spMkLst>
+            <pc:docMk/>
+            <pc:sldMk cId="1436300927" sldId="381"/>
+            <ac:spMk id="77" creationId="{7FA59E7C-B69F-7123-F55D-36678DE9C9A0}"/>
+          </ac:spMkLst>
+        </pc:spChg>
+        <pc:spChg chg="add mod">
+          <ac:chgData name="Sanku,Dheemanth Reddy" userId="S::s545025@nwmissouri.edu::9f715dee-37bc-46e3-b096-3ccff95550fc" providerId="AD" clId="Web-{49FB3C54-C934-5136-F75A-12E3EE2BF7B7}" dt="2022-10-17T17:28:49.340" v="360" actId="1076"/>
+          <ac:spMkLst>
+            <pc:docMk/>
+            <pc:sldMk cId="1436300927" sldId="381"/>
+            <ac:spMk id="78" creationId="{41304023-B976-89BE-E5BB-1D2A6565BD02}"/>
+          </ac:spMkLst>
+        </pc:spChg>
+        <pc:spChg chg="add mod">
+          <ac:chgData name="Sanku,Dheemanth Reddy" userId="S::s545025@nwmissouri.edu::9f715dee-37bc-46e3-b096-3ccff95550fc" providerId="AD" clId="Web-{49FB3C54-C934-5136-F75A-12E3EE2BF7B7}" dt="2022-10-17T17:29:25.419" v="374" actId="20577"/>
+          <ac:spMkLst>
+            <pc:docMk/>
+            <pc:sldMk cId="1436300927" sldId="381"/>
+            <ac:spMk id="80" creationId="{445E78D2-A2C4-9CC8-48E9-4EA3CF439708}"/>
           </ac:spMkLst>
         </pc:spChg>
       </pc:sldChg>
@@ -367,20 +1269,1194 @@
     </pc:docChg>
   </pc:docChgLst>
   <pc:docChgLst>
-    <pc:chgData name="Lingampally,Archana" userId="S::s545550@nwmissouri.edu::6d5d5287-629e-421d-85b1-8fee42a451e6" providerId="AD" clId="Web-{FCAD6B97-2E39-40B0-BF4E-9CD712E60FA5}"/>
-    <pc:docChg chg="addSld delSld modSld">
-      <pc:chgData name="Lingampally,Archana" userId="S::s545550@nwmissouri.edu::6d5d5287-629e-421d-85b1-8fee42a451e6" providerId="AD" clId="Web-{FCAD6B97-2E39-40B0-BF4E-9CD712E60FA5}" dt="2022-10-14T04:41:52.384" v="160" actId="20577"/>
+    <pc:chgData name="Vissapragada,Sai Tejaswee" userId="S::s545438@nwmissouri.edu::ac5152bd-e08b-42ef-87f5-6857be20e85f" providerId="AD" clId="Web-{A8C22E62-5AA5-483F-A10E-5EB0B6850044}"/>
+    <pc:docChg chg="addSld delSld modSld sldOrd addMainMaster delMainMaster">
+      <pc:chgData name="Vissapragada,Sai Tejaswee" userId="S::s545438@nwmissouri.edu::ac5152bd-e08b-42ef-87f5-6857be20e85f" providerId="AD" clId="Web-{A8C22E62-5AA5-483F-A10E-5EB0B6850044}" dt="2022-10-14T16:25:57.626" v="510" actId="20577"/>
+      <pc:docMkLst>
+        <pc:docMk/>
+      </pc:docMkLst>
+      <pc:sldChg chg="delSp modSp mod modClrScheme chgLayout">
+        <pc:chgData name="Vissapragada,Sai Tejaswee" userId="S::s545438@nwmissouri.edu::ac5152bd-e08b-42ef-87f5-6857be20e85f" providerId="AD" clId="Web-{A8C22E62-5AA5-483F-A10E-5EB0B6850044}" dt="2022-10-14T15:33:54.842" v="357" actId="20577"/>
+        <pc:sldMkLst>
+          <pc:docMk/>
+          <pc:sldMk cId="2985600738" sldId="256"/>
+        </pc:sldMkLst>
+        <pc:spChg chg="mod ord">
+          <ac:chgData name="Vissapragada,Sai Tejaswee" userId="S::s545438@nwmissouri.edu::ac5152bd-e08b-42ef-87f5-6857be20e85f" providerId="AD" clId="Web-{A8C22E62-5AA5-483F-A10E-5EB0B6850044}" dt="2022-10-14T14:54:02.291" v="189"/>
+          <ac:spMkLst>
+            <pc:docMk/>
+            <pc:sldMk cId="2985600738" sldId="256"/>
+            <ac:spMk id="2" creationId="{9C11EC8D-E2F8-47A8-86F0-53A644871CB0}"/>
+          </ac:spMkLst>
+        </pc:spChg>
+        <pc:spChg chg="mod ord">
+          <ac:chgData name="Vissapragada,Sai Tejaswee" userId="S::s545438@nwmissouri.edu::ac5152bd-e08b-42ef-87f5-6857be20e85f" providerId="AD" clId="Web-{A8C22E62-5AA5-483F-A10E-5EB0B6850044}" dt="2022-10-14T15:33:54.842" v="357" actId="20577"/>
+          <ac:spMkLst>
+            <pc:docMk/>
+            <pc:sldMk cId="2985600738" sldId="256"/>
+            <ac:spMk id="3" creationId="{40718280-D32F-4892-B800-93AAD39A2582}"/>
+          </ac:spMkLst>
+        </pc:spChg>
+        <pc:spChg chg="del">
+          <ac:chgData name="Vissapragada,Sai Tejaswee" userId="S::s545438@nwmissouri.edu::ac5152bd-e08b-42ef-87f5-6857be20e85f" providerId="AD" clId="Web-{A8C22E62-5AA5-483F-A10E-5EB0B6850044}" dt="2022-10-14T15:11:13.375" v="309"/>
+          <ac:spMkLst>
+            <pc:docMk/>
+            <pc:sldMk cId="2985600738" sldId="256"/>
+            <ac:spMk id="4" creationId="{1A844C8B-BD82-45AC-9223-D9EBA59A555F}"/>
+          </ac:spMkLst>
+        </pc:spChg>
+      </pc:sldChg>
+      <pc:sldChg chg="delSp modSp mod modClrScheme chgLayout">
+        <pc:chgData name="Vissapragada,Sai Tejaswee" userId="S::s545438@nwmissouri.edu::ac5152bd-e08b-42ef-87f5-6857be20e85f" providerId="AD" clId="Web-{A8C22E62-5AA5-483F-A10E-5EB0B6850044}" dt="2022-10-14T15:32:43.262" v="349" actId="20577"/>
+        <pc:sldMkLst>
+          <pc:docMk/>
+          <pc:sldMk cId="2442537970" sldId="341"/>
+        </pc:sldMkLst>
+        <pc:spChg chg="mod ord">
+          <ac:chgData name="Vissapragada,Sai Tejaswee" userId="S::s545438@nwmissouri.edu::ac5152bd-e08b-42ef-87f5-6857be20e85f" providerId="AD" clId="Web-{A8C22E62-5AA5-483F-A10E-5EB0B6850044}" dt="2022-10-14T15:01:20.207" v="235" actId="20577"/>
+          <ac:spMkLst>
+            <pc:docMk/>
+            <pc:sldMk cId="2442537970" sldId="341"/>
+            <ac:spMk id="2" creationId="{A03556A8-306D-4AAD-A818-C5F7CD7DCAA6}"/>
+          </ac:spMkLst>
+        </pc:spChg>
+        <pc:spChg chg="del mod ord">
+          <ac:chgData name="Vissapragada,Sai Tejaswee" userId="S::s545438@nwmissouri.edu::ac5152bd-e08b-42ef-87f5-6857be20e85f" providerId="AD" clId="Web-{A8C22E62-5AA5-483F-A10E-5EB0B6850044}" dt="2022-10-14T15:10:50.906" v="305"/>
+          <ac:spMkLst>
+            <pc:docMk/>
+            <pc:sldMk cId="2442537970" sldId="341"/>
+            <ac:spMk id="4" creationId="{138D912F-AF88-4AC6-85CE-BF905A5B5706}"/>
+          </ac:spMkLst>
+        </pc:spChg>
+        <pc:spChg chg="mod ord">
+          <ac:chgData name="Vissapragada,Sai Tejaswee" userId="S::s545438@nwmissouri.edu::ac5152bd-e08b-42ef-87f5-6857be20e85f" providerId="AD" clId="Web-{A8C22E62-5AA5-483F-A10E-5EB0B6850044}" dt="2022-10-14T15:32:43.262" v="349" actId="20577"/>
+          <ac:spMkLst>
+            <pc:docMk/>
+            <pc:sldMk cId="2442537970" sldId="341"/>
+            <ac:spMk id="28" creationId="{5625D5E9-34CA-4D00-BCB5-EB2CB1EDEA0D}"/>
+          </ac:spMkLst>
+        </pc:spChg>
+      </pc:sldChg>
+      <pc:sldChg chg="delSp modSp mod modClrScheme chgLayout">
+        <pc:chgData name="Vissapragada,Sai Tejaswee" userId="S::s545438@nwmissouri.edu::ac5152bd-e08b-42ef-87f5-6857be20e85f" providerId="AD" clId="Web-{A8C22E62-5AA5-483F-A10E-5EB0B6850044}" dt="2022-10-14T15:10:58.063" v="306"/>
+        <pc:sldMkLst>
+          <pc:docMk/>
+          <pc:sldMk cId="552338012" sldId="342"/>
+        </pc:sldMkLst>
+        <pc:spChg chg="mod ord">
+          <ac:chgData name="Vissapragada,Sai Tejaswee" userId="S::s545438@nwmissouri.edu::ac5152bd-e08b-42ef-87f5-6857be20e85f" providerId="AD" clId="Web-{A8C22E62-5AA5-483F-A10E-5EB0B6850044}" dt="2022-10-14T14:54:02.291" v="189"/>
+          <ac:spMkLst>
+            <pc:docMk/>
+            <pc:sldMk cId="552338012" sldId="342"/>
+            <ac:spMk id="2" creationId="{9808F5F9-4D67-45B6-B64A-8EB48D97F519}"/>
+          </ac:spMkLst>
+        </pc:spChg>
+        <pc:spChg chg="del mod ord">
+          <ac:chgData name="Vissapragada,Sai Tejaswee" userId="S::s545438@nwmissouri.edu::ac5152bd-e08b-42ef-87f5-6857be20e85f" providerId="AD" clId="Web-{A8C22E62-5AA5-483F-A10E-5EB0B6850044}" dt="2022-10-14T15:10:58.063" v="306"/>
+          <ac:spMkLst>
+            <pc:docMk/>
+            <pc:sldMk cId="552338012" sldId="342"/>
+            <ac:spMk id="4" creationId="{FB2979EF-7D42-4D7E-B0EA-A04305C20AA3}"/>
+          </ac:spMkLst>
+        </pc:spChg>
+      </pc:sldChg>
+      <pc:sldChg chg="delSp modSp mod modClrScheme chgLayout">
+        <pc:chgData name="Vissapragada,Sai Tejaswee" userId="S::s545438@nwmissouri.edu::ac5152bd-e08b-42ef-87f5-6857be20e85f" providerId="AD" clId="Web-{A8C22E62-5AA5-483F-A10E-5EB0B6850044}" dt="2022-10-14T15:33:06.950" v="352" actId="20577"/>
+        <pc:sldMkLst>
+          <pc:docMk/>
+          <pc:sldMk cId="1045016516" sldId="343"/>
+        </pc:sldMkLst>
+        <pc:spChg chg="mod ord">
+          <ac:chgData name="Vissapragada,Sai Tejaswee" userId="S::s545438@nwmissouri.edu::ac5152bd-e08b-42ef-87f5-6857be20e85f" providerId="AD" clId="Web-{A8C22E62-5AA5-483F-A10E-5EB0B6850044}" dt="2022-10-14T14:54:02.291" v="189"/>
+          <ac:spMkLst>
+            <pc:docMk/>
+            <pc:sldMk cId="1045016516" sldId="343"/>
+            <ac:spMk id="2" creationId="{AD3A397E-08A5-421B-83E3-0BCD6A6F8F56}"/>
+          </ac:spMkLst>
+        </pc:spChg>
+        <pc:spChg chg="mod ord">
+          <ac:chgData name="Vissapragada,Sai Tejaswee" userId="S::s545438@nwmissouri.edu::ac5152bd-e08b-42ef-87f5-6857be20e85f" providerId="AD" clId="Web-{A8C22E62-5AA5-483F-A10E-5EB0B6850044}" dt="2022-10-14T15:33:06.950" v="352" actId="20577"/>
+          <ac:spMkLst>
+            <pc:docMk/>
+            <pc:sldMk cId="1045016516" sldId="343"/>
+            <ac:spMk id="3" creationId="{9EF72435-41D5-40ED-A1E0-F497D91EB7D3}"/>
+          </ac:spMkLst>
+        </pc:spChg>
+        <pc:spChg chg="del mod ord">
+          <ac:chgData name="Vissapragada,Sai Tejaswee" userId="S::s545438@nwmissouri.edu::ac5152bd-e08b-42ef-87f5-6857be20e85f" providerId="AD" clId="Web-{A8C22E62-5AA5-483F-A10E-5EB0B6850044}" dt="2022-10-14T15:11:08.422" v="308"/>
+          <ac:spMkLst>
+            <pc:docMk/>
+            <pc:sldMk cId="1045016516" sldId="343"/>
+            <ac:spMk id="4" creationId="{BF9D6BA6-993E-40BB-A086-4BD7B61F7AAF}"/>
+          </ac:spMkLst>
+        </pc:spChg>
+      </pc:sldChg>
+      <pc:sldChg chg="delSp modSp mod modClrScheme chgLayout">
+        <pc:chgData name="Vissapragada,Sai Tejaswee" userId="S::s545438@nwmissouri.edu::ac5152bd-e08b-42ef-87f5-6857be20e85f" providerId="AD" clId="Web-{A8C22E62-5AA5-483F-A10E-5EB0B6850044}" dt="2022-10-14T15:10:41.375" v="304" actId="1076"/>
+        <pc:sldMkLst>
+          <pc:docMk/>
+          <pc:sldMk cId="1898072782" sldId="344"/>
+        </pc:sldMkLst>
+        <pc:spChg chg="mod ord">
+          <ac:chgData name="Vissapragada,Sai Tejaswee" userId="S::s545438@nwmissouri.edu::ac5152bd-e08b-42ef-87f5-6857be20e85f" providerId="AD" clId="Web-{A8C22E62-5AA5-483F-A10E-5EB0B6850044}" dt="2022-10-14T14:54:02.291" v="189"/>
+          <ac:spMkLst>
+            <pc:docMk/>
+            <pc:sldMk cId="1898072782" sldId="344"/>
+            <ac:spMk id="2" creationId="{B68093B9-6981-40EC-9AFD-1A8DBA15D2B3}"/>
+          </ac:spMkLst>
+        </pc:spChg>
+        <pc:spChg chg="del mod ord">
+          <ac:chgData name="Vissapragada,Sai Tejaswee" userId="S::s545438@nwmissouri.edu::ac5152bd-e08b-42ef-87f5-6857be20e85f" providerId="AD" clId="Web-{A8C22E62-5AA5-483F-A10E-5EB0B6850044}" dt="2022-10-14T15:10:34.781" v="303"/>
+          <ac:spMkLst>
+            <pc:docMk/>
+            <pc:sldMk cId="1898072782" sldId="344"/>
+            <ac:spMk id="4" creationId="{FA12FCA5-CA9E-48B3-8CDF-8CAC941C2C35}"/>
+          </ac:spMkLst>
+        </pc:spChg>
+        <pc:spChg chg="mod">
+          <ac:chgData name="Vissapragada,Sai Tejaswee" userId="S::s545438@nwmissouri.edu::ac5152bd-e08b-42ef-87f5-6857be20e85f" providerId="AD" clId="Web-{A8C22E62-5AA5-483F-A10E-5EB0B6850044}" dt="2022-10-14T15:10:41.375" v="304" actId="1076"/>
+          <ac:spMkLst>
+            <pc:docMk/>
+            <pc:sldMk cId="1898072782" sldId="344"/>
+            <ac:spMk id="17" creationId="{B86EB294-945B-45F4-B366-6F962417C70F}"/>
+          </ac:spMkLst>
+        </pc:spChg>
+      </pc:sldChg>
+      <pc:sldChg chg="modSp mod modClrScheme chgLayout">
+        <pc:chgData name="Vissapragada,Sai Tejaswee" userId="S::s545438@nwmissouri.edu::ac5152bd-e08b-42ef-87f5-6857be20e85f" providerId="AD" clId="Web-{A8C22E62-5AA5-483F-A10E-5EB0B6850044}" dt="2022-10-14T15:41:42.711" v="394" actId="20577"/>
+        <pc:sldMkLst>
+          <pc:docMk/>
+          <pc:sldMk cId="219102181" sldId="350"/>
+        </pc:sldMkLst>
+        <pc:spChg chg="mod ord">
+          <ac:chgData name="Vissapragada,Sai Tejaswee" userId="S::s545438@nwmissouri.edu::ac5152bd-e08b-42ef-87f5-6857be20e85f" providerId="AD" clId="Web-{A8C22E62-5AA5-483F-A10E-5EB0B6850044}" dt="2022-10-14T15:41:42.711" v="394" actId="20577"/>
+          <ac:spMkLst>
+            <pc:docMk/>
+            <pc:sldMk cId="219102181" sldId="350"/>
+            <ac:spMk id="2" creationId="{823C8B64-1E38-4FF9-9F3B-F5E69809B377}"/>
+          </ac:spMkLst>
+        </pc:spChg>
+        <pc:spChg chg="mod ord">
+          <ac:chgData name="Vissapragada,Sai Tejaswee" userId="S::s545438@nwmissouri.edu::ac5152bd-e08b-42ef-87f5-6857be20e85f" providerId="AD" clId="Web-{A8C22E62-5AA5-483F-A10E-5EB0B6850044}" dt="2022-10-14T14:54:02.291" v="189"/>
+          <ac:spMkLst>
+            <pc:docMk/>
+            <pc:sldMk cId="219102181" sldId="350"/>
+            <ac:spMk id="4" creationId="{7C79D3E6-8253-4877-8B5A-5E0FF1CCEEC1}"/>
+          </ac:spMkLst>
+        </pc:spChg>
+      </pc:sldChg>
+      <pc:sldChg chg="delSp modSp mod modClrScheme chgLayout">
+        <pc:chgData name="Vissapragada,Sai Tejaswee" userId="S::s545438@nwmissouri.edu::ac5152bd-e08b-42ef-87f5-6857be20e85f" providerId="AD" clId="Web-{A8C22E62-5AA5-483F-A10E-5EB0B6850044}" dt="2022-10-14T15:09:01.685" v="286" actId="1076"/>
+        <pc:sldMkLst>
+          <pc:docMk/>
+          <pc:sldMk cId="3939176308" sldId="351"/>
+        </pc:sldMkLst>
+        <pc:spChg chg="mod ord">
+          <ac:chgData name="Vissapragada,Sai Tejaswee" userId="S::s545438@nwmissouri.edu::ac5152bd-e08b-42ef-87f5-6857be20e85f" providerId="AD" clId="Web-{A8C22E62-5AA5-483F-A10E-5EB0B6850044}" dt="2022-10-14T14:54:02.291" v="189"/>
+          <ac:spMkLst>
+            <pc:docMk/>
+            <pc:sldMk cId="3939176308" sldId="351"/>
+            <ac:spMk id="2" creationId="{32E2E634-DDFF-4EE1-9D86-F940664BE3DC}"/>
+          </ac:spMkLst>
+        </pc:spChg>
+        <pc:spChg chg="del mod ord">
+          <ac:chgData name="Vissapragada,Sai Tejaswee" userId="S::s545438@nwmissouri.edu::ac5152bd-e08b-42ef-87f5-6857be20e85f" providerId="AD" clId="Web-{A8C22E62-5AA5-483F-A10E-5EB0B6850044}" dt="2022-10-14T15:08:49.669" v="284"/>
+          <ac:spMkLst>
+            <pc:docMk/>
+            <pc:sldMk cId="3939176308" sldId="351"/>
+            <ac:spMk id="4" creationId="{A2D4F142-5B88-4EF7-A3A7-EBAC0CB63769}"/>
+          </ac:spMkLst>
+        </pc:spChg>
+        <pc:spChg chg="mod">
+          <ac:chgData name="Vissapragada,Sai Tejaswee" userId="S::s545438@nwmissouri.edu::ac5152bd-e08b-42ef-87f5-6857be20e85f" providerId="AD" clId="Web-{A8C22E62-5AA5-483F-A10E-5EB0B6850044}" dt="2022-10-14T15:09:01.685" v="286" actId="1076"/>
+          <ac:spMkLst>
+            <pc:docMk/>
+            <pc:sldMk cId="3939176308" sldId="351"/>
+            <ac:spMk id="5" creationId="{13BA4C93-B95F-41BF-A1C9-9216CE9854AF}"/>
+          </ac:spMkLst>
+        </pc:spChg>
+      </pc:sldChg>
+      <pc:sldChg chg="delSp modSp mod modClrScheme chgLayout">
+        <pc:chgData name="Vissapragada,Sai Tejaswee" userId="S::s545438@nwmissouri.edu::ac5152bd-e08b-42ef-87f5-6857be20e85f" providerId="AD" clId="Web-{A8C22E62-5AA5-483F-A10E-5EB0B6850044}" dt="2022-10-14T15:30:35.838" v="337" actId="20577"/>
+        <pc:sldMkLst>
+          <pc:docMk/>
+          <pc:sldMk cId="3416718736" sldId="354"/>
+        </pc:sldMkLst>
+        <pc:spChg chg="mod ord">
+          <ac:chgData name="Vissapragada,Sai Tejaswee" userId="S::s545438@nwmissouri.edu::ac5152bd-e08b-42ef-87f5-6857be20e85f" providerId="AD" clId="Web-{A8C22E62-5AA5-483F-A10E-5EB0B6850044}" dt="2022-10-14T14:54:02.291" v="189"/>
+          <ac:spMkLst>
+            <pc:docMk/>
+            <pc:sldMk cId="3416718736" sldId="354"/>
+            <ac:spMk id="2" creationId="{0766B607-6105-4582-BC98-8E35CE39574E}"/>
+          </ac:spMkLst>
+        </pc:spChg>
+        <pc:spChg chg="mod ord">
+          <ac:chgData name="Vissapragada,Sai Tejaswee" userId="S::s545438@nwmissouri.edu::ac5152bd-e08b-42ef-87f5-6857be20e85f" providerId="AD" clId="Web-{A8C22E62-5AA5-483F-A10E-5EB0B6850044}" dt="2022-10-14T15:30:35.838" v="337" actId="20577"/>
+          <ac:spMkLst>
+            <pc:docMk/>
+            <pc:sldMk cId="3416718736" sldId="354"/>
+            <ac:spMk id="3" creationId="{A04DE8D9-0B5E-47D8-90F9-96463A6646BA}"/>
+          </ac:spMkLst>
+        </pc:spChg>
+        <pc:spChg chg="del mod ord">
+          <ac:chgData name="Vissapragada,Sai Tejaswee" userId="S::s545438@nwmissouri.edu::ac5152bd-e08b-42ef-87f5-6857be20e85f" providerId="AD" clId="Web-{A8C22E62-5AA5-483F-A10E-5EB0B6850044}" dt="2022-10-14T15:08:22.700" v="281"/>
+          <ac:spMkLst>
+            <pc:docMk/>
+            <pc:sldMk cId="3416718736" sldId="354"/>
+            <ac:spMk id="4" creationId="{8799341D-0A1F-47EF-A691-D497A3FBF766}"/>
+          </ac:spMkLst>
+        </pc:spChg>
+      </pc:sldChg>
+      <pc:sldChg chg="del">
+        <pc:chgData name="Vissapragada,Sai Tejaswee" userId="S::s545438@nwmissouri.edu::ac5152bd-e08b-42ef-87f5-6857be20e85f" providerId="AD" clId="Web-{A8C22E62-5AA5-483F-A10E-5EB0B6850044}" dt="2022-10-14T14:22:12.366" v="107"/>
+        <pc:sldMkLst>
+          <pc:docMk/>
+          <pc:sldMk cId="4194509776" sldId="356"/>
+        </pc:sldMkLst>
+      </pc:sldChg>
+      <pc:sldChg chg="delSp modSp mod modClrScheme chgLayout">
+        <pc:chgData name="Vissapragada,Sai Tejaswee" userId="S::s545438@nwmissouri.edu::ac5152bd-e08b-42ef-87f5-6857be20e85f" providerId="AD" clId="Web-{A8C22E62-5AA5-483F-A10E-5EB0B6850044}" dt="2022-10-14T15:32:54.543" v="350" actId="20577"/>
+        <pc:sldMkLst>
+          <pc:docMk/>
+          <pc:sldMk cId="1841957312" sldId="357"/>
+        </pc:sldMkLst>
+        <pc:spChg chg="mod ord">
+          <ac:chgData name="Vissapragada,Sai Tejaswee" userId="S::s545438@nwmissouri.edu::ac5152bd-e08b-42ef-87f5-6857be20e85f" providerId="AD" clId="Web-{A8C22E62-5AA5-483F-A10E-5EB0B6850044}" dt="2022-10-14T14:54:02.291" v="189"/>
+          <ac:spMkLst>
+            <pc:docMk/>
+            <pc:sldMk cId="1841957312" sldId="357"/>
+            <ac:spMk id="2" creationId="{00E763BB-9BA0-8B15-EC3A-9596592F3FC1}"/>
+          </ac:spMkLst>
+        </pc:spChg>
+        <pc:spChg chg="mod ord">
+          <ac:chgData name="Vissapragada,Sai Tejaswee" userId="S::s545438@nwmissouri.edu::ac5152bd-e08b-42ef-87f5-6857be20e85f" providerId="AD" clId="Web-{A8C22E62-5AA5-483F-A10E-5EB0B6850044}" dt="2022-10-14T15:32:54.543" v="350" actId="20577"/>
+          <ac:spMkLst>
+            <pc:docMk/>
+            <pc:sldMk cId="1841957312" sldId="357"/>
+            <ac:spMk id="3" creationId="{66B15469-23DA-28F8-3644-BAB61795B752}"/>
+          </ac:spMkLst>
+        </pc:spChg>
+        <pc:spChg chg="del mod ord">
+          <ac:chgData name="Vissapragada,Sai Tejaswee" userId="S::s545438@nwmissouri.edu::ac5152bd-e08b-42ef-87f5-6857be20e85f" providerId="AD" clId="Web-{A8C22E62-5AA5-483F-A10E-5EB0B6850044}" dt="2022-10-14T15:11:03.657" v="307"/>
+          <ac:spMkLst>
+            <pc:docMk/>
+            <pc:sldMk cId="1841957312" sldId="357"/>
+            <ac:spMk id="4" creationId="{91717223-F755-64C7-4639-B04FAD293BD0}"/>
+          </ac:spMkLst>
+        </pc:spChg>
+      </pc:sldChg>
+      <pc:sldChg chg="delSp modSp del mod modClrScheme chgLayout">
+        <pc:chgData name="Vissapragada,Sai Tejaswee" userId="S::s545438@nwmissouri.edu::ac5152bd-e08b-42ef-87f5-6857be20e85f" providerId="AD" clId="Web-{A8C22E62-5AA5-483F-A10E-5EB0B6850044}" dt="2022-10-14T15:24:59.346" v="329"/>
+        <pc:sldMkLst>
+          <pc:docMk/>
+          <pc:sldMk cId="2615451039" sldId="359"/>
+        </pc:sldMkLst>
+        <pc:spChg chg="mod ord">
+          <ac:chgData name="Vissapragada,Sai Tejaswee" userId="S::s545438@nwmissouri.edu::ac5152bd-e08b-42ef-87f5-6857be20e85f" providerId="AD" clId="Web-{A8C22E62-5AA5-483F-A10E-5EB0B6850044}" dt="2022-10-14T14:54:02.291" v="189"/>
+          <ac:spMkLst>
+            <pc:docMk/>
+            <pc:sldMk cId="2615451039" sldId="359"/>
+            <ac:spMk id="2" creationId="{5D613BA6-E68F-21F9-0C54-720CE635B62B}"/>
+          </ac:spMkLst>
+        </pc:spChg>
+        <pc:spChg chg="mod ord">
+          <ac:chgData name="Vissapragada,Sai Tejaswee" userId="S::s545438@nwmissouri.edu::ac5152bd-e08b-42ef-87f5-6857be20e85f" providerId="AD" clId="Web-{A8C22E62-5AA5-483F-A10E-5EB0B6850044}" dt="2022-10-14T14:54:02.291" v="189"/>
+          <ac:spMkLst>
+            <pc:docMk/>
+            <pc:sldMk cId="2615451039" sldId="359"/>
+            <ac:spMk id="3" creationId="{53F44DDF-3ED2-A853-9443-CA9C52F9790C}"/>
+          </ac:spMkLst>
+        </pc:spChg>
+        <pc:spChg chg="del mod ord">
+          <ac:chgData name="Vissapragada,Sai Tejaswee" userId="S::s545438@nwmissouri.edu::ac5152bd-e08b-42ef-87f5-6857be20e85f" providerId="AD" clId="Web-{A8C22E62-5AA5-483F-A10E-5EB0B6850044}" dt="2022-10-14T15:08:29.185" v="282"/>
+          <ac:spMkLst>
+            <pc:docMk/>
+            <pc:sldMk cId="2615451039" sldId="359"/>
+            <ac:spMk id="4" creationId="{1AE0D728-6607-F08C-7642-439B4B69E578}"/>
+          </ac:spMkLst>
+        </pc:spChg>
+      </pc:sldChg>
+      <pc:sldChg chg="delSp modSp del mod modClrScheme chgLayout">
+        <pc:chgData name="Vissapragada,Sai Tejaswee" userId="S::s545438@nwmissouri.edu::ac5152bd-e08b-42ef-87f5-6857be20e85f" providerId="AD" clId="Web-{A8C22E62-5AA5-483F-A10E-5EB0B6850044}" dt="2022-10-14T15:15:12.756" v="311"/>
+        <pc:sldMkLst>
+          <pc:docMk/>
+          <pc:sldMk cId="3128748201" sldId="362"/>
+        </pc:sldMkLst>
+        <pc:spChg chg="mod ord">
+          <ac:chgData name="Vissapragada,Sai Tejaswee" userId="S::s545438@nwmissouri.edu::ac5152bd-e08b-42ef-87f5-6857be20e85f" providerId="AD" clId="Web-{A8C22E62-5AA5-483F-A10E-5EB0B6850044}" dt="2022-10-14T14:54:02.291" v="189"/>
+          <ac:spMkLst>
+            <pc:docMk/>
+            <pc:sldMk cId="3128748201" sldId="362"/>
+            <ac:spMk id="2" creationId="{6F6EC735-A4DA-28E0-5532-FBE50F8A1D8A}"/>
+          </ac:spMkLst>
+        </pc:spChg>
+        <pc:spChg chg="mod ord">
+          <ac:chgData name="Vissapragada,Sai Tejaswee" userId="S::s545438@nwmissouri.edu::ac5152bd-e08b-42ef-87f5-6857be20e85f" providerId="AD" clId="Web-{A8C22E62-5AA5-483F-A10E-5EB0B6850044}" dt="2022-10-14T14:54:02.291" v="189"/>
+          <ac:spMkLst>
+            <pc:docMk/>
+            <pc:sldMk cId="3128748201" sldId="362"/>
+            <ac:spMk id="3" creationId="{EBA700B0-EE6F-549E-CF17-345BC994A623}"/>
+          </ac:spMkLst>
+        </pc:spChg>
+        <pc:spChg chg="del mod ord">
+          <ac:chgData name="Vissapragada,Sai Tejaswee" userId="S::s545438@nwmissouri.edu::ac5152bd-e08b-42ef-87f5-6857be20e85f" providerId="AD" clId="Web-{A8C22E62-5AA5-483F-A10E-5EB0B6850044}" dt="2022-10-14T15:09:20.420" v="289"/>
+          <ac:spMkLst>
+            <pc:docMk/>
+            <pc:sldMk cId="3128748201" sldId="362"/>
+            <ac:spMk id="4" creationId="{F09C8ABB-92DC-7D4D-703A-6645A2A6F037}"/>
+          </ac:spMkLst>
+        </pc:spChg>
+      </pc:sldChg>
+      <pc:sldChg chg="delSp modSp mod modClrScheme chgLayout">
+        <pc:chgData name="Vissapragada,Sai Tejaswee" userId="S::s545438@nwmissouri.edu::ac5152bd-e08b-42ef-87f5-6857be20e85f" providerId="AD" clId="Web-{A8C22E62-5AA5-483F-A10E-5EB0B6850044}" dt="2022-10-14T15:59:36.890" v="467" actId="20577"/>
+        <pc:sldMkLst>
+          <pc:docMk/>
+          <pc:sldMk cId="2423198090" sldId="363"/>
+        </pc:sldMkLst>
+        <pc:spChg chg="mod ord">
+          <ac:chgData name="Vissapragada,Sai Tejaswee" userId="S::s545438@nwmissouri.edu::ac5152bd-e08b-42ef-87f5-6857be20e85f" providerId="AD" clId="Web-{A8C22E62-5AA5-483F-A10E-5EB0B6850044}" dt="2022-10-14T14:54:02.291" v="189"/>
+          <ac:spMkLst>
+            <pc:docMk/>
+            <pc:sldMk cId="2423198090" sldId="363"/>
+            <ac:spMk id="2" creationId="{D410B586-2A06-5C9A-314A-C3DDBE0097DE}"/>
+          </ac:spMkLst>
+        </pc:spChg>
+        <pc:spChg chg="mod ord">
+          <ac:chgData name="Vissapragada,Sai Tejaswee" userId="S::s545438@nwmissouri.edu::ac5152bd-e08b-42ef-87f5-6857be20e85f" providerId="AD" clId="Web-{A8C22E62-5AA5-483F-A10E-5EB0B6850044}" dt="2022-10-14T15:59:36.890" v="467" actId="20577"/>
+          <ac:spMkLst>
+            <pc:docMk/>
+            <pc:sldMk cId="2423198090" sldId="363"/>
+            <ac:spMk id="3" creationId="{3C27D1C7-E779-949F-4B8F-5A301D08E902}"/>
+          </ac:spMkLst>
+        </pc:spChg>
+        <pc:spChg chg="del mod ord">
+          <ac:chgData name="Vissapragada,Sai Tejaswee" userId="S::s545438@nwmissouri.edu::ac5152bd-e08b-42ef-87f5-6857be20e85f" providerId="AD" clId="Web-{A8C22E62-5AA5-483F-A10E-5EB0B6850044}" dt="2022-10-14T15:09:12.607" v="288"/>
+          <ac:spMkLst>
+            <pc:docMk/>
+            <pc:sldMk cId="2423198090" sldId="363"/>
+            <ac:spMk id="4" creationId="{6C4ABEAF-5E95-D7AB-7B2F-F5AD8C35B370}"/>
+          </ac:spMkLst>
+        </pc:spChg>
+      </pc:sldChg>
+      <pc:sldChg chg="delSp modSp mod modClrScheme chgLayout">
+        <pc:chgData name="Vissapragada,Sai Tejaswee" userId="S::s545438@nwmissouri.edu::ac5152bd-e08b-42ef-87f5-6857be20e85f" providerId="AD" clId="Web-{A8C22E62-5AA5-483F-A10E-5EB0B6850044}" dt="2022-10-14T15:09:51.171" v="298" actId="20577"/>
+        <pc:sldMkLst>
+          <pc:docMk/>
+          <pc:sldMk cId="2459341095" sldId="364"/>
+        </pc:sldMkLst>
+        <pc:spChg chg="mod ord">
+          <ac:chgData name="Vissapragada,Sai Tejaswee" userId="S::s545438@nwmissouri.edu::ac5152bd-e08b-42ef-87f5-6857be20e85f" providerId="AD" clId="Web-{A8C22E62-5AA5-483F-A10E-5EB0B6850044}" dt="2022-10-14T14:54:02.291" v="189"/>
+          <ac:spMkLst>
+            <pc:docMk/>
+            <pc:sldMk cId="2459341095" sldId="364"/>
+            <ac:spMk id="2" creationId="{DC980566-5AA5-75AE-3878-F3B8B65B360F}"/>
+          </ac:spMkLst>
+        </pc:spChg>
+        <pc:spChg chg="mod ord">
+          <ac:chgData name="Vissapragada,Sai Tejaswee" userId="S::s545438@nwmissouri.edu::ac5152bd-e08b-42ef-87f5-6857be20e85f" providerId="AD" clId="Web-{A8C22E62-5AA5-483F-A10E-5EB0B6850044}" dt="2022-10-14T15:09:51.171" v="298" actId="20577"/>
+          <ac:spMkLst>
+            <pc:docMk/>
+            <pc:sldMk cId="2459341095" sldId="364"/>
+            <ac:spMk id="3" creationId="{386E58DB-AF1A-2DF3-7CF6-71CAE99743B8}"/>
+          </ac:spMkLst>
+        </pc:spChg>
+        <pc:spChg chg="del mod ord">
+          <ac:chgData name="Vissapragada,Sai Tejaswee" userId="S::s545438@nwmissouri.edu::ac5152bd-e08b-42ef-87f5-6857be20e85f" providerId="AD" clId="Web-{A8C22E62-5AA5-483F-A10E-5EB0B6850044}" dt="2022-10-14T15:09:27.764" v="290"/>
+          <ac:spMkLst>
+            <pc:docMk/>
+            <pc:sldMk cId="2459341095" sldId="364"/>
+            <ac:spMk id="4" creationId="{07793932-1B44-9BA4-21C6-7C6863E8F3FF}"/>
+          </ac:spMkLst>
+        </pc:spChg>
+      </pc:sldChg>
+      <pc:sldChg chg="delSp modSp mod modClrScheme chgLayout">
+        <pc:chgData name="Vissapragada,Sai Tejaswee" userId="S::s545438@nwmissouri.edu::ac5152bd-e08b-42ef-87f5-6857be20e85f" providerId="AD" clId="Web-{A8C22E62-5AA5-483F-A10E-5EB0B6850044}" dt="2022-10-14T15:32:30.043" v="348" actId="20577"/>
+        <pc:sldMkLst>
+          <pc:docMk/>
+          <pc:sldMk cId="1168084508" sldId="365"/>
+        </pc:sldMkLst>
+        <pc:spChg chg="mod ord">
+          <ac:chgData name="Vissapragada,Sai Tejaswee" userId="S::s545438@nwmissouri.edu::ac5152bd-e08b-42ef-87f5-6857be20e85f" providerId="AD" clId="Web-{A8C22E62-5AA5-483F-A10E-5EB0B6850044}" dt="2022-10-14T15:01:41.301" v="254" actId="20577"/>
+          <ac:spMkLst>
+            <pc:docMk/>
+            <pc:sldMk cId="1168084508" sldId="365"/>
+            <ac:spMk id="2" creationId="{0A99E831-0FE4-BBC0-F1D0-9F150956F9CB}"/>
+          </ac:spMkLst>
+        </pc:spChg>
+        <pc:spChg chg="mod ord">
+          <ac:chgData name="Vissapragada,Sai Tejaswee" userId="S::s545438@nwmissouri.edu::ac5152bd-e08b-42ef-87f5-6857be20e85f" providerId="AD" clId="Web-{A8C22E62-5AA5-483F-A10E-5EB0B6850044}" dt="2022-10-14T15:32:30.043" v="348" actId="20577"/>
+          <ac:spMkLst>
+            <pc:docMk/>
+            <pc:sldMk cId="1168084508" sldId="365"/>
+            <ac:spMk id="3" creationId="{3CC905E3-3707-BA22-DDB9-9FF9CDFDF532}"/>
+          </ac:spMkLst>
+        </pc:spChg>
+        <pc:spChg chg="del mod ord">
+          <ac:chgData name="Vissapragada,Sai Tejaswee" userId="S::s545438@nwmissouri.edu::ac5152bd-e08b-42ef-87f5-6857be20e85f" providerId="AD" clId="Web-{A8C22E62-5AA5-483F-A10E-5EB0B6850044}" dt="2022-10-14T15:10:21.124" v="301"/>
+          <ac:spMkLst>
+            <pc:docMk/>
+            <pc:sldMk cId="1168084508" sldId="365"/>
+            <ac:spMk id="4" creationId="{9325BA59-088F-F932-168B-94207CA13343}"/>
+          </ac:spMkLst>
+        </pc:spChg>
+      </pc:sldChg>
+      <pc:sldChg chg="delSp modSp mod modClrScheme delDesignElem chgLayout">
+        <pc:chgData name="Vissapragada,Sai Tejaswee" userId="S::s545438@nwmissouri.edu::ac5152bd-e08b-42ef-87f5-6857be20e85f" providerId="AD" clId="Web-{A8C22E62-5AA5-483F-A10E-5EB0B6850044}" dt="2022-10-14T15:32:20.012" v="346" actId="20577"/>
+        <pc:sldMkLst>
+          <pc:docMk/>
+          <pc:sldMk cId="1837471576" sldId="366"/>
+        </pc:sldMkLst>
+        <pc:spChg chg="mod ord">
+          <ac:chgData name="Vissapragada,Sai Tejaswee" userId="S::s545438@nwmissouri.edu::ac5152bd-e08b-42ef-87f5-6857be20e85f" providerId="AD" clId="Web-{A8C22E62-5AA5-483F-A10E-5EB0B6850044}" dt="2022-10-14T14:54:02.291" v="189"/>
+          <ac:spMkLst>
+            <pc:docMk/>
+            <pc:sldMk cId="1837471576" sldId="366"/>
+            <ac:spMk id="2" creationId="{699FDC42-B1C1-8EF3-24EB-74E32AB17A6B}"/>
+          </ac:spMkLst>
+        </pc:spChg>
+        <pc:spChg chg="mod ord">
+          <ac:chgData name="Vissapragada,Sai Tejaswee" userId="S::s545438@nwmissouri.edu::ac5152bd-e08b-42ef-87f5-6857be20e85f" providerId="AD" clId="Web-{A8C22E62-5AA5-483F-A10E-5EB0B6850044}" dt="2022-10-14T15:32:20.012" v="346" actId="20577"/>
+          <ac:spMkLst>
+            <pc:docMk/>
+            <pc:sldMk cId="1837471576" sldId="366"/>
+            <ac:spMk id="3" creationId="{A8E34014-DCF4-FA40-FD67-BBA08040D734}"/>
+          </ac:spMkLst>
+        </pc:spChg>
+        <pc:spChg chg="del mod ord">
+          <ac:chgData name="Vissapragada,Sai Tejaswee" userId="S::s545438@nwmissouri.edu::ac5152bd-e08b-42ef-87f5-6857be20e85f" providerId="AD" clId="Web-{A8C22E62-5AA5-483F-A10E-5EB0B6850044}" dt="2022-10-14T15:10:14.749" v="300"/>
+          <ac:spMkLst>
+            <pc:docMk/>
+            <pc:sldMk cId="1837471576" sldId="366"/>
+            <ac:spMk id="4" creationId="{1D8F33DF-6D51-678F-B93A-CFECC5B6B34B}"/>
+          </ac:spMkLst>
+        </pc:spChg>
+        <pc:spChg chg="del">
+          <ac:chgData name="Vissapragada,Sai Tejaswee" userId="S::s545438@nwmissouri.edu::ac5152bd-e08b-42ef-87f5-6857be20e85f" providerId="AD" clId="Web-{A8C22E62-5AA5-483F-A10E-5EB0B6850044}" dt="2022-10-14T14:54:02.291" v="189"/>
+          <ac:spMkLst>
+            <pc:docMk/>
+            <pc:sldMk cId="1837471576" sldId="366"/>
+            <ac:spMk id="37" creationId="{5E39A796-BE83-48B1-B33F-35C4A32AAB57}"/>
+          </ac:spMkLst>
+        </pc:spChg>
+        <pc:spChg chg="del">
+          <ac:chgData name="Vissapragada,Sai Tejaswee" userId="S::s545438@nwmissouri.edu::ac5152bd-e08b-42ef-87f5-6857be20e85f" providerId="AD" clId="Web-{A8C22E62-5AA5-483F-A10E-5EB0B6850044}" dt="2022-10-14T14:54:02.291" v="189"/>
+          <ac:spMkLst>
+            <pc:docMk/>
+            <pc:sldMk cId="1837471576" sldId="366"/>
+            <ac:spMk id="38" creationId="{72F84B47-E267-4194-8194-831DB7B5547F}"/>
+          </ac:spMkLst>
+        </pc:spChg>
+      </pc:sldChg>
+      <pc:sldChg chg="delSp modSp mod modClrScheme chgLayout">
+        <pc:chgData name="Vissapragada,Sai Tejaswee" userId="S::s545438@nwmissouri.edu::ac5152bd-e08b-42ef-87f5-6857be20e85f" providerId="AD" clId="Web-{A8C22E62-5AA5-483F-A10E-5EB0B6850044}" dt="2022-10-14T15:28:27.225" v="330" actId="20577"/>
+        <pc:sldMkLst>
+          <pc:docMk/>
+          <pc:sldMk cId="2698460313" sldId="368"/>
+        </pc:sldMkLst>
+        <pc:spChg chg="mod ord">
+          <ac:chgData name="Vissapragada,Sai Tejaswee" userId="S::s545438@nwmissouri.edu::ac5152bd-e08b-42ef-87f5-6857be20e85f" providerId="AD" clId="Web-{A8C22E62-5AA5-483F-A10E-5EB0B6850044}" dt="2022-10-14T15:02:58.271" v="256" actId="20577"/>
+          <ac:spMkLst>
+            <pc:docMk/>
+            <pc:sldMk cId="2698460313" sldId="368"/>
+            <ac:spMk id="2" creationId="{57E92D1A-143E-A8D1-5650-23C53F336A3A}"/>
+          </ac:spMkLst>
+        </pc:spChg>
+        <pc:spChg chg="mod ord">
+          <ac:chgData name="Vissapragada,Sai Tejaswee" userId="S::s545438@nwmissouri.edu::ac5152bd-e08b-42ef-87f5-6857be20e85f" providerId="AD" clId="Web-{A8C22E62-5AA5-483F-A10E-5EB0B6850044}" dt="2022-10-14T15:28:27.225" v="330" actId="20577"/>
+          <ac:spMkLst>
+            <pc:docMk/>
+            <pc:sldMk cId="2698460313" sldId="368"/>
+            <ac:spMk id="3" creationId="{0485A877-B7E7-764E-DB9E-520F12AC7E8A}"/>
+          </ac:spMkLst>
+        </pc:spChg>
+        <pc:spChg chg="del mod ord">
+          <ac:chgData name="Vissapragada,Sai Tejaswee" userId="S::s545438@nwmissouri.edu::ac5152bd-e08b-42ef-87f5-6857be20e85f" providerId="AD" clId="Web-{A8C22E62-5AA5-483F-A10E-5EB0B6850044}" dt="2022-10-14T15:09:06.748" v="287"/>
+          <ac:spMkLst>
+            <pc:docMk/>
+            <pc:sldMk cId="2698460313" sldId="368"/>
+            <ac:spMk id="4" creationId="{E21CBC94-1453-F549-F5A2-F9CA55491551}"/>
+          </ac:spMkLst>
+        </pc:spChg>
+      </pc:sldChg>
+      <pc:sldChg chg="delSp modSp mod modClrScheme chgLayout">
+        <pc:chgData name="Vissapragada,Sai Tejaswee" userId="S::s545438@nwmissouri.edu::ac5152bd-e08b-42ef-87f5-6857be20e85f" providerId="AD" clId="Web-{A8C22E62-5AA5-483F-A10E-5EB0B6850044}" dt="2022-10-14T15:32:09.464" v="345" actId="20577"/>
+        <pc:sldMkLst>
+          <pc:docMk/>
+          <pc:sldMk cId="3832482965" sldId="369"/>
+        </pc:sldMkLst>
+        <pc:spChg chg="mod ord">
+          <ac:chgData name="Vissapragada,Sai Tejaswee" userId="S::s545438@nwmissouri.edu::ac5152bd-e08b-42ef-87f5-6857be20e85f" providerId="AD" clId="Web-{A8C22E62-5AA5-483F-A10E-5EB0B6850044}" dt="2022-10-14T15:32:09.464" v="345" actId="20577"/>
+          <ac:spMkLst>
+            <pc:docMk/>
+            <pc:sldMk cId="3832482965" sldId="369"/>
+            <ac:spMk id="3" creationId="{ABC53B28-A702-CB39-14D5-C5D93E4EE12D}"/>
+          </ac:spMkLst>
+        </pc:spChg>
+        <pc:spChg chg="del mod ord">
+          <ac:chgData name="Vissapragada,Sai Tejaswee" userId="S::s545438@nwmissouri.edu::ac5152bd-e08b-42ef-87f5-6857be20e85f" providerId="AD" clId="Web-{A8C22E62-5AA5-483F-A10E-5EB0B6850044}" dt="2022-10-14T15:10:08.093" v="299"/>
+          <ac:spMkLst>
+            <pc:docMk/>
+            <pc:sldMk cId="3832482965" sldId="369"/>
+            <ac:spMk id="4" creationId="{2FE6C971-314E-93BC-7657-03293E5B84A6}"/>
+          </ac:spMkLst>
+        </pc:spChg>
+      </pc:sldChg>
+      <pc:sldChg chg="delSp modSp mod modClrScheme delDesignElem chgLayout">
+        <pc:chgData name="Vissapragada,Sai Tejaswee" userId="S::s545438@nwmissouri.edu::ac5152bd-e08b-42ef-87f5-6857be20e85f" providerId="AD" clId="Web-{A8C22E62-5AA5-483F-A10E-5EB0B6850044}" dt="2022-10-14T14:54:33.308" v="194" actId="20577"/>
+        <pc:sldMkLst>
+          <pc:docMk/>
+          <pc:sldMk cId="437098969" sldId="370"/>
+        </pc:sldMkLst>
+        <pc:spChg chg="mod ord">
+          <ac:chgData name="Vissapragada,Sai Tejaswee" userId="S::s545438@nwmissouri.edu::ac5152bd-e08b-42ef-87f5-6857be20e85f" providerId="AD" clId="Web-{A8C22E62-5AA5-483F-A10E-5EB0B6850044}" dt="2022-10-14T14:54:33.308" v="194" actId="20577"/>
+          <ac:spMkLst>
+            <pc:docMk/>
+            <pc:sldMk cId="437098969" sldId="370"/>
+            <ac:spMk id="2" creationId="{A8723335-4D01-C533-AC17-BB39BC5E4AB8}"/>
+          </ac:spMkLst>
+        </pc:spChg>
+        <pc:spChg chg="mod ord">
+          <ac:chgData name="Vissapragada,Sai Tejaswee" userId="S::s545438@nwmissouri.edu::ac5152bd-e08b-42ef-87f5-6857be20e85f" providerId="AD" clId="Web-{A8C22E62-5AA5-483F-A10E-5EB0B6850044}" dt="2022-10-14T14:54:02.291" v="189"/>
+          <ac:spMkLst>
+            <pc:docMk/>
+            <pc:sldMk cId="437098969" sldId="370"/>
+            <ac:spMk id="3" creationId="{2717A627-2709-3E6E-A10A-905A446CF39D}"/>
+          </ac:spMkLst>
+        </pc:spChg>
+        <pc:spChg chg="mod ord">
+          <ac:chgData name="Vissapragada,Sai Tejaswee" userId="S::s545438@nwmissouri.edu::ac5152bd-e08b-42ef-87f5-6857be20e85f" providerId="AD" clId="Web-{A8C22E62-5AA5-483F-A10E-5EB0B6850044}" dt="2022-10-14T14:54:02.291" v="189"/>
+          <ac:spMkLst>
+            <pc:docMk/>
+            <pc:sldMk cId="437098969" sldId="370"/>
+            <ac:spMk id="4" creationId="{5A0C8046-7569-8FB5-356C-E4DB27FB3CE6}"/>
+          </ac:spMkLst>
+        </pc:spChg>
+        <pc:spChg chg="del">
+          <ac:chgData name="Vissapragada,Sai Tejaswee" userId="S::s545438@nwmissouri.edu::ac5152bd-e08b-42ef-87f5-6857be20e85f" providerId="AD" clId="Web-{A8C22E62-5AA5-483F-A10E-5EB0B6850044}" dt="2022-10-14T14:54:02.291" v="189"/>
+          <ac:spMkLst>
+            <pc:docMk/>
+            <pc:sldMk cId="437098969" sldId="370"/>
+            <ac:spMk id="17" creationId="{3346177D-ADC4-4968-B747-5CFCD390B5B9}"/>
+          </ac:spMkLst>
+        </pc:spChg>
+        <pc:spChg chg="del">
+          <ac:chgData name="Vissapragada,Sai Tejaswee" userId="S::s545438@nwmissouri.edu::ac5152bd-e08b-42ef-87f5-6857be20e85f" providerId="AD" clId="Web-{A8C22E62-5AA5-483F-A10E-5EB0B6850044}" dt="2022-10-14T14:54:02.291" v="189"/>
+          <ac:spMkLst>
+            <pc:docMk/>
+            <pc:sldMk cId="437098969" sldId="370"/>
+            <ac:spMk id="19" creationId="{0844A943-BF79-4FEA-ABB1-3BD54D236606}"/>
+          </ac:spMkLst>
+        </pc:spChg>
+        <pc:spChg chg="del">
+          <ac:chgData name="Vissapragada,Sai Tejaswee" userId="S::s545438@nwmissouri.edu::ac5152bd-e08b-42ef-87f5-6857be20e85f" providerId="AD" clId="Web-{A8C22E62-5AA5-483F-A10E-5EB0B6850044}" dt="2022-10-14T14:54:02.291" v="189"/>
+          <ac:spMkLst>
+            <pc:docMk/>
+            <pc:sldMk cId="437098969" sldId="370"/>
+            <ac:spMk id="21" creationId="{6437CC72-F4A8-4DC3-AFAB-D22C482C8100}"/>
+          </ac:spMkLst>
+        </pc:spChg>
+        <pc:picChg chg="mod">
+          <ac:chgData name="Vissapragada,Sai Tejaswee" userId="S::s545438@nwmissouri.edu::ac5152bd-e08b-42ef-87f5-6857be20e85f" providerId="AD" clId="Web-{A8C22E62-5AA5-483F-A10E-5EB0B6850044}" dt="2022-10-14T14:54:15.635" v="190" actId="1076"/>
+          <ac:picMkLst>
+            <pc:docMk/>
+            <pc:sldMk cId="437098969" sldId="370"/>
+            <ac:picMk id="5" creationId="{8BC2E01F-BB52-CA40-F63F-63DFB1D2B6F5}"/>
+          </ac:picMkLst>
+        </pc:picChg>
+      </pc:sldChg>
+      <pc:sldChg chg="delSp modSp mod modClrScheme chgLayout">
+        <pc:chgData name="Vissapragada,Sai Tejaswee" userId="S::s545438@nwmissouri.edu::ac5152bd-e08b-42ef-87f5-6857be20e85f" providerId="AD" clId="Web-{A8C22E62-5AA5-483F-A10E-5EB0B6850044}" dt="2022-10-14T15:46:32.264" v="463" actId="20577"/>
+        <pc:sldMkLst>
+          <pc:docMk/>
+          <pc:sldMk cId="884823026" sldId="371"/>
+        </pc:sldMkLst>
+        <pc:spChg chg="mod ord">
+          <ac:chgData name="Vissapragada,Sai Tejaswee" userId="S::s545438@nwmissouri.edu::ac5152bd-e08b-42ef-87f5-6857be20e85f" providerId="AD" clId="Web-{A8C22E62-5AA5-483F-A10E-5EB0B6850044}" dt="2022-10-14T15:46:32.264" v="463" actId="20577"/>
+          <ac:spMkLst>
+            <pc:docMk/>
+            <pc:sldMk cId="884823026" sldId="371"/>
+            <ac:spMk id="3" creationId="{1CE5B5B3-F968-7176-817F-D2DECAB3BFC0}"/>
+          </ac:spMkLst>
+        </pc:spChg>
+        <pc:spChg chg="del mod ord">
+          <ac:chgData name="Vissapragada,Sai Tejaswee" userId="S::s545438@nwmissouri.edu::ac5152bd-e08b-42ef-87f5-6857be20e85f" providerId="AD" clId="Web-{A8C22E62-5AA5-483F-A10E-5EB0B6850044}" dt="2022-10-14T15:08:06.668" v="280"/>
+          <ac:spMkLst>
+            <pc:docMk/>
+            <pc:sldMk cId="884823026" sldId="371"/>
+            <ac:spMk id="4" creationId="{E3A7E43B-9E7A-B4A6-17AC-16297ABC4F50}"/>
+          </ac:spMkLst>
+        </pc:spChg>
+      </pc:sldChg>
+      <pc:sldChg chg="modSp">
+        <pc:chgData name="Vissapragada,Sai Tejaswee" userId="S::s545438@nwmissouri.edu::ac5152bd-e08b-42ef-87f5-6857be20e85f" providerId="AD" clId="Web-{A8C22E62-5AA5-483F-A10E-5EB0B6850044}" dt="2022-10-14T15:59:45.390" v="468" actId="20577"/>
+        <pc:sldMkLst>
+          <pc:docMk/>
+          <pc:sldMk cId="3017103360" sldId="372"/>
+        </pc:sldMkLst>
+        <pc:spChg chg="mod">
+          <ac:chgData name="Vissapragada,Sai Tejaswee" userId="S::s545438@nwmissouri.edu::ac5152bd-e08b-42ef-87f5-6857be20e85f" providerId="AD" clId="Web-{A8C22E62-5AA5-483F-A10E-5EB0B6850044}" dt="2022-10-14T15:15:02.162" v="310" actId="20577"/>
+          <ac:spMkLst>
+            <pc:docMk/>
+            <pc:sldMk cId="3017103360" sldId="372"/>
+            <ac:spMk id="2" creationId="{9B203523-CF4E-5660-E239-E185D27F83C7}"/>
+          </ac:spMkLst>
+        </pc:spChg>
+        <pc:spChg chg="mod">
+          <ac:chgData name="Vissapragada,Sai Tejaswee" userId="S::s545438@nwmissouri.edu::ac5152bd-e08b-42ef-87f5-6857be20e85f" providerId="AD" clId="Web-{A8C22E62-5AA5-483F-A10E-5EB0B6850044}" dt="2022-10-14T15:59:45.390" v="468" actId="20577"/>
+          <ac:spMkLst>
+            <pc:docMk/>
+            <pc:sldMk cId="3017103360" sldId="372"/>
+            <ac:spMk id="3" creationId="{0E3D6556-A722-02BE-F336-6B448678512B}"/>
+          </ac:spMkLst>
+        </pc:spChg>
+      </pc:sldChg>
+      <pc:sldChg chg="modSp">
+        <pc:chgData name="Vissapragada,Sai Tejaswee" userId="S::s545438@nwmissouri.edu::ac5152bd-e08b-42ef-87f5-6857be20e85f" providerId="AD" clId="Web-{A8C22E62-5AA5-483F-A10E-5EB0B6850044}" dt="2022-10-14T15:30:19.165" v="336" actId="20577"/>
+        <pc:sldMkLst>
+          <pc:docMk/>
+          <pc:sldMk cId="3360226570" sldId="373"/>
+        </pc:sldMkLst>
+        <pc:spChg chg="mod">
+          <ac:chgData name="Vissapragada,Sai Tejaswee" userId="S::s545438@nwmissouri.edu::ac5152bd-e08b-42ef-87f5-6857be20e85f" providerId="AD" clId="Web-{A8C22E62-5AA5-483F-A10E-5EB0B6850044}" dt="2022-10-14T15:02:42.693" v="255" actId="20577"/>
+          <ac:spMkLst>
+            <pc:docMk/>
+            <pc:sldMk cId="3360226570" sldId="373"/>
+            <ac:spMk id="2" creationId="{C70D7201-9327-5D3D-7F01-45617E65561E}"/>
+          </ac:spMkLst>
+        </pc:spChg>
+        <pc:spChg chg="mod">
+          <ac:chgData name="Vissapragada,Sai Tejaswee" userId="S::s545438@nwmissouri.edu::ac5152bd-e08b-42ef-87f5-6857be20e85f" providerId="AD" clId="Web-{A8C22E62-5AA5-483F-A10E-5EB0B6850044}" dt="2022-10-14T15:30:19.165" v="336" actId="20577"/>
+          <ac:spMkLst>
+            <pc:docMk/>
+            <pc:sldMk cId="3360226570" sldId="373"/>
+            <ac:spMk id="3" creationId="{479AB6C6-DF7C-4F0A-419D-EED753033418}"/>
+          </ac:spMkLst>
+        </pc:spChg>
+      </pc:sldChg>
+      <pc:sldChg chg="modSp">
+        <pc:chgData name="Vissapragada,Sai Tejaswee" userId="S::s545438@nwmissouri.edu::ac5152bd-e08b-42ef-87f5-6857be20e85f" providerId="AD" clId="Web-{A8C22E62-5AA5-483F-A10E-5EB0B6850044}" dt="2022-10-14T15:04:19.429" v="278" actId="20577"/>
+        <pc:sldMkLst>
+          <pc:docMk/>
+          <pc:sldMk cId="1614585721" sldId="374"/>
+        </pc:sldMkLst>
+        <pc:spChg chg="mod">
+          <ac:chgData name="Vissapragada,Sai Tejaswee" userId="S::s545438@nwmissouri.edu::ac5152bd-e08b-42ef-87f5-6857be20e85f" providerId="AD" clId="Web-{A8C22E62-5AA5-483F-A10E-5EB0B6850044}" dt="2022-10-14T15:04:19.429" v="278" actId="20577"/>
+          <ac:spMkLst>
+            <pc:docMk/>
+            <pc:sldMk cId="1614585721" sldId="374"/>
+            <ac:spMk id="2" creationId="{0F872AB6-0F89-8C23-9855-C08AB0E40A22}"/>
+          </ac:spMkLst>
+        </pc:spChg>
+      </pc:sldChg>
+      <pc:sldChg chg="modSp">
+        <pc:chgData name="Vissapragada,Sai Tejaswee" userId="S::s545438@nwmissouri.edu::ac5152bd-e08b-42ef-87f5-6857be20e85f" providerId="AD" clId="Web-{A8C22E62-5AA5-483F-A10E-5EB0B6850044}" dt="2022-10-14T15:40:20.272" v="358" actId="20577"/>
+        <pc:sldMkLst>
+          <pc:docMk/>
+          <pc:sldMk cId="4113795527" sldId="375"/>
+        </pc:sldMkLst>
+        <pc:spChg chg="mod">
+          <ac:chgData name="Vissapragada,Sai Tejaswee" userId="S::s545438@nwmissouri.edu::ac5152bd-e08b-42ef-87f5-6857be20e85f" providerId="AD" clId="Web-{A8C22E62-5AA5-483F-A10E-5EB0B6850044}" dt="2022-10-14T15:40:20.272" v="358" actId="20577"/>
+          <ac:spMkLst>
+            <pc:docMk/>
+            <pc:sldMk cId="4113795527" sldId="375"/>
+            <ac:spMk id="2" creationId="{7AC27030-194D-1EF6-AC29-5F692AEB8181}"/>
+          </ac:spMkLst>
+        </pc:spChg>
+        <pc:spChg chg="mod">
+          <ac:chgData name="Vissapragada,Sai Tejaswee" userId="S::s545438@nwmissouri.edu::ac5152bd-e08b-42ef-87f5-6857be20e85f" providerId="AD" clId="Web-{A8C22E62-5AA5-483F-A10E-5EB0B6850044}" dt="2022-10-14T15:31:37.057" v="343" actId="20577"/>
+          <ac:spMkLst>
+            <pc:docMk/>
+            <pc:sldMk cId="4113795527" sldId="375"/>
+            <ac:spMk id="3" creationId="{7CAED4AF-0819-0D07-042B-3BC87CBC8010}"/>
+          </ac:spMkLst>
+        </pc:spChg>
+      </pc:sldChg>
+      <pc:sldChg chg="modSp add">
+        <pc:chgData name="Vissapragada,Sai Tejaswee" userId="S::s545438@nwmissouri.edu::ac5152bd-e08b-42ef-87f5-6857be20e85f" providerId="AD" clId="Web-{A8C22E62-5AA5-483F-A10E-5EB0B6850044}" dt="2022-10-14T16:07:04.181" v="472" actId="20577"/>
+        <pc:sldMkLst>
+          <pc:docMk/>
+          <pc:sldMk cId="659270591" sldId="376"/>
+        </pc:sldMkLst>
+        <pc:spChg chg="mod">
+          <ac:chgData name="Vissapragada,Sai Tejaswee" userId="S::s545438@nwmissouri.edu::ac5152bd-e08b-42ef-87f5-6857be20e85f" providerId="AD" clId="Web-{A8C22E62-5AA5-483F-A10E-5EB0B6850044}" dt="2022-10-14T16:07:04.181" v="472" actId="20577"/>
+          <ac:spMkLst>
+            <pc:docMk/>
+            <pc:sldMk cId="659270591" sldId="376"/>
+            <ac:spMk id="3" creationId="{00000000-0000-0000-0000-000000000000}"/>
+          </ac:spMkLst>
+        </pc:spChg>
+      </pc:sldChg>
+      <pc:sldChg chg="modSp add">
+        <pc:chgData name="Vissapragada,Sai Tejaswee" userId="S::s545438@nwmissouri.edu::ac5152bd-e08b-42ef-87f5-6857be20e85f" providerId="AD" clId="Web-{A8C22E62-5AA5-483F-A10E-5EB0B6850044}" dt="2022-10-14T16:08:27.245" v="491" actId="1076"/>
+        <pc:sldMkLst>
+          <pc:docMk/>
+          <pc:sldMk cId="824242017" sldId="377"/>
+        </pc:sldMkLst>
+        <pc:spChg chg="mod">
+          <ac:chgData name="Vissapragada,Sai Tejaswee" userId="S::s545438@nwmissouri.edu::ac5152bd-e08b-42ef-87f5-6857be20e85f" providerId="AD" clId="Web-{A8C22E62-5AA5-483F-A10E-5EB0B6850044}" dt="2022-10-14T16:08:27.245" v="491" actId="1076"/>
+          <ac:spMkLst>
+            <pc:docMk/>
+            <pc:sldMk cId="824242017" sldId="377"/>
+            <ac:spMk id="15" creationId="{F6ECBACC-0B57-3040-504E-48379878B34E}"/>
+          </ac:spMkLst>
+        </pc:spChg>
+        <pc:spChg chg="mod">
+          <ac:chgData name="Vissapragada,Sai Tejaswee" userId="S::s545438@nwmissouri.edu::ac5152bd-e08b-42ef-87f5-6857be20e85f" providerId="AD" clId="Web-{A8C22E62-5AA5-483F-A10E-5EB0B6850044}" dt="2022-10-14T15:29:55.883" v="334" actId="20577"/>
+          <ac:spMkLst>
+            <pc:docMk/>
+            <pc:sldMk cId="824242017" sldId="377"/>
+            <ac:spMk id="18" creationId="{0D575FF4-A0A5-5D5F-E422-A3C3DF894EF5}"/>
+          </ac:spMkLst>
+        </pc:spChg>
+      </pc:sldChg>
+      <pc:sldChg chg="addSp delSp modSp add">
+        <pc:chgData name="Vissapragada,Sai Tejaswee" userId="S::s545438@nwmissouri.edu::ac5152bd-e08b-42ef-87f5-6857be20e85f" providerId="AD" clId="Web-{A8C22E62-5AA5-483F-A10E-5EB0B6850044}" dt="2022-10-14T15:24:37.267" v="328" actId="20577"/>
+        <pc:sldMkLst>
+          <pc:docMk/>
+          <pc:sldMk cId="3225898199" sldId="378"/>
+        </pc:sldMkLst>
+        <pc:spChg chg="del">
+          <ac:chgData name="Vissapragada,Sai Tejaswee" userId="S::s545438@nwmissouri.edu::ac5152bd-e08b-42ef-87f5-6857be20e85f" providerId="AD" clId="Web-{A8C22E62-5AA5-483F-A10E-5EB0B6850044}" dt="2022-10-14T15:23:36.782" v="321"/>
+          <ac:spMkLst>
+            <pc:docMk/>
+            <pc:sldMk cId="3225898199" sldId="378"/>
+            <ac:spMk id="2" creationId="{C841DDDB-09FE-0770-F467-1A6644329CFC}"/>
+          </ac:spMkLst>
+        </pc:spChg>
+        <pc:spChg chg="mod">
+          <ac:chgData name="Vissapragada,Sai Tejaswee" userId="S::s545438@nwmissouri.edu::ac5152bd-e08b-42ef-87f5-6857be20e85f" providerId="AD" clId="Web-{A8C22E62-5AA5-483F-A10E-5EB0B6850044}" dt="2022-10-14T15:24:37.267" v="328" actId="20577"/>
+          <ac:spMkLst>
+            <pc:docMk/>
+            <pc:sldMk cId="3225898199" sldId="378"/>
+            <ac:spMk id="3" creationId="{627AC61C-9393-097F-8278-A135703BB589}"/>
+          </ac:spMkLst>
+        </pc:spChg>
+        <pc:spChg chg="add del mod">
+          <ac:chgData name="Vissapragada,Sai Tejaswee" userId="S::s545438@nwmissouri.edu::ac5152bd-e08b-42ef-87f5-6857be20e85f" providerId="AD" clId="Web-{A8C22E62-5AA5-483F-A10E-5EB0B6850044}" dt="2022-10-14T15:23:40.344" v="322"/>
+          <ac:spMkLst>
+            <pc:docMk/>
+            <pc:sldMk cId="3225898199" sldId="378"/>
+            <ac:spMk id="5" creationId="{0CC146A7-8589-151D-467A-2DFFFD93A847}"/>
+          </ac:spMkLst>
+        </pc:spChg>
+        <pc:spChg chg="add mod">
+          <ac:chgData name="Vissapragada,Sai Tejaswee" userId="S::s545438@nwmissouri.edu::ac5152bd-e08b-42ef-87f5-6857be20e85f" providerId="AD" clId="Web-{A8C22E62-5AA5-483F-A10E-5EB0B6850044}" dt="2022-10-14T15:24:10.829" v="325" actId="20577"/>
+          <ac:spMkLst>
+            <pc:docMk/>
+            <pc:sldMk cId="3225898199" sldId="378"/>
+            <ac:spMk id="7" creationId="{D6B5D823-5C12-1AB8-3142-290071BA27E1}"/>
+          </ac:spMkLst>
+        </pc:spChg>
+      </pc:sldChg>
+      <pc:sldChg chg="modSp ord">
+        <pc:chgData name="Vissapragada,Sai Tejaswee" userId="S::s545438@nwmissouri.edu::ac5152bd-e08b-42ef-87f5-6857be20e85f" providerId="AD" clId="Web-{A8C22E62-5AA5-483F-A10E-5EB0B6850044}" dt="2022-10-14T15:42:03.477" v="397" actId="20577"/>
+        <pc:sldMkLst>
+          <pc:docMk/>
+          <pc:sldMk cId="836180278" sldId="379"/>
+        </pc:sldMkLst>
+        <pc:spChg chg="mod">
+          <ac:chgData name="Vissapragada,Sai Tejaswee" userId="S::s545438@nwmissouri.edu::ac5152bd-e08b-42ef-87f5-6857be20e85f" providerId="AD" clId="Web-{A8C22E62-5AA5-483F-A10E-5EB0B6850044}" dt="2022-10-14T15:42:03.477" v="397" actId="20577"/>
+          <ac:spMkLst>
+            <pc:docMk/>
+            <pc:sldMk cId="836180278" sldId="379"/>
+            <ac:spMk id="3" creationId="{6F325FD3-8624-CDB2-FF03-5B4140CC7C86}"/>
+          </ac:spMkLst>
+        </pc:spChg>
+      </pc:sldChg>
+      <pc:sldChg chg="modSp add">
+        <pc:chgData name="Vissapragada,Sai Tejaswee" userId="S::s545438@nwmissouri.edu::ac5152bd-e08b-42ef-87f5-6857be20e85f" providerId="AD" clId="Web-{A8C22E62-5AA5-483F-A10E-5EB0B6850044}" dt="2022-10-14T16:25:57.626" v="510" actId="20577"/>
+        <pc:sldMkLst>
+          <pc:docMk/>
+          <pc:sldMk cId="3033080522" sldId="380"/>
+        </pc:sldMkLst>
+        <pc:spChg chg="mod">
+          <ac:chgData name="Vissapragada,Sai Tejaswee" userId="S::s545438@nwmissouri.edu::ac5152bd-e08b-42ef-87f5-6857be20e85f" providerId="AD" clId="Web-{A8C22E62-5AA5-483F-A10E-5EB0B6850044}" dt="2022-10-14T16:11:23.139" v="493" actId="1076"/>
+          <ac:spMkLst>
+            <pc:docMk/>
+            <pc:sldMk cId="3033080522" sldId="380"/>
+            <ac:spMk id="2" creationId="{C841DDDB-09FE-0770-F467-1A6644329CFC}"/>
+          </ac:spMkLst>
+        </pc:spChg>
+        <pc:spChg chg="mod">
+          <ac:chgData name="Vissapragada,Sai Tejaswee" userId="S::s545438@nwmissouri.edu::ac5152bd-e08b-42ef-87f5-6857be20e85f" providerId="AD" clId="Web-{A8C22E62-5AA5-483F-A10E-5EB0B6850044}" dt="2022-10-14T16:25:57.626" v="510" actId="20577"/>
+          <ac:spMkLst>
+            <pc:docMk/>
+            <pc:sldMk cId="3033080522" sldId="380"/>
+            <ac:spMk id="3" creationId="{627AC61C-9393-097F-8278-A135703BB589}"/>
+          </ac:spMkLst>
+        </pc:spChg>
+      </pc:sldChg>
+      <pc:sldMasterChg chg="add addSldLayout">
+        <pc:chgData name="Vissapragada,Sai Tejaswee" userId="S::s545438@nwmissouri.edu::ac5152bd-e08b-42ef-87f5-6857be20e85f" providerId="AD" clId="Web-{A8C22E62-5AA5-483F-A10E-5EB0B6850044}" dt="2022-10-14T15:23:13.109" v="318"/>
+        <pc:sldMasterMkLst>
+          <pc:docMk/>
+          <pc:sldMasterMk cId="665472013" sldId="2147483648"/>
+        </pc:sldMasterMkLst>
+        <pc:sldLayoutChg chg="add">
+          <pc:chgData name="Vissapragada,Sai Tejaswee" userId="S::s545438@nwmissouri.edu::ac5152bd-e08b-42ef-87f5-6857be20e85f" providerId="AD" clId="Web-{A8C22E62-5AA5-483F-A10E-5EB0B6850044}" dt="2022-10-14T15:23:13.109" v="318"/>
+          <pc:sldLayoutMkLst>
+            <pc:docMk/>
+            <pc:sldMasterMk cId="665472013" sldId="2147483648"/>
+            <pc:sldLayoutMk cId="1458169407" sldId="2147483649"/>
+          </pc:sldLayoutMkLst>
+        </pc:sldLayoutChg>
+        <pc:sldLayoutChg chg="add">
+          <pc:chgData name="Vissapragada,Sai Tejaswee" userId="S::s545438@nwmissouri.edu::ac5152bd-e08b-42ef-87f5-6857be20e85f" providerId="AD" clId="Web-{A8C22E62-5AA5-483F-A10E-5EB0B6850044}" dt="2022-10-14T15:23:13.109" v="318"/>
+          <pc:sldLayoutMkLst>
+            <pc:docMk/>
+            <pc:sldMasterMk cId="665472013" sldId="2147483648"/>
+            <pc:sldLayoutMk cId="233810693" sldId="2147483650"/>
+          </pc:sldLayoutMkLst>
+        </pc:sldLayoutChg>
+        <pc:sldLayoutChg chg="add">
+          <pc:chgData name="Vissapragada,Sai Tejaswee" userId="S::s545438@nwmissouri.edu::ac5152bd-e08b-42ef-87f5-6857be20e85f" providerId="AD" clId="Web-{A8C22E62-5AA5-483F-A10E-5EB0B6850044}" dt="2022-10-14T15:23:13.109" v="318"/>
+          <pc:sldLayoutMkLst>
+            <pc:docMk/>
+            <pc:sldMasterMk cId="665472013" sldId="2147483648"/>
+            <pc:sldLayoutMk cId="3055460370" sldId="2147483651"/>
+          </pc:sldLayoutMkLst>
+        </pc:sldLayoutChg>
+        <pc:sldLayoutChg chg="add">
+          <pc:chgData name="Vissapragada,Sai Tejaswee" userId="S::s545438@nwmissouri.edu::ac5152bd-e08b-42ef-87f5-6857be20e85f" providerId="AD" clId="Web-{A8C22E62-5AA5-483F-A10E-5EB0B6850044}" dt="2022-10-14T15:23:13.109" v="318"/>
+          <pc:sldLayoutMkLst>
+            <pc:docMk/>
+            <pc:sldMasterMk cId="665472013" sldId="2147483648"/>
+            <pc:sldLayoutMk cId="3245278729" sldId="2147483652"/>
+          </pc:sldLayoutMkLst>
+        </pc:sldLayoutChg>
+        <pc:sldLayoutChg chg="add">
+          <pc:chgData name="Vissapragada,Sai Tejaswee" userId="S::s545438@nwmissouri.edu::ac5152bd-e08b-42ef-87f5-6857be20e85f" providerId="AD" clId="Web-{A8C22E62-5AA5-483F-A10E-5EB0B6850044}" dt="2022-10-14T15:23:13.109" v="318"/>
+          <pc:sldLayoutMkLst>
+            <pc:docMk/>
+            <pc:sldMasterMk cId="665472013" sldId="2147483648"/>
+            <pc:sldLayoutMk cId="2460712989" sldId="2147483653"/>
+          </pc:sldLayoutMkLst>
+        </pc:sldLayoutChg>
+        <pc:sldLayoutChg chg="add">
+          <pc:chgData name="Vissapragada,Sai Tejaswee" userId="S::s545438@nwmissouri.edu::ac5152bd-e08b-42ef-87f5-6857be20e85f" providerId="AD" clId="Web-{A8C22E62-5AA5-483F-A10E-5EB0B6850044}" dt="2022-10-14T15:23:13.109" v="318"/>
+          <pc:sldLayoutMkLst>
+            <pc:docMk/>
+            <pc:sldMasterMk cId="665472013" sldId="2147483648"/>
+            <pc:sldLayoutMk cId="420868276" sldId="2147483654"/>
+          </pc:sldLayoutMkLst>
+        </pc:sldLayoutChg>
+        <pc:sldLayoutChg chg="add">
+          <pc:chgData name="Vissapragada,Sai Tejaswee" userId="S::s545438@nwmissouri.edu::ac5152bd-e08b-42ef-87f5-6857be20e85f" providerId="AD" clId="Web-{A8C22E62-5AA5-483F-A10E-5EB0B6850044}" dt="2022-10-14T15:23:13.109" v="318"/>
+          <pc:sldLayoutMkLst>
+            <pc:docMk/>
+            <pc:sldMasterMk cId="665472013" sldId="2147483648"/>
+            <pc:sldLayoutMk cId="2188320448" sldId="2147483655"/>
+          </pc:sldLayoutMkLst>
+        </pc:sldLayoutChg>
+        <pc:sldLayoutChg chg="add">
+          <pc:chgData name="Vissapragada,Sai Tejaswee" userId="S::s545438@nwmissouri.edu::ac5152bd-e08b-42ef-87f5-6857be20e85f" providerId="AD" clId="Web-{A8C22E62-5AA5-483F-A10E-5EB0B6850044}" dt="2022-10-14T15:23:13.109" v="318"/>
+          <pc:sldLayoutMkLst>
+            <pc:docMk/>
+            <pc:sldMasterMk cId="665472013" sldId="2147483648"/>
+            <pc:sldLayoutMk cId="1478049854" sldId="2147483656"/>
+          </pc:sldLayoutMkLst>
+        </pc:sldLayoutChg>
+        <pc:sldLayoutChg chg="add">
+          <pc:chgData name="Vissapragada,Sai Tejaswee" userId="S::s545438@nwmissouri.edu::ac5152bd-e08b-42ef-87f5-6857be20e85f" providerId="AD" clId="Web-{A8C22E62-5AA5-483F-A10E-5EB0B6850044}" dt="2022-10-14T15:23:13.109" v="318"/>
+          <pc:sldLayoutMkLst>
+            <pc:docMk/>
+            <pc:sldMasterMk cId="665472013" sldId="2147483648"/>
+            <pc:sldLayoutMk cId="262202188" sldId="2147483657"/>
+          </pc:sldLayoutMkLst>
+        </pc:sldLayoutChg>
+        <pc:sldLayoutChg chg="add">
+          <pc:chgData name="Vissapragada,Sai Tejaswee" userId="S::s545438@nwmissouri.edu::ac5152bd-e08b-42ef-87f5-6857be20e85f" providerId="AD" clId="Web-{A8C22E62-5AA5-483F-A10E-5EB0B6850044}" dt="2022-10-14T15:23:13.109" v="318"/>
+          <pc:sldLayoutMkLst>
+            <pc:docMk/>
+            <pc:sldMasterMk cId="665472013" sldId="2147483648"/>
+            <pc:sldLayoutMk cId="2294843928" sldId="2147483658"/>
+          </pc:sldLayoutMkLst>
+        </pc:sldLayoutChg>
+        <pc:sldLayoutChg chg="add">
+          <pc:chgData name="Vissapragada,Sai Tejaswee" userId="S::s545438@nwmissouri.edu::ac5152bd-e08b-42ef-87f5-6857be20e85f" providerId="AD" clId="Web-{A8C22E62-5AA5-483F-A10E-5EB0B6850044}" dt="2022-10-14T15:23:13.109" v="318"/>
+          <pc:sldLayoutMkLst>
+            <pc:docMk/>
+            <pc:sldMasterMk cId="665472013" sldId="2147483648"/>
+            <pc:sldLayoutMk cId="3209405923" sldId="2147483659"/>
+          </pc:sldLayoutMkLst>
+        </pc:sldLayoutChg>
+      </pc:sldMasterChg>
+      <pc:sldMasterChg chg="del delSldLayout">
+        <pc:chgData name="Vissapragada,Sai Tejaswee" userId="S::s545438@nwmissouri.edu::ac5152bd-e08b-42ef-87f5-6857be20e85f" providerId="AD" clId="Web-{A8C22E62-5AA5-483F-A10E-5EB0B6850044}" dt="2022-10-14T14:54:02.291" v="189"/>
+        <pc:sldMasterMkLst>
+          <pc:docMk/>
+          <pc:sldMasterMk cId="3402309836" sldId="2147483712"/>
+        </pc:sldMasterMkLst>
+        <pc:sldLayoutChg chg="del">
+          <pc:chgData name="Vissapragada,Sai Tejaswee" userId="S::s545438@nwmissouri.edu::ac5152bd-e08b-42ef-87f5-6857be20e85f" providerId="AD" clId="Web-{A8C22E62-5AA5-483F-A10E-5EB0B6850044}" dt="2022-10-14T14:54:02.291" v="189"/>
+          <pc:sldLayoutMkLst>
+            <pc:docMk/>
+            <pc:sldMasterMk cId="3402309836" sldId="2147483712"/>
+            <pc:sldLayoutMk cId="155847499" sldId="2147483713"/>
+          </pc:sldLayoutMkLst>
+        </pc:sldLayoutChg>
+        <pc:sldLayoutChg chg="del">
+          <pc:chgData name="Vissapragada,Sai Tejaswee" userId="S::s545438@nwmissouri.edu::ac5152bd-e08b-42ef-87f5-6857be20e85f" providerId="AD" clId="Web-{A8C22E62-5AA5-483F-A10E-5EB0B6850044}" dt="2022-10-14T14:54:02.291" v="189"/>
+          <pc:sldLayoutMkLst>
+            <pc:docMk/>
+            <pc:sldMasterMk cId="3402309836" sldId="2147483712"/>
+            <pc:sldLayoutMk cId="1458528500" sldId="2147483714"/>
+          </pc:sldLayoutMkLst>
+        </pc:sldLayoutChg>
+        <pc:sldLayoutChg chg="del">
+          <pc:chgData name="Vissapragada,Sai Tejaswee" userId="S::s545438@nwmissouri.edu::ac5152bd-e08b-42ef-87f5-6857be20e85f" providerId="AD" clId="Web-{A8C22E62-5AA5-483F-A10E-5EB0B6850044}" dt="2022-10-14T14:54:02.291" v="189"/>
+          <pc:sldLayoutMkLst>
+            <pc:docMk/>
+            <pc:sldMasterMk cId="3402309836" sldId="2147483712"/>
+            <pc:sldLayoutMk cId="3981056472" sldId="2147483715"/>
+          </pc:sldLayoutMkLst>
+        </pc:sldLayoutChg>
+        <pc:sldLayoutChg chg="del">
+          <pc:chgData name="Vissapragada,Sai Tejaswee" userId="S::s545438@nwmissouri.edu::ac5152bd-e08b-42ef-87f5-6857be20e85f" providerId="AD" clId="Web-{A8C22E62-5AA5-483F-A10E-5EB0B6850044}" dt="2022-10-14T14:54:02.291" v="189"/>
+          <pc:sldLayoutMkLst>
+            <pc:docMk/>
+            <pc:sldMasterMk cId="3402309836" sldId="2147483712"/>
+            <pc:sldLayoutMk cId="2156215914" sldId="2147483716"/>
+          </pc:sldLayoutMkLst>
+        </pc:sldLayoutChg>
+        <pc:sldLayoutChg chg="del">
+          <pc:chgData name="Vissapragada,Sai Tejaswee" userId="S::s545438@nwmissouri.edu::ac5152bd-e08b-42ef-87f5-6857be20e85f" providerId="AD" clId="Web-{A8C22E62-5AA5-483F-A10E-5EB0B6850044}" dt="2022-10-14T14:54:02.291" v="189"/>
+          <pc:sldLayoutMkLst>
+            <pc:docMk/>
+            <pc:sldMasterMk cId="3402309836" sldId="2147483712"/>
+            <pc:sldLayoutMk cId="192506806" sldId="2147483717"/>
+          </pc:sldLayoutMkLst>
+        </pc:sldLayoutChg>
+        <pc:sldLayoutChg chg="del">
+          <pc:chgData name="Vissapragada,Sai Tejaswee" userId="S::s545438@nwmissouri.edu::ac5152bd-e08b-42ef-87f5-6857be20e85f" providerId="AD" clId="Web-{A8C22E62-5AA5-483F-A10E-5EB0B6850044}" dt="2022-10-14T14:54:02.291" v="189"/>
+          <pc:sldLayoutMkLst>
+            <pc:docMk/>
+            <pc:sldMasterMk cId="3402309836" sldId="2147483712"/>
+            <pc:sldLayoutMk cId="1320739255" sldId="2147483718"/>
+          </pc:sldLayoutMkLst>
+        </pc:sldLayoutChg>
+        <pc:sldLayoutChg chg="del">
+          <pc:chgData name="Vissapragada,Sai Tejaswee" userId="S::s545438@nwmissouri.edu::ac5152bd-e08b-42ef-87f5-6857be20e85f" providerId="AD" clId="Web-{A8C22E62-5AA5-483F-A10E-5EB0B6850044}" dt="2022-10-14T14:54:02.291" v="189"/>
+          <pc:sldLayoutMkLst>
+            <pc:docMk/>
+            <pc:sldMasterMk cId="3402309836" sldId="2147483712"/>
+            <pc:sldLayoutMk cId="1287267590" sldId="2147483719"/>
+          </pc:sldLayoutMkLst>
+        </pc:sldLayoutChg>
+        <pc:sldLayoutChg chg="del">
+          <pc:chgData name="Vissapragada,Sai Tejaswee" userId="S::s545438@nwmissouri.edu::ac5152bd-e08b-42ef-87f5-6857be20e85f" providerId="AD" clId="Web-{A8C22E62-5AA5-483F-A10E-5EB0B6850044}" dt="2022-10-14T14:54:02.291" v="189"/>
+          <pc:sldLayoutMkLst>
+            <pc:docMk/>
+            <pc:sldMasterMk cId="3402309836" sldId="2147483712"/>
+            <pc:sldLayoutMk cId="2468964331" sldId="2147483720"/>
+          </pc:sldLayoutMkLst>
+        </pc:sldLayoutChg>
+        <pc:sldLayoutChg chg="del">
+          <pc:chgData name="Vissapragada,Sai Tejaswee" userId="S::s545438@nwmissouri.edu::ac5152bd-e08b-42ef-87f5-6857be20e85f" providerId="AD" clId="Web-{A8C22E62-5AA5-483F-A10E-5EB0B6850044}" dt="2022-10-14T14:54:02.291" v="189"/>
+          <pc:sldLayoutMkLst>
+            <pc:docMk/>
+            <pc:sldMasterMk cId="3402309836" sldId="2147483712"/>
+            <pc:sldLayoutMk cId="84800665" sldId="2147483721"/>
+          </pc:sldLayoutMkLst>
+        </pc:sldLayoutChg>
+        <pc:sldLayoutChg chg="del">
+          <pc:chgData name="Vissapragada,Sai Tejaswee" userId="S::s545438@nwmissouri.edu::ac5152bd-e08b-42ef-87f5-6857be20e85f" providerId="AD" clId="Web-{A8C22E62-5AA5-483F-A10E-5EB0B6850044}" dt="2022-10-14T14:54:02.291" v="189"/>
+          <pc:sldLayoutMkLst>
+            <pc:docMk/>
+            <pc:sldMasterMk cId="3402309836" sldId="2147483712"/>
+            <pc:sldLayoutMk cId="1079905034" sldId="2147483722"/>
+          </pc:sldLayoutMkLst>
+        </pc:sldLayoutChg>
+        <pc:sldLayoutChg chg="del">
+          <pc:chgData name="Vissapragada,Sai Tejaswee" userId="S::s545438@nwmissouri.edu::ac5152bd-e08b-42ef-87f5-6857be20e85f" providerId="AD" clId="Web-{A8C22E62-5AA5-483F-A10E-5EB0B6850044}" dt="2022-10-14T14:54:02.291" v="189"/>
+          <pc:sldLayoutMkLst>
+            <pc:docMk/>
+            <pc:sldMasterMk cId="3402309836" sldId="2147483712"/>
+            <pc:sldLayoutMk cId="67894319" sldId="2147483723"/>
+          </pc:sldLayoutMkLst>
+        </pc:sldLayoutChg>
+      </pc:sldMasterChg>
+      <pc:sldMasterChg chg="add addSldLayout modSldLayout">
+        <pc:chgData name="Vissapragada,Sai Tejaswee" userId="S::s545438@nwmissouri.edu::ac5152bd-e08b-42ef-87f5-6857be20e85f" providerId="AD" clId="Web-{A8C22E62-5AA5-483F-A10E-5EB0B6850044}" dt="2022-10-14T14:54:02.291" v="189"/>
+        <pc:sldMasterMkLst>
+          <pc:docMk/>
+          <pc:sldMasterMk cId="811897821" sldId="2147483724"/>
+        </pc:sldMasterMkLst>
+        <pc:sldLayoutChg chg="add mod replId">
+          <pc:chgData name="Vissapragada,Sai Tejaswee" userId="S::s545438@nwmissouri.edu::ac5152bd-e08b-42ef-87f5-6857be20e85f" providerId="AD" clId="Web-{A8C22E62-5AA5-483F-A10E-5EB0B6850044}" dt="2022-10-14T14:54:02.291" v="189"/>
+          <pc:sldLayoutMkLst>
+            <pc:docMk/>
+            <pc:sldMasterMk cId="811897821" sldId="2147483724"/>
+            <pc:sldLayoutMk cId="3208152015" sldId="2147483725"/>
+          </pc:sldLayoutMkLst>
+        </pc:sldLayoutChg>
+        <pc:sldLayoutChg chg="add mod replId">
+          <pc:chgData name="Vissapragada,Sai Tejaswee" userId="S::s545438@nwmissouri.edu::ac5152bd-e08b-42ef-87f5-6857be20e85f" providerId="AD" clId="Web-{A8C22E62-5AA5-483F-A10E-5EB0B6850044}" dt="2022-10-14T14:54:02.291" v="189"/>
+          <pc:sldLayoutMkLst>
+            <pc:docMk/>
+            <pc:sldMasterMk cId="811897821" sldId="2147483724"/>
+            <pc:sldLayoutMk cId="3627695572" sldId="2147483726"/>
+          </pc:sldLayoutMkLst>
+        </pc:sldLayoutChg>
+        <pc:sldLayoutChg chg="add mod replId">
+          <pc:chgData name="Vissapragada,Sai Tejaswee" userId="S::s545438@nwmissouri.edu::ac5152bd-e08b-42ef-87f5-6857be20e85f" providerId="AD" clId="Web-{A8C22E62-5AA5-483F-A10E-5EB0B6850044}" dt="2022-10-14T14:54:02.291" v="189"/>
+          <pc:sldLayoutMkLst>
+            <pc:docMk/>
+            <pc:sldMasterMk cId="811897821" sldId="2147483724"/>
+            <pc:sldLayoutMk cId="3061910980" sldId="2147483727"/>
+          </pc:sldLayoutMkLst>
+        </pc:sldLayoutChg>
+        <pc:sldLayoutChg chg="add mod replId">
+          <pc:chgData name="Vissapragada,Sai Tejaswee" userId="S::s545438@nwmissouri.edu::ac5152bd-e08b-42ef-87f5-6857be20e85f" providerId="AD" clId="Web-{A8C22E62-5AA5-483F-A10E-5EB0B6850044}" dt="2022-10-14T14:54:02.291" v="189"/>
+          <pc:sldLayoutMkLst>
+            <pc:docMk/>
+            <pc:sldMasterMk cId="811897821" sldId="2147483724"/>
+            <pc:sldLayoutMk cId="2022701550" sldId="2147483728"/>
+          </pc:sldLayoutMkLst>
+        </pc:sldLayoutChg>
+        <pc:sldLayoutChg chg="add mod replId">
+          <pc:chgData name="Vissapragada,Sai Tejaswee" userId="S::s545438@nwmissouri.edu::ac5152bd-e08b-42ef-87f5-6857be20e85f" providerId="AD" clId="Web-{A8C22E62-5AA5-483F-A10E-5EB0B6850044}" dt="2022-10-14T14:54:02.291" v="189"/>
+          <pc:sldLayoutMkLst>
+            <pc:docMk/>
+            <pc:sldMasterMk cId="811897821" sldId="2147483724"/>
+            <pc:sldLayoutMk cId="2897638432" sldId="2147483729"/>
+          </pc:sldLayoutMkLst>
+        </pc:sldLayoutChg>
+        <pc:sldLayoutChg chg="add mod replId">
+          <pc:chgData name="Vissapragada,Sai Tejaswee" userId="S::s545438@nwmissouri.edu::ac5152bd-e08b-42ef-87f5-6857be20e85f" providerId="AD" clId="Web-{A8C22E62-5AA5-483F-A10E-5EB0B6850044}" dt="2022-10-14T14:54:02.291" v="189"/>
+          <pc:sldLayoutMkLst>
+            <pc:docMk/>
+            <pc:sldMasterMk cId="811897821" sldId="2147483724"/>
+            <pc:sldLayoutMk cId="695812942" sldId="2147483730"/>
+          </pc:sldLayoutMkLst>
+        </pc:sldLayoutChg>
+        <pc:sldLayoutChg chg="add mod replId">
+          <pc:chgData name="Vissapragada,Sai Tejaswee" userId="S::s545438@nwmissouri.edu::ac5152bd-e08b-42ef-87f5-6857be20e85f" providerId="AD" clId="Web-{A8C22E62-5AA5-483F-A10E-5EB0B6850044}" dt="2022-10-14T14:54:02.291" v="189"/>
+          <pc:sldLayoutMkLst>
+            <pc:docMk/>
+            <pc:sldMasterMk cId="811897821" sldId="2147483724"/>
+            <pc:sldLayoutMk cId="1239700076" sldId="2147483731"/>
+          </pc:sldLayoutMkLst>
+        </pc:sldLayoutChg>
+        <pc:sldLayoutChg chg="add mod replId">
+          <pc:chgData name="Vissapragada,Sai Tejaswee" userId="S::s545438@nwmissouri.edu::ac5152bd-e08b-42ef-87f5-6857be20e85f" providerId="AD" clId="Web-{A8C22E62-5AA5-483F-A10E-5EB0B6850044}" dt="2022-10-14T14:54:02.291" v="189"/>
+          <pc:sldLayoutMkLst>
+            <pc:docMk/>
+            <pc:sldMasterMk cId="811897821" sldId="2147483724"/>
+            <pc:sldLayoutMk cId="2558372690" sldId="2147483732"/>
+          </pc:sldLayoutMkLst>
+        </pc:sldLayoutChg>
+        <pc:sldLayoutChg chg="add mod replId">
+          <pc:chgData name="Vissapragada,Sai Tejaswee" userId="S::s545438@nwmissouri.edu::ac5152bd-e08b-42ef-87f5-6857be20e85f" providerId="AD" clId="Web-{A8C22E62-5AA5-483F-A10E-5EB0B6850044}" dt="2022-10-14T14:54:02.291" v="189"/>
+          <pc:sldLayoutMkLst>
+            <pc:docMk/>
+            <pc:sldMasterMk cId="811897821" sldId="2147483724"/>
+            <pc:sldLayoutMk cId="2715583257" sldId="2147483733"/>
+          </pc:sldLayoutMkLst>
+        </pc:sldLayoutChg>
+        <pc:sldLayoutChg chg="add mod replId">
+          <pc:chgData name="Vissapragada,Sai Tejaswee" userId="S::s545438@nwmissouri.edu::ac5152bd-e08b-42ef-87f5-6857be20e85f" providerId="AD" clId="Web-{A8C22E62-5AA5-483F-A10E-5EB0B6850044}" dt="2022-10-14T14:54:02.291" v="189"/>
+          <pc:sldLayoutMkLst>
+            <pc:docMk/>
+            <pc:sldMasterMk cId="811897821" sldId="2147483724"/>
+            <pc:sldLayoutMk cId="2125951674" sldId="2147483734"/>
+          </pc:sldLayoutMkLst>
+        </pc:sldLayoutChg>
+        <pc:sldLayoutChg chg="add mod replId">
+          <pc:chgData name="Vissapragada,Sai Tejaswee" userId="S::s545438@nwmissouri.edu::ac5152bd-e08b-42ef-87f5-6857be20e85f" providerId="AD" clId="Web-{A8C22E62-5AA5-483F-A10E-5EB0B6850044}" dt="2022-10-14T14:54:02.291" v="189"/>
+          <pc:sldLayoutMkLst>
+            <pc:docMk/>
+            <pc:sldMasterMk cId="811897821" sldId="2147483724"/>
+            <pc:sldLayoutMk cId="617663772" sldId="2147483735"/>
+          </pc:sldLayoutMkLst>
+        </pc:sldLayoutChg>
+      </pc:sldMasterChg>
+    </pc:docChg>
+  </pc:docChgLst>
+  <pc:docChgLst>
+    <pc:chgData name="Dammannagari,Jahnavi" userId="S::s545241@nwmissouri.edu::57b5fd11-6565-4914-86c8-bc292b5f2f1b" providerId="AD" clId="Web-{B027FBD9-1FB0-4A80-A451-F01E0C52357B}"/>
+    <pc:docChg chg="modSld">
+      <pc:chgData name="Dammannagari,Jahnavi" userId="S::s545241@nwmissouri.edu::57b5fd11-6565-4914-86c8-bc292b5f2f1b" providerId="AD" clId="Web-{B027FBD9-1FB0-4A80-A451-F01E0C52357B}" dt="2022-10-14T16:30:58.849" v="3" actId="20577"/>
       <pc:docMkLst>
         <pc:docMk/>
       </pc:docMkLst>
       <pc:sldChg chg="modSp">
-        <pc:chgData name="Lingampally,Archana" userId="S::s545550@nwmissouri.edu::6d5d5287-629e-421d-85b1-8fee42a451e6" providerId="AD" clId="Web-{FCAD6B97-2E39-40B0-BF4E-9CD712E60FA5}" dt="2022-10-14T04:41:52.384" v="160" actId="20577"/>
+        <pc:chgData name="Dammannagari,Jahnavi" userId="S::s545241@nwmissouri.edu::57b5fd11-6565-4914-86c8-bc292b5f2f1b" providerId="AD" clId="Web-{B027FBD9-1FB0-4A80-A451-F01E0C52357B}" dt="2022-10-14T16:30:58.849" v="3" actId="20577"/>
+        <pc:sldMkLst>
+          <pc:docMk/>
+          <pc:sldMk cId="884823026" sldId="371"/>
+        </pc:sldMkLst>
+        <pc:spChg chg="mod">
+          <ac:chgData name="Dammannagari,Jahnavi" userId="S::s545241@nwmissouri.edu::57b5fd11-6565-4914-86c8-bc292b5f2f1b" providerId="AD" clId="Web-{B027FBD9-1FB0-4A80-A451-F01E0C52357B}" dt="2022-10-14T16:30:58.849" v="3" actId="20577"/>
+          <ac:spMkLst>
+            <pc:docMk/>
+            <pc:sldMk cId="884823026" sldId="371"/>
+            <ac:spMk id="3" creationId="{1CE5B5B3-F968-7176-817F-D2DECAB3BFC0}"/>
+          </ac:spMkLst>
+        </pc:spChg>
+      </pc:sldChg>
+    </pc:docChg>
+  </pc:docChgLst>
+  <pc:docChgLst>
+    <pc:chgData name="Vissapragada,Sai Tejaswee" userId="ac5152bd-e08b-42ef-87f5-6857be20e85f" providerId="ADAL" clId="{97312CED-9575-4606-A328-07082E28D64F}"/>
+    <pc:docChg chg="undo custSel addSld delSld modSld sldOrd">
+      <pc:chgData name="Vissapragada,Sai Tejaswee" userId="ac5152bd-e08b-42ef-87f5-6857be20e85f" providerId="ADAL" clId="{97312CED-9575-4606-A328-07082E28D64F}" dt="2022-12-01T17:25:22.338" v="503" actId="20577"/>
+      <pc:docMkLst>
+        <pc:docMk/>
+      </pc:docMkLst>
+      <pc:sldChg chg="modSp mod">
+        <pc:chgData name="Vissapragada,Sai Tejaswee" userId="ac5152bd-e08b-42ef-87f5-6857be20e85f" providerId="ADAL" clId="{97312CED-9575-4606-A328-07082E28D64F}" dt="2022-11-30T18:13:55.278" v="170" actId="20577"/>
+        <pc:sldMkLst>
+          <pc:docMk/>
+          <pc:sldMk cId="1407598965" sldId="259"/>
+        </pc:sldMkLst>
+        <pc:spChg chg="mod">
+          <ac:chgData name="Vissapragada,Sai Tejaswee" userId="ac5152bd-e08b-42ef-87f5-6857be20e85f" providerId="ADAL" clId="{97312CED-9575-4606-A328-07082E28D64F}" dt="2022-11-30T18:13:55.278" v="170" actId="20577"/>
+          <ac:spMkLst>
+            <pc:docMk/>
+            <pc:sldMk cId="1407598965" sldId="259"/>
+            <ac:spMk id="3" creationId="{A5942236-8E5C-5516-A831-74F50A87BCB4}"/>
+          </ac:spMkLst>
+        </pc:spChg>
+      </pc:sldChg>
+      <pc:sldChg chg="modSp mod">
+        <pc:chgData name="Vissapragada,Sai Tejaswee" userId="ac5152bd-e08b-42ef-87f5-6857be20e85f" providerId="ADAL" clId="{97312CED-9575-4606-A328-07082E28D64F}" dt="2022-11-30T18:04:15.752" v="22" actId="20577"/>
+        <pc:sldMkLst>
+          <pc:docMk/>
+          <pc:sldMk cId="2442537970" sldId="341"/>
+        </pc:sldMkLst>
+        <pc:spChg chg="mod">
+          <ac:chgData name="Vissapragada,Sai Tejaswee" userId="ac5152bd-e08b-42ef-87f5-6857be20e85f" providerId="ADAL" clId="{97312CED-9575-4606-A328-07082E28D64F}" dt="2022-11-30T18:04:15.752" v="22" actId="20577"/>
+          <ac:spMkLst>
+            <pc:docMk/>
+            <pc:sldMk cId="2442537970" sldId="341"/>
+            <ac:spMk id="2" creationId="{A03556A8-306D-4AAD-A818-C5F7CD7DCAA6}"/>
+          </ac:spMkLst>
+        </pc:spChg>
+      </pc:sldChg>
+      <pc:sldChg chg="modSp">
+        <pc:chgData name="Vissapragada,Sai Tejaswee" userId="ac5152bd-e08b-42ef-87f5-6857be20e85f" providerId="ADAL" clId="{97312CED-9575-4606-A328-07082E28D64F}" dt="2022-11-28T18:42:52.605" v="16" actId="962"/>
+        <pc:sldMkLst>
+          <pc:docMk/>
+          <pc:sldMk cId="552338012" sldId="342"/>
+        </pc:sldMkLst>
+        <pc:picChg chg="mod">
+          <ac:chgData name="Vissapragada,Sai Tejaswee" userId="ac5152bd-e08b-42ef-87f5-6857be20e85f" providerId="ADAL" clId="{97312CED-9575-4606-A328-07082E28D64F}" dt="2022-11-28T18:42:52.605" v="16" actId="962"/>
+          <ac:picMkLst>
+            <pc:docMk/>
+            <pc:sldMk cId="552338012" sldId="342"/>
+            <ac:picMk id="6" creationId="{EB3BA4DD-4E8B-4D77-BBE5-9E0B9750644F}"/>
+          </ac:picMkLst>
+        </pc:picChg>
+      </pc:sldChg>
+      <pc:sldChg chg="modSp mod">
+        <pc:chgData name="Vissapragada,Sai Tejaswee" userId="ac5152bd-e08b-42ef-87f5-6857be20e85f" providerId="ADAL" clId="{97312CED-9575-4606-A328-07082E28D64F}" dt="2022-11-30T18:10:10.410" v="133" actId="20577"/>
         <pc:sldMkLst>
           <pc:docMk/>
           <pc:sldMk cId="1045016516" sldId="343"/>
         </pc:sldMkLst>
         <pc:spChg chg="mod">
-          <ac:chgData name="Lingampally,Archana" userId="S::s545550@nwmissouri.edu::6d5d5287-629e-421d-85b1-8fee42a451e6" providerId="AD" clId="Web-{FCAD6B97-2E39-40B0-BF4E-9CD712E60FA5}" dt="2022-10-14T04:41:52.384" v="160" actId="20577"/>
+          <ac:chgData name="Vissapragada,Sai Tejaswee" userId="ac5152bd-e08b-42ef-87f5-6857be20e85f" providerId="ADAL" clId="{97312CED-9575-4606-A328-07082E28D64F}" dt="2022-11-30T18:10:10.410" v="133" actId="20577"/>
           <ac:spMkLst>
             <pc:docMk/>
             <pc:sldMk cId="1045016516" sldId="343"/>
@@ -388,14 +2464,36 @@
           </ac:spMkLst>
         </pc:spChg>
       </pc:sldChg>
-      <pc:sldChg chg="addSp delSp modSp mod setBg">
-        <pc:chgData name="Lingampally,Archana" userId="S::s545550@nwmissouri.edu::6d5d5287-629e-421d-85b1-8fee42a451e6" providerId="AD" clId="Web-{FCAD6B97-2E39-40B0-BF4E-9CD712E60FA5}" dt="2022-10-14T04:39:26.771" v="120" actId="20577"/>
+      <pc:sldChg chg="modSp mod">
+        <pc:chgData name="Vissapragada,Sai Tejaswee" userId="ac5152bd-e08b-42ef-87f5-6857be20e85f" providerId="ADAL" clId="{97312CED-9575-4606-A328-07082E28D64F}" dt="2022-11-30T18:28:45.025" v="375" actId="20577"/>
+        <pc:sldMkLst>
+          <pc:docMk/>
+          <pc:sldMk cId="2459341095" sldId="364"/>
+        </pc:sldMkLst>
+        <pc:spChg chg="mod">
+          <ac:chgData name="Vissapragada,Sai Tejaswee" userId="ac5152bd-e08b-42ef-87f5-6857be20e85f" providerId="ADAL" clId="{97312CED-9575-4606-A328-07082E28D64F}" dt="2022-11-30T18:28:45.025" v="375" actId="20577"/>
+          <ac:spMkLst>
+            <pc:docMk/>
+            <pc:sldMk cId="2459341095" sldId="364"/>
+            <ac:spMk id="3" creationId="{386E58DB-AF1A-2DF3-7CF6-71CAE99743B8}"/>
+          </ac:spMkLst>
+        </pc:spChg>
+      </pc:sldChg>
+      <pc:sldChg chg="ord">
+        <pc:chgData name="Vissapragada,Sai Tejaswee" userId="ac5152bd-e08b-42ef-87f5-6857be20e85f" providerId="ADAL" clId="{97312CED-9575-4606-A328-07082E28D64F}" dt="2022-12-01T17:16:52.309" v="423"/>
+        <pc:sldMkLst>
+          <pc:docMk/>
+          <pc:sldMk cId="1168084508" sldId="365"/>
+        </pc:sldMkLst>
+      </pc:sldChg>
+      <pc:sldChg chg="modSp mod ord">
+        <pc:chgData name="Vissapragada,Sai Tejaswee" userId="ac5152bd-e08b-42ef-87f5-6857be20e85f" providerId="ADAL" clId="{97312CED-9575-4606-A328-07082E28D64F}" dt="2022-12-01T17:25:22.338" v="503" actId="20577"/>
         <pc:sldMkLst>
           <pc:docMk/>
           <pc:sldMk cId="1837471576" sldId="366"/>
         </pc:sldMkLst>
         <pc:spChg chg="mod">
-          <ac:chgData name="Lingampally,Archana" userId="S::s545550@nwmissouri.edu::6d5d5287-629e-421d-85b1-8fee42a451e6" providerId="AD" clId="Web-{FCAD6B97-2E39-40B0-BF4E-9CD712E60FA5}" dt="2022-10-14T04:39:26.771" v="120" actId="20577"/>
+          <ac:chgData name="Vissapragada,Sai Tejaswee" userId="ac5152bd-e08b-42ef-87f5-6857be20e85f" providerId="ADAL" clId="{97312CED-9575-4606-A328-07082E28D64F}" dt="2022-12-01T17:22:25.593" v="458" actId="20577"/>
           <ac:spMkLst>
             <pc:docMk/>
             <pc:sldMk cId="1837471576" sldId="366"/>
@@ -403,506 +2501,37 @@
           </ac:spMkLst>
         </pc:spChg>
         <pc:spChg chg="mod">
-          <ac:chgData name="Lingampally,Archana" userId="S::s545550@nwmissouri.edu::6d5d5287-629e-421d-85b1-8fee42a451e6" providerId="AD" clId="Web-{FCAD6B97-2E39-40B0-BF4E-9CD712E60FA5}" dt="2022-10-14T04:39:17.146" v="119" actId="20577"/>
+          <ac:chgData name="Vissapragada,Sai Tejaswee" userId="ac5152bd-e08b-42ef-87f5-6857be20e85f" providerId="ADAL" clId="{97312CED-9575-4606-A328-07082E28D64F}" dt="2022-12-01T17:25:22.338" v="503" actId="20577"/>
           <ac:spMkLst>
             <pc:docMk/>
             <pc:sldMk cId="1837471576" sldId="366"/>
             <ac:spMk id="3" creationId="{A8E34014-DCF4-FA40-FD67-BBA08040D734}"/>
           </ac:spMkLst>
         </pc:spChg>
-        <pc:spChg chg="mod ord">
-          <ac:chgData name="Lingampally,Archana" userId="S::s545550@nwmissouri.edu::6d5d5287-629e-421d-85b1-8fee42a451e6" providerId="AD" clId="Web-{FCAD6B97-2E39-40B0-BF4E-9CD712E60FA5}" dt="2022-10-14T04:30:23.362" v="28"/>
-          <ac:spMkLst>
-            <pc:docMk/>
-            <pc:sldMk cId="1837471576" sldId="366"/>
-            <ac:spMk id="4" creationId="{1D8F33DF-6D51-678F-B93A-CFECC5B6B34B}"/>
-          </ac:spMkLst>
-        </pc:spChg>
-        <pc:spChg chg="add del">
-          <ac:chgData name="Lingampally,Archana" userId="S::s545550@nwmissouri.edu::6d5d5287-629e-421d-85b1-8fee42a451e6" providerId="AD" clId="Web-{FCAD6B97-2E39-40B0-BF4E-9CD712E60FA5}" dt="2022-10-14T04:30:01.674" v="17"/>
-          <ac:spMkLst>
-            <pc:docMk/>
-            <pc:sldMk cId="1837471576" sldId="366"/>
-            <ac:spMk id="10" creationId="{2B566528-1B12-4246-9431-5C2D7D081168}"/>
-          </ac:spMkLst>
-        </pc:spChg>
-        <pc:spChg chg="add del">
-          <ac:chgData name="Lingampally,Archana" userId="S::s545550@nwmissouri.edu::6d5d5287-629e-421d-85b1-8fee42a451e6" providerId="AD" clId="Web-{FCAD6B97-2E39-40B0-BF4E-9CD712E60FA5}" dt="2022-10-14T04:30:15.752" v="23"/>
-          <ac:spMkLst>
-            <pc:docMk/>
-            <pc:sldMk cId="1837471576" sldId="366"/>
-            <ac:spMk id="14" creationId="{E659831F-0D9A-4C63-9EBB-8435B85A440F}"/>
-          </ac:spMkLst>
-        </pc:spChg>
-        <pc:spChg chg="add del">
-          <ac:chgData name="Lingampally,Archana" userId="S::s545550@nwmissouri.edu::6d5d5287-629e-421d-85b1-8fee42a451e6" providerId="AD" clId="Web-{FCAD6B97-2E39-40B0-BF4E-9CD712E60FA5}" dt="2022-10-14T04:30:06.471" v="19"/>
-          <ac:spMkLst>
-            <pc:docMk/>
-            <pc:sldMk cId="1837471576" sldId="366"/>
-            <ac:spMk id="20" creationId="{FF9B822F-893E-44C8-963C-64F50ACECBB2}"/>
-          </ac:spMkLst>
-        </pc:spChg>
-        <pc:spChg chg="add del">
-          <ac:chgData name="Lingampally,Archana" userId="S::s545550@nwmissouri.edu::6d5d5287-629e-421d-85b1-8fee42a451e6" providerId="AD" clId="Web-{FCAD6B97-2E39-40B0-BF4E-9CD712E60FA5}" dt="2022-10-14T04:30:06.471" v="19"/>
-          <ac:spMkLst>
-            <pc:docMk/>
-            <pc:sldMk cId="1837471576" sldId="366"/>
-            <ac:spMk id="21" creationId="{EBF87945-A001-489F-9D9B-7D9435F0B9CA}"/>
-          </ac:spMkLst>
-        </pc:spChg>
-        <pc:spChg chg="add del">
-          <ac:chgData name="Lingampally,Archana" userId="S::s545550@nwmissouri.edu::6d5d5287-629e-421d-85b1-8fee42a451e6" providerId="AD" clId="Web-{FCAD6B97-2E39-40B0-BF4E-9CD712E60FA5}" dt="2022-10-14T04:30:14.190" v="21"/>
-          <ac:spMkLst>
-            <pc:docMk/>
-            <pc:sldMk cId="1837471576" sldId="366"/>
-            <ac:spMk id="23" creationId="{2B97F24A-32CE-4C1C-A50D-3016B394DCFB}"/>
-          </ac:spMkLst>
-        </pc:spChg>
-        <pc:spChg chg="add del">
-          <ac:chgData name="Lingampally,Archana" userId="S::s545550@nwmissouri.edu::6d5d5287-629e-421d-85b1-8fee42a451e6" providerId="AD" clId="Web-{FCAD6B97-2E39-40B0-BF4E-9CD712E60FA5}" dt="2022-10-14T04:30:14.190" v="21"/>
-          <ac:spMkLst>
-            <pc:docMk/>
-            <pc:sldMk cId="1837471576" sldId="366"/>
-            <ac:spMk id="24" creationId="{CD8B4F24-440B-49E9-B85D-733523DC064B}"/>
-          </ac:spMkLst>
-        </pc:spChg>
-        <pc:spChg chg="add del">
-          <ac:chgData name="Lingampally,Archana" userId="S::s545550@nwmissouri.edu::6d5d5287-629e-421d-85b1-8fee42a451e6" providerId="AD" clId="Web-{FCAD6B97-2E39-40B0-BF4E-9CD712E60FA5}" dt="2022-10-14T04:30:15.752" v="23"/>
-          <ac:spMkLst>
-            <pc:docMk/>
-            <pc:sldMk cId="1837471576" sldId="366"/>
-            <ac:spMk id="26" creationId="{058A14AF-9FB5-4CC7-BA35-E8E85D3EDF0E}"/>
-          </ac:spMkLst>
-        </pc:spChg>
-        <pc:spChg chg="add del">
-          <ac:chgData name="Lingampally,Archana" userId="S::s545550@nwmissouri.edu::6d5d5287-629e-421d-85b1-8fee42a451e6" providerId="AD" clId="Web-{FCAD6B97-2E39-40B0-BF4E-9CD712E60FA5}" dt="2022-10-14T04:30:15.752" v="23"/>
-          <ac:spMkLst>
-            <pc:docMk/>
-            <pc:sldMk cId="1837471576" sldId="366"/>
-            <ac:spMk id="27" creationId="{3A9A4357-BD1D-4622-A4FE-766E6AB8DE84}"/>
-          </ac:spMkLst>
-        </pc:spChg>
-        <pc:spChg chg="add del">
-          <ac:chgData name="Lingampally,Archana" userId="S::s545550@nwmissouri.edu::6d5d5287-629e-421d-85b1-8fee42a451e6" providerId="AD" clId="Web-{FCAD6B97-2E39-40B0-BF4E-9CD712E60FA5}" dt="2022-10-14T04:30:15.752" v="23"/>
-          <ac:spMkLst>
-            <pc:docMk/>
-            <pc:sldMk cId="1837471576" sldId="366"/>
-            <ac:spMk id="28" creationId="{E6995CE5-F890-4ABA-82A2-26507CE8D2A3}"/>
-          </ac:spMkLst>
-        </pc:spChg>
-        <pc:spChg chg="add del">
-          <ac:chgData name="Lingampally,Archana" userId="S::s545550@nwmissouri.edu::6d5d5287-629e-421d-85b1-8fee42a451e6" providerId="AD" clId="Web-{FCAD6B97-2E39-40B0-BF4E-9CD712E60FA5}" dt="2022-10-14T04:30:21.237" v="25"/>
-          <ac:spMkLst>
-            <pc:docMk/>
-            <pc:sldMk cId="1837471576" sldId="366"/>
-            <ac:spMk id="30" creationId="{7FF47CB7-972F-479F-A36D-9E72D26EC8DA}"/>
-          </ac:spMkLst>
-        </pc:spChg>
-        <pc:spChg chg="add del">
-          <ac:chgData name="Lingampally,Archana" userId="S::s545550@nwmissouri.edu::6d5d5287-629e-421d-85b1-8fee42a451e6" providerId="AD" clId="Web-{FCAD6B97-2E39-40B0-BF4E-9CD712E60FA5}" dt="2022-10-14T04:30:21.237" v="25"/>
-          <ac:spMkLst>
-            <pc:docMk/>
-            <pc:sldMk cId="1837471576" sldId="366"/>
-            <ac:spMk id="31" creationId="{0D153B68-5844-490D-8E67-F616D6D721CA}"/>
-          </ac:spMkLst>
-        </pc:spChg>
-        <pc:spChg chg="add del">
-          <ac:chgData name="Lingampally,Archana" userId="S::s545550@nwmissouri.edu::6d5d5287-629e-421d-85b1-8fee42a451e6" providerId="AD" clId="Web-{FCAD6B97-2E39-40B0-BF4E-9CD712E60FA5}" dt="2022-10-14T04:30:21.237" v="25"/>
-          <ac:spMkLst>
-            <pc:docMk/>
-            <pc:sldMk cId="1837471576" sldId="366"/>
-            <ac:spMk id="32" creationId="{9A0D773F-7A7D-4DBB-9DEA-86BB8B8F4BC8}"/>
-          </ac:spMkLst>
-        </pc:spChg>
-        <pc:spChg chg="add del">
-          <ac:chgData name="Lingampally,Archana" userId="S::s545550@nwmissouri.edu::6d5d5287-629e-421d-85b1-8fee42a451e6" providerId="AD" clId="Web-{FCAD6B97-2E39-40B0-BF4E-9CD712E60FA5}" dt="2022-10-14T04:30:23.362" v="27"/>
-          <ac:spMkLst>
-            <pc:docMk/>
-            <pc:sldMk cId="1837471576" sldId="366"/>
-            <ac:spMk id="34" creationId="{2B97F24A-32CE-4C1C-A50D-3016B394DCFB}"/>
-          </ac:spMkLst>
-        </pc:spChg>
-        <pc:spChg chg="add del">
-          <ac:chgData name="Lingampally,Archana" userId="S::s545550@nwmissouri.edu::6d5d5287-629e-421d-85b1-8fee42a451e6" providerId="AD" clId="Web-{FCAD6B97-2E39-40B0-BF4E-9CD712E60FA5}" dt="2022-10-14T04:30:23.362" v="27"/>
-          <ac:spMkLst>
-            <pc:docMk/>
-            <pc:sldMk cId="1837471576" sldId="366"/>
-            <ac:spMk id="35" creationId="{CD8B4F24-440B-49E9-B85D-733523DC064B}"/>
-          </ac:spMkLst>
-        </pc:spChg>
-        <pc:spChg chg="add">
-          <ac:chgData name="Lingampally,Archana" userId="S::s545550@nwmissouri.edu::6d5d5287-629e-421d-85b1-8fee42a451e6" providerId="AD" clId="Web-{FCAD6B97-2E39-40B0-BF4E-9CD712E60FA5}" dt="2022-10-14T04:30:23.362" v="28"/>
-          <ac:spMkLst>
-            <pc:docMk/>
-            <pc:sldMk cId="1837471576" sldId="366"/>
-            <ac:spMk id="37" creationId="{5E39A796-BE83-48B1-B33F-35C4A32AAB57}"/>
-          </ac:spMkLst>
-        </pc:spChg>
-        <pc:spChg chg="add">
-          <ac:chgData name="Lingampally,Archana" userId="S::s545550@nwmissouri.edu::6d5d5287-629e-421d-85b1-8fee42a451e6" providerId="AD" clId="Web-{FCAD6B97-2E39-40B0-BF4E-9CD712E60FA5}" dt="2022-10-14T04:30:23.362" v="28"/>
-          <ac:spMkLst>
-            <pc:docMk/>
-            <pc:sldMk cId="1837471576" sldId="366"/>
-            <ac:spMk id="38" creationId="{72F84B47-E267-4194-8194-831DB7B5547F}"/>
-          </ac:spMkLst>
-        </pc:spChg>
-        <pc:grpChg chg="add del">
-          <ac:chgData name="Lingampally,Archana" userId="S::s545550@nwmissouri.edu::6d5d5287-629e-421d-85b1-8fee42a451e6" providerId="AD" clId="Web-{FCAD6B97-2E39-40B0-BF4E-9CD712E60FA5}" dt="2022-10-14T04:30:01.674" v="17"/>
-          <ac:grpSpMkLst>
-            <pc:docMk/>
-            <pc:sldMk cId="1837471576" sldId="366"/>
-            <ac:grpSpMk id="12" creationId="{828A5161-06F1-46CF-8AD7-844680A59E13}"/>
-          </ac:grpSpMkLst>
-        </pc:grpChg>
-        <pc:grpChg chg="add del">
-          <ac:chgData name="Lingampally,Archana" userId="S::s545550@nwmissouri.edu::6d5d5287-629e-421d-85b1-8fee42a451e6" providerId="AD" clId="Web-{FCAD6B97-2E39-40B0-BF4E-9CD712E60FA5}" dt="2022-10-14T04:30:01.674" v="17"/>
-          <ac:grpSpMkLst>
-            <pc:docMk/>
-            <pc:sldMk cId="1837471576" sldId="366"/>
-            <ac:grpSpMk id="16" creationId="{5995D10D-E9C9-47DB-AE7E-801FEF38F5C9}"/>
-          </ac:grpSpMkLst>
-        </pc:grpChg>
-        <pc:picChg chg="add mod ord">
-          <ac:chgData name="Lingampally,Archana" userId="S::s545550@nwmissouri.edu::6d5d5287-629e-421d-85b1-8fee42a451e6" providerId="AD" clId="Web-{FCAD6B97-2E39-40B0-BF4E-9CD712E60FA5}" dt="2022-10-14T04:30:23.362" v="28"/>
-          <ac:picMkLst>
-            <pc:docMk/>
-            <pc:sldMk cId="1837471576" sldId="366"/>
-            <ac:picMk id="5" creationId="{648EC96F-B08C-5E2D-87A7-D4153458F535}"/>
-          </ac:picMkLst>
-        </pc:picChg>
       </pc:sldChg>
-      <pc:sldChg chg="modSp del">
-        <pc:chgData name="Lingampally,Archana" userId="S::s545550@nwmissouri.edu::6d5d5287-629e-421d-85b1-8fee42a451e6" providerId="AD" clId="Web-{FCAD6B97-2E39-40B0-BF4E-9CD712E60FA5}" dt="2022-10-14T04:35:40.953" v="71"/>
-        <pc:sldMkLst>
-          <pc:docMk/>
-          <pc:sldMk cId="3868749730" sldId="367"/>
-        </pc:sldMkLst>
-        <pc:spChg chg="mod">
-          <ac:chgData name="Lingampally,Archana" userId="S::s545550@nwmissouri.edu::6d5d5287-629e-421d-85b1-8fee42a451e6" providerId="AD" clId="Web-{FCAD6B97-2E39-40B0-BF4E-9CD712E60FA5}" dt="2022-10-14T04:33:01.089" v="34" actId="20577"/>
-          <ac:spMkLst>
-            <pc:docMk/>
-            <pc:sldMk cId="3868749730" sldId="367"/>
-            <ac:spMk id="2" creationId="{B0B3554D-045E-A7DF-ADEE-5920476E61E9}"/>
-          </ac:spMkLst>
-        </pc:spChg>
-        <pc:spChg chg="mod">
-          <ac:chgData name="Lingampally,Archana" userId="S::s545550@nwmissouri.edu::6d5d5287-629e-421d-85b1-8fee42a451e6" providerId="AD" clId="Web-{FCAD6B97-2E39-40B0-BF4E-9CD712E60FA5}" dt="2022-10-14T04:33:03.605" v="35" actId="20577"/>
-          <ac:spMkLst>
-            <pc:docMk/>
-            <pc:sldMk cId="3868749730" sldId="367"/>
-            <ac:spMk id="3" creationId="{647AC2C6-D02F-936F-D40F-942848CF3526}"/>
-          </ac:spMkLst>
-        </pc:spChg>
-      </pc:sldChg>
-      <pc:sldChg chg="new del">
-        <pc:chgData name="Lingampally,Archana" userId="S::s545550@nwmissouri.edu::6d5d5287-629e-421d-85b1-8fee42a451e6" providerId="AD" clId="Web-{FCAD6B97-2E39-40B0-BF4E-9CD712E60FA5}" dt="2022-10-14T04:35:55.484" v="73"/>
-        <pc:sldMkLst>
-          <pc:docMk/>
-          <pc:sldMk cId="482910100" sldId="369"/>
-        </pc:sldMkLst>
-      </pc:sldChg>
-      <pc:sldChg chg="addSp modSp new del">
-        <pc:chgData name="Lingampally,Archana" userId="S::s545550@nwmissouri.edu::6d5d5287-629e-421d-85b1-8fee42a451e6" providerId="AD" clId="Web-{FCAD6B97-2E39-40B0-BF4E-9CD712E60FA5}" dt="2022-10-14T04:36:40.189" v="81"/>
-        <pc:sldMkLst>
-          <pc:docMk/>
-          <pc:sldMk cId="3226338516" sldId="369"/>
-        </pc:sldMkLst>
-        <pc:spChg chg="add mod">
-          <ac:chgData name="Lingampally,Archana" userId="S::s545550@nwmissouri.edu::6d5d5287-629e-421d-85b1-8fee42a451e6" providerId="AD" clId="Web-{FCAD6B97-2E39-40B0-BF4E-9CD712E60FA5}" dt="2022-10-14T04:36:31.579" v="80" actId="14100"/>
-          <ac:spMkLst>
-            <pc:docMk/>
-            <pc:sldMk cId="3226338516" sldId="369"/>
-            <ac:spMk id="3" creationId="{192EED14-BAD4-C303-E6BC-E48A41F20ED5}"/>
-          </ac:spMkLst>
-        </pc:spChg>
-      </pc:sldChg>
-      <pc:sldChg chg="addSp delSp modSp new mod setBg">
-        <pc:chgData name="Lingampally,Archana" userId="S::s545550@nwmissouri.edu::6d5d5287-629e-421d-85b1-8fee42a451e6" providerId="AD" clId="Web-{FCAD6B97-2E39-40B0-BF4E-9CD712E60FA5}" dt="2022-10-14T04:39:09.318" v="104" actId="20577"/>
+      <pc:sldChg chg="modSp del mod">
+        <pc:chgData name="Vissapragada,Sai Tejaswee" userId="ac5152bd-e08b-42ef-87f5-6857be20e85f" providerId="ADAL" clId="{97312CED-9575-4606-A328-07082E28D64F}" dt="2022-11-30T18:14:30.513" v="173" actId="2696"/>
         <pc:sldMkLst>
           <pc:docMk/>
           <pc:sldMk cId="3832482965" sldId="369"/>
         </pc:sldMkLst>
-        <pc:spChg chg="del mod">
-          <ac:chgData name="Lingampally,Archana" userId="S::s545550@nwmissouri.edu::6d5d5287-629e-421d-85b1-8fee42a451e6" providerId="AD" clId="Web-{FCAD6B97-2E39-40B0-BF4E-9CD712E60FA5}" dt="2022-10-14T04:37:22.362" v="85"/>
-          <ac:spMkLst>
-            <pc:docMk/>
-            <pc:sldMk cId="3832482965" sldId="369"/>
-            <ac:spMk id="2" creationId="{020F33AB-323E-B43F-C95F-EBD95E5F9801}"/>
-          </ac:spMkLst>
-        </pc:spChg>
         <pc:spChg chg="mod">
-          <ac:chgData name="Lingampally,Archana" userId="S::s545550@nwmissouri.edu::6d5d5287-629e-421d-85b1-8fee42a451e6" providerId="AD" clId="Web-{FCAD6B97-2E39-40B0-BF4E-9CD712E60FA5}" dt="2022-10-14T04:39:09.318" v="104" actId="20577"/>
+          <ac:chgData name="Vissapragada,Sai Tejaswee" userId="ac5152bd-e08b-42ef-87f5-6857be20e85f" providerId="ADAL" clId="{97312CED-9575-4606-A328-07082E28D64F}" dt="2022-11-30T18:14:15.453" v="171" actId="20577"/>
           <ac:spMkLst>
             <pc:docMk/>
             <pc:sldMk cId="3832482965" sldId="369"/>
             <ac:spMk id="3" creationId="{ABC53B28-A702-CB39-14D5-C5D93E4EE12D}"/>
           </ac:spMkLst>
         </pc:spChg>
-        <pc:spChg chg="mod">
-          <ac:chgData name="Lingampally,Archana" userId="S::s545550@nwmissouri.edu::6d5d5287-629e-421d-85b1-8fee42a451e6" providerId="AD" clId="Web-{FCAD6B97-2E39-40B0-BF4E-9CD712E60FA5}" dt="2022-10-14T04:37:05.002" v="84"/>
-          <ac:spMkLst>
-            <pc:docMk/>
-            <pc:sldMk cId="3832482965" sldId="369"/>
-            <ac:spMk id="4" creationId="{2FE6C971-314E-93BC-7657-03293E5B84A6}"/>
-          </ac:spMkLst>
-        </pc:spChg>
-        <pc:spChg chg="add del">
-          <ac:chgData name="Lingampally,Archana" userId="S::s545550@nwmissouri.edu::6d5d5287-629e-421d-85b1-8fee42a451e6" providerId="AD" clId="Web-{FCAD6B97-2E39-40B0-BF4E-9CD712E60FA5}" dt="2022-10-14T04:37:05.002" v="84"/>
-          <ac:spMkLst>
-            <pc:docMk/>
-            <pc:sldMk cId="3832482965" sldId="369"/>
-            <ac:spMk id="9" creationId="{2B566528-1B12-4246-9431-5C2D7D081168}"/>
-          </ac:spMkLst>
-        </pc:spChg>
-        <pc:spChg chg="add del">
-          <ac:chgData name="Lingampally,Archana" userId="S::s545550@nwmissouri.edu::6d5d5287-629e-421d-85b1-8fee42a451e6" providerId="AD" clId="Web-{FCAD6B97-2E39-40B0-BF4E-9CD712E60FA5}" dt="2022-10-14T04:37:05.002" v="84"/>
-          <ac:spMkLst>
-            <pc:docMk/>
-            <pc:sldMk cId="3832482965" sldId="369"/>
-            <ac:spMk id="11" creationId="{2E80C965-DB6D-4F81-9E9E-B027384D0BD6}"/>
-          </ac:spMkLst>
-        </pc:spChg>
-        <pc:spChg chg="add del">
-          <ac:chgData name="Lingampally,Archana" userId="S::s545550@nwmissouri.edu::6d5d5287-629e-421d-85b1-8fee42a451e6" providerId="AD" clId="Web-{FCAD6B97-2E39-40B0-BF4E-9CD712E60FA5}" dt="2022-10-14T04:37:05.002" v="84"/>
-          <ac:spMkLst>
-            <pc:docMk/>
-            <pc:sldMk cId="3832482965" sldId="369"/>
-            <ac:spMk id="13" creationId="{A580F890-B085-4E95-96AA-55AEBEC5CE6E}"/>
-          </ac:spMkLst>
-        </pc:spChg>
-        <pc:spChg chg="add del">
-          <ac:chgData name="Lingampally,Archana" userId="S::s545550@nwmissouri.edu::6d5d5287-629e-421d-85b1-8fee42a451e6" providerId="AD" clId="Web-{FCAD6B97-2E39-40B0-BF4E-9CD712E60FA5}" dt="2022-10-14T04:37:05.002" v="84"/>
-          <ac:spMkLst>
-            <pc:docMk/>
-            <pc:sldMk cId="3832482965" sldId="369"/>
-            <ac:spMk id="15" creationId="{D3F51FEB-38FB-4F6C-9F7B-2F2AFAB65463}"/>
-          </ac:spMkLst>
-        </pc:spChg>
-        <pc:spChg chg="add del">
-          <ac:chgData name="Lingampally,Archana" userId="S::s545550@nwmissouri.edu::6d5d5287-629e-421d-85b1-8fee42a451e6" providerId="AD" clId="Web-{FCAD6B97-2E39-40B0-BF4E-9CD712E60FA5}" dt="2022-10-14T04:37:05.002" v="84"/>
-          <ac:spMkLst>
-            <pc:docMk/>
-            <pc:sldMk cId="3832482965" sldId="369"/>
-            <ac:spMk id="17" creationId="{1E547BA6-BAE0-43BB-A7CA-60F69CE252F0}"/>
-          </ac:spMkLst>
-        </pc:spChg>
       </pc:sldChg>
-    </pc:docChg>
-  </pc:docChgLst>
-  <pc:docChgLst>
-    <pc:chgData name="Mohammed,Abdul Rehman Sayeed" userId="S::s545401@nwmissouri.edu::ec91287c-2f25-40c2-83a5-709028914a19" providerId="AD" clId="Web-{EAC2218A-780A-4EB2-AD9D-DBBA957F5E35}"/>
-    <pc:docChg chg="modSld">
-      <pc:chgData name="Mohammed,Abdul Rehman Sayeed" userId="S::s545401@nwmissouri.edu::ec91287c-2f25-40c2-83a5-709028914a19" providerId="AD" clId="Web-{EAC2218A-780A-4EB2-AD9D-DBBA957F5E35}" dt="2022-10-13T23:36:23.466" v="61" actId="20577"/>
-      <pc:docMkLst>
-        <pc:docMk/>
-      </pc:docMkLst>
-      <pc:sldChg chg="modSp">
-        <pc:chgData name="Mohammed,Abdul Rehman Sayeed" userId="S::s545401@nwmissouri.edu::ec91287c-2f25-40c2-83a5-709028914a19" providerId="AD" clId="Web-{EAC2218A-780A-4EB2-AD9D-DBBA957F5E35}" dt="2022-10-13T23:10:09.322" v="47" actId="20577"/>
-        <pc:sldMkLst>
-          <pc:docMk/>
-          <pc:sldMk cId="1045016516" sldId="343"/>
-        </pc:sldMkLst>
-        <pc:spChg chg="mod">
-          <ac:chgData name="Mohammed,Abdul Rehman Sayeed" userId="S::s545401@nwmissouri.edu::ec91287c-2f25-40c2-83a5-709028914a19" providerId="AD" clId="Web-{EAC2218A-780A-4EB2-AD9D-DBBA957F5E35}" dt="2022-10-13T23:10:09.322" v="47" actId="20577"/>
-          <ac:spMkLst>
-            <pc:docMk/>
-            <pc:sldMk cId="1045016516" sldId="343"/>
-            <ac:spMk id="3" creationId="{9EF72435-41D5-40ED-A1E0-F497D91EB7D3}"/>
-          </ac:spMkLst>
-        </pc:spChg>
-      </pc:sldChg>
-      <pc:sldChg chg="modSp">
-        <pc:chgData name="Mohammed,Abdul Rehman Sayeed" userId="S::s545401@nwmissouri.edu::ec91287c-2f25-40c2-83a5-709028914a19" providerId="AD" clId="Web-{EAC2218A-780A-4EB2-AD9D-DBBA957F5E35}" dt="2022-10-13T23:36:23.466" v="61" actId="20577"/>
-        <pc:sldMkLst>
-          <pc:docMk/>
-          <pc:sldMk cId="1841957312" sldId="357"/>
-        </pc:sldMkLst>
-        <pc:spChg chg="mod">
-          <ac:chgData name="Mohammed,Abdul Rehman Sayeed" userId="S::s545401@nwmissouri.edu::ec91287c-2f25-40c2-83a5-709028914a19" providerId="AD" clId="Web-{EAC2218A-780A-4EB2-AD9D-DBBA957F5E35}" dt="2022-10-13T23:36:23.466" v="61" actId="20577"/>
-          <ac:spMkLst>
-            <pc:docMk/>
-            <pc:sldMk cId="1841957312" sldId="357"/>
-            <ac:spMk id="3" creationId="{66B15469-23DA-28F8-3644-BAB61795B752}"/>
-          </ac:spMkLst>
-        </pc:spChg>
-      </pc:sldChg>
-    </pc:docChg>
-  </pc:docChgLst>
-  <pc:docChgLst>
-    <pc:chgData name="Mohammed,Abdul Rehman Sayeed" userId="S::s545401@nwmissouri.edu::ec91287c-2f25-40c2-83a5-709028914a19" providerId="AD" clId="Web-{DC04F97A-613E-44C0-86A2-F40C8FEC6AB0}"/>
-    <pc:docChg chg="addSld delSld modSld sldOrd">
-      <pc:chgData name="Mohammed,Abdul Rehman Sayeed" userId="S::s545401@nwmissouri.edu::ec91287c-2f25-40c2-83a5-709028914a19" providerId="AD" clId="Web-{DC04F97A-613E-44C0-86A2-F40C8FEC6AB0}" dt="2022-10-14T15:38:16.803" v="68" actId="20577"/>
-      <pc:docMkLst>
-        <pc:docMk/>
-      </pc:docMkLst>
-      <pc:sldChg chg="modSp ord">
-        <pc:chgData name="Mohammed,Abdul Rehman Sayeed" userId="S::s545401@nwmissouri.edu::ec91287c-2f25-40c2-83a5-709028914a19" providerId="AD" clId="Web-{DC04F97A-613E-44C0-86A2-F40C8FEC6AB0}" dt="2022-10-14T15:38:16.803" v="68" actId="20577"/>
-        <pc:sldMkLst>
-          <pc:docMk/>
-          <pc:sldMk cId="2442537970" sldId="341"/>
-        </pc:sldMkLst>
-        <pc:spChg chg="mod">
-          <ac:chgData name="Mohammed,Abdul Rehman Sayeed" userId="S::s545401@nwmissouri.edu::ec91287c-2f25-40c2-83a5-709028914a19" providerId="AD" clId="Web-{DC04F97A-613E-44C0-86A2-F40C8FEC6AB0}" dt="2022-10-14T15:38:16.803" v="68" actId="20577"/>
-          <ac:spMkLst>
-            <pc:docMk/>
-            <pc:sldMk cId="2442537970" sldId="341"/>
-            <ac:spMk id="28" creationId="{5625D5E9-34CA-4D00-BCB5-EB2CB1EDEA0D}"/>
-          </ac:spMkLst>
-        </pc:spChg>
-      </pc:sldChg>
-      <pc:sldChg chg="modSp">
-        <pc:chgData name="Mohammed,Abdul Rehman Sayeed" userId="S::s545401@nwmissouri.edu::ec91287c-2f25-40c2-83a5-709028914a19" providerId="AD" clId="Web-{DC04F97A-613E-44C0-86A2-F40C8FEC6AB0}" dt="2022-10-14T14:51:16.741" v="31" actId="20577"/>
-        <pc:sldMkLst>
-          <pc:docMk/>
-          <pc:sldMk cId="1045016516" sldId="343"/>
-        </pc:sldMkLst>
-        <pc:spChg chg="mod">
-          <ac:chgData name="Mohammed,Abdul Rehman Sayeed" userId="S::s545401@nwmissouri.edu::ec91287c-2f25-40c2-83a5-709028914a19" providerId="AD" clId="Web-{DC04F97A-613E-44C0-86A2-F40C8FEC6AB0}" dt="2022-10-14T14:51:16.741" v="31" actId="20577"/>
-          <ac:spMkLst>
-            <pc:docMk/>
-            <pc:sldMk cId="1045016516" sldId="343"/>
-            <ac:spMk id="3" creationId="{9EF72435-41D5-40ED-A1E0-F497D91EB7D3}"/>
-          </ac:spMkLst>
-        </pc:spChg>
-      </pc:sldChg>
-      <pc:sldChg chg="modSp">
-        <pc:chgData name="Mohammed,Abdul Rehman Sayeed" userId="S::s545401@nwmissouri.edu::ec91287c-2f25-40c2-83a5-709028914a19" providerId="AD" clId="Web-{DC04F97A-613E-44C0-86A2-F40C8FEC6AB0}" dt="2022-10-14T14:41:46.491" v="20" actId="20577"/>
-        <pc:sldMkLst>
-          <pc:docMk/>
-          <pc:sldMk cId="1898072782" sldId="344"/>
-        </pc:sldMkLst>
-        <pc:spChg chg="mod">
-          <ac:chgData name="Mohammed,Abdul Rehman Sayeed" userId="S::s545401@nwmissouri.edu::ec91287c-2f25-40c2-83a5-709028914a19" providerId="AD" clId="Web-{DC04F97A-613E-44C0-86A2-F40C8FEC6AB0}" dt="2022-10-14T14:41:46.491" v="20" actId="20577"/>
-          <ac:spMkLst>
-            <pc:docMk/>
-            <pc:sldMk cId="1898072782" sldId="344"/>
-            <ac:spMk id="2" creationId="{B68093B9-6981-40EC-9AFD-1A8DBA15D2B3}"/>
-          </ac:spMkLst>
-        </pc:spChg>
-      </pc:sldChg>
-      <pc:sldChg chg="modSp">
-        <pc:chgData name="Mohammed,Abdul Rehman Sayeed" userId="S::s545401@nwmissouri.edu::ec91287c-2f25-40c2-83a5-709028914a19" providerId="AD" clId="Web-{DC04F97A-613E-44C0-86A2-F40C8FEC6AB0}" dt="2022-10-14T15:18:57.804" v="41" actId="20577"/>
-        <pc:sldMkLst>
-          <pc:docMk/>
-          <pc:sldMk cId="1841957312" sldId="357"/>
-        </pc:sldMkLst>
-        <pc:spChg chg="mod">
-          <ac:chgData name="Mohammed,Abdul Rehman Sayeed" userId="S::s545401@nwmissouri.edu::ec91287c-2f25-40c2-83a5-709028914a19" providerId="AD" clId="Web-{DC04F97A-613E-44C0-86A2-F40C8FEC6AB0}" dt="2022-10-14T15:18:57.804" v="41" actId="20577"/>
-          <ac:spMkLst>
-            <pc:docMk/>
-            <pc:sldMk cId="1841957312" sldId="357"/>
-            <ac:spMk id="3" creationId="{66B15469-23DA-28F8-3644-BAB61795B752}"/>
-          </ac:spMkLst>
-        </pc:spChg>
-      </pc:sldChg>
-      <pc:sldChg chg="add del replId">
-        <pc:chgData name="Mohammed,Abdul Rehman Sayeed" userId="S::s545401@nwmissouri.edu::ec91287c-2f25-40c2-83a5-709028914a19" providerId="AD" clId="Web-{DC04F97A-613E-44C0-86A2-F40C8FEC6AB0}" dt="2022-10-14T15:08:36.179" v="38"/>
-        <pc:sldMkLst>
-          <pc:docMk/>
-          <pc:sldMk cId="945766289" sldId="375"/>
-        </pc:sldMkLst>
-      </pc:sldChg>
-    </pc:docChg>
-  </pc:docChgLst>
-  <pc:docChgLst>
-    <pc:chgData name="Mohammed,Shahid" userId="S::s545032@nwmissouri.edu::9aecc2f4-f059-4cd3-b4f0-11f59c37e54f" providerId="AD" clId="Web-{9BBCA2FE-C1BF-4ABD-9148-B6D413E824D5}"/>
-    <pc:docChg chg="addSld delSld modSld sldOrd">
-      <pc:chgData name="Mohammed,Shahid" userId="S::s545032@nwmissouri.edu::9aecc2f4-f059-4cd3-b4f0-11f59c37e54f" providerId="AD" clId="Web-{9BBCA2FE-C1BF-4ABD-9148-B6D413E824D5}" dt="2022-10-14T15:53:18.540" v="128" actId="20577"/>
-      <pc:docMkLst>
-        <pc:docMk/>
-      </pc:docMkLst>
-      <pc:sldChg chg="addSp modSp">
-        <pc:chgData name="Mohammed,Shahid" userId="S::s545032@nwmissouri.edu::9aecc2f4-f059-4cd3-b4f0-11f59c37e54f" providerId="AD" clId="Web-{9BBCA2FE-C1BF-4ABD-9148-B6D413E824D5}" dt="2022-10-14T14:54:58.564" v="15" actId="1076"/>
-        <pc:sldMkLst>
-          <pc:docMk/>
-          <pc:sldMk cId="3128748201" sldId="362"/>
-        </pc:sldMkLst>
-        <pc:spChg chg="mod">
-          <ac:chgData name="Mohammed,Shahid" userId="S::s545032@nwmissouri.edu::9aecc2f4-f059-4cd3-b4f0-11f59c37e54f" providerId="AD" clId="Web-{9BBCA2FE-C1BF-4ABD-9148-B6D413E824D5}" dt="2022-10-14T14:54:58.564" v="15" actId="1076"/>
-          <ac:spMkLst>
-            <pc:docMk/>
-            <pc:sldMk cId="3128748201" sldId="362"/>
-            <ac:spMk id="3" creationId="{EBA700B0-EE6F-549E-CF17-345BC994A623}"/>
-          </ac:spMkLst>
-        </pc:spChg>
-        <pc:picChg chg="add mod">
-          <ac:chgData name="Mohammed,Shahid" userId="S::s545032@nwmissouri.edu::9aecc2f4-f059-4cd3-b4f0-11f59c37e54f" providerId="AD" clId="Web-{9BBCA2FE-C1BF-4ABD-9148-B6D413E824D5}" dt="2022-10-14T14:54:00.374" v="12" actId="1076"/>
-          <ac:picMkLst>
-            <pc:docMk/>
-            <pc:sldMk cId="3128748201" sldId="362"/>
-            <ac:picMk id="5" creationId="{C3CEB1D1-984B-2F2F-1AB9-7B7BDD300F57}"/>
-          </ac:picMkLst>
-        </pc:picChg>
-      </pc:sldChg>
-      <pc:sldChg chg="addSp modSp">
-        <pc:chgData name="Mohammed,Shahid" userId="S::s545032@nwmissouri.edu::9aecc2f4-f059-4cd3-b4f0-11f59c37e54f" providerId="AD" clId="Web-{9BBCA2FE-C1BF-4ABD-9148-B6D413E824D5}" dt="2022-10-14T15:08:13.452" v="62" actId="1076"/>
-        <pc:sldMkLst>
-          <pc:docMk/>
-          <pc:sldMk cId="2459341095" sldId="364"/>
-        </pc:sldMkLst>
-        <pc:spChg chg="mod">
-          <ac:chgData name="Mohammed,Shahid" userId="S::s545032@nwmissouri.edu::9aecc2f4-f059-4cd3-b4f0-11f59c37e54f" providerId="AD" clId="Web-{9BBCA2FE-C1BF-4ABD-9148-B6D413E824D5}" dt="2022-10-14T15:08:10.107" v="61" actId="1076"/>
-          <ac:spMkLst>
-            <pc:docMk/>
-            <pc:sldMk cId="2459341095" sldId="364"/>
-            <ac:spMk id="3" creationId="{386E58DB-AF1A-2DF3-7CF6-71CAE99743B8}"/>
-          </ac:spMkLst>
-        </pc:spChg>
-        <pc:picChg chg="add mod">
-          <ac:chgData name="Mohammed,Shahid" userId="S::s545032@nwmissouri.edu::9aecc2f4-f059-4cd3-b4f0-11f59c37e54f" providerId="AD" clId="Web-{9BBCA2FE-C1BF-4ABD-9148-B6D413E824D5}" dt="2022-10-14T15:08:13.452" v="62" actId="1076"/>
-          <ac:picMkLst>
-            <pc:docMk/>
-            <pc:sldMk cId="2459341095" sldId="364"/>
-            <ac:picMk id="5" creationId="{CB4F9A2D-D5A9-F4C9-EE29-F33A16A2DCC6}"/>
-          </ac:picMkLst>
-        </pc:picChg>
-      </pc:sldChg>
-      <pc:sldChg chg="modSp">
-        <pc:chgData name="Mohammed,Shahid" userId="S::s545032@nwmissouri.edu::9aecc2f4-f059-4cd3-b4f0-11f59c37e54f" providerId="AD" clId="Web-{9BBCA2FE-C1BF-4ABD-9148-B6D413E824D5}" dt="2022-10-14T15:28:20.927" v="80" actId="20577"/>
-        <pc:sldMkLst>
-          <pc:docMk/>
-          <pc:sldMk cId="437098969" sldId="370"/>
-        </pc:sldMkLst>
-        <pc:spChg chg="mod">
-          <ac:chgData name="Mohammed,Shahid" userId="S::s545032@nwmissouri.edu::9aecc2f4-f059-4cd3-b4f0-11f59c37e54f" providerId="AD" clId="Web-{9BBCA2FE-C1BF-4ABD-9148-B6D413E824D5}" dt="2022-10-14T15:28:20.927" v="80" actId="20577"/>
-          <ac:spMkLst>
-            <pc:docMk/>
-            <pc:sldMk cId="437098969" sldId="370"/>
-            <ac:spMk id="3" creationId="{2717A627-2709-3E6E-A10A-905A446CF39D}"/>
-          </ac:spMkLst>
-        </pc:spChg>
-      </pc:sldChg>
-      <pc:sldChg chg="modSp">
-        <pc:chgData name="Mohammed,Shahid" userId="S::s545032@nwmissouri.edu::9aecc2f4-f059-4cd3-b4f0-11f59c37e54f" providerId="AD" clId="Web-{9BBCA2FE-C1BF-4ABD-9148-B6D413E824D5}" dt="2022-10-14T15:53:18.540" v="128" actId="20577"/>
-        <pc:sldMkLst>
-          <pc:docMk/>
-          <pc:sldMk cId="884823026" sldId="371"/>
-        </pc:sldMkLst>
-        <pc:spChg chg="mod">
-          <ac:chgData name="Mohammed,Shahid" userId="S::s545032@nwmissouri.edu::9aecc2f4-f059-4cd3-b4f0-11f59c37e54f" providerId="AD" clId="Web-{9BBCA2FE-C1BF-4ABD-9148-B6D413E824D5}" dt="2022-10-14T15:53:18.540" v="128" actId="20577"/>
-          <ac:spMkLst>
-            <pc:docMk/>
-            <pc:sldMk cId="884823026" sldId="371"/>
-            <ac:spMk id="3" creationId="{1CE5B5B3-F968-7176-817F-D2DECAB3BFC0}"/>
-          </ac:spMkLst>
-        </pc:spChg>
-      </pc:sldChg>
-      <pc:sldChg chg="modSp new">
-        <pc:chgData name="Mohammed,Shahid" userId="S::s545032@nwmissouri.edu::9aecc2f4-f059-4cd3-b4f0-11f59c37e54f" providerId="AD" clId="Web-{9BBCA2FE-C1BF-4ABD-9148-B6D413E824D5}" dt="2022-10-14T15:45:33.540" v="121" actId="20577"/>
+      <pc:sldChg chg="modSp mod">
+        <pc:chgData name="Vissapragada,Sai Tejaswee" userId="ac5152bd-e08b-42ef-87f5-6857be20e85f" providerId="ADAL" clId="{97312CED-9575-4606-A328-07082E28D64F}" dt="2022-12-01T17:21:12.806" v="436" actId="20577"/>
         <pc:sldMkLst>
           <pc:docMk/>
           <pc:sldMk cId="3017103360" sldId="372"/>
         </pc:sldMkLst>
         <pc:spChg chg="mod">
-          <ac:chgData name="Mohammed,Shahid" userId="S::s545032@nwmissouri.edu::9aecc2f4-f059-4cd3-b4f0-11f59c37e54f" providerId="AD" clId="Web-{9BBCA2FE-C1BF-4ABD-9148-B6D413E824D5}" dt="2022-10-14T14:55:22.408" v="25" actId="20577"/>
-          <ac:spMkLst>
-            <pc:docMk/>
-            <pc:sldMk cId="3017103360" sldId="372"/>
-            <ac:spMk id="2" creationId="{9B203523-CF4E-5660-E239-E185D27F83C7}"/>
-          </ac:spMkLst>
-        </pc:spChg>
-        <pc:spChg chg="mod">
-          <ac:chgData name="Mohammed,Shahid" userId="S::s545032@nwmissouri.edu::9aecc2f4-f059-4cd3-b4f0-11f59c37e54f" providerId="AD" clId="Web-{9BBCA2FE-C1BF-4ABD-9148-B6D413E824D5}" dt="2022-10-14T15:45:33.540" v="121" actId="20577"/>
+          <ac:chgData name="Vissapragada,Sai Tejaswee" userId="ac5152bd-e08b-42ef-87f5-6857be20e85f" providerId="ADAL" clId="{97312CED-9575-4606-A328-07082E28D64F}" dt="2022-12-01T17:21:12.806" v="436" actId="20577"/>
           <ac:spMkLst>
             <pc:docMk/>
             <pc:sldMk cId="3017103360" sldId="372"/>
@@ -910,553 +2539,193 @@
           </ac:spMkLst>
         </pc:spChg>
       </pc:sldChg>
-      <pc:sldChg chg="addSp modSp new">
-        <pc:chgData name="Mohammed,Shahid" userId="S::s545032@nwmissouri.edu::9aecc2f4-f059-4cd3-b4f0-11f59c37e54f" providerId="AD" clId="Web-{9BBCA2FE-C1BF-4ABD-9148-B6D413E824D5}" dt="2022-10-14T15:12:01.723" v="78" actId="14100"/>
-        <pc:sldMkLst>
-          <pc:docMk/>
-          <pc:sldMk cId="4113795527" sldId="375"/>
-        </pc:sldMkLst>
-        <pc:spChg chg="mod">
-          <ac:chgData name="Mohammed,Shahid" userId="S::s545032@nwmissouri.edu::9aecc2f4-f059-4cd3-b4f0-11f59c37e54f" providerId="AD" clId="Web-{9BBCA2FE-C1BF-4ABD-9148-B6D413E824D5}" dt="2022-10-14T15:11:19.628" v="67" actId="1076"/>
-          <ac:spMkLst>
-            <pc:docMk/>
-            <pc:sldMk cId="4113795527" sldId="375"/>
-            <ac:spMk id="2" creationId="{7AC27030-194D-1EF6-AC29-5F692AEB8181}"/>
-          </ac:spMkLst>
-        </pc:spChg>
-        <pc:spChg chg="mod">
-          <ac:chgData name="Mohammed,Shahid" userId="S::s545032@nwmissouri.edu::9aecc2f4-f059-4cd3-b4f0-11f59c37e54f" providerId="AD" clId="Web-{9BBCA2FE-C1BF-4ABD-9148-B6D413E824D5}" dt="2022-10-14T15:11:50.426" v="73" actId="20577"/>
-          <ac:spMkLst>
-            <pc:docMk/>
-            <pc:sldMk cId="4113795527" sldId="375"/>
-            <ac:spMk id="3" creationId="{7CAED4AF-0819-0D07-042B-3BC87CBC8010}"/>
-          </ac:spMkLst>
-        </pc:spChg>
-        <pc:picChg chg="add mod">
-          <ac:chgData name="Mohammed,Shahid" userId="S::s545032@nwmissouri.edu::9aecc2f4-f059-4cd3-b4f0-11f59c37e54f" providerId="AD" clId="Web-{9BBCA2FE-C1BF-4ABD-9148-B6D413E824D5}" dt="2022-10-14T15:12:01.723" v="78" actId="14100"/>
-          <ac:picMkLst>
-            <pc:docMk/>
-            <pc:sldMk cId="4113795527" sldId="375"/>
-            <ac:picMk id="4" creationId="{074D5358-FD49-FD13-8281-A866D2376EC2}"/>
-          </ac:picMkLst>
-        </pc:picChg>
-      </pc:sldChg>
-      <pc:sldChg chg="addSp delSp modSp mod setBg">
-        <pc:chgData name="Mohammed,Shahid" userId="S::s545032@nwmissouri.edu::9aecc2f4-f059-4cd3-b4f0-11f59c37e54f" providerId="AD" clId="Web-{9BBCA2FE-C1BF-4ABD-9148-B6D413E824D5}" dt="2022-10-14T15:52:47.070" v="124"/>
-        <pc:sldMkLst>
-          <pc:docMk/>
-          <pc:sldMk cId="3225898199" sldId="378"/>
-        </pc:sldMkLst>
-        <pc:spChg chg="mod ord">
-          <ac:chgData name="Mohammed,Shahid" userId="S::s545032@nwmissouri.edu::9aecc2f4-f059-4cd3-b4f0-11f59c37e54f" providerId="AD" clId="Web-{9BBCA2FE-C1BF-4ABD-9148-B6D413E824D5}" dt="2022-10-14T15:52:47.070" v="124"/>
-          <ac:spMkLst>
-            <pc:docMk/>
-            <pc:sldMk cId="3225898199" sldId="378"/>
-            <ac:spMk id="3" creationId="{627AC61C-9393-097F-8278-A135703BB589}"/>
-          </ac:spMkLst>
-        </pc:spChg>
-        <pc:spChg chg="mod">
-          <ac:chgData name="Mohammed,Shahid" userId="S::s545032@nwmissouri.edu::9aecc2f4-f059-4cd3-b4f0-11f59c37e54f" providerId="AD" clId="Web-{9BBCA2FE-C1BF-4ABD-9148-B6D413E824D5}" dt="2022-10-14T15:52:47.070" v="124"/>
-          <ac:spMkLst>
-            <pc:docMk/>
-            <pc:sldMk cId="3225898199" sldId="378"/>
-            <ac:spMk id="7" creationId="{D6B5D823-5C12-1AB8-3142-290071BA27E1}"/>
-          </ac:spMkLst>
-        </pc:spChg>
-        <pc:picChg chg="del">
-          <ac:chgData name="Mohammed,Shahid" userId="S::s545032@nwmissouri.edu::9aecc2f4-f059-4cd3-b4f0-11f59c37e54f" providerId="AD" clId="Web-{9BBCA2FE-C1BF-4ABD-9148-B6D413E824D5}" dt="2022-10-14T15:52:33.663" v="122"/>
-          <ac:picMkLst>
-            <pc:docMk/>
-            <pc:sldMk cId="3225898199" sldId="378"/>
-            <ac:picMk id="4" creationId="{B5949412-727A-B8B1-7800-52D93B576323}"/>
-          </ac:picMkLst>
-        </pc:picChg>
-        <pc:picChg chg="add mod">
-          <ac:chgData name="Mohammed,Shahid" userId="S::s545032@nwmissouri.edu::9aecc2f4-f059-4cd3-b4f0-11f59c37e54f" providerId="AD" clId="Web-{9BBCA2FE-C1BF-4ABD-9148-B6D413E824D5}" dt="2022-10-14T15:52:47.070" v="124"/>
-          <ac:picMkLst>
-            <pc:docMk/>
-            <pc:sldMk cId="3225898199" sldId="378"/>
-            <ac:picMk id="6" creationId="{B57B45FC-9368-4581-4C9F-961E7C20F2DF}"/>
-          </ac:picMkLst>
-        </pc:picChg>
-      </pc:sldChg>
-      <pc:sldChg chg="addSp modSp new ord">
-        <pc:chgData name="Mohammed,Shahid" userId="S::s545032@nwmissouri.edu::9aecc2f4-f059-4cd3-b4f0-11f59c37e54f" providerId="AD" clId="Web-{9BBCA2FE-C1BF-4ABD-9148-B6D413E824D5}" dt="2022-10-14T15:43:58.037" v="119"/>
+      <pc:sldChg chg="modSp mod">
+        <pc:chgData name="Vissapragada,Sai Tejaswee" userId="ac5152bd-e08b-42ef-87f5-6857be20e85f" providerId="ADAL" clId="{97312CED-9575-4606-A328-07082E28D64F}" dt="2022-12-01T17:20:59.038" v="432" actId="1076"/>
         <pc:sldMkLst>
           <pc:docMk/>
           <pc:sldMk cId="823308323" sldId="379"/>
         </pc:sldMkLst>
         <pc:spChg chg="mod">
-          <ac:chgData name="Mohammed,Shahid" userId="S::s545032@nwmissouri.edu::9aecc2f4-f059-4cd3-b4f0-11f59c37e54f" providerId="AD" clId="Web-{9BBCA2FE-C1BF-4ABD-9148-B6D413E824D5}" dt="2022-10-14T15:43:40.974" v="116" actId="1076"/>
-          <ac:spMkLst>
-            <pc:docMk/>
-            <pc:sldMk cId="823308323" sldId="379"/>
-            <ac:spMk id="2" creationId="{E27B8719-56DF-1D34-43EB-43F412B69050}"/>
-          </ac:spMkLst>
-        </pc:spChg>
-        <pc:spChg chg="mod">
-          <ac:chgData name="Mohammed,Shahid" userId="S::s545032@nwmissouri.edu::9aecc2f4-f059-4cd3-b4f0-11f59c37e54f" providerId="AD" clId="Web-{9BBCA2FE-C1BF-4ABD-9148-B6D413E824D5}" dt="2022-10-14T15:43:47.568" v="117" actId="1076"/>
+          <ac:chgData name="Vissapragada,Sai Tejaswee" userId="ac5152bd-e08b-42ef-87f5-6857be20e85f" providerId="ADAL" clId="{97312CED-9575-4606-A328-07082E28D64F}" dt="2022-12-01T17:20:49.056" v="431" actId="5793"/>
           <ac:spMkLst>
             <pc:docMk/>
             <pc:sldMk cId="823308323" sldId="379"/>
             <ac:spMk id="3" creationId="{ABDEE460-B203-FB49-6CA3-216BB52E9EEC}"/>
           </ac:spMkLst>
         </pc:spChg>
-        <pc:picChg chg="add mod">
-          <ac:chgData name="Mohammed,Shahid" userId="S::s545032@nwmissouri.edu::9aecc2f4-f059-4cd3-b4f0-11f59c37e54f" providerId="AD" clId="Web-{9BBCA2FE-C1BF-4ABD-9148-B6D413E824D5}" dt="2022-10-14T15:43:51.286" v="118" actId="1076"/>
+        <pc:picChg chg="mod">
+          <ac:chgData name="Vissapragada,Sai Tejaswee" userId="ac5152bd-e08b-42ef-87f5-6857be20e85f" providerId="ADAL" clId="{97312CED-9575-4606-A328-07082E28D64F}" dt="2022-12-01T17:20:59.038" v="432" actId="1076"/>
           <ac:picMkLst>
             <pc:docMk/>
             <pc:sldMk cId="823308323" sldId="379"/>
-            <ac:picMk id="4" creationId="{ADECC6D3-E6D4-7061-8C3B-B651F7871396}"/>
+            <ac:picMk id="5" creationId="{CB635F71-EF6E-5388-3464-01D1BE9D5598}"/>
           </ac:picMkLst>
         </pc:picChg>
       </pc:sldChg>
-      <pc:sldChg chg="addSp delSp modSp new del">
-        <pc:chgData name="Mohammed,Shahid" userId="S::s545032@nwmissouri.edu::9aecc2f4-f059-4cd3-b4f0-11f59c37e54f" providerId="AD" clId="Web-{9BBCA2FE-C1BF-4ABD-9148-B6D413E824D5}" dt="2022-10-14T15:42:35.987" v="103"/>
+      <pc:sldChg chg="modSp new mod">
+        <pc:chgData name="Vissapragada,Sai Tejaswee" userId="ac5152bd-e08b-42ef-87f5-6857be20e85f" providerId="ADAL" clId="{97312CED-9575-4606-A328-07082E28D64F}" dt="2022-12-01T17:16:07.940" v="421" actId="255"/>
         <pc:sldMkLst>
           <pc:docMk/>
-          <pc:sldMk cId="836180278" sldId="379"/>
+          <pc:sldMk cId="1719887273" sldId="380"/>
         </pc:sldMkLst>
         <pc:spChg chg="mod">
-          <ac:chgData name="Mohammed,Shahid" userId="S::s545032@nwmissouri.edu::9aecc2f4-f059-4cd3-b4f0-11f59c37e54f" providerId="AD" clId="Web-{9BBCA2FE-C1BF-4ABD-9148-B6D413E824D5}" dt="2022-10-14T15:42:10.408" v="99" actId="20577"/>
-          <ac:spMkLst>
-            <pc:docMk/>
-            <pc:sldMk cId="836180278" sldId="379"/>
-            <ac:spMk id="2" creationId="{37BD639D-ECD5-3A8E-96A5-472FA621B18D}"/>
+          <ac:chgData name="Vissapragada,Sai Tejaswee" userId="ac5152bd-e08b-42ef-87f5-6857be20e85f" providerId="ADAL" clId="{97312CED-9575-4606-A328-07082E28D64F}" dt="2022-12-01T17:14:44.921" v="418" actId="113"/>
+          <ac:spMkLst>
+            <pc:docMk/>
+            <pc:sldMk cId="1719887273" sldId="380"/>
+            <ac:spMk id="2" creationId="{4163873F-2445-771F-7C3C-DB4B51C24BCA}"/>
           </ac:spMkLst>
         </pc:spChg>
         <pc:spChg chg="mod">
-          <ac:chgData name="Mohammed,Shahid" userId="S::s545032@nwmissouri.edu::9aecc2f4-f059-4cd3-b4f0-11f59c37e54f" providerId="AD" clId="Web-{9BBCA2FE-C1BF-4ABD-9148-B6D413E824D5}" dt="2022-10-14T15:42:29.674" v="102" actId="20577"/>
-          <ac:spMkLst>
-            <pc:docMk/>
-            <pc:sldMk cId="836180278" sldId="379"/>
-            <ac:spMk id="3" creationId="{6F325FD3-8624-CDB2-FF03-5B4140CC7C86}"/>
-          </ac:spMkLst>
-        </pc:spChg>
-        <pc:spChg chg="add del mod">
-          <ac:chgData name="Mohammed,Shahid" userId="S::s545032@nwmissouri.edu::9aecc2f4-f059-4cd3-b4f0-11f59c37e54f" providerId="AD" clId="Web-{9BBCA2FE-C1BF-4ABD-9148-B6D413E824D5}" dt="2022-10-14T15:42:06.314" v="98"/>
-          <ac:spMkLst>
-            <pc:docMk/>
-            <pc:sldMk cId="836180278" sldId="379"/>
-            <ac:spMk id="4" creationId="{77905A6B-5426-B365-0012-E443B79018DF}"/>
+          <ac:chgData name="Vissapragada,Sai Tejaswee" userId="ac5152bd-e08b-42ef-87f5-6857be20e85f" providerId="ADAL" clId="{97312CED-9575-4606-A328-07082E28D64F}" dt="2022-12-01T17:16:07.940" v="421" actId="255"/>
+          <ac:spMkLst>
+            <pc:docMk/>
+            <pc:sldMk cId="1719887273" sldId="380"/>
+            <ac:spMk id="3" creationId="{1CF5E8F7-4059-9C97-B4AC-DFD78B0E433C}"/>
           </ac:spMkLst>
         </pc:spChg>
       </pc:sldChg>
-    </pc:docChg>
-  </pc:docChgLst>
-  <pc:docChgLst>
-    <pc:chgData name="Myakala,Shiva Krishna" userId="S::s545549@nwmissouri.edu::1ad7070b-5778-4d5e-ba6b-216720902aee" providerId="AD" clId="Web-{EB09C56B-7BA6-67F0-4D7F-666EAF9A81F4}"/>
-    <pc:docChg chg="modSld">
-      <pc:chgData name="Myakala,Shiva Krishna" userId="S::s545549@nwmissouri.edu::1ad7070b-5778-4d5e-ba6b-216720902aee" providerId="AD" clId="Web-{EB09C56B-7BA6-67F0-4D7F-666EAF9A81F4}" dt="2022-10-14T16:45:07.812" v="20" actId="20577"/>
-      <pc:docMkLst>
-        <pc:docMk/>
-      </pc:docMkLst>
-      <pc:sldChg chg="modSp">
-        <pc:chgData name="Myakala,Shiva Krishna" userId="S::s545549@nwmissouri.edu::1ad7070b-5778-4d5e-ba6b-216720902aee" providerId="AD" clId="Web-{EB09C56B-7BA6-67F0-4D7F-666EAF9A81F4}" dt="2022-10-14T16:45:07.812" v="20" actId="20577"/>
+      <pc:sldChg chg="addSp delSp modSp new mod setBg">
+        <pc:chgData name="Vissapragada,Sai Tejaswee" userId="ac5152bd-e08b-42ef-87f5-6857be20e85f" providerId="ADAL" clId="{97312CED-9575-4606-A328-07082E28D64F}" dt="2022-12-01T17:02:13.867" v="417" actId="255"/>
         <pc:sldMkLst>
           <pc:docMk/>
-          <pc:sldMk cId="884823026" sldId="371"/>
+          <pc:sldMk cId="33053877" sldId="381"/>
         </pc:sldMkLst>
+        <pc:spChg chg="del">
+          <ac:chgData name="Vissapragada,Sai Tejaswee" userId="ac5152bd-e08b-42ef-87f5-6857be20e85f" providerId="ADAL" clId="{97312CED-9575-4606-A328-07082E28D64F}" dt="2022-12-01T16:59:37.214" v="377" actId="478"/>
+          <ac:spMkLst>
+            <pc:docMk/>
+            <pc:sldMk cId="33053877" sldId="381"/>
+            <ac:spMk id="2" creationId="{DFE2F05A-79EF-C5AD-26D8-0F602A6FB42A}"/>
+          </ac:spMkLst>
+        </pc:spChg>
         <pc:spChg chg="mod">
-          <ac:chgData name="Myakala,Shiva Krishna" userId="S::s545549@nwmissouri.edu::1ad7070b-5778-4d5e-ba6b-216720902aee" providerId="AD" clId="Web-{EB09C56B-7BA6-67F0-4D7F-666EAF9A81F4}" dt="2022-10-14T16:45:07.812" v="20" actId="20577"/>
-          <ac:spMkLst>
-            <pc:docMk/>
-            <pc:sldMk cId="884823026" sldId="371"/>
-            <ac:spMk id="3" creationId="{1CE5B5B3-F968-7176-817F-D2DECAB3BFC0}"/>
-          </ac:spMkLst>
-        </pc:spChg>
+          <ac:chgData name="Vissapragada,Sai Tejaswee" userId="ac5152bd-e08b-42ef-87f5-6857be20e85f" providerId="ADAL" clId="{97312CED-9575-4606-A328-07082E28D64F}" dt="2022-12-01T17:02:13.867" v="417" actId="255"/>
+          <ac:spMkLst>
+            <pc:docMk/>
+            <pc:sldMk cId="33053877" sldId="381"/>
+            <ac:spMk id="3" creationId="{C96D0731-AC58-AB78-3B3C-17717D28033A}"/>
+          </ac:spMkLst>
+        </pc:spChg>
+        <pc:spChg chg="add">
+          <ac:chgData name="Vissapragada,Sai Tejaswee" userId="ac5152bd-e08b-42ef-87f5-6857be20e85f" providerId="ADAL" clId="{97312CED-9575-4606-A328-07082E28D64F}" dt="2022-12-01T17:02:05.978" v="416" actId="26606"/>
+          <ac:spMkLst>
+            <pc:docMk/>
+            <pc:sldMk cId="33053877" sldId="381"/>
+            <ac:spMk id="8" creationId="{F837543A-6020-4505-A233-C9DB4BF74011}"/>
+          </ac:spMkLst>
+        </pc:spChg>
+        <pc:spChg chg="add">
+          <ac:chgData name="Vissapragada,Sai Tejaswee" userId="ac5152bd-e08b-42ef-87f5-6857be20e85f" providerId="ADAL" clId="{97312CED-9575-4606-A328-07082E28D64F}" dt="2022-12-01T17:02:05.978" v="416" actId="26606"/>
+          <ac:spMkLst>
+            <pc:docMk/>
+            <pc:sldMk cId="33053877" sldId="381"/>
+            <ac:spMk id="10" creationId="{35B16301-FB18-48BA-A6DD-C37CAF6F9A18}"/>
+          </ac:spMkLst>
+        </pc:spChg>
+        <pc:spChg chg="add">
+          <ac:chgData name="Vissapragada,Sai Tejaswee" userId="ac5152bd-e08b-42ef-87f5-6857be20e85f" providerId="ADAL" clId="{97312CED-9575-4606-A328-07082E28D64F}" dt="2022-12-01T17:02:05.978" v="416" actId="26606"/>
+          <ac:spMkLst>
+            <pc:docMk/>
+            <pc:sldMk cId="33053877" sldId="381"/>
+            <ac:spMk id="12" creationId="{C3C0D90E-074A-4F52-9B11-B52BEF4BCBE5}"/>
+          </ac:spMkLst>
+        </pc:spChg>
+        <pc:spChg chg="add">
+          <ac:chgData name="Vissapragada,Sai Tejaswee" userId="ac5152bd-e08b-42ef-87f5-6857be20e85f" providerId="ADAL" clId="{97312CED-9575-4606-A328-07082E28D64F}" dt="2022-12-01T17:02:05.978" v="416" actId="26606"/>
+          <ac:spMkLst>
+            <pc:docMk/>
+            <pc:sldMk cId="33053877" sldId="381"/>
+            <ac:spMk id="14" creationId="{CABBD4C1-E6F8-46F6-8152-A8A97490BF4D}"/>
+          </ac:spMkLst>
+        </pc:spChg>
+        <pc:spChg chg="add">
+          <ac:chgData name="Vissapragada,Sai Tejaswee" userId="ac5152bd-e08b-42ef-87f5-6857be20e85f" providerId="ADAL" clId="{97312CED-9575-4606-A328-07082E28D64F}" dt="2022-12-01T17:02:05.978" v="416" actId="26606"/>
+          <ac:spMkLst>
+            <pc:docMk/>
+            <pc:sldMk cId="33053877" sldId="381"/>
+            <ac:spMk id="16" creationId="{83BA5EF5-1FE9-4BF9-83BB-269BCDDF6156}"/>
+          </ac:spMkLst>
+        </pc:spChg>
+        <pc:spChg chg="add">
+          <ac:chgData name="Vissapragada,Sai Tejaswee" userId="ac5152bd-e08b-42ef-87f5-6857be20e85f" providerId="ADAL" clId="{97312CED-9575-4606-A328-07082E28D64F}" dt="2022-12-01T17:02:05.978" v="416" actId="26606"/>
+          <ac:spMkLst>
+            <pc:docMk/>
+            <pc:sldMk cId="33053877" sldId="381"/>
+            <ac:spMk id="20" creationId="{88853921-7BC9-4BDE-ACAB-133C683C82D6}"/>
+          </ac:spMkLst>
+        </pc:spChg>
+        <pc:spChg chg="add">
+          <ac:chgData name="Vissapragada,Sai Tejaswee" userId="ac5152bd-e08b-42ef-87f5-6857be20e85f" providerId="ADAL" clId="{97312CED-9575-4606-A328-07082E28D64F}" dt="2022-12-01T17:02:05.978" v="416" actId="26606"/>
+          <ac:spMkLst>
+            <pc:docMk/>
+            <pc:sldMk cId="33053877" sldId="381"/>
+            <ac:spMk id="22" creationId="{09192968-3AE7-4470-A61C-97294BB92731}"/>
+          </ac:spMkLst>
+        </pc:spChg>
+        <pc:spChg chg="add">
+          <ac:chgData name="Vissapragada,Sai Tejaswee" userId="ac5152bd-e08b-42ef-87f5-6857be20e85f" providerId="ADAL" clId="{97312CED-9575-4606-A328-07082E28D64F}" dt="2022-12-01T17:02:05.978" v="416" actId="26606"/>
+          <ac:spMkLst>
+            <pc:docMk/>
+            <pc:sldMk cId="33053877" sldId="381"/>
+            <ac:spMk id="24" creationId="{3AB72E55-43E4-4356-BFE8-E2102CB0B505}"/>
+          </ac:spMkLst>
+        </pc:spChg>
+        <pc:cxnChg chg="add">
+          <ac:chgData name="Vissapragada,Sai Tejaswee" userId="ac5152bd-e08b-42ef-87f5-6857be20e85f" providerId="ADAL" clId="{97312CED-9575-4606-A328-07082E28D64F}" dt="2022-12-01T17:02:05.978" v="416" actId="26606"/>
+          <ac:cxnSpMkLst>
+            <pc:docMk/>
+            <pc:sldMk cId="33053877" sldId="381"/>
+            <ac:cxnSpMk id="18" creationId="{4B3BCACB-5880-460B-9606-8C433A9AF99D}"/>
+          </ac:cxnSpMkLst>
+        </pc:cxnChg>
       </pc:sldChg>
-    </pc:docChg>
-  </pc:docChgLst>
-  <pc:docChgLst>
-    <pc:chgData name="Sanku,Dheemanth Reddy" userId="S::s545025@nwmissouri.edu::9f715dee-37bc-46e3-b096-3ccff95550fc" providerId="AD" clId="Web-{49FB3C54-C934-5136-F75A-12E3EE2BF7B7}"/>
-    <pc:docChg chg="addSld modSld sldOrd">
-      <pc:chgData name="Sanku,Dheemanth Reddy" userId="S::s545025@nwmissouri.edu::9f715dee-37bc-46e3-b096-3ccff95550fc" providerId="AD" clId="Web-{49FB3C54-C934-5136-F75A-12E3EE2BF7B7}" dt="2022-10-17T17:29:59.873" v="378" actId="1076"/>
-      <pc:docMkLst>
-        <pc:docMk/>
-      </pc:docMkLst>
-      <pc:sldChg chg="addSp delSp modSp new ord addAnim delAnim">
-        <pc:chgData name="Sanku,Dheemanth Reddy" userId="S::s545025@nwmissouri.edu::9f715dee-37bc-46e3-b096-3ccff95550fc" providerId="AD" clId="Web-{49FB3C54-C934-5136-F75A-12E3EE2BF7B7}" dt="2022-10-17T17:29:59.873" v="378" actId="1076"/>
+      <pc:sldChg chg="addSp delSp modSp new mod setBg setClrOvrMap">
+        <pc:chgData name="Vissapragada,Sai Tejaswee" userId="ac5152bd-e08b-42ef-87f5-6857be20e85f" providerId="ADAL" clId="{97312CED-9575-4606-A328-07082E28D64F}" dt="2022-12-01T17:01:50.658" v="415" actId="255"/>
         <pc:sldMkLst>
           <pc:docMk/>
-          <pc:sldMk cId="1436300927" sldId="381"/>
+          <pc:sldMk cId="1624363699" sldId="382"/>
         </pc:sldMkLst>
-        <pc:spChg chg="add mod">
-          <ac:chgData name="Sanku,Dheemanth Reddy" userId="S::s545025@nwmissouri.edu::9f715dee-37bc-46e3-b096-3ccff95550fc" providerId="AD" clId="Web-{49FB3C54-C934-5136-F75A-12E3EE2BF7B7}" dt="2022-10-17T17:20:16.967" v="255" actId="1076"/>
-          <ac:spMkLst>
-            <pc:docMk/>
-            <pc:sldMk cId="1436300927" sldId="381"/>
-            <ac:spMk id="2" creationId="{12D35EB1-1C4C-7E28-0FBE-939B16B977D9}"/>
-          </ac:spMkLst>
-        </pc:spChg>
-        <pc:spChg chg="add mod">
-          <ac:chgData name="Sanku,Dheemanth Reddy" userId="S::s545025@nwmissouri.edu::9f715dee-37bc-46e3-b096-3ccff95550fc" providerId="AD" clId="Web-{49FB3C54-C934-5136-F75A-12E3EE2BF7B7}" dt="2022-10-17T17:16:58.447" v="181" actId="1076"/>
-          <ac:spMkLst>
-            <pc:docMk/>
-            <pc:sldMk cId="1436300927" sldId="381"/>
-            <ac:spMk id="3" creationId="{3444F04F-CF89-0BD6-FDC3-C09B64885C97}"/>
-          </ac:spMkLst>
-        </pc:spChg>
-        <pc:spChg chg="add del mod">
-          <ac:chgData name="Sanku,Dheemanth Reddy" userId="S::s545025@nwmissouri.edu::9f715dee-37bc-46e3-b096-3ccff95550fc" providerId="AD" clId="Web-{49FB3C54-C934-5136-F75A-12E3EE2BF7B7}" dt="2022-10-17T17:10:17.264" v="120"/>
-          <ac:spMkLst>
-            <pc:docMk/>
-            <pc:sldMk cId="1436300927" sldId="381"/>
-            <ac:spMk id="4" creationId="{7296688B-CAAA-C17D-DD3D-DDF9A7B3B33A}"/>
-          </ac:spMkLst>
-        </pc:spChg>
-        <pc:spChg chg="add mod">
-          <ac:chgData name="Sanku,Dheemanth Reddy" userId="S::s545025@nwmissouri.edu::9f715dee-37bc-46e3-b096-3ccff95550fc" providerId="AD" clId="Web-{49FB3C54-C934-5136-F75A-12E3EE2BF7B7}" dt="2022-10-17T17:11:03.578" v="128" actId="20577"/>
-          <ac:spMkLst>
-            <pc:docMk/>
-            <pc:sldMk cId="1436300927" sldId="381"/>
-            <ac:spMk id="6" creationId="{625A9FBF-712E-AD85-E126-3787A85CA25A}"/>
-          </ac:spMkLst>
-        </pc:spChg>
-        <pc:spChg chg="add mod">
-          <ac:chgData name="Sanku,Dheemanth Reddy" userId="S::s545025@nwmissouri.edu::9f715dee-37bc-46e3-b096-3ccff95550fc" providerId="AD" clId="Web-{49FB3C54-C934-5136-F75A-12E3EE2BF7B7}" dt="2022-10-17T17:13:18.503" v="167" actId="1076"/>
-          <ac:spMkLst>
-            <pc:docMk/>
-            <pc:sldMk cId="1436300927" sldId="381"/>
-            <ac:spMk id="8" creationId="{1527EE82-F424-27CD-BB3B-34C4BAF449F0}"/>
-          </ac:spMkLst>
-        </pc:spChg>
-        <pc:spChg chg="add mod">
-          <ac:chgData name="Sanku,Dheemanth Reddy" userId="S::s545025@nwmissouri.edu::9f715dee-37bc-46e3-b096-3ccff95550fc" providerId="AD" clId="Web-{49FB3C54-C934-5136-F75A-12E3EE2BF7B7}" dt="2022-10-17T17:13:43.207" v="170" actId="20577"/>
-          <ac:spMkLst>
-            <pc:docMk/>
-            <pc:sldMk cId="1436300927" sldId="381"/>
-            <ac:spMk id="10" creationId="{16F76ADC-F7E9-4210-7853-9786A2A4D3EF}"/>
-          </ac:spMkLst>
-        </pc:spChg>
-        <pc:spChg chg="add mod">
-          <ac:chgData name="Sanku,Dheemanth Reddy" userId="S::s545025@nwmissouri.edu::9f715dee-37bc-46e3-b096-3ccff95550fc" providerId="AD" clId="Web-{49FB3C54-C934-5136-F75A-12E3EE2BF7B7}" dt="2022-10-17T17:16:29.774" v="175" actId="1076"/>
-          <ac:spMkLst>
-            <pc:docMk/>
-            <pc:sldMk cId="1436300927" sldId="381"/>
-            <ac:spMk id="11" creationId="{0A9CC521-5CF1-91AD-A9F0-7E90D7BA8475}"/>
-          </ac:spMkLst>
-        </pc:spChg>
-        <pc:spChg chg="add mod">
-          <ac:chgData name="Sanku,Dheemanth Reddy" userId="S::s545025@nwmissouri.edu::9f715dee-37bc-46e3-b096-3ccff95550fc" providerId="AD" clId="Web-{49FB3C54-C934-5136-F75A-12E3EE2BF7B7}" dt="2022-10-17T17:16:48.243" v="180" actId="20577"/>
-          <ac:spMkLst>
-            <pc:docMk/>
-            <pc:sldMk cId="1436300927" sldId="381"/>
-            <ac:spMk id="13" creationId="{117E36FF-09D3-8F58-5F01-1FB385BECA48}"/>
-          </ac:spMkLst>
-        </pc:spChg>
-        <pc:spChg chg="add mod">
-          <ac:chgData name="Sanku,Dheemanth Reddy" userId="S::s545025@nwmissouri.edu::9f715dee-37bc-46e3-b096-3ccff95550fc" providerId="AD" clId="Web-{49FB3C54-C934-5136-F75A-12E3EE2BF7B7}" dt="2022-10-17T17:17:43.010" v="198" actId="20577"/>
-          <ac:spMkLst>
-            <pc:docMk/>
-            <pc:sldMk cId="1436300927" sldId="381"/>
-            <ac:spMk id="15" creationId="{EE508096-ECCC-2503-BF37-6666829F181B}"/>
-          </ac:spMkLst>
-        </pc:spChg>
-        <pc:spChg chg="add mod">
-          <ac:chgData name="Sanku,Dheemanth Reddy" userId="S::s545025@nwmissouri.edu::9f715dee-37bc-46e3-b096-3ccff95550fc" providerId="AD" clId="Web-{49FB3C54-C934-5136-F75A-12E3EE2BF7B7}" dt="2022-10-17T17:17:48.151" v="202" actId="20577"/>
-          <ac:spMkLst>
-            <pc:docMk/>
-            <pc:sldMk cId="1436300927" sldId="381"/>
-            <ac:spMk id="17" creationId="{904E7043-F28D-82B3-35C8-E13D5ABF9FFE}"/>
-          </ac:spMkLst>
-        </pc:spChg>
-        <pc:spChg chg="add mod">
-          <ac:chgData name="Sanku,Dheemanth Reddy" userId="S::s545025@nwmissouri.edu::9f715dee-37bc-46e3-b096-3ccff95550fc" providerId="AD" clId="Web-{49FB3C54-C934-5136-F75A-12E3EE2BF7B7}" dt="2022-10-17T17:17:57.151" v="204" actId="20577"/>
-          <ac:spMkLst>
-            <pc:docMk/>
-            <pc:sldMk cId="1436300927" sldId="381"/>
-            <ac:spMk id="19" creationId="{A852F0B2-10FE-0504-5C3C-4A472EABF586}"/>
-          </ac:spMkLst>
-        </pc:spChg>
-        <pc:spChg chg="add mod">
-          <ac:chgData name="Sanku,Dheemanth Reddy" userId="S::s545025@nwmissouri.edu::9f715dee-37bc-46e3-b096-3ccff95550fc" providerId="AD" clId="Web-{49FB3C54-C934-5136-F75A-12E3EE2BF7B7}" dt="2022-10-17T17:17:36.713" v="195" actId="1076"/>
-          <ac:spMkLst>
-            <pc:docMk/>
-            <pc:sldMk cId="1436300927" sldId="381"/>
-            <ac:spMk id="20" creationId="{F8A632FC-47D5-A490-FA3B-FA7515C67049}"/>
-          </ac:spMkLst>
-        </pc:spChg>
-        <pc:spChg chg="add mod">
-          <ac:chgData name="Sanku,Dheemanth Reddy" userId="S::s545025@nwmissouri.edu::9f715dee-37bc-46e3-b096-3ccff95550fc" providerId="AD" clId="Web-{49FB3C54-C934-5136-F75A-12E3EE2BF7B7}" dt="2022-10-17T17:18:12.823" v="212" actId="20577"/>
-          <ac:spMkLst>
-            <pc:docMk/>
-            <pc:sldMk cId="1436300927" sldId="381"/>
-            <ac:spMk id="22" creationId="{DF6CD902-E51D-0296-A6C2-564A93A98DF9}"/>
-          </ac:spMkLst>
-        </pc:spChg>
-        <pc:spChg chg="add mod">
-          <ac:chgData name="Sanku,Dheemanth Reddy" userId="S::s545025@nwmissouri.edu::9f715dee-37bc-46e3-b096-3ccff95550fc" providerId="AD" clId="Web-{49FB3C54-C934-5136-F75A-12E3EE2BF7B7}" dt="2022-10-17T17:18:51.371" v="229" actId="20577"/>
-          <ac:spMkLst>
-            <pc:docMk/>
-            <pc:sldMk cId="1436300927" sldId="381"/>
-            <ac:spMk id="24" creationId="{58684F71-8129-D8D1-F1DC-382B24DF6BD3}"/>
-          </ac:spMkLst>
-        </pc:spChg>
-        <pc:spChg chg="add mod">
-          <ac:chgData name="Sanku,Dheemanth Reddy" userId="S::s545025@nwmissouri.edu::9f715dee-37bc-46e3-b096-3ccff95550fc" providerId="AD" clId="Web-{49FB3C54-C934-5136-F75A-12E3EE2BF7B7}" dt="2022-10-17T17:18:54.153" v="231" actId="20577"/>
-          <ac:spMkLst>
-            <pc:docMk/>
-            <pc:sldMk cId="1436300927" sldId="381"/>
-            <ac:spMk id="26" creationId="{964D8F5E-F77C-81EE-A71C-AD2DC60A8C72}"/>
-          </ac:spMkLst>
-        </pc:spChg>
-        <pc:spChg chg="add mod">
-          <ac:chgData name="Sanku,Dheemanth Reddy" userId="S::s545025@nwmissouri.edu::9f715dee-37bc-46e3-b096-3ccff95550fc" providerId="AD" clId="Web-{49FB3C54-C934-5136-F75A-12E3EE2BF7B7}" dt="2022-10-17T17:18:59.918" v="235" actId="20577"/>
-          <ac:spMkLst>
-            <pc:docMk/>
-            <pc:sldMk cId="1436300927" sldId="381"/>
-            <ac:spMk id="28" creationId="{B4D52F4C-DE40-8437-03C0-D34AED6EC711}"/>
-          </ac:spMkLst>
-        </pc:spChg>
-        <pc:spChg chg="add mod">
-          <ac:chgData name="Sanku,Dheemanth Reddy" userId="S::s545025@nwmissouri.edu::9f715dee-37bc-46e3-b096-3ccff95550fc" providerId="AD" clId="Web-{49FB3C54-C934-5136-F75A-12E3EE2BF7B7}" dt="2022-10-17T17:20:55.484" v="273" actId="1076"/>
-          <ac:spMkLst>
-            <pc:docMk/>
-            <pc:sldMk cId="1436300927" sldId="381"/>
-            <ac:spMk id="29" creationId="{AE238D3A-C92A-5E0C-7198-A0BCBCFCCD65}"/>
-          </ac:spMkLst>
-        </pc:spChg>
-        <pc:spChg chg="add mod">
-          <ac:chgData name="Sanku,Dheemanth Reddy" userId="S::s545025@nwmissouri.edu::9f715dee-37bc-46e3-b096-3ccff95550fc" providerId="AD" clId="Web-{49FB3C54-C934-5136-F75A-12E3EE2BF7B7}" dt="2022-10-17T17:21:55.126" v="281" actId="20577"/>
-          <ac:spMkLst>
-            <pc:docMk/>
-            <pc:sldMk cId="1436300927" sldId="381"/>
-            <ac:spMk id="31" creationId="{603057A0-250D-E03A-7207-EC432DAA3DAA}"/>
-          </ac:spMkLst>
-        </pc:spChg>
-        <pc:spChg chg="add del mod">
-          <ac:chgData name="Sanku,Dheemanth Reddy" userId="S::s545025@nwmissouri.edu::9f715dee-37bc-46e3-b096-3ccff95550fc" providerId="AD" clId="Web-{49FB3C54-C934-5136-F75A-12E3EE2BF7B7}" dt="2022-10-17T17:20:19.467" v="266"/>
-          <ac:spMkLst>
-            <pc:docMk/>
-            <pc:sldMk cId="1436300927" sldId="381"/>
-            <ac:spMk id="33" creationId="{007DE2CE-0414-A846-90A5-EA22ED2F46B9}"/>
-          </ac:spMkLst>
-        </pc:spChg>
-        <pc:spChg chg="add del mod">
-          <ac:chgData name="Sanku,Dheemanth Reddy" userId="S::s545025@nwmissouri.edu::9f715dee-37bc-46e3-b096-3ccff95550fc" providerId="AD" clId="Web-{49FB3C54-C934-5136-F75A-12E3EE2BF7B7}" dt="2022-10-17T17:20:19.467" v="265"/>
-          <ac:spMkLst>
-            <pc:docMk/>
-            <pc:sldMk cId="1436300927" sldId="381"/>
-            <ac:spMk id="35" creationId="{7ACD22D7-63C1-92DA-E08C-E3533ADB07AE}"/>
-          </ac:spMkLst>
-        </pc:spChg>
-        <pc:spChg chg="add del mod">
-          <ac:chgData name="Sanku,Dheemanth Reddy" userId="S::s545025@nwmissouri.edu::9f715dee-37bc-46e3-b096-3ccff95550fc" providerId="AD" clId="Web-{49FB3C54-C934-5136-F75A-12E3EE2BF7B7}" dt="2022-10-17T17:20:19.467" v="264"/>
-          <ac:spMkLst>
-            <pc:docMk/>
-            <pc:sldMk cId="1436300927" sldId="381"/>
-            <ac:spMk id="37" creationId="{8D890A62-0A05-3E56-8E4F-B0520891C5A2}"/>
-          </ac:spMkLst>
-        </pc:spChg>
-        <pc:spChg chg="add del mod">
-          <ac:chgData name="Sanku,Dheemanth Reddy" userId="S::s545025@nwmissouri.edu::9f715dee-37bc-46e3-b096-3ccff95550fc" providerId="AD" clId="Web-{49FB3C54-C934-5136-F75A-12E3EE2BF7B7}" dt="2022-10-17T17:20:19.467" v="263"/>
-          <ac:spMkLst>
-            <pc:docMk/>
-            <pc:sldMk cId="1436300927" sldId="381"/>
-            <ac:spMk id="38" creationId="{521D52CE-F995-25B2-630F-468E1143C9D1}"/>
-          </ac:spMkLst>
-        </pc:spChg>
-        <pc:spChg chg="add del mod">
-          <ac:chgData name="Sanku,Dheemanth Reddy" userId="S::s545025@nwmissouri.edu::9f715dee-37bc-46e3-b096-3ccff95550fc" providerId="AD" clId="Web-{49FB3C54-C934-5136-F75A-12E3EE2BF7B7}" dt="2022-10-17T17:20:19.467" v="262"/>
-          <ac:spMkLst>
-            <pc:docMk/>
-            <pc:sldMk cId="1436300927" sldId="381"/>
-            <ac:spMk id="40" creationId="{E41C3FB5-55A8-6E52-F1F0-E0CEDED4B62B}"/>
-          </ac:spMkLst>
-        </pc:spChg>
-        <pc:spChg chg="add del mod">
-          <ac:chgData name="Sanku,Dheemanth Reddy" userId="S::s545025@nwmissouri.edu::9f715dee-37bc-46e3-b096-3ccff95550fc" providerId="AD" clId="Web-{49FB3C54-C934-5136-F75A-12E3EE2BF7B7}" dt="2022-10-17T17:22:24.549" v="301"/>
-          <ac:spMkLst>
-            <pc:docMk/>
-            <pc:sldMk cId="1436300927" sldId="381"/>
-            <ac:spMk id="42" creationId="{C4AE930C-4AB5-4B55-FC73-B8A1BE5FF038}"/>
-          </ac:spMkLst>
-        </pc:spChg>
-        <pc:spChg chg="add del mod">
-          <ac:chgData name="Sanku,Dheemanth Reddy" userId="S::s545025@nwmissouri.edu::9f715dee-37bc-46e3-b096-3ccff95550fc" providerId="AD" clId="Web-{49FB3C54-C934-5136-F75A-12E3EE2BF7B7}" dt="2022-10-17T17:22:24.549" v="300"/>
-          <ac:spMkLst>
-            <pc:docMk/>
-            <pc:sldMk cId="1436300927" sldId="381"/>
-            <ac:spMk id="44" creationId="{9FD1C01F-A5CE-55F4-5D81-DDB909736AAF}"/>
-          </ac:spMkLst>
-        </pc:spChg>
-        <pc:spChg chg="add del mod">
-          <ac:chgData name="Sanku,Dheemanth Reddy" userId="S::s545025@nwmissouri.edu::9f715dee-37bc-46e3-b096-3ccff95550fc" providerId="AD" clId="Web-{49FB3C54-C934-5136-F75A-12E3EE2BF7B7}" dt="2022-10-17T17:22:24.533" v="299"/>
-          <ac:spMkLst>
-            <pc:docMk/>
-            <pc:sldMk cId="1436300927" sldId="381"/>
-            <ac:spMk id="46" creationId="{8482F289-BB4A-5E94-0EE3-C55D58F0F65D}"/>
-          </ac:spMkLst>
-        </pc:spChg>
-        <pc:spChg chg="add del mod">
-          <ac:chgData name="Sanku,Dheemanth Reddy" userId="S::s545025@nwmissouri.edu::9f715dee-37bc-46e3-b096-3ccff95550fc" providerId="AD" clId="Web-{49FB3C54-C934-5136-F75A-12E3EE2BF7B7}" dt="2022-10-17T17:22:24.533" v="298"/>
-          <ac:spMkLst>
-            <pc:docMk/>
-            <pc:sldMk cId="1436300927" sldId="381"/>
-            <ac:spMk id="47" creationId="{5A6F1F42-0030-6F9C-01D5-67AFAE30A394}"/>
-          </ac:spMkLst>
-        </pc:spChg>
-        <pc:spChg chg="add del mod">
-          <ac:chgData name="Sanku,Dheemanth Reddy" userId="S::s545025@nwmissouri.edu::9f715dee-37bc-46e3-b096-3ccff95550fc" providerId="AD" clId="Web-{49FB3C54-C934-5136-F75A-12E3EE2BF7B7}" dt="2022-10-17T17:22:24.533" v="297"/>
-          <ac:spMkLst>
-            <pc:docMk/>
-            <pc:sldMk cId="1436300927" sldId="381"/>
-            <ac:spMk id="49" creationId="{34672D94-B874-2AA4-16B5-26239E4551A0}"/>
-          </ac:spMkLst>
-        </pc:spChg>
-        <pc:spChg chg="add del">
-          <ac:chgData name="Sanku,Dheemanth Reddy" userId="S::s545025@nwmissouri.edu::9f715dee-37bc-46e3-b096-3ccff95550fc" providerId="AD" clId="Web-{49FB3C54-C934-5136-F75A-12E3EE2BF7B7}" dt="2022-10-17T17:22:39.768" v="311"/>
-          <ac:spMkLst>
-            <pc:docMk/>
-            <pc:sldMk cId="1436300927" sldId="381"/>
-            <ac:spMk id="51" creationId="{1F5B5897-B0FB-9FBB-2F66-FAE2D0180E39}"/>
-          </ac:spMkLst>
-        </pc:spChg>
-        <pc:spChg chg="add del">
-          <ac:chgData name="Sanku,Dheemanth Reddy" userId="S::s545025@nwmissouri.edu::9f715dee-37bc-46e3-b096-3ccff95550fc" providerId="AD" clId="Web-{49FB3C54-C934-5136-F75A-12E3EE2BF7B7}" dt="2022-10-17T17:22:39.768" v="310"/>
-          <ac:spMkLst>
-            <pc:docMk/>
-            <pc:sldMk cId="1436300927" sldId="381"/>
-            <ac:spMk id="53" creationId="{0A61C116-32F3-95E6-F9F7-34380C36EBAC}"/>
-          </ac:spMkLst>
-        </pc:spChg>
-        <pc:spChg chg="add del">
-          <ac:chgData name="Sanku,Dheemanth Reddy" userId="S::s545025@nwmissouri.edu::9f715dee-37bc-46e3-b096-3ccff95550fc" providerId="AD" clId="Web-{49FB3C54-C934-5136-F75A-12E3EE2BF7B7}" dt="2022-10-17T17:22:39.752" v="309"/>
-          <ac:spMkLst>
-            <pc:docMk/>
-            <pc:sldMk cId="1436300927" sldId="381"/>
-            <ac:spMk id="55" creationId="{E3E54BB4-2B13-45A7-48A7-913842EC8139}"/>
-          </ac:spMkLst>
-        </pc:spChg>
-        <pc:spChg chg="add del">
-          <ac:chgData name="Sanku,Dheemanth Reddy" userId="S::s545025@nwmissouri.edu::9f715dee-37bc-46e3-b096-3ccff95550fc" providerId="AD" clId="Web-{49FB3C54-C934-5136-F75A-12E3EE2BF7B7}" dt="2022-10-17T17:22:39.752" v="308"/>
-          <ac:spMkLst>
-            <pc:docMk/>
-            <pc:sldMk cId="1436300927" sldId="381"/>
-            <ac:spMk id="56" creationId="{796C9C3C-47B1-409B-22B7-581DAAA8CEBD}"/>
-          </ac:spMkLst>
-        </pc:spChg>
-        <pc:spChg chg="add del">
-          <ac:chgData name="Sanku,Dheemanth Reddy" userId="S::s545025@nwmissouri.edu::9f715dee-37bc-46e3-b096-3ccff95550fc" providerId="AD" clId="Web-{49FB3C54-C934-5136-F75A-12E3EE2BF7B7}" dt="2022-10-17T17:22:39.752" v="307"/>
-          <ac:spMkLst>
-            <pc:docMk/>
-            <pc:sldMk cId="1436300927" sldId="381"/>
-            <ac:spMk id="58" creationId="{F3B2836F-B0F4-1B18-CB37-1CBB85B45418}"/>
-          </ac:spMkLst>
-        </pc:spChg>
-        <pc:spChg chg="add mod">
-          <ac:chgData name="Sanku,Dheemanth Reddy" userId="S::s545025@nwmissouri.edu::9f715dee-37bc-46e3-b096-3ccff95550fc" providerId="AD" clId="Web-{49FB3C54-C934-5136-F75A-12E3EE2BF7B7}" dt="2022-10-17T17:23:27.066" v="329" actId="20577"/>
-          <ac:spMkLst>
-            <pc:docMk/>
-            <pc:sldMk cId="1436300927" sldId="381"/>
-            <ac:spMk id="60" creationId="{5B09D351-EDEC-4051-1CEA-632665A2D237}"/>
-          </ac:spMkLst>
-        </pc:spChg>
-        <pc:spChg chg="add mod">
-          <ac:chgData name="Sanku,Dheemanth Reddy" userId="S::s545025@nwmissouri.edu::9f715dee-37bc-46e3-b096-3ccff95550fc" providerId="AD" clId="Web-{49FB3C54-C934-5136-F75A-12E3EE2BF7B7}" dt="2022-10-17T17:23:35.050" v="331" actId="20577"/>
-          <ac:spMkLst>
-            <pc:docMk/>
-            <pc:sldMk cId="1436300927" sldId="381"/>
-            <ac:spMk id="62" creationId="{CE0BE6A4-7C85-7496-6714-641A656BC5D1}"/>
-          </ac:spMkLst>
-        </pc:spChg>
-        <pc:spChg chg="add mod">
-          <ac:chgData name="Sanku,Dheemanth Reddy" userId="S::s545025@nwmissouri.edu::9f715dee-37bc-46e3-b096-3ccff95550fc" providerId="AD" clId="Web-{49FB3C54-C934-5136-F75A-12E3EE2BF7B7}" dt="2022-10-17T17:23:39.394" v="333" actId="20577"/>
-          <ac:spMkLst>
-            <pc:docMk/>
-            <pc:sldMk cId="1436300927" sldId="381"/>
-            <ac:spMk id="64" creationId="{D59599D0-E854-54CB-4384-DC0B881A0C29}"/>
-          </ac:spMkLst>
-        </pc:spChg>
-        <pc:spChg chg="add mod">
-          <ac:chgData name="Sanku,Dheemanth Reddy" userId="S::s545025@nwmissouri.edu::9f715dee-37bc-46e3-b096-3ccff95550fc" providerId="AD" clId="Web-{49FB3C54-C934-5136-F75A-12E3EE2BF7B7}" dt="2022-10-17T17:25:19.631" v="338" actId="1076"/>
-          <ac:spMkLst>
-            <pc:docMk/>
-            <pc:sldMk cId="1436300927" sldId="381"/>
-            <ac:spMk id="65" creationId="{7B0F7F45-2DCA-DEA1-3259-13024CB84D03}"/>
-          </ac:spMkLst>
-        </pc:spChg>
-        <pc:spChg chg="add mod">
-          <ac:chgData name="Sanku,Dheemanth Reddy" userId="S::s545025@nwmissouri.edu::9f715dee-37bc-46e3-b096-3ccff95550fc" providerId="AD" clId="Web-{49FB3C54-C934-5136-F75A-12E3EE2BF7B7}" dt="2022-10-17T17:23:46.816" v="337" actId="20577"/>
-          <ac:spMkLst>
-            <pc:docMk/>
-            <pc:sldMk cId="1436300927" sldId="381"/>
-            <ac:spMk id="67" creationId="{87871F6E-3DBC-5C54-B274-7A06BAD80E14}"/>
-          </ac:spMkLst>
-        </pc:spChg>
-        <pc:spChg chg="add mod">
-          <ac:chgData name="Sanku,Dheemanth Reddy" userId="S::s545025@nwmissouri.edu::9f715dee-37bc-46e3-b096-3ccff95550fc" providerId="AD" clId="Web-{49FB3C54-C934-5136-F75A-12E3EE2BF7B7}" dt="2022-10-17T17:29:43.044" v="375" actId="1076"/>
-          <ac:spMkLst>
-            <pc:docMk/>
-            <pc:sldMk cId="1436300927" sldId="381"/>
-            <ac:spMk id="68" creationId="{DF9D7618-5111-7190-CDA2-B174471497D0}"/>
-          </ac:spMkLst>
-        </pc:spChg>
-        <pc:spChg chg="add mod">
-          <ac:chgData name="Sanku,Dheemanth Reddy" userId="S::s545025@nwmissouri.edu::9f715dee-37bc-46e3-b096-3ccff95550fc" providerId="AD" clId="Web-{49FB3C54-C934-5136-F75A-12E3EE2BF7B7}" dt="2022-10-17T17:29:46.029" v="376" actId="1076"/>
-          <ac:spMkLst>
-            <pc:docMk/>
-            <pc:sldMk cId="1436300927" sldId="381"/>
-            <ac:spMk id="69" creationId="{E25A936C-2DE9-FEBF-5286-53B228590403}"/>
-          </ac:spMkLst>
-        </pc:spChg>
-        <pc:spChg chg="add mod">
-          <ac:chgData name="Sanku,Dheemanth Reddy" userId="S::s545025@nwmissouri.edu::9f715dee-37bc-46e3-b096-3ccff95550fc" providerId="AD" clId="Web-{49FB3C54-C934-5136-F75A-12E3EE2BF7B7}" dt="2022-10-17T17:29:53.029" v="377" actId="1076"/>
-          <ac:spMkLst>
-            <pc:docMk/>
-            <pc:sldMk cId="1436300927" sldId="381"/>
-            <ac:spMk id="70" creationId="{A952E6CB-2B7A-637C-8DD3-D2077E5F05A5}"/>
-          </ac:spMkLst>
-        </pc:spChg>
-        <pc:spChg chg="add mod">
-          <ac:chgData name="Sanku,Dheemanth Reddy" userId="S::s545025@nwmissouri.edu::9f715dee-37bc-46e3-b096-3ccff95550fc" providerId="AD" clId="Web-{49FB3C54-C934-5136-F75A-12E3EE2BF7B7}" dt="2022-10-17T17:29:59.873" v="378" actId="1076"/>
-          <ac:spMkLst>
-            <pc:docMk/>
-            <pc:sldMk cId="1436300927" sldId="381"/>
-            <ac:spMk id="71" creationId="{2DD1ED87-EB33-3868-8F47-3452393B8D72}"/>
-          </ac:spMkLst>
-        </pc:spChg>
-        <pc:spChg chg="add mod">
-          <ac:chgData name="Sanku,Dheemanth Reddy" userId="S::s545025@nwmissouri.edu::9f715dee-37bc-46e3-b096-3ccff95550fc" providerId="AD" clId="Web-{49FB3C54-C934-5136-F75A-12E3EE2BF7B7}" dt="2022-10-17T17:28:56.027" v="363" actId="20577"/>
-          <ac:spMkLst>
-            <pc:docMk/>
-            <pc:sldMk cId="1436300927" sldId="381"/>
-            <ac:spMk id="73" creationId="{E6713405-AA92-5419-40B8-B54F47080415}"/>
-          </ac:spMkLst>
-        </pc:spChg>
-        <pc:spChg chg="add mod">
-          <ac:chgData name="Sanku,Dheemanth Reddy" userId="S::s545025@nwmissouri.edu::9f715dee-37bc-46e3-b096-3ccff95550fc" providerId="AD" clId="Web-{49FB3C54-C934-5136-F75A-12E3EE2BF7B7}" dt="2022-10-17T17:28:58.309" v="365" actId="20577"/>
-          <ac:spMkLst>
-            <pc:docMk/>
-            <pc:sldMk cId="1436300927" sldId="381"/>
-            <ac:spMk id="75" creationId="{4263F6AF-8F88-42BD-369B-DB875AE4C45B}"/>
-          </ac:spMkLst>
-        </pc:spChg>
-        <pc:spChg chg="add mod">
-          <ac:chgData name="Sanku,Dheemanth Reddy" userId="S::s545025@nwmissouri.edu::9f715dee-37bc-46e3-b096-3ccff95550fc" providerId="AD" clId="Web-{49FB3C54-C934-5136-F75A-12E3EE2BF7B7}" dt="2022-10-17T17:29:14.356" v="370" actId="20577"/>
-          <ac:spMkLst>
-            <pc:docMk/>
-            <pc:sldMk cId="1436300927" sldId="381"/>
-            <ac:spMk id="77" creationId="{7FA59E7C-B69F-7123-F55D-36678DE9C9A0}"/>
-          </ac:spMkLst>
-        </pc:spChg>
-        <pc:spChg chg="add mod">
-          <ac:chgData name="Sanku,Dheemanth Reddy" userId="S::s545025@nwmissouri.edu::9f715dee-37bc-46e3-b096-3ccff95550fc" providerId="AD" clId="Web-{49FB3C54-C934-5136-F75A-12E3EE2BF7B7}" dt="2022-10-17T17:28:49.340" v="360" actId="1076"/>
-          <ac:spMkLst>
-            <pc:docMk/>
-            <pc:sldMk cId="1436300927" sldId="381"/>
-            <ac:spMk id="78" creationId="{41304023-B976-89BE-E5BB-1D2A6565BD02}"/>
-          </ac:spMkLst>
-        </pc:spChg>
-        <pc:spChg chg="add mod">
-          <ac:chgData name="Sanku,Dheemanth Reddy" userId="S::s545025@nwmissouri.edu::9f715dee-37bc-46e3-b096-3ccff95550fc" providerId="AD" clId="Web-{49FB3C54-C934-5136-F75A-12E3EE2BF7B7}" dt="2022-10-17T17:29:25.419" v="374" actId="20577"/>
-          <ac:spMkLst>
-            <pc:docMk/>
-            <pc:sldMk cId="1436300927" sldId="381"/>
-            <ac:spMk id="80" creationId="{445E78D2-A2C4-9CC8-48E9-4EA3CF439708}"/>
-          </ac:spMkLst>
-        </pc:spChg>
+        <pc:spChg chg="del">
+          <ac:chgData name="Vissapragada,Sai Tejaswee" userId="ac5152bd-e08b-42ef-87f5-6857be20e85f" providerId="ADAL" clId="{97312CED-9575-4606-A328-07082E28D64F}" dt="2022-12-01T17:00:33.246" v="390" actId="478"/>
+          <ac:spMkLst>
+            <pc:docMk/>
+            <pc:sldMk cId="1624363699" sldId="382"/>
+            <ac:spMk id="2" creationId="{DD9D3A2A-BE64-549A-AC15-149E6D2A7788}"/>
+          </ac:spMkLst>
+        </pc:spChg>
+        <pc:spChg chg="mod">
+          <ac:chgData name="Vissapragada,Sai Tejaswee" userId="ac5152bd-e08b-42ef-87f5-6857be20e85f" providerId="ADAL" clId="{97312CED-9575-4606-A328-07082E28D64F}" dt="2022-12-01T17:01:50.658" v="415" actId="255"/>
+          <ac:spMkLst>
+            <pc:docMk/>
+            <pc:sldMk cId="1624363699" sldId="382"/>
+            <ac:spMk id="3" creationId="{51FBCFCD-66E2-17B8-526A-ABE905A30482}"/>
+          </ac:spMkLst>
+        </pc:spChg>
+        <pc:spChg chg="add">
+          <ac:chgData name="Vissapragada,Sai Tejaswee" userId="ac5152bd-e08b-42ef-87f5-6857be20e85f" providerId="ADAL" clId="{97312CED-9575-4606-A328-07082E28D64F}" dt="2022-12-01T17:01:35.589" v="413" actId="26606"/>
+          <ac:spMkLst>
+            <pc:docMk/>
+            <pc:sldMk cId="1624363699" sldId="382"/>
+            <ac:spMk id="10" creationId="{EF9B8DF2-C3F5-49A2-94D2-F7B65A0F1F15}"/>
+          </ac:spMkLst>
+        </pc:spChg>
+        <pc:spChg chg="add">
+          <ac:chgData name="Vissapragada,Sai Tejaswee" userId="ac5152bd-e08b-42ef-87f5-6857be20e85f" providerId="ADAL" clId="{97312CED-9575-4606-A328-07082E28D64F}" dt="2022-12-01T17:01:35.589" v="413" actId="26606"/>
+          <ac:spMkLst>
+            <pc:docMk/>
+            <pc:sldMk cId="1624363699" sldId="382"/>
+            <ac:spMk id="12" creationId="{4330B6AC-E6AB-45E4-A303-C8DE90EB2AAC}"/>
+          </ac:spMkLst>
+        </pc:spChg>
+        <pc:picChg chg="add">
+          <ac:chgData name="Vissapragada,Sai Tejaswee" userId="ac5152bd-e08b-42ef-87f5-6857be20e85f" providerId="ADAL" clId="{97312CED-9575-4606-A328-07082E28D64F}" dt="2022-12-01T17:01:35.589" v="413" actId="26606"/>
+          <ac:picMkLst>
+            <pc:docMk/>
+            <pc:sldMk cId="1624363699" sldId="382"/>
+            <ac:picMk id="7" creationId="{AA33671C-89D5-7485-1248-683E673E8D06}"/>
+          </ac:picMkLst>
+        </pc:picChg>
       </pc:sldChg>
     </pc:docChg>
   </pc:docChgLst>
@@ -1532,1111 +2801,6 @@
     </pc:docChg>
   </pc:docChgLst>
   <pc:docChgLst>
-    <pc:chgData name="Vissapragada,Sai Tejaswee" userId="S::s545438@nwmissouri.edu::ac5152bd-e08b-42ef-87f5-6857be20e85f" providerId="AD" clId="Web-{A8C22E62-5AA5-483F-A10E-5EB0B6850044}"/>
-    <pc:docChg chg="addSld delSld modSld sldOrd addMainMaster delMainMaster">
-      <pc:chgData name="Vissapragada,Sai Tejaswee" userId="S::s545438@nwmissouri.edu::ac5152bd-e08b-42ef-87f5-6857be20e85f" providerId="AD" clId="Web-{A8C22E62-5AA5-483F-A10E-5EB0B6850044}" dt="2022-10-14T16:25:57.626" v="510" actId="20577"/>
-      <pc:docMkLst>
-        <pc:docMk/>
-      </pc:docMkLst>
-      <pc:sldChg chg="delSp modSp mod modClrScheme chgLayout">
-        <pc:chgData name="Vissapragada,Sai Tejaswee" userId="S::s545438@nwmissouri.edu::ac5152bd-e08b-42ef-87f5-6857be20e85f" providerId="AD" clId="Web-{A8C22E62-5AA5-483F-A10E-5EB0B6850044}" dt="2022-10-14T15:33:54.842" v="357" actId="20577"/>
-        <pc:sldMkLst>
-          <pc:docMk/>
-          <pc:sldMk cId="2985600738" sldId="256"/>
-        </pc:sldMkLst>
-        <pc:spChg chg="mod ord">
-          <ac:chgData name="Vissapragada,Sai Tejaswee" userId="S::s545438@nwmissouri.edu::ac5152bd-e08b-42ef-87f5-6857be20e85f" providerId="AD" clId="Web-{A8C22E62-5AA5-483F-A10E-5EB0B6850044}" dt="2022-10-14T14:54:02.291" v="189"/>
-          <ac:spMkLst>
-            <pc:docMk/>
-            <pc:sldMk cId="2985600738" sldId="256"/>
-            <ac:spMk id="2" creationId="{9C11EC8D-E2F8-47A8-86F0-53A644871CB0}"/>
-          </ac:spMkLst>
-        </pc:spChg>
-        <pc:spChg chg="mod ord">
-          <ac:chgData name="Vissapragada,Sai Tejaswee" userId="S::s545438@nwmissouri.edu::ac5152bd-e08b-42ef-87f5-6857be20e85f" providerId="AD" clId="Web-{A8C22E62-5AA5-483F-A10E-5EB0B6850044}" dt="2022-10-14T15:33:54.842" v="357" actId="20577"/>
-          <ac:spMkLst>
-            <pc:docMk/>
-            <pc:sldMk cId="2985600738" sldId="256"/>
-            <ac:spMk id="3" creationId="{40718280-D32F-4892-B800-93AAD39A2582}"/>
-          </ac:spMkLst>
-        </pc:spChg>
-        <pc:spChg chg="del">
-          <ac:chgData name="Vissapragada,Sai Tejaswee" userId="S::s545438@nwmissouri.edu::ac5152bd-e08b-42ef-87f5-6857be20e85f" providerId="AD" clId="Web-{A8C22E62-5AA5-483F-A10E-5EB0B6850044}" dt="2022-10-14T15:11:13.375" v="309"/>
-          <ac:spMkLst>
-            <pc:docMk/>
-            <pc:sldMk cId="2985600738" sldId="256"/>
-            <ac:spMk id="4" creationId="{1A844C8B-BD82-45AC-9223-D9EBA59A555F}"/>
-          </ac:spMkLst>
-        </pc:spChg>
-      </pc:sldChg>
-      <pc:sldChg chg="delSp modSp mod modClrScheme chgLayout">
-        <pc:chgData name="Vissapragada,Sai Tejaswee" userId="S::s545438@nwmissouri.edu::ac5152bd-e08b-42ef-87f5-6857be20e85f" providerId="AD" clId="Web-{A8C22E62-5AA5-483F-A10E-5EB0B6850044}" dt="2022-10-14T15:32:43.262" v="349" actId="20577"/>
-        <pc:sldMkLst>
-          <pc:docMk/>
-          <pc:sldMk cId="2442537970" sldId="341"/>
-        </pc:sldMkLst>
-        <pc:spChg chg="mod ord">
-          <ac:chgData name="Vissapragada,Sai Tejaswee" userId="S::s545438@nwmissouri.edu::ac5152bd-e08b-42ef-87f5-6857be20e85f" providerId="AD" clId="Web-{A8C22E62-5AA5-483F-A10E-5EB0B6850044}" dt="2022-10-14T15:01:20.207" v="235" actId="20577"/>
-          <ac:spMkLst>
-            <pc:docMk/>
-            <pc:sldMk cId="2442537970" sldId="341"/>
-            <ac:spMk id="2" creationId="{A03556A8-306D-4AAD-A818-C5F7CD7DCAA6}"/>
-          </ac:spMkLst>
-        </pc:spChg>
-        <pc:spChg chg="del mod ord">
-          <ac:chgData name="Vissapragada,Sai Tejaswee" userId="S::s545438@nwmissouri.edu::ac5152bd-e08b-42ef-87f5-6857be20e85f" providerId="AD" clId="Web-{A8C22E62-5AA5-483F-A10E-5EB0B6850044}" dt="2022-10-14T15:10:50.906" v="305"/>
-          <ac:spMkLst>
-            <pc:docMk/>
-            <pc:sldMk cId="2442537970" sldId="341"/>
-            <ac:spMk id="4" creationId="{138D912F-AF88-4AC6-85CE-BF905A5B5706}"/>
-          </ac:spMkLst>
-        </pc:spChg>
-        <pc:spChg chg="mod ord">
-          <ac:chgData name="Vissapragada,Sai Tejaswee" userId="S::s545438@nwmissouri.edu::ac5152bd-e08b-42ef-87f5-6857be20e85f" providerId="AD" clId="Web-{A8C22E62-5AA5-483F-A10E-5EB0B6850044}" dt="2022-10-14T15:32:43.262" v="349" actId="20577"/>
-          <ac:spMkLst>
-            <pc:docMk/>
-            <pc:sldMk cId="2442537970" sldId="341"/>
-            <ac:spMk id="28" creationId="{5625D5E9-34CA-4D00-BCB5-EB2CB1EDEA0D}"/>
-          </ac:spMkLst>
-        </pc:spChg>
-      </pc:sldChg>
-      <pc:sldChg chg="delSp modSp mod modClrScheme chgLayout">
-        <pc:chgData name="Vissapragada,Sai Tejaswee" userId="S::s545438@nwmissouri.edu::ac5152bd-e08b-42ef-87f5-6857be20e85f" providerId="AD" clId="Web-{A8C22E62-5AA5-483F-A10E-5EB0B6850044}" dt="2022-10-14T15:10:58.063" v="306"/>
-        <pc:sldMkLst>
-          <pc:docMk/>
-          <pc:sldMk cId="552338012" sldId="342"/>
-        </pc:sldMkLst>
-        <pc:spChg chg="mod ord">
-          <ac:chgData name="Vissapragada,Sai Tejaswee" userId="S::s545438@nwmissouri.edu::ac5152bd-e08b-42ef-87f5-6857be20e85f" providerId="AD" clId="Web-{A8C22E62-5AA5-483F-A10E-5EB0B6850044}" dt="2022-10-14T14:54:02.291" v="189"/>
-          <ac:spMkLst>
-            <pc:docMk/>
-            <pc:sldMk cId="552338012" sldId="342"/>
-            <ac:spMk id="2" creationId="{9808F5F9-4D67-45B6-B64A-8EB48D97F519}"/>
-          </ac:spMkLst>
-        </pc:spChg>
-        <pc:spChg chg="del mod ord">
-          <ac:chgData name="Vissapragada,Sai Tejaswee" userId="S::s545438@nwmissouri.edu::ac5152bd-e08b-42ef-87f5-6857be20e85f" providerId="AD" clId="Web-{A8C22E62-5AA5-483F-A10E-5EB0B6850044}" dt="2022-10-14T15:10:58.063" v="306"/>
-          <ac:spMkLst>
-            <pc:docMk/>
-            <pc:sldMk cId="552338012" sldId="342"/>
-            <ac:spMk id="4" creationId="{FB2979EF-7D42-4D7E-B0EA-A04305C20AA3}"/>
-          </ac:spMkLst>
-        </pc:spChg>
-      </pc:sldChg>
-      <pc:sldChg chg="delSp modSp mod modClrScheme chgLayout">
-        <pc:chgData name="Vissapragada,Sai Tejaswee" userId="S::s545438@nwmissouri.edu::ac5152bd-e08b-42ef-87f5-6857be20e85f" providerId="AD" clId="Web-{A8C22E62-5AA5-483F-A10E-5EB0B6850044}" dt="2022-10-14T15:33:06.950" v="352" actId="20577"/>
-        <pc:sldMkLst>
-          <pc:docMk/>
-          <pc:sldMk cId="1045016516" sldId="343"/>
-        </pc:sldMkLst>
-        <pc:spChg chg="mod ord">
-          <ac:chgData name="Vissapragada,Sai Tejaswee" userId="S::s545438@nwmissouri.edu::ac5152bd-e08b-42ef-87f5-6857be20e85f" providerId="AD" clId="Web-{A8C22E62-5AA5-483F-A10E-5EB0B6850044}" dt="2022-10-14T14:54:02.291" v="189"/>
-          <ac:spMkLst>
-            <pc:docMk/>
-            <pc:sldMk cId="1045016516" sldId="343"/>
-            <ac:spMk id="2" creationId="{AD3A397E-08A5-421B-83E3-0BCD6A6F8F56}"/>
-          </ac:spMkLst>
-        </pc:spChg>
-        <pc:spChg chg="mod ord">
-          <ac:chgData name="Vissapragada,Sai Tejaswee" userId="S::s545438@nwmissouri.edu::ac5152bd-e08b-42ef-87f5-6857be20e85f" providerId="AD" clId="Web-{A8C22E62-5AA5-483F-A10E-5EB0B6850044}" dt="2022-10-14T15:33:06.950" v="352" actId="20577"/>
-          <ac:spMkLst>
-            <pc:docMk/>
-            <pc:sldMk cId="1045016516" sldId="343"/>
-            <ac:spMk id="3" creationId="{9EF72435-41D5-40ED-A1E0-F497D91EB7D3}"/>
-          </ac:spMkLst>
-        </pc:spChg>
-        <pc:spChg chg="del mod ord">
-          <ac:chgData name="Vissapragada,Sai Tejaswee" userId="S::s545438@nwmissouri.edu::ac5152bd-e08b-42ef-87f5-6857be20e85f" providerId="AD" clId="Web-{A8C22E62-5AA5-483F-A10E-5EB0B6850044}" dt="2022-10-14T15:11:08.422" v="308"/>
-          <ac:spMkLst>
-            <pc:docMk/>
-            <pc:sldMk cId="1045016516" sldId="343"/>
-            <ac:spMk id="4" creationId="{BF9D6BA6-993E-40BB-A086-4BD7B61F7AAF}"/>
-          </ac:spMkLst>
-        </pc:spChg>
-      </pc:sldChg>
-      <pc:sldChg chg="delSp modSp mod modClrScheme chgLayout">
-        <pc:chgData name="Vissapragada,Sai Tejaswee" userId="S::s545438@nwmissouri.edu::ac5152bd-e08b-42ef-87f5-6857be20e85f" providerId="AD" clId="Web-{A8C22E62-5AA5-483F-A10E-5EB0B6850044}" dt="2022-10-14T15:10:41.375" v="304" actId="1076"/>
-        <pc:sldMkLst>
-          <pc:docMk/>
-          <pc:sldMk cId="1898072782" sldId="344"/>
-        </pc:sldMkLst>
-        <pc:spChg chg="mod ord">
-          <ac:chgData name="Vissapragada,Sai Tejaswee" userId="S::s545438@nwmissouri.edu::ac5152bd-e08b-42ef-87f5-6857be20e85f" providerId="AD" clId="Web-{A8C22E62-5AA5-483F-A10E-5EB0B6850044}" dt="2022-10-14T14:54:02.291" v="189"/>
-          <ac:spMkLst>
-            <pc:docMk/>
-            <pc:sldMk cId="1898072782" sldId="344"/>
-            <ac:spMk id="2" creationId="{B68093B9-6981-40EC-9AFD-1A8DBA15D2B3}"/>
-          </ac:spMkLst>
-        </pc:spChg>
-        <pc:spChg chg="del mod ord">
-          <ac:chgData name="Vissapragada,Sai Tejaswee" userId="S::s545438@nwmissouri.edu::ac5152bd-e08b-42ef-87f5-6857be20e85f" providerId="AD" clId="Web-{A8C22E62-5AA5-483F-A10E-5EB0B6850044}" dt="2022-10-14T15:10:34.781" v="303"/>
-          <ac:spMkLst>
-            <pc:docMk/>
-            <pc:sldMk cId="1898072782" sldId="344"/>
-            <ac:spMk id="4" creationId="{FA12FCA5-CA9E-48B3-8CDF-8CAC941C2C35}"/>
-          </ac:spMkLst>
-        </pc:spChg>
-        <pc:spChg chg="mod">
-          <ac:chgData name="Vissapragada,Sai Tejaswee" userId="S::s545438@nwmissouri.edu::ac5152bd-e08b-42ef-87f5-6857be20e85f" providerId="AD" clId="Web-{A8C22E62-5AA5-483F-A10E-5EB0B6850044}" dt="2022-10-14T15:10:41.375" v="304" actId="1076"/>
-          <ac:spMkLst>
-            <pc:docMk/>
-            <pc:sldMk cId="1898072782" sldId="344"/>
-            <ac:spMk id="17" creationId="{B86EB294-945B-45F4-B366-6F962417C70F}"/>
-          </ac:spMkLst>
-        </pc:spChg>
-      </pc:sldChg>
-      <pc:sldChg chg="modSp mod modClrScheme chgLayout">
-        <pc:chgData name="Vissapragada,Sai Tejaswee" userId="S::s545438@nwmissouri.edu::ac5152bd-e08b-42ef-87f5-6857be20e85f" providerId="AD" clId="Web-{A8C22E62-5AA5-483F-A10E-5EB0B6850044}" dt="2022-10-14T15:41:42.711" v="394" actId="20577"/>
-        <pc:sldMkLst>
-          <pc:docMk/>
-          <pc:sldMk cId="219102181" sldId="350"/>
-        </pc:sldMkLst>
-        <pc:spChg chg="mod ord">
-          <ac:chgData name="Vissapragada,Sai Tejaswee" userId="S::s545438@nwmissouri.edu::ac5152bd-e08b-42ef-87f5-6857be20e85f" providerId="AD" clId="Web-{A8C22E62-5AA5-483F-A10E-5EB0B6850044}" dt="2022-10-14T15:41:42.711" v="394" actId="20577"/>
-          <ac:spMkLst>
-            <pc:docMk/>
-            <pc:sldMk cId="219102181" sldId="350"/>
-            <ac:spMk id="2" creationId="{823C8B64-1E38-4FF9-9F3B-F5E69809B377}"/>
-          </ac:spMkLst>
-        </pc:spChg>
-        <pc:spChg chg="mod ord">
-          <ac:chgData name="Vissapragada,Sai Tejaswee" userId="S::s545438@nwmissouri.edu::ac5152bd-e08b-42ef-87f5-6857be20e85f" providerId="AD" clId="Web-{A8C22E62-5AA5-483F-A10E-5EB0B6850044}" dt="2022-10-14T14:54:02.291" v="189"/>
-          <ac:spMkLst>
-            <pc:docMk/>
-            <pc:sldMk cId="219102181" sldId="350"/>
-            <ac:spMk id="4" creationId="{7C79D3E6-8253-4877-8B5A-5E0FF1CCEEC1}"/>
-          </ac:spMkLst>
-        </pc:spChg>
-      </pc:sldChg>
-      <pc:sldChg chg="delSp modSp mod modClrScheme chgLayout">
-        <pc:chgData name="Vissapragada,Sai Tejaswee" userId="S::s545438@nwmissouri.edu::ac5152bd-e08b-42ef-87f5-6857be20e85f" providerId="AD" clId="Web-{A8C22E62-5AA5-483F-A10E-5EB0B6850044}" dt="2022-10-14T15:09:01.685" v="286" actId="1076"/>
-        <pc:sldMkLst>
-          <pc:docMk/>
-          <pc:sldMk cId="3939176308" sldId="351"/>
-        </pc:sldMkLst>
-        <pc:spChg chg="mod ord">
-          <ac:chgData name="Vissapragada,Sai Tejaswee" userId="S::s545438@nwmissouri.edu::ac5152bd-e08b-42ef-87f5-6857be20e85f" providerId="AD" clId="Web-{A8C22E62-5AA5-483F-A10E-5EB0B6850044}" dt="2022-10-14T14:54:02.291" v="189"/>
-          <ac:spMkLst>
-            <pc:docMk/>
-            <pc:sldMk cId="3939176308" sldId="351"/>
-            <ac:spMk id="2" creationId="{32E2E634-DDFF-4EE1-9D86-F940664BE3DC}"/>
-          </ac:spMkLst>
-        </pc:spChg>
-        <pc:spChg chg="del mod ord">
-          <ac:chgData name="Vissapragada,Sai Tejaswee" userId="S::s545438@nwmissouri.edu::ac5152bd-e08b-42ef-87f5-6857be20e85f" providerId="AD" clId="Web-{A8C22E62-5AA5-483F-A10E-5EB0B6850044}" dt="2022-10-14T15:08:49.669" v="284"/>
-          <ac:spMkLst>
-            <pc:docMk/>
-            <pc:sldMk cId="3939176308" sldId="351"/>
-            <ac:spMk id="4" creationId="{A2D4F142-5B88-4EF7-A3A7-EBAC0CB63769}"/>
-          </ac:spMkLst>
-        </pc:spChg>
-        <pc:spChg chg="mod">
-          <ac:chgData name="Vissapragada,Sai Tejaswee" userId="S::s545438@nwmissouri.edu::ac5152bd-e08b-42ef-87f5-6857be20e85f" providerId="AD" clId="Web-{A8C22E62-5AA5-483F-A10E-5EB0B6850044}" dt="2022-10-14T15:09:01.685" v="286" actId="1076"/>
-          <ac:spMkLst>
-            <pc:docMk/>
-            <pc:sldMk cId="3939176308" sldId="351"/>
-            <ac:spMk id="5" creationId="{13BA4C93-B95F-41BF-A1C9-9216CE9854AF}"/>
-          </ac:spMkLst>
-        </pc:spChg>
-      </pc:sldChg>
-      <pc:sldChg chg="delSp modSp mod modClrScheme chgLayout">
-        <pc:chgData name="Vissapragada,Sai Tejaswee" userId="S::s545438@nwmissouri.edu::ac5152bd-e08b-42ef-87f5-6857be20e85f" providerId="AD" clId="Web-{A8C22E62-5AA5-483F-A10E-5EB0B6850044}" dt="2022-10-14T15:30:35.838" v="337" actId="20577"/>
-        <pc:sldMkLst>
-          <pc:docMk/>
-          <pc:sldMk cId="3416718736" sldId="354"/>
-        </pc:sldMkLst>
-        <pc:spChg chg="mod ord">
-          <ac:chgData name="Vissapragada,Sai Tejaswee" userId="S::s545438@nwmissouri.edu::ac5152bd-e08b-42ef-87f5-6857be20e85f" providerId="AD" clId="Web-{A8C22E62-5AA5-483F-A10E-5EB0B6850044}" dt="2022-10-14T14:54:02.291" v="189"/>
-          <ac:spMkLst>
-            <pc:docMk/>
-            <pc:sldMk cId="3416718736" sldId="354"/>
-            <ac:spMk id="2" creationId="{0766B607-6105-4582-BC98-8E35CE39574E}"/>
-          </ac:spMkLst>
-        </pc:spChg>
-        <pc:spChg chg="mod ord">
-          <ac:chgData name="Vissapragada,Sai Tejaswee" userId="S::s545438@nwmissouri.edu::ac5152bd-e08b-42ef-87f5-6857be20e85f" providerId="AD" clId="Web-{A8C22E62-5AA5-483F-A10E-5EB0B6850044}" dt="2022-10-14T15:30:35.838" v="337" actId="20577"/>
-          <ac:spMkLst>
-            <pc:docMk/>
-            <pc:sldMk cId="3416718736" sldId="354"/>
-            <ac:spMk id="3" creationId="{A04DE8D9-0B5E-47D8-90F9-96463A6646BA}"/>
-          </ac:spMkLst>
-        </pc:spChg>
-        <pc:spChg chg="del mod ord">
-          <ac:chgData name="Vissapragada,Sai Tejaswee" userId="S::s545438@nwmissouri.edu::ac5152bd-e08b-42ef-87f5-6857be20e85f" providerId="AD" clId="Web-{A8C22E62-5AA5-483F-A10E-5EB0B6850044}" dt="2022-10-14T15:08:22.700" v="281"/>
-          <ac:spMkLst>
-            <pc:docMk/>
-            <pc:sldMk cId="3416718736" sldId="354"/>
-            <ac:spMk id="4" creationId="{8799341D-0A1F-47EF-A691-D497A3FBF766}"/>
-          </ac:spMkLst>
-        </pc:spChg>
-      </pc:sldChg>
-      <pc:sldChg chg="del">
-        <pc:chgData name="Vissapragada,Sai Tejaswee" userId="S::s545438@nwmissouri.edu::ac5152bd-e08b-42ef-87f5-6857be20e85f" providerId="AD" clId="Web-{A8C22E62-5AA5-483F-A10E-5EB0B6850044}" dt="2022-10-14T14:22:12.366" v="107"/>
-        <pc:sldMkLst>
-          <pc:docMk/>
-          <pc:sldMk cId="4194509776" sldId="356"/>
-        </pc:sldMkLst>
-      </pc:sldChg>
-      <pc:sldChg chg="delSp modSp mod modClrScheme chgLayout">
-        <pc:chgData name="Vissapragada,Sai Tejaswee" userId="S::s545438@nwmissouri.edu::ac5152bd-e08b-42ef-87f5-6857be20e85f" providerId="AD" clId="Web-{A8C22E62-5AA5-483F-A10E-5EB0B6850044}" dt="2022-10-14T15:32:54.543" v="350" actId="20577"/>
-        <pc:sldMkLst>
-          <pc:docMk/>
-          <pc:sldMk cId="1841957312" sldId="357"/>
-        </pc:sldMkLst>
-        <pc:spChg chg="mod ord">
-          <ac:chgData name="Vissapragada,Sai Tejaswee" userId="S::s545438@nwmissouri.edu::ac5152bd-e08b-42ef-87f5-6857be20e85f" providerId="AD" clId="Web-{A8C22E62-5AA5-483F-A10E-5EB0B6850044}" dt="2022-10-14T14:54:02.291" v="189"/>
-          <ac:spMkLst>
-            <pc:docMk/>
-            <pc:sldMk cId="1841957312" sldId="357"/>
-            <ac:spMk id="2" creationId="{00E763BB-9BA0-8B15-EC3A-9596592F3FC1}"/>
-          </ac:spMkLst>
-        </pc:spChg>
-        <pc:spChg chg="mod ord">
-          <ac:chgData name="Vissapragada,Sai Tejaswee" userId="S::s545438@nwmissouri.edu::ac5152bd-e08b-42ef-87f5-6857be20e85f" providerId="AD" clId="Web-{A8C22E62-5AA5-483F-A10E-5EB0B6850044}" dt="2022-10-14T15:32:54.543" v="350" actId="20577"/>
-          <ac:spMkLst>
-            <pc:docMk/>
-            <pc:sldMk cId="1841957312" sldId="357"/>
-            <ac:spMk id="3" creationId="{66B15469-23DA-28F8-3644-BAB61795B752}"/>
-          </ac:spMkLst>
-        </pc:spChg>
-        <pc:spChg chg="del mod ord">
-          <ac:chgData name="Vissapragada,Sai Tejaswee" userId="S::s545438@nwmissouri.edu::ac5152bd-e08b-42ef-87f5-6857be20e85f" providerId="AD" clId="Web-{A8C22E62-5AA5-483F-A10E-5EB0B6850044}" dt="2022-10-14T15:11:03.657" v="307"/>
-          <ac:spMkLst>
-            <pc:docMk/>
-            <pc:sldMk cId="1841957312" sldId="357"/>
-            <ac:spMk id="4" creationId="{91717223-F755-64C7-4639-B04FAD293BD0}"/>
-          </ac:spMkLst>
-        </pc:spChg>
-      </pc:sldChg>
-      <pc:sldChg chg="delSp modSp del mod modClrScheme chgLayout">
-        <pc:chgData name="Vissapragada,Sai Tejaswee" userId="S::s545438@nwmissouri.edu::ac5152bd-e08b-42ef-87f5-6857be20e85f" providerId="AD" clId="Web-{A8C22E62-5AA5-483F-A10E-5EB0B6850044}" dt="2022-10-14T15:24:59.346" v="329"/>
-        <pc:sldMkLst>
-          <pc:docMk/>
-          <pc:sldMk cId="2615451039" sldId="359"/>
-        </pc:sldMkLst>
-        <pc:spChg chg="mod ord">
-          <ac:chgData name="Vissapragada,Sai Tejaswee" userId="S::s545438@nwmissouri.edu::ac5152bd-e08b-42ef-87f5-6857be20e85f" providerId="AD" clId="Web-{A8C22E62-5AA5-483F-A10E-5EB0B6850044}" dt="2022-10-14T14:54:02.291" v="189"/>
-          <ac:spMkLst>
-            <pc:docMk/>
-            <pc:sldMk cId="2615451039" sldId="359"/>
-            <ac:spMk id="2" creationId="{5D613BA6-E68F-21F9-0C54-720CE635B62B}"/>
-          </ac:spMkLst>
-        </pc:spChg>
-        <pc:spChg chg="mod ord">
-          <ac:chgData name="Vissapragada,Sai Tejaswee" userId="S::s545438@nwmissouri.edu::ac5152bd-e08b-42ef-87f5-6857be20e85f" providerId="AD" clId="Web-{A8C22E62-5AA5-483F-A10E-5EB0B6850044}" dt="2022-10-14T14:54:02.291" v="189"/>
-          <ac:spMkLst>
-            <pc:docMk/>
-            <pc:sldMk cId="2615451039" sldId="359"/>
-            <ac:spMk id="3" creationId="{53F44DDF-3ED2-A853-9443-CA9C52F9790C}"/>
-          </ac:spMkLst>
-        </pc:spChg>
-        <pc:spChg chg="del mod ord">
-          <ac:chgData name="Vissapragada,Sai Tejaswee" userId="S::s545438@nwmissouri.edu::ac5152bd-e08b-42ef-87f5-6857be20e85f" providerId="AD" clId="Web-{A8C22E62-5AA5-483F-A10E-5EB0B6850044}" dt="2022-10-14T15:08:29.185" v="282"/>
-          <ac:spMkLst>
-            <pc:docMk/>
-            <pc:sldMk cId="2615451039" sldId="359"/>
-            <ac:spMk id="4" creationId="{1AE0D728-6607-F08C-7642-439B4B69E578}"/>
-          </ac:spMkLst>
-        </pc:spChg>
-      </pc:sldChg>
-      <pc:sldChg chg="delSp modSp del mod modClrScheme chgLayout">
-        <pc:chgData name="Vissapragada,Sai Tejaswee" userId="S::s545438@nwmissouri.edu::ac5152bd-e08b-42ef-87f5-6857be20e85f" providerId="AD" clId="Web-{A8C22E62-5AA5-483F-A10E-5EB0B6850044}" dt="2022-10-14T15:15:12.756" v="311"/>
-        <pc:sldMkLst>
-          <pc:docMk/>
-          <pc:sldMk cId="3128748201" sldId="362"/>
-        </pc:sldMkLst>
-        <pc:spChg chg="mod ord">
-          <ac:chgData name="Vissapragada,Sai Tejaswee" userId="S::s545438@nwmissouri.edu::ac5152bd-e08b-42ef-87f5-6857be20e85f" providerId="AD" clId="Web-{A8C22E62-5AA5-483F-A10E-5EB0B6850044}" dt="2022-10-14T14:54:02.291" v="189"/>
-          <ac:spMkLst>
-            <pc:docMk/>
-            <pc:sldMk cId="3128748201" sldId="362"/>
-            <ac:spMk id="2" creationId="{6F6EC735-A4DA-28E0-5532-FBE50F8A1D8A}"/>
-          </ac:spMkLst>
-        </pc:spChg>
-        <pc:spChg chg="mod ord">
-          <ac:chgData name="Vissapragada,Sai Tejaswee" userId="S::s545438@nwmissouri.edu::ac5152bd-e08b-42ef-87f5-6857be20e85f" providerId="AD" clId="Web-{A8C22E62-5AA5-483F-A10E-5EB0B6850044}" dt="2022-10-14T14:54:02.291" v="189"/>
-          <ac:spMkLst>
-            <pc:docMk/>
-            <pc:sldMk cId="3128748201" sldId="362"/>
-            <ac:spMk id="3" creationId="{EBA700B0-EE6F-549E-CF17-345BC994A623}"/>
-          </ac:spMkLst>
-        </pc:spChg>
-        <pc:spChg chg="del mod ord">
-          <ac:chgData name="Vissapragada,Sai Tejaswee" userId="S::s545438@nwmissouri.edu::ac5152bd-e08b-42ef-87f5-6857be20e85f" providerId="AD" clId="Web-{A8C22E62-5AA5-483F-A10E-5EB0B6850044}" dt="2022-10-14T15:09:20.420" v="289"/>
-          <ac:spMkLst>
-            <pc:docMk/>
-            <pc:sldMk cId="3128748201" sldId="362"/>
-            <ac:spMk id="4" creationId="{F09C8ABB-92DC-7D4D-703A-6645A2A6F037}"/>
-          </ac:spMkLst>
-        </pc:spChg>
-      </pc:sldChg>
-      <pc:sldChg chg="delSp modSp mod modClrScheme chgLayout">
-        <pc:chgData name="Vissapragada,Sai Tejaswee" userId="S::s545438@nwmissouri.edu::ac5152bd-e08b-42ef-87f5-6857be20e85f" providerId="AD" clId="Web-{A8C22E62-5AA5-483F-A10E-5EB0B6850044}" dt="2022-10-14T15:59:36.890" v="467" actId="20577"/>
-        <pc:sldMkLst>
-          <pc:docMk/>
-          <pc:sldMk cId="2423198090" sldId="363"/>
-        </pc:sldMkLst>
-        <pc:spChg chg="mod ord">
-          <ac:chgData name="Vissapragada,Sai Tejaswee" userId="S::s545438@nwmissouri.edu::ac5152bd-e08b-42ef-87f5-6857be20e85f" providerId="AD" clId="Web-{A8C22E62-5AA5-483F-A10E-5EB0B6850044}" dt="2022-10-14T14:54:02.291" v="189"/>
-          <ac:spMkLst>
-            <pc:docMk/>
-            <pc:sldMk cId="2423198090" sldId="363"/>
-            <ac:spMk id="2" creationId="{D410B586-2A06-5C9A-314A-C3DDBE0097DE}"/>
-          </ac:spMkLst>
-        </pc:spChg>
-        <pc:spChg chg="mod ord">
-          <ac:chgData name="Vissapragada,Sai Tejaswee" userId="S::s545438@nwmissouri.edu::ac5152bd-e08b-42ef-87f5-6857be20e85f" providerId="AD" clId="Web-{A8C22E62-5AA5-483F-A10E-5EB0B6850044}" dt="2022-10-14T15:59:36.890" v="467" actId="20577"/>
-          <ac:spMkLst>
-            <pc:docMk/>
-            <pc:sldMk cId="2423198090" sldId="363"/>
-            <ac:spMk id="3" creationId="{3C27D1C7-E779-949F-4B8F-5A301D08E902}"/>
-          </ac:spMkLst>
-        </pc:spChg>
-        <pc:spChg chg="del mod ord">
-          <ac:chgData name="Vissapragada,Sai Tejaswee" userId="S::s545438@nwmissouri.edu::ac5152bd-e08b-42ef-87f5-6857be20e85f" providerId="AD" clId="Web-{A8C22E62-5AA5-483F-A10E-5EB0B6850044}" dt="2022-10-14T15:09:12.607" v="288"/>
-          <ac:spMkLst>
-            <pc:docMk/>
-            <pc:sldMk cId="2423198090" sldId="363"/>
-            <ac:spMk id="4" creationId="{6C4ABEAF-5E95-D7AB-7B2F-F5AD8C35B370}"/>
-          </ac:spMkLst>
-        </pc:spChg>
-      </pc:sldChg>
-      <pc:sldChg chg="delSp modSp mod modClrScheme chgLayout">
-        <pc:chgData name="Vissapragada,Sai Tejaswee" userId="S::s545438@nwmissouri.edu::ac5152bd-e08b-42ef-87f5-6857be20e85f" providerId="AD" clId="Web-{A8C22E62-5AA5-483F-A10E-5EB0B6850044}" dt="2022-10-14T15:09:51.171" v="298" actId="20577"/>
-        <pc:sldMkLst>
-          <pc:docMk/>
-          <pc:sldMk cId="2459341095" sldId="364"/>
-        </pc:sldMkLst>
-        <pc:spChg chg="mod ord">
-          <ac:chgData name="Vissapragada,Sai Tejaswee" userId="S::s545438@nwmissouri.edu::ac5152bd-e08b-42ef-87f5-6857be20e85f" providerId="AD" clId="Web-{A8C22E62-5AA5-483F-A10E-5EB0B6850044}" dt="2022-10-14T14:54:02.291" v="189"/>
-          <ac:spMkLst>
-            <pc:docMk/>
-            <pc:sldMk cId="2459341095" sldId="364"/>
-            <ac:spMk id="2" creationId="{DC980566-5AA5-75AE-3878-F3B8B65B360F}"/>
-          </ac:spMkLst>
-        </pc:spChg>
-        <pc:spChg chg="mod ord">
-          <ac:chgData name="Vissapragada,Sai Tejaswee" userId="S::s545438@nwmissouri.edu::ac5152bd-e08b-42ef-87f5-6857be20e85f" providerId="AD" clId="Web-{A8C22E62-5AA5-483F-A10E-5EB0B6850044}" dt="2022-10-14T15:09:51.171" v="298" actId="20577"/>
-          <ac:spMkLst>
-            <pc:docMk/>
-            <pc:sldMk cId="2459341095" sldId="364"/>
-            <ac:spMk id="3" creationId="{386E58DB-AF1A-2DF3-7CF6-71CAE99743B8}"/>
-          </ac:spMkLst>
-        </pc:spChg>
-        <pc:spChg chg="del mod ord">
-          <ac:chgData name="Vissapragada,Sai Tejaswee" userId="S::s545438@nwmissouri.edu::ac5152bd-e08b-42ef-87f5-6857be20e85f" providerId="AD" clId="Web-{A8C22E62-5AA5-483F-A10E-5EB0B6850044}" dt="2022-10-14T15:09:27.764" v="290"/>
-          <ac:spMkLst>
-            <pc:docMk/>
-            <pc:sldMk cId="2459341095" sldId="364"/>
-            <ac:spMk id="4" creationId="{07793932-1B44-9BA4-21C6-7C6863E8F3FF}"/>
-          </ac:spMkLst>
-        </pc:spChg>
-      </pc:sldChg>
-      <pc:sldChg chg="delSp modSp mod modClrScheme chgLayout">
-        <pc:chgData name="Vissapragada,Sai Tejaswee" userId="S::s545438@nwmissouri.edu::ac5152bd-e08b-42ef-87f5-6857be20e85f" providerId="AD" clId="Web-{A8C22E62-5AA5-483F-A10E-5EB0B6850044}" dt="2022-10-14T15:32:30.043" v="348" actId="20577"/>
-        <pc:sldMkLst>
-          <pc:docMk/>
-          <pc:sldMk cId="1168084508" sldId="365"/>
-        </pc:sldMkLst>
-        <pc:spChg chg="mod ord">
-          <ac:chgData name="Vissapragada,Sai Tejaswee" userId="S::s545438@nwmissouri.edu::ac5152bd-e08b-42ef-87f5-6857be20e85f" providerId="AD" clId="Web-{A8C22E62-5AA5-483F-A10E-5EB0B6850044}" dt="2022-10-14T15:01:41.301" v="254" actId="20577"/>
-          <ac:spMkLst>
-            <pc:docMk/>
-            <pc:sldMk cId="1168084508" sldId="365"/>
-            <ac:spMk id="2" creationId="{0A99E831-0FE4-BBC0-F1D0-9F150956F9CB}"/>
-          </ac:spMkLst>
-        </pc:spChg>
-        <pc:spChg chg="mod ord">
-          <ac:chgData name="Vissapragada,Sai Tejaswee" userId="S::s545438@nwmissouri.edu::ac5152bd-e08b-42ef-87f5-6857be20e85f" providerId="AD" clId="Web-{A8C22E62-5AA5-483F-A10E-5EB0B6850044}" dt="2022-10-14T15:32:30.043" v="348" actId="20577"/>
-          <ac:spMkLst>
-            <pc:docMk/>
-            <pc:sldMk cId="1168084508" sldId="365"/>
-            <ac:spMk id="3" creationId="{3CC905E3-3707-BA22-DDB9-9FF9CDFDF532}"/>
-          </ac:spMkLst>
-        </pc:spChg>
-        <pc:spChg chg="del mod ord">
-          <ac:chgData name="Vissapragada,Sai Tejaswee" userId="S::s545438@nwmissouri.edu::ac5152bd-e08b-42ef-87f5-6857be20e85f" providerId="AD" clId="Web-{A8C22E62-5AA5-483F-A10E-5EB0B6850044}" dt="2022-10-14T15:10:21.124" v="301"/>
-          <ac:spMkLst>
-            <pc:docMk/>
-            <pc:sldMk cId="1168084508" sldId="365"/>
-            <ac:spMk id="4" creationId="{9325BA59-088F-F932-168B-94207CA13343}"/>
-          </ac:spMkLst>
-        </pc:spChg>
-      </pc:sldChg>
-      <pc:sldChg chg="delSp modSp mod modClrScheme delDesignElem chgLayout">
-        <pc:chgData name="Vissapragada,Sai Tejaswee" userId="S::s545438@nwmissouri.edu::ac5152bd-e08b-42ef-87f5-6857be20e85f" providerId="AD" clId="Web-{A8C22E62-5AA5-483F-A10E-5EB0B6850044}" dt="2022-10-14T15:32:20.012" v="346" actId="20577"/>
-        <pc:sldMkLst>
-          <pc:docMk/>
-          <pc:sldMk cId="1837471576" sldId="366"/>
-        </pc:sldMkLst>
-        <pc:spChg chg="mod ord">
-          <ac:chgData name="Vissapragada,Sai Tejaswee" userId="S::s545438@nwmissouri.edu::ac5152bd-e08b-42ef-87f5-6857be20e85f" providerId="AD" clId="Web-{A8C22E62-5AA5-483F-A10E-5EB0B6850044}" dt="2022-10-14T14:54:02.291" v="189"/>
-          <ac:spMkLst>
-            <pc:docMk/>
-            <pc:sldMk cId="1837471576" sldId="366"/>
-            <ac:spMk id="2" creationId="{699FDC42-B1C1-8EF3-24EB-74E32AB17A6B}"/>
-          </ac:spMkLst>
-        </pc:spChg>
-        <pc:spChg chg="mod ord">
-          <ac:chgData name="Vissapragada,Sai Tejaswee" userId="S::s545438@nwmissouri.edu::ac5152bd-e08b-42ef-87f5-6857be20e85f" providerId="AD" clId="Web-{A8C22E62-5AA5-483F-A10E-5EB0B6850044}" dt="2022-10-14T15:32:20.012" v="346" actId="20577"/>
-          <ac:spMkLst>
-            <pc:docMk/>
-            <pc:sldMk cId="1837471576" sldId="366"/>
-            <ac:spMk id="3" creationId="{A8E34014-DCF4-FA40-FD67-BBA08040D734}"/>
-          </ac:spMkLst>
-        </pc:spChg>
-        <pc:spChg chg="del mod ord">
-          <ac:chgData name="Vissapragada,Sai Tejaswee" userId="S::s545438@nwmissouri.edu::ac5152bd-e08b-42ef-87f5-6857be20e85f" providerId="AD" clId="Web-{A8C22E62-5AA5-483F-A10E-5EB0B6850044}" dt="2022-10-14T15:10:14.749" v="300"/>
-          <ac:spMkLst>
-            <pc:docMk/>
-            <pc:sldMk cId="1837471576" sldId="366"/>
-            <ac:spMk id="4" creationId="{1D8F33DF-6D51-678F-B93A-CFECC5B6B34B}"/>
-          </ac:spMkLst>
-        </pc:spChg>
-        <pc:spChg chg="del">
-          <ac:chgData name="Vissapragada,Sai Tejaswee" userId="S::s545438@nwmissouri.edu::ac5152bd-e08b-42ef-87f5-6857be20e85f" providerId="AD" clId="Web-{A8C22E62-5AA5-483F-A10E-5EB0B6850044}" dt="2022-10-14T14:54:02.291" v="189"/>
-          <ac:spMkLst>
-            <pc:docMk/>
-            <pc:sldMk cId="1837471576" sldId="366"/>
-            <ac:spMk id="37" creationId="{5E39A796-BE83-48B1-B33F-35C4A32AAB57}"/>
-          </ac:spMkLst>
-        </pc:spChg>
-        <pc:spChg chg="del">
-          <ac:chgData name="Vissapragada,Sai Tejaswee" userId="S::s545438@nwmissouri.edu::ac5152bd-e08b-42ef-87f5-6857be20e85f" providerId="AD" clId="Web-{A8C22E62-5AA5-483F-A10E-5EB0B6850044}" dt="2022-10-14T14:54:02.291" v="189"/>
-          <ac:spMkLst>
-            <pc:docMk/>
-            <pc:sldMk cId="1837471576" sldId="366"/>
-            <ac:spMk id="38" creationId="{72F84B47-E267-4194-8194-831DB7B5547F}"/>
-          </ac:spMkLst>
-        </pc:spChg>
-      </pc:sldChg>
-      <pc:sldChg chg="delSp modSp mod modClrScheme chgLayout">
-        <pc:chgData name="Vissapragada,Sai Tejaswee" userId="S::s545438@nwmissouri.edu::ac5152bd-e08b-42ef-87f5-6857be20e85f" providerId="AD" clId="Web-{A8C22E62-5AA5-483F-A10E-5EB0B6850044}" dt="2022-10-14T15:28:27.225" v="330" actId="20577"/>
-        <pc:sldMkLst>
-          <pc:docMk/>
-          <pc:sldMk cId="2698460313" sldId="368"/>
-        </pc:sldMkLst>
-        <pc:spChg chg="mod ord">
-          <ac:chgData name="Vissapragada,Sai Tejaswee" userId="S::s545438@nwmissouri.edu::ac5152bd-e08b-42ef-87f5-6857be20e85f" providerId="AD" clId="Web-{A8C22E62-5AA5-483F-A10E-5EB0B6850044}" dt="2022-10-14T15:02:58.271" v="256" actId="20577"/>
-          <ac:spMkLst>
-            <pc:docMk/>
-            <pc:sldMk cId="2698460313" sldId="368"/>
-            <ac:spMk id="2" creationId="{57E92D1A-143E-A8D1-5650-23C53F336A3A}"/>
-          </ac:spMkLst>
-        </pc:spChg>
-        <pc:spChg chg="mod ord">
-          <ac:chgData name="Vissapragada,Sai Tejaswee" userId="S::s545438@nwmissouri.edu::ac5152bd-e08b-42ef-87f5-6857be20e85f" providerId="AD" clId="Web-{A8C22E62-5AA5-483F-A10E-5EB0B6850044}" dt="2022-10-14T15:28:27.225" v="330" actId="20577"/>
-          <ac:spMkLst>
-            <pc:docMk/>
-            <pc:sldMk cId="2698460313" sldId="368"/>
-            <ac:spMk id="3" creationId="{0485A877-B7E7-764E-DB9E-520F12AC7E8A}"/>
-          </ac:spMkLst>
-        </pc:spChg>
-        <pc:spChg chg="del mod ord">
-          <ac:chgData name="Vissapragada,Sai Tejaswee" userId="S::s545438@nwmissouri.edu::ac5152bd-e08b-42ef-87f5-6857be20e85f" providerId="AD" clId="Web-{A8C22E62-5AA5-483F-A10E-5EB0B6850044}" dt="2022-10-14T15:09:06.748" v="287"/>
-          <ac:spMkLst>
-            <pc:docMk/>
-            <pc:sldMk cId="2698460313" sldId="368"/>
-            <ac:spMk id="4" creationId="{E21CBC94-1453-F549-F5A2-F9CA55491551}"/>
-          </ac:spMkLst>
-        </pc:spChg>
-      </pc:sldChg>
-      <pc:sldChg chg="delSp modSp mod modClrScheme chgLayout">
-        <pc:chgData name="Vissapragada,Sai Tejaswee" userId="S::s545438@nwmissouri.edu::ac5152bd-e08b-42ef-87f5-6857be20e85f" providerId="AD" clId="Web-{A8C22E62-5AA5-483F-A10E-5EB0B6850044}" dt="2022-10-14T15:32:09.464" v="345" actId="20577"/>
-        <pc:sldMkLst>
-          <pc:docMk/>
-          <pc:sldMk cId="3832482965" sldId="369"/>
-        </pc:sldMkLst>
-        <pc:spChg chg="mod ord">
-          <ac:chgData name="Vissapragada,Sai Tejaswee" userId="S::s545438@nwmissouri.edu::ac5152bd-e08b-42ef-87f5-6857be20e85f" providerId="AD" clId="Web-{A8C22E62-5AA5-483F-A10E-5EB0B6850044}" dt="2022-10-14T15:32:09.464" v="345" actId="20577"/>
-          <ac:spMkLst>
-            <pc:docMk/>
-            <pc:sldMk cId="3832482965" sldId="369"/>
-            <ac:spMk id="3" creationId="{ABC53B28-A702-CB39-14D5-C5D93E4EE12D}"/>
-          </ac:spMkLst>
-        </pc:spChg>
-        <pc:spChg chg="del mod ord">
-          <ac:chgData name="Vissapragada,Sai Tejaswee" userId="S::s545438@nwmissouri.edu::ac5152bd-e08b-42ef-87f5-6857be20e85f" providerId="AD" clId="Web-{A8C22E62-5AA5-483F-A10E-5EB0B6850044}" dt="2022-10-14T15:10:08.093" v="299"/>
-          <ac:spMkLst>
-            <pc:docMk/>
-            <pc:sldMk cId="3832482965" sldId="369"/>
-            <ac:spMk id="4" creationId="{2FE6C971-314E-93BC-7657-03293E5B84A6}"/>
-          </ac:spMkLst>
-        </pc:spChg>
-      </pc:sldChg>
-      <pc:sldChg chg="delSp modSp mod modClrScheme delDesignElem chgLayout">
-        <pc:chgData name="Vissapragada,Sai Tejaswee" userId="S::s545438@nwmissouri.edu::ac5152bd-e08b-42ef-87f5-6857be20e85f" providerId="AD" clId="Web-{A8C22E62-5AA5-483F-A10E-5EB0B6850044}" dt="2022-10-14T14:54:33.308" v="194" actId="20577"/>
-        <pc:sldMkLst>
-          <pc:docMk/>
-          <pc:sldMk cId="437098969" sldId="370"/>
-        </pc:sldMkLst>
-        <pc:spChg chg="mod ord">
-          <ac:chgData name="Vissapragada,Sai Tejaswee" userId="S::s545438@nwmissouri.edu::ac5152bd-e08b-42ef-87f5-6857be20e85f" providerId="AD" clId="Web-{A8C22E62-5AA5-483F-A10E-5EB0B6850044}" dt="2022-10-14T14:54:33.308" v="194" actId="20577"/>
-          <ac:spMkLst>
-            <pc:docMk/>
-            <pc:sldMk cId="437098969" sldId="370"/>
-            <ac:spMk id="2" creationId="{A8723335-4D01-C533-AC17-BB39BC5E4AB8}"/>
-          </ac:spMkLst>
-        </pc:spChg>
-        <pc:spChg chg="mod ord">
-          <ac:chgData name="Vissapragada,Sai Tejaswee" userId="S::s545438@nwmissouri.edu::ac5152bd-e08b-42ef-87f5-6857be20e85f" providerId="AD" clId="Web-{A8C22E62-5AA5-483F-A10E-5EB0B6850044}" dt="2022-10-14T14:54:02.291" v="189"/>
-          <ac:spMkLst>
-            <pc:docMk/>
-            <pc:sldMk cId="437098969" sldId="370"/>
-            <ac:spMk id="3" creationId="{2717A627-2709-3E6E-A10A-905A446CF39D}"/>
-          </ac:spMkLst>
-        </pc:spChg>
-        <pc:spChg chg="mod ord">
-          <ac:chgData name="Vissapragada,Sai Tejaswee" userId="S::s545438@nwmissouri.edu::ac5152bd-e08b-42ef-87f5-6857be20e85f" providerId="AD" clId="Web-{A8C22E62-5AA5-483F-A10E-5EB0B6850044}" dt="2022-10-14T14:54:02.291" v="189"/>
-          <ac:spMkLst>
-            <pc:docMk/>
-            <pc:sldMk cId="437098969" sldId="370"/>
-            <ac:spMk id="4" creationId="{5A0C8046-7569-8FB5-356C-E4DB27FB3CE6}"/>
-          </ac:spMkLst>
-        </pc:spChg>
-        <pc:spChg chg="del">
-          <ac:chgData name="Vissapragada,Sai Tejaswee" userId="S::s545438@nwmissouri.edu::ac5152bd-e08b-42ef-87f5-6857be20e85f" providerId="AD" clId="Web-{A8C22E62-5AA5-483F-A10E-5EB0B6850044}" dt="2022-10-14T14:54:02.291" v="189"/>
-          <ac:spMkLst>
-            <pc:docMk/>
-            <pc:sldMk cId="437098969" sldId="370"/>
-            <ac:spMk id="17" creationId="{3346177D-ADC4-4968-B747-5CFCD390B5B9}"/>
-          </ac:spMkLst>
-        </pc:spChg>
-        <pc:spChg chg="del">
-          <ac:chgData name="Vissapragada,Sai Tejaswee" userId="S::s545438@nwmissouri.edu::ac5152bd-e08b-42ef-87f5-6857be20e85f" providerId="AD" clId="Web-{A8C22E62-5AA5-483F-A10E-5EB0B6850044}" dt="2022-10-14T14:54:02.291" v="189"/>
-          <ac:spMkLst>
-            <pc:docMk/>
-            <pc:sldMk cId="437098969" sldId="370"/>
-            <ac:spMk id="19" creationId="{0844A943-BF79-4FEA-ABB1-3BD54D236606}"/>
-          </ac:spMkLst>
-        </pc:spChg>
-        <pc:spChg chg="del">
-          <ac:chgData name="Vissapragada,Sai Tejaswee" userId="S::s545438@nwmissouri.edu::ac5152bd-e08b-42ef-87f5-6857be20e85f" providerId="AD" clId="Web-{A8C22E62-5AA5-483F-A10E-5EB0B6850044}" dt="2022-10-14T14:54:02.291" v="189"/>
-          <ac:spMkLst>
-            <pc:docMk/>
-            <pc:sldMk cId="437098969" sldId="370"/>
-            <ac:spMk id="21" creationId="{6437CC72-F4A8-4DC3-AFAB-D22C482C8100}"/>
-          </ac:spMkLst>
-        </pc:spChg>
-        <pc:picChg chg="mod">
-          <ac:chgData name="Vissapragada,Sai Tejaswee" userId="S::s545438@nwmissouri.edu::ac5152bd-e08b-42ef-87f5-6857be20e85f" providerId="AD" clId="Web-{A8C22E62-5AA5-483F-A10E-5EB0B6850044}" dt="2022-10-14T14:54:15.635" v="190" actId="1076"/>
-          <ac:picMkLst>
-            <pc:docMk/>
-            <pc:sldMk cId="437098969" sldId="370"/>
-            <ac:picMk id="5" creationId="{8BC2E01F-BB52-CA40-F63F-63DFB1D2B6F5}"/>
-          </ac:picMkLst>
-        </pc:picChg>
-      </pc:sldChg>
-      <pc:sldChg chg="delSp modSp mod modClrScheme chgLayout">
-        <pc:chgData name="Vissapragada,Sai Tejaswee" userId="S::s545438@nwmissouri.edu::ac5152bd-e08b-42ef-87f5-6857be20e85f" providerId="AD" clId="Web-{A8C22E62-5AA5-483F-A10E-5EB0B6850044}" dt="2022-10-14T15:46:32.264" v="463" actId="20577"/>
-        <pc:sldMkLst>
-          <pc:docMk/>
-          <pc:sldMk cId="884823026" sldId="371"/>
-        </pc:sldMkLst>
-        <pc:spChg chg="mod ord">
-          <ac:chgData name="Vissapragada,Sai Tejaswee" userId="S::s545438@nwmissouri.edu::ac5152bd-e08b-42ef-87f5-6857be20e85f" providerId="AD" clId="Web-{A8C22E62-5AA5-483F-A10E-5EB0B6850044}" dt="2022-10-14T15:46:32.264" v="463" actId="20577"/>
-          <ac:spMkLst>
-            <pc:docMk/>
-            <pc:sldMk cId="884823026" sldId="371"/>
-            <ac:spMk id="3" creationId="{1CE5B5B3-F968-7176-817F-D2DECAB3BFC0}"/>
-          </ac:spMkLst>
-        </pc:spChg>
-        <pc:spChg chg="del mod ord">
-          <ac:chgData name="Vissapragada,Sai Tejaswee" userId="S::s545438@nwmissouri.edu::ac5152bd-e08b-42ef-87f5-6857be20e85f" providerId="AD" clId="Web-{A8C22E62-5AA5-483F-A10E-5EB0B6850044}" dt="2022-10-14T15:08:06.668" v="280"/>
-          <ac:spMkLst>
-            <pc:docMk/>
-            <pc:sldMk cId="884823026" sldId="371"/>
-            <ac:spMk id="4" creationId="{E3A7E43B-9E7A-B4A6-17AC-16297ABC4F50}"/>
-          </ac:spMkLst>
-        </pc:spChg>
-      </pc:sldChg>
-      <pc:sldChg chg="modSp">
-        <pc:chgData name="Vissapragada,Sai Tejaswee" userId="S::s545438@nwmissouri.edu::ac5152bd-e08b-42ef-87f5-6857be20e85f" providerId="AD" clId="Web-{A8C22E62-5AA5-483F-A10E-5EB0B6850044}" dt="2022-10-14T15:59:45.390" v="468" actId="20577"/>
-        <pc:sldMkLst>
-          <pc:docMk/>
-          <pc:sldMk cId="3017103360" sldId="372"/>
-        </pc:sldMkLst>
-        <pc:spChg chg="mod">
-          <ac:chgData name="Vissapragada,Sai Tejaswee" userId="S::s545438@nwmissouri.edu::ac5152bd-e08b-42ef-87f5-6857be20e85f" providerId="AD" clId="Web-{A8C22E62-5AA5-483F-A10E-5EB0B6850044}" dt="2022-10-14T15:15:02.162" v="310" actId="20577"/>
-          <ac:spMkLst>
-            <pc:docMk/>
-            <pc:sldMk cId="3017103360" sldId="372"/>
-            <ac:spMk id="2" creationId="{9B203523-CF4E-5660-E239-E185D27F83C7}"/>
-          </ac:spMkLst>
-        </pc:spChg>
-        <pc:spChg chg="mod">
-          <ac:chgData name="Vissapragada,Sai Tejaswee" userId="S::s545438@nwmissouri.edu::ac5152bd-e08b-42ef-87f5-6857be20e85f" providerId="AD" clId="Web-{A8C22E62-5AA5-483F-A10E-5EB0B6850044}" dt="2022-10-14T15:59:45.390" v="468" actId="20577"/>
-          <ac:spMkLst>
-            <pc:docMk/>
-            <pc:sldMk cId="3017103360" sldId="372"/>
-            <ac:spMk id="3" creationId="{0E3D6556-A722-02BE-F336-6B448678512B}"/>
-          </ac:spMkLst>
-        </pc:spChg>
-      </pc:sldChg>
-      <pc:sldChg chg="modSp">
-        <pc:chgData name="Vissapragada,Sai Tejaswee" userId="S::s545438@nwmissouri.edu::ac5152bd-e08b-42ef-87f5-6857be20e85f" providerId="AD" clId="Web-{A8C22E62-5AA5-483F-A10E-5EB0B6850044}" dt="2022-10-14T15:30:19.165" v="336" actId="20577"/>
-        <pc:sldMkLst>
-          <pc:docMk/>
-          <pc:sldMk cId="3360226570" sldId="373"/>
-        </pc:sldMkLst>
-        <pc:spChg chg="mod">
-          <ac:chgData name="Vissapragada,Sai Tejaswee" userId="S::s545438@nwmissouri.edu::ac5152bd-e08b-42ef-87f5-6857be20e85f" providerId="AD" clId="Web-{A8C22E62-5AA5-483F-A10E-5EB0B6850044}" dt="2022-10-14T15:02:42.693" v="255" actId="20577"/>
-          <ac:spMkLst>
-            <pc:docMk/>
-            <pc:sldMk cId="3360226570" sldId="373"/>
-            <ac:spMk id="2" creationId="{C70D7201-9327-5D3D-7F01-45617E65561E}"/>
-          </ac:spMkLst>
-        </pc:spChg>
-        <pc:spChg chg="mod">
-          <ac:chgData name="Vissapragada,Sai Tejaswee" userId="S::s545438@nwmissouri.edu::ac5152bd-e08b-42ef-87f5-6857be20e85f" providerId="AD" clId="Web-{A8C22E62-5AA5-483F-A10E-5EB0B6850044}" dt="2022-10-14T15:30:19.165" v="336" actId="20577"/>
-          <ac:spMkLst>
-            <pc:docMk/>
-            <pc:sldMk cId="3360226570" sldId="373"/>
-            <ac:spMk id="3" creationId="{479AB6C6-DF7C-4F0A-419D-EED753033418}"/>
-          </ac:spMkLst>
-        </pc:spChg>
-      </pc:sldChg>
-      <pc:sldChg chg="modSp">
-        <pc:chgData name="Vissapragada,Sai Tejaswee" userId="S::s545438@nwmissouri.edu::ac5152bd-e08b-42ef-87f5-6857be20e85f" providerId="AD" clId="Web-{A8C22E62-5AA5-483F-A10E-5EB0B6850044}" dt="2022-10-14T15:04:19.429" v="278" actId="20577"/>
-        <pc:sldMkLst>
-          <pc:docMk/>
-          <pc:sldMk cId="1614585721" sldId="374"/>
-        </pc:sldMkLst>
-        <pc:spChg chg="mod">
-          <ac:chgData name="Vissapragada,Sai Tejaswee" userId="S::s545438@nwmissouri.edu::ac5152bd-e08b-42ef-87f5-6857be20e85f" providerId="AD" clId="Web-{A8C22E62-5AA5-483F-A10E-5EB0B6850044}" dt="2022-10-14T15:04:19.429" v="278" actId="20577"/>
-          <ac:spMkLst>
-            <pc:docMk/>
-            <pc:sldMk cId="1614585721" sldId="374"/>
-            <ac:spMk id="2" creationId="{0F872AB6-0F89-8C23-9855-C08AB0E40A22}"/>
-          </ac:spMkLst>
-        </pc:spChg>
-      </pc:sldChg>
-      <pc:sldChg chg="modSp">
-        <pc:chgData name="Vissapragada,Sai Tejaswee" userId="S::s545438@nwmissouri.edu::ac5152bd-e08b-42ef-87f5-6857be20e85f" providerId="AD" clId="Web-{A8C22E62-5AA5-483F-A10E-5EB0B6850044}" dt="2022-10-14T15:40:20.272" v="358" actId="20577"/>
-        <pc:sldMkLst>
-          <pc:docMk/>
-          <pc:sldMk cId="4113795527" sldId="375"/>
-        </pc:sldMkLst>
-        <pc:spChg chg="mod">
-          <ac:chgData name="Vissapragada,Sai Tejaswee" userId="S::s545438@nwmissouri.edu::ac5152bd-e08b-42ef-87f5-6857be20e85f" providerId="AD" clId="Web-{A8C22E62-5AA5-483F-A10E-5EB0B6850044}" dt="2022-10-14T15:40:20.272" v="358" actId="20577"/>
-          <ac:spMkLst>
-            <pc:docMk/>
-            <pc:sldMk cId="4113795527" sldId="375"/>
-            <ac:spMk id="2" creationId="{7AC27030-194D-1EF6-AC29-5F692AEB8181}"/>
-          </ac:spMkLst>
-        </pc:spChg>
-        <pc:spChg chg="mod">
-          <ac:chgData name="Vissapragada,Sai Tejaswee" userId="S::s545438@nwmissouri.edu::ac5152bd-e08b-42ef-87f5-6857be20e85f" providerId="AD" clId="Web-{A8C22E62-5AA5-483F-A10E-5EB0B6850044}" dt="2022-10-14T15:31:37.057" v="343" actId="20577"/>
-          <ac:spMkLst>
-            <pc:docMk/>
-            <pc:sldMk cId="4113795527" sldId="375"/>
-            <ac:spMk id="3" creationId="{7CAED4AF-0819-0D07-042B-3BC87CBC8010}"/>
-          </ac:spMkLst>
-        </pc:spChg>
-      </pc:sldChg>
-      <pc:sldChg chg="modSp add">
-        <pc:chgData name="Vissapragada,Sai Tejaswee" userId="S::s545438@nwmissouri.edu::ac5152bd-e08b-42ef-87f5-6857be20e85f" providerId="AD" clId="Web-{A8C22E62-5AA5-483F-A10E-5EB0B6850044}" dt="2022-10-14T16:07:04.181" v="472" actId="20577"/>
-        <pc:sldMkLst>
-          <pc:docMk/>
-          <pc:sldMk cId="659270591" sldId="376"/>
-        </pc:sldMkLst>
-        <pc:spChg chg="mod">
-          <ac:chgData name="Vissapragada,Sai Tejaswee" userId="S::s545438@nwmissouri.edu::ac5152bd-e08b-42ef-87f5-6857be20e85f" providerId="AD" clId="Web-{A8C22E62-5AA5-483F-A10E-5EB0B6850044}" dt="2022-10-14T16:07:04.181" v="472" actId="20577"/>
-          <ac:spMkLst>
-            <pc:docMk/>
-            <pc:sldMk cId="659270591" sldId="376"/>
-            <ac:spMk id="3" creationId="{00000000-0000-0000-0000-000000000000}"/>
-          </ac:spMkLst>
-        </pc:spChg>
-      </pc:sldChg>
-      <pc:sldChg chg="modSp add">
-        <pc:chgData name="Vissapragada,Sai Tejaswee" userId="S::s545438@nwmissouri.edu::ac5152bd-e08b-42ef-87f5-6857be20e85f" providerId="AD" clId="Web-{A8C22E62-5AA5-483F-A10E-5EB0B6850044}" dt="2022-10-14T16:08:27.245" v="491" actId="1076"/>
-        <pc:sldMkLst>
-          <pc:docMk/>
-          <pc:sldMk cId="824242017" sldId="377"/>
-        </pc:sldMkLst>
-        <pc:spChg chg="mod">
-          <ac:chgData name="Vissapragada,Sai Tejaswee" userId="S::s545438@nwmissouri.edu::ac5152bd-e08b-42ef-87f5-6857be20e85f" providerId="AD" clId="Web-{A8C22E62-5AA5-483F-A10E-5EB0B6850044}" dt="2022-10-14T16:08:27.245" v="491" actId="1076"/>
-          <ac:spMkLst>
-            <pc:docMk/>
-            <pc:sldMk cId="824242017" sldId="377"/>
-            <ac:spMk id="15" creationId="{F6ECBACC-0B57-3040-504E-48379878B34E}"/>
-          </ac:spMkLst>
-        </pc:spChg>
-        <pc:spChg chg="mod">
-          <ac:chgData name="Vissapragada,Sai Tejaswee" userId="S::s545438@nwmissouri.edu::ac5152bd-e08b-42ef-87f5-6857be20e85f" providerId="AD" clId="Web-{A8C22E62-5AA5-483F-A10E-5EB0B6850044}" dt="2022-10-14T15:29:55.883" v="334" actId="20577"/>
-          <ac:spMkLst>
-            <pc:docMk/>
-            <pc:sldMk cId="824242017" sldId="377"/>
-            <ac:spMk id="18" creationId="{0D575FF4-A0A5-5D5F-E422-A3C3DF894EF5}"/>
-          </ac:spMkLst>
-        </pc:spChg>
-      </pc:sldChg>
-      <pc:sldChg chg="addSp delSp modSp add">
-        <pc:chgData name="Vissapragada,Sai Tejaswee" userId="S::s545438@nwmissouri.edu::ac5152bd-e08b-42ef-87f5-6857be20e85f" providerId="AD" clId="Web-{A8C22E62-5AA5-483F-A10E-5EB0B6850044}" dt="2022-10-14T15:24:37.267" v="328" actId="20577"/>
-        <pc:sldMkLst>
-          <pc:docMk/>
-          <pc:sldMk cId="3225898199" sldId="378"/>
-        </pc:sldMkLst>
-        <pc:spChg chg="del">
-          <ac:chgData name="Vissapragada,Sai Tejaswee" userId="S::s545438@nwmissouri.edu::ac5152bd-e08b-42ef-87f5-6857be20e85f" providerId="AD" clId="Web-{A8C22E62-5AA5-483F-A10E-5EB0B6850044}" dt="2022-10-14T15:23:36.782" v="321"/>
-          <ac:spMkLst>
-            <pc:docMk/>
-            <pc:sldMk cId="3225898199" sldId="378"/>
-            <ac:spMk id="2" creationId="{C841DDDB-09FE-0770-F467-1A6644329CFC}"/>
-          </ac:spMkLst>
-        </pc:spChg>
-        <pc:spChg chg="mod">
-          <ac:chgData name="Vissapragada,Sai Tejaswee" userId="S::s545438@nwmissouri.edu::ac5152bd-e08b-42ef-87f5-6857be20e85f" providerId="AD" clId="Web-{A8C22E62-5AA5-483F-A10E-5EB0B6850044}" dt="2022-10-14T15:24:37.267" v="328" actId="20577"/>
-          <ac:spMkLst>
-            <pc:docMk/>
-            <pc:sldMk cId="3225898199" sldId="378"/>
-            <ac:spMk id="3" creationId="{627AC61C-9393-097F-8278-A135703BB589}"/>
-          </ac:spMkLst>
-        </pc:spChg>
-        <pc:spChg chg="add del mod">
-          <ac:chgData name="Vissapragada,Sai Tejaswee" userId="S::s545438@nwmissouri.edu::ac5152bd-e08b-42ef-87f5-6857be20e85f" providerId="AD" clId="Web-{A8C22E62-5AA5-483F-A10E-5EB0B6850044}" dt="2022-10-14T15:23:40.344" v="322"/>
-          <ac:spMkLst>
-            <pc:docMk/>
-            <pc:sldMk cId="3225898199" sldId="378"/>
-            <ac:spMk id="5" creationId="{0CC146A7-8589-151D-467A-2DFFFD93A847}"/>
-          </ac:spMkLst>
-        </pc:spChg>
-        <pc:spChg chg="add mod">
-          <ac:chgData name="Vissapragada,Sai Tejaswee" userId="S::s545438@nwmissouri.edu::ac5152bd-e08b-42ef-87f5-6857be20e85f" providerId="AD" clId="Web-{A8C22E62-5AA5-483F-A10E-5EB0B6850044}" dt="2022-10-14T15:24:10.829" v="325" actId="20577"/>
-          <ac:spMkLst>
-            <pc:docMk/>
-            <pc:sldMk cId="3225898199" sldId="378"/>
-            <ac:spMk id="7" creationId="{D6B5D823-5C12-1AB8-3142-290071BA27E1}"/>
-          </ac:spMkLst>
-        </pc:spChg>
-      </pc:sldChg>
-      <pc:sldChg chg="modSp ord">
-        <pc:chgData name="Vissapragada,Sai Tejaswee" userId="S::s545438@nwmissouri.edu::ac5152bd-e08b-42ef-87f5-6857be20e85f" providerId="AD" clId="Web-{A8C22E62-5AA5-483F-A10E-5EB0B6850044}" dt="2022-10-14T15:42:03.477" v="397" actId="20577"/>
-        <pc:sldMkLst>
-          <pc:docMk/>
-          <pc:sldMk cId="836180278" sldId="379"/>
-        </pc:sldMkLst>
-        <pc:spChg chg="mod">
-          <ac:chgData name="Vissapragada,Sai Tejaswee" userId="S::s545438@nwmissouri.edu::ac5152bd-e08b-42ef-87f5-6857be20e85f" providerId="AD" clId="Web-{A8C22E62-5AA5-483F-A10E-5EB0B6850044}" dt="2022-10-14T15:42:03.477" v="397" actId="20577"/>
-          <ac:spMkLst>
-            <pc:docMk/>
-            <pc:sldMk cId="836180278" sldId="379"/>
-            <ac:spMk id="3" creationId="{6F325FD3-8624-CDB2-FF03-5B4140CC7C86}"/>
-          </ac:spMkLst>
-        </pc:spChg>
-      </pc:sldChg>
-      <pc:sldChg chg="modSp add">
-        <pc:chgData name="Vissapragada,Sai Tejaswee" userId="S::s545438@nwmissouri.edu::ac5152bd-e08b-42ef-87f5-6857be20e85f" providerId="AD" clId="Web-{A8C22E62-5AA5-483F-A10E-5EB0B6850044}" dt="2022-10-14T16:25:57.626" v="510" actId="20577"/>
-        <pc:sldMkLst>
-          <pc:docMk/>
-          <pc:sldMk cId="3033080522" sldId="380"/>
-        </pc:sldMkLst>
-        <pc:spChg chg="mod">
-          <ac:chgData name="Vissapragada,Sai Tejaswee" userId="S::s545438@nwmissouri.edu::ac5152bd-e08b-42ef-87f5-6857be20e85f" providerId="AD" clId="Web-{A8C22E62-5AA5-483F-A10E-5EB0B6850044}" dt="2022-10-14T16:11:23.139" v="493" actId="1076"/>
-          <ac:spMkLst>
-            <pc:docMk/>
-            <pc:sldMk cId="3033080522" sldId="380"/>
-            <ac:spMk id="2" creationId="{C841DDDB-09FE-0770-F467-1A6644329CFC}"/>
-          </ac:spMkLst>
-        </pc:spChg>
-        <pc:spChg chg="mod">
-          <ac:chgData name="Vissapragada,Sai Tejaswee" userId="S::s545438@nwmissouri.edu::ac5152bd-e08b-42ef-87f5-6857be20e85f" providerId="AD" clId="Web-{A8C22E62-5AA5-483F-A10E-5EB0B6850044}" dt="2022-10-14T16:25:57.626" v="510" actId="20577"/>
-          <ac:spMkLst>
-            <pc:docMk/>
-            <pc:sldMk cId="3033080522" sldId="380"/>
-            <ac:spMk id="3" creationId="{627AC61C-9393-097F-8278-A135703BB589}"/>
-          </ac:spMkLst>
-        </pc:spChg>
-      </pc:sldChg>
-      <pc:sldMasterChg chg="add addSldLayout">
-        <pc:chgData name="Vissapragada,Sai Tejaswee" userId="S::s545438@nwmissouri.edu::ac5152bd-e08b-42ef-87f5-6857be20e85f" providerId="AD" clId="Web-{A8C22E62-5AA5-483F-A10E-5EB0B6850044}" dt="2022-10-14T15:23:13.109" v="318"/>
-        <pc:sldMasterMkLst>
-          <pc:docMk/>
-          <pc:sldMasterMk cId="665472013" sldId="2147483648"/>
-        </pc:sldMasterMkLst>
-        <pc:sldLayoutChg chg="add">
-          <pc:chgData name="Vissapragada,Sai Tejaswee" userId="S::s545438@nwmissouri.edu::ac5152bd-e08b-42ef-87f5-6857be20e85f" providerId="AD" clId="Web-{A8C22E62-5AA5-483F-A10E-5EB0B6850044}" dt="2022-10-14T15:23:13.109" v="318"/>
-          <pc:sldLayoutMkLst>
-            <pc:docMk/>
-            <pc:sldMasterMk cId="665472013" sldId="2147483648"/>
-            <pc:sldLayoutMk cId="1458169407" sldId="2147483649"/>
-          </pc:sldLayoutMkLst>
-        </pc:sldLayoutChg>
-        <pc:sldLayoutChg chg="add">
-          <pc:chgData name="Vissapragada,Sai Tejaswee" userId="S::s545438@nwmissouri.edu::ac5152bd-e08b-42ef-87f5-6857be20e85f" providerId="AD" clId="Web-{A8C22E62-5AA5-483F-A10E-5EB0B6850044}" dt="2022-10-14T15:23:13.109" v="318"/>
-          <pc:sldLayoutMkLst>
-            <pc:docMk/>
-            <pc:sldMasterMk cId="665472013" sldId="2147483648"/>
-            <pc:sldLayoutMk cId="233810693" sldId="2147483650"/>
-          </pc:sldLayoutMkLst>
-        </pc:sldLayoutChg>
-        <pc:sldLayoutChg chg="add">
-          <pc:chgData name="Vissapragada,Sai Tejaswee" userId="S::s545438@nwmissouri.edu::ac5152bd-e08b-42ef-87f5-6857be20e85f" providerId="AD" clId="Web-{A8C22E62-5AA5-483F-A10E-5EB0B6850044}" dt="2022-10-14T15:23:13.109" v="318"/>
-          <pc:sldLayoutMkLst>
-            <pc:docMk/>
-            <pc:sldMasterMk cId="665472013" sldId="2147483648"/>
-            <pc:sldLayoutMk cId="3055460370" sldId="2147483651"/>
-          </pc:sldLayoutMkLst>
-        </pc:sldLayoutChg>
-        <pc:sldLayoutChg chg="add">
-          <pc:chgData name="Vissapragada,Sai Tejaswee" userId="S::s545438@nwmissouri.edu::ac5152bd-e08b-42ef-87f5-6857be20e85f" providerId="AD" clId="Web-{A8C22E62-5AA5-483F-A10E-5EB0B6850044}" dt="2022-10-14T15:23:13.109" v="318"/>
-          <pc:sldLayoutMkLst>
-            <pc:docMk/>
-            <pc:sldMasterMk cId="665472013" sldId="2147483648"/>
-            <pc:sldLayoutMk cId="3245278729" sldId="2147483652"/>
-          </pc:sldLayoutMkLst>
-        </pc:sldLayoutChg>
-        <pc:sldLayoutChg chg="add">
-          <pc:chgData name="Vissapragada,Sai Tejaswee" userId="S::s545438@nwmissouri.edu::ac5152bd-e08b-42ef-87f5-6857be20e85f" providerId="AD" clId="Web-{A8C22E62-5AA5-483F-A10E-5EB0B6850044}" dt="2022-10-14T15:23:13.109" v="318"/>
-          <pc:sldLayoutMkLst>
-            <pc:docMk/>
-            <pc:sldMasterMk cId="665472013" sldId="2147483648"/>
-            <pc:sldLayoutMk cId="2460712989" sldId="2147483653"/>
-          </pc:sldLayoutMkLst>
-        </pc:sldLayoutChg>
-        <pc:sldLayoutChg chg="add">
-          <pc:chgData name="Vissapragada,Sai Tejaswee" userId="S::s545438@nwmissouri.edu::ac5152bd-e08b-42ef-87f5-6857be20e85f" providerId="AD" clId="Web-{A8C22E62-5AA5-483F-A10E-5EB0B6850044}" dt="2022-10-14T15:23:13.109" v="318"/>
-          <pc:sldLayoutMkLst>
-            <pc:docMk/>
-            <pc:sldMasterMk cId="665472013" sldId="2147483648"/>
-            <pc:sldLayoutMk cId="420868276" sldId="2147483654"/>
-          </pc:sldLayoutMkLst>
-        </pc:sldLayoutChg>
-        <pc:sldLayoutChg chg="add">
-          <pc:chgData name="Vissapragada,Sai Tejaswee" userId="S::s545438@nwmissouri.edu::ac5152bd-e08b-42ef-87f5-6857be20e85f" providerId="AD" clId="Web-{A8C22E62-5AA5-483F-A10E-5EB0B6850044}" dt="2022-10-14T15:23:13.109" v="318"/>
-          <pc:sldLayoutMkLst>
-            <pc:docMk/>
-            <pc:sldMasterMk cId="665472013" sldId="2147483648"/>
-            <pc:sldLayoutMk cId="2188320448" sldId="2147483655"/>
-          </pc:sldLayoutMkLst>
-        </pc:sldLayoutChg>
-        <pc:sldLayoutChg chg="add">
-          <pc:chgData name="Vissapragada,Sai Tejaswee" userId="S::s545438@nwmissouri.edu::ac5152bd-e08b-42ef-87f5-6857be20e85f" providerId="AD" clId="Web-{A8C22E62-5AA5-483F-A10E-5EB0B6850044}" dt="2022-10-14T15:23:13.109" v="318"/>
-          <pc:sldLayoutMkLst>
-            <pc:docMk/>
-            <pc:sldMasterMk cId="665472013" sldId="2147483648"/>
-            <pc:sldLayoutMk cId="1478049854" sldId="2147483656"/>
-          </pc:sldLayoutMkLst>
-        </pc:sldLayoutChg>
-        <pc:sldLayoutChg chg="add">
-          <pc:chgData name="Vissapragada,Sai Tejaswee" userId="S::s545438@nwmissouri.edu::ac5152bd-e08b-42ef-87f5-6857be20e85f" providerId="AD" clId="Web-{A8C22E62-5AA5-483F-A10E-5EB0B6850044}" dt="2022-10-14T15:23:13.109" v="318"/>
-          <pc:sldLayoutMkLst>
-            <pc:docMk/>
-            <pc:sldMasterMk cId="665472013" sldId="2147483648"/>
-            <pc:sldLayoutMk cId="262202188" sldId="2147483657"/>
-          </pc:sldLayoutMkLst>
-        </pc:sldLayoutChg>
-        <pc:sldLayoutChg chg="add">
-          <pc:chgData name="Vissapragada,Sai Tejaswee" userId="S::s545438@nwmissouri.edu::ac5152bd-e08b-42ef-87f5-6857be20e85f" providerId="AD" clId="Web-{A8C22E62-5AA5-483F-A10E-5EB0B6850044}" dt="2022-10-14T15:23:13.109" v="318"/>
-          <pc:sldLayoutMkLst>
-            <pc:docMk/>
-            <pc:sldMasterMk cId="665472013" sldId="2147483648"/>
-            <pc:sldLayoutMk cId="2294843928" sldId="2147483658"/>
-          </pc:sldLayoutMkLst>
-        </pc:sldLayoutChg>
-        <pc:sldLayoutChg chg="add">
-          <pc:chgData name="Vissapragada,Sai Tejaswee" userId="S::s545438@nwmissouri.edu::ac5152bd-e08b-42ef-87f5-6857be20e85f" providerId="AD" clId="Web-{A8C22E62-5AA5-483F-A10E-5EB0B6850044}" dt="2022-10-14T15:23:13.109" v="318"/>
-          <pc:sldLayoutMkLst>
-            <pc:docMk/>
-            <pc:sldMasterMk cId="665472013" sldId="2147483648"/>
-            <pc:sldLayoutMk cId="3209405923" sldId="2147483659"/>
-          </pc:sldLayoutMkLst>
-        </pc:sldLayoutChg>
-      </pc:sldMasterChg>
-      <pc:sldMasterChg chg="del delSldLayout">
-        <pc:chgData name="Vissapragada,Sai Tejaswee" userId="S::s545438@nwmissouri.edu::ac5152bd-e08b-42ef-87f5-6857be20e85f" providerId="AD" clId="Web-{A8C22E62-5AA5-483F-A10E-5EB0B6850044}" dt="2022-10-14T14:54:02.291" v="189"/>
-        <pc:sldMasterMkLst>
-          <pc:docMk/>
-          <pc:sldMasterMk cId="3402309836" sldId="2147483712"/>
-        </pc:sldMasterMkLst>
-        <pc:sldLayoutChg chg="del">
-          <pc:chgData name="Vissapragada,Sai Tejaswee" userId="S::s545438@nwmissouri.edu::ac5152bd-e08b-42ef-87f5-6857be20e85f" providerId="AD" clId="Web-{A8C22E62-5AA5-483F-A10E-5EB0B6850044}" dt="2022-10-14T14:54:02.291" v="189"/>
-          <pc:sldLayoutMkLst>
-            <pc:docMk/>
-            <pc:sldMasterMk cId="3402309836" sldId="2147483712"/>
-            <pc:sldLayoutMk cId="155847499" sldId="2147483713"/>
-          </pc:sldLayoutMkLst>
-        </pc:sldLayoutChg>
-        <pc:sldLayoutChg chg="del">
-          <pc:chgData name="Vissapragada,Sai Tejaswee" userId="S::s545438@nwmissouri.edu::ac5152bd-e08b-42ef-87f5-6857be20e85f" providerId="AD" clId="Web-{A8C22E62-5AA5-483F-A10E-5EB0B6850044}" dt="2022-10-14T14:54:02.291" v="189"/>
-          <pc:sldLayoutMkLst>
-            <pc:docMk/>
-            <pc:sldMasterMk cId="3402309836" sldId="2147483712"/>
-            <pc:sldLayoutMk cId="1458528500" sldId="2147483714"/>
-          </pc:sldLayoutMkLst>
-        </pc:sldLayoutChg>
-        <pc:sldLayoutChg chg="del">
-          <pc:chgData name="Vissapragada,Sai Tejaswee" userId="S::s545438@nwmissouri.edu::ac5152bd-e08b-42ef-87f5-6857be20e85f" providerId="AD" clId="Web-{A8C22E62-5AA5-483F-A10E-5EB0B6850044}" dt="2022-10-14T14:54:02.291" v="189"/>
-          <pc:sldLayoutMkLst>
-            <pc:docMk/>
-            <pc:sldMasterMk cId="3402309836" sldId="2147483712"/>
-            <pc:sldLayoutMk cId="3981056472" sldId="2147483715"/>
-          </pc:sldLayoutMkLst>
-        </pc:sldLayoutChg>
-        <pc:sldLayoutChg chg="del">
-          <pc:chgData name="Vissapragada,Sai Tejaswee" userId="S::s545438@nwmissouri.edu::ac5152bd-e08b-42ef-87f5-6857be20e85f" providerId="AD" clId="Web-{A8C22E62-5AA5-483F-A10E-5EB0B6850044}" dt="2022-10-14T14:54:02.291" v="189"/>
-          <pc:sldLayoutMkLst>
-            <pc:docMk/>
-            <pc:sldMasterMk cId="3402309836" sldId="2147483712"/>
-            <pc:sldLayoutMk cId="2156215914" sldId="2147483716"/>
-          </pc:sldLayoutMkLst>
-        </pc:sldLayoutChg>
-        <pc:sldLayoutChg chg="del">
-          <pc:chgData name="Vissapragada,Sai Tejaswee" userId="S::s545438@nwmissouri.edu::ac5152bd-e08b-42ef-87f5-6857be20e85f" providerId="AD" clId="Web-{A8C22E62-5AA5-483F-A10E-5EB0B6850044}" dt="2022-10-14T14:54:02.291" v="189"/>
-          <pc:sldLayoutMkLst>
-            <pc:docMk/>
-            <pc:sldMasterMk cId="3402309836" sldId="2147483712"/>
-            <pc:sldLayoutMk cId="192506806" sldId="2147483717"/>
-          </pc:sldLayoutMkLst>
-        </pc:sldLayoutChg>
-        <pc:sldLayoutChg chg="del">
-          <pc:chgData name="Vissapragada,Sai Tejaswee" userId="S::s545438@nwmissouri.edu::ac5152bd-e08b-42ef-87f5-6857be20e85f" providerId="AD" clId="Web-{A8C22E62-5AA5-483F-A10E-5EB0B6850044}" dt="2022-10-14T14:54:02.291" v="189"/>
-          <pc:sldLayoutMkLst>
-            <pc:docMk/>
-            <pc:sldMasterMk cId="3402309836" sldId="2147483712"/>
-            <pc:sldLayoutMk cId="1320739255" sldId="2147483718"/>
-          </pc:sldLayoutMkLst>
-        </pc:sldLayoutChg>
-        <pc:sldLayoutChg chg="del">
-          <pc:chgData name="Vissapragada,Sai Tejaswee" userId="S::s545438@nwmissouri.edu::ac5152bd-e08b-42ef-87f5-6857be20e85f" providerId="AD" clId="Web-{A8C22E62-5AA5-483F-A10E-5EB0B6850044}" dt="2022-10-14T14:54:02.291" v="189"/>
-          <pc:sldLayoutMkLst>
-            <pc:docMk/>
-            <pc:sldMasterMk cId="3402309836" sldId="2147483712"/>
-            <pc:sldLayoutMk cId="1287267590" sldId="2147483719"/>
-          </pc:sldLayoutMkLst>
-        </pc:sldLayoutChg>
-        <pc:sldLayoutChg chg="del">
-          <pc:chgData name="Vissapragada,Sai Tejaswee" userId="S::s545438@nwmissouri.edu::ac5152bd-e08b-42ef-87f5-6857be20e85f" providerId="AD" clId="Web-{A8C22E62-5AA5-483F-A10E-5EB0B6850044}" dt="2022-10-14T14:54:02.291" v="189"/>
-          <pc:sldLayoutMkLst>
-            <pc:docMk/>
-            <pc:sldMasterMk cId="3402309836" sldId="2147483712"/>
-            <pc:sldLayoutMk cId="2468964331" sldId="2147483720"/>
-          </pc:sldLayoutMkLst>
-        </pc:sldLayoutChg>
-        <pc:sldLayoutChg chg="del">
-          <pc:chgData name="Vissapragada,Sai Tejaswee" userId="S::s545438@nwmissouri.edu::ac5152bd-e08b-42ef-87f5-6857be20e85f" providerId="AD" clId="Web-{A8C22E62-5AA5-483F-A10E-5EB0B6850044}" dt="2022-10-14T14:54:02.291" v="189"/>
-          <pc:sldLayoutMkLst>
-            <pc:docMk/>
-            <pc:sldMasterMk cId="3402309836" sldId="2147483712"/>
-            <pc:sldLayoutMk cId="84800665" sldId="2147483721"/>
-          </pc:sldLayoutMkLst>
-        </pc:sldLayoutChg>
-        <pc:sldLayoutChg chg="del">
-          <pc:chgData name="Vissapragada,Sai Tejaswee" userId="S::s545438@nwmissouri.edu::ac5152bd-e08b-42ef-87f5-6857be20e85f" providerId="AD" clId="Web-{A8C22E62-5AA5-483F-A10E-5EB0B6850044}" dt="2022-10-14T14:54:02.291" v="189"/>
-          <pc:sldLayoutMkLst>
-            <pc:docMk/>
-            <pc:sldMasterMk cId="3402309836" sldId="2147483712"/>
-            <pc:sldLayoutMk cId="1079905034" sldId="2147483722"/>
-          </pc:sldLayoutMkLst>
-        </pc:sldLayoutChg>
-        <pc:sldLayoutChg chg="del">
-          <pc:chgData name="Vissapragada,Sai Tejaswee" userId="S::s545438@nwmissouri.edu::ac5152bd-e08b-42ef-87f5-6857be20e85f" providerId="AD" clId="Web-{A8C22E62-5AA5-483F-A10E-5EB0B6850044}" dt="2022-10-14T14:54:02.291" v="189"/>
-          <pc:sldLayoutMkLst>
-            <pc:docMk/>
-            <pc:sldMasterMk cId="3402309836" sldId="2147483712"/>
-            <pc:sldLayoutMk cId="67894319" sldId="2147483723"/>
-          </pc:sldLayoutMkLst>
-        </pc:sldLayoutChg>
-      </pc:sldMasterChg>
-      <pc:sldMasterChg chg="add addSldLayout modSldLayout">
-        <pc:chgData name="Vissapragada,Sai Tejaswee" userId="S::s545438@nwmissouri.edu::ac5152bd-e08b-42ef-87f5-6857be20e85f" providerId="AD" clId="Web-{A8C22E62-5AA5-483F-A10E-5EB0B6850044}" dt="2022-10-14T14:54:02.291" v="189"/>
-        <pc:sldMasterMkLst>
-          <pc:docMk/>
-          <pc:sldMasterMk cId="811897821" sldId="2147483724"/>
-        </pc:sldMasterMkLst>
-        <pc:sldLayoutChg chg="add mod replId">
-          <pc:chgData name="Vissapragada,Sai Tejaswee" userId="S::s545438@nwmissouri.edu::ac5152bd-e08b-42ef-87f5-6857be20e85f" providerId="AD" clId="Web-{A8C22E62-5AA5-483F-A10E-5EB0B6850044}" dt="2022-10-14T14:54:02.291" v="189"/>
-          <pc:sldLayoutMkLst>
-            <pc:docMk/>
-            <pc:sldMasterMk cId="811897821" sldId="2147483724"/>
-            <pc:sldLayoutMk cId="3208152015" sldId="2147483725"/>
-          </pc:sldLayoutMkLst>
-        </pc:sldLayoutChg>
-        <pc:sldLayoutChg chg="add mod replId">
-          <pc:chgData name="Vissapragada,Sai Tejaswee" userId="S::s545438@nwmissouri.edu::ac5152bd-e08b-42ef-87f5-6857be20e85f" providerId="AD" clId="Web-{A8C22E62-5AA5-483F-A10E-5EB0B6850044}" dt="2022-10-14T14:54:02.291" v="189"/>
-          <pc:sldLayoutMkLst>
-            <pc:docMk/>
-            <pc:sldMasterMk cId="811897821" sldId="2147483724"/>
-            <pc:sldLayoutMk cId="3627695572" sldId="2147483726"/>
-          </pc:sldLayoutMkLst>
-        </pc:sldLayoutChg>
-        <pc:sldLayoutChg chg="add mod replId">
-          <pc:chgData name="Vissapragada,Sai Tejaswee" userId="S::s545438@nwmissouri.edu::ac5152bd-e08b-42ef-87f5-6857be20e85f" providerId="AD" clId="Web-{A8C22E62-5AA5-483F-A10E-5EB0B6850044}" dt="2022-10-14T14:54:02.291" v="189"/>
-          <pc:sldLayoutMkLst>
-            <pc:docMk/>
-            <pc:sldMasterMk cId="811897821" sldId="2147483724"/>
-            <pc:sldLayoutMk cId="3061910980" sldId="2147483727"/>
-          </pc:sldLayoutMkLst>
-        </pc:sldLayoutChg>
-        <pc:sldLayoutChg chg="add mod replId">
-          <pc:chgData name="Vissapragada,Sai Tejaswee" userId="S::s545438@nwmissouri.edu::ac5152bd-e08b-42ef-87f5-6857be20e85f" providerId="AD" clId="Web-{A8C22E62-5AA5-483F-A10E-5EB0B6850044}" dt="2022-10-14T14:54:02.291" v="189"/>
-          <pc:sldLayoutMkLst>
-            <pc:docMk/>
-            <pc:sldMasterMk cId="811897821" sldId="2147483724"/>
-            <pc:sldLayoutMk cId="2022701550" sldId="2147483728"/>
-          </pc:sldLayoutMkLst>
-        </pc:sldLayoutChg>
-        <pc:sldLayoutChg chg="add mod replId">
-          <pc:chgData name="Vissapragada,Sai Tejaswee" userId="S::s545438@nwmissouri.edu::ac5152bd-e08b-42ef-87f5-6857be20e85f" providerId="AD" clId="Web-{A8C22E62-5AA5-483F-A10E-5EB0B6850044}" dt="2022-10-14T14:54:02.291" v="189"/>
-          <pc:sldLayoutMkLst>
-            <pc:docMk/>
-            <pc:sldMasterMk cId="811897821" sldId="2147483724"/>
-            <pc:sldLayoutMk cId="2897638432" sldId="2147483729"/>
-          </pc:sldLayoutMkLst>
-        </pc:sldLayoutChg>
-        <pc:sldLayoutChg chg="add mod replId">
-          <pc:chgData name="Vissapragada,Sai Tejaswee" userId="S::s545438@nwmissouri.edu::ac5152bd-e08b-42ef-87f5-6857be20e85f" providerId="AD" clId="Web-{A8C22E62-5AA5-483F-A10E-5EB0B6850044}" dt="2022-10-14T14:54:02.291" v="189"/>
-          <pc:sldLayoutMkLst>
-            <pc:docMk/>
-            <pc:sldMasterMk cId="811897821" sldId="2147483724"/>
-            <pc:sldLayoutMk cId="695812942" sldId="2147483730"/>
-          </pc:sldLayoutMkLst>
-        </pc:sldLayoutChg>
-        <pc:sldLayoutChg chg="add mod replId">
-          <pc:chgData name="Vissapragada,Sai Tejaswee" userId="S::s545438@nwmissouri.edu::ac5152bd-e08b-42ef-87f5-6857be20e85f" providerId="AD" clId="Web-{A8C22E62-5AA5-483F-A10E-5EB0B6850044}" dt="2022-10-14T14:54:02.291" v="189"/>
-          <pc:sldLayoutMkLst>
-            <pc:docMk/>
-            <pc:sldMasterMk cId="811897821" sldId="2147483724"/>
-            <pc:sldLayoutMk cId="1239700076" sldId="2147483731"/>
-          </pc:sldLayoutMkLst>
-        </pc:sldLayoutChg>
-        <pc:sldLayoutChg chg="add mod replId">
-          <pc:chgData name="Vissapragada,Sai Tejaswee" userId="S::s545438@nwmissouri.edu::ac5152bd-e08b-42ef-87f5-6857be20e85f" providerId="AD" clId="Web-{A8C22E62-5AA5-483F-A10E-5EB0B6850044}" dt="2022-10-14T14:54:02.291" v="189"/>
-          <pc:sldLayoutMkLst>
-            <pc:docMk/>
-            <pc:sldMasterMk cId="811897821" sldId="2147483724"/>
-            <pc:sldLayoutMk cId="2558372690" sldId="2147483732"/>
-          </pc:sldLayoutMkLst>
-        </pc:sldLayoutChg>
-        <pc:sldLayoutChg chg="add mod replId">
-          <pc:chgData name="Vissapragada,Sai Tejaswee" userId="S::s545438@nwmissouri.edu::ac5152bd-e08b-42ef-87f5-6857be20e85f" providerId="AD" clId="Web-{A8C22E62-5AA5-483F-A10E-5EB0B6850044}" dt="2022-10-14T14:54:02.291" v="189"/>
-          <pc:sldLayoutMkLst>
-            <pc:docMk/>
-            <pc:sldMasterMk cId="811897821" sldId="2147483724"/>
-            <pc:sldLayoutMk cId="2715583257" sldId="2147483733"/>
-          </pc:sldLayoutMkLst>
-        </pc:sldLayoutChg>
-        <pc:sldLayoutChg chg="add mod replId">
-          <pc:chgData name="Vissapragada,Sai Tejaswee" userId="S::s545438@nwmissouri.edu::ac5152bd-e08b-42ef-87f5-6857be20e85f" providerId="AD" clId="Web-{A8C22E62-5AA5-483F-A10E-5EB0B6850044}" dt="2022-10-14T14:54:02.291" v="189"/>
-          <pc:sldLayoutMkLst>
-            <pc:docMk/>
-            <pc:sldMasterMk cId="811897821" sldId="2147483724"/>
-            <pc:sldLayoutMk cId="2125951674" sldId="2147483734"/>
-          </pc:sldLayoutMkLst>
-        </pc:sldLayoutChg>
-        <pc:sldLayoutChg chg="add mod replId">
-          <pc:chgData name="Vissapragada,Sai Tejaswee" userId="S::s545438@nwmissouri.edu::ac5152bd-e08b-42ef-87f5-6857be20e85f" providerId="AD" clId="Web-{A8C22E62-5AA5-483F-A10E-5EB0B6850044}" dt="2022-10-14T14:54:02.291" v="189"/>
-          <pc:sldLayoutMkLst>
-            <pc:docMk/>
-            <pc:sldMasterMk cId="811897821" sldId="2147483724"/>
-            <pc:sldLayoutMk cId="617663772" sldId="2147483735"/>
-          </pc:sldLayoutMkLst>
-        </pc:sldLayoutChg>
-      </pc:sldMasterChg>
-    </pc:docChg>
-  </pc:docChgLst>
-  <pc:docChgLst>
     <pc:chgData name="Janumula,Sailaxman" userId="S::s544100@nwmissouri.edu::057ba501-34c5-48a9-a77d-e6ca3e3b42d5" providerId="AD" clId="Web-{2D846336-9554-2D9E-6BB0-D4386FA2A1C3}"/>
     <pc:docChg chg="modSld">
       <pc:chgData name="Janumula,Sailaxman" userId="S::s544100@nwmissouri.edu::057ba501-34c5-48a9-a77d-e6ca3e3b42d5" providerId="AD" clId="Web-{2D846336-9554-2D9E-6BB0-D4386FA2A1C3}" dt="2022-10-14T13:06:11.337" v="131" actId="20577"/>
@@ -2661,20 +2825,20 @@
     </pc:docChg>
   </pc:docChgLst>
   <pc:docChgLst>
-    <pc:chgData name="Dammannagari,Jahnavi" userId="S::s545241@nwmissouri.edu::57b5fd11-6565-4914-86c8-bc292b5f2f1b" providerId="AD" clId="Web-{B027FBD9-1FB0-4A80-A451-F01E0C52357B}"/>
+    <pc:chgData name="Dammannagari,Jahnavi" userId="S::s545241@nwmissouri.edu::57b5fd11-6565-4914-86c8-bc292b5f2f1b" providerId="AD" clId="Web-{72B7A399-1939-47E8-9585-A1B89A43E5B4}"/>
     <pc:docChg chg="modSld">
-      <pc:chgData name="Dammannagari,Jahnavi" userId="S::s545241@nwmissouri.edu::57b5fd11-6565-4914-86c8-bc292b5f2f1b" providerId="AD" clId="Web-{B027FBD9-1FB0-4A80-A451-F01E0C52357B}" dt="2022-10-14T16:30:58.849" v="3" actId="20577"/>
+      <pc:chgData name="Dammannagari,Jahnavi" userId="S::s545241@nwmissouri.edu::57b5fd11-6565-4914-86c8-bc292b5f2f1b" providerId="AD" clId="Web-{72B7A399-1939-47E8-9585-A1B89A43E5B4}" dt="2022-10-14T15:41:53.681" v="0" actId="20577"/>
       <pc:docMkLst>
         <pc:docMk/>
       </pc:docMkLst>
       <pc:sldChg chg="modSp">
-        <pc:chgData name="Dammannagari,Jahnavi" userId="S::s545241@nwmissouri.edu::57b5fd11-6565-4914-86c8-bc292b5f2f1b" providerId="AD" clId="Web-{B027FBD9-1FB0-4A80-A451-F01E0C52357B}" dt="2022-10-14T16:30:58.849" v="3" actId="20577"/>
+        <pc:chgData name="Dammannagari,Jahnavi" userId="S::s545241@nwmissouri.edu::57b5fd11-6565-4914-86c8-bc292b5f2f1b" providerId="AD" clId="Web-{72B7A399-1939-47E8-9585-A1B89A43E5B4}" dt="2022-10-14T15:41:53.681" v="0" actId="20577"/>
         <pc:sldMkLst>
           <pc:docMk/>
           <pc:sldMk cId="884823026" sldId="371"/>
         </pc:sldMkLst>
         <pc:spChg chg="mod">
-          <ac:chgData name="Dammannagari,Jahnavi" userId="S::s545241@nwmissouri.edu::57b5fd11-6565-4914-86c8-bc292b5f2f1b" providerId="AD" clId="Web-{B027FBD9-1FB0-4A80-A451-F01E0C52357B}" dt="2022-10-14T16:30:58.849" v="3" actId="20577"/>
+          <ac:chgData name="Dammannagari,Jahnavi" userId="S::s545241@nwmissouri.edu::57b5fd11-6565-4914-86c8-bc292b5f2f1b" providerId="AD" clId="Web-{72B7A399-1939-47E8-9585-A1B89A43E5B4}" dt="2022-10-14T15:41:53.681" v="0" actId="20577"/>
           <ac:spMkLst>
             <pc:docMk/>
             <pc:sldMk cId="884823026" sldId="371"/>
@@ -2842,24 +3006,193 @@
     </pc:docChg>
   </pc:docChgLst>
   <pc:docChgLst>
-    <pc:chgData name="Dammannagari,Jahnavi" userId="S::s545241@nwmissouri.edu::57b5fd11-6565-4914-86c8-bc292b5f2f1b" providerId="AD" clId="Web-{72B7A399-1939-47E8-9585-A1B89A43E5B4}"/>
-    <pc:docChg chg="modSld">
-      <pc:chgData name="Dammannagari,Jahnavi" userId="S::s545241@nwmissouri.edu::57b5fd11-6565-4914-86c8-bc292b5f2f1b" providerId="AD" clId="Web-{72B7A399-1939-47E8-9585-A1B89A43E5B4}" dt="2022-10-14T15:41:53.681" v="0" actId="20577"/>
+    <pc:chgData name="Vasana,Manikanta" userId="S::s545551@nwmissouri.edu::aa5ba442-2039-4fd0-a3af-aa6dd8db2d87" providerId="AD" clId="Web-{9E33308C-2BE0-4477-9970-3C15019AEB70}"/>
+    <pc:docChg chg="addSld delSld modSld sldOrd">
+      <pc:chgData name="Vasana,Manikanta" userId="S::s545551@nwmissouri.edu::aa5ba442-2039-4fd0-a3af-aa6dd8db2d87" providerId="AD" clId="Web-{9E33308C-2BE0-4477-9970-3C15019AEB70}" dt="2022-10-14T16:26:20.416" v="252" actId="20577"/>
       <pc:docMkLst>
         <pc:docMk/>
       </pc:docMkLst>
       <pc:sldChg chg="modSp">
-        <pc:chgData name="Dammannagari,Jahnavi" userId="S::s545241@nwmissouri.edu::57b5fd11-6565-4914-86c8-bc292b5f2f1b" providerId="AD" clId="Web-{72B7A399-1939-47E8-9585-A1B89A43E5B4}" dt="2022-10-14T15:41:53.681" v="0" actId="20577"/>
+        <pc:chgData name="Vasana,Manikanta" userId="S::s545551@nwmissouri.edu::aa5ba442-2039-4fd0-a3af-aa6dd8db2d87" providerId="AD" clId="Web-{9E33308C-2BE0-4477-9970-3C15019AEB70}" dt="2022-10-14T15:06:40.421" v="182" actId="1076"/>
+        <pc:sldMkLst>
+          <pc:docMk/>
+          <pc:sldMk cId="2985600738" sldId="256"/>
+        </pc:sldMkLst>
+        <pc:spChg chg="mod">
+          <ac:chgData name="Vasana,Manikanta" userId="S::s545551@nwmissouri.edu::aa5ba442-2039-4fd0-a3af-aa6dd8db2d87" providerId="AD" clId="Web-{9E33308C-2BE0-4477-9970-3C15019AEB70}" dt="2022-10-14T15:06:40.421" v="182" actId="1076"/>
+          <ac:spMkLst>
+            <pc:docMk/>
+            <pc:sldMk cId="2985600738" sldId="256"/>
+            <ac:spMk id="2" creationId="{9C11EC8D-E2F8-47A8-86F0-53A644871CB0}"/>
+          </ac:spMkLst>
+        </pc:spChg>
+      </pc:sldChg>
+      <pc:sldChg chg="ord">
+        <pc:chgData name="Vasana,Manikanta" userId="S::s545551@nwmissouri.edu::aa5ba442-2039-4fd0-a3af-aa6dd8db2d87" providerId="AD" clId="Web-{9E33308C-2BE0-4477-9970-3C15019AEB70}" dt="2022-10-14T15:07:18.406" v="183"/>
+        <pc:sldMkLst>
+          <pc:docMk/>
+          <pc:sldMk cId="2442537970" sldId="341"/>
+        </pc:sldMkLst>
+      </pc:sldChg>
+      <pc:sldChg chg="modSp">
+        <pc:chgData name="Vasana,Manikanta" userId="S::s545551@nwmissouri.edu::aa5ba442-2039-4fd0-a3af-aa6dd8db2d87" providerId="AD" clId="Web-{9E33308C-2BE0-4477-9970-3C15019AEB70}" dt="2022-10-14T15:07:41.048" v="184" actId="1076"/>
+        <pc:sldMkLst>
+          <pc:docMk/>
+          <pc:sldMk cId="1168084508" sldId="365"/>
+        </pc:sldMkLst>
+        <pc:spChg chg="mod">
+          <ac:chgData name="Vasana,Manikanta" userId="S::s545551@nwmissouri.edu::aa5ba442-2039-4fd0-a3af-aa6dd8db2d87" providerId="AD" clId="Web-{9E33308C-2BE0-4477-9970-3C15019AEB70}" dt="2022-10-14T15:07:41.048" v="184" actId="1076"/>
+          <ac:spMkLst>
+            <pc:docMk/>
+            <pc:sldMk cId="1168084508" sldId="365"/>
+            <ac:spMk id="2" creationId="{0A99E831-0FE4-BBC0-F1D0-9F150956F9CB}"/>
+          </ac:spMkLst>
+        </pc:spChg>
+      </pc:sldChg>
+      <pc:sldChg chg="modSp">
+        <pc:chgData name="Vasana,Manikanta" userId="S::s545551@nwmissouri.edu::aa5ba442-2039-4fd0-a3af-aa6dd8db2d87" providerId="AD" clId="Web-{9E33308C-2BE0-4477-9970-3C15019AEB70}" dt="2022-10-14T16:26:20.416" v="252" actId="20577"/>
         <pc:sldMkLst>
           <pc:docMk/>
           <pc:sldMk cId="884823026" sldId="371"/>
         </pc:sldMkLst>
         <pc:spChg chg="mod">
-          <ac:chgData name="Dammannagari,Jahnavi" userId="S::s545241@nwmissouri.edu::57b5fd11-6565-4914-86c8-bc292b5f2f1b" providerId="AD" clId="Web-{72B7A399-1939-47E8-9585-A1B89A43E5B4}" dt="2022-10-14T15:41:53.681" v="0" actId="20577"/>
+          <ac:chgData name="Vasana,Manikanta" userId="S::s545551@nwmissouri.edu::aa5ba442-2039-4fd0-a3af-aa6dd8db2d87" providerId="AD" clId="Web-{9E33308C-2BE0-4477-9970-3C15019AEB70}" dt="2022-10-14T16:26:20.416" v="252" actId="20577"/>
           <ac:spMkLst>
             <pc:docMk/>
             <pc:sldMk cId="884823026" sldId="371"/>
             <ac:spMk id="3" creationId="{1CE5B5B3-F968-7176-817F-D2DECAB3BFC0}"/>
+          </ac:spMkLst>
+        </pc:spChg>
+      </pc:sldChg>
+      <pc:sldChg chg="addSp modSp new">
+        <pc:chgData name="Vasana,Manikanta" userId="S::s545551@nwmissouri.edu::aa5ba442-2039-4fd0-a3af-aa6dd8db2d87" providerId="AD" clId="Web-{9E33308C-2BE0-4477-9970-3C15019AEB70}" dt="2022-10-14T15:29:24.531" v="187" actId="1076"/>
+        <pc:sldMkLst>
+          <pc:docMk/>
+          <pc:sldMk cId="3360226570" sldId="373"/>
+        </pc:sldMkLst>
+        <pc:spChg chg="mod">
+          <ac:chgData name="Vasana,Manikanta" userId="S::s545551@nwmissouri.edu::aa5ba442-2039-4fd0-a3af-aa6dd8db2d87" providerId="AD" clId="Web-{9E33308C-2BE0-4477-9970-3C15019AEB70}" dt="2022-10-14T15:05:11.513" v="180" actId="20577"/>
+          <ac:spMkLst>
+            <pc:docMk/>
+            <pc:sldMk cId="3360226570" sldId="373"/>
+            <ac:spMk id="2" creationId="{C70D7201-9327-5D3D-7F01-45617E65561E}"/>
+          </ac:spMkLst>
+        </pc:spChg>
+        <pc:spChg chg="mod">
+          <ac:chgData name="Vasana,Manikanta" userId="S::s545551@nwmissouri.edu::aa5ba442-2039-4fd0-a3af-aa6dd8db2d87" providerId="AD" clId="Web-{9E33308C-2BE0-4477-9970-3C15019AEB70}" dt="2022-10-14T15:05:19.904" v="181" actId="14100"/>
+          <ac:spMkLst>
+            <pc:docMk/>
+            <pc:sldMk cId="3360226570" sldId="373"/>
+            <ac:spMk id="3" creationId="{479AB6C6-DF7C-4F0A-419D-EED753033418}"/>
+          </ac:spMkLst>
+        </pc:spChg>
+        <pc:picChg chg="add mod">
+          <ac:chgData name="Vasana,Manikanta" userId="S::s545551@nwmissouri.edu::aa5ba442-2039-4fd0-a3af-aa6dd8db2d87" providerId="AD" clId="Web-{9E33308C-2BE0-4477-9970-3C15019AEB70}" dt="2022-10-14T15:29:24.531" v="187" actId="1076"/>
+          <ac:picMkLst>
+            <pc:docMk/>
+            <pc:sldMk cId="3360226570" sldId="373"/>
+            <ac:picMk id="4" creationId="{73EA9A43-DEC8-EBBE-28F0-5259D002A528}"/>
+          </ac:picMkLst>
+        </pc:picChg>
+      </pc:sldChg>
+      <pc:sldChg chg="addSp delSp modSp new">
+        <pc:chgData name="Vasana,Manikanta" userId="S::s545551@nwmissouri.edu::aa5ba442-2039-4fd0-a3af-aa6dd8db2d87" providerId="AD" clId="Web-{9E33308C-2BE0-4477-9970-3C15019AEB70}" dt="2022-10-14T15:53:39.658" v="248" actId="1076"/>
+        <pc:sldMkLst>
+          <pc:docMk/>
+          <pc:sldMk cId="1614585721" sldId="374"/>
+        </pc:sldMkLst>
+        <pc:spChg chg="mod">
+          <ac:chgData name="Vasana,Manikanta" userId="S::s545551@nwmissouri.edu::aa5ba442-2039-4fd0-a3af-aa6dd8db2d87" providerId="AD" clId="Web-{9E33308C-2BE0-4477-9970-3C15019AEB70}" dt="2022-10-14T15:30:39.658" v="211" actId="14100"/>
+          <ac:spMkLst>
+            <pc:docMk/>
+            <pc:sldMk cId="1614585721" sldId="374"/>
+            <ac:spMk id="2" creationId="{0F872AB6-0F89-8C23-9855-C08AB0E40A22}"/>
+          </ac:spMkLst>
+        </pc:spChg>
+        <pc:spChg chg="del mod">
+          <ac:chgData name="Vasana,Manikanta" userId="S::s545551@nwmissouri.edu::aa5ba442-2039-4fd0-a3af-aa6dd8db2d87" providerId="AD" clId="Web-{9E33308C-2BE0-4477-9970-3C15019AEB70}" dt="2022-10-14T15:01:47.336" v="167"/>
+          <ac:spMkLst>
+            <pc:docMk/>
+            <pc:sldMk cId="1614585721" sldId="374"/>
+            <ac:spMk id="3" creationId="{D29A6593-7277-85BE-2832-AAE4222BA9E5}"/>
+          </ac:spMkLst>
+        </pc:spChg>
+        <pc:spChg chg="add del mod">
+          <ac:chgData name="Vasana,Manikanta" userId="S::s545551@nwmissouri.edu::aa5ba442-2039-4fd0-a3af-aa6dd8db2d87" providerId="AD" clId="Web-{9E33308C-2BE0-4477-9970-3C15019AEB70}" dt="2022-10-14T15:03:29.479" v="169"/>
+          <ac:spMkLst>
+            <pc:docMk/>
+            <pc:sldMk cId="1614585721" sldId="374"/>
+            <ac:spMk id="6" creationId="{F9BAF60C-C08E-A94F-986A-F1EDDB987F00}"/>
+          </ac:spMkLst>
+        </pc:spChg>
+        <pc:spChg chg="add del mod">
+          <ac:chgData name="Vasana,Manikanta" userId="S::s545551@nwmissouri.edu::aa5ba442-2039-4fd0-a3af-aa6dd8db2d87" providerId="AD" clId="Web-{9E33308C-2BE0-4477-9970-3C15019AEB70}" dt="2022-10-14T15:33:37.099" v="235"/>
+          <ac:spMkLst>
+            <pc:docMk/>
+            <pc:sldMk cId="1614585721" sldId="374"/>
+            <ac:spMk id="9" creationId="{8855A0B7-3C6E-F408-709A-0C527C838B1F}"/>
+          </ac:spMkLst>
+        </pc:spChg>
+        <pc:spChg chg="add mod">
+          <ac:chgData name="Vasana,Manikanta" userId="S::s545551@nwmissouri.edu::aa5ba442-2039-4fd0-a3af-aa6dd8db2d87" providerId="AD" clId="Web-{9E33308C-2BE0-4477-9970-3C15019AEB70}" dt="2022-10-14T15:53:39.658" v="248" actId="1076"/>
+          <ac:spMkLst>
+            <pc:docMk/>
+            <pc:sldMk cId="1614585721" sldId="374"/>
+            <ac:spMk id="11" creationId="{E54C5EA5-4146-31E0-19C4-AA547EE0D708}"/>
+          </ac:spMkLst>
+        </pc:spChg>
+        <pc:picChg chg="add del mod ord">
+          <ac:chgData name="Vasana,Manikanta" userId="S::s545551@nwmissouri.edu::aa5ba442-2039-4fd0-a3af-aa6dd8db2d87" providerId="AD" clId="Web-{9E33308C-2BE0-4477-9970-3C15019AEB70}" dt="2022-10-14T15:03:20.026" v="168"/>
+          <ac:picMkLst>
+            <pc:docMk/>
+            <pc:sldMk cId="1614585721" sldId="374"/>
+            <ac:picMk id="4" creationId="{AC0CEC8A-93E8-390E-58FE-A5F7B83D6C34}"/>
+          </ac:picMkLst>
+        </pc:picChg>
+        <pc:picChg chg="add mod ord">
+          <ac:chgData name="Vasana,Manikanta" userId="S::s545551@nwmissouri.edu::aa5ba442-2039-4fd0-a3af-aa6dd8db2d87" providerId="AD" clId="Web-{9E33308C-2BE0-4477-9970-3C15019AEB70}" dt="2022-10-14T15:31:54.769" v="224" actId="14100"/>
+          <ac:picMkLst>
+            <pc:docMk/>
+            <pc:sldMk cId="1614585721" sldId="374"/>
+            <ac:picMk id="7" creationId="{406597BD-8376-9BDA-576E-517F9B18FE5B}"/>
+          </ac:picMkLst>
+        </pc:picChg>
+        <pc:picChg chg="add mod">
+          <ac:chgData name="Vasana,Manikanta" userId="S::s545551@nwmissouri.edu::aa5ba442-2039-4fd0-a3af-aa6dd8db2d87" providerId="AD" clId="Web-{9E33308C-2BE0-4477-9970-3C15019AEB70}" dt="2022-10-14T15:35:57.227" v="245" actId="1076"/>
+          <ac:picMkLst>
+            <pc:docMk/>
+            <pc:sldMk cId="1614585721" sldId="374"/>
+            <ac:picMk id="8" creationId="{BF9C0E73-55E4-52F9-38E3-84F4976B7964}"/>
+          </ac:picMkLst>
+        </pc:picChg>
+        <pc:cxnChg chg="add del">
+          <ac:chgData name="Vasana,Manikanta" userId="S::s545551@nwmissouri.edu::aa5ba442-2039-4fd0-a3af-aa6dd8db2d87" providerId="AD" clId="Web-{9E33308C-2BE0-4477-9970-3C15019AEB70}" dt="2022-10-14T15:34:10.834" v="239"/>
+          <ac:cxnSpMkLst>
+            <pc:docMk/>
+            <pc:sldMk cId="1614585721" sldId="374"/>
+            <ac:cxnSpMk id="10" creationId="{D3C279B2-BC41-D4BD-99BC-826F94D4B028}"/>
+          </ac:cxnSpMkLst>
+        </pc:cxnChg>
+      </pc:sldChg>
+      <pc:sldChg chg="new del">
+        <pc:chgData name="Vasana,Manikanta" userId="S::s545551@nwmissouri.edu::aa5ba442-2039-4fd0-a3af-aa6dd8db2d87" providerId="AD" clId="Web-{9E33308C-2BE0-4477-9970-3C15019AEB70}" dt="2022-10-14T15:31:10.439" v="216"/>
+        <pc:sldMkLst>
+          <pc:docMk/>
+          <pc:sldMk cId="1977206377" sldId="379"/>
+        </pc:sldMkLst>
+      </pc:sldChg>
+      <pc:sldChg chg="modSp new del">
+        <pc:chgData name="Vasana,Manikanta" userId="S::s545551@nwmissouri.edu::aa5ba442-2039-4fd0-a3af-aa6dd8db2d87" providerId="AD" clId="Web-{9E33308C-2BE0-4477-9970-3C15019AEB70}" dt="2022-10-14T15:30:27.564" v="209"/>
+        <pc:sldMkLst>
+          <pc:docMk/>
+          <pc:sldMk cId="2640318406" sldId="379"/>
+        </pc:sldMkLst>
+        <pc:spChg chg="mod">
+          <ac:chgData name="Vasana,Manikanta" userId="S::s545551@nwmissouri.edu::aa5ba442-2039-4fd0-a3af-aa6dd8db2d87" providerId="AD" clId="Web-{9E33308C-2BE0-4477-9970-3C15019AEB70}" dt="2022-10-14T15:30:22.376" v="208" actId="20577"/>
+          <ac:spMkLst>
+            <pc:docMk/>
+            <pc:sldMk cId="2640318406" sldId="379"/>
+            <ac:spMk id="2" creationId="{CD739126-00C5-80F3-1365-6F4CFFED23BD}"/>
           </ac:spMkLst>
         </pc:spChg>
       </pc:sldChg>
@@ -2922,79 +3255,78 @@
     </pc:docChg>
   </pc:docChgLst>
   <pc:docChgLst>
-    <pc:chgData name="Vissapragada,Sai Tejaswee" userId="S::s545438@nwmissouri.edu::ac5152bd-e08b-42ef-87f5-6857be20e85f" providerId="AD" clId="Web-{874B8582-0C7F-4F1F-9F7E-123D6B1CBF9C}"/>
-    <pc:docChg chg="addSld modSld">
-      <pc:chgData name="Vissapragada,Sai Tejaswee" userId="S::s545438@nwmissouri.edu::ac5152bd-e08b-42ef-87f5-6857be20e85f" providerId="AD" clId="Web-{874B8582-0C7F-4F1F-9F7E-123D6B1CBF9C}" dt="2022-10-14T01:22:06.883" v="76" actId="20577"/>
+    <pc:chgData name="Mohammed,Abdul Rehman Sayeed" userId="S::s545401@nwmissouri.edu::ec91287c-2f25-40c2-83a5-709028914a19" providerId="AD" clId="Web-{DC04F97A-613E-44C0-86A2-F40C8FEC6AB0}"/>
+    <pc:docChg chg="addSld delSld modSld sldOrd">
+      <pc:chgData name="Mohammed,Abdul Rehman Sayeed" userId="S::s545401@nwmissouri.edu::ec91287c-2f25-40c2-83a5-709028914a19" providerId="AD" clId="Web-{DC04F97A-613E-44C0-86A2-F40C8FEC6AB0}" dt="2022-10-14T15:38:16.803" v="68" actId="20577"/>
       <pc:docMkLst>
         <pc:docMk/>
       </pc:docMkLst>
+      <pc:sldChg chg="modSp ord">
+        <pc:chgData name="Mohammed,Abdul Rehman Sayeed" userId="S::s545401@nwmissouri.edu::ec91287c-2f25-40c2-83a5-709028914a19" providerId="AD" clId="Web-{DC04F97A-613E-44C0-86A2-F40C8FEC6AB0}" dt="2022-10-14T15:38:16.803" v="68" actId="20577"/>
+        <pc:sldMkLst>
+          <pc:docMk/>
+          <pc:sldMk cId="2442537970" sldId="341"/>
+        </pc:sldMkLst>
+        <pc:spChg chg="mod">
+          <ac:chgData name="Mohammed,Abdul Rehman Sayeed" userId="S::s545401@nwmissouri.edu::ec91287c-2f25-40c2-83a5-709028914a19" providerId="AD" clId="Web-{DC04F97A-613E-44C0-86A2-F40C8FEC6AB0}" dt="2022-10-14T15:38:16.803" v="68" actId="20577"/>
+          <ac:spMkLst>
+            <pc:docMk/>
+            <pc:sldMk cId="2442537970" sldId="341"/>
+            <ac:spMk id="28" creationId="{5625D5E9-34CA-4D00-BCB5-EB2CB1EDEA0D}"/>
+          </ac:spMkLst>
+        </pc:spChg>
+      </pc:sldChg>
       <pc:sldChg chg="modSp">
-        <pc:chgData name="Vissapragada,Sai Tejaswee" userId="S::s545438@nwmissouri.edu::ac5152bd-e08b-42ef-87f5-6857be20e85f" providerId="AD" clId="Web-{874B8582-0C7F-4F1F-9F7E-123D6B1CBF9C}" dt="2022-10-13T20:39:00.622" v="1" actId="20577"/>
+        <pc:chgData name="Mohammed,Abdul Rehman Sayeed" userId="S::s545401@nwmissouri.edu::ec91287c-2f25-40c2-83a5-709028914a19" providerId="AD" clId="Web-{DC04F97A-613E-44C0-86A2-F40C8FEC6AB0}" dt="2022-10-14T14:51:16.741" v="31" actId="20577"/>
+        <pc:sldMkLst>
+          <pc:docMk/>
+          <pc:sldMk cId="1045016516" sldId="343"/>
+        </pc:sldMkLst>
+        <pc:spChg chg="mod">
+          <ac:chgData name="Mohammed,Abdul Rehman Sayeed" userId="S::s545401@nwmissouri.edu::ec91287c-2f25-40c2-83a5-709028914a19" providerId="AD" clId="Web-{DC04F97A-613E-44C0-86A2-F40C8FEC6AB0}" dt="2022-10-14T14:51:16.741" v="31" actId="20577"/>
+          <ac:spMkLst>
+            <pc:docMk/>
+            <pc:sldMk cId="1045016516" sldId="343"/>
+            <ac:spMk id="3" creationId="{9EF72435-41D5-40ED-A1E0-F497D91EB7D3}"/>
+          </ac:spMkLst>
+        </pc:spChg>
+      </pc:sldChg>
+      <pc:sldChg chg="modSp">
+        <pc:chgData name="Mohammed,Abdul Rehman Sayeed" userId="S::s545401@nwmissouri.edu::ec91287c-2f25-40c2-83a5-709028914a19" providerId="AD" clId="Web-{DC04F97A-613E-44C0-86A2-F40C8FEC6AB0}" dt="2022-10-14T14:41:46.491" v="20" actId="20577"/>
+        <pc:sldMkLst>
+          <pc:docMk/>
+          <pc:sldMk cId="1898072782" sldId="344"/>
+        </pc:sldMkLst>
+        <pc:spChg chg="mod">
+          <ac:chgData name="Mohammed,Abdul Rehman Sayeed" userId="S::s545401@nwmissouri.edu::ec91287c-2f25-40c2-83a5-709028914a19" providerId="AD" clId="Web-{DC04F97A-613E-44C0-86A2-F40C8FEC6AB0}" dt="2022-10-14T14:41:46.491" v="20" actId="20577"/>
+          <ac:spMkLst>
+            <pc:docMk/>
+            <pc:sldMk cId="1898072782" sldId="344"/>
+            <ac:spMk id="2" creationId="{B68093B9-6981-40EC-9AFD-1A8DBA15D2B3}"/>
+          </ac:spMkLst>
+        </pc:spChg>
+      </pc:sldChg>
+      <pc:sldChg chg="modSp">
+        <pc:chgData name="Mohammed,Abdul Rehman Sayeed" userId="S::s545401@nwmissouri.edu::ec91287c-2f25-40c2-83a5-709028914a19" providerId="AD" clId="Web-{DC04F97A-613E-44C0-86A2-F40C8FEC6AB0}" dt="2022-10-14T15:18:57.804" v="41" actId="20577"/>
         <pc:sldMkLst>
           <pc:docMk/>
           <pc:sldMk cId="1841957312" sldId="357"/>
         </pc:sldMkLst>
         <pc:spChg chg="mod">
-          <ac:chgData name="Vissapragada,Sai Tejaswee" userId="S::s545438@nwmissouri.edu::ac5152bd-e08b-42ef-87f5-6857be20e85f" providerId="AD" clId="Web-{874B8582-0C7F-4F1F-9F7E-123D6B1CBF9C}" dt="2022-10-13T20:39:00.622" v="1" actId="20577"/>
+          <ac:chgData name="Mohammed,Abdul Rehman Sayeed" userId="S::s545401@nwmissouri.edu::ec91287c-2f25-40c2-83a5-709028914a19" providerId="AD" clId="Web-{DC04F97A-613E-44C0-86A2-F40C8FEC6AB0}" dt="2022-10-14T15:18:57.804" v="41" actId="20577"/>
           <ac:spMkLst>
             <pc:docMk/>
             <pc:sldMk cId="1841957312" sldId="357"/>
-            <ac:spMk id="2" creationId="{00E763BB-9BA0-8B15-EC3A-9596592F3FC1}"/>
+            <ac:spMk id="3" creationId="{66B15469-23DA-28F8-3644-BAB61795B752}"/>
           </ac:spMkLst>
         </pc:spChg>
       </pc:sldChg>
-      <pc:sldChg chg="modSp">
-        <pc:chgData name="Vissapragada,Sai Tejaswee" userId="S::s545438@nwmissouri.edu::ac5152bd-e08b-42ef-87f5-6857be20e85f" providerId="AD" clId="Web-{874B8582-0C7F-4F1F-9F7E-123D6B1CBF9C}" dt="2022-10-14T01:19:11.441" v="29" actId="20577"/>
+      <pc:sldChg chg="add del replId">
+        <pc:chgData name="Mohammed,Abdul Rehman Sayeed" userId="S::s545401@nwmissouri.edu::ec91287c-2f25-40c2-83a5-709028914a19" providerId="AD" clId="Web-{DC04F97A-613E-44C0-86A2-F40C8FEC6AB0}" dt="2022-10-14T15:08:36.179" v="38"/>
         <pc:sldMkLst>
           <pc:docMk/>
-          <pc:sldMk cId="2423198090" sldId="363"/>
+          <pc:sldMk cId="945766289" sldId="375"/>
         </pc:sldMkLst>
-        <pc:spChg chg="mod">
-          <ac:chgData name="Vissapragada,Sai Tejaswee" userId="S::s545438@nwmissouri.edu::ac5152bd-e08b-42ef-87f5-6857be20e85f" providerId="AD" clId="Web-{874B8582-0C7F-4F1F-9F7E-123D6B1CBF9C}" dt="2022-10-14T01:19:11.441" v="29" actId="20577"/>
-          <ac:spMkLst>
-            <pc:docMk/>
-            <pc:sldMk cId="2423198090" sldId="363"/>
-            <ac:spMk id="3" creationId="{3C27D1C7-E779-949F-4B8F-5A301D08E902}"/>
-          </ac:spMkLst>
-        </pc:spChg>
-      </pc:sldChg>
-      <pc:sldChg chg="modSp">
-        <pc:chgData name="Vissapragada,Sai Tejaswee" userId="S::s545438@nwmissouri.edu::ac5152bd-e08b-42ef-87f5-6857be20e85f" providerId="AD" clId="Web-{874B8582-0C7F-4F1F-9F7E-123D6B1CBF9C}" dt="2022-10-13T20:38:48.794" v="0" actId="20577"/>
-        <pc:sldMkLst>
-          <pc:docMk/>
-          <pc:sldMk cId="3868749730" sldId="367"/>
-        </pc:sldMkLst>
-        <pc:spChg chg="mod">
-          <ac:chgData name="Vissapragada,Sai Tejaswee" userId="S::s545438@nwmissouri.edu::ac5152bd-e08b-42ef-87f5-6857be20e85f" providerId="AD" clId="Web-{874B8582-0C7F-4F1F-9F7E-123D6B1CBF9C}" dt="2022-10-13T20:38:48.794" v="0" actId="20577"/>
-          <ac:spMkLst>
-            <pc:docMk/>
-            <pc:sldMk cId="3868749730" sldId="367"/>
-            <ac:spMk id="2" creationId="{B0B3554D-045E-A7DF-ADEE-5920476E61E9}"/>
-          </ac:spMkLst>
-        </pc:spChg>
-      </pc:sldChg>
-      <pc:sldChg chg="modSp new">
-        <pc:chgData name="Vissapragada,Sai Tejaswee" userId="S::s545438@nwmissouri.edu::ac5152bd-e08b-42ef-87f5-6857be20e85f" providerId="AD" clId="Web-{874B8582-0C7F-4F1F-9F7E-123D6B1CBF9C}" dt="2022-10-14T01:22:06.883" v="76" actId="20577"/>
-        <pc:sldMkLst>
-          <pc:docMk/>
-          <pc:sldMk cId="2698460313" sldId="368"/>
-        </pc:sldMkLst>
-        <pc:spChg chg="mod">
-          <ac:chgData name="Vissapragada,Sai Tejaswee" userId="S::s545438@nwmissouri.edu::ac5152bd-e08b-42ef-87f5-6857be20e85f" providerId="AD" clId="Web-{874B8582-0C7F-4F1F-9F7E-123D6B1CBF9C}" dt="2022-10-14T01:19:21.645" v="39" actId="20577"/>
-          <ac:spMkLst>
-            <pc:docMk/>
-            <pc:sldMk cId="2698460313" sldId="368"/>
-            <ac:spMk id="2" creationId="{57E92D1A-143E-A8D1-5650-23C53F336A3A}"/>
-          </ac:spMkLst>
-        </pc:spChg>
-        <pc:spChg chg="mod">
-          <ac:chgData name="Vissapragada,Sai Tejaswee" userId="S::s545438@nwmissouri.edu::ac5152bd-e08b-42ef-87f5-6857be20e85f" providerId="AD" clId="Web-{874B8582-0C7F-4F1F-9F7E-123D6B1CBF9C}" dt="2022-10-14T01:22:06.883" v="76" actId="20577"/>
-          <ac:spMkLst>
-            <pc:docMk/>
-            <pc:sldMk cId="2698460313" sldId="368"/>
-            <ac:spMk id="3" creationId="{0485A877-B7E7-764E-DB9E-520F12AC7E8A}"/>
-          </ac:spMkLst>
-        </pc:spChg>
       </pc:sldChg>
     </pc:docChg>
   </pc:docChgLst>
@@ -3083,7 +3415,7 @@
           <a:p>
             <a:fld id="{B0433E97-FADB-4491-B54C-1BDF826AF2C8}" type="datetimeFigureOut">
               <a:rPr lang="en-US" smtClean="0"/>
-              <a:t>11/28/2022</a:t>
+              <a:t>11/30/2022</a:t>
             </a:fld>
             <a:endParaRPr lang="en-US"/>
           </a:p>
@@ -3350,6 +3682,90 @@
 </p:notesMaster>
 </file>
 
+<file path=ppt/notesSlides/notesSlide1.xml><?xml version="1.0" encoding="utf-8"?>
+<p:notes xmlns:a="http://schemas.openxmlformats.org/drawingml/2006/main" xmlns:r="http://schemas.openxmlformats.org/officeDocument/2006/relationships" xmlns:p="http://schemas.openxmlformats.org/presentationml/2006/main">
+  <p:cSld>
+    <p:spTree>
+      <p:nvGrpSpPr>
+        <p:cNvPr id="1" name=""/>
+        <p:cNvGrpSpPr/>
+        <p:nvPr/>
+      </p:nvGrpSpPr>
+      <p:grpSpPr>
+        <a:xfrm>
+          <a:off x="0" y="0"/>
+          <a:ext cx="0" cy="0"/>
+          <a:chOff x="0" y="0"/>
+          <a:chExt cx="0" cy="0"/>
+        </a:xfrm>
+      </p:grpSpPr>
+      <p:sp>
+        <p:nvSpPr>
+          <p:cNvPr id="2" name="Slide Image Placeholder 1"/>
+          <p:cNvSpPr>
+            <a:spLocks noGrp="1" noRot="1" noChangeAspect="1"/>
+          </p:cNvSpPr>
+          <p:nvPr>
+            <p:ph type="sldImg"/>
+          </p:nvPr>
+        </p:nvSpPr>
+        <p:spPr/>
+      </p:sp>
+      <p:sp>
+        <p:nvSpPr>
+          <p:cNvPr id="3" name="Notes Placeholder 2"/>
+          <p:cNvSpPr>
+            <a:spLocks noGrp="1"/>
+          </p:cNvSpPr>
+          <p:nvPr>
+            <p:ph type="body" idx="1"/>
+          </p:nvPr>
+        </p:nvSpPr>
+        <p:spPr/>
+        <p:txBody>
+          <a:bodyPr/>
+          <a:lstStyle/>
+          <a:p>
+            <a:endParaRPr lang="en-US" dirty="0"/>
+          </a:p>
+        </p:txBody>
+      </p:sp>
+      <p:sp>
+        <p:nvSpPr>
+          <p:cNvPr id="4" name="Slide Number Placeholder 3"/>
+          <p:cNvSpPr>
+            <a:spLocks noGrp="1"/>
+          </p:cNvSpPr>
+          <p:nvPr>
+            <p:ph type="sldNum" sz="quarter" idx="5"/>
+          </p:nvPr>
+        </p:nvSpPr>
+        <p:spPr/>
+        <p:txBody>
+          <a:bodyPr/>
+          <a:lstStyle/>
+          <a:p>
+            <a:fld id="{EDC17F1F-E773-4BAF-8FCE-005674C8D8EE}" type="slidenum">
+              <a:rPr lang="en-US" smtClean="0"/>
+              <a:t>24</a:t>
+            </a:fld>
+            <a:endParaRPr lang="en-US"/>
+          </a:p>
+        </p:txBody>
+      </p:sp>
+    </p:spTree>
+    <p:extLst>
+      <p:ext uri="{BB962C8B-B14F-4D97-AF65-F5344CB8AC3E}">
+        <p14:creationId xmlns:p14="http://schemas.microsoft.com/office/powerpoint/2010/main" val="2801816775"/>
+      </p:ext>
+    </p:extLst>
+  </p:cSld>
+  <p:clrMapOvr>
+    <a:masterClrMapping/>
+  </p:clrMapOvr>
+</p:notes>
+</file>
+
 <file path=ppt/slideLayouts/slideLayout1.xml><?xml version="1.0" encoding="utf-8"?>
 <p:sldLayout xmlns:a="http://schemas.openxmlformats.org/drawingml/2006/main" xmlns:r="http://schemas.openxmlformats.org/officeDocument/2006/relationships" xmlns:p="http://schemas.openxmlformats.org/presentationml/2006/main" type="title" preserve="1">
   <p:cSld name="Title Slide">
@@ -3479,7 +3895,7 @@
           <a:p>
             <a:fld id="{C764DE79-268F-4C1A-8933-263129D2AF90}" type="datetimeFigureOut">
               <a:rPr lang="en-US" dirty="0"/>
-              <a:t>11/28/2022</a:t>
+              <a:t>11/30/2022</a:t>
             </a:fld>
             <a:endParaRPr lang="en-US"/>
           </a:p>
@@ -3647,7 +4063,7 @@
           <a:p>
             <a:fld id="{C764DE79-268F-4C1A-8933-263129D2AF90}" type="datetimeFigureOut">
               <a:rPr lang="en-US" dirty="0"/>
-              <a:t>11/28/2022</a:t>
+              <a:t>11/30/2022</a:t>
             </a:fld>
             <a:endParaRPr lang="en-US"/>
           </a:p>
@@ -3825,7 +4241,7 @@
           <a:p>
             <a:fld id="{C764DE79-268F-4C1A-8933-263129D2AF90}" type="datetimeFigureOut">
               <a:rPr lang="en-US" dirty="0"/>
-              <a:t>11/28/2022</a:t>
+              <a:t>11/30/2022</a:t>
             </a:fld>
             <a:endParaRPr lang="en-US"/>
           </a:p>
@@ -3993,7 +4409,7 @@
           <a:p>
             <a:fld id="{C764DE79-268F-4C1A-8933-263129D2AF90}" type="datetimeFigureOut">
               <a:rPr lang="en-US" dirty="0"/>
-              <a:t>11/28/2022</a:t>
+              <a:t>11/30/2022</a:t>
             </a:fld>
             <a:endParaRPr lang="en-US"/>
           </a:p>
@@ -4238,7 +4654,7 @@
           <a:p>
             <a:fld id="{C764DE79-268F-4C1A-8933-263129D2AF90}" type="datetimeFigureOut">
               <a:rPr lang="en-US" dirty="0"/>
-              <a:t>11/28/2022</a:t>
+              <a:t>11/30/2022</a:t>
             </a:fld>
             <a:endParaRPr lang="en-US"/>
           </a:p>
@@ -4467,7 +4883,7 @@
           <a:p>
             <a:fld id="{C764DE79-268F-4C1A-8933-263129D2AF90}" type="datetimeFigureOut">
               <a:rPr lang="en-US" dirty="0"/>
-              <a:t>11/28/2022</a:t>
+              <a:t>11/30/2022</a:t>
             </a:fld>
             <a:endParaRPr lang="en-US"/>
           </a:p>
@@ -4831,7 +5247,7 @@
           <a:p>
             <a:fld id="{C764DE79-268F-4C1A-8933-263129D2AF90}" type="datetimeFigureOut">
               <a:rPr lang="en-US" dirty="0"/>
-              <a:t>11/28/2022</a:t>
+              <a:t>11/30/2022</a:t>
             </a:fld>
             <a:endParaRPr lang="en-US"/>
           </a:p>
@@ -4948,7 +5364,7 @@
           <a:p>
             <a:fld id="{C764DE79-268F-4C1A-8933-263129D2AF90}" type="datetimeFigureOut">
               <a:rPr lang="en-US" dirty="0"/>
-              <a:t>11/28/2022</a:t>
+              <a:t>11/30/2022</a:t>
             </a:fld>
             <a:endParaRPr lang="en-US"/>
           </a:p>
@@ -5043,7 +5459,7 @@
           <a:p>
             <a:fld id="{C764DE79-268F-4C1A-8933-263129D2AF90}" type="datetimeFigureOut">
               <a:rPr lang="en-US" dirty="0"/>
-              <a:t>11/28/2022</a:t>
+              <a:t>11/30/2022</a:t>
             </a:fld>
             <a:endParaRPr lang="en-US"/>
           </a:p>
@@ -5318,7 +5734,7 @@
           <a:p>
             <a:fld id="{C764DE79-268F-4C1A-8933-263129D2AF90}" type="datetimeFigureOut">
               <a:rPr lang="en-US" dirty="0"/>
-              <a:t>11/28/2022</a:t>
+              <a:t>11/30/2022</a:t>
             </a:fld>
             <a:endParaRPr lang="en-US"/>
           </a:p>
@@ -5570,7 +5986,7 @@
           <a:p>
             <a:fld id="{C764DE79-268F-4C1A-8933-263129D2AF90}" type="datetimeFigureOut">
               <a:rPr lang="en-US" dirty="0"/>
-              <a:t>11/28/2022</a:t>
+              <a:t>11/30/2022</a:t>
             </a:fld>
             <a:endParaRPr lang="en-US"/>
           </a:p>
@@ -5781,7 +6197,7 @@
           <a:p>
             <a:fld id="{C764DE79-268F-4C1A-8933-263129D2AF90}" type="datetimeFigureOut">
               <a:rPr lang="en-US" dirty="0"/>
-              <a:t>11/28/2022</a:t>
+              <a:t>11/30/2022</a:t>
             </a:fld>
             <a:endParaRPr lang="en-US"/>
           </a:p>
@@ -6215,7 +6631,7 @@
           <a:lstStyle/>
           <a:p>
             <a:r>
-              <a:rPr lang="en-US" b="1">
+              <a:rPr lang="en-US" b="1" dirty="0">
                 <a:cs typeface="Calibri Light"/>
               </a:rPr>
               <a:t> Two Factor Authentication</a:t>
@@ -6565,6 +6981,14 @@
 <file path=ppt/slides/slide10.xml><?xml version="1.0" encoding="utf-8"?>
 <p:sld xmlns:a="http://schemas.openxmlformats.org/drawingml/2006/main" xmlns:r="http://schemas.openxmlformats.org/officeDocument/2006/relationships" xmlns:p="http://schemas.openxmlformats.org/presentationml/2006/main">
   <p:cSld>
+    <p:bg>
+      <p:bgPr>
+        <a:solidFill>
+          <a:schemeClr val="bg1"/>
+        </a:solidFill>
+        <a:effectLst/>
+      </p:bgPr>
+    </p:bg>
     <p:spTree>
       <p:nvGrpSpPr>
         <p:cNvPr id="1" name=""/>
@@ -6584,7 +7008,7 @@
           <p:cNvPr id="2" name="Title 1">
             <a:extLst>
               <a:ext uri="{FF2B5EF4-FFF2-40B4-BE49-F238E27FC236}">
-                <a16:creationId xmlns:a16="http://schemas.microsoft.com/office/drawing/2014/main" id="{823C8B64-1E38-4FF9-9F3B-F5E69809B377}"/>
+                <a16:creationId xmlns:a16="http://schemas.microsoft.com/office/drawing/2014/main" id="{699FDC42-B1C1-8EF3-24EB-74E32AB17A6B}"/>
               </a:ext>
             </a:extLst>
           </p:cNvPr>
@@ -6595,29 +7019,34 @@
             <p:ph type="title"/>
           </p:nvPr>
         </p:nvSpPr>
-        <p:spPr/>
-        <p:txBody>
-          <a:bodyPr/>
+        <p:spPr>
+          <a:xfrm>
+            <a:off x="648929" y="629266"/>
+            <a:ext cx="10894140" cy="1622321"/>
+          </a:xfrm>
+        </p:spPr>
+        <p:txBody>
+          <a:bodyPr>
+            <a:normAutofit/>
+          </a:bodyPr>
           <a:lstStyle/>
           <a:p>
             <a:r>
-              <a:rPr lang="en-US" b="1" err="1"/>
-              <a:t>Heartwave</a:t>
-            </a:r>
-            <a:r>
-              <a:rPr lang="en-US" b="1"/>
-              <a:t> Authentication using ML</a:t>
-            </a:r>
-            <a:endParaRPr lang="en-US"/>
-          </a:p>
-        </p:txBody>
-      </p:sp>
-      <p:sp>
-        <p:nvSpPr>
-          <p:cNvPr id="4" name="Slide Number Placeholder 3">
+              <a:rPr lang="en-US" b="1" dirty="0"/>
+              <a:t>Methodology-1</a:t>
+            </a:r>
+            <a:endParaRPr lang="en-US" b="1" dirty="0">
+              <a:cs typeface="Calibri Light"/>
+            </a:endParaRPr>
+          </a:p>
+        </p:txBody>
+      </p:sp>
+      <p:sp>
+        <p:nvSpPr>
+          <p:cNvPr id="3" name="Content Placeholder 2">
             <a:extLst>
               <a:ext uri="{FF2B5EF4-FFF2-40B4-BE49-F238E27FC236}">
-                <a16:creationId xmlns:a16="http://schemas.microsoft.com/office/drawing/2014/main" id="{7C79D3E6-8253-4877-8B5A-5E0FF1CCEEC1}"/>
+                <a16:creationId xmlns:a16="http://schemas.microsoft.com/office/drawing/2014/main" id="{A8E34014-DCF4-FA40-FD67-BBA08040D734}"/>
               </a:ext>
             </a:extLst>
           </p:cNvPr>
@@ -6625,62 +7054,140 @@
             <a:spLocks noGrp="1"/>
           </p:cNvSpPr>
           <p:nvPr>
-            <p:ph type="sldNum" sz="quarter" idx="12"/>
+            <p:ph idx="1"/>
           </p:nvPr>
         </p:nvSpPr>
-        <p:spPr/>
-        <p:txBody>
-          <a:bodyPr/>
-          <a:lstStyle/>
-          <a:p>
-            <a:fld id="{E646F01A-99B6-407D-AC36-D8F996900DD0}" type="slidenum">
-              <a:rPr lang="en-US" smtClean="0"/>
-              <a:t>10</a:t>
-            </a:fld>
-            <a:endParaRPr lang="en-US"/>
-          </a:p>
-        </p:txBody>
-      </p:sp>
-      <p:pic>
-        <p:nvPicPr>
-          <p:cNvPr id="6" name="Picture 5" descr="Diagram&#10;&#10;Description automatically generated">
-            <a:extLst>
-              <a:ext uri="{FF2B5EF4-FFF2-40B4-BE49-F238E27FC236}">
-                <a16:creationId xmlns:a16="http://schemas.microsoft.com/office/drawing/2014/main" id="{D46CD57F-1508-65DF-36A4-154AC6B4DA99}"/>
-              </a:ext>
-            </a:extLst>
-          </p:cNvPr>
-          <p:cNvPicPr>
-            <a:picLocks noChangeAspect="1"/>
-          </p:cNvPicPr>
-          <p:nvPr/>
-        </p:nvPicPr>
-        <p:blipFill>
-          <a:blip r:embed="rId2">
-            <a:extLst>
-              <a:ext uri="{28A0092B-C50C-407E-A947-70E740481C1C}">
-                <a14:useLocalDpi xmlns:a14="http://schemas.microsoft.com/office/drawing/2010/main" val="0"/>
-              </a:ext>
-            </a:extLst>
-          </a:blip>
-          <a:stretch>
-            <a:fillRect/>
-          </a:stretch>
-        </p:blipFill>
         <p:spPr>
           <a:xfrm>
-            <a:off x="167640" y="1615131"/>
-            <a:ext cx="11353800" cy="5106344"/>
+            <a:off x="648931" y="1958237"/>
+            <a:ext cx="8859546" cy="4375656"/>
           </a:xfrm>
-          <a:prstGeom prst="rect">
-            <a:avLst/>
-          </a:prstGeom>
         </p:spPr>
-      </p:pic>
+        <p:txBody>
+          <a:bodyPr vert="horz" lIns="91440" tIns="45720" rIns="91440" bIns="45720" rtlCol="0" anchor="t">
+            <a:noAutofit/>
+          </a:bodyPr>
+          <a:lstStyle/>
+          <a:p>
+            <a:r>
+              <a:rPr lang="en-US" sz="2400" dirty="0">
+                <a:ea typeface="+mn-lt"/>
+                <a:cs typeface="+mn-lt"/>
+              </a:rPr>
+              <a:t>The input dataset is in form of .txt files</a:t>
+            </a:r>
+          </a:p>
+          <a:p>
+            <a:r>
+              <a:rPr lang="en-US" sz="2400" dirty="0">
+                <a:cs typeface="Calibri"/>
+              </a:rPr>
+              <a:t>The .txt files have 2 extracted features, they are time lapse and ecg-1 filtered </a:t>
+            </a:r>
+            <a:endParaRPr lang="en-US" sz="2400" dirty="0">
+              <a:ea typeface="+mn-lt"/>
+              <a:cs typeface="+mn-lt"/>
+            </a:endParaRPr>
+          </a:p>
+          <a:p>
+            <a:r>
+              <a:rPr lang="en-US" sz="2400" dirty="0">
+                <a:ea typeface="+mn-lt"/>
+                <a:cs typeface="+mn-lt"/>
+              </a:rPr>
+              <a:t>There are 20 ECG recordings obtained from 20 persons</a:t>
+            </a:r>
+            <a:endParaRPr lang="en-US" sz="2400" dirty="0">
+              <a:cs typeface="Calibri" panose="020F0502020204030204"/>
+            </a:endParaRPr>
+          </a:p>
+          <a:p>
+            <a:r>
+              <a:rPr lang="en-US" sz="2400" dirty="0">
+                <a:ea typeface="+mn-lt"/>
+                <a:cs typeface="+mn-lt"/>
+              </a:rPr>
+              <a:t>Each person is recorded for 10 seconds</a:t>
+            </a:r>
+            <a:endParaRPr lang="en-US" sz="2400" dirty="0">
+              <a:cs typeface="Calibri"/>
+            </a:endParaRPr>
+          </a:p>
+          <a:p>
+            <a:r>
+              <a:rPr lang="en-US" sz="2400" dirty="0">
+                <a:cs typeface="Calibri"/>
+              </a:rPr>
+              <a:t>Source Link for methodology-1:</a:t>
+            </a:r>
+          </a:p>
+          <a:p>
+            <a:pPr marL="0" indent="0">
+              <a:buNone/>
+            </a:pPr>
+            <a:r>
+              <a:rPr lang="en-US" sz="2400" dirty="0">
+                <a:cs typeface="Calibri"/>
+              </a:rPr>
+              <a:t> </a:t>
+            </a:r>
+            <a:r>
+              <a:rPr lang="en-US" sz="2400" dirty="0">
+                <a:cs typeface="Calibri" panose="020F0502020204030204"/>
+                <a:hlinkClick r:id="rId2" action="ppaction://hlinksldjump"/>
+              </a:rPr>
+              <a:t>https://archive.physionet.org/cgi-bin/atm/ATM</a:t>
+            </a:r>
+            <a:endParaRPr lang="en-US" sz="2400" dirty="0">
+              <a:cs typeface="Calibri"/>
+            </a:endParaRPr>
+          </a:p>
+          <a:p>
+            <a:pPr marL="0" indent="0">
+              <a:buNone/>
+            </a:pPr>
+            <a:endParaRPr lang="en-US" sz="2400" dirty="0">
+              <a:ea typeface="+mn-lt"/>
+              <a:cs typeface="+mn-lt"/>
+            </a:endParaRPr>
+          </a:p>
+          <a:p>
+            <a:pPr marL="0" indent="0">
+              <a:buNone/>
+            </a:pPr>
+            <a:endParaRPr lang="en-US" sz="2400" dirty="0">
+              <a:cs typeface="Calibri"/>
+            </a:endParaRPr>
+          </a:p>
+          <a:p>
+            <a:endParaRPr lang="en-US" sz="2400" dirty="0">
+              <a:cs typeface="Calibri"/>
+            </a:endParaRPr>
+          </a:p>
+          <a:p>
+            <a:pPr marL="0" indent="0">
+              <a:buNone/>
+            </a:pPr>
+            <a:endParaRPr lang="en-US" dirty="0">
+              <a:cs typeface="Calibri"/>
+            </a:endParaRPr>
+          </a:p>
+          <a:p>
+            <a:endParaRPr lang="en-US" sz="2000" dirty="0">
+              <a:cs typeface="Calibri"/>
+            </a:endParaRPr>
+          </a:p>
+          <a:p>
+            <a:endParaRPr lang="en-US" sz="2000" dirty="0">
+              <a:cs typeface="Calibri"/>
+            </a:endParaRPr>
+          </a:p>
+        </p:txBody>
+      </p:sp>
     </p:spTree>
     <p:extLst>
       <p:ext uri="{BB962C8B-B14F-4D97-AF65-F5344CB8AC3E}">
-        <p14:creationId xmlns:p14="http://schemas.microsoft.com/office/powerpoint/2010/main" val="219102181"/>
+        <p14:creationId xmlns:p14="http://schemas.microsoft.com/office/powerpoint/2010/main" val="1837471576"/>
       </p:ext>
     </p:extLst>
   </p:cSld>
@@ -6729,7 +7236,7 @@
           <a:lstStyle/>
           <a:p>
             <a:r>
-              <a:rPr lang="en-US" b="1"/>
+              <a:rPr lang="en-US" b="1" dirty="0"/>
               <a:t>Fourier Flipping Transformation</a:t>
             </a:r>
           </a:p>
@@ -6768,43 +7275,74 @@
                 <a:ea typeface="+mn-lt"/>
                 <a:cs typeface="+mn-lt"/>
               </a:rPr>
-              <a:t>The data given as input is .</a:t>
-            </a:r>
-            <a:r>
-              <a:rPr lang="en-US" sz="2400" dirty="0" err="1">
-                <a:ea typeface="+mn-lt"/>
-                <a:cs typeface="+mn-lt"/>
+              <a:t>The data given as input is .txt files</a:t>
+            </a:r>
+          </a:p>
+          <a:p>
+            <a:pPr algn="just">
+              <a:lnSpc>
+                <a:spcPct val="107000"/>
+              </a:lnSpc>
+              <a:spcBef>
+                <a:spcPts val="0"/>
+              </a:spcBef>
+              <a:spcAft>
+                <a:spcPts val="800"/>
+              </a:spcAft>
+            </a:pPr>
+            <a:r>
+              <a:rPr lang="en-IN" sz="2400" dirty="0">
+                <a:latin typeface="Calibri" panose="020F0502020204030204" pitchFamily="34" charset="0"/>
+                <a:ea typeface="Calibri" panose="020F0502020204030204" pitchFamily="34" charset="0"/>
+                <a:cs typeface="Calibri" panose="020F0502020204030204" pitchFamily="34" charset="0"/>
               </a:rPr>
-              <a:t>atr</a:t>
-            </a:r>
-            <a:r>
-              <a:rPr lang="en-US" sz="2400" dirty="0">
-                <a:ea typeface="+mn-lt"/>
-                <a:cs typeface="+mn-lt"/>
+              <a:t>In</a:t>
+            </a:r>
+            <a:r>
+              <a:rPr lang="en-IN" sz="2400" dirty="0">
+                <a:effectLst/>
+                <a:latin typeface="Calibri" panose="020F0502020204030204" pitchFamily="34" charset="0"/>
+                <a:ea typeface="Calibri" panose="020F0502020204030204" pitchFamily="34" charset="0"/>
+                <a:cs typeface="Calibri" panose="020F0502020204030204" pitchFamily="34" charset="0"/>
               </a:rPr>
-              <a:t> files</a:t>
-            </a:r>
-          </a:p>
-          <a:p>
-            <a:r>
-              <a:rPr lang="en-US" sz="2400" dirty="0">
-                <a:ea typeface="+mn-lt"/>
-                <a:cs typeface="+mn-lt"/>
+              <a:t> this module we will pre-process dataset to remove missing values</a:t>
+            </a:r>
+          </a:p>
+          <a:p>
+            <a:pPr algn="just">
+              <a:lnSpc>
+                <a:spcPct val="107000"/>
+              </a:lnSpc>
+              <a:spcBef>
+                <a:spcPts val="0"/>
+              </a:spcBef>
+              <a:spcAft>
+                <a:spcPts val="800"/>
+              </a:spcAft>
+            </a:pPr>
+            <a:r>
+              <a:rPr lang="en-IN" sz="2400" dirty="0">
+                <a:latin typeface="Calibri" panose="020F0502020204030204" pitchFamily="34" charset="0"/>
+                <a:ea typeface="Calibri" panose="020F0502020204030204" pitchFamily="34" charset="0"/>
+                <a:cs typeface="Calibri" panose="020F0502020204030204" pitchFamily="34" charset="0"/>
               </a:rPr>
-              <a:t>The Fast Fourier Transform (FFT) is an implementation of the DFT which produces almost the same results as the DFT, but it is incredibly more efficient and much faster which often reduces the computation time significantly.</a:t>
+              <a:t>A</a:t>
+            </a:r>
+            <a:r>
+              <a:rPr lang="en-IN" sz="2400" dirty="0">
+                <a:effectLst/>
+                <a:latin typeface="Calibri" panose="020F0502020204030204" pitchFamily="34" charset="0"/>
+                <a:ea typeface="Calibri" panose="020F0502020204030204" pitchFamily="34" charset="0"/>
+                <a:cs typeface="Calibri" panose="020F0502020204030204" pitchFamily="34" charset="0"/>
+              </a:rPr>
+              <a:t>nd then apply flipping and Fourier transform algorithm to select important attributes from dataset</a:t>
             </a:r>
             <a:endParaRPr lang="en-US" sz="2400" dirty="0">
-              <a:cs typeface="Calibri" panose="020F0502020204030204"/>
+              <a:effectLst/>
+              <a:latin typeface="Calibri" panose="020F0502020204030204" pitchFamily="34" charset="0"/>
+              <a:ea typeface="Calibri" panose="020F0502020204030204" pitchFamily="34" charset="0"/>
+              <a:cs typeface="Calibri" panose="020F0502020204030204" pitchFamily="34" charset="0"/>
             </a:endParaRPr>
-          </a:p>
-          <a:p>
-            <a:r>
-              <a:rPr lang="en-US" sz="2400" dirty="0">
-                <a:ea typeface="+mn-lt"/>
-                <a:cs typeface="+mn-lt"/>
-              </a:rPr>
-              <a:t>Fourier transform is a transformation technique that transforms such functions which are depending on the time domain into such function which depends on the temporal frequency domain.</a:t>
-            </a:r>
           </a:p>
           <a:p>
             <a:r>
@@ -6912,7 +7450,7 @@
           <a:lstStyle/>
           <a:p>
             <a:r>
-              <a:rPr lang="en-US" b="1">
+              <a:rPr lang="en-US" b="1" dirty="0">
                 <a:ea typeface="+mj-lt"/>
                 <a:cs typeface="+mj-lt"/>
               </a:rPr>
@@ -7174,19 +7712,7 @@
               <a:rPr lang="en-US" sz="2400" dirty="0">
                 <a:cs typeface="Calibri"/>
               </a:rPr>
-              <a:t>We will then use test-train and split to split our data into two parts which will be used for training and testing. For example, from the above code we can see that amount data used for training is 0.9 or 90% of data in form of array and the remaining amount of data ,i.e. , 0.1 or 10% of data will be used for testing. </a:t>
-            </a:r>
-          </a:p>
-          <a:p>
-            <a:pPr marL="457200" indent="-457200">
-              <a:buFont typeface="+mj-lt"/>
-              <a:buAutoNum type="arabicPeriod"/>
-            </a:pPr>
-            <a:r>
-              <a:rPr lang="en-US" sz="2400" dirty="0">
-                <a:cs typeface="Calibri"/>
-              </a:rPr>
-              <a:t> </a:t>
+              <a:t>We will then use test-train and split to split our data into two parts which will be used for training and testing. </a:t>
             </a:r>
             <a:r>
               <a:rPr lang="en-US" sz="2400" dirty="0">
@@ -7197,9 +7723,8 @@
             </a:r>
           </a:p>
           <a:p>
-            <a:pPr marL="457200" indent="-457200">
-              <a:buFont typeface="+mj-lt"/>
-              <a:buAutoNum type="arabicPeriod"/>
+            <a:pPr marL="0" indent="0">
+              <a:buNone/>
             </a:pPr>
             <a:endParaRPr lang="en-US" sz="2400" dirty="0">
               <a:ea typeface="+mn-lt"/>
@@ -7274,7 +7799,7 @@
         </p:blipFill>
         <p:spPr>
           <a:xfrm>
-            <a:off x="2295525" y="4951974"/>
+            <a:off x="1970554" y="4160238"/>
             <a:ext cx="7600950" cy="1800225"/>
           </a:xfrm>
           <a:prstGeom prst="rect">
@@ -7357,7 +7882,7 @@
                 <a:ea typeface="+mn-lt"/>
                 <a:cs typeface="+mn-lt"/>
               </a:rPr>
-              <a:t>4.   The training model is generated by fitting the classified data into training set.</a:t>
+              <a:t>3.   The training model is generated by fitting the classified data into training set.</a:t>
             </a:r>
           </a:p>
           <a:p>
@@ -7368,7 +7893,7 @@
               <a:rPr lang="en-US" sz="2400" dirty="0">
                 <a:cs typeface="Calibri"/>
               </a:rPr>
-              <a:t>5.   T</a:t>
+              <a:t>4.   T</a:t>
             </a:r>
             <a:r>
               <a:rPr lang="en-US" sz="2400" dirty="0">
@@ -8053,9 +8578,55 @@
           </a:p>
           <a:p>
             <a:r>
-              <a:rPr lang="en-US" sz="2400" dirty="0"/>
-              <a:t>Data is in the form of waveforms.</a:t>
-            </a:r>
+              <a:rPr lang="en-US" sz="2400" dirty="0">
+                <a:ea typeface="+mn-lt"/>
+                <a:cs typeface="+mn-lt"/>
+              </a:rPr>
+              <a:t>Here we will get raw data in form of .</a:t>
+            </a:r>
+            <a:r>
+              <a:rPr lang="en-US" sz="2400" dirty="0" err="1">
+                <a:ea typeface="+mn-lt"/>
+                <a:cs typeface="+mn-lt"/>
+              </a:rPr>
+              <a:t>dat</a:t>
+            </a:r>
+            <a:r>
+              <a:rPr lang="en-US" sz="2400" dirty="0">
+                <a:ea typeface="+mn-lt"/>
+                <a:cs typeface="+mn-lt"/>
+              </a:rPr>
+              <a:t>, .</a:t>
+            </a:r>
+            <a:r>
+              <a:rPr lang="en-US" sz="2400" dirty="0" err="1">
+                <a:ea typeface="+mn-lt"/>
+                <a:cs typeface="+mn-lt"/>
+              </a:rPr>
+              <a:t>hea</a:t>
+            </a:r>
+            <a:r>
+              <a:rPr lang="en-US" sz="2400" dirty="0">
+                <a:ea typeface="+mn-lt"/>
+                <a:cs typeface="+mn-lt"/>
+              </a:rPr>
+              <a:t> and .</a:t>
+            </a:r>
+            <a:r>
+              <a:rPr lang="en-US" sz="2400" dirty="0" err="1">
+                <a:ea typeface="+mn-lt"/>
+                <a:cs typeface="+mn-lt"/>
+              </a:rPr>
+              <a:t>atr</a:t>
+            </a:r>
+            <a:r>
+              <a:rPr lang="en-US" sz="2400" dirty="0">
+                <a:ea typeface="+mn-lt"/>
+                <a:cs typeface="+mn-lt"/>
+              </a:rPr>
+              <a:t> files and how the required data is extracted will be explained later</a:t>
+            </a:r>
+            <a:endParaRPr lang="en-US" sz="2400" dirty="0"/>
           </a:p>
           <a:p>
             <a:pPr algn="l" rtl="0" fontAlgn="base">
@@ -9738,17 +10309,17 @@
               <a:buChar char="•"/>
             </a:pPr>
             <a:r>
-              <a:rPr lang="en-US" sz="2400"/>
+              <a:rPr lang="en-US" sz="2400" dirty="0"/>
               <a:t>Introduction</a:t>
             </a:r>
-            <a:endParaRPr lang="en-US" sz="2400">
+            <a:endParaRPr lang="en-US" sz="2400" dirty="0">
               <a:cs typeface="Calibri"/>
             </a:endParaRPr>
           </a:p>
           <a:p>
             <a:pPr marL="285750" indent="-285750"/>
             <a:r>
-              <a:rPr lang="en-US" sz="2400">
+              <a:rPr lang="en-US" sz="2400" dirty="0">
                 <a:cs typeface="Calibri"/>
               </a:rPr>
               <a:t>Existing System</a:t>
@@ -9760,20 +10331,32 @@
               <a:buChar char="•"/>
             </a:pPr>
             <a:r>
-              <a:rPr lang="en-US" sz="2400"/>
+              <a:rPr lang="en-US" sz="2400" dirty="0"/>
               <a:t>Proposed System</a:t>
             </a:r>
-            <a:endParaRPr lang="en-US" sz="2400">
+            <a:endParaRPr lang="en-US" sz="2400" dirty="0">
               <a:cs typeface="Calibri"/>
             </a:endParaRPr>
           </a:p>
           <a:p>
             <a:pPr marL="285750" indent="-285750"/>
             <a:r>
-              <a:rPr lang="en-US" sz="2400">
+              <a:rPr lang="en-US" sz="2400" dirty="0">
                 <a:cs typeface="Calibri"/>
               </a:rPr>
-              <a:t>Dataset</a:t>
+              <a:t>Why QR Code and </a:t>
+            </a:r>
+            <a:r>
+              <a:rPr lang="en-US" sz="2400" dirty="0" err="1">
+                <a:cs typeface="Calibri"/>
+              </a:rPr>
+              <a:t>Heartwave</a:t>
+            </a:r>
+            <a:r>
+              <a:rPr lang="en-US" sz="2400" dirty="0">
+                <a:cs typeface="Calibri"/>
+              </a:rPr>
+              <a:t> </a:t>
             </a:r>
           </a:p>
           <a:p>
@@ -9782,7 +10365,7 @@
               <a:buChar char="•"/>
             </a:pPr>
             <a:r>
-              <a:rPr lang="en-US" sz="2400">
+              <a:rPr lang="en-US" sz="2400" dirty="0">
                 <a:cs typeface="Calibri"/>
               </a:rPr>
               <a:t>Methodology-I</a:t>
@@ -9791,7 +10374,7 @@
           <a:p>
             <a:pPr marL="285750" indent="-285750"/>
             <a:r>
-              <a:rPr lang="en-US" sz="2400">
+              <a:rPr lang="en-US" sz="2400" dirty="0">
                 <a:cs typeface="Calibri"/>
               </a:rPr>
               <a:t>Methodology-II</a:t>
@@ -9800,7 +10383,7 @@
           <a:p>
             <a:pPr marL="285750" indent="-285750"/>
             <a:r>
-              <a:rPr lang="en-US" sz="2400">
+              <a:rPr lang="en-US" sz="2400" dirty="0">
                 <a:cs typeface="Calibri"/>
               </a:rPr>
               <a:t>Task Accomplished </a:t>
@@ -9812,10 +10395,10 @@
               <a:buChar char="•"/>
             </a:pPr>
             <a:r>
-              <a:rPr lang="en-US" sz="2400"/>
+              <a:rPr lang="en-US" sz="2400" dirty="0"/>
               <a:t>Future Accomplishments</a:t>
             </a:r>
-            <a:endParaRPr lang="en-US" sz="2400">
+            <a:endParaRPr lang="en-US" sz="2400" dirty="0">
               <a:cs typeface="Calibri"/>
             </a:endParaRPr>
           </a:p>
@@ -9823,7 +10406,7 @@
             <a:pPr marL="0" indent="0">
               <a:buNone/>
             </a:pPr>
-            <a:endParaRPr lang="en-US" sz="4200">
+            <a:endParaRPr lang="en-US" sz="4200" dirty="0">
               <a:cs typeface="Calibri"/>
             </a:endParaRPr>
           </a:p>
@@ -9832,10 +10415,10 @@
               <a:buFont typeface="Arial" panose="020B0604020202020204" pitchFamily="34" charset="0"/>
               <a:buChar char="•"/>
             </a:pPr>
-            <a:endParaRPr lang="en-US" sz="2800"/>
-          </a:p>
-          <a:p>
-            <a:endParaRPr lang="en-US"/>
+            <a:endParaRPr lang="en-US" sz="2800" dirty="0"/>
+          </a:p>
+          <a:p>
+            <a:endParaRPr lang="en-US" dirty="0"/>
           </a:p>
         </p:txBody>
       </p:sp>
@@ -11351,6 +11934,1498 @@
 </p:sld>
 </file>
 
+<file path=ppt/slides/slide24.xml><?xml version="1.0" encoding="utf-8"?>
+<p:sld xmlns:a="http://schemas.openxmlformats.org/drawingml/2006/main" xmlns:r="http://schemas.openxmlformats.org/officeDocument/2006/relationships" xmlns:p="http://schemas.openxmlformats.org/presentationml/2006/main">
+  <p:cSld>
+    <p:bg>
+      <p:bgPr>
+        <a:solidFill>
+          <a:schemeClr val="bg1"/>
+        </a:solidFill>
+        <a:effectLst/>
+      </p:bgPr>
+    </p:bg>
+    <p:spTree>
+      <p:nvGrpSpPr>
+        <p:cNvPr id="1" name=""/>
+        <p:cNvGrpSpPr/>
+        <p:nvPr/>
+      </p:nvGrpSpPr>
+      <p:grpSpPr>
+        <a:xfrm>
+          <a:off x="0" y="0"/>
+          <a:ext cx="0" cy="0"/>
+          <a:chOff x="0" y="0"/>
+          <a:chExt cx="0" cy="0"/>
+        </a:xfrm>
+      </p:grpSpPr>
+      <p:sp useBgFill="1">
+        <p:nvSpPr>
+          <p:cNvPr id="8" name="Rectangle 7">
+            <a:extLst>
+              <a:ext uri="{FF2B5EF4-FFF2-40B4-BE49-F238E27FC236}">
+                <a16:creationId xmlns:a16="http://schemas.microsoft.com/office/drawing/2014/main" id="{F837543A-6020-4505-A233-C9DB4BF74011}"/>
+              </a:ext>
+              <a:ext uri="{C183D7F6-B498-43B3-948B-1728B52AA6E4}">
+                <adec:decorative xmlns:adec="http://schemas.microsoft.com/office/drawing/2017/decorative" val="1"/>
+              </a:ext>
+            </a:extLst>
+          </p:cNvPr>
+          <p:cNvSpPr>
+            <a:spLocks noGrp="1" noRot="1" noChangeAspect="1" noMove="1" noResize="1" noEditPoints="1" noAdjustHandles="1" noChangeArrowheads="1" noChangeShapeType="1" noTextEdit="1"/>
+          </p:cNvSpPr>
+          <p:nvPr>
+            <p:extLst>
+              <p:ext uri="{386F3935-93C4-4BCD-93E2-E3B085C9AB24}">
+                <p16:designElem xmlns:p16="http://schemas.microsoft.com/office/powerpoint/2015/main" val="1"/>
+              </p:ext>
+            </p:extLst>
+          </p:nvPr>
+        </p:nvSpPr>
+        <p:spPr>
+          <a:xfrm>
+            <a:off x="3048" y="0"/>
+            <a:ext cx="12188952" cy="6858000"/>
+          </a:xfrm>
+          <a:prstGeom prst="rect">
+            <a:avLst/>
+          </a:prstGeom>
+          <a:ln>
+            <a:noFill/>
+          </a:ln>
+        </p:spPr>
+        <p:style>
+          <a:lnRef idx="2">
+            <a:schemeClr val="accent1">
+              <a:shade val="50000"/>
+            </a:schemeClr>
+          </a:lnRef>
+          <a:fillRef idx="1">
+            <a:schemeClr val="accent1"/>
+          </a:fillRef>
+          <a:effectRef idx="0">
+            <a:schemeClr val="accent1"/>
+          </a:effectRef>
+          <a:fontRef idx="minor">
+            <a:schemeClr val="lt1"/>
+          </a:fontRef>
+        </p:style>
+        <p:txBody>
+          <a:bodyPr rtlCol="0" anchor="ctr"/>
+          <a:lstStyle/>
+          <a:p>
+            <a:pPr algn="ctr"/>
+            <a:endParaRPr lang="en-US"/>
+          </a:p>
+        </p:txBody>
+      </p:sp>
+      <p:sp>
+        <p:nvSpPr>
+          <p:cNvPr id="10" name="Freeform: Shape 9">
+            <a:extLst>
+              <a:ext uri="{FF2B5EF4-FFF2-40B4-BE49-F238E27FC236}">
+                <a16:creationId xmlns:a16="http://schemas.microsoft.com/office/drawing/2014/main" id="{35B16301-FB18-48BA-A6DD-C37CAF6F9A18}"/>
+              </a:ext>
+              <a:ext uri="{C183D7F6-B498-43B3-948B-1728B52AA6E4}">
+                <adec:decorative xmlns:adec="http://schemas.microsoft.com/office/drawing/2017/decorative" val="1"/>
+              </a:ext>
+            </a:extLst>
+          </p:cNvPr>
+          <p:cNvSpPr>
+            <a:spLocks noGrp="1" noRot="1" noChangeAspect="1" noMove="1" noResize="1" noEditPoints="1" noAdjustHandles="1" noChangeArrowheads="1" noChangeShapeType="1" noTextEdit="1"/>
+          </p:cNvSpPr>
+          <p:nvPr>
+            <p:extLst>
+              <p:ext uri="{386F3935-93C4-4BCD-93E2-E3B085C9AB24}">
+                <p16:designElem xmlns:p16="http://schemas.microsoft.com/office/powerpoint/2015/main" val="1"/>
+              </p:ext>
+            </p:extLst>
+          </p:nvPr>
+        </p:nvSpPr>
+        <p:spPr>
+          <a:xfrm>
+            <a:off x="10208695" y="1"/>
+            <a:ext cx="1135066" cy="477997"/>
+          </a:xfrm>
+          <a:custGeom>
+            <a:avLst/>
+            <a:gdLst>
+              <a:gd name="connsiteX0" fmla="*/ 0 w 1135066"/>
+              <a:gd name="connsiteY0" fmla="*/ 0 h 477997"/>
+              <a:gd name="connsiteX1" fmla="*/ 1135066 w 1135066"/>
+              <a:gd name="connsiteY1" fmla="*/ 0 h 477997"/>
+              <a:gd name="connsiteX2" fmla="*/ 1133370 w 1135066"/>
+              <a:gd name="connsiteY2" fmla="*/ 16827 h 477997"/>
+              <a:gd name="connsiteX3" fmla="*/ 567533 w 1135066"/>
+              <a:gd name="connsiteY3" fmla="*/ 477997 h 477997"/>
+              <a:gd name="connsiteX4" fmla="*/ 1696 w 1135066"/>
+              <a:gd name="connsiteY4" fmla="*/ 16827 h 477997"/>
+            </a:gdLst>
+            <a:ahLst/>
+            <a:cxnLst>
+              <a:cxn ang="0">
+                <a:pos x="connsiteX0" y="connsiteY0"/>
+              </a:cxn>
+              <a:cxn ang="0">
+                <a:pos x="connsiteX1" y="connsiteY1"/>
+              </a:cxn>
+              <a:cxn ang="0">
+                <a:pos x="connsiteX2" y="connsiteY2"/>
+              </a:cxn>
+              <a:cxn ang="0">
+                <a:pos x="connsiteX3" y="connsiteY3"/>
+              </a:cxn>
+              <a:cxn ang="0">
+                <a:pos x="connsiteX4" y="connsiteY4"/>
+              </a:cxn>
+            </a:cxnLst>
+            <a:rect l="l" t="t" r="r" b="b"/>
+            <a:pathLst>
+              <a:path w="1135066" h="477997">
+                <a:moveTo>
+                  <a:pt x="0" y="0"/>
+                </a:moveTo>
+                <a:lnTo>
+                  <a:pt x="1135066" y="0"/>
+                </a:lnTo>
+                <a:lnTo>
+                  <a:pt x="1133370" y="16827"/>
+                </a:lnTo>
+                <a:cubicBezTo>
+                  <a:pt x="1079514" y="280016"/>
+                  <a:pt x="846644" y="477997"/>
+                  <a:pt x="567533" y="477997"/>
+                </a:cubicBezTo>
+                <a:cubicBezTo>
+                  <a:pt x="288422" y="477997"/>
+                  <a:pt x="55552" y="280016"/>
+                  <a:pt x="1696" y="16827"/>
+                </a:cubicBezTo>
+                <a:close/>
+              </a:path>
+            </a:pathLst>
+          </a:custGeom>
+          <a:solidFill>
+            <a:schemeClr val="accent5"/>
+          </a:solidFill>
+          <a:ln>
+            <a:noFill/>
+          </a:ln>
+        </p:spPr>
+        <p:style>
+          <a:lnRef idx="2">
+            <a:schemeClr val="accent1">
+              <a:shade val="50000"/>
+            </a:schemeClr>
+          </a:lnRef>
+          <a:fillRef idx="1">
+            <a:schemeClr val="accent1"/>
+          </a:fillRef>
+          <a:effectRef idx="0">
+            <a:schemeClr val="accent1"/>
+          </a:effectRef>
+          <a:fontRef idx="minor">
+            <a:schemeClr val="lt1"/>
+          </a:fontRef>
+        </p:style>
+        <p:txBody>
+          <a:bodyPr wrap="square" rtlCol="0" anchor="ctr">
+            <a:noAutofit/>
+          </a:bodyPr>
+          <a:lstStyle/>
+          <a:p>
+            <a:pPr algn="ctr"/>
+            <a:endParaRPr lang="en-US"/>
+          </a:p>
+        </p:txBody>
+      </p:sp>
+      <p:sp>
+        <p:nvSpPr>
+          <p:cNvPr id="3" name="Content Placeholder 2">
+            <a:extLst>
+              <a:ext uri="{FF2B5EF4-FFF2-40B4-BE49-F238E27FC236}">
+                <a16:creationId xmlns:a16="http://schemas.microsoft.com/office/drawing/2014/main" id="{C96D0731-AC58-AB78-3B3C-17717D28033A}"/>
+              </a:ext>
+            </a:extLst>
+          </p:cNvPr>
+          <p:cNvSpPr>
+            <a:spLocks noGrp="1"/>
+          </p:cNvSpPr>
+          <p:nvPr>
+            <p:ph idx="1"/>
+          </p:nvPr>
+        </p:nvSpPr>
+        <p:spPr>
+          <a:xfrm>
+            <a:off x="838200" y="1825625"/>
+            <a:ext cx="5558489" cy="4351338"/>
+          </a:xfrm>
+        </p:spPr>
+        <p:txBody>
+          <a:bodyPr>
+            <a:normAutofit/>
+          </a:bodyPr>
+          <a:lstStyle/>
+          <a:p>
+            <a:pPr marL="0" indent="0">
+              <a:buNone/>
+            </a:pPr>
+            <a:endParaRPr lang="en-US" dirty="0"/>
+          </a:p>
+          <a:p>
+            <a:pPr marL="0" indent="0">
+              <a:buNone/>
+            </a:pPr>
+            <a:r>
+              <a:rPr lang="en-US" sz="9600" dirty="0"/>
+              <a:t>DEMO</a:t>
+            </a:r>
+          </a:p>
+        </p:txBody>
+      </p:sp>
+      <p:sp>
+        <p:nvSpPr>
+          <p:cNvPr id="12" name="Oval 11">
+            <a:extLst>
+              <a:ext uri="{FF2B5EF4-FFF2-40B4-BE49-F238E27FC236}">
+                <a16:creationId xmlns:a16="http://schemas.microsoft.com/office/drawing/2014/main" id="{C3C0D90E-074A-4F52-9B11-B52BEF4BCBE5}"/>
+              </a:ext>
+              <a:ext uri="{C183D7F6-B498-43B3-948B-1728B52AA6E4}">
+                <adec:decorative xmlns:adec="http://schemas.microsoft.com/office/drawing/2017/decorative" val="1"/>
+              </a:ext>
+            </a:extLst>
+          </p:cNvPr>
+          <p:cNvSpPr>
+            <a:spLocks noGrp="1" noRot="1" noChangeAspect="1" noMove="1" noResize="1" noEditPoints="1" noAdjustHandles="1" noChangeArrowheads="1" noChangeShapeType="1" noTextEdit="1"/>
+          </p:cNvSpPr>
+          <p:nvPr>
+            <p:extLst>
+              <p:ext uri="{386F3935-93C4-4BCD-93E2-E3B085C9AB24}">
+                <p16:designElem xmlns:p16="http://schemas.microsoft.com/office/powerpoint/2015/main" val="1"/>
+              </p:ext>
+            </p:extLst>
+          </p:nvPr>
+        </p:nvSpPr>
+        <p:spPr>
+          <a:xfrm>
+            <a:off x="6821310" y="2624479"/>
+            <a:ext cx="812427" cy="812427"/>
+          </a:xfrm>
+          <a:prstGeom prst="ellipse">
+            <a:avLst/>
+          </a:prstGeom>
+          <a:noFill/>
+          <a:ln w="127000">
+            <a:solidFill>
+              <a:schemeClr val="accent5"/>
+            </a:solidFill>
+          </a:ln>
+        </p:spPr>
+        <p:style>
+          <a:lnRef idx="2">
+            <a:schemeClr val="accent1">
+              <a:shade val="50000"/>
+            </a:schemeClr>
+          </a:lnRef>
+          <a:fillRef idx="1">
+            <a:schemeClr val="accent1"/>
+          </a:fillRef>
+          <a:effectRef idx="0">
+            <a:schemeClr val="accent1"/>
+          </a:effectRef>
+          <a:fontRef idx="minor">
+            <a:schemeClr val="lt1"/>
+          </a:fontRef>
+        </p:style>
+        <p:txBody>
+          <a:bodyPr rtlCol="0" anchor="ctr"/>
+          <a:lstStyle/>
+          <a:p>
+            <a:pPr algn="ctr"/>
+            <a:endParaRPr lang="en-US" dirty="0"/>
+          </a:p>
+        </p:txBody>
+      </p:sp>
+      <p:sp>
+        <p:nvSpPr>
+          <p:cNvPr id="14" name="Block Arc 13">
+            <a:extLst>
+              <a:ext uri="{FF2B5EF4-FFF2-40B4-BE49-F238E27FC236}">
+                <a16:creationId xmlns:a16="http://schemas.microsoft.com/office/drawing/2014/main" id="{CABBD4C1-E6F8-46F6-8152-A8A97490BF4D}"/>
+              </a:ext>
+              <a:ext uri="{C183D7F6-B498-43B3-948B-1728B52AA6E4}">
+                <adec:decorative xmlns:adec="http://schemas.microsoft.com/office/drawing/2017/decorative" val="1"/>
+              </a:ext>
+            </a:extLst>
+          </p:cNvPr>
+          <p:cNvSpPr>
+            <a:spLocks noGrp="1" noRot="1" noChangeAspect="1" noMove="1" noResize="1" noEditPoints="1" noAdjustHandles="1" noChangeArrowheads="1" noChangeShapeType="1" noTextEdit="1"/>
+          </p:cNvSpPr>
+          <p:nvPr>
+            <p:extLst>
+              <p:ext uri="{386F3935-93C4-4BCD-93E2-E3B085C9AB24}">
+                <p16:designElem xmlns:p16="http://schemas.microsoft.com/office/powerpoint/2015/main" val="1"/>
+              </p:ext>
+            </p:extLst>
+          </p:nvPr>
+        </p:nvSpPr>
+        <p:spPr>
+          <a:xfrm rot="16200000">
+            <a:off x="8912417" y="1218531"/>
+            <a:ext cx="2387600" cy="2387600"/>
+          </a:xfrm>
+          <a:prstGeom prst="blockArc">
+            <a:avLst/>
+          </a:prstGeom>
+          <a:solidFill>
+            <a:schemeClr val="accent2"/>
+          </a:solidFill>
+          <a:ln>
+            <a:noFill/>
+          </a:ln>
+        </p:spPr>
+        <p:style>
+          <a:lnRef idx="2">
+            <a:schemeClr val="accent1">
+              <a:shade val="50000"/>
+            </a:schemeClr>
+          </a:lnRef>
+          <a:fillRef idx="1">
+            <a:schemeClr val="accent1"/>
+          </a:fillRef>
+          <a:effectRef idx="0">
+            <a:schemeClr val="accent1"/>
+          </a:effectRef>
+          <a:fontRef idx="minor">
+            <a:schemeClr val="lt1"/>
+          </a:fontRef>
+        </p:style>
+        <p:txBody>
+          <a:bodyPr rtlCol="0" anchor="ctr"/>
+          <a:lstStyle/>
+          <a:p>
+            <a:pPr algn="ctr"/>
+            <a:endParaRPr lang="en-US">
+              <a:solidFill>
+                <a:schemeClr val="tx1"/>
+              </a:solidFill>
+            </a:endParaRPr>
+          </a:p>
+        </p:txBody>
+      </p:sp>
+      <p:sp>
+        <p:nvSpPr>
+          <p:cNvPr id="16" name="Freeform: Shape 15">
+            <a:extLst>
+              <a:ext uri="{FF2B5EF4-FFF2-40B4-BE49-F238E27FC236}">
+                <a16:creationId xmlns:a16="http://schemas.microsoft.com/office/drawing/2014/main" id="{83BA5EF5-1FE9-4BF9-83BB-269BCDDF6156}"/>
+              </a:ext>
+              <a:ext uri="{C183D7F6-B498-43B3-948B-1728B52AA6E4}">
+                <adec:decorative xmlns:adec="http://schemas.microsoft.com/office/drawing/2017/decorative" val="1"/>
+              </a:ext>
+            </a:extLst>
+          </p:cNvPr>
+          <p:cNvSpPr>
+            <a:spLocks noGrp="1" noRot="1" noChangeAspect="1" noMove="1" noResize="1" noEditPoints="1" noAdjustHandles="1" noChangeArrowheads="1" noChangeShapeType="1" noTextEdit="1"/>
+          </p:cNvSpPr>
+          <p:nvPr>
+            <p:extLst>
+              <p:ext uri="{386F3935-93C4-4BCD-93E2-E3B085C9AB24}">
+                <p16:designElem xmlns:p16="http://schemas.microsoft.com/office/powerpoint/2015/main" val="1"/>
+              </p:ext>
+            </p:extLst>
+          </p:nvPr>
+        </p:nvSpPr>
+        <p:spPr>
+          <a:xfrm>
+            <a:off x="6821310" y="0"/>
+            <a:ext cx="2315251" cy="1550992"/>
+          </a:xfrm>
+          <a:custGeom>
+            <a:avLst/>
+            <a:gdLst>
+              <a:gd name="connsiteX0" fmla="*/ 0 w 2315251"/>
+              <a:gd name="connsiteY0" fmla="*/ 0 h 1550992"/>
+              <a:gd name="connsiteX1" fmla="*/ 138700 w 2315251"/>
+              <a:gd name="connsiteY1" fmla="*/ 0 h 1550992"/>
+              <a:gd name="connsiteX2" fmla="*/ 138700 w 2315251"/>
+              <a:gd name="connsiteY2" fmla="*/ 1361400 h 1550992"/>
+              <a:gd name="connsiteX3" fmla="*/ 2107387 w 2315251"/>
+              <a:gd name="connsiteY3" fmla="*/ 222673 h 1550992"/>
+              <a:gd name="connsiteX4" fmla="*/ 1722420 w 2315251"/>
+              <a:gd name="connsiteY4" fmla="*/ 0 h 1550992"/>
+              <a:gd name="connsiteX5" fmla="*/ 1999436 w 2315251"/>
+              <a:gd name="connsiteY5" fmla="*/ 0 h 1550992"/>
+              <a:gd name="connsiteX6" fmla="*/ 2280549 w 2315251"/>
+              <a:gd name="connsiteY6" fmla="*/ 162605 h 1550992"/>
+              <a:gd name="connsiteX7" fmla="*/ 2305953 w 2315251"/>
+              <a:gd name="connsiteY7" fmla="*/ 257336 h 1550992"/>
+              <a:gd name="connsiteX8" fmla="*/ 2280549 w 2315251"/>
+              <a:gd name="connsiteY8" fmla="*/ 282740 h 1550992"/>
+              <a:gd name="connsiteX9" fmla="*/ 104026 w 2315251"/>
+              <a:gd name="connsiteY9" fmla="*/ 1541710 h 1550992"/>
+              <a:gd name="connsiteX10" fmla="*/ 69351 w 2315251"/>
+              <a:gd name="connsiteY10" fmla="*/ 1550992 h 1550992"/>
+              <a:gd name="connsiteX11" fmla="*/ 0 w 2315251"/>
+              <a:gd name="connsiteY11" fmla="*/ 1481643 h 1550992"/>
+            </a:gdLst>
+            <a:ahLst/>
+            <a:cxnLst>
+              <a:cxn ang="0">
+                <a:pos x="connsiteX0" y="connsiteY0"/>
+              </a:cxn>
+              <a:cxn ang="0">
+                <a:pos x="connsiteX1" y="connsiteY1"/>
+              </a:cxn>
+              <a:cxn ang="0">
+                <a:pos x="connsiteX2" y="connsiteY2"/>
+              </a:cxn>
+              <a:cxn ang="0">
+                <a:pos x="connsiteX3" y="connsiteY3"/>
+              </a:cxn>
+              <a:cxn ang="0">
+                <a:pos x="connsiteX4" y="connsiteY4"/>
+              </a:cxn>
+              <a:cxn ang="0">
+                <a:pos x="connsiteX5" y="connsiteY5"/>
+              </a:cxn>
+              <a:cxn ang="0">
+                <a:pos x="connsiteX6" y="connsiteY6"/>
+              </a:cxn>
+              <a:cxn ang="0">
+                <a:pos x="connsiteX7" y="connsiteY7"/>
+              </a:cxn>
+              <a:cxn ang="0">
+                <a:pos x="connsiteX8" y="connsiteY8"/>
+              </a:cxn>
+              <a:cxn ang="0">
+                <a:pos x="connsiteX9" y="connsiteY9"/>
+              </a:cxn>
+              <a:cxn ang="0">
+                <a:pos x="connsiteX10" y="connsiteY10"/>
+              </a:cxn>
+              <a:cxn ang="0">
+                <a:pos x="connsiteX11" y="connsiteY11"/>
+              </a:cxn>
+            </a:cxnLst>
+            <a:rect l="l" t="t" r="r" b="b"/>
+            <a:pathLst>
+              <a:path w="2315251" h="1550992">
+                <a:moveTo>
+                  <a:pt x="0" y="0"/>
+                </a:moveTo>
+                <a:lnTo>
+                  <a:pt x="138700" y="0"/>
+                </a:lnTo>
+                <a:lnTo>
+                  <a:pt x="138700" y="1361400"/>
+                </a:lnTo>
+                <a:lnTo>
+                  <a:pt x="2107387" y="222673"/>
+                </a:lnTo>
+                <a:lnTo>
+                  <a:pt x="1722420" y="0"/>
+                </a:lnTo>
+                <a:lnTo>
+                  <a:pt x="1999436" y="0"/>
+                </a:lnTo>
+                <a:lnTo>
+                  <a:pt x="2280549" y="162605"/>
+                </a:lnTo>
+                <a:cubicBezTo>
+                  <a:pt x="2313720" y="181745"/>
+                  <a:pt x="2325104" y="224155"/>
+                  <a:pt x="2305953" y="257336"/>
+                </a:cubicBezTo>
+                <a:cubicBezTo>
+                  <a:pt x="2299872" y="267889"/>
+                  <a:pt x="2291101" y="276648"/>
+                  <a:pt x="2280549" y="282740"/>
+                </a:cubicBezTo>
+                <a:lnTo>
+                  <a:pt x="104026" y="1541710"/>
+                </a:lnTo>
+                <a:cubicBezTo>
+                  <a:pt x="93484" y="1547802"/>
+                  <a:pt x="81523" y="1551003"/>
+                  <a:pt x="69351" y="1550992"/>
+                </a:cubicBezTo>
+                <a:cubicBezTo>
+                  <a:pt x="31049" y="1550992"/>
+                  <a:pt x="0" y="1519944"/>
+                  <a:pt x="0" y="1481643"/>
+                </a:cubicBezTo>
+                <a:close/>
+              </a:path>
+            </a:pathLst>
+          </a:custGeom>
+          <a:solidFill>
+            <a:schemeClr val="accent6"/>
+          </a:solidFill>
+          <a:ln w="9525" cap="flat">
+            <a:noFill/>
+            <a:prstDash val="solid"/>
+            <a:miter/>
+          </a:ln>
+        </p:spPr>
+        <p:txBody>
+          <a:bodyPr rtlCol="0" anchor="ctr"/>
+          <a:lstStyle/>
+          <a:p>
+            <a:endParaRPr lang="en-US" dirty="0"/>
+          </a:p>
+        </p:txBody>
+      </p:sp>
+      <p:cxnSp>
+        <p:nvCxnSpPr>
+          <p:cNvPr id="18" name="Straight Connector 17">
+            <a:extLst>
+              <a:ext uri="{FF2B5EF4-FFF2-40B4-BE49-F238E27FC236}">
+                <a16:creationId xmlns:a16="http://schemas.microsoft.com/office/drawing/2014/main" id="{4B3BCACB-5880-460B-9606-8C433A9AF99D}"/>
+              </a:ext>
+              <a:ext uri="{C183D7F6-B498-43B3-948B-1728B52AA6E4}">
+                <adec:decorative xmlns:adec="http://schemas.microsoft.com/office/drawing/2017/decorative" val="1"/>
+              </a:ext>
+            </a:extLst>
+          </p:cNvPr>
+          <p:cNvCxnSpPr>
+            <a:cxnSpLocks noGrp="1" noRot="1" noChangeAspect="1" noMove="1" noResize="1" noEditPoints="1" noAdjustHandles="1" noChangeArrowheads="1" noChangeShapeType="1"/>
+          </p:cNvCxnSpPr>
+          <p:nvPr>
+            <p:extLst>
+              <p:ext uri="{386F3935-93C4-4BCD-93E2-E3B085C9AB24}">
+                <p16:designElem xmlns:p16="http://schemas.microsoft.com/office/powerpoint/2015/main" val="1"/>
+              </p:ext>
+            </p:extLst>
+          </p:nvPr>
+        </p:nvCxnSpPr>
+        <p:spPr>
+          <a:xfrm>
+            <a:off x="11724638" y="1331572"/>
+            <a:ext cx="0" cy="1597708"/>
+          </a:xfrm>
+          <a:prstGeom prst="line">
+            <a:avLst/>
+          </a:prstGeom>
+          <a:ln w="127000" cap="rnd">
+            <a:solidFill>
+              <a:schemeClr val="accent4"/>
+            </a:solidFill>
+            <a:prstDash val="dash"/>
+          </a:ln>
+        </p:spPr>
+        <p:style>
+          <a:lnRef idx="1">
+            <a:schemeClr val="accent1"/>
+          </a:lnRef>
+          <a:fillRef idx="0">
+            <a:schemeClr val="accent1"/>
+          </a:fillRef>
+          <a:effectRef idx="0">
+            <a:schemeClr val="accent1"/>
+          </a:effectRef>
+          <a:fontRef idx="minor">
+            <a:schemeClr val="tx1"/>
+          </a:fontRef>
+        </p:style>
+      </p:cxnSp>
+      <p:sp>
+        <p:nvSpPr>
+          <p:cNvPr id="20" name="Freeform: Shape 19">
+            <a:extLst>
+              <a:ext uri="{FF2B5EF4-FFF2-40B4-BE49-F238E27FC236}">
+                <a16:creationId xmlns:a16="http://schemas.microsoft.com/office/drawing/2014/main" id="{88853921-7BC9-4BDE-ACAB-133C683C82D6}"/>
+              </a:ext>
+              <a:ext uri="{C183D7F6-B498-43B3-948B-1728B52AA6E4}">
+                <adec:decorative xmlns:adec="http://schemas.microsoft.com/office/drawing/2017/decorative" val="1"/>
+              </a:ext>
+            </a:extLst>
+          </p:cNvPr>
+          <p:cNvSpPr>
+            <a:spLocks noGrp="1" noRot="1" noChangeAspect="1" noMove="1" noResize="1" noEditPoints="1" noAdjustHandles="1" noChangeArrowheads="1" noChangeShapeType="1" noTextEdit="1"/>
+          </p:cNvSpPr>
+          <p:nvPr>
+            <p:extLst>
+              <p:ext uri="{386F3935-93C4-4BCD-93E2-E3B085C9AB24}">
+                <p16:designElem xmlns:p16="http://schemas.microsoft.com/office/powerpoint/2015/main" val="1"/>
+              </p:ext>
+            </p:extLst>
+          </p:nvPr>
+        </p:nvSpPr>
+        <p:spPr>
+          <a:xfrm>
+            <a:off x="11005550" y="4112081"/>
+            <a:ext cx="1186451" cy="1771650"/>
+          </a:xfrm>
+          <a:custGeom>
+            <a:avLst/>
+            <a:gdLst>
+              <a:gd name="connsiteX0" fmla="*/ 61913 w 1186451"/>
+              <a:gd name="connsiteY0" fmla="*/ 0 h 1771650"/>
+              <a:gd name="connsiteX1" fmla="*/ 1186451 w 1186451"/>
+              <a:gd name="connsiteY1" fmla="*/ 0 h 1771650"/>
+              <a:gd name="connsiteX2" fmla="*/ 1186451 w 1186451"/>
+              <a:gd name="connsiteY2" fmla="*/ 123825 h 1771650"/>
+              <a:gd name="connsiteX3" fmla="*/ 123825 w 1186451"/>
+              <a:gd name="connsiteY3" fmla="*/ 123825 h 1771650"/>
+              <a:gd name="connsiteX4" fmla="*/ 123825 w 1186451"/>
+              <a:gd name="connsiteY4" fmla="*/ 1647825 h 1771650"/>
+              <a:gd name="connsiteX5" fmla="*/ 1186451 w 1186451"/>
+              <a:gd name="connsiteY5" fmla="*/ 1647825 h 1771650"/>
+              <a:gd name="connsiteX6" fmla="*/ 1186451 w 1186451"/>
+              <a:gd name="connsiteY6" fmla="*/ 1771650 h 1771650"/>
+              <a:gd name="connsiteX7" fmla="*/ 61913 w 1186451"/>
+              <a:gd name="connsiteY7" fmla="*/ 1771650 h 1771650"/>
+              <a:gd name="connsiteX8" fmla="*/ 0 w 1186451"/>
+              <a:gd name="connsiteY8" fmla="*/ 1709738 h 1771650"/>
+              <a:gd name="connsiteX9" fmla="*/ 0 w 1186451"/>
+              <a:gd name="connsiteY9" fmla="*/ 61913 h 1771650"/>
+              <a:gd name="connsiteX10" fmla="*/ 61913 w 1186451"/>
+              <a:gd name="connsiteY10" fmla="*/ 0 h 1771650"/>
+            </a:gdLst>
+            <a:ahLst/>
+            <a:cxnLst>
+              <a:cxn ang="0">
+                <a:pos x="connsiteX0" y="connsiteY0"/>
+              </a:cxn>
+              <a:cxn ang="0">
+                <a:pos x="connsiteX1" y="connsiteY1"/>
+              </a:cxn>
+              <a:cxn ang="0">
+                <a:pos x="connsiteX2" y="connsiteY2"/>
+              </a:cxn>
+              <a:cxn ang="0">
+                <a:pos x="connsiteX3" y="connsiteY3"/>
+              </a:cxn>
+              <a:cxn ang="0">
+                <a:pos x="connsiteX4" y="connsiteY4"/>
+              </a:cxn>
+              <a:cxn ang="0">
+                <a:pos x="connsiteX5" y="connsiteY5"/>
+              </a:cxn>
+              <a:cxn ang="0">
+                <a:pos x="connsiteX6" y="connsiteY6"/>
+              </a:cxn>
+              <a:cxn ang="0">
+                <a:pos x="connsiteX7" y="connsiteY7"/>
+              </a:cxn>
+              <a:cxn ang="0">
+                <a:pos x="connsiteX8" y="connsiteY8"/>
+              </a:cxn>
+              <a:cxn ang="0">
+                <a:pos x="connsiteX9" y="connsiteY9"/>
+              </a:cxn>
+              <a:cxn ang="0">
+                <a:pos x="connsiteX10" y="connsiteY10"/>
+              </a:cxn>
+            </a:cxnLst>
+            <a:rect l="l" t="t" r="r" b="b"/>
+            <a:pathLst>
+              <a:path w="1186451" h="1771650">
+                <a:moveTo>
+                  <a:pt x="61913" y="0"/>
+                </a:moveTo>
+                <a:lnTo>
+                  <a:pt x="1186451" y="0"/>
+                </a:lnTo>
+                <a:lnTo>
+                  <a:pt x="1186451" y="123825"/>
+                </a:lnTo>
+                <a:lnTo>
+                  <a:pt x="123825" y="123825"/>
+                </a:lnTo>
+                <a:lnTo>
+                  <a:pt x="123825" y="1647825"/>
+                </a:lnTo>
+                <a:lnTo>
+                  <a:pt x="1186451" y="1647825"/>
+                </a:lnTo>
+                <a:lnTo>
+                  <a:pt x="1186451" y="1771650"/>
+                </a:lnTo>
+                <a:lnTo>
+                  <a:pt x="61913" y="1771650"/>
+                </a:lnTo>
+                <a:cubicBezTo>
+                  <a:pt x="27719" y="1771650"/>
+                  <a:pt x="0" y="1743932"/>
+                  <a:pt x="0" y="1709738"/>
+                </a:cubicBezTo>
+                <a:lnTo>
+                  <a:pt x="0" y="61913"/>
+                </a:lnTo>
+                <a:cubicBezTo>
+                  <a:pt x="0" y="27719"/>
+                  <a:pt x="27719" y="0"/>
+                  <a:pt x="61913" y="0"/>
+                </a:cubicBezTo>
+                <a:close/>
+              </a:path>
+            </a:pathLst>
+          </a:custGeom>
+          <a:solidFill>
+            <a:schemeClr val="accent6"/>
+          </a:solidFill>
+          <a:ln w="9525" cap="flat">
+            <a:noFill/>
+            <a:prstDash val="solid"/>
+            <a:miter/>
+          </a:ln>
+        </p:spPr>
+        <p:txBody>
+          <a:bodyPr rtlCol="0" anchor="ctr"/>
+          <a:lstStyle/>
+          <a:p>
+            <a:endParaRPr lang="en-US"/>
+          </a:p>
+        </p:txBody>
+      </p:sp>
+      <p:sp>
+        <p:nvSpPr>
+          <p:cNvPr id="22" name="Arc 21">
+            <a:extLst>
+              <a:ext uri="{FF2B5EF4-FFF2-40B4-BE49-F238E27FC236}">
+                <a16:creationId xmlns:a16="http://schemas.microsoft.com/office/drawing/2014/main" id="{09192968-3AE7-4470-A61C-97294BB92731}"/>
+              </a:ext>
+              <a:ext uri="{C183D7F6-B498-43B3-948B-1728B52AA6E4}">
+                <adec:decorative xmlns:adec="http://schemas.microsoft.com/office/drawing/2017/decorative" val="1"/>
+              </a:ext>
+            </a:extLst>
+          </p:cNvPr>
+          <p:cNvSpPr>
+            <a:spLocks noGrp="1" noRot="1" noChangeAspect="1" noMove="1" noResize="1" noEditPoints="1" noAdjustHandles="1" noChangeArrowheads="1" noChangeShapeType="1" noTextEdit="1"/>
+          </p:cNvSpPr>
+          <p:nvPr>
+            <p:extLst>
+              <p:ext uri="{386F3935-93C4-4BCD-93E2-E3B085C9AB24}">
+                <p16:designElem xmlns:p16="http://schemas.microsoft.com/office/powerpoint/2015/main" val="1"/>
+              </p:ext>
+            </p:extLst>
+          </p:nvPr>
+        </p:nvSpPr>
+        <p:spPr>
+          <a:xfrm rot="20992895">
+            <a:off x="6086940" y="4145122"/>
+            <a:ext cx="4083433" cy="4083433"/>
+          </a:xfrm>
+          <a:prstGeom prst="arc">
+            <a:avLst/>
+          </a:prstGeom>
+          <a:ln w="127000" cap="rnd">
+            <a:solidFill>
+              <a:schemeClr val="accent4"/>
+            </a:solidFill>
+            <a:prstDash val="dash"/>
+          </a:ln>
+        </p:spPr>
+        <p:style>
+          <a:lnRef idx="1">
+            <a:schemeClr val="accent1"/>
+          </a:lnRef>
+          <a:fillRef idx="0">
+            <a:schemeClr val="accent1"/>
+          </a:fillRef>
+          <a:effectRef idx="0">
+            <a:schemeClr val="accent1"/>
+          </a:effectRef>
+          <a:fontRef idx="minor">
+            <a:schemeClr val="tx1"/>
+          </a:fontRef>
+        </p:style>
+        <p:txBody>
+          <a:bodyPr rtlCol="0" anchor="ctr"/>
+          <a:lstStyle/>
+          <a:p>
+            <a:pPr algn="ctr"/>
+            <a:endParaRPr lang="en-US" dirty="0"/>
+          </a:p>
+        </p:txBody>
+      </p:sp>
+      <p:sp>
+        <p:nvSpPr>
+          <p:cNvPr id="24" name="Freeform: Shape 23">
+            <a:extLst>
+              <a:ext uri="{FF2B5EF4-FFF2-40B4-BE49-F238E27FC236}">
+                <a16:creationId xmlns:a16="http://schemas.microsoft.com/office/drawing/2014/main" id="{3AB72E55-43E4-4356-BFE8-E2102CB0B505}"/>
+              </a:ext>
+              <a:ext uri="{C183D7F6-B498-43B3-948B-1728B52AA6E4}">
+                <adec:decorative xmlns:adec="http://schemas.microsoft.com/office/drawing/2017/decorative" val="1"/>
+              </a:ext>
+            </a:extLst>
+          </p:cNvPr>
+          <p:cNvSpPr>
+            <a:spLocks noGrp="1" noRot="1" noChangeAspect="1" noMove="1" noResize="1" noEditPoints="1" noAdjustHandles="1" noChangeArrowheads="1" noChangeShapeType="1" noTextEdit="1"/>
+          </p:cNvSpPr>
+          <p:nvPr>
+            <p:extLst>
+              <p:ext uri="{386F3935-93C4-4BCD-93E2-E3B085C9AB24}">
+                <p16:designElem xmlns:p16="http://schemas.microsoft.com/office/powerpoint/2015/main" val="1"/>
+              </p:ext>
+            </p:extLst>
+          </p:nvPr>
+        </p:nvSpPr>
+        <p:spPr>
+          <a:xfrm>
+            <a:off x="6821310" y="4962670"/>
+            <a:ext cx="2643352" cy="1895331"/>
+          </a:xfrm>
+          <a:custGeom>
+            <a:avLst/>
+            <a:gdLst>
+              <a:gd name="connsiteX0" fmla="*/ 1321676 w 2643352"/>
+              <a:gd name="connsiteY0" fmla="*/ 0 h 1895331"/>
+              <a:gd name="connsiteX1" fmla="*/ 2643352 w 2643352"/>
+              <a:gd name="connsiteY1" fmla="*/ 1321676 h 1895331"/>
+              <a:gd name="connsiteX2" fmla="*/ 2539488 w 2643352"/>
+              <a:gd name="connsiteY2" fmla="*/ 1836132 h 1895331"/>
+              <a:gd name="connsiteX3" fmla="*/ 2510970 w 2643352"/>
+              <a:gd name="connsiteY3" fmla="*/ 1895331 h 1895331"/>
+              <a:gd name="connsiteX4" fmla="*/ 132382 w 2643352"/>
+              <a:gd name="connsiteY4" fmla="*/ 1895331 h 1895331"/>
+              <a:gd name="connsiteX5" fmla="*/ 103864 w 2643352"/>
+              <a:gd name="connsiteY5" fmla="*/ 1836132 h 1895331"/>
+              <a:gd name="connsiteX6" fmla="*/ 0 w 2643352"/>
+              <a:gd name="connsiteY6" fmla="*/ 1321676 h 1895331"/>
+              <a:gd name="connsiteX7" fmla="*/ 1321676 w 2643352"/>
+              <a:gd name="connsiteY7" fmla="*/ 0 h 1895331"/>
+            </a:gdLst>
+            <a:ahLst/>
+            <a:cxnLst>
+              <a:cxn ang="0">
+                <a:pos x="connsiteX0" y="connsiteY0"/>
+              </a:cxn>
+              <a:cxn ang="0">
+                <a:pos x="connsiteX1" y="connsiteY1"/>
+              </a:cxn>
+              <a:cxn ang="0">
+                <a:pos x="connsiteX2" y="connsiteY2"/>
+              </a:cxn>
+              <a:cxn ang="0">
+                <a:pos x="connsiteX3" y="connsiteY3"/>
+              </a:cxn>
+              <a:cxn ang="0">
+                <a:pos x="connsiteX4" y="connsiteY4"/>
+              </a:cxn>
+              <a:cxn ang="0">
+                <a:pos x="connsiteX5" y="connsiteY5"/>
+              </a:cxn>
+              <a:cxn ang="0">
+                <a:pos x="connsiteX6" y="connsiteY6"/>
+              </a:cxn>
+              <a:cxn ang="0">
+                <a:pos x="connsiteX7" y="connsiteY7"/>
+              </a:cxn>
+            </a:cxnLst>
+            <a:rect l="l" t="t" r="r" b="b"/>
+            <a:pathLst>
+              <a:path w="2643352" h="1895331">
+                <a:moveTo>
+                  <a:pt x="1321676" y="0"/>
+                </a:moveTo>
+                <a:cubicBezTo>
+                  <a:pt x="2051617" y="0"/>
+                  <a:pt x="2643352" y="591735"/>
+                  <a:pt x="2643352" y="1321676"/>
+                </a:cubicBezTo>
+                <a:cubicBezTo>
+                  <a:pt x="2643352" y="1504161"/>
+                  <a:pt x="2606369" y="1678009"/>
+                  <a:pt x="2539488" y="1836132"/>
+                </a:cubicBezTo>
+                <a:lnTo>
+                  <a:pt x="2510970" y="1895331"/>
+                </a:lnTo>
+                <a:lnTo>
+                  <a:pt x="132382" y="1895331"/>
+                </a:lnTo>
+                <a:lnTo>
+                  <a:pt x="103864" y="1836132"/>
+                </a:lnTo>
+                <a:cubicBezTo>
+                  <a:pt x="36984" y="1678009"/>
+                  <a:pt x="0" y="1504161"/>
+                  <a:pt x="0" y="1321676"/>
+                </a:cubicBezTo>
+                <a:cubicBezTo>
+                  <a:pt x="0" y="591735"/>
+                  <a:pt x="591735" y="0"/>
+                  <a:pt x="1321676" y="0"/>
+                </a:cubicBezTo>
+                <a:close/>
+              </a:path>
+            </a:pathLst>
+          </a:custGeom>
+          <a:solidFill>
+            <a:schemeClr val="accent2"/>
+          </a:solidFill>
+          <a:ln>
+            <a:noFill/>
+          </a:ln>
+        </p:spPr>
+        <p:style>
+          <a:lnRef idx="2">
+            <a:schemeClr val="accent1">
+              <a:shade val="50000"/>
+            </a:schemeClr>
+          </a:lnRef>
+          <a:fillRef idx="1">
+            <a:schemeClr val="accent1"/>
+          </a:fillRef>
+          <a:effectRef idx="0">
+            <a:schemeClr val="accent1"/>
+          </a:effectRef>
+          <a:fontRef idx="minor">
+            <a:schemeClr val="lt1"/>
+          </a:fontRef>
+        </p:style>
+        <p:txBody>
+          <a:bodyPr rtlCol="0" anchor="ctr"/>
+          <a:lstStyle/>
+          <a:p>
+            <a:pPr algn="ctr"/>
+            <a:endParaRPr lang="en-US"/>
+          </a:p>
+        </p:txBody>
+      </p:sp>
+    </p:spTree>
+    <p:extLst>
+      <p:ext uri="{BB962C8B-B14F-4D97-AF65-F5344CB8AC3E}">
+        <p14:creationId xmlns:p14="http://schemas.microsoft.com/office/powerpoint/2010/main" val="33053877"/>
+      </p:ext>
+    </p:extLst>
+  </p:cSld>
+  <p:clrMapOvr>
+    <a:masterClrMapping/>
+  </p:clrMapOvr>
+</p:sld>
+</file>
+
+<file path=ppt/slides/slide25.xml><?xml version="1.0" encoding="utf-8"?>
+<p:sld xmlns:a="http://schemas.openxmlformats.org/drawingml/2006/main" xmlns:r="http://schemas.openxmlformats.org/officeDocument/2006/relationships" xmlns:p="http://schemas.openxmlformats.org/presentationml/2006/main">
+  <p:cSld>
+    <p:bg>
+      <p:bgPr>
+        <a:solidFill>
+          <a:schemeClr val="bg1">
+            <a:tint val="95000"/>
+            <a:satMod val="170000"/>
+          </a:schemeClr>
+        </a:solidFill>
+        <a:effectLst/>
+      </p:bgPr>
+    </p:bg>
+    <p:spTree>
+      <p:nvGrpSpPr>
+        <p:cNvPr id="1" name=""/>
+        <p:cNvGrpSpPr/>
+        <p:nvPr/>
+      </p:nvGrpSpPr>
+      <p:grpSpPr>
+        <a:xfrm>
+          <a:off x="0" y="0"/>
+          <a:ext cx="0" cy="0"/>
+          <a:chOff x="0" y="0"/>
+          <a:chExt cx="0" cy="0"/>
+        </a:xfrm>
+      </p:grpSpPr>
+      <p:sp>
+        <p:nvSpPr>
+          <p:cNvPr id="3" name="Content Placeholder 2">
+            <a:extLst>
+              <a:ext uri="{FF2B5EF4-FFF2-40B4-BE49-F238E27FC236}">
+                <a16:creationId xmlns:a16="http://schemas.microsoft.com/office/drawing/2014/main" id="{51FBCFCD-66E2-17B8-526A-ABE905A30482}"/>
+              </a:ext>
+            </a:extLst>
+          </p:cNvPr>
+          <p:cNvSpPr>
+            <a:spLocks noGrp="1"/>
+          </p:cNvSpPr>
+          <p:nvPr>
+            <p:ph idx="1"/>
+          </p:nvPr>
+        </p:nvSpPr>
+        <p:spPr>
+          <a:xfrm>
+            <a:off x="805543" y="2871982"/>
+            <a:ext cx="5272888" cy="3181684"/>
+          </a:xfrm>
+        </p:spPr>
+        <p:txBody>
+          <a:bodyPr anchor="t">
+            <a:normAutofit/>
+          </a:bodyPr>
+          <a:lstStyle/>
+          <a:p>
+            <a:pPr marL="0" indent="0">
+              <a:buNone/>
+            </a:pPr>
+            <a:endParaRPr lang="en-US" sz="1800" dirty="0"/>
+          </a:p>
+          <a:p>
+            <a:pPr marL="0" indent="0">
+              <a:buNone/>
+            </a:pPr>
+            <a:r>
+              <a:rPr lang="en-US" sz="9600" dirty="0"/>
+              <a:t>THANK YOU</a:t>
+            </a:r>
+          </a:p>
+        </p:txBody>
+      </p:sp>
+      <p:sp>
+        <p:nvSpPr>
+          <p:cNvPr id="10" name="Freeform 49">
+            <a:extLst>
+              <a:ext uri="{FF2B5EF4-FFF2-40B4-BE49-F238E27FC236}">
+                <a16:creationId xmlns:a16="http://schemas.microsoft.com/office/drawing/2014/main" id="{EF9B8DF2-C3F5-49A2-94D2-F7B65A0F1F15}"/>
+              </a:ext>
+              <a:ext uri="{C183D7F6-B498-43B3-948B-1728B52AA6E4}">
+                <adec:decorative xmlns:adec="http://schemas.microsoft.com/office/drawing/2017/decorative" val="1"/>
+              </a:ext>
+            </a:extLst>
+          </p:cNvPr>
+          <p:cNvSpPr>
+            <a:spLocks noGrp="1" noRot="1" noChangeAspect="1" noMove="1" noResize="1" noEditPoints="1" noAdjustHandles="1" noChangeArrowheads="1" noChangeShapeType="1" noTextEdit="1"/>
+          </p:cNvSpPr>
+          <p:nvPr>
+            <p:extLst>
+              <p:ext uri="{386F3935-93C4-4BCD-93E2-E3B085C9AB24}">
+                <p16:designElem xmlns:p16="http://schemas.microsoft.com/office/powerpoint/2015/main" val="1"/>
+              </p:ext>
+            </p:extLst>
+          </p:nvPr>
+        </p:nvSpPr>
+        <p:spPr>
+          <a:xfrm flipH="1">
+            <a:off x="6713914" y="581159"/>
+            <a:ext cx="5478085" cy="6276841"/>
+          </a:xfrm>
+          <a:custGeom>
+            <a:avLst/>
+            <a:gdLst>
+              <a:gd name="connsiteX0" fmla="*/ 2178155 w 5478085"/>
+              <a:gd name="connsiteY0" fmla="*/ 0 h 6276841"/>
+              <a:gd name="connsiteX1" fmla="*/ 5478085 w 5478085"/>
+              <a:gd name="connsiteY1" fmla="*/ 3299930 h 6276841"/>
+              <a:gd name="connsiteX2" fmla="*/ 3751098 w 5478085"/>
+              <a:gd name="connsiteY2" fmla="*/ 6201577 h 6276841"/>
+              <a:gd name="connsiteX3" fmla="*/ 3594858 w 5478085"/>
+              <a:gd name="connsiteY3" fmla="*/ 6276841 h 6276841"/>
+              <a:gd name="connsiteX4" fmla="*/ 761453 w 5478085"/>
+              <a:gd name="connsiteY4" fmla="*/ 6276841 h 6276841"/>
+              <a:gd name="connsiteX5" fmla="*/ 605213 w 5478085"/>
+              <a:gd name="connsiteY5" fmla="*/ 6201577 h 6276841"/>
+              <a:gd name="connsiteX6" fmla="*/ 79093 w 5478085"/>
+              <a:gd name="connsiteY6" fmla="*/ 5846317 h 6276841"/>
+              <a:gd name="connsiteX7" fmla="*/ 0 w 5478085"/>
+              <a:gd name="connsiteY7" fmla="*/ 5774432 h 6276841"/>
+              <a:gd name="connsiteX8" fmla="*/ 0 w 5478085"/>
+              <a:gd name="connsiteY8" fmla="*/ 825429 h 6276841"/>
+              <a:gd name="connsiteX9" fmla="*/ 79093 w 5478085"/>
+              <a:gd name="connsiteY9" fmla="*/ 753544 h 6276841"/>
+              <a:gd name="connsiteX10" fmla="*/ 2178155 w 5478085"/>
+              <a:gd name="connsiteY10" fmla="*/ 0 h 6276841"/>
+            </a:gdLst>
+            <a:ahLst/>
+            <a:cxnLst>
+              <a:cxn ang="0">
+                <a:pos x="connsiteX0" y="connsiteY0"/>
+              </a:cxn>
+              <a:cxn ang="0">
+                <a:pos x="connsiteX1" y="connsiteY1"/>
+              </a:cxn>
+              <a:cxn ang="0">
+                <a:pos x="connsiteX2" y="connsiteY2"/>
+              </a:cxn>
+              <a:cxn ang="0">
+                <a:pos x="connsiteX3" y="connsiteY3"/>
+              </a:cxn>
+              <a:cxn ang="0">
+                <a:pos x="connsiteX4" y="connsiteY4"/>
+              </a:cxn>
+              <a:cxn ang="0">
+                <a:pos x="connsiteX5" y="connsiteY5"/>
+              </a:cxn>
+              <a:cxn ang="0">
+                <a:pos x="connsiteX6" y="connsiteY6"/>
+              </a:cxn>
+              <a:cxn ang="0">
+                <a:pos x="connsiteX7" y="connsiteY7"/>
+              </a:cxn>
+              <a:cxn ang="0">
+                <a:pos x="connsiteX8" y="connsiteY8"/>
+              </a:cxn>
+              <a:cxn ang="0">
+                <a:pos x="connsiteX9" y="connsiteY9"/>
+              </a:cxn>
+              <a:cxn ang="0">
+                <a:pos x="connsiteX10" y="connsiteY10"/>
+              </a:cxn>
+            </a:cxnLst>
+            <a:rect l="l" t="t" r="r" b="b"/>
+            <a:pathLst>
+              <a:path w="5478085" h="6276841">
+                <a:moveTo>
+                  <a:pt x="2178155" y="0"/>
+                </a:moveTo>
+                <a:cubicBezTo>
+                  <a:pt x="4000656" y="0"/>
+                  <a:pt x="5478085" y="1477429"/>
+                  <a:pt x="5478085" y="3299930"/>
+                </a:cubicBezTo>
+                <a:cubicBezTo>
+                  <a:pt x="5478085" y="4552900"/>
+                  <a:pt x="4779769" y="5642769"/>
+                  <a:pt x="3751098" y="6201577"/>
+                </a:cubicBezTo>
+                <a:lnTo>
+                  <a:pt x="3594858" y="6276841"/>
+                </a:lnTo>
+                <a:lnTo>
+                  <a:pt x="761453" y="6276841"/>
+                </a:lnTo>
+                <a:lnTo>
+                  <a:pt x="605213" y="6201577"/>
+                </a:lnTo>
+                <a:cubicBezTo>
+                  <a:pt x="418182" y="6099975"/>
+                  <a:pt x="242071" y="5980818"/>
+                  <a:pt x="79093" y="5846317"/>
+                </a:cubicBezTo>
+                <a:lnTo>
+                  <a:pt x="0" y="5774432"/>
+                </a:lnTo>
+                <a:lnTo>
+                  <a:pt x="0" y="825429"/>
+                </a:lnTo>
+                <a:lnTo>
+                  <a:pt x="79093" y="753544"/>
+                </a:lnTo>
+                <a:cubicBezTo>
+                  <a:pt x="649516" y="282789"/>
+                  <a:pt x="1380811" y="0"/>
+                  <a:pt x="2178155" y="0"/>
+                </a:cubicBezTo>
+                <a:close/>
+              </a:path>
+            </a:pathLst>
+          </a:custGeom>
+          <a:solidFill>
+            <a:srgbClr val="FFFFFF">
+              <a:alpha val="80000"/>
+            </a:srgbClr>
+          </a:solidFill>
+          <a:ln w="31750">
+            <a:noFill/>
+          </a:ln>
+        </p:spPr>
+        <p:style>
+          <a:lnRef idx="2">
+            <a:schemeClr val="accent1">
+              <a:shade val="50000"/>
+            </a:schemeClr>
+          </a:lnRef>
+          <a:fillRef idx="1">
+            <a:schemeClr val="accent1"/>
+          </a:fillRef>
+          <a:effectRef idx="0">
+            <a:schemeClr val="accent1"/>
+          </a:effectRef>
+          <a:fontRef idx="minor">
+            <a:schemeClr val="lt1"/>
+          </a:fontRef>
+        </p:style>
+        <p:txBody>
+          <a:bodyPr wrap="square" rtlCol="0" anchor="ctr">
+            <a:noAutofit/>
+          </a:bodyPr>
+          <a:lstStyle/>
+          <a:p>
+            <a:pPr marL="0" marR="0" lvl="0" indent="0" algn="ctr" defTabSz="914400" rtl="0" eaLnBrk="1" fontAlgn="auto" latinLnBrk="0" hangingPunct="1">
+              <a:lnSpc>
+                <a:spcPct val="100000"/>
+              </a:lnSpc>
+              <a:spcBef>
+                <a:spcPts val="0"/>
+              </a:spcBef>
+              <a:spcAft>
+                <a:spcPts val="0"/>
+              </a:spcAft>
+              <a:buClrTx/>
+              <a:buSzTx/>
+              <a:buFontTx/>
+              <a:buNone/>
+              <a:tabLst/>
+              <a:defRPr/>
+            </a:pPr>
+            <a:endParaRPr kumimoji="0" lang="en-US" sz="1800" b="0" i="0" u="none" strike="noStrike" kern="1200" cap="none" spc="0" normalizeH="0" baseline="0" noProof="0">
+              <a:ln>
+                <a:noFill/>
+              </a:ln>
+              <a:solidFill>
+                <a:prstClr val="white"/>
+              </a:solidFill>
+              <a:effectLst/>
+              <a:uLnTx/>
+              <a:uFillTx/>
+              <a:latin typeface="Calibri" panose="020F0502020204030204"/>
+              <a:ea typeface="+mn-ea"/>
+              <a:cs typeface="+mn-cs"/>
+            </a:endParaRPr>
+          </a:p>
+        </p:txBody>
+      </p:sp>
+      <p:sp>
+        <p:nvSpPr>
+          <p:cNvPr id="12" name="Freeform: Shape 11">
+            <a:extLst>
+              <a:ext uri="{FF2B5EF4-FFF2-40B4-BE49-F238E27FC236}">
+                <a16:creationId xmlns:a16="http://schemas.microsoft.com/office/drawing/2014/main" id="{4330B6AC-E6AB-45E4-A303-C8DE90EB2AAC}"/>
+              </a:ext>
+              <a:ext uri="{C183D7F6-B498-43B3-948B-1728B52AA6E4}">
+                <adec:decorative xmlns:adec="http://schemas.microsoft.com/office/drawing/2017/decorative" val="1"/>
+              </a:ext>
+            </a:extLst>
+          </p:cNvPr>
+          <p:cNvSpPr>
+            <a:spLocks noGrp="1" noRot="1" noChangeAspect="1" noMove="1" noResize="1" noEditPoints="1" noAdjustHandles="1" noChangeArrowheads="1" noChangeShapeType="1" noTextEdit="1"/>
+          </p:cNvSpPr>
+          <p:nvPr>
+            <p:extLst>
+              <p:ext uri="{386F3935-93C4-4BCD-93E2-E3B085C9AB24}">
+                <p16:designElem xmlns:p16="http://schemas.microsoft.com/office/powerpoint/2015/main" val="1"/>
+              </p:ext>
+            </p:extLst>
+          </p:nvPr>
+        </p:nvSpPr>
+        <p:spPr>
+          <a:xfrm>
+            <a:off x="6893318" y="760562"/>
+            <a:ext cx="5298683" cy="6097438"/>
+          </a:xfrm>
+          <a:custGeom>
+            <a:avLst/>
+            <a:gdLst>
+              <a:gd name="connsiteX0" fmla="*/ 3120528 w 5298683"/>
+              <a:gd name="connsiteY0" fmla="*/ 0 h 6097438"/>
+              <a:gd name="connsiteX1" fmla="*/ 5105473 w 5298683"/>
+              <a:gd name="connsiteY1" fmla="*/ 712577 h 6097438"/>
+              <a:gd name="connsiteX2" fmla="*/ 5298683 w 5298683"/>
+              <a:gd name="connsiteY2" fmla="*/ 888178 h 6097438"/>
+              <a:gd name="connsiteX3" fmla="*/ 5298683 w 5298683"/>
+              <a:gd name="connsiteY3" fmla="*/ 5352876 h 6097438"/>
+              <a:gd name="connsiteX4" fmla="*/ 5105473 w 5298683"/>
+              <a:gd name="connsiteY4" fmla="*/ 5528477 h 6097438"/>
+              <a:gd name="connsiteX5" fmla="*/ 4335177 w 5298683"/>
+              <a:gd name="connsiteY5" fmla="*/ 5995828 h 6097438"/>
+              <a:gd name="connsiteX6" fmla="*/ 4057556 w 5298683"/>
+              <a:gd name="connsiteY6" fmla="*/ 6097438 h 6097438"/>
+              <a:gd name="connsiteX7" fmla="*/ 2183499 w 5298683"/>
+              <a:gd name="connsiteY7" fmla="*/ 6097438 h 6097438"/>
+              <a:gd name="connsiteX8" fmla="*/ 1905878 w 5298683"/>
+              <a:gd name="connsiteY8" fmla="*/ 5995828 h 6097438"/>
+              <a:gd name="connsiteX9" fmla="*/ 0 w 5298683"/>
+              <a:gd name="connsiteY9" fmla="*/ 3120527 h 6097438"/>
+              <a:gd name="connsiteX10" fmla="*/ 3120528 w 5298683"/>
+              <a:gd name="connsiteY10" fmla="*/ 0 h 6097438"/>
+            </a:gdLst>
+            <a:ahLst/>
+            <a:cxnLst>
+              <a:cxn ang="0">
+                <a:pos x="connsiteX0" y="connsiteY0"/>
+              </a:cxn>
+              <a:cxn ang="0">
+                <a:pos x="connsiteX1" y="connsiteY1"/>
+              </a:cxn>
+              <a:cxn ang="0">
+                <a:pos x="connsiteX2" y="connsiteY2"/>
+              </a:cxn>
+              <a:cxn ang="0">
+                <a:pos x="connsiteX3" y="connsiteY3"/>
+              </a:cxn>
+              <a:cxn ang="0">
+                <a:pos x="connsiteX4" y="connsiteY4"/>
+              </a:cxn>
+              <a:cxn ang="0">
+                <a:pos x="connsiteX5" y="connsiteY5"/>
+              </a:cxn>
+              <a:cxn ang="0">
+                <a:pos x="connsiteX6" y="connsiteY6"/>
+              </a:cxn>
+              <a:cxn ang="0">
+                <a:pos x="connsiteX7" y="connsiteY7"/>
+              </a:cxn>
+              <a:cxn ang="0">
+                <a:pos x="connsiteX8" y="connsiteY8"/>
+              </a:cxn>
+              <a:cxn ang="0">
+                <a:pos x="connsiteX9" y="connsiteY9"/>
+              </a:cxn>
+              <a:cxn ang="0">
+                <a:pos x="connsiteX10" y="connsiteY10"/>
+              </a:cxn>
+            </a:cxnLst>
+            <a:rect l="l" t="t" r="r" b="b"/>
+            <a:pathLst>
+              <a:path w="5298683" h="6097438">
+                <a:moveTo>
+                  <a:pt x="3120528" y="0"/>
+                </a:moveTo>
+                <a:cubicBezTo>
+                  <a:pt x="3874524" y="0"/>
+                  <a:pt x="4566062" y="267415"/>
+                  <a:pt x="5105473" y="712577"/>
+                </a:cubicBezTo>
+                <a:lnTo>
+                  <a:pt x="5298683" y="888178"/>
+                </a:lnTo>
+                <a:lnTo>
+                  <a:pt x="5298683" y="5352876"/>
+                </a:lnTo>
+                <a:lnTo>
+                  <a:pt x="5105473" y="5528477"/>
+                </a:lnTo>
+                <a:cubicBezTo>
+                  <a:pt x="4874296" y="5719261"/>
+                  <a:pt x="4615179" y="5877397"/>
+                  <a:pt x="4335177" y="5995828"/>
+                </a:cubicBezTo>
+                <a:lnTo>
+                  <a:pt x="4057556" y="6097438"/>
+                </a:lnTo>
+                <a:lnTo>
+                  <a:pt x="2183499" y="6097438"/>
+                </a:lnTo>
+                <a:lnTo>
+                  <a:pt x="1905878" y="5995828"/>
+                </a:lnTo>
+                <a:cubicBezTo>
+                  <a:pt x="785873" y="5522106"/>
+                  <a:pt x="0" y="4413092"/>
+                  <a:pt x="0" y="3120527"/>
+                </a:cubicBezTo>
+                <a:cubicBezTo>
+                  <a:pt x="0" y="1397108"/>
+                  <a:pt x="1397108" y="0"/>
+                  <a:pt x="3120528" y="0"/>
+                </a:cubicBezTo>
+                <a:close/>
+              </a:path>
+            </a:pathLst>
+          </a:custGeom>
+          <a:solidFill>
+            <a:schemeClr val="tx1"/>
+          </a:solidFill>
+          <a:ln>
+            <a:noFill/>
+          </a:ln>
+        </p:spPr>
+        <p:style>
+          <a:lnRef idx="2">
+            <a:schemeClr val="accent1">
+              <a:shade val="50000"/>
+            </a:schemeClr>
+          </a:lnRef>
+          <a:fillRef idx="1">
+            <a:schemeClr val="accent1"/>
+          </a:fillRef>
+          <a:effectRef idx="0">
+            <a:schemeClr val="accent1"/>
+          </a:effectRef>
+          <a:fontRef idx="minor">
+            <a:schemeClr val="lt1"/>
+          </a:fontRef>
+        </p:style>
+        <p:txBody>
+          <a:bodyPr rtlCol="0" anchor="ctr"/>
+          <a:lstStyle/>
+          <a:p>
+            <a:pPr marL="0" marR="0" lvl="0" indent="0" algn="ctr" defTabSz="914400" rtl="0" eaLnBrk="1" fontAlgn="auto" latinLnBrk="0" hangingPunct="1">
+              <a:lnSpc>
+                <a:spcPct val="100000"/>
+              </a:lnSpc>
+              <a:spcBef>
+                <a:spcPts val="0"/>
+              </a:spcBef>
+              <a:spcAft>
+                <a:spcPts val="0"/>
+              </a:spcAft>
+              <a:buClrTx/>
+              <a:buSzTx/>
+              <a:buFontTx/>
+              <a:buNone/>
+              <a:tabLst/>
+              <a:defRPr/>
+            </a:pPr>
+            <a:endParaRPr kumimoji="0" lang="en-US" sz="1800" b="0" i="0" u="none" strike="noStrike" kern="1200" cap="none" spc="0" normalizeH="0" baseline="0" noProof="0">
+              <a:ln>
+                <a:noFill/>
+              </a:ln>
+              <a:solidFill>
+                <a:prstClr val="white"/>
+              </a:solidFill>
+              <a:effectLst/>
+              <a:uLnTx/>
+              <a:uFillTx/>
+              <a:latin typeface="Calibri" panose="020F0502020204030204"/>
+              <a:ea typeface="+mn-ea"/>
+              <a:cs typeface="+mn-cs"/>
+            </a:endParaRPr>
+          </a:p>
+        </p:txBody>
+      </p:sp>
+      <p:pic>
+        <p:nvPicPr>
+          <p:cNvPr id="7" name="Graphic 6" descr="Handshake">
+            <a:extLst>
+              <a:ext uri="{FF2B5EF4-FFF2-40B4-BE49-F238E27FC236}">
+                <a16:creationId xmlns:a16="http://schemas.microsoft.com/office/drawing/2014/main" id="{AA33671C-89D5-7485-1248-683E673E8D06}"/>
+              </a:ext>
+            </a:extLst>
+          </p:cNvPr>
+          <p:cNvPicPr>
+            <a:picLocks noChangeAspect="1"/>
+          </p:cNvPicPr>
+          <p:nvPr/>
+        </p:nvPicPr>
+        <p:blipFill>
+          <a:blip r:embed="rId2">
+            <a:extLst>
+              <a:ext uri="{28A0092B-C50C-407E-A947-70E740481C1C}">
+                <a14:useLocalDpi xmlns:a14="http://schemas.microsoft.com/office/drawing/2010/main" val="0"/>
+              </a:ext>
+              <a:ext uri="{96DAC541-7B7A-43D3-8B79-37D633B846F1}">
+                <asvg:svgBlip xmlns:asvg="http://schemas.microsoft.com/office/drawing/2016/SVG/main" r:embed="rId3"/>
+              </a:ext>
+            </a:extLst>
+          </a:blip>
+          <a:stretch>
+            <a:fillRect/>
+          </a:stretch>
+        </p:blipFill>
+        <p:spPr>
+          <a:xfrm>
+            <a:off x="7924800" y="1957050"/>
+            <a:ext cx="3945463" cy="3945463"/>
+          </a:xfrm>
+          <a:prstGeom prst="rect">
+            <a:avLst/>
+          </a:prstGeom>
+        </p:spPr>
+      </p:pic>
+    </p:spTree>
+    <p:extLst>
+      <p:ext uri="{BB962C8B-B14F-4D97-AF65-F5344CB8AC3E}">
+        <p14:creationId xmlns:p14="http://schemas.microsoft.com/office/powerpoint/2010/main" val="1624363699"/>
+      </p:ext>
+    </p:extLst>
+  </p:cSld>
+  <p:clrMapOvr>
+    <a:overrideClrMapping bg1="dk1" tx1="lt1" bg2="dk2" tx2="lt2" accent1="accent1" accent2="accent2" accent3="accent3" accent4="accent4" accent5="accent5" accent6="accent6" hlink="hlink" folHlink="folHlink"/>
+  </p:clrMapOvr>
+</p:sld>
+</file>
+
 <file path=ppt/slides/slide3.xml><?xml version="1.0" encoding="utf-8"?>
 <p:sld xmlns:a="http://schemas.openxmlformats.org/drawingml/2006/main" xmlns:r="http://schemas.openxmlformats.org/officeDocument/2006/relationships" xmlns:p="http://schemas.openxmlformats.org/presentationml/2006/main">
   <p:cSld>
@@ -11518,7 +13593,7 @@
           <a:lstStyle/>
           <a:p>
             <a:r>
-              <a:rPr lang="en-US" b="1"/>
+              <a:rPr lang="en-US" b="1" dirty="0"/>
               <a:t>Existing Systems </a:t>
             </a:r>
           </a:p>
@@ -11653,7 +13728,7 @@
       </p:sp>
       <p:pic>
         <p:nvPicPr>
-          <p:cNvPr id="6" name="Picture 5" descr="Diagram&#10;&#10;Description automatically generated">
+          <p:cNvPr id="6" name="Picture 5" descr="bkbjDiagram">
             <a:extLst>
               <a:ext uri="{FF2B5EF4-FFF2-40B4-BE49-F238E27FC236}">
                 <a16:creationId xmlns:a16="http://schemas.microsoft.com/office/drawing/2014/main" id="{EB3BA4DD-4E8B-4D77-BBE5-9E0B9750644F}"/>
@@ -11978,7 +14053,7 @@
           <p:cNvPr id="2" name="Title 1">
             <a:extLst>
               <a:ext uri="{FF2B5EF4-FFF2-40B4-BE49-F238E27FC236}">
-                <a16:creationId xmlns:a16="http://schemas.microsoft.com/office/drawing/2014/main" id="{A03556A8-306D-4AAD-A818-C5F7CD7DCAA6}"/>
+                <a16:creationId xmlns:a16="http://schemas.microsoft.com/office/drawing/2014/main" id="{4163873F-2445-771F-7C3C-DB4B51C24BCA}"/>
               </a:ext>
             </a:extLst>
           </p:cNvPr>
@@ -11995,18 +14070,18 @@
           <a:lstStyle/>
           <a:p>
             <a:r>
-              <a:rPr lang="en-US" b="1"/>
-              <a:t>Heart Wave Authentication</a:t>
-            </a:r>
-          </a:p>
-        </p:txBody>
-      </p:sp>
-      <p:sp>
-        <p:nvSpPr>
-          <p:cNvPr id="28" name="Content Placeholder 27">
+              <a:rPr lang="en-US" b="1" dirty="0"/>
+              <a:t>Why QR Code Authentication?</a:t>
+            </a:r>
+          </a:p>
+        </p:txBody>
+      </p:sp>
+      <p:sp>
+        <p:nvSpPr>
+          <p:cNvPr id="3" name="Content Placeholder 2">
             <a:extLst>
               <a:ext uri="{FF2B5EF4-FFF2-40B4-BE49-F238E27FC236}">
-                <a16:creationId xmlns:a16="http://schemas.microsoft.com/office/drawing/2014/main" id="{5625D5E9-34CA-4D00-BCB5-EB2CB1EDEA0D}"/>
+                <a16:creationId xmlns:a16="http://schemas.microsoft.com/office/drawing/2014/main" id="{1CF5E8F7-4059-9C97-B4AC-DFD78B0E433C}"/>
               </a:ext>
             </a:extLst>
           </p:cNvPr>
@@ -12019,84 +14094,92 @@
         </p:nvSpPr>
         <p:spPr/>
         <p:txBody>
-          <a:bodyPr vert="horz" lIns="91440" tIns="45720" rIns="91440" bIns="45720" rtlCol="0" anchor="t">
-            <a:normAutofit/>
-          </a:bodyPr>
+          <a:bodyPr/>
           <a:lstStyle/>
           <a:p>
-            <a:r>
-              <a:rPr lang="en-US" sz="2400">
-                <a:ea typeface="+mn-lt"/>
-                <a:cs typeface="+mn-lt"/>
-              </a:rPr>
-              <a:t>Non-transferrable – Everyone has a unique set of biometrics</a:t>
-            </a:r>
-            <a:endParaRPr lang="en-US" sz="2400">
-              <a:solidFill>
-                <a:srgbClr val="0B1B2B"/>
-              </a:solidFill>
-              <a:latin typeface="Calibri"/>
-              <a:cs typeface="Calibri"/>
-            </a:endParaRPr>
-          </a:p>
-          <a:p>
-            <a:r>
-              <a:rPr lang="en-US" sz="2400" i="0">
+            <a:pPr algn="l" fontAlgn="base">
+              <a:buFont typeface="Arial" panose="020B0604020202020204" pitchFamily="34" charset="0"/>
+              <a:buChar char="•"/>
+            </a:pPr>
+            <a:r>
+              <a:rPr lang="en-US" sz="2400" b="0" i="0" dirty="0">
                 <a:solidFill>
-                  <a:srgbClr val="0B1B2B"/>
+                  <a:srgbClr val="2F3439"/>
                 </a:solidFill>
                 <a:effectLst/>
-                <a:latin typeface="Calibri"/>
-                <a:cs typeface="Calibri"/>
               </a:rPr>
-              <a:t>High security and assurance – Biometric identification provides the answers to “something a person has and is” and helps verify identity</a:t>
-            </a:r>
-            <a:endParaRPr lang="en-US" sz="2400">
-              <a:latin typeface="Calibri"/>
-              <a:cs typeface="Calibri"/>
-            </a:endParaRPr>
-          </a:p>
-          <a:p>
-            <a:r>
-              <a:rPr lang="en-US" sz="2400" i="0">
+              <a:t>Super fast reading capabilities</a:t>
+            </a:r>
+          </a:p>
+          <a:p>
+            <a:pPr algn="l" fontAlgn="base">
+              <a:buFont typeface="Arial" panose="020B0604020202020204" pitchFamily="34" charset="0"/>
+              <a:buChar char="•"/>
+            </a:pPr>
+            <a:r>
+              <a:rPr lang="en-US" sz="2400" b="0" i="0" dirty="0">
                 <a:solidFill>
-                  <a:srgbClr val="0B1B2B"/>
+                  <a:srgbClr val="2F3439"/>
                 </a:solidFill>
                 <a:effectLst/>
-                <a:latin typeface="Calibri"/>
-                <a:cs typeface="Calibri"/>
               </a:rPr>
-              <a:t>Spoof-proof – Biometrics are hard to fake or steal</a:t>
-            </a:r>
-            <a:r>
-              <a:rPr lang="en-US" sz="2400">
+              <a:t>No dedicated third-party hardware needed</a:t>
+            </a:r>
+          </a:p>
+          <a:p>
+            <a:pPr algn="l" fontAlgn="base">
+              <a:buFont typeface="Arial" panose="020B0604020202020204" pitchFamily="34" charset="0"/>
+              <a:buChar char="•"/>
+            </a:pPr>
+            <a:r>
+              <a:rPr lang="en-US" sz="2400" b="0" i="0" dirty="0">
                 <a:solidFill>
-                  <a:srgbClr val="0B1B2B"/>
+                  <a:srgbClr val="2F3439"/>
                 </a:solidFill>
-                <a:latin typeface="Calibri"/>
-                <a:cs typeface="Calibri"/>
+                <a:effectLst/>
               </a:rPr>
-              <a:t>.</a:t>
-            </a:r>
-          </a:p>
-          <a:p>
-            <a:r>
-              <a:rPr lang="en-US" sz="2400">
+              <a:t>Simple use makes it ideal for younger users</a:t>
+            </a:r>
+          </a:p>
+          <a:p>
+            <a:pPr algn="l" fontAlgn="base">
+              <a:buFont typeface="Arial" panose="020B0604020202020204" pitchFamily="34" charset="0"/>
+              <a:buChar char="•"/>
+            </a:pPr>
+            <a:r>
+              <a:rPr lang="en-US" sz="2400" b="0" i="0" dirty="0">
                 <a:solidFill>
-                  <a:srgbClr val="0B1B2B"/>
+                  <a:srgbClr val="2F3439"/>
                 </a:solidFill>
-                <a:latin typeface="Calibri"/>
-                <a:cs typeface="Calibri"/>
+                <a:effectLst/>
               </a:rPr>
-              <a:t>User Experience – Convenient and fast.</a:t>
-            </a:r>
+              <a:t>Easily combined with other authentication factors for increased verification.</a:t>
+            </a:r>
+          </a:p>
+          <a:p>
+            <a:pPr algn="l" fontAlgn="base">
+              <a:buFont typeface="Arial" panose="020B0604020202020204" pitchFamily="34" charset="0"/>
+              <a:buChar char="•"/>
+            </a:pPr>
+            <a:r>
+              <a:rPr lang="en-US" sz="2400" b="0" i="0" dirty="0">
+                <a:solidFill>
+                  <a:srgbClr val="2F3439"/>
+                </a:solidFill>
+                <a:effectLst/>
+              </a:rPr>
+              <a:t>Badge printing can be delegated to business managers or teachers</a:t>
+            </a:r>
+          </a:p>
+          <a:p>
+            <a:endParaRPr lang="en-US" dirty="0"/>
           </a:p>
         </p:txBody>
       </p:sp>
     </p:spTree>
     <p:extLst>
       <p:ext uri="{BB962C8B-B14F-4D97-AF65-F5344CB8AC3E}">
-        <p14:creationId xmlns:p14="http://schemas.microsoft.com/office/powerpoint/2010/main" val="2442537970"/>
+        <p14:creationId xmlns:p14="http://schemas.microsoft.com/office/powerpoint/2010/main" val="1719887273"/>
       </p:ext>
     </p:extLst>
   </p:cSld>
@@ -12128,6 +14211,156 @@
           <p:cNvPr id="2" name="Title 1">
             <a:extLst>
               <a:ext uri="{FF2B5EF4-FFF2-40B4-BE49-F238E27FC236}">
+                <a16:creationId xmlns:a16="http://schemas.microsoft.com/office/drawing/2014/main" id="{A03556A8-306D-4AAD-A818-C5F7CD7DCAA6}"/>
+              </a:ext>
+            </a:extLst>
+          </p:cNvPr>
+          <p:cNvSpPr>
+            <a:spLocks noGrp="1"/>
+          </p:cNvSpPr>
+          <p:nvPr>
+            <p:ph type="title"/>
+          </p:nvPr>
+        </p:nvSpPr>
+        <p:spPr/>
+        <p:txBody>
+          <a:bodyPr/>
+          <a:lstStyle/>
+          <a:p>
+            <a:r>
+              <a:rPr lang="en-US" b="1" dirty="0"/>
+              <a:t>Why Heart Wave Authentication ?</a:t>
+            </a:r>
+          </a:p>
+        </p:txBody>
+      </p:sp>
+      <p:sp>
+        <p:nvSpPr>
+          <p:cNvPr id="28" name="Content Placeholder 27">
+            <a:extLst>
+              <a:ext uri="{FF2B5EF4-FFF2-40B4-BE49-F238E27FC236}">
+                <a16:creationId xmlns:a16="http://schemas.microsoft.com/office/drawing/2014/main" id="{5625D5E9-34CA-4D00-BCB5-EB2CB1EDEA0D}"/>
+              </a:ext>
+            </a:extLst>
+          </p:cNvPr>
+          <p:cNvSpPr>
+            <a:spLocks noGrp="1"/>
+          </p:cNvSpPr>
+          <p:nvPr>
+            <p:ph idx="1"/>
+          </p:nvPr>
+        </p:nvSpPr>
+        <p:spPr/>
+        <p:txBody>
+          <a:bodyPr vert="horz" lIns="91440" tIns="45720" rIns="91440" bIns="45720" rtlCol="0" anchor="t">
+            <a:normAutofit/>
+          </a:bodyPr>
+          <a:lstStyle/>
+          <a:p>
+            <a:r>
+              <a:rPr lang="en-US" sz="2400" dirty="0">
+                <a:ea typeface="+mn-lt"/>
+                <a:cs typeface="+mn-lt"/>
+              </a:rPr>
+              <a:t>Non-transferrable – Everyone has a unique set of biometrics</a:t>
+            </a:r>
+            <a:endParaRPr lang="en-US" sz="2400" dirty="0">
+              <a:solidFill>
+                <a:srgbClr val="0B1B2B"/>
+              </a:solidFill>
+              <a:latin typeface="Calibri"/>
+              <a:cs typeface="Calibri"/>
+            </a:endParaRPr>
+          </a:p>
+          <a:p>
+            <a:r>
+              <a:rPr lang="en-US" sz="2400" i="0" dirty="0">
+                <a:solidFill>
+                  <a:srgbClr val="0B1B2B"/>
+                </a:solidFill>
+                <a:effectLst/>
+                <a:latin typeface="Calibri"/>
+                <a:cs typeface="Calibri"/>
+              </a:rPr>
+              <a:t>High security and assurance – Biometric identification provides the answers to “something a person has and is” and helps verify identity</a:t>
+            </a:r>
+            <a:endParaRPr lang="en-US" sz="2400" dirty="0">
+              <a:latin typeface="Calibri"/>
+              <a:cs typeface="Calibri"/>
+            </a:endParaRPr>
+          </a:p>
+          <a:p>
+            <a:r>
+              <a:rPr lang="en-US" sz="2400" i="0" dirty="0">
+                <a:solidFill>
+                  <a:srgbClr val="0B1B2B"/>
+                </a:solidFill>
+                <a:effectLst/>
+                <a:latin typeface="Calibri"/>
+                <a:cs typeface="Calibri"/>
+              </a:rPr>
+              <a:t>Spoof-proof – Biometrics are hard to fake or steal</a:t>
+            </a:r>
+            <a:r>
+              <a:rPr lang="en-US" sz="2400" dirty="0">
+                <a:solidFill>
+                  <a:srgbClr val="0B1B2B"/>
+                </a:solidFill>
+                <a:latin typeface="Calibri"/>
+                <a:cs typeface="Calibri"/>
+              </a:rPr>
+              <a:t>.</a:t>
+            </a:r>
+          </a:p>
+          <a:p>
+            <a:r>
+              <a:rPr lang="en-US" sz="2400" dirty="0">
+                <a:solidFill>
+                  <a:srgbClr val="0B1B2B"/>
+                </a:solidFill>
+                <a:latin typeface="Calibri"/>
+                <a:cs typeface="Calibri"/>
+              </a:rPr>
+              <a:t>User Experience – Convenient and fast.</a:t>
+            </a:r>
+          </a:p>
+        </p:txBody>
+      </p:sp>
+    </p:spTree>
+    <p:extLst>
+      <p:ext uri="{BB962C8B-B14F-4D97-AF65-F5344CB8AC3E}">
+        <p14:creationId xmlns:p14="http://schemas.microsoft.com/office/powerpoint/2010/main" val="2442537970"/>
+      </p:ext>
+    </p:extLst>
+  </p:cSld>
+  <p:clrMapOvr>
+    <a:masterClrMapping/>
+  </p:clrMapOvr>
+</p:sld>
+</file>
+
+<file path=ppt/slides/slide7.xml><?xml version="1.0" encoding="utf-8"?>
+<p:sld xmlns:a="http://schemas.openxmlformats.org/drawingml/2006/main" xmlns:r="http://schemas.openxmlformats.org/officeDocument/2006/relationships" xmlns:p="http://schemas.openxmlformats.org/presentationml/2006/main">
+  <p:cSld>
+    <p:spTree>
+      <p:nvGrpSpPr>
+        <p:cNvPr id="1" name=""/>
+        <p:cNvGrpSpPr/>
+        <p:nvPr/>
+      </p:nvGrpSpPr>
+      <p:grpSpPr>
+        <a:xfrm>
+          <a:off x="0" y="0"/>
+          <a:ext cx="0" cy="0"/>
+          <a:chOff x="0" y="0"/>
+          <a:chExt cx="0" cy="0"/>
+        </a:xfrm>
+      </p:grpSpPr>
+      <p:sp>
+        <p:nvSpPr>
+          <p:cNvPr id="2" name="Title 1">
+            <a:extLst>
+              <a:ext uri="{FF2B5EF4-FFF2-40B4-BE49-F238E27FC236}">
                 <a16:creationId xmlns:a16="http://schemas.microsoft.com/office/drawing/2014/main" id="{B68093B9-6981-40EC-9AFD-1A8DBA15D2B3}"/>
               </a:ext>
             </a:extLst>
@@ -12150,7 +14383,7 @@
           <a:lstStyle/>
           <a:p>
             <a:r>
-              <a:rPr lang="en-US" b="1"/>
+              <a:rPr lang="en-US" b="1" dirty="0"/>
               <a:t>Proposed System</a:t>
             </a:r>
           </a:p>
@@ -12781,7 +15014,7 @@
 </p:sld>
 </file>
 
-<file path=ppt/slides/slide7.xml><?xml version="1.0" encoding="utf-8"?>
+<file path=ppt/slides/slide8.xml><?xml version="1.0" encoding="utf-8"?>
 <p:sld xmlns:a="http://schemas.openxmlformats.org/drawingml/2006/main" xmlns:r="http://schemas.openxmlformats.org/officeDocument/2006/relationships" xmlns:p="http://schemas.openxmlformats.org/presentationml/2006/main">
   <p:cSld>
     <p:spTree>
@@ -12958,222 +15191,6 @@
 </p:sld>
 </file>
 
-<file path=ppt/slides/slide8.xml><?xml version="1.0" encoding="utf-8"?>
-<p:sld xmlns:a="http://schemas.openxmlformats.org/drawingml/2006/main" xmlns:r="http://schemas.openxmlformats.org/officeDocument/2006/relationships" xmlns:p="http://schemas.openxmlformats.org/presentationml/2006/main">
-  <p:cSld>
-    <p:bg>
-      <p:bgPr>
-        <a:solidFill>
-          <a:schemeClr val="bg1"/>
-        </a:solidFill>
-        <a:effectLst/>
-      </p:bgPr>
-    </p:bg>
-    <p:spTree>
-      <p:nvGrpSpPr>
-        <p:cNvPr id="1" name=""/>
-        <p:cNvGrpSpPr/>
-        <p:nvPr/>
-      </p:nvGrpSpPr>
-      <p:grpSpPr>
-        <a:xfrm>
-          <a:off x="0" y="0"/>
-          <a:ext cx="0" cy="0"/>
-          <a:chOff x="0" y="0"/>
-          <a:chExt cx="0" cy="0"/>
-        </a:xfrm>
-      </p:grpSpPr>
-      <p:sp>
-        <p:nvSpPr>
-          <p:cNvPr id="2" name="Title 1">
-            <a:extLst>
-              <a:ext uri="{FF2B5EF4-FFF2-40B4-BE49-F238E27FC236}">
-                <a16:creationId xmlns:a16="http://schemas.microsoft.com/office/drawing/2014/main" id="{699FDC42-B1C1-8EF3-24EB-74E32AB17A6B}"/>
-              </a:ext>
-            </a:extLst>
-          </p:cNvPr>
-          <p:cNvSpPr>
-            <a:spLocks noGrp="1"/>
-          </p:cNvSpPr>
-          <p:nvPr>
-            <p:ph type="title"/>
-          </p:nvPr>
-        </p:nvSpPr>
-        <p:spPr>
-          <a:xfrm>
-            <a:off x="648929" y="629266"/>
-            <a:ext cx="3505495" cy="1622321"/>
-          </a:xfrm>
-        </p:spPr>
-        <p:txBody>
-          <a:bodyPr>
-            <a:normAutofit/>
-          </a:bodyPr>
-          <a:lstStyle/>
-          <a:p>
-            <a:r>
-              <a:rPr lang="en-US" b="1"/>
-              <a:t>Dataset-</a:t>
-            </a:r>
-            <a:br>
-              <a:rPr lang="en-US" b="1"/>
-            </a:br>
-            <a:r>
-              <a:rPr lang="en-US" b="1"/>
-              <a:t>ECG</a:t>
-            </a:r>
-            <a:r>
-              <a:rPr lang="en-US" b="1">
-                <a:ea typeface="+mj-lt"/>
-                <a:cs typeface="+mj-lt"/>
-              </a:rPr>
-              <a:t> ID </a:t>
-            </a:r>
-            <a:r>
-              <a:rPr lang="en-US">
-                <a:ea typeface="+mj-lt"/>
-                <a:cs typeface="+mj-lt"/>
-              </a:rPr>
-              <a:t> </a:t>
-            </a:r>
-            <a:endParaRPr lang="en-US" b="1">
-              <a:cs typeface="Calibri Light"/>
-            </a:endParaRPr>
-          </a:p>
-        </p:txBody>
-      </p:sp>
-      <p:sp>
-        <p:nvSpPr>
-          <p:cNvPr id="3" name="Content Placeholder 2">
-            <a:extLst>
-              <a:ext uri="{FF2B5EF4-FFF2-40B4-BE49-F238E27FC236}">
-                <a16:creationId xmlns:a16="http://schemas.microsoft.com/office/drawing/2014/main" id="{A8E34014-DCF4-FA40-FD67-BBA08040D734}"/>
-              </a:ext>
-            </a:extLst>
-          </p:cNvPr>
-          <p:cNvSpPr>
-            <a:spLocks noGrp="1"/>
-          </p:cNvSpPr>
-          <p:nvPr>
-            <p:ph idx="1"/>
-          </p:nvPr>
-        </p:nvSpPr>
-        <p:spPr>
-          <a:xfrm>
-            <a:off x="648931" y="1958237"/>
-            <a:ext cx="8859546" cy="2894724"/>
-          </a:xfrm>
-        </p:spPr>
-        <p:txBody>
-          <a:bodyPr vert="horz" lIns="91440" tIns="45720" rIns="91440" bIns="45720" rtlCol="0" anchor="t">
-            <a:noAutofit/>
-          </a:bodyPr>
-          <a:lstStyle/>
-          <a:p>
-            <a:endParaRPr lang="en-US" sz="2000" dirty="0">
-              <a:ea typeface="+mn-lt"/>
-              <a:cs typeface="+mn-lt"/>
-            </a:endParaRPr>
-          </a:p>
-          <a:p>
-            <a:r>
-              <a:rPr lang="en-US" sz="2400" dirty="0">
-                <a:ea typeface="+mn-lt"/>
-                <a:cs typeface="+mn-lt"/>
-              </a:rPr>
-              <a:t>There are Total 310 ECG recordings obtained from 90 persons</a:t>
-            </a:r>
-            <a:endParaRPr lang="en-US" sz="2400" dirty="0">
-              <a:cs typeface="Calibri" panose="020F0502020204030204"/>
-            </a:endParaRPr>
-          </a:p>
-          <a:p>
-            <a:r>
-              <a:rPr lang="en-US" sz="2400" dirty="0">
-                <a:ea typeface="+mn-lt"/>
-                <a:cs typeface="+mn-lt"/>
-              </a:rPr>
-              <a:t>There are 2 to 20 records in the data set for each person</a:t>
-            </a:r>
-            <a:endParaRPr lang="en-US" sz="2400" dirty="0">
-              <a:cs typeface="Calibri"/>
-            </a:endParaRPr>
-          </a:p>
-          <a:p>
-            <a:r>
-              <a:rPr lang="en-US" sz="2400" dirty="0">
-                <a:ea typeface="+mn-lt"/>
-                <a:cs typeface="+mn-lt"/>
-              </a:rPr>
-              <a:t>Each person is recorded for 20 seconds</a:t>
-            </a:r>
-          </a:p>
-          <a:p>
-            <a:r>
-              <a:rPr lang="en-US" sz="2400" dirty="0">
-                <a:cs typeface="Calibri" panose="020F0502020204030204"/>
-              </a:rPr>
-              <a:t>The recordings in the data set is in the form of graphs</a:t>
-            </a:r>
-          </a:p>
-          <a:p>
-            <a:r>
-              <a:rPr lang="en-US" sz="2400" dirty="0">
-                <a:cs typeface="Calibri" panose="020F0502020204030204"/>
-              </a:rPr>
-              <a:t> Each person has 2 or more ECG  signal</a:t>
-            </a:r>
-            <a:endParaRPr lang="en-US" sz="2400" dirty="0">
-              <a:ea typeface="+mn-lt"/>
-              <a:cs typeface="+mn-lt"/>
-            </a:endParaRPr>
-          </a:p>
-          <a:p>
-            <a:pPr marL="0" indent="0">
-              <a:buNone/>
-            </a:pPr>
-            <a:endParaRPr lang="en-US" sz="2400" dirty="0">
-              <a:cs typeface="Calibri"/>
-            </a:endParaRPr>
-          </a:p>
-          <a:p>
-            <a:endParaRPr lang="en-US" sz="2400" dirty="0">
-              <a:cs typeface="Calibri"/>
-            </a:endParaRPr>
-          </a:p>
-          <a:p>
-            <a:pPr marL="0" indent="0">
-              <a:buNone/>
-            </a:pPr>
-            <a:endParaRPr lang="en-US" dirty="0">
-              <a:cs typeface="Calibri"/>
-            </a:endParaRPr>
-          </a:p>
-          <a:p>
-            <a:endParaRPr lang="en-US" sz="2000" dirty="0">
-              <a:cs typeface="Calibri"/>
-            </a:endParaRPr>
-          </a:p>
-          <a:p>
-            <a:endParaRPr lang="en-US" sz="2000" dirty="0">
-              <a:cs typeface="Calibri"/>
-            </a:endParaRPr>
-          </a:p>
-        </p:txBody>
-      </p:sp>
-    </p:spTree>
-    <p:extLst>
-      <p:ext uri="{BB962C8B-B14F-4D97-AF65-F5344CB8AC3E}">
-        <p14:creationId xmlns:p14="http://schemas.microsoft.com/office/powerpoint/2010/main" val="1837471576"/>
-      </p:ext>
-    </p:extLst>
-  </p:cSld>
-  <p:clrMapOvr>
-    <a:masterClrMapping/>
-  </p:clrMapOvr>
-</p:sld>
-</file>
-
 <file path=ppt/slides/slide9.xml><?xml version="1.0" encoding="utf-8"?>
 <p:sld xmlns:a="http://schemas.openxmlformats.org/drawingml/2006/main" xmlns:r="http://schemas.openxmlformats.org/officeDocument/2006/relationships" xmlns:p="http://schemas.openxmlformats.org/presentationml/2006/main">
   <p:cSld>
@@ -13193,10 +15210,10 @@
       </p:grpSpPr>
       <p:sp>
         <p:nvSpPr>
-          <p:cNvPr id="3" name="Content Placeholder 2">
+          <p:cNvPr id="2" name="Title 1">
             <a:extLst>
               <a:ext uri="{FF2B5EF4-FFF2-40B4-BE49-F238E27FC236}">
-                <a16:creationId xmlns:a16="http://schemas.microsoft.com/office/drawing/2014/main" id="{ABC53B28-A702-CB39-14D5-C5D93E4EE12D}"/>
+                <a16:creationId xmlns:a16="http://schemas.microsoft.com/office/drawing/2014/main" id="{823C8B64-1E38-4FF9-9F3B-F5E69809B377}"/>
               </a:ext>
             </a:extLst>
           </p:cNvPr>
@@ -13204,177 +15221,95 @@
             <a:spLocks noGrp="1"/>
           </p:cNvSpPr>
           <p:nvPr>
-            <p:ph idx="1"/>
+            <p:ph type="title"/>
           </p:nvPr>
         </p:nvSpPr>
+        <p:spPr/>
+        <p:txBody>
+          <a:bodyPr/>
+          <a:lstStyle/>
+          <a:p>
+            <a:r>
+              <a:rPr lang="en-US" b="1" dirty="0" err="1"/>
+              <a:t>Heartwave</a:t>
+            </a:r>
+            <a:r>
+              <a:rPr lang="en-US" b="1" dirty="0"/>
+              <a:t> Authentication using ML</a:t>
+            </a:r>
+            <a:endParaRPr lang="en-US" dirty="0"/>
+          </a:p>
+        </p:txBody>
+      </p:sp>
+      <p:sp>
+        <p:nvSpPr>
+          <p:cNvPr id="4" name="Slide Number Placeholder 3">
+            <a:extLst>
+              <a:ext uri="{FF2B5EF4-FFF2-40B4-BE49-F238E27FC236}">
+                <a16:creationId xmlns:a16="http://schemas.microsoft.com/office/drawing/2014/main" id="{7C79D3E6-8253-4877-8B5A-5E0FF1CCEEC1}"/>
+              </a:ext>
+            </a:extLst>
+          </p:cNvPr>
+          <p:cNvSpPr>
+            <a:spLocks noGrp="1"/>
+          </p:cNvSpPr>
+          <p:nvPr>
+            <p:ph type="sldNum" sz="quarter" idx="12"/>
+          </p:nvPr>
+        </p:nvSpPr>
+        <p:spPr/>
+        <p:txBody>
+          <a:bodyPr/>
+          <a:lstStyle/>
+          <a:p>
+            <a:fld id="{E646F01A-99B6-407D-AC36-D8F996900DD0}" type="slidenum">
+              <a:rPr lang="en-US" smtClean="0"/>
+              <a:t>9</a:t>
+            </a:fld>
+            <a:endParaRPr lang="en-US"/>
+          </a:p>
+        </p:txBody>
+      </p:sp>
+      <p:pic>
+        <p:nvPicPr>
+          <p:cNvPr id="6" name="Picture 5" descr="Diagram&#10;&#10;Description automatically generated">
+            <a:extLst>
+              <a:ext uri="{FF2B5EF4-FFF2-40B4-BE49-F238E27FC236}">
+                <a16:creationId xmlns:a16="http://schemas.microsoft.com/office/drawing/2014/main" id="{D46CD57F-1508-65DF-36A4-154AC6B4DA99}"/>
+              </a:ext>
+            </a:extLst>
+          </p:cNvPr>
+          <p:cNvPicPr>
+            <a:picLocks noChangeAspect="1"/>
+          </p:cNvPicPr>
+          <p:nvPr/>
+        </p:nvPicPr>
+        <p:blipFill>
+          <a:blip r:embed="rId2">
+            <a:extLst>
+              <a:ext uri="{28A0092B-C50C-407E-A947-70E740481C1C}">
+                <a14:useLocalDpi xmlns:a14="http://schemas.microsoft.com/office/drawing/2010/main" val="0"/>
+              </a:ext>
+            </a:extLst>
+          </a:blip>
+          <a:stretch>
+            <a:fillRect/>
+          </a:stretch>
+        </p:blipFill>
         <p:spPr>
           <a:xfrm>
-            <a:off x="838200" y="698283"/>
-            <a:ext cx="10515600" cy="5478680"/>
+            <a:off x="167640" y="1615131"/>
+            <a:ext cx="11353800" cy="5106344"/>
           </a:xfrm>
+          <a:prstGeom prst="rect">
+            <a:avLst/>
+          </a:prstGeom>
         </p:spPr>
-        <p:txBody>
-          <a:bodyPr vert="horz" lIns="91440" tIns="45720" rIns="91440" bIns="45720" rtlCol="0" anchor="t">
-            <a:normAutofit/>
-          </a:bodyPr>
-          <a:lstStyle/>
-          <a:p>
-            <a:pPr>
-              <a:buFont typeface="Arial"/>
-              <a:buChar char="•"/>
-            </a:pPr>
-            <a:endParaRPr lang="en-US" dirty="0">
-              <a:cs typeface="Calibri" panose="020F0502020204030204"/>
-            </a:endParaRPr>
-          </a:p>
-          <a:p>
-            <a:pPr>
-              <a:buFont typeface="Arial"/>
-              <a:buChar char="•"/>
-            </a:pPr>
-            <a:r>
-              <a:rPr lang="en-US" sz="2400" dirty="0">
-                <a:cs typeface="Calibri" panose="020F0502020204030204"/>
-              </a:rPr>
-              <a:t>Source Link for methodology-1:</a:t>
-            </a:r>
-          </a:p>
-          <a:p>
-            <a:pPr marL="0" indent="0">
-              <a:buNone/>
-            </a:pPr>
-            <a:r>
-              <a:rPr lang="en-US" sz="2400" dirty="0">
-                <a:cs typeface="Calibri" panose="020F0502020204030204"/>
-              </a:rPr>
-              <a:t> </a:t>
-            </a:r>
-            <a:r>
-              <a:rPr lang="en-US" sz="2400" dirty="0">
-                <a:cs typeface="Calibri" panose="020F0502020204030204"/>
-                <a:hlinkClick r:id="rId2" action="ppaction://hlinksldjump"/>
-              </a:rPr>
-              <a:t>https://archive.physionet.org/cgi-bin/atm/ATM</a:t>
-            </a:r>
-            <a:endParaRPr lang="en-US" sz="2400" dirty="0">
-              <a:cs typeface="Calibri" panose="020F0502020204030204"/>
-            </a:endParaRPr>
-          </a:p>
-          <a:p>
-            <a:r>
-              <a:rPr lang="en-US" sz="2400" dirty="0">
-                <a:cs typeface="Calibri" panose="020F0502020204030204"/>
-              </a:rPr>
-              <a:t>We will get 2 extracted features, they are time lapse and ecg-1 filtered  </a:t>
-            </a:r>
-          </a:p>
-          <a:p>
-            <a:pPr>
-              <a:buFont typeface="Arial"/>
-              <a:buChar char="•"/>
-            </a:pPr>
-            <a:r>
-              <a:rPr lang="en-US" sz="2400" dirty="0">
-                <a:cs typeface="Calibri" panose="020F0502020204030204"/>
-              </a:rPr>
-              <a:t>Source Link for methodology-2:</a:t>
-            </a:r>
-          </a:p>
-          <a:p>
-            <a:pPr marL="0" indent="0">
-              <a:buNone/>
-            </a:pPr>
-            <a:r>
-              <a:rPr lang="en-US" sz="2400" dirty="0">
-                <a:cs typeface="Calibri" panose="020F0502020204030204"/>
-              </a:rPr>
-              <a:t> </a:t>
-            </a:r>
-            <a:r>
-              <a:rPr lang="en-US" sz="2400" dirty="0">
-                <a:cs typeface="Calibri" panose="020F0502020204030204"/>
-                <a:hlinkClick r:id="rId3"/>
-              </a:rPr>
-              <a:t>https://www.physionet.org/content/ecgiddb/1.0.0/</a:t>
-            </a:r>
-            <a:endParaRPr lang="en-US" sz="2400" dirty="0">
-              <a:cs typeface="Calibri" panose="020F0502020204030204"/>
-            </a:endParaRPr>
-          </a:p>
-          <a:p>
-            <a:r>
-              <a:rPr lang="en-US" sz="2400" dirty="0">
-                <a:ea typeface="+mn-lt"/>
-                <a:cs typeface="+mn-lt"/>
-              </a:rPr>
-              <a:t>Here we will get raw data in form of .</a:t>
-            </a:r>
-            <a:r>
-              <a:rPr lang="en-US" sz="2400" dirty="0" err="1">
-                <a:ea typeface="+mn-lt"/>
-                <a:cs typeface="+mn-lt"/>
-              </a:rPr>
-              <a:t>dat</a:t>
-            </a:r>
-            <a:r>
-              <a:rPr lang="en-US" sz="2400" dirty="0">
-                <a:ea typeface="+mn-lt"/>
-                <a:cs typeface="+mn-lt"/>
-              </a:rPr>
-              <a:t>, .</a:t>
-            </a:r>
-            <a:r>
-              <a:rPr lang="en-US" sz="2400" dirty="0" err="1">
-                <a:ea typeface="+mn-lt"/>
-                <a:cs typeface="+mn-lt"/>
-              </a:rPr>
-              <a:t>hea</a:t>
-            </a:r>
-            <a:r>
-              <a:rPr lang="en-US" sz="2400" dirty="0">
-                <a:ea typeface="+mn-lt"/>
-                <a:cs typeface="+mn-lt"/>
-              </a:rPr>
-              <a:t> and .</a:t>
-            </a:r>
-            <a:r>
-              <a:rPr lang="en-US" sz="2400" dirty="0" err="1">
-                <a:ea typeface="+mn-lt"/>
-                <a:cs typeface="+mn-lt"/>
-              </a:rPr>
-              <a:t>atr</a:t>
-            </a:r>
-            <a:r>
-              <a:rPr lang="en-US" sz="2400" dirty="0">
-                <a:ea typeface="+mn-lt"/>
-                <a:cs typeface="+mn-lt"/>
-              </a:rPr>
-              <a:t> files and how the required data is extracted will be explained later</a:t>
-            </a:r>
-          </a:p>
-          <a:p>
-            <a:pPr marL="0" indent="0">
-              <a:buNone/>
-            </a:pPr>
-            <a:endParaRPr lang="en-US" sz="2400" dirty="0">
-              <a:ea typeface="+mn-lt"/>
-              <a:cs typeface="+mn-lt"/>
-            </a:endParaRPr>
-          </a:p>
-          <a:p>
-            <a:pPr marL="0" indent="0">
-              <a:buNone/>
-            </a:pPr>
-            <a:endParaRPr lang="en-US" sz="2400" dirty="0">
-              <a:cs typeface="Calibri" panose="020F0502020204030204"/>
-            </a:endParaRPr>
-          </a:p>
-        </p:txBody>
-      </p:sp>
+      </p:pic>
     </p:spTree>
     <p:extLst>
       <p:ext uri="{BB962C8B-B14F-4D97-AF65-F5344CB8AC3E}">
-        <p14:creationId xmlns:p14="http://schemas.microsoft.com/office/powerpoint/2010/main" val="3832482965"/>
+        <p14:creationId xmlns:p14="http://schemas.microsoft.com/office/powerpoint/2010/main" val="219102181"/>
       </p:ext>
     </p:extLst>
   </p:cSld>

--- a/Mid Term (1).pptx
+++ b/Mid Term (1).pptx
@@ -150,24 +150,217 @@
 <file path=ppt/changesInfos/changesInfo1.xml><?xml version="1.0" encoding="utf-8"?>
 <pc:chgInfo xmlns:a="http://schemas.openxmlformats.org/drawingml/2006/main" xmlns:r="http://schemas.openxmlformats.org/officeDocument/2006/relationships" xmlns:ac="http://schemas.microsoft.com/office/drawing/2013/main/command" xmlns:pc="http://schemas.microsoft.com/office/powerpoint/2013/main/command">
   <pc:docChgLst>
-    <pc:chgData name="Myakala,Shiva Krishna" userId="S::s545549@nwmissouri.edu::1ad7070b-5778-4d5e-ba6b-216720902aee" providerId="AD" clId="Web-{EB09C56B-7BA6-67F0-4D7F-666EAF9A81F4}"/>
-    <pc:docChg chg="modSld">
-      <pc:chgData name="Myakala,Shiva Krishna" userId="S::s545549@nwmissouri.edu::1ad7070b-5778-4d5e-ba6b-216720902aee" providerId="AD" clId="Web-{EB09C56B-7BA6-67F0-4D7F-666EAF9A81F4}" dt="2022-10-14T16:45:07.812" v="20" actId="20577"/>
+    <pc:chgData name="Mohammed,Abdul Rehman Sayeed" userId="ec91287c-2f25-40c2-83a5-709028914a19" providerId="ADAL" clId="{F3114997-6C2F-4E67-BF73-6AF76EB7D47F}"/>
+    <pc:docChg chg="custSel modSld">
+      <pc:chgData name="Mohammed,Abdul Rehman Sayeed" userId="ec91287c-2f25-40c2-83a5-709028914a19" providerId="ADAL" clId="{F3114997-6C2F-4E67-BF73-6AF76EB7D47F}" dt="2022-10-17T17:06:14.220" v="0" actId="27636"/>
+      <pc:docMkLst>
+        <pc:docMk/>
+      </pc:docMkLst>
+      <pc:sldChg chg="modSp mod">
+        <pc:chgData name="Mohammed,Abdul Rehman Sayeed" userId="ec91287c-2f25-40c2-83a5-709028914a19" providerId="ADAL" clId="{F3114997-6C2F-4E67-BF73-6AF76EB7D47F}" dt="2022-10-17T17:06:14.220" v="0" actId="27636"/>
+        <pc:sldMkLst>
+          <pc:docMk/>
+          <pc:sldMk cId="3225898199" sldId="378"/>
+        </pc:sldMkLst>
+        <pc:spChg chg="mod">
+          <ac:chgData name="Mohammed,Abdul Rehman Sayeed" userId="ec91287c-2f25-40c2-83a5-709028914a19" providerId="ADAL" clId="{F3114997-6C2F-4E67-BF73-6AF76EB7D47F}" dt="2022-10-17T17:06:14.220" v="0" actId="27636"/>
+          <ac:spMkLst>
+            <pc:docMk/>
+            <pc:sldMk cId="3225898199" sldId="378"/>
+            <ac:spMk id="3" creationId="{627AC61C-9393-097F-8278-A135703BB589}"/>
+          </ac:spMkLst>
+        </pc:spChg>
+      </pc:sldChg>
+    </pc:docChg>
+  </pc:docChgLst>
+  <pc:docChgLst>
+    <pc:chgData name="Vasana,Manikanta" userId="S::s545551@nwmissouri.edu::aa5ba442-2039-4fd0-a3af-aa6dd8db2d87" providerId="AD" clId="Web-{9E33308C-2BE0-4477-9970-3C15019AEB70}"/>
+    <pc:docChg chg="addSld delSld modSld sldOrd">
+      <pc:chgData name="Vasana,Manikanta" userId="S::s545551@nwmissouri.edu::aa5ba442-2039-4fd0-a3af-aa6dd8db2d87" providerId="AD" clId="Web-{9E33308C-2BE0-4477-9970-3C15019AEB70}" dt="2022-10-14T16:26:20.416" v="252" actId="20577"/>
       <pc:docMkLst>
         <pc:docMk/>
       </pc:docMkLst>
       <pc:sldChg chg="modSp">
-        <pc:chgData name="Myakala,Shiva Krishna" userId="S::s545549@nwmissouri.edu::1ad7070b-5778-4d5e-ba6b-216720902aee" providerId="AD" clId="Web-{EB09C56B-7BA6-67F0-4D7F-666EAF9A81F4}" dt="2022-10-14T16:45:07.812" v="20" actId="20577"/>
+        <pc:chgData name="Vasana,Manikanta" userId="S::s545551@nwmissouri.edu::aa5ba442-2039-4fd0-a3af-aa6dd8db2d87" providerId="AD" clId="Web-{9E33308C-2BE0-4477-9970-3C15019AEB70}" dt="2022-10-14T15:06:40.421" v="182" actId="1076"/>
+        <pc:sldMkLst>
+          <pc:docMk/>
+          <pc:sldMk cId="2985600738" sldId="256"/>
+        </pc:sldMkLst>
+        <pc:spChg chg="mod">
+          <ac:chgData name="Vasana,Manikanta" userId="S::s545551@nwmissouri.edu::aa5ba442-2039-4fd0-a3af-aa6dd8db2d87" providerId="AD" clId="Web-{9E33308C-2BE0-4477-9970-3C15019AEB70}" dt="2022-10-14T15:06:40.421" v="182" actId="1076"/>
+          <ac:spMkLst>
+            <pc:docMk/>
+            <pc:sldMk cId="2985600738" sldId="256"/>
+            <ac:spMk id="2" creationId="{9C11EC8D-E2F8-47A8-86F0-53A644871CB0}"/>
+          </ac:spMkLst>
+        </pc:spChg>
+      </pc:sldChg>
+      <pc:sldChg chg="ord">
+        <pc:chgData name="Vasana,Manikanta" userId="S::s545551@nwmissouri.edu::aa5ba442-2039-4fd0-a3af-aa6dd8db2d87" providerId="AD" clId="Web-{9E33308C-2BE0-4477-9970-3C15019AEB70}" dt="2022-10-14T15:07:18.406" v="183"/>
+        <pc:sldMkLst>
+          <pc:docMk/>
+          <pc:sldMk cId="2442537970" sldId="341"/>
+        </pc:sldMkLst>
+      </pc:sldChg>
+      <pc:sldChg chg="modSp">
+        <pc:chgData name="Vasana,Manikanta" userId="S::s545551@nwmissouri.edu::aa5ba442-2039-4fd0-a3af-aa6dd8db2d87" providerId="AD" clId="Web-{9E33308C-2BE0-4477-9970-3C15019AEB70}" dt="2022-10-14T15:07:41.048" v="184" actId="1076"/>
+        <pc:sldMkLst>
+          <pc:docMk/>
+          <pc:sldMk cId="1168084508" sldId="365"/>
+        </pc:sldMkLst>
+        <pc:spChg chg="mod">
+          <ac:chgData name="Vasana,Manikanta" userId="S::s545551@nwmissouri.edu::aa5ba442-2039-4fd0-a3af-aa6dd8db2d87" providerId="AD" clId="Web-{9E33308C-2BE0-4477-9970-3C15019AEB70}" dt="2022-10-14T15:07:41.048" v="184" actId="1076"/>
+          <ac:spMkLst>
+            <pc:docMk/>
+            <pc:sldMk cId="1168084508" sldId="365"/>
+            <ac:spMk id="2" creationId="{0A99E831-0FE4-BBC0-F1D0-9F150956F9CB}"/>
+          </ac:spMkLst>
+        </pc:spChg>
+      </pc:sldChg>
+      <pc:sldChg chg="modSp">
+        <pc:chgData name="Vasana,Manikanta" userId="S::s545551@nwmissouri.edu::aa5ba442-2039-4fd0-a3af-aa6dd8db2d87" providerId="AD" clId="Web-{9E33308C-2BE0-4477-9970-3C15019AEB70}" dt="2022-10-14T16:26:20.416" v="252" actId="20577"/>
         <pc:sldMkLst>
           <pc:docMk/>
           <pc:sldMk cId="884823026" sldId="371"/>
         </pc:sldMkLst>
         <pc:spChg chg="mod">
-          <ac:chgData name="Myakala,Shiva Krishna" userId="S::s545549@nwmissouri.edu::1ad7070b-5778-4d5e-ba6b-216720902aee" providerId="AD" clId="Web-{EB09C56B-7BA6-67F0-4D7F-666EAF9A81F4}" dt="2022-10-14T16:45:07.812" v="20" actId="20577"/>
+          <ac:chgData name="Vasana,Manikanta" userId="S::s545551@nwmissouri.edu::aa5ba442-2039-4fd0-a3af-aa6dd8db2d87" providerId="AD" clId="Web-{9E33308C-2BE0-4477-9970-3C15019AEB70}" dt="2022-10-14T16:26:20.416" v="252" actId="20577"/>
           <ac:spMkLst>
             <pc:docMk/>
             <pc:sldMk cId="884823026" sldId="371"/>
             <ac:spMk id="3" creationId="{1CE5B5B3-F968-7176-817F-D2DECAB3BFC0}"/>
+          </ac:spMkLst>
+        </pc:spChg>
+      </pc:sldChg>
+      <pc:sldChg chg="addSp modSp new">
+        <pc:chgData name="Vasana,Manikanta" userId="S::s545551@nwmissouri.edu::aa5ba442-2039-4fd0-a3af-aa6dd8db2d87" providerId="AD" clId="Web-{9E33308C-2BE0-4477-9970-3C15019AEB70}" dt="2022-10-14T15:29:24.531" v="187" actId="1076"/>
+        <pc:sldMkLst>
+          <pc:docMk/>
+          <pc:sldMk cId="3360226570" sldId="373"/>
+        </pc:sldMkLst>
+        <pc:spChg chg="mod">
+          <ac:chgData name="Vasana,Manikanta" userId="S::s545551@nwmissouri.edu::aa5ba442-2039-4fd0-a3af-aa6dd8db2d87" providerId="AD" clId="Web-{9E33308C-2BE0-4477-9970-3C15019AEB70}" dt="2022-10-14T15:05:11.513" v="180" actId="20577"/>
+          <ac:spMkLst>
+            <pc:docMk/>
+            <pc:sldMk cId="3360226570" sldId="373"/>
+            <ac:spMk id="2" creationId="{C70D7201-9327-5D3D-7F01-45617E65561E}"/>
+          </ac:spMkLst>
+        </pc:spChg>
+        <pc:spChg chg="mod">
+          <ac:chgData name="Vasana,Manikanta" userId="S::s545551@nwmissouri.edu::aa5ba442-2039-4fd0-a3af-aa6dd8db2d87" providerId="AD" clId="Web-{9E33308C-2BE0-4477-9970-3C15019AEB70}" dt="2022-10-14T15:05:19.904" v="181" actId="14100"/>
+          <ac:spMkLst>
+            <pc:docMk/>
+            <pc:sldMk cId="3360226570" sldId="373"/>
+            <ac:spMk id="3" creationId="{479AB6C6-DF7C-4F0A-419D-EED753033418}"/>
+          </ac:spMkLst>
+        </pc:spChg>
+        <pc:picChg chg="add mod">
+          <ac:chgData name="Vasana,Manikanta" userId="S::s545551@nwmissouri.edu::aa5ba442-2039-4fd0-a3af-aa6dd8db2d87" providerId="AD" clId="Web-{9E33308C-2BE0-4477-9970-3C15019AEB70}" dt="2022-10-14T15:29:24.531" v="187" actId="1076"/>
+          <ac:picMkLst>
+            <pc:docMk/>
+            <pc:sldMk cId="3360226570" sldId="373"/>
+            <ac:picMk id="4" creationId="{73EA9A43-DEC8-EBBE-28F0-5259D002A528}"/>
+          </ac:picMkLst>
+        </pc:picChg>
+      </pc:sldChg>
+      <pc:sldChg chg="addSp delSp modSp new">
+        <pc:chgData name="Vasana,Manikanta" userId="S::s545551@nwmissouri.edu::aa5ba442-2039-4fd0-a3af-aa6dd8db2d87" providerId="AD" clId="Web-{9E33308C-2BE0-4477-9970-3C15019AEB70}" dt="2022-10-14T15:53:39.658" v="248" actId="1076"/>
+        <pc:sldMkLst>
+          <pc:docMk/>
+          <pc:sldMk cId="1614585721" sldId="374"/>
+        </pc:sldMkLst>
+        <pc:spChg chg="mod">
+          <ac:chgData name="Vasana,Manikanta" userId="S::s545551@nwmissouri.edu::aa5ba442-2039-4fd0-a3af-aa6dd8db2d87" providerId="AD" clId="Web-{9E33308C-2BE0-4477-9970-3C15019AEB70}" dt="2022-10-14T15:30:39.658" v="211" actId="14100"/>
+          <ac:spMkLst>
+            <pc:docMk/>
+            <pc:sldMk cId="1614585721" sldId="374"/>
+            <ac:spMk id="2" creationId="{0F872AB6-0F89-8C23-9855-C08AB0E40A22}"/>
+          </ac:spMkLst>
+        </pc:spChg>
+        <pc:spChg chg="del mod">
+          <ac:chgData name="Vasana,Manikanta" userId="S::s545551@nwmissouri.edu::aa5ba442-2039-4fd0-a3af-aa6dd8db2d87" providerId="AD" clId="Web-{9E33308C-2BE0-4477-9970-3C15019AEB70}" dt="2022-10-14T15:01:47.336" v="167"/>
+          <ac:spMkLst>
+            <pc:docMk/>
+            <pc:sldMk cId="1614585721" sldId="374"/>
+            <ac:spMk id="3" creationId="{D29A6593-7277-85BE-2832-AAE4222BA9E5}"/>
+          </ac:spMkLst>
+        </pc:spChg>
+        <pc:spChg chg="add del mod">
+          <ac:chgData name="Vasana,Manikanta" userId="S::s545551@nwmissouri.edu::aa5ba442-2039-4fd0-a3af-aa6dd8db2d87" providerId="AD" clId="Web-{9E33308C-2BE0-4477-9970-3C15019AEB70}" dt="2022-10-14T15:03:29.479" v="169"/>
+          <ac:spMkLst>
+            <pc:docMk/>
+            <pc:sldMk cId="1614585721" sldId="374"/>
+            <ac:spMk id="6" creationId="{F9BAF60C-C08E-A94F-986A-F1EDDB987F00}"/>
+          </ac:spMkLst>
+        </pc:spChg>
+        <pc:spChg chg="add del mod">
+          <ac:chgData name="Vasana,Manikanta" userId="S::s545551@nwmissouri.edu::aa5ba442-2039-4fd0-a3af-aa6dd8db2d87" providerId="AD" clId="Web-{9E33308C-2BE0-4477-9970-3C15019AEB70}" dt="2022-10-14T15:33:37.099" v="235"/>
+          <ac:spMkLst>
+            <pc:docMk/>
+            <pc:sldMk cId="1614585721" sldId="374"/>
+            <ac:spMk id="9" creationId="{8855A0B7-3C6E-F408-709A-0C527C838B1F}"/>
+          </ac:spMkLst>
+        </pc:spChg>
+        <pc:spChg chg="add mod">
+          <ac:chgData name="Vasana,Manikanta" userId="S::s545551@nwmissouri.edu::aa5ba442-2039-4fd0-a3af-aa6dd8db2d87" providerId="AD" clId="Web-{9E33308C-2BE0-4477-9970-3C15019AEB70}" dt="2022-10-14T15:53:39.658" v="248" actId="1076"/>
+          <ac:spMkLst>
+            <pc:docMk/>
+            <pc:sldMk cId="1614585721" sldId="374"/>
+            <ac:spMk id="11" creationId="{E54C5EA5-4146-31E0-19C4-AA547EE0D708}"/>
+          </ac:spMkLst>
+        </pc:spChg>
+        <pc:picChg chg="add del mod ord">
+          <ac:chgData name="Vasana,Manikanta" userId="S::s545551@nwmissouri.edu::aa5ba442-2039-4fd0-a3af-aa6dd8db2d87" providerId="AD" clId="Web-{9E33308C-2BE0-4477-9970-3C15019AEB70}" dt="2022-10-14T15:03:20.026" v="168"/>
+          <ac:picMkLst>
+            <pc:docMk/>
+            <pc:sldMk cId="1614585721" sldId="374"/>
+            <ac:picMk id="4" creationId="{AC0CEC8A-93E8-390E-58FE-A5F7B83D6C34}"/>
+          </ac:picMkLst>
+        </pc:picChg>
+        <pc:picChg chg="add mod ord">
+          <ac:chgData name="Vasana,Manikanta" userId="S::s545551@nwmissouri.edu::aa5ba442-2039-4fd0-a3af-aa6dd8db2d87" providerId="AD" clId="Web-{9E33308C-2BE0-4477-9970-3C15019AEB70}" dt="2022-10-14T15:31:54.769" v="224" actId="14100"/>
+          <ac:picMkLst>
+            <pc:docMk/>
+            <pc:sldMk cId="1614585721" sldId="374"/>
+            <ac:picMk id="7" creationId="{406597BD-8376-9BDA-576E-517F9B18FE5B}"/>
+          </ac:picMkLst>
+        </pc:picChg>
+        <pc:picChg chg="add mod">
+          <ac:chgData name="Vasana,Manikanta" userId="S::s545551@nwmissouri.edu::aa5ba442-2039-4fd0-a3af-aa6dd8db2d87" providerId="AD" clId="Web-{9E33308C-2BE0-4477-9970-3C15019AEB70}" dt="2022-10-14T15:35:57.227" v="245" actId="1076"/>
+          <ac:picMkLst>
+            <pc:docMk/>
+            <pc:sldMk cId="1614585721" sldId="374"/>
+            <ac:picMk id="8" creationId="{BF9C0E73-55E4-52F9-38E3-84F4976B7964}"/>
+          </ac:picMkLst>
+        </pc:picChg>
+        <pc:cxnChg chg="add del">
+          <ac:chgData name="Vasana,Manikanta" userId="S::s545551@nwmissouri.edu::aa5ba442-2039-4fd0-a3af-aa6dd8db2d87" providerId="AD" clId="Web-{9E33308C-2BE0-4477-9970-3C15019AEB70}" dt="2022-10-14T15:34:10.834" v="239"/>
+          <ac:cxnSpMkLst>
+            <pc:docMk/>
+            <pc:sldMk cId="1614585721" sldId="374"/>
+            <ac:cxnSpMk id="10" creationId="{D3C279B2-BC41-D4BD-99BC-826F94D4B028}"/>
+          </ac:cxnSpMkLst>
+        </pc:cxnChg>
+      </pc:sldChg>
+      <pc:sldChg chg="new del">
+        <pc:chgData name="Vasana,Manikanta" userId="S::s545551@nwmissouri.edu::aa5ba442-2039-4fd0-a3af-aa6dd8db2d87" providerId="AD" clId="Web-{9E33308C-2BE0-4477-9970-3C15019AEB70}" dt="2022-10-14T15:31:10.439" v="216"/>
+        <pc:sldMkLst>
+          <pc:docMk/>
+          <pc:sldMk cId="1977206377" sldId="379"/>
+        </pc:sldMkLst>
+      </pc:sldChg>
+      <pc:sldChg chg="modSp new del">
+        <pc:chgData name="Vasana,Manikanta" userId="S::s545551@nwmissouri.edu::aa5ba442-2039-4fd0-a3af-aa6dd8db2d87" providerId="AD" clId="Web-{9E33308C-2BE0-4477-9970-3C15019AEB70}" dt="2022-10-14T15:30:27.564" v="209"/>
+        <pc:sldMkLst>
+          <pc:docMk/>
+          <pc:sldMk cId="2640318406" sldId="379"/>
+        </pc:sldMkLst>
+        <pc:spChg chg="mod">
+          <ac:chgData name="Vasana,Manikanta" userId="S::s545551@nwmissouri.edu::aa5ba442-2039-4fd0-a3af-aa6dd8db2d87" providerId="AD" clId="Web-{9E33308C-2BE0-4477-9970-3C15019AEB70}" dt="2022-10-14T15:30:22.376" v="208" actId="20577"/>
+          <ac:spMkLst>
+            <pc:docMk/>
+            <pc:sldMk cId="2640318406" sldId="379"/>
+            <ac:spMk id="2" creationId="{CD739126-00C5-80F3-1365-6F4CFFED23BD}"/>
           </ac:spMkLst>
         </pc:spChg>
       </pc:sldChg>
@@ -536,79 +729,78 @@
     </pc:docChg>
   </pc:docChgLst>
   <pc:docChgLst>
-    <pc:chgData name="Vissapragada,Sai Tejaswee" userId="S::s545438@nwmissouri.edu::ac5152bd-e08b-42ef-87f5-6857be20e85f" providerId="AD" clId="Web-{874B8582-0C7F-4F1F-9F7E-123D6B1CBF9C}"/>
-    <pc:docChg chg="addSld modSld">
-      <pc:chgData name="Vissapragada,Sai Tejaswee" userId="S::s545438@nwmissouri.edu::ac5152bd-e08b-42ef-87f5-6857be20e85f" providerId="AD" clId="Web-{874B8582-0C7F-4F1F-9F7E-123D6B1CBF9C}" dt="2022-10-14T01:22:06.883" v="76" actId="20577"/>
+    <pc:chgData name="Mohammed,Abdul Rehman Sayeed" userId="S::s545401@nwmissouri.edu::ec91287c-2f25-40c2-83a5-709028914a19" providerId="AD" clId="Web-{DC04F97A-613E-44C0-86A2-F40C8FEC6AB0}"/>
+    <pc:docChg chg="addSld delSld modSld sldOrd">
+      <pc:chgData name="Mohammed,Abdul Rehman Sayeed" userId="S::s545401@nwmissouri.edu::ec91287c-2f25-40c2-83a5-709028914a19" providerId="AD" clId="Web-{DC04F97A-613E-44C0-86A2-F40C8FEC6AB0}" dt="2022-10-14T15:38:16.803" v="68" actId="20577"/>
       <pc:docMkLst>
         <pc:docMk/>
       </pc:docMkLst>
+      <pc:sldChg chg="modSp ord">
+        <pc:chgData name="Mohammed,Abdul Rehman Sayeed" userId="S::s545401@nwmissouri.edu::ec91287c-2f25-40c2-83a5-709028914a19" providerId="AD" clId="Web-{DC04F97A-613E-44C0-86A2-F40C8FEC6AB0}" dt="2022-10-14T15:38:16.803" v="68" actId="20577"/>
+        <pc:sldMkLst>
+          <pc:docMk/>
+          <pc:sldMk cId="2442537970" sldId="341"/>
+        </pc:sldMkLst>
+        <pc:spChg chg="mod">
+          <ac:chgData name="Mohammed,Abdul Rehman Sayeed" userId="S::s545401@nwmissouri.edu::ec91287c-2f25-40c2-83a5-709028914a19" providerId="AD" clId="Web-{DC04F97A-613E-44C0-86A2-F40C8FEC6AB0}" dt="2022-10-14T15:38:16.803" v="68" actId="20577"/>
+          <ac:spMkLst>
+            <pc:docMk/>
+            <pc:sldMk cId="2442537970" sldId="341"/>
+            <ac:spMk id="28" creationId="{5625D5E9-34CA-4D00-BCB5-EB2CB1EDEA0D}"/>
+          </ac:spMkLst>
+        </pc:spChg>
+      </pc:sldChg>
       <pc:sldChg chg="modSp">
-        <pc:chgData name="Vissapragada,Sai Tejaswee" userId="S::s545438@nwmissouri.edu::ac5152bd-e08b-42ef-87f5-6857be20e85f" providerId="AD" clId="Web-{874B8582-0C7F-4F1F-9F7E-123D6B1CBF9C}" dt="2022-10-13T20:39:00.622" v="1" actId="20577"/>
+        <pc:chgData name="Mohammed,Abdul Rehman Sayeed" userId="S::s545401@nwmissouri.edu::ec91287c-2f25-40c2-83a5-709028914a19" providerId="AD" clId="Web-{DC04F97A-613E-44C0-86A2-F40C8FEC6AB0}" dt="2022-10-14T14:51:16.741" v="31" actId="20577"/>
+        <pc:sldMkLst>
+          <pc:docMk/>
+          <pc:sldMk cId="1045016516" sldId="343"/>
+        </pc:sldMkLst>
+        <pc:spChg chg="mod">
+          <ac:chgData name="Mohammed,Abdul Rehman Sayeed" userId="S::s545401@nwmissouri.edu::ec91287c-2f25-40c2-83a5-709028914a19" providerId="AD" clId="Web-{DC04F97A-613E-44C0-86A2-F40C8FEC6AB0}" dt="2022-10-14T14:51:16.741" v="31" actId="20577"/>
+          <ac:spMkLst>
+            <pc:docMk/>
+            <pc:sldMk cId="1045016516" sldId="343"/>
+            <ac:spMk id="3" creationId="{9EF72435-41D5-40ED-A1E0-F497D91EB7D3}"/>
+          </ac:spMkLst>
+        </pc:spChg>
+      </pc:sldChg>
+      <pc:sldChg chg="modSp">
+        <pc:chgData name="Mohammed,Abdul Rehman Sayeed" userId="S::s545401@nwmissouri.edu::ec91287c-2f25-40c2-83a5-709028914a19" providerId="AD" clId="Web-{DC04F97A-613E-44C0-86A2-F40C8FEC6AB0}" dt="2022-10-14T14:41:46.491" v="20" actId="20577"/>
+        <pc:sldMkLst>
+          <pc:docMk/>
+          <pc:sldMk cId="1898072782" sldId="344"/>
+        </pc:sldMkLst>
+        <pc:spChg chg="mod">
+          <ac:chgData name="Mohammed,Abdul Rehman Sayeed" userId="S::s545401@nwmissouri.edu::ec91287c-2f25-40c2-83a5-709028914a19" providerId="AD" clId="Web-{DC04F97A-613E-44C0-86A2-F40C8FEC6AB0}" dt="2022-10-14T14:41:46.491" v="20" actId="20577"/>
+          <ac:spMkLst>
+            <pc:docMk/>
+            <pc:sldMk cId="1898072782" sldId="344"/>
+            <ac:spMk id="2" creationId="{B68093B9-6981-40EC-9AFD-1A8DBA15D2B3}"/>
+          </ac:spMkLst>
+        </pc:spChg>
+      </pc:sldChg>
+      <pc:sldChg chg="modSp">
+        <pc:chgData name="Mohammed,Abdul Rehman Sayeed" userId="S::s545401@nwmissouri.edu::ec91287c-2f25-40c2-83a5-709028914a19" providerId="AD" clId="Web-{DC04F97A-613E-44C0-86A2-F40C8FEC6AB0}" dt="2022-10-14T15:18:57.804" v="41" actId="20577"/>
         <pc:sldMkLst>
           <pc:docMk/>
           <pc:sldMk cId="1841957312" sldId="357"/>
         </pc:sldMkLst>
         <pc:spChg chg="mod">
-          <ac:chgData name="Vissapragada,Sai Tejaswee" userId="S::s545438@nwmissouri.edu::ac5152bd-e08b-42ef-87f5-6857be20e85f" providerId="AD" clId="Web-{874B8582-0C7F-4F1F-9F7E-123D6B1CBF9C}" dt="2022-10-13T20:39:00.622" v="1" actId="20577"/>
+          <ac:chgData name="Mohammed,Abdul Rehman Sayeed" userId="S::s545401@nwmissouri.edu::ec91287c-2f25-40c2-83a5-709028914a19" providerId="AD" clId="Web-{DC04F97A-613E-44C0-86A2-F40C8FEC6AB0}" dt="2022-10-14T15:18:57.804" v="41" actId="20577"/>
           <ac:spMkLst>
             <pc:docMk/>
             <pc:sldMk cId="1841957312" sldId="357"/>
-            <ac:spMk id="2" creationId="{00E763BB-9BA0-8B15-EC3A-9596592F3FC1}"/>
+            <ac:spMk id="3" creationId="{66B15469-23DA-28F8-3644-BAB61795B752}"/>
           </ac:spMkLst>
         </pc:spChg>
       </pc:sldChg>
-      <pc:sldChg chg="modSp">
-        <pc:chgData name="Vissapragada,Sai Tejaswee" userId="S::s545438@nwmissouri.edu::ac5152bd-e08b-42ef-87f5-6857be20e85f" providerId="AD" clId="Web-{874B8582-0C7F-4F1F-9F7E-123D6B1CBF9C}" dt="2022-10-14T01:19:11.441" v="29" actId="20577"/>
+      <pc:sldChg chg="add del replId">
+        <pc:chgData name="Mohammed,Abdul Rehman Sayeed" userId="S::s545401@nwmissouri.edu::ec91287c-2f25-40c2-83a5-709028914a19" providerId="AD" clId="Web-{DC04F97A-613E-44C0-86A2-F40C8FEC6AB0}" dt="2022-10-14T15:08:36.179" v="38"/>
         <pc:sldMkLst>
           <pc:docMk/>
-          <pc:sldMk cId="2423198090" sldId="363"/>
+          <pc:sldMk cId="945766289" sldId="375"/>
         </pc:sldMkLst>
-        <pc:spChg chg="mod">
-          <ac:chgData name="Vissapragada,Sai Tejaswee" userId="S::s545438@nwmissouri.edu::ac5152bd-e08b-42ef-87f5-6857be20e85f" providerId="AD" clId="Web-{874B8582-0C7F-4F1F-9F7E-123D6B1CBF9C}" dt="2022-10-14T01:19:11.441" v="29" actId="20577"/>
-          <ac:spMkLst>
-            <pc:docMk/>
-            <pc:sldMk cId="2423198090" sldId="363"/>
-            <ac:spMk id="3" creationId="{3C27D1C7-E779-949F-4B8F-5A301D08E902}"/>
-          </ac:spMkLst>
-        </pc:spChg>
-      </pc:sldChg>
-      <pc:sldChg chg="modSp">
-        <pc:chgData name="Vissapragada,Sai Tejaswee" userId="S::s545438@nwmissouri.edu::ac5152bd-e08b-42ef-87f5-6857be20e85f" providerId="AD" clId="Web-{874B8582-0C7F-4F1F-9F7E-123D6B1CBF9C}" dt="2022-10-13T20:38:48.794" v="0" actId="20577"/>
-        <pc:sldMkLst>
-          <pc:docMk/>
-          <pc:sldMk cId="3868749730" sldId="367"/>
-        </pc:sldMkLst>
-        <pc:spChg chg="mod">
-          <ac:chgData name="Vissapragada,Sai Tejaswee" userId="S::s545438@nwmissouri.edu::ac5152bd-e08b-42ef-87f5-6857be20e85f" providerId="AD" clId="Web-{874B8582-0C7F-4F1F-9F7E-123D6B1CBF9C}" dt="2022-10-13T20:38:48.794" v="0" actId="20577"/>
-          <ac:spMkLst>
-            <pc:docMk/>
-            <pc:sldMk cId="3868749730" sldId="367"/>
-            <ac:spMk id="2" creationId="{B0B3554D-045E-A7DF-ADEE-5920476E61E9}"/>
-          </ac:spMkLst>
-        </pc:spChg>
-      </pc:sldChg>
-      <pc:sldChg chg="modSp new">
-        <pc:chgData name="Vissapragada,Sai Tejaswee" userId="S::s545438@nwmissouri.edu::ac5152bd-e08b-42ef-87f5-6857be20e85f" providerId="AD" clId="Web-{874B8582-0C7F-4F1F-9F7E-123D6B1CBF9C}" dt="2022-10-14T01:22:06.883" v="76" actId="20577"/>
-        <pc:sldMkLst>
-          <pc:docMk/>
-          <pc:sldMk cId="2698460313" sldId="368"/>
-        </pc:sldMkLst>
-        <pc:spChg chg="mod">
-          <ac:chgData name="Vissapragada,Sai Tejaswee" userId="S::s545438@nwmissouri.edu::ac5152bd-e08b-42ef-87f5-6857be20e85f" providerId="AD" clId="Web-{874B8582-0C7F-4F1F-9F7E-123D6B1CBF9C}" dt="2022-10-14T01:19:21.645" v="39" actId="20577"/>
-          <ac:spMkLst>
-            <pc:docMk/>
-            <pc:sldMk cId="2698460313" sldId="368"/>
-            <ac:spMk id="2" creationId="{57E92D1A-143E-A8D1-5650-23C53F336A3A}"/>
-          </ac:spMkLst>
-        </pc:spChg>
-        <pc:spChg chg="mod">
-          <ac:chgData name="Vissapragada,Sai Tejaswee" userId="S::s545438@nwmissouri.edu::ac5152bd-e08b-42ef-87f5-6857be20e85f" providerId="AD" clId="Web-{874B8582-0C7F-4F1F-9F7E-123D6B1CBF9C}" dt="2022-10-14T01:22:06.883" v="76" actId="20577"/>
-          <ac:spMkLst>
-            <pc:docMk/>
-            <pc:sldMk cId="2698460313" sldId="368"/>
-            <ac:spMk id="3" creationId="{0485A877-B7E7-764E-DB9E-520F12AC7E8A}"/>
-          </ac:spMkLst>
-        </pc:spChg>
       </pc:sldChg>
     </pc:docChg>
   </pc:docChgLst>
@@ -853,6 +1045,30 @@
     </pc:docChg>
   </pc:docChgLst>
   <pc:docChgLst>
+    <pc:chgData name="Myakala,Shiva Krishna" userId="S::s545549@nwmissouri.edu::1ad7070b-5778-4d5e-ba6b-216720902aee" providerId="AD" clId="Web-{EB09C56B-7BA6-67F0-4D7F-666EAF9A81F4}"/>
+    <pc:docChg chg="modSld">
+      <pc:chgData name="Myakala,Shiva Krishna" userId="S::s545549@nwmissouri.edu::1ad7070b-5778-4d5e-ba6b-216720902aee" providerId="AD" clId="Web-{EB09C56B-7BA6-67F0-4D7F-666EAF9A81F4}" dt="2022-10-14T16:45:07.812" v="20" actId="20577"/>
+      <pc:docMkLst>
+        <pc:docMk/>
+      </pc:docMkLst>
+      <pc:sldChg chg="modSp">
+        <pc:chgData name="Myakala,Shiva Krishna" userId="S::s545549@nwmissouri.edu::1ad7070b-5778-4d5e-ba6b-216720902aee" providerId="AD" clId="Web-{EB09C56B-7BA6-67F0-4D7F-666EAF9A81F4}" dt="2022-10-14T16:45:07.812" v="20" actId="20577"/>
+        <pc:sldMkLst>
+          <pc:docMk/>
+          <pc:sldMk cId="884823026" sldId="371"/>
+        </pc:sldMkLst>
+        <pc:spChg chg="mod">
+          <ac:chgData name="Myakala,Shiva Krishna" userId="S::s545549@nwmissouri.edu::1ad7070b-5778-4d5e-ba6b-216720902aee" providerId="AD" clId="Web-{EB09C56B-7BA6-67F0-4D7F-666EAF9A81F4}" dt="2022-10-14T16:45:07.812" v="20" actId="20577"/>
+          <ac:spMkLst>
+            <pc:docMk/>
+            <pc:sldMk cId="884823026" sldId="371"/>
+            <ac:spMk id="3" creationId="{1CE5B5B3-F968-7176-817F-D2DECAB3BFC0}"/>
+          </ac:spMkLst>
+        </pc:spChg>
+      </pc:sldChg>
+    </pc:docChg>
+  </pc:docChgLst>
+  <pc:docChgLst>
     <pc:chgData name="Sanku,Dheemanth Reddy" userId="S::s545025@nwmissouri.edu::9f715dee-37bc-46e3-b096-3ccff95550fc" providerId="AD" clId="Web-{49FB3C54-C934-5136-F75A-12E3EE2BF7B7}"/>
     <pc:docChg chg="addSld modSld sldOrd">
       <pc:chgData name="Sanku,Dheemanth Reddy" userId="S::s545025@nwmissouri.edu::9f715dee-37bc-46e3-b096-3ccff95550fc" providerId="AD" clId="Web-{49FB3C54-C934-5136-F75A-12E3EE2BF7B7}" dt="2022-10-17T17:29:59.873" v="378" actId="1076"/>
@@ -1241,1491 +1457,6 @@
             <ac:spMk id="80" creationId="{445E78D2-A2C4-9CC8-48E9-4EA3CF439708}"/>
           </ac:spMkLst>
         </pc:spChg>
-      </pc:sldChg>
-    </pc:docChg>
-  </pc:docChgLst>
-  <pc:docChgLst>
-    <pc:chgData name="Mohammed,Abdul Rehman Sayeed" userId="ec91287c-2f25-40c2-83a5-709028914a19" providerId="ADAL" clId="{F3114997-6C2F-4E67-BF73-6AF76EB7D47F}"/>
-    <pc:docChg chg="custSel modSld">
-      <pc:chgData name="Mohammed,Abdul Rehman Sayeed" userId="ec91287c-2f25-40c2-83a5-709028914a19" providerId="ADAL" clId="{F3114997-6C2F-4E67-BF73-6AF76EB7D47F}" dt="2022-10-17T17:06:14.220" v="0" actId="27636"/>
-      <pc:docMkLst>
-        <pc:docMk/>
-      </pc:docMkLst>
-      <pc:sldChg chg="modSp mod">
-        <pc:chgData name="Mohammed,Abdul Rehman Sayeed" userId="ec91287c-2f25-40c2-83a5-709028914a19" providerId="ADAL" clId="{F3114997-6C2F-4E67-BF73-6AF76EB7D47F}" dt="2022-10-17T17:06:14.220" v="0" actId="27636"/>
-        <pc:sldMkLst>
-          <pc:docMk/>
-          <pc:sldMk cId="3225898199" sldId="378"/>
-        </pc:sldMkLst>
-        <pc:spChg chg="mod">
-          <ac:chgData name="Mohammed,Abdul Rehman Sayeed" userId="ec91287c-2f25-40c2-83a5-709028914a19" providerId="ADAL" clId="{F3114997-6C2F-4E67-BF73-6AF76EB7D47F}" dt="2022-10-17T17:06:14.220" v="0" actId="27636"/>
-          <ac:spMkLst>
-            <pc:docMk/>
-            <pc:sldMk cId="3225898199" sldId="378"/>
-            <ac:spMk id="3" creationId="{627AC61C-9393-097F-8278-A135703BB589}"/>
-          </ac:spMkLst>
-        </pc:spChg>
-      </pc:sldChg>
-    </pc:docChg>
-  </pc:docChgLst>
-  <pc:docChgLst>
-    <pc:chgData name="Vissapragada,Sai Tejaswee" userId="S::s545438@nwmissouri.edu::ac5152bd-e08b-42ef-87f5-6857be20e85f" providerId="AD" clId="Web-{A8C22E62-5AA5-483F-A10E-5EB0B6850044}"/>
-    <pc:docChg chg="addSld delSld modSld sldOrd addMainMaster delMainMaster">
-      <pc:chgData name="Vissapragada,Sai Tejaswee" userId="S::s545438@nwmissouri.edu::ac5152bd-e08b-42ef-87f5-6857be20e85f" providerId="AD" clId="Web-{A8C22E62-5AA5-483F-A10E-5EB0B6850044}" dt="2022-10-14T16:25:57.626" v="510" actId="20577"/>
-      <pc:docMkLst>
-        <pc:docMk/>
-      </pc:docMkLst>
-      <pc:sldChg chg="delSp modSp mod modClrScheme chgLayout">
-        <pc:chgData name="Vissapragada,Sai Tejaswee" userId="S::s545438@nwmissouri.edu::ac5152bd-e08b-42ef-87f5-6857be20e85f" providerId="AD" clId="Web-{A8C22E62-5AA5-483F-A10E-5EB0B6850044}" dt="2022-10-14T15:33:54.842" v="357" actId="20577"/>
-        <pc:sldMkLst>
-          <pc:docMk/>
-          <pc:sldMk cId="2985600738" sldId="256"/>
-        </pc:sldMkLst>
-        <pc:spChg chg="mod ord">
-          <ac:chgData name="Vissapragada,Sai Tejaswee" userId="S::s545438@nwmissouri.edu::ac5152bd-e08b-42ef-87f5-6857be20e85f" providerId="AD" clId="Web-{A8C22E62-5AA5-483F-A10E-5EB0B6850044}" dt="2022-10-14T14:54:02.291" v="189"/>
-          <ac:spMkLst>
-            <pc:docMk/>
-            <pc:sldMk cId="2985600738" sldId="256"/>
-            <ac:spMk id="2" creationId="{9C11EC8D-E2F8-47A8-86F0-53A644871CB0}"/>
-          </ac:spMkLst>
-        </pc:spChg>
-        <pc:spChg chg="mod ord">
-          <ac:chgData name="Vissapragada,Sai Tejaswee" userId="S::s545438@nwmissouri.edu::ac5152bd-e08b-42ef-87f5-6857be20e85f" providerId="AD" clId="Web-{A8C22E62-5AA5-483F-A10E-5EB0B6850044}" dt="2022-10-14T15:33:54.842" v="357" actId="20577"/>
-          <ac:spMkLst>
-            <pc:docMk/>
-            <pc:sldMk cId="2985600738" sldId="256"/>
-            <ac:spMk id="3" creationId="{40718280-D32F-4892-B800-93AAD39A2582}"/>
-          </ac:spMkLst>
-        </pc:spChg>
-        <pc:spChg chg="del">
-          <ac:chgData name="Vissapragada,Sai Tejaswee" userId="S::s545438@nwmissouri.edu::ac5152bd-e08b-42ef-87f5-6857be20e85f" providerId="AD" clId="Web-{A8C22E62-5AA5-483F-A10E-5EB0B6850044}" dt="2022-10-14T15:11:13.375" v="309"/>
-          <ac:spMkLst>
-            <pc:docMk/>
-            <pc:sldMk cId="2985600738" sldId="256"/>
-            <ac:spMk id="4" creationId="{1A844C8B-BD82-45AC-9223-D9EBA59A555F}"/>
-          </ac:spMkLst>
-        </pc:spChg>
-      </pc:sldChg>
-      <pc:sldChg chg="delSp modSp mod modClrScheme chgLayout">
-        <pc:chgData name="Vissapragada,Sai Tejaswee" userId="S::s545438@nwmissouri.edu::ac5152bd-e08b-42ef-87f5-6857be20e85f" providerId="AD" clId="Web-{A8C22E62-5AA5-483F-A10E-5EB0B6850044}" dt="2022-10-14T15:32:43.262" v="349" actId="20577"/>
-        <pc:sldMkLst>
-          <pc:docMk/>
-          <pc:sldMk cId="2442537970" sldId="341"/>
-        </pc:sldMkLst>
-        <pc:spChg chg="mod ord">
-          <ac:chgData name="Vissapragada,Sai Tejaswee" userId="S::s545438@nwmissouri.edu::ac5152bd-e08b-42ef-87f5-6857be20e85f" providerId="AD" clId="Web-{A8C22E62-5AA5-483F-A10E-5EB0B6850044}" dt="2022-10-14T15:01:20.207" v="235" actId="20577"/>
-          <ac:spMkLst>
-            <pc:docMk/>
-            <pc:sldMk cId="2442537970" sldId="341"/>
-            <ac:spMk id="2" creationId="{A03556A8-306D-4AAD-A818-C5F7CD7DCAA6}"/>
-          </ac:spMkLst>
-        </pc:spChg>
-        <pc:spChg chg="del mod ord">
-          <ac:chgData name="Vissapragada,Sai Tejaswee" userId="S::s545438@nwmissouri.edu::ac5152bd-e08b-42ef-87f5-6857be20e85f" providerId="AD" clId="Web-{A8C22E62-5AA5-483F-A10E-5EB0B6850044}" dt="2022-10-14T15:10:50.906" v="305"/>
-          <ac:spMkLst>
-            <pc:docMk/>
-            <pc:sldMk cId="2442537970" sldId="341"/>
-            <ac:spMk id="4" creationId="{138D912F-AF88-4AC6-85CE-BF905A5B5706}"/>
-          </ac:spMkLst>
-        </pc:spChg>
-        <pc:spChg chg="mod ord">
-          <ac:chgData name="Vissapragada,Sai Tejaswee" userId="S::s545438@nwmissouri.edu::ac5152bd-e08b-42ef-87f5-6857be20e85f" providerId="AD" clId="Web-{A8C22E62-5AA5-483F-A10E-5EB0B6850044}" dt="2022-10-14T15:32:43.262" v="349" actId="20577"/>
-          <ac:spMkLst>
-            <pc:docMk/>
-            <pc:sldMk cId="2442537970" sldId="341"/>
-            <ac:spMk id="28" creationId="{5625D5E9-34CA-4D00-BCB5-EB2CB1EDEA0D}"/>
-          </ac:spMkLst>
-        </pc:spChg>
-      </pc:sldChg>
-      <pc:sldChg chg="delSp modSp mod modClrScheme chgLayout">
-        <pc:chgData name="Vissapragada,Sai Tejaswee" userId="S::s545438@nwmissouri.edu::ac5152bd-e08b-42ef-87f5-6857be20e85f" providerId="AD" clId="Web-{A8C22E62-5AA5-483F-A10E-5EB0B6850044}" dt="2022-10-14T15:10:58.063" v="306"/>
-        <pc:sldMkLst>
-          <pc:docMk/>
-          <pc:sldMk cId="552338012" sldId="342"/>
-        </pc:sldMkLst>
-        <pc:spChg chg="mod ord">
-          <ac:chgData name="Vissapragada,Sai Tejaswee" userId="S::s545438@nwmissouri.edu::ac5152bd-e08b-42ef-87f5-6857be20e85f" providerId="AD" clId="Web-{A8C22E62-5AA5-483F-A10E-5EB0B6850044}" dt="2022-10-14T14:54:02.291" v="189"/>
-          <ac:spMkLst>
-            <pc:docMk/>
-            <pc:sldMk cId="552338012" sldId="342"/>
-            <ac:spMk id="2" creationId="{9808F5F9-4D67-45B6-B64A-8EB48D97F519}"/>
-          </ac:spMkLst>
-        </pc:spChg>
-        <pc:spChg chg="del mod ord">
-          <ac:chgData name="Vissapragada,Sai Tejaswee" userId="S::s545438@nwmissouri.edu::ac5152bd-e08b-42ef-87f5-6857be20e85f" providerId="AD" clId="Web-{A8C22E62-5AA5-483F-A10E-5EB0B6850044}" dt="2022-10-14T15:10:58.063" v="306"/>
-          <ac:spMkLst>
-            <pc:docMk/>
-            <pc:sldMk cId="552338012" sldId="342"/>
-            <ac:spMk id="4" creationId="{FB2979EF-7D42-4D7E-B0EA-A04305C20AA3}"/>
-          </ac:spMkLst>
-        </pc:spChg>
-      </pc:sldChg>
-      <pc:sldChg chg="delSp modSp mod modClrScheme chgLayout">
-        <pc:chgData name="Vissapragada,Sai Tejaswee" userId="S::s545438@nwmissouri.edu::ac5152bd-e08b-42ef-87f5-6857be20e85f" providerId="AD" clId="Web-{A8C22E62-5AA5-483F-A10E-5EB0B6850044}" dt="2022-10-14T15:33:06.950" v="352" actId="20577"/>
-        <pc:sldMkLst>
-          <pc:docMk/>
-          <pc:sldMk cId="1045016516" sldId="343"/>
-        </pc:sldMkLst>
-        <pc:spChg chg="mod ord">
-          <ac:chgData name="Vissapragada,Sai Tejaswee" userId="S::s545438@nwmissouri.edu::ac5152bd-e08b-42ef-87f5-6857be20e85f" providerId="AD" clId="Web-{A8C22E62-5AA5-483F-A10E-5EB0B6850044}" dt="2022-10-14T14:54:02.291" v="189"/>
-          <ac:spMkLst>
-            <pc:docMk/>
-            <pc:sldMk cId="1045016516" sldId="343"/>
-            <ac:spMk id="2" creationId="{AD3A397E-08A5-421B-83E3-0BCD6A6F8F56}"/>
-          </ac:spMkLst>
-        </pc:spChg>
-        <pc:spChg chg="mod ord">
-          <ac:chgData name="Vissapragada,Sai Tejaswee" userId="S::s545438@nwmissouri.edu::ac5152bd-e08b-42ef-87f5-6857be20e85f" providerId="AD" clId="Web-{A8C22E62-5AA5-483F-A10E-5EB0B6850044}" dt="2022-10-14T15:33:06.950" v="352" actId="20577"/>
-          <ac:spMkLst>
-            <pc:docMk/>
-            <pc:sldMk cId="1045016516" sldId="343"/>
-            <ac:spMk id="3" creationId="{9EF72435-41D5-40ED-A1E0-F497D91EB7D3}"/>
-          </ac:spMkLst>
-        </pc:spChg>
-        <pc:spChg chg="del mod ord">
-          <ac:chgData name="Vissapragada,Sai Tejaswee" userId="S::s545438@nwmissouri.edu::ac5152bd-e08b-42ef-87f5-6857be20e85f" providerId="AD" clId="Web-{A8C22E62-5AA5-483F-A10E-5EB0B6850044}" dt="2022-10-14T15:11:08.422" v="308"/>
-          <ac:spMkLst>
-            <pc:docMk/>
-            <pc:sldMk cId="1045016516" sldId="343"/>
-            <ac:spMk id="4" creationId="{BF9D6BA6-993E-40BB-A086-4BD7B61F7AAF}"/>
-          </ac:spMkLst>
-        </pc:spChg>
-      </pc:sldChg>
-      <pc:sldChg chg="delSp modSp mod modClrScheme chgLayout">
-        <pc:chgData name="Vissapragada,Sai Tejaswee" userId="S::s545438@nwmissouri.edu::ac5152bd-e08b-42ef-87f5-6857be20e85f" providerId="AD" clId="Web-{A8C22E62-5AA5-483F-A10E-5EB0B6850044}" dt="2022-10-14T15:10:41.375" v="304" actId="1076"/>
-        <pc:sldMkLst>
-          <pc:docMk/>
-          <pc:sldMk cId="1898072782" sldId="344"/>
-        </pc:sldMkLst>
-        <pc:spChg chg="mod ord">
-          <ac:chgData name="Vissapragada,Sai Tejaswee" userId="S::s545438@nwmissouri.edu::ac5152bd-e08b-42ef-87f5-6857be20e85f" providerId="AD" clId="Web-{A8C22E62-5AA5-483F-A10E-5EB0B6850044}" dt="2022-10-14T14:54:02.291" v="189"/>
-          <ac:spMkLst>
-            <pc:docMk/>
-            <pc:sldMk cId="1898072782" sldId="344"/>
-            <ac:spMk id="2" creationId="{B68093B9-6981-40EC-9AFD-1A8DBA15D2B3}"/>
-          </ac:spMkLst>
-        </pc:spChg>
-        <pc:spChg chg="del mod ord">
-          <ac:chgData name="Vissapragada,Sai Tejaswee" userId="S::s545438@nwmissouri.edu::ac5152bd-e08b-42ef-87f5-6857be20e85f" providerId="AD" clId="Web-{A8C22E62-5AA5-483F-A10E-5EB0B6850044}" dt="2022-10-14T15:10:34.781" v="303"/>
-          <ac:spMkLst>
-            <pc:docMk/>
-            <pc:sldMk cId="1898072782" sldId="344"/>
-            <ac:spMk id="4" creationId="{FA12FCA5-CA9E-48B3-8CDF-8CAC941C2C35}"/>
-          </ac:spMkLst>
-        </pc:spChg>
-        <pc:spChg chg="mod">
-          <ac:chgData name="Vissapragada,Sai Tejaswee" userId="S::s545438@nwmissouri.edu::ac5152bd-e08b-42ef-87f5-6857be20e85f" providerId="AD" clId="Web-{A8C22E62-5AA5-483F-A10E-5EB0B6850044}" dt="2022-10-14T15:10:41.375" v="304" actId="1076"/>
-          <ac:spMkLst>
-            <pc:docMk/>
-            <pc:sldMk cId="1898072782" sldId="344"/>
-            <ac:spMk id="17" creationId="{B86EB294-945B-45F4-B366-6F962417C70F}"/>
-          </ac:spMkLst>
-        </pc:spChg>
-      </pc:sldChg>
-      <pc:sldChg chg="modSp mod modClrScheme chgLayout">
-        <pc:chgData name="Vissapragada,Sai Tejaswee" userId="S::s545438@nwmissouri.edu::ac5152bd-e08b-42ef-87f5-6857be20e85f" providerId="AD" clId="Web-{A8C22E62-5AA5-483F-A10E-5EB0B6850044}" dt="2022-10-14T15:41:42.711" v="394" actId="20577"/>
-        <pc:sldMkLst>
-          <pc:docMk/>
-          <pc:sldMk cId="219102181" sldId="350"/>
-        </pc:sldMkLst>
-        <pc:spChg chg="mod ord">
-          <ac:chgData name="Vissapragada,Sai Tejaswee" userId="S::s545438@nwmissouri.edu::ac5152bd-e08b-42ef-87f5-6857be20e85f" providerId="AD" clId="Web-{A8C22E62-5AA5-483F-A10E-5EB0B6850044}" dt="2022-10-14T15:41:42.711" v="394" actId="20577"/>
-          <ac:spMkLst>
-            <pc:docMk/>
-            <pc:sldMk cId="219102181" sldId="350"/>
-            <ac:spMk id="2" creationId="{823C8B64-1E38-4FF9-9F3B-F5E69809B377}"/>
-          </ac:spMkLst>
-        </pc:spChg>
-        <pc:spChg chg="mod ord">
-          <ac:chgData name="Vissapragada,Sai Tejaswee" userId="S::s545438@nwmissouri.edu::ac5152bd-e08b-42ef-87f5-6857be20e85f" providerId="AD" clId="Web-{A8C22E62-5AA5-483F-A10E-5EB0B6850044}" dt="2022-10-14T14:54:02.291" v="189"/>
-          <ac:spMkLst>
-            <pc:docMk/>
-            <pc:sldMk cId="219102181" sldId="350"/>
-            <ac:spMk id="4" creationId="{7C79D3E6-8253-4877-8B5A-5E0FF1CCEEC1}"/>
-          </ac:spMkLst>
-        </pc:spChg>
-      </pc:sldChg>
-      <pc:sldChg chg="delSp modSp mod modClrScheme chgLayout">
-        <pc:chgData name="Vissapragada,Sai Tejaswee" userId="S::s545438@nwmissouri.edu::ac5152bd-e08b-42ef-87f5-6857be20e85f" providerId="AD" clId="Web-{A8C22E62-5AA5-483F-A10E-5EB0B6850044}" dt="2022-10-14T15:09:01.685" v="286" actId="1076"/>
-        <pc:sldMkLst>
-          <pc:docMk/>
-          <pc:sldMk cId="3939176308" sldId="351"/>
-        </pc:sldMkLst>
-        <pc:spChg chg="mod ord">
-          <ac:chgData name="Vissapragada,Sai Tejaswee" userId="S::s545438@nwmissouri.edu::ac5152bd-e08b-42ef-87f5-6857be20e85f" providerId="AD" clId="Web-{A8C22E62-5AA5-483F-A10E-5EB0B6850044}" dt="2022-10-14T14:54:02.291" v="189"/>
-          <ac:spMkLst>
-            <pc:docMk/>
-            <pc:sldMk cId="3939176308" sldId="351"/>
-            <ac:spMk id="2" creationId="{32E2E634-DDFF-4EE1-9D86-F940664BE3DC}"/>
-          </ac:spMkLst>
-        </pc:spChg>
-        <pc:spChg chg="del mod ord">
-          <ac:chgData name="Vissapragada,Sai Tejaswee" userId="S::s545438@nwmissouri.edu::ac5152bd-e08b-42ef-87f5-6857be20e85f" providerId="AD" clId="Web-{A8C22E62-5AA5-483F-A10E-5EB0B6850044}" dt="2022-10-14T15:08:49.669" v="284"/>
-          <ac:spMkLst>
-            <pc:docMk/>
-            <pc:sldMk cId="3939176308" sldId="351"/>
-            <ac:spMk id="4" creationId="{A2D4F142-5B88-4EF7-A3A7-EBAC0CB63769}"/>
-          </ac:spMkLst>
-        </pc:spChg>
-        <pc:spChg chg="mod">
-          <ac:chgData name="Vissapragada,Sai Tejaswee" userId="S::s545438@nwmissouri.edu::ac5152bd-e08b-42ef-87f5-6857be20e85f" providerId="AD" clId="Web-{A8C22E62-5AA5-483F-A10E-5EB0B6850044}" dt="2022-10-14T15:09:01.685" v="286" actId="1076"/>
-          <ac:spMkLst>
-            <pc:docMk/>
-            <pc:sldMk cId="3939176308" sldId="351"/>
-            <ac:spMk id="5" creationId="{13BA4C93-B95F-41BF-A1C9-9216CE9854AF}"/>
-          </ac:spMkLst>
-        </pc:spChg>
-      </pc:sldChg>
-      <pc:sldChg chg="delSp modSp mod modClrScheme chgLayout">
-        <pc:chgData name="Vissapragada,Sai Tejaswee" userId="S::s545438@nwmissouri.edu::ac5152bd-e08b-42ef-87f5-6857be20e85f" providerId="AD" clId="Web-{A8C22E62-5AA5-483F-A10E-5EB0B6850044}" dt="2022-10-14T15:30:35.838" v="337" actId="20577"/>
-        <pc:sldMkLst>
-          <pc:docMk/>
-          <pc:sldMk cId="3416718736" sldId="354"/>
-        </pc:sldMkLst>
-        <pc:spChg chg="mod ord">
-          <ac:chgData name="Vissapragada,Sai Tejaswee" userId="S::s545438@nwmissouri.edu::ac5152bd-e08b-42ef-87f5-6857be20e85f" providerId="AD" clId="Web-{A8C22E62-5AA5-483F-A10E-5EB0B6850044}" dt="2022-10-14T14:54:02.291" v="189"/>
-          <ac:spMkLst>
-            <pc:docMk/>
-            <pc:sldMk cId="3416718736" sldId="354"/>
-            <ac:spMk id="2" creationId="{0766B607-6105-4582-BC98-8E35CE39574E}"/>
-          </ac:spMkLst>
-        </pc:spChg>
-        <pc:spChg chg="mod ord">
-          <ac:chgData name="Vissapragada,Sai Tejaswee" userId="S::s545438@nwmissouri.edu::ac5152bd-e08b-42ef-87f5-6857be20e85f" providerId="AD" clId="Web-{A8C22E62-5AA5-483F-A10E-5EB0B6850044}" dt="2022-10-14T15:30:35.838" v="337" actId="20577"/>
-          <ac:spMkLst>
-            <pc:docMk/>
-            <pc:sldMk cId="3416718736" sldId="354"/>
-            <ac:spMk id="3" creationId="{A04DE8D9-0B5E-47D8-90F9-96463A6646BA}"/>
-          </ac:spMkLst>
-        </pc:spChg>
-        <pc:spChg chg="del mod ord">
-          <ac:chgData name="Vissapragada,Sai Tejaswee" userId="S::s545438@nwmissouri.edu::ac5152bd-e08b-42ef-87f5-6857be20e85f" providerId="AD" clId="Web-{A8C22E62-5AA5-483F-A10E-5EB0B6850044}" dt="2022-10-14T15:08:22.700" v="281"/>
-          <ac:spMkLst>
-            <pc:docMk/>
-            <pc:sldMk cId="3416718736" sldId="354"/>
-            <ac:spMk id="4" creationId="{8799341D-0A1F-47EF-A691-D497A3FBF766}"/>
-          </ac:spMkLst>
-        </pc:spChg>
-      </pc:sldChg>
-      <pc:sldChg chg="del">
-        <pc:chgData name="Vissapragada,Sai Tejaswee" userId="S::s545438@nwmissouri.edu::ac5152bd-e08b-42ef-87f5-6857be20e85f" providerId="AD" clId="Web-{A8C22E62-5AA5-483F-A10E-5EB0B6850044}" dt="2022-10-14T14:22:12.366" v="107"/>
-        <pc:sldMkLst>
-          <pc:docMk/>
-          <pc:sldMk cId="4194509776" sldId="356"/>
-        </pc:sldMkLst>
-      </pc:sldChg>
-      <pc:sldChg chg="delSp modSp mod modClrScheme chgLayout">
-        <pc:chgData name="Vissapragada,Sai Tejaswee" userId="S::s545438@nwmissouri.edu::ac5152bd-e08b-42ef-87f5-6857be20e85f" providerId="AD" clId="Web-{A8C22E62-5AA5-483F-A10E-5EB0B6850044}" dt="2022-10-14T15:32:54.543" v="350" actId="20577"/>
-        <pc:sldMkLst>
-          <pc:docMk/>
-          <pc:sldMk cId="1841957312" sldId="357"/>
-        </pc:sldMkLst>
-        <pc:spChg chg="mod ord">
-          <ac:chgData name="Vissapragada,Sai Tejaswee" userId="S::s545438@nwmissouri.edu::ac5152bd-e08b-42ef-87f5-6857be20e85f" providerId="AD" clId="Web-{A8C22E62-5AA5-483F-A10E-5EB0B6850044}" dt="2022-10-14T14:54:02.291" v="189"/>
-          <ac:spMkLst>
-            <pc:docMk/>
-            <pc:sldMk cId="1841957312" sldId="357"/>
-            <ac:spMk id="2" creationId="{00E763BB-9BA0-8B15-EC3A-9596592F3FC1}"/>
-          </ac:spMkLst>
-        </pc:spChg>
-        <pc:spChg chg="mod ord">
-          <ac:chgData name="Vissapragada,Sai Tejaswee" userId="S::s545438@nwmissouri.edu::ac5152bd-e08b-42ef-87f5-6857be20e85f" providerId="AD" clId="Web-{A8C22E62-5AA5-483F-A10E-5EB0B6850044}" dt="2022-10-14T15:32:54.543" v="350" actId="20577"/>
-          <ac:spMkLst>
-            <pc:docMk/>
-            <pc:sldMk cId="1841957312" sldId="357"/>
-            <ac:spMk id="3" creationId="{66B15469-23DA-28F8-3644-BAB61795B752}"/>
-          </ac:spMkLst>
-        </pc:spChg>
-        <pc:spChg chg="del mod ord">
-          <ac:chgData name="Vissapragada,Sai Tejaswee" userId="S::s545438@nwmissouri.edu::ac5152bd-e08b-42ef-87f5-6857be20e85f" providerId="AD" clId="Web-{A8C22E62-5AA5-483F-A10E-5EB0B6850044}" dt="2022-10-14T15:11:03.657" v="307"/>
-          <ac:spMkLst>
-            <pc:docMk/>
-            <pc:sldMk cId="1841957312" sldId="357"/>
-            <ac:spMk id="4" creationId="{91717223-F755-64C7-4639-B04FAD293BD0}"/>
-          </ac:spMkLst>
-        </pc:spChg>
-      </pc:sldChg>
-      <pc:sldChg chg="delSp modSp del mod modClrScheme chgLayout">
-        <pc:chgData name="Vissapragada,Sai Tejaswee" userId="S::s545438@nwmissouri.edu::ac5152bd-e08b-42ef-87f5-6857be20e85f" providerId="AD" clId="Web-{A8C22E62-5AA5-483F-A10E-5EB0B6850044}" dt="2022-10-14T15:24:59.346" v="329"/>
-        <pc:sldMkLst>
-          <pc:docMk/>
-          <pc:sldMk cId="2615451039" sldId="359"/>
-        </pc:sldMkLst>
-        <pc:spChg chg="mod ord">
-          <ac:chgData name="Vissapragada,Sai Tejaswee" userId="S::s545438@nwmissouri.edu::ac5152bd-e08b-42ef-87f5-6857be20e85f" providerId="AD" clId="Web-{A8C22E62-5AA5-483F-A10E-5EB0B6850044}" dt="2022-10-14T14:54:02.291" v="189"/>
-          <ac:spMkLst>
-            <pc:docMk/>
-            <pc:sldMk cId="2615451039" sldId="359"/>
-            <ac:spMk id="2" creationId="{5D613BA6-E68F-21F9-0C54-720CE635B62B}"/>
-          </ac:spMkLst>
-        </pc:spChg>
-        <pc:spChg chg="mod ord">
-          <ac:chgData name="Vissapragada,Sai Tejaswee" userId="S::s545438@nwmissouri.edu::ac5152bd-e08b-42ef-87f5-6857be20e85f" providerId="AD" clId="Web-{A8C22E62-5AA5-483F-A10E-5EB0B6850044}" dt="2022-10-14T14:54:02.291" v="189"/>
-          <ac:spMkLst>
-            <pc:docMk/>
-            <pc:sldMk cId="2615451039" sldId="359"/>
-            <ac:spMk id="3" creationId="{53F44DDF-3ED2-A853-9443-CA9C52F9790C}"/>
-          </ac:spMkLst>
-        </pc:spChg>
-        <pc:spChg chg="del mod ord">
-          <ac:chgData name="Vissapragada,Sai Tejaswee" userId="S::s545438@nwmissouri.edu::ac5152bd-e08b-42ef-87f5-6857be20e85f" providerId="AD" clId="Web-{A8C22E62-5AA5-483F-A10E-5EB0B6850044}" dt="2022-10-14T15:08:29.185" v="282"/>
-          <ac:spMkLst>
-            <pc:docMk/>
-            <pc:sldMk cId="2615451039" sldId="359"/>
-            <ac:spMk id="4" creationId="{1AE0D728-6607-F08C-7642-439B4B69E578}"/>
-          </ac:spMkLst>
-        </pc:spChg>
-      </pc:sldChg>
-      <pc:sldChg chg="delSp modSp del mod modClrScheme chgLayout">
-        <pc:chgData name="Vissapragada,Sai Tejaswee" userId="S::s545438@nwmissouri.edu::ac5152bd-e08b-42ef-87f5-6857be20e85f" providerId="AD" clId="Web-{A8C22E62-5AA5-483F-A10E-5EB0B6850044}" dt="2022-10-14T15:15:12.756" v="311"/>
-        <pc:sldMkLst>
-          <pc:docMk/>
-          <pc:sldMk cId="3128748201" sldId="362"/>
-        </pc:sldMkLst>
-        <pc:spChg chg="mod ord">
-          <ac:chgData name="Vissapragada,Sai Tejaswee" userId="S::s545438@nwmissouri.edu::ac5152bd-e08b-42ef-87f5-6857be20e85f" providerId="AD" clId="Web-{A8C22E62-5AA5-483F-A10E-5EB0B6850044}" dt="2022-10-14T14:54:02.291" v="189"/>
-          <ac:spMkLst>
-            <pc:docMk/>
-            <pc:sldMk cId="3128748201" sldId="362"/>
-            <ac:spMk id="2" creationId="{6F6EC735-A4DA-28E0-5532-FBE50F8A1D8A}"/>
-          </ac:spMkLst>
-        </pc:spChg>
-        <pc:spChg chg="mod ord">
-          <ac:chgData name="Vissapragada,Sai Tejaswee" userId="S::s545438@nwmissouri.edu::ac5152bd-e08b-42ef-87f5-6857be20e85f" providerId="AD" clId="Web-{A8C22E62-5AA5-483F-A10E-5EB0B6850044}" dt="2022-10-14T14:54:02.291" v="189"/>
-          <ac:spMkLst>
-            <pc:docMk/>
-            <pc:sldMk cId="3128748201" sldId="362"/>
-            <ac:spMk id="3" creationId="{EBA700B0-EE6F-549E-CF17-345BC994A623}"/>
-          </ac:spMkLst>
-        </pc:spChg>
-        <pc:spChg chg="del mod ord">
-          <ac:chgData name="Vissapragada,Sai Tejaswee" userId="S::s545438@nwmissouri.edu::ac5152bd-e08b-42ef-87f5-6857be20e85f" providerId="AD" clId="Web-{A8C22E62-5AA5-483F-A10E-5EB0B6850044}" dt="2022-10-14T15:09:20.420" v="289"/>
-          <ac:spMkLst>
-            <pc:docMk/>
-            <pc:sldMk cId="3128748201" sldId="362"/>
-            <ac:spMk id="4" creationId="{F09C8ABB-92DC-7D4D-703A-6645A2A6F037}"/>
-          </ac:spMkLst>
-        </pc:spChg>
-      </pc:sldChg>
-      <pc:sldChg chg="delSp modSp mod modClrScheme chgLayout">
-        <pc:chgData name="Vissapragada,Sai Tejaswee" userId="S::s545438@nwmissouri.edu::ac5152bd-e08b-42ef-87f5-6857be20e85f" providerId="AD" clId="Web-{A8C22E62-5AA5-483F-A10E-5EB0B6850044}" dt="2022-10-14T15:59:36.890" v="467" actId="20577"/>
-        <pc:sldMkLst>
-          <pc:docMk/>
-          <pc:sldMk cId="2423198090" sldId="363"/>
-        </pc:sldMkLst>
-        <pc:spChg chg="mod ord">
-          <ac:chgData name="Vissapragada,Sai Tejaswee" userId="S::s545438@nwmissouri.edu::ac5152bd-e08b-42ef-87f5-6857be20e85f" providerId="AD" clId="Web-{A8C22E62-5AA5-483F-A10E-5EB0B6850044}" dt="2022-10-14T14:54:02.291" v="189"/>
-          <ac:spMkLst>
-            <pc:docMk/>
-            <pc:sldMk cId="2423198090" sldId="363"/>
-            <ac:spMk id="2" creationId="{D410B586-2A06-5C9A-314A-C3DDBE0097DE}"/>
-          </ac:spMkLst>
-        </pc:spChg>
-        <pc:spChg chg="mod ord">
-          <ac:chgData name="Vissapragada,Sai Tejaswee" userId="S::s545438@nwmissouri.edu::ac5152bd-e08b-42ef-87f5-6857be20e85f" providerId="AD" clId="Web-{A8C22E62-5AA5-483F-A10E-5EB0B6850044}" dt="2022-10-14T15:59:36.890" v="467" actId="20577"/>
-          <ac:spMkLst>
-            <pc:docMk/>
-            <pc:sldMk cId="2423198090" sldId="363"/>
-            <ac:spMk id="3" creationId="{3C27D1C7-E779-949F-4B8F-5A301D08E902}"/>
-          </ac:spMkLst>
-        </pc:spChg>
-        <pc:spChg chg="del mod ord">
-          <ac:chgData name="Vissapragada,Sai Tejaswee" userId="S::s545438@nwmissouri.edu::ac5152bd-e08b-42ef-87f5-6857be20e85f" providerId="AD" clId="Web-{A8C22E62-5AA5-483F-A10E-5EB0B6850044}" dt="2022-10-14T15:09:12.607" v="288"/>
-          <ac:spMkLst>
-            <pc:docMk/>
-            <pc:sldMk cId="2423198090" sldId="363"/>
-            <ac:spMk id="4" creationId="{6C4ABEAF-5E95-D7AB-7B2F-F5AD8C35B370}"/>
-          </ac:spMkLst>
-        </pc:spChg>
-      </pc:sldChg>
-      <pc:sldChg chg="delSp modSp mod modClrScheme chgLayout">
-        <pc:chgData name="Vissapragada,Sai Tejaswee" userId="S::s545438@nwmissouri.edu::ac5152bd-e08b-42ef-87f5-6857be20e85f" providerId="AD" clId="Web-{A8C22E62-5AA5-483F-A10E-5EB0B6850044}" dt="2022-10-14T15:09:51.171" v="298" actId="20577"/>
-        <pc:sldMkLst>
-          <pc:docMk/>
-          <pc:sldMk cId="2459341095" sldId="364"/>
-        </pc:sldMkLst>
-        <pc:spChg chg="mod ord">
-          <ac:chgData name="Vissapragada,Sai Tejaswee" userId="S::s545438@nwmissouri.edu::ac5152bd-e08b-42ef-87f5-6857be20e85f" providerId="AD" clId="Web-{A8C22E62-5AA5-483F-A10E-5EB0B6850044}" dt="2022-10-14T14:54:02.291" v="189"/>
-          <ac:spMkLst>
-            <pc:docMk/>
-            <pc:sldMk cId="2459341095" sldId="364"/>
-            <ac:spMk id="2" creationId="{DC980566-5AA5-75AE-3878-F3B8B65B360F}"/>
-          </ac:spMkLst>
-        </pc:spChg>
-        <pc:spChg chg="mod ord">
-          <ac:chgData name="Vissapragada,Sai Tejaswee" userId="S::s545438@nwmissouri.edu::ac5152bd-e08b-42ef-87f5-6857be20e85f" providerId="AD" clId="Web-{A8C22E62-5AA5-483F-A10E-5EB0B6850044}" dt="2022-10-14T15:09:51.171" v="298" actId="20577"/>
-          <ac:spMkLst>
-            <pc:docMk/>
-            <pc:sldMk cId="2459341095" sldId="364"/>
-            <ac:spMk id="3" creationId="{386E58DB-AF1A-2DF3-7CF6-71CAE99743B8}"/>
-          </ac:spMkLst>
-        </pc:spChg>
-        <pc:spChg chg="del mod ord">
-          <ac:chgData name="Vissapragada,Sai Tejaswee" userId="S::s545438@nwmissouri.edu::ac5152bd-e08b-42ef-87f5-6857be20e85f" providerId="AD" clId="Web-{A8C22E62-5AA5-483F-A10E-5EB0B6850044}" dt="2022-10-14T15:09:27.764" v="290"/>
-          <ac:spMkLst>
-            <pc:docMk/>
-            <pc:sldMk cId="2459341095" sldId="364"/>
-            <ac:spMk id="4" creationId="{07793932-1B44-9BA4-21C6-7C6863E8F3FF}"/>
-          </ac:spMkLst>
-        </pc:spChg>
-      </pc:sldChg>
-      <pc:sldChg chg="delSp modSp mod modClrScheme chgLayout">
-        <pc:chgData name="Vissapragada,Sai Tejaswee" userId="S::s545438@nwmissouri.edu::ac5152bd-e08b-42ef-87f5-6857be20e85f" providerId="AD" clId="Web-{A8C22E62-5AA5-483F-A10E-5EB0B6850044}" dt="2022-10-14T15:32:30.043" v="348" actId="20577"/>
-        <pc:sldMkLst>
-          <pc:docMk/>
-          <pc:sldMk cId="1168084508" sldId="365"/>
-        </pc:sldMkLst>
-        <pc:spChg chg="mod ord">
-          <ac:chgData name="Vissapragada,Sai Tejaswee" userId="S::s545438@nwmissouri.edu::ac5152bd-e08b-42ef-87f5-6857be20e85f" providerId="AD" clId="Web-{A8C22E62-5AA5-483F-A10E-5EB0B6850044}" dt="2022-10-14T15:01:41.301" v="254" actId="20577"/>
-          <ac:spMkLst>
-            <pc:docMk/>
-            <pc:sldMk cId="1168084508" sldId="365"/>
-            <ac:spMk id="2" creationId="{0A99E831-0FE4-BBC0-F1D0-9F150956F9CB}"/>
-          </ac:spMkLst>
-        </pc:spChg>
-        <pc:spChg chg="mod ord">
-          <ac:chgData name="Vissapragada,Sai Tejaswee" userId="S::s545438@nwmissouri.edu::ac5152bd-e08b-42ef-87f5-6857be20e85f" providerId="AD" clId="Web-{A8C22E62-5AA5-483F-A10E-5EB0B6850044}" dt="2022-10-14T15:32:30.043" v="348" actId="20577"/>
-          <ac:spMkLst>
-            <pc:docMk/>
-            <pc:sldMk cId="1168084508" sldId="365"/>
-            <ac:spMk id="3" creationId="{3CC905E3-3707-BA22-DDB9-9FF9CDFDF532}"/>
-          </ac:spMkLst>
-        </pc:spChg>
-        <pc:spChg chg="del mod ord">
-          <ac:chgData name="Vissapragada,Sai Tejaswee" userId="S::s545438@nwmissouri.edu::ac5152bd-e08b-42ef-87f5-6857be20e85f" providerId="AD" clId="Web-{A8C22E62-5AA5-483F-A10E-5EB0B6850044}" dt="2022-10-14T15:10:21.124" v="301"/>
-          <ac:spMkLst>
-            <pc:docMk/>
-            <pc:sldMk cId="1168084508" sldId="365"/>
-            <ac:spMk id="4" creationId="{9325BA59-088F-F932-168B-94207CA13343}"/>
-          </ac:spMkLst>
-        </pc:spChg>
-      </pc:sldChg>
-      <pc:sldChg chg="delSp modSp mod modClrScheme delDesignElem chgLayout">
-        <pc:chgData name="Vissapragada,Sai Tejaswee" userId="S::s545438@nwmissouri.edu::ac5152bd-e08b-42ef-87f5-6857be20e85f" providerId="AD" clId="Web-{A8C22E62-5AA5-483F-A10E-5EB0B6850044}" dt="2022-10-14T15:32:20.012" v="346" actId="20577"/>
-        <pc:sldMkLst>
-          <pc:docMk/>
-          <pc:sldMk cId="1837471576" sldId="366"/>
-        </pc:sldMkLst>
-        <pc:spChg chg="mod ord">
-          <ac:chgData name="Vissapragada,Sai Tejaswee" userId="S::s545438@nwmissouri.edu::ac5152bd-e08b-42ef-87f5-6857be20e85f" providerId="AD" clId="Web-{A8C22E62-5AA5-483F-A10E-5EB0B6850044}" dt="2022-10-14T14:54:02.291" v="189"/>
-          <ac:spMkLst>
-            <pc:docMk/>
-            <pc:sldMk cId="1837471576" sldId="366"/>
-            <ac:spMk id="2" creationId="{699FDC42-B1C1-8EF3-24EB-74E32AB17A6B}"/>
-          </ac:spMkLst>
-        </pc:spChg>
-        <pc:spChg chg="mod ord">
-          <ac:chgData name="Vissapragada,Sai Tejaswee" userId="S::s545438@nwmissouri.edu::ac5152bd-e08b-42ef-87f5-6857be20e85f" providerId="AD" clId="Web-{A8C22E62-5AA5-483F-A10E-5EB0B6850044}" dt="2022-10-14T15:32:20.012" v="346" actId="20577"/>
-          <ac:spMkLst>
-            <pc:docMk/>
-            <pc:sldMk cId="1837471576" sldId="366"/>
-            <ac:spMk id="3" creationId="{A8E34014-DCF4-FA40-FD67-BBA08040D734}"/>
-          </ac:spMkLst>
-        </pc:spChg>
-        <pc:spChg chg="del mod ord">
-          <ac:chgData name="Vissapragada,Sai Tejaswee" userId="S::s545438@nwmissouri.edu::ac5152bd-e08b-42ef-87f5-6857be20e85f" providerId="AD" clId="Web-{A8C22E62-5AA5-483F-A10E-5EB0B6850044}" dt="2022-10-14T15:10:14.749" v="300"/>
-          <ac:spMkLst>
-            <pc:docMk/>
-            <pc:sldMk cId="1837471576" sldId="366"/>
-            <ac:spMk id="4" creationId="{1D8F33DF-6D51-678F-B93A-CFECC5B6B34B}"/>
-          </ac:spMkLst>
-        </pc:spChg>
-        <pc:spChg chg="del">
-          <ac:chgData name="Vissapragada,Sai Tejaswee" userId="S::s545438@nwmissouri.edu::ac5152bd-e08b-42ef-87f5-6857be20e85f" providerId="AD" clId="Web-{A8C22E62-5AA5-483F-A10E-5EB0B6850044}" dt="2022-10-14T14:54:02.291" v="189"/>
-          <ac:spMkLst>
-            <pc:docMk/>
-            <pc:sldMk cId="1837471576" sldId="366"/>
-            <ac:spMk id="37" creationId="{5E39A796-BE83-48B1-B33F-35C4A32AAB57}"/>
-          </ac:spMkLst>
-        </pc:spChg>
-        <pc:spChg chg="del">
-          <ac:chgData name="Vissapragada,Sai Tejaswee" userId="S::s545438@nwmissouri.edu::ac5152bd-e08b-42ef-87f5-6857be20e85f" providerId="AD" clId="Web-{A8C22E62-5AA5-483F-A10E-5EB0B6850044}" dt="2022-10-14T14:54:02.291" v="189"/>
-          <ac:spMkLst>
-            <pc:docMk/>
-            <pc:sldMk cId="1837471576" sldId="366"/>
-            <ac:spMk id="38" creationId="{72F84B47-E267-4194-8194-831DB7B5547F}"/>
-          </ac:spMkLst>
-        </pc:spChg>
-      </pc:sldChg>
-      <pc:sldChg chg="delSp modSp mod modClrScheme chgLayout">
-        <pc:chgData name="Vissapragada,Sai Tejaswee" userId="S::s545438@nwmissouri.edu::ac5152bd-e08b-42ef-87f5-6857be20e85f" providerId="AD" clId="Web-{A8C22E62-5AA5-483F-A10E-5EB0B6850044}" dt="2022-10-14T15:28:27.225" v="330" actId="20577"/>
-        <pc:sldMkLst>
-          <pc:docMk/>
-          <pc:sldMk cId="2698460313" sldId="368"/>
-        </pc:sldMkLst>
-        <pc:spChg chg="mod ord">
-          <ac:chgData name="Vissapragada,Sai Tejaswee" userId="S::s545438@nwmissouri.edu::ac5152bd-e08b-42ef-87f5-6857be20e85f" providerId="AD" clId="Web-{A8C22E62-5AA5-483F-A10E-5EB0B6850044}" dt="2022-10-14T15:02:58.271" v="256" actId="20577"/>
-          <ac:spMkLst>
-            <pc:docMk/>
-            <pc:sldMk cId="2698460313" sldId="368"/>
-            <ac:spMk id="2" creationId="{57E92D1A-143E-A8D1-5650-23C53F336A3A}"/>
-          </ac:spMkLst>
-        </pc:spChg>
-        <pc:spChg chg="mod ord">
-          <ac:chgData name="Vissapragada,Sai Tejaswee" userId="S::s545438@nwmissouri.edu::ac5152bd-e08b-42ef-87f5-6857be20e85f" providerId="AD" clId="Web-{A8C22E62-5AA5-483F-A10E-5EB0B6850044}" dt="2022-10-14T15:28:27.225" v="330" actId="20577"/>
-          <ac:spMkLst>
-            <pc:docMk/>
-            <pc:sldMk cId="2698460313" sldId="368"/>
-            <ac:spMk id="3" creationId="{0485A877-B7E7-764E-DB9E-520F12AC7E8A}"/>
-          </ac:spMkLst>
-        </pc:spChg>
-        <pc:spChg chg="del mod ord">
-          <ac:chgData name="Vissapragada,Sai Tejaswee" userId="S::s545438@nwmissouri.edu::ac5152bd-e08b-42ef-87f5-6857be20e85f" providerId="AD" clId="Web-{A8C22E62-5AA5-483F-A10E-5EB0B6850044}" dt="2022-10-14T15:09:06.748" v="287"/>
-          <ac:spMkLst>
-            <pc:docMk/>
-            <pc:sldMk cId="2698460313" sldId="368"/>
-            <ac:spMk id="4" creationId="{E21CBC94-1453-F549-F5A2-F9CA55491551}"/>
-          </ac:spMkLst>
-        </pc:spChg>
-      </pc:sldChg>
-      <pc:sldChg chg="delSp modSp mod modClrScheme chgLayout">
-        <pc:chgData name="Vissapragada,Sai Tejaswee" userId="S::s545438@nwmissouri.edu::ac5152bd-e08b-42ef-87f5-6857be20e85f" providerId="AD" clId="Web-{A8C22E62-5AA5-483F-A10E-5EB0B6850044}" dt="2022-10-14T15:32:09.464" v="345" actId="20577"/>
-        <pc:sldMkLst>
-          <pc:docMk/>
-          <pc:sldMk cId="3832482965" sldId="369"/>
-        </pc:sldMkLst>
-        <pc:spChg chg="mod ord">
-          <ac:chgData name="Vissapragada,Sai Tejaswee" userId="S::s545438@nwmissouri.edu::ac5152bd-e08b-42ef-87f5-6857be20e85f" providerId="AD" clId="Web-{A8C22E62-5AA5-483F-A10E-5EB0B6850044}" dt="2022-10-14T15:32:09.464" v="345" actId="20577"/>
-          <ac:spMkLst>
-            <pc:docMk/>
-            <pc:sldMk cId="3832482965" sldId="369"/>
-            <ac:spMk id="3" creationId="{ABC53B28-A702-CB39-14D5-C5D93E4EE12D}"/>
-          </ac:spMkLst>
-        </pc:spChg>
-        <pc:spChg chg="del mod ord">
-          <ac:chgData name="Vissapragada,Sai Tejaswee" userId="S::s545438@nwmissouri.edu::ac5152bd-e08b-42ef-87f5-6857be20e85f" providerId="AD" clId="Web-{A8C22E62-5AA5-483F-A10E-5EB0B6850044}" dt="2022-10-14T15:10:08.093" v="299"/>
-          <ac:spMkLst>
-            <pc:docMk/>
-            <pc:sldMk cId="3832482965" sldId="369"/>
-            <ac:spMk id="4" creationId="{2FE6C971-314E-93BC-7657-03293E5B84A6}"/>
-          </ac:spMkLst>
-        </pc:spChg>
-      </pc:sldChg>
-      <pc:sldChg chg="delSp modSp mod modClrScheme delDesignElem chgLayout">
-        <pc:chgData name="Vissapragada,Sai Tejaswee" userId="S::s545438@nwmissouri.edu::ac5152bd-e08b-42ef-87f5-6857be20e85f" providerId="AD" clId="Web-{A8C22E62-5AA5-483F-A10E-5EB0B6850044}" dt="2022-10-14T14:54:33.308" v="194" actId="20577"/>
-        <pc:sldMkLst>
-          <pc:docMk/>
-          <pc:sldMk cId="437098969" sldId="370"/>
-        </pc:sldMkLst>
-        <pc:spChg chg="mod ord">
-          <ac:chgData name="Vissapragada,Sai Tejaswee" userId="S::s545438@nwmissouri.edu::ac5152bd-e08b-42ef-87f5-6857be20e85f" providerId="AD" clId="Web-{A8C22E62-5AA5-483F-A10E-5EB0B6850044}" dt="2022-10-14T14:54:33.308" v="194" actId="20577"/>
-          <ac:spMkLst>
-            <pc:docMk/>
-            <pc:sldMk cId="437098969" sldId="370"/>
-            <ac:spMk id="2" creationId="{A8723335-4D01-C533-AC17-BB39BC5E4AB8}"/>
-          </ac:spMkLst>
-        </pc:spChg>
-        <pc:spChg chg="mod ord">
-          <ac:chgData name="Vissapragada,Sai Tejaswee" userId="S::s545438@nwmissouri.edu::ac5152bd-e08b-42ef-87f5-6857be20e85f" providerId="AD" clId="Web-{A8C22E62-5AA5-483F-A10E-5EB0B6850044}" dt="2022-10-14T14:54:02.291" v="189"/>
-          <ac:spMkLst>
-            <pc:docMk/>
-            <pc:sldMk cId="437098969" sldId="370"/>
-            <ac:spMk id="3" creationId="{2717A627-2709-3E6E-A10A-905A446CF39D}"/>
-          </ac:spMkLst>
-        </pc:spChg>
-        <pc:spChg chg="mod ord">
-          <ac:chgData name="Vissapragada,Sai Tejaswee" userId="S::s545438@nwmissouri.edu::ac5152bd-e08b-42ef-87f5-6857be20e85f" providerId="AD" clId="Web-{A8C22E62-5AA5-483F-A10E-5EB0B6850044}" dt="2022-10-14T14:54:02.291" v="189"/>
-          <ac:spMkLst>
-            <pc:docMk/>
-            <pc:sldMk cId="437098969" sldId="370"/>
-            <ac:spMk id="4" creationId="{5A0C8046-7569-8FB5-356C-E4DB27FB3CE6}"/>
-          </ac:spMkLst>
-        </pc:spChg>
-        <pc:spChg chg="del">
-          <ac:chgData name="Vissapragada,Sai Tejaswee" userId="S::s545438@nwmissouri.edu::ac5152bd-e08b-42ef-87f5-6857be20e85f" providerId="AD" clId="Web-{A8C22E62-5AA5-483F-A10E-5EB0B6850044}" dt="2022-10-14T14:54:02.291" v="189"/>
-          <ac:spMkLst>
-            <pc:docMk/>
-            <pc:sldMk cId="437098969" sldId="370"/>
-            <ac:spMk id="17" creationId="{3346177D-ADC4-4968-B747-5CFCD390B5B9}"/>
-          </ac:spMkLst>
-        </pc:spChg>
-        <pc:spChg chg="del">
-          <ac:chgData name="Vissapragada,Sai Tejaswee" userId="S::s545438@nwmissouri.edu::ac5152bd-e08b-42ef-87f5-6857be20e85f" providerId="AD" clId="Web-{A8C22E62-5AA5-483F-A10E-5EB0B6850044}" dt="2022-10-14T14:54:02.291" v="189"/>
-          <ac:spMkLst>
-            <pc:docMk/>
-            <pc:sldMk cId="437098969" sldId="370"/>
-            <ac:spMk id="19" creationId="{0844A943-BF79-4FEA-ABB1-3BD54D236606}"/>
-          </ac:spMkLst>
-        </pc:spChg>
-        <pc:spChg chg="del">
-          <ac:chgData name="Vissapragada,Sai Tejaswee" userId="S::s545438@nwmissouri.edu::ac5152bd-e08b-42ef-87f5-6857be20e85f" providerId="AD" clId="Web-{A8C22E62-5AA5-483F-A10E-5EB0B6850044}" dt="2022-10-14T14:54:02.291" v="189"/>
-          <ac:spMkLst>
-            <pc:docMk/>
-            <pc:sldMk cId="437098969" sldId="370"/>
-            <ac:spMk id="21" creationId="{6437CC72-F4A8-4DC3-AFAB-D22C482C8100}"/>
-          </ac:spMkLst>
-        </pc:spChg>
-        <pc:picChg chg="mod">
-          <ac:chgData name="Vissapragada,Sai Tejaswee" userId="S::s545438@nwmissouri.edu::ac5152bd-e08b-42ef-87f5-6857be20e85f" providerId="AD" clId="Web-{A8C22E62-5AA5-483F-A10E-5EB0B6850044}" dt="2022-10-14T14:54:15.635" v="190" actId="1076"/>
-          <ac:picMkLst>
-            <pc:docMk/>
-            <pc:sldMk cId="437098969" sldId="370"/>
-            <ac:picMk id="5" creationId="{8BC2E01F-BB52-CA40-F63F-63DFB1D2B6F5}"/>
-          </ac:picMkLst>
-        </pc:picChg>
-      </pc:sldChg>
-      <pc:sldChg chg="delSp modSp mod modClrScheme chgLayout">
-        <pc:chgData name="Vissapragada,Sai Tejaswee" userId="S::s545438@nwmissouri.edu::ac5152bd-e08b-42ef-87f5-6857be20e85f" providerId="AD" clId="Web-{A8C22E62-5AA5-483F-A10E-5EB0B6850044}" dt="2022-10-14T15:46:32.264" v="463" actId="20577"/>
-        <pc:sldMkLst>
-          <pc:docMk/>
-          <pc:sldMk cId="884823026" sldId="371"/>
-        </pc:sldMkLst>
-        <pc:spChg chg="mod ord">
-          <ac:chgData name="Vissapragada,Sai Tejaswee" userId="S::s545438@nwmissouri.edu::ac5152bd-e08b-42ef-87f5-6857be20e85f" providerId="AD" clId="Web-{A8C22E62-5AA5-483F-A10E-5EB0B6850044}" dt="2022-10-14T15:46:32.264" v="463" actId="20577"/>
-          <ac:spMkLst>
-            <pc:docMk/>
-            <pc:sldMk cId="884823026" sldId="371"/>
-            <ac:spMk id="3" creationId="{1CE5B5B3-F968-7176-817F-D2DECAB3BFC0}"/>
-          </ac:spMkLst>
-        </pc:spChg>
-        <pc:spChg chg="del mod ord">
-          <ac:chgData name="Vissapragada,Sai Tejaswee" userId="S::s545438@nwmissouri.edu::ac5152bd-e08b-42ef-87f5-6857be20e85f" providerId="AD" clId="Web-{A8C22E62-5AA5-483F-A10E-5EB0B6850044}" dt="2022-10-14T15:08:06.668" v="280"/>
-          <ac:spMkLst>
-            <pc:docMk/>
-            <pc:sldMk cId="884823026" sldId="371"/>
-            <ac:spMk id="4" creationId="{E3A7E43B-9E7A-B4A6-17AC-16297ABC4F50}"/>
-          </ac:spMkLst>
-        </pc:spChg>
-      </pc:sldChg>
-      <pc:sldChg chg="modSp">
-        <pc:chgData name="Vissapragada,Sai Tejaswee" userId="S::s545438@nwmissouri.edu::ac5152bd-e08b-42ef-87f5-6857be20e85f" providerId="AD" clId="Web-{A8C22E62-5AA5-483F-A10E-5EB0B6850044}" dt="2022-10-14T15:59:45.390" v="468" actId="20577"/>
-        <pc:sldMkLst>
-          <pc:docMk/>
-          <pc:sldMk cId="3017103360" sldId="372"/>
-        </pc:sldMkLst>
-        <pc:spChg chg="mod">
-          <ac:chgData name="Vissapragada,Sai Tejaswee" userId="S::s545438@nwmissouri.edu::ac5152bd-e08b-42ef-87f5-6857be20e85f" providerId="AD" clId="Web-{A8C22E62-5AA5-483F-A10E-5EB0B6850044}" dt="2022-10-14T15:15:02.162" v="310" actId="20577"/>
-          <ac:spMkLst>
-            <pc:docMk/>
-            <pc:sldMk cId="3017103360" sldId="372"/>
-            <ac:spMk id="2" creationId="{9B203523-CF4E-5660-E239-E185D27F83C7}"/>
-          </ac:spMkLst>
-        </pc:spChg>
-        <pc:spChg chg="mod">
-          <ac:chgData name="Vissapragada,Sai Tejaswee" userId="S::s545438@nwmissouri.edu::ac5152bd-e08b-42ef-87f5-6857be20e85f" providerId="AD" clId="Web-{A8C22E62-5AA5-483F-A10E-5EB0B6850044}" dt="2022-10-14T15:59:45.390" v="468" actId="20577"/>
-          <ac:spMkLst>
-            <pc:docMk/>
-            <pc:sldMk cId="3017103360" sldId="372"/>
-            <ac:spMk id="3" creationId="{0E3D6556-A722-02BE-F336-6B448678512B}"/>
-          </ac:spMkLst>
-        </pc:spChg>
-      </pc:sldChg>
-      <pc:sldChg chg="modSp">
-        <pc:chgData name="Vissapragada,Sai Tejaswee" userId="S::s545438@nwmissouri.edu::ac5152bd-e08b-42ef-87f5-6857be20e85f" providerId="AD" clId="Web-{A8C22E62-5AA5-483F-A10E-5EB0B6850044}" dt="2022-10-14T15:30:19.165" v="336" actId="20577"/>
-        <pc:sldMkLst>
-          <pc:docMk/>
-          <pc:sldMk cId="3360226570" sldId="373"/>
-        </pc:sldMkLst>
-        <pc:spChg chg="mod">
-          <ac:chgData name="Vissapragada,Sai Tejaswee" userId="S::s545438@nwmissouri.edu::ac5152bd-e08b-42ef-87f5-6857be20e85f" providerId="AD" clId="Web-{A8C22E62-5AA5-483F-A10E-5EB0B6850044}" dt="2022-10-14T15:02:42.693" v="255" actId="20577"/>
-          <ac:spMkLst>
-            <pc:docMk/>
-            <pc:sldMk cId="3360226570" sldId="373"/>
-            <ac:spMk id="2" creationId="{C70D7201-9327-5D3D-7F01-45617E65561E}"/>
-          </ac:spMkLst>
-        </pc:spChg>
-        <pc:spChg chg="mod">
-          <ac:chgData name="Vissapragada,Sai Tejaswee" userId="S::s545438@nwmissouri.edu::ac5152bd-e08b-42ef-87f5-6857be20e85f" providerId="AD" clId="Web-{A8C22E62-5AA5-483F-A10E-5EB0B6850044}" dt="2022-10-14T15:30:19.165" v="336" actId="20577"/>
-          <ac:spMkLst>
-            <pc:docMk/>
-            <pc:sldMk cId="3360226570" sldId="373"/>
-            <ac:spMk id="3" creationId="{479AB6C6-DF7C-4F0A-419D-EED753033418}"/>
-          </ac:spMkLst>
-        </pc:spChg>
-      </pc:sldChg>
-      <pc:sldChg chg="modSp">
-        <pc:chgData name="Vissapragada,Sai Tejaswee" userId="S::s545438@nwmissouri.edu::ac5152bd-e08b-42ef-87f5-6857be20e85f" providerId="AD" clId="Web-{A8C22E62-5AA5-483F-A10E-5EB0B6850044}" dt="2022-10-14T15:04:19.429" v="278" actId="20577"/>
-        <pc:sldMkLst>
-          <pc:docMk/>
-          <pc:sldMk cId="1614585721" sldId="374"/>
-        </pc:sldMkLst>
-        <pc:spChg chg="mod">
-          <ac:chgData name="Vissapragada,Sai Tejaswee" userId="S::s545438@nwmissouri.edu::ac5152bd-e08b-42ef-87f5-6857be20e85f" providerId="AD" clId="Web-{A8C22E62-5AA5-483F-A10E-5EB0B6850044}" dt="2022-10-14T15:04:19.429" v="278" actId="20577"/>
-          <ac:spMkLst>
-            <pc:docMk/>
-            <pc:sldMk cId="1614585721" sldId="374"/>
-            <ac:spMk id="2" creationId="{0F872AB6-0F89-8C23-9855-C08AB0E40A22}"/>
-          </ac:spMkLst>
-        </pc:spChg>
-      </pc:sldChg>
-      <pc:sldChg chg="modSp">
-        <pc:chgData name="Vissapragada,Sai Tejaswee" userId="S::s545438@nwmissouri.edu::ac5152bd-e08b-42ef-87f5-6857be20e85f" providerId="AD" clId="Web-{A8C22E62-5AA5-483F-A10E-5EB0B6850044}" dt="2022-10-14T15:40:20.272" v="358" actId="20577"/>
-        <pc:sldMkLst>
-          <pc:docMk/>
-          <pc:sldMk cId="4113795527" sldId="375"/>
-        </pc:sldMkLst>
-        <pc:spChg chg="mod">
-          <ac:chgData name="Vissapragada,Sai Tejaswee" userId="S::s545438@nwmissouri.edu::ac5152bd-e08b-42ef-87f5-6857be20e85f" providerId="AD" clId="Web-{A8C22E62-5AA5-483F-A10E-5EB0B6850044}" dt="2022-10-14T15:40:20.272" v="358" actId="20577"/>
-          <ac:spMkLst>
-            <pc:docMk/>
-            <pc:sldMk cId="4113795527" sldId="375"/>
-            <ac:spMk id="2" creationId="{7AC27030-194D-1EF6-AC29-5F692AEB8181}"/>
-          </ac:spMkLst>
-        </pc:spChg>
-        <pc:spChg chg="mod">
-          <ac:chgData name="Vissapragada,Sai Tejaswee" userId="S::s545438@nwmissouri.edu::ac5152bd-e08b-42ef-87f5-6857be20e85f" providerId="AD" clId="Web-{A8C22E62-5AA5-483F-A10E-5EB0B6850044}" dt="2022-10-14T15:31:37.057" v="343" actId="20577"/>
-          <ac:spMkLst>
-            <pc:docMk/>
-            <pc:sldMk cId="4113795527" sldId="375"/>
-            <ac:spMk id="3" creationId="{7CAED4AF-0819-0D07-042B-3BC87CBC8010}"/>
-          </ac:spMkLst>
-        </pc:spChg>
-      </pc:sldChg>
-      <pc:sldChg chg="modSp add">
-        <pc:chgData name="Vissapragada,Sai Tejaswee" userId="S::s545438@nwmissouri.edu::ac5152bd-e08b-42ef-87f5-6857be20e85f" providerId="AD" clId="Web-{A8C22E62-5AA5-483F-A10E-5EB0B6850044}" dt="2022-10-14T16:07:04.181" v="472" actId="20577"/>
-        <pc:sldMkLst>
-          <pc:docMk/>
-          <pc:sldMk cId="659270591" sldId="376"/>
-        </pc:sldMkLst>
-        <pc:spChg chg="mod">
-          <ac:chgData name="Vissapragada,Sai Tejaswee" userId="S::s545438@nwmissouri.edu::ac5152bd-e08b-42ef-87f5-6857be20e85f" providerId="AD" clId="Web-{A8C22E62-5AA5-483F-A10E-5EB0B6850044}" dt="2022-10-14T16:07:04.181" v="472" actId="20577"/>
-          <ac:spMkLst>
-            <pc:docMk/>
-            <pc:sldMk cId="659270591" sldId="376"/>
-            <ac:spMk id="3" creationId="{00000000-0000-0000-0000-000000000000}"/>
-          </ac:spMkLst>
-        </pc:spChg>
-      </pc:sldChg>
-      <pc:sldChg chg="modSp add">
-        <pc:chgData name="Vissapragada,Sai Tejaswee" userId="S::s545438@nwmissouri.edu::ac5152bd-e08b-42ef-87f5-6857be20e85f" providerId="AD" clId="Web-{A8C22E62-5AA5-483F-A10E-5EB0B6850044}" dt="2022-10-14T16:08:27.245" v="491" actId="1076"/>
-        <pc:sldMkLst>
-          <pc:docMk/>
-          <pc:sldMk cId="824242017" sldId="377"/>
-        </pc:sldMkLst>
-        <pc:spChg chg="mod">
-          <ac:chgData name="Vissapragada,Sai Tejaswee" userId="S::s545438@nwmissouri.edu::ac5152bd-e08b-42ef-87f5-6857be20e85f" providerId="AD" clId="Web-{A8C22E62-5AA5-483F-A10E-5EB0B6850044}" dt="2022-10-14T16:08:27.245" v="491" actId="1076"/>
-          <ac:spMkLst>
-            <pc:docMk/>
-            <pc:sldMk cId="824242017" sldId="377"/>
-            <ac:spMk id="15" creationId="{F6ECBACC-0B57-3040-504E-48379878B34E}"/>
-          </ac:spMkLst>
-        </pc:spChg>
-        <pc:spChg chg="mod">
-          <ac:chgData name="Vissapragada,Sai Tejaswee" userId="S::s545438@nwmissouri.edu::ac5152bd-e08b-42ef-87f5-6857be20e85f" providerId="AD" clId="Web-{A8C22E62-5AA5-483F-A10E-5EB0B6850044}" dt="2022-10-14T15:29:55.883" v="334" actId="20577"/>
-          <ac:spMkLst>
-            <pc:docMk/>
-            <pc:sldMk cId="824242017" sldId="377"/>
-            <ac:spMk id="18" creationId="{0D575FF4-A0A5-5D5F-E422-A3C3DF894EF5}"/>
-          </ac:spMkLst>
-        </pc:spChg>
-      </pc:sldChg>
-      <pc:sldChg chg="addSp delSp modSp add">
-        <pc:chgData name="Vissapragada,Sai Tejaswee" userId="S::s545438@nwmissouri.edu::ac5152bd-e08b-42ef-87f5-6857be20e85f" providerId="AD" clId="Web-{A8C22E62-5AA5-483F-A10E-5EB0B6850044}" dt="2022-10-14T15:24:37.267" v="328" actId="20577"/>
-        <pc:sldMkLst>
-          <pc:docMk/>
-          <pc:sldMk cId="3225898199" sldId="378"/>
-        </pc:sldMkLst>
-        <pc:spChg chg="del">
-          <ac:chgData name="Vissapragada,Sai Tejaswee" userId="S::s545438@nwmissouri.edu::ac5152bd-e08b-42ef-87f5-6857be20e85f" providerId="AD" clId="Web-{A8C22E62-5AA5-483F-A10E-5EB0B6850044}" dt="2022-10-14T15:23:36.782" v="321"/>
-          <ac:spMkLst>
-            <pc:docMk/>
-            <pc:sldMk cId="3225898199" sldId="378"/>
-            <ac:spMk id="2" creationId="{C841DDDB-09FE-0770-F467-1A6644329CFC}"/>
-          </ac:spMkLst>
-        </pc:spChg>
-        <pc:spChg chg="mod">
-          <ac:chgData name="Vissapragada,Sai Tejaswee" userId="S::s545438@nwmissouri.edu::ac5152bd-e08b-42ef-87f5-6857be20e85f" providerId="AD" clId="Web-{A8C22E62-5AA5-483F-A10E-5EB0B6850044}" dt="2022-10-14T15:24:37.267" v="328" actId="20577"/>
-          <ac:spMkLst>
-            <pc:docMk/>
-            <pc:sldMk cId="3225898199" sldId="378"/>
-            <ac:spMk id="3" creationId="{627AC61C-9393-097F-8278-A135703BB589}"/>
-          </ac:spMkLst>
-        </pc:spChg>
-        <pc:spChg chg="add del mod">
-          <ac:chgData name="Vissapragada,Sai Tejaswee" userId="S::s545438@nwmissouri.edu::ac5152bd-e08b-42ef-87f5-6857be20e85f" providerId="AD" clId="Web-{A8C22E62-5AA5-483F-A10E-5EB0B6850044}" dt="2022-10-14T15:23:40.344" v="322"/>
-          <ac:spMkLst>
-            <pc:docMk/>
-            <pc:sldMk cId="3225898199" sldId="378"/>
-            <ac:spMk id="5" creationId="{0CC146A7-8589-151D-467A-2DFFFD93A847}"/>
-          </ac:spMkLst>
-        </pc:spChg>
-        <pc:spChg chg="add mod">
-          <ac:chgData name="Vissapragada,Sai Tejaswee" userId="S::s545438@nwmissouri.edu::ac5152bd-e08b-42ef-87f5-6857be20e85f" providerId="AD" clId="Web-{A8C22E62-5AA5-483F-A10E-5EB0B6850044}" dt="2022-10-14T15:24:10.829" v="325" actId="20577"/>
-          <ac:spMkLst>
-            <pc:docMk/>
-            <pc:sldMk cId="3225898199" sldId="378"/>
-            <ac:spMk id="7" creationId="{D6B5D823-5C12-1AB8-3142-290071BA27E1}"/>
-          </ac:spMkLst>
-        </pc:spChg>
-      </pc:sldChg>
-      <pc:sldChg chg="modSp ord">
-        <pc:chgData name="Vissapragada,Sai Tejaswee" userId="S::s545438@nwmissouri.edu::ac5152bd-e08b-42ef-87f5-6857be20e85f" providerId="AD" clId="Web-{A8C22E62-5AA5-483F-A10E-5EB0B6850044}" dt="2022-10-14T15:42:03.477" v="397" actId="20577"/>
-        <pc:sldMkLst>
-          <pc:docMk/>
-          <pc:sldMk cId="836180278" sldId="379"/>
-        </pc:sldMkLst>
-        <pc:spChg chg="mod">
-          <ac:chgData name="Vissapragada,Sai Tejaswee" userId="S::s545438@nwmissouri.edu::ac5152bd-e08b-42ef-87f5-6857be20e85f" providerId="AD" clId="Web-{A8C22E62-5AA5-483F-A10E-5EB0B6850044}" dt="2022-10-14T15:42:03.477" v="397" actId="20577"/>
-          <ac:spMkLst>
-            <pc:docMk/>
-            <pc:sldMk cId="836180278" sldId="379"/>
-            <ac:spMk id="3" creationId="{6F325FD3-8624-CDB2-FF03-5B4140CC7C86}"/>
-          </ac:spMkLst>
-        </pc:spChg>
-      </pc:sldChg>
-      <pc:sldChg chg="modSp add">
-        <pc:chgData name="Vissapragada,Sai Tejaswee" userId="S::s545438@nwmissouri.edu::ac5152bd-e08b-42ef-87f5-6857be20e85f" providerId="AD" clId="Web-{A8C22E62-5AA5-483F-A10E-5EB0B6850044}" dt="2022-10-14T16:25:57.626" v="510" actId="20577"/>
-        <pc:sldMkLst>
-          <pc:docMk/>
-          <pc:sldMk cId="3033080522" sldId="380"/>
-        </pc:sldMkLst>
-        <pc:spChg chg="mod">
-          <ac:chgData name="Vissapragada,Sai Tejaswee" userId="S::s545438@nwmissouri.edu::ac5152bd-e08b-42ef-87f5-6857be20e85f" providerId="AD" clId="Web-{A8C22E62-5AA5-483F-A10E-5EB0B6850044}" dt="2022-10-14T16:11:23.139" v="493" actId="1076"/>
-          <ac:spMkLst>
-            <pc:docMk/>
-            <pc:sldMk cId="3033080522" sldId="380"/>
-            <ac:spMk id="2" creationId="{C841DDDB-09FE-0770-F467-1A6644329CFC}"/>
-          </ac:spMkLst>
-        </pc:spChg>
-        <pc:spChg chg="mod">
-          <ac:chgData name="Vissapragada,Sai Tejaswee" userId="S::s545438@nwmissouri.edu::ac5152bd-e08b-42ef-87f5-6857be20e85f" providerId="AD" clId="Web-{A8C22E62-5AA5-483F-A10E-5EB0B6850044}" dt="2022-10-14T16:25:57.626" v="510" actId="20577"/>
-          <ac:spMkLst>
-            <pc:docMk/>
-            <pc:sldMk cId="3033080522" sldId="380"/>
-            <ac:spMk id="3" creationId="{627AC61C-9393-097F-8278-A135703BB589}"/>
-          </ac:spMkLst>
-        </pc:spChg>
-      </pc:sldChg>
-      <pc:sldMasterChg chg="add addSldLayout">
-        <pc:chgData name="Vissapragada,Sai Tejaswee" userId="S::s545438@nwmissouri.edu::ac5152bd-e08b-42ef-87f5-6857be20e85f" providerId="AD" clId="Web-{A8C22E62-5AA5-483F-A10E-5EB0B6850044}" dt="2022-10-14T15:23:13.109" v="318"/>
-        <pc:sldMasterMkLst>
-          <pc:docMk/>
-          <pc:sldMasterMk cId="665472013" sldId="2147483648"/>
-        </pc:sldMasterMkLst>
-        <pc:sldLayoutChg chg="add">
-          <pc:chgData name="Vissapragada,Sai Tejaswee" userId="S::s545438@nwmissouri.edu::ac5152bd-e08b-42ef-87f5-6857be20e85f" providerId="AD" clId="Web-{A8C22E62-5AA5-483F-A10E-5EB0B6850044}" dt="2022-10-14T15:23:13.109" v="318"/>
-          <pc:sldLayoutMkLst>
-            <pc:docMk/>
-            <pc:sldMasterMk cId="665472013" sldId="2147483648"/>
-            <pc:sldLayoutMk cId="1458169407" sldId="2147483649"/>
-          </pc:sldLayoutMkLst>
-        </pc:sldLayoutChg>
-        <pc:sldLayoutChg chg="add">
-          <pc:chgData name="Vissapragada,Sai Tejaswee" userId="S::s545438@nwmissouri.edu::ac5152bd-e08b-42ef-87f5-6857be20e85f" providerId="AD" clId="Web-{A8C22E62-5AA5-483F-A10E-5EB0B6850044}" dt="2022-10-14T15:23:13.109" v="318"/>
-          <pc:sldLayoutMkLst>
-            <pc:docMk/>
-            <pc:sldMasterMk cId="665472013" sldId="2147483648"/>
-            <pc:sldLayoutMk cId="233810693" sldId="2147483650"/>
-          </pc:sldLayoutMkLst>
-        </pc:sldLayoutChg>
-        <pc:sldLayoutChg chg="add">
-          <pc:chgData name="Vissapragada,Sai Tejaswee" userId="S::s545438@nwmissouri.edu::ac5152bd-e08b-42ef-87f5-6857be20e85f" providerId="AD" clId="Web-{A8C22E62-5AA5-483F-A10E-5EB0B6850044}" dt="2022-10-14T15:23:13.109" v="318"/>
-          <pc:sldLayoutMkLst>
-            <pc:docMk/>
-            <pc:sldMasterMk cId="665472013" sldId="2147483648"/>
-            <pc:sldLayoutMk cId="3055460370" sldId="2147483651"/>
-          </pc:sldLayoutMkLst>
-        </pc:sldLayoutChg>
-        <pc:sldLayoutChg chg="add">
-          <pc:chgData name="Vissapragada,Sai Tejaswee" userId="S::s545438@nwmissouri.edu::ac5152bd-e08b-42ef-87f5-6857be20e85f" providerId="AD" clId="Web-{A8C22E62-5AA5-483F-A10E-5EB0B6850044}" dt="2022-10-14T15:23:13.109" v="318"/>
-          <pc:sldLayoutMkLst>
-            <pc:docMk/>
-            <pc:sldMasterMk cId="665472013" sldId="2147483648"/>
-            <pc:sldLayoutMk cId="3245278729" sldId="2147483652"/>
-          </pc:sldLayoutMkLst>
-        </pc:sldLayoutChg>
-        <pc:sldLayoutChg chg="add">
-          <pc:chgData name="Vissapragada,Sai Tejaswee" userId="S::s545438@nwmissouri.edu::ac5152bd-e08b-42ef-87f5-6857be20e85f" providerId="AD" clId="Web-{A8C22E62-5AA5-483F-A10E-5EB0B6850044}" dt="2022-10-14T15:23:13.109" v="318"/>
-          <pc:sldLayoutMkLst>
-            <pc:docMk/>
-            <pc:sldMasterMk cId="665472013" sldId="2147483648"/>
-            <pc:sldLayoutMk cId="2460712989" sldId="2147483653"/>
-          </pc:sldLayoutMkLst>
-        </pc:sldLayoutChg>
-        <pc:sldLayoutChg chg="add">
-          <pc:chgData name="Vissapragada,Sai Tejaswee" userId="S::s545438@nwmissouri.edu::ac5152bd-e08b-42ef-87f5-6857be20e85f" providerId="AD" clId="Web-{A8C22E62-5AA5-483F-A10E-5EB0B6850044}" dt="2022-10-14T15:23:13.109" v="318"/>
-          <pc:sldLayoutMkLst>
-            <pc:docMk/>
-            <pc:sldMasterMk cId="665472013" sldId="2147483648"/>
-            <pc:sldLayoutMk cId="420868276" sldId="2147483654"/>
-          </pc:sldLayoutMkLst>
-        </pc:sldLayoutChg>
-        <pc:sldLayoutChg chg="add">
-          <pc:chgData name="Vissapragada,Sai Tejaswee" userId="S::s545438@nwmissouri.edu::ac5152bd-e08b-42ef-87f5-6857be20e85f" providerId="AD" clId="Web-{A8C22E62-5AA5-483F-A10E-5EB0B6850044}" dt="2022-10-14T15:23:13.109" v="318"/>
-          <pc:sldLayoutMkLst>
-            <pc:docMk/>
-            <pc:sldMasterMk cId="665472013" sldId="2147483648"/>
-            <pc:sldLayoutMk cId="2188320448" sldId="2147483655"/>
-          </pc:sldLayoutMkLst>
-        </pc:sldLayoutChg>
-        <pc:sldLayoutChg chg="add">
-          <pc:chgData name="Vissapragada,Sai Tejaswee" userId="S::s545438@nwmissouri.edu::ac5152bd-e08b-42ef-87f5-6857be20e85f" providerId="AD" clId="Web-{A8C22E62-5AA5-483F-A10E-5EB0B6850044}" dt="2022-10-14T15:23:13.109" v="318"/>
-          <pc:sldLayoutMkLst>
-            <pc:docMk/>
-            <pc:sldMasterMk cId="665472013" sldId="2147483648"/>
-            <pc:sldLayoutMk cId="1478049854" sldId="2147483656"/>
-          </pc:sldLayoutMkLst>
-        </pc:sldLayoutChg>
-        <pc:sldLayoutChg chg="add">
-          <pc:chgData name="Vissapragada,Sai Tejaswee" userId="S::s545438@nwmissouri.edu::ac5152bd-e08b-42ef-87f5-6857be20e85f" providerId="AD" clId="Web-{A8C22E62-5AA5-483F-A10E-5EB0B6850044}" dt="2022-10-14T15:23:13.109" v="318"/>
-          <pc:sldLayoutMkLst>
-            <pc:docMk/>
-            <pc:sldMasterMk cId="665472013" sldId="2147483648"/>
-            <pc:sldLayoutMk cId="262202188" sldId="2147483657"/>
-          </pc:sldLayoutMkLst>
-        </pc:sldLayoutChg>
-        <pc:sldLayoutChg chg="add">
-          <pc:chgData name="Vissapragada,Sai Tejaswee" userId="S::s545438@nwmissouri.edu::ac5152bd-e08b-42ef-87f5-6857be20e85f" providerId="AD" clId="Web-{A8C22E62-5AA5-483F-A10E-5EB0B6850044}" dt="2022-10-14T15:23:13.109" v="318"/>
-          <pc:sldLayoutMkLst>
-            <pc:docMk/>
-            <pc:sldMasterMk cId="665472013" sldId="2147483648"/>
-            <pc:sldLayoutMk cId="2294843928" sldId="2147483658"/>
-          </pc:sldLayoutMkLst>
-        </pc:sldLayoutChg>
-        <pc:sldLayoutChg chg="add">
-          <pc:chgData name="Vissapragada,Sai Tejaswee" userId="S::s545438@nwmissouri.edu::ac5152bd-e08b-42ef-87f5-6857be20e85f" providerId="AD" clId="Web-{A8C22E62-5AA5-483F-A10E-5EB0B6850044}" dt="2022-10-14T15:23:13.109" v="318"/>
-          <pc:sldLayoutMkLst>
-            <pc:docMk/>
-            <pc:sldMasterMk cId="665472013" sldId="2147483648"/>
-            <pc:sldLayoutMk cId="3209405923" sldId="2147483659"/>
-          </pc:sldLayoutMkLst>
-        </pc:sldLayoutChg>
-      </pc:sldMasterChg>
-      <pc:sldMasterChg chg="del delSldLayout">
-        <pc:chgData name="Vissapragada,Sai Tejaswee" userId="S::s545438@nwmissouri.edu::ac5152bd-e08b-42ef-87f5-6857be20e85f" providerId="AD" clId="Web-{A8C22E62-5AA5-483F-A10E-5EB0B6850044}" dt="2022-10-14T14:54:02.291" v="189"/>
-        <pc:sldMasterMkLst>
-          <pc:docMk/>
-          <pc:sldMasterMk cId="3402309836" sldId="2147483712"/>
-        </pc:sldMasterMkLst>
-        <pc:sldLayoutChg chg="del">
-          <pc:chgData name="Vissapragada,Sai Tejaswee" userId="S::s545438@nwmissouri.edu::ac5152bd-e08b-42ef-87f5-6857be20e85f" providerId="AD" clId="Web-{A8C22E62-5AA5-483F-A10E-5EB0B6850044}" dt="2022-10-14T14:54:02.291" v="189"/>
-          <pc:sldLayoutMkLst>
-            <pc:docMk/>
-            <pc:sldMasterMk cId="3402309836" sldId="2147483712"/>
-            <pc:sldLayoutMk cId="155847499" sldId="2147483713"/>
-          </pc:sldLayoutMkLst>
-        </pc:sldLayoutChg>
-        <pc:sldLayoutChg chg="del">
-          <pc:chgData name="Vissapragada,Sai Tejaswee" userId="S::s545438@nwmissouri.edu::ac5152bd-e08b-42ef-87f5-6857be20e85f" providerId="AD" clId="Web-{A8C22E62-5AA5-483F-A10E-5EB0B6850044}" dt="2022-10-14T14:54:02.291" v="189"/>
-          <pc:sldLayoutMkLst>
-            <pc:docMk/>
-            <pc:sldMasterMk cId="3402309836" sldId="2147483712"/>
-            <pc:sldLayoutMk cId="1458528500" sldId="2147483714"/>
-          </pc:sldLayoutMkLst>
-        </pc:sldLayoutChg>
-        <pc:sldLayoutChg chg="del">
-          <pc:chgData name="Vissapragada,Sai Tejaswee" userId="S::s545438@nwmissouri.edu::ac5152bd-e08b-42ef-87f5-6857be20e85f" providerId="AD" clId="Web-{A8C22E62-5AA5-483F-A10E-5EB0B6850044}" dt="2022-10-14T14:54:02.291" v="189"/>
-          <pc:sldLayoutMkLst>
-            <pc:docMk/>
-            <pc:sldMasterMk cId="3402309836" sldId="2147483712"/>
-            <pc:sldLayoutMk cId="3981056472" sldId="2147483715"/>
-          </pc:sldLayoutMkLst>
-        </pc:sldLayoutChg>
-        <pc:sldLayoutChg chg="del">
-          <pc:chgData name="Vissapragada,Sai Tejaswee" userId="S::s545438@nwmissouri.edu::ac5152bd-e08b-42ef-87f5-6857be20e85f" providerId="AD" clId="Web-{A8C22E62-5AA5-483F-A10E-5EB0B6850044}" dt="2022-10-14T14:54:02.291" v="189"/>
-          <pc:sldLayoutMkLst>
-            <pc:docMk/>
-            <pc:sldMasterMk cId="3402309836" sldId="2147483712"/>
-            <pc:sldLayoutMk cId="2156215914" sldId="2147483716"/>
-          </pc:sldLayoutMkLst>
-        </pc:sldLayoutChg>
-        <pc:sldLayoutChg chg="del">
-          <pc:chgData name="Vissapragada,Sai Tejaswee" userId="S::s545438@nwmissouri.edu::ac5152bd-e08b-42ef-87f5-6857be20e85f" providerId="AD" clId="Web-{A8C22E62-5AA5-483F-A10E-5EB0B6850044}" dt="2022-10-14T14:54:02.291" v="189"/>
-          <pc:sldLayoutMkLst>
-            <pc:docMk/>
-            <pc:sldMasterMk cId="3402309836" sldId="2147483712"/>
-            <pc:sldLayoutMk cId="192506806" sldId="2147483717"/>
-          </pc:sldLayoutMkLst>
-        </pc:sldLayoutChg>
-        <pc:sldLayoutChg chg="del">
-          <pc:chgData name="Vissapragada,Sai Tejaswee" userId="S::s545438@nwmissouri.edu::ac5152bd-e08b-42ef-87f5-6857be20e85f" providerId="AD" clId="Web-{A8C22E62-5AA5-483F-A10E-5EB0B6850044}" dt="2022-10-14T14:54:02.291" v="189"/>
-          <pc:sldLayoutMkLst>
-            <pc:docMk/>
-            <pc:sldMasterMk cId="3402309836" sldId="2147483712"/>
-            <pc:sldLayoutMk cId="1320739255" sldId="2147483718"/>
-          </pc:sldLayoutMkLst>
-        </pc:sldLayoutChg>
-        <pc:sldLayoutChg chg="del">
-          <pc:chgData name="Vissapragada,Sai Tejaswee" userId="S::s545438@nwmissouri.edu::ac5152bd-e08b-42ef-87f5-6857be20e85f" providerId="AD" clId="Web-{A8C22E62-5AA5-483F-A10E-5EB0B6850044}" dt="2022-10-14T14:54:02.291" v="189"/>
-          <pc:sldLayoutMkLst>
-            <pc:docMk/>
-            <pc:sldMasterMk cId="3402309836" sldId="2147483712"/>
-            <pc:sldLayoutMk cId="1287267590" sldId="2147483719"/>
-          </pc:sldLayoutMkLst>
-        </pc:sldLayoutChg>
-        <pc:sldLayoutChg chg="del">
-          <pc:chgData name="Vissapragada,Sai Tejaswee" userId="S::s545438@nwmissouri.edu::ac5152bd-e08b-42ef-87f5-6857be20e85f" providerId="AD" clId="Web-{A8C22E62-5AA5-483F-A10E-5EB0B6850044}" dt="2022-10-14T14:54:02.291" v="189"/>
-          <pc:sldLayoutMkLst>
-            <pc:docMk/>
-            <pc:sldMasterMk cId="3402309836" sldId="2147483712"/>
-            <pc:sldLayoutMk cId="2468964331" sldId="2147483720"/>
-          </pc:sldLayoutMkLst>
-        </pc:sldLayoutChg>
-        <pc:sldLayoutChg chg="del">
-          <pc:chgData name="Vissapragada,Sai Tejaswee" userId="S::s545438@nwmissouri.edu::ac5152bd-e08b-42ef-87f5-6857be20e85f" providerId="AD" clId="Web-{A8C22E62-5AA5-483F-A10E-5EB0B6850044}" dt="2022-10-14T14:54:02.291" v="189"/>
-          <pc:sldLayoutMkLst>
-            <pc:docMk/>
-            <pc:sldMasterMk cId="3402309836" sldId="2147483712"/>
-            <pc:sldLayoutMk cId="84800665" sldId="2147483721"/>
-          </pc:sldLayoutMkLst>
-        </pc:sldLayoutChg>
-        <pc:sldLayoutChg chg="del">
-          <pc:chgData name="Vissapragada,Sai Tejaswee" userId="S::s545438@nwmissouri.edu::ac5152bd-e08b-42ef-87f5-6857be20e85f" providerId="AD" clId="Web-{A8C22E62-5AA5-483F-A10E-5EB0B6850044}" dt="2022-10-14T14:54:02.291" v="189"/>
-          <pc:sldLayoutMkLst>
-            <pc:docMk/>
-            <pc:sldMasterMk cId="3402309836" sldId="2147483712"/>
-            <pc:sldLayoutMk cId="1079905034" sldId="2147483722"/>
-          </pc:sldLayoutMkLst>
-        </pc:sldLayoutChg>
-        <pc:sldLayoutChg chg="del">
-          <pc:chgData name="Vissapragada,Sai Tejaswee" userId="S::s545438@nwmissouri.edu::ac5152bd-e08b-42ef-87f5-6857be20e85f" providerId="AD" clId="Web-{A8C22E62-5AA5-483F-A10E-5EB0B6850044}" dt="2022-10-14T14:54:02.291" v="189"/>
-          <pc:sldLayoutMkLst>
-            <pc:docMk/>
-            <pc:sldMasterMk cId="3402309836" sldId="2147483712"/>
-            <pc:sldLayoutMk cId="67894319" sldId="2147483723"/>
-          </pc:sldLayoutMkLst>
-        </pc:sldLayoutChg>
-      </pc:sldMasterChg>
-      <pc:sldMasterChg chg="add addSldLayout modSldLayout">
-        <pc:chgData name="Vissapragada,Sai Tejaswee" userId="S::s545438@nwmissouri.edu::ac5152bd-e08b-42ef-87f5-6857be20e85f" providerId="AD" clId="Web-{A8C22E62-5AA5-483F-A10E-5EB0B6850044}" dt="2022-10-14T14:54:02.291" v="189"/>
-        <pc:sldMasterMkLst>
-          <pc:docMk/>
-          <pc:sldMasterMk cId="811897821" sldId="2147483724"/>
-        </pc:sldMasterMkLst>
-        <pc:sldLayoutChg chg="add mod replId">
-          <pc:chgData name="Vissapragada,Sai Tejaswee" userId="S::s545438@nwmissouri.edu::ac5152bd-e08b-42ef-87f5-6857be20e85f" providerId="AD" clId="Web-{A8C22E62-5AA5-483F-A10E-5EB0B6850044}" dt="2022-10-14T14:54:02.291" v="189"/>
-          <pc:sldLayoutMkLst>
-            <pc:docMk/>
-            <pc:sldMasterMk cId="811897821" sldId="2147483724"/>
-            <pc:sldLayoutMk cId="3208152015" sldId="2147483725"/>
-          </pc:sldLayoutMkLst>
-        </pc:sldLayoutChg>
-        <pc:sldLayoutChg chg="add mod replId">
-          <pc:chgData name="Vissapragada,Sai Tejaswee" userId="S::s545438@nwmissouri.edu::ac5152bd-e08b-42ef-87f5-6857be20e85f" providerId="AD" clId="Web-{A8C22E62-5AA5-483F-A10E-5EB0B6850044}" dt="2022-10-14T14:54:02.291" v="189"/>
-          <pc:sldLayoutMkLst>
-            <pc:docMk/>
-            <pc:sldMasterMk cId="811897821" sldId="2147483724"/>
-            <pc:sldLayoutMk cId="3627695572" sldId="2147483726"/>
-          </pc:sldLayoutMkLst>
-        </pc:sldLayoutChg>
-        <pc:sldLayoutChg chg="add mod replId">
-          <pc:chgData name="Vissapragada,Sai Tejaswee" userId="S::s545438@nwmissouri.edu::ac5152bd-e08b-42ef-87f5-6857be20e85f" providerId="AD" clId="Web-{A8C22E62-5AA5-483F-A10E-5EB0B6850044}" dt="2022-10-14T14:54:02.291" v="189"/>
-          <pc:sldLayoutMkLst>
-            <pc:docMk/>
-            <pc:sldMasterMk cId="811897821" sldId="2147483724"/>
-            <pc:sldLayoutMk cId="3061910980" sldId="2147483727"/>
-          </pc:sldLayoutMkLst>
-        </pc:sldLayoutChg>
-        <pc:sldLayoutChg chg="add mod replId">
-          <pc:chgData name="Vissapragada,Sai Tejaswee" userId="S::s545438@nwmissouri.edu::ac5152bd-e08b-42ef-87f5-6857be20e85f" providerId="AD" clId="Web-{A8C22E62-5AA5-483F-A10E-5EB0B6850044}" dt="2022-10-14T14:54:02.291" v="189"/>
-          <pc:sldLayoutMkLst>
-            <pc:docMk/>
-            <pc:sldMasterMk cId="811897821" sldId="2147483724"/>
-            <pc:sldLayoutMk cId="2022701550" sldId="2147483728"/>
-          </pc:sldLayoutMkLst>
-        </pc:sldLayoutChg>
-        <pc:sldLayoutChg chg="add mod replId">
-          <pc:chgData name="Vissapragada,Sai Tejaswee" userId="S::s545438@nwmissouri.edu::ac5152bd-e08b-42ef-87f5-6857be20e85f" providerId="AD" clId="Web-{A8C22E62-5AA5-483F-A10E-5EB0B6850044}" dt="2022-10-14T14:54:02.291" v="189"/>
-          <pc:sldLayoutMkLst>
-            <pc:docMk/>
-            <pc:sldMasterMk cId="811897821" sldId="2147483724"/>
-            <pc:sldLayoutMk cId="2897638432" sldId="2147483729"/>
-          </pc:sldLayoutMkLst>
-        </pc:sldLayoutChg>
-        <pc:sldLayoutChg chg="add mod replId">
-          <pc:chgData name="Vissapragada,Sai Tejaswee" userId="S::s545438@nwmissouri.edu::ac5152bd-e08b-42ef-87f5-6857be20e85f" providerId="AD" clId="Web-{A8C22E62-5AA5-483F-A10E-5EB0B6850044}" dt="2022-10-14T14:54:02.291" v="189"/>
-          <pc:sldLayoutMkLst>
-            <pc:docMk/>
-            <pc:sldMasterMk cId="811897821" sldId="2147483724"/>
-            <pc:sldLayoutMk cId="695812942" sldId="2147483730"/>
-          </pc:sldLayoutMkLst>
-        </pc:sldLayoutChg>
-        <pc:sldLayoutChg chg="add mod replId">
-          <pc:chgData name="Vissapragada,Sai Tejaswee" userId="S::s545438@nwmissouri.edu::ac5152bd-e08b-42ef-87f5-6857be20e85f" providerId="AD" clId="Web-{A8C22E62-5AA5-483F-A10E-5EB0B6850044}" dt="2022-10-14T14:54:02.291" v="189"/>
-          <pc:sldLayoutMkLst>
-            <pc:docMk/>
-            <pc:sldMasterMk cId="811897821" sldId="2147483724"/>
-            <pc:sldLayoutMk cId="1239700076" sldId="2147483731"/>
-          </pc:sldLayoutMkLst>
-        </pc:sldLayoutChg>
-        <pc:sldLayoutChg chg="add mod replId">
-          <pc:chgData name="Vissapragada,Sai Tejaswee" userId="S::s545438@nwmissouri.edu::ac5152bd-e08b-42ef-87f5-6857be20e85f" providerId="AD" clId="Web-{A8C22E62-5AA5-483F-A10E-5EB0B6850044}" dt="2022-10-14T14:54:02.291" v="189"/>
-          <pc:sldLayoutMkLst>
-            <pc:docMk/>
-            <pc:sldMasterMk cId="811897821" sldId="2147483724"/>
-            <pc:sldLayoutMk cId="2558372690" sldId="2147483732"/>
-          </pc:sldLayoutMkLst>
-        </pc:sldLayoutChg>
-        <pc:sldLayoutChg chg="add mod replId">
-          <pc:chgData name="Vissapragada,Sai Tejaswee" userId="S::s545438@nwmissouri.edu::ac5152bd-e08b-42ef-87f5-6857be20e85f" providerId="AD" clId="Web-{A8C22E62-5AA5-483F-A10E-5EB0B6850044}" dt="2022-10-14T14:54:02.291" v="189"/>
-          <pc:sldLayoutMkLst>
-            <pc:docMk/>
-            <pc:sldMasterMk cId="811897821" sldId="2147483724"/>
-            <pc:sldLayoutMk cId="2715583257" sldId="2147483733"/>
-          </pc:sldLayoutMkLst>
-        </pc:sldLayoutChg>
-        <pc:sldLayoutChg chg="add mod replId">
-          <pc:chgData name="Vissapragada,Sai Tejaswee" userId="S::s545438@nwmissouri.edu::ac5152bd-e08b-42ef-87f5-6857be20e85f" providerId="AD" clId="Web-{A8C22E62-5AA5-483F-A10E-5EB0B6850044}" dt="2022-10-14T14:54:02.291" v="189"/>
-          <pc:sldLayoutMkLst>
-            <pc:docMk/>
-            <pc:sldMasterMk cId="811897821" sldId="2147483724"/>
-            <pc:sldLayoutMk cId="2125951674" sldId="2147483734"/>
-          </pc:sldLayoutMkLst>
-        </pc:sldLayoutChg>
-        <pc:sldLayoutChg chg="add mod replId">
-          <pc:chgData name="Vissapragada,Sai Tejaswee" userId="S::s545438@nwmissouri.edu::ac5152bd-e08b-42ef-87f5-6857be20e85f" providerId="AD" clId="Web-{A8C22E62-5AA5-483F-A10E-5EB0B6850044}" dt="2022-10-14T14:54:02.291" v="189"/>
-          <pc:sldLayoutMkLst>
-            <pc:docMk/>
-            <pc:sldMasterMk cId="811897821" sldId="2147483724"/>
-            <pc:sldLayoutMk cId="617663772" sldId="2147483735"/>
-          </pc:sldLayoutMkLst>
-        </pc:sldLayoutChg>
-      </pc:sldMasterChg>
-    </pc:docChg>
-  </pc:docChgLst>
-  <pc:docChgLst>
-    <pc:chgData name="Dammannagari,Jahnavi" userId="S::s545241@nwmissouri.edu::57b5fd11-6565-4914-86c8-bc292b5f2f1b" providerId="AD" clId="Web-{B027FBD9-1FB0-4A80-A451-F01E0C52357B}"/>
-    <pc:docChg chg="modSld">
-      <pc:chgData name="Dammannagari,Jahnavi" userId="S::s545241@nwmissouri.edu::57b5fd11-6565-4914-86c8-bc292b5f2f1b" providerId="AD" clId="Web-{B027FBD9-1FB0-4A80-A451-F01E0C52357B}" dt="2022-10-14T16:30:58.849" v="3" actId="20577"/>
-      <pc:docMkLst>
-        <pc:docMk/>
-      </pc:docMkLst>
-      <pc:sldChg chg="modSp">
-        <pc:chgData name="Dammannagari,Jahnavi" userId="S::s545241@nwmissouri.edu::57b5fd11-6565-4914-86c8-bc292b5f2f1b" providerId="AD" clId="Web-{B027FBD9-1FB0-4A80-A451-F01E0C52357B}" dt="2022-10-14T16:30:58.849" v="3" actId="20577"/>
-        <pc:sldMkLst>
-          <pc:docMk/>
-          <pc:sldMk cId="884823026" sldId="371"/>
-        </pc:sldMkLst>
-        <pc:spChg chg="mod">
-          <ac:chgData name="Dammannagari,Jahnavi" userId="S::s545241@nwmissouri.edu::57b5fd11-6565-4914-86c8-bc292b5f2f1b" providerId="AD" clId="Web-{B027FBD9-1FB0-4A80-A451-F01E0C52357B}" dt="2022-10-14T16:30:58.849" v="3" actId="20577"/>
-          <ac:spMkLst>
-            <pc:docMk/>
-            <pc:sldMk cId="884823026" sldId="371"/>
-            <ac:spMk id="3" creationId="{1CE5B5B3-F968-7176-817F-D2DECAB3BFC0}"/>
-          </ac:spMkLst>
-        </pc:spChg>
-      </pc:sldChg>
-    </pc:docChg>
-  </pc:docChgLst>
-  <pc:docChgLst>
-    <pc:chgData name="Vissapragada,Sai Tejaswee" userId="ac5152bd-e08b-42ef-87f5-6857be20e85f" providerId="ADAL" clId="{97312CED-9575-4606-A328-07082E28D64F}"/>
-    <pc:docChg chg="undo custSel addSld delSld modSld sldOrd">
-      <pc:chgData name="Vissapragada,Sai Tejaswee" userId="ac5152bd-e08b-42ef-87f5-6857be20e85f" providerId="ADAL" clId="{97312CED-9575-4606-A328-07082E28D64F}" dt="2022-12-01T17:25:22.338" v="503" actId="20577"/>
-      <pc:docMkLst>
-        <pc:docMk/>
-      </pc:docMkLst>
-      <pc:sldChg chg="modSp mod">
-        <pc:chgData name="Vissapragada,Sai Tejaswee" userId="ac5152bd-e08b-42ef-87f5-6857be20e85f" providerId="ADAL" clId="{97312CED-9575-4606-A328-07082E28D64F}" dt="2022-11-30T18:13:55.278" v="170" actId="20577"/>
-        <pc:sldMkLst>
-          <pc:docMk/>
-          <pc:sldMk cId="1407598965" sldId="259"/>
-        </pc:sldMkLst>
-        <pc:spChg chg="mod">
-          <ac:chgData name="Vissapragada,Sai Tejaswee" userId="ac5152bd-e08b-42ef-87f5-6857be20e85f" providerId="ADAL" clId="{97312CED-9575-4606-A328-07082E28D64F}" dt="2022-11-30T18:13:55.278" v="170" actId="20577"/>
-          <ac:spMkLst>
-            <pc:docMk/>
-            <pc:sldMk cId="1407598965" sldId="259"/>
-            <ac:spMk id="3" creationId="{A5942236-8E5C-5516-A831-74F50A87BCB4}"/>
-          </ac:spMkLst>
-        </pc:spChg>
-      </pc:sldChg>
-      <pc:sldChg chg="modSp mod">
-        <pc:chgData name="Vissapragada,Sai Tejaswee" userId="ac5152bd-e08b-42ef-87f5-6857be20e85f" providerId="ADAL" clId="{97312CED-9575-4606-A328-07082E28D64F}" dt="2022-11-30T18:04:15.752" v="22" actId="20577"/>
-        <pc:sldMkLst>
-          <pc:docMk/>
-          <pc:sldMk cId="2442537970" sldId="341"/>
-        </pc:sldMkLst>
-        <pc:spChg chg="mod">
-          <ac:chgData name="Vissapragada,Sai Tejaswee" userId="ac5152bd-e08b-42ef-87f5-6857be20e85f" providerId="ADAL" clId="{97312CED-9575-4606-A328-07082E28D64F}" dt="2022-11-30T18:04:15.752" v="22" actId="20577"/>
-          <ac:spMkLst>
-            <pc:docMk/>
-            <pc:sldMk cId="2442537970" sldId="341"/>
-            <ac:spMk id="2" creationId="{A03556A8-306D-4AAD-A818-C5F7CD7DCAA6}"/>
-          </ac:spMkLst>
-        </pc:spChg>
-      </pc:sldChg>
-      <pc:sldChg chg="modSp">
-        <pc:chgData name="Vissapragada,Sai Tejaswee" userId="ac5152bd-e08b-42ef-87f5-6857be20e85f" providerId="ADAL" clId="{97312CED-9575-4606-A328-07082E28D64F}" dt="2022-11-28T18:42:52.605" v="16" actId="962"/>
-        <pc:sldMkLst>
-          <pc:docMk/>
-          <pc:sldMk cId="552338012" sldId="342"/>
-        </pc:sldMkLst>
-        <pc:picChg chg="mod">
-          <ac:chgData name="Vissapragada,Sai Tejaswee" userId="ac5152bd-e08b-42ef-87f5-6857be20e85f" providerId="ADAL" clId="{97312CED-9575-4606-A328-07082E28D64F}" dt="2022-11-28T18:42:52.605" v="16" actId="962"/>
-          <ac:picMkLst>
-            <pc:docMk/>
-            <pc:sldMk cId="552338012" sldId="342"/>
-            <ac:picMk id="6" creationId="{EB3BA4DD-4E8B-4D77-BBE5-9E0B9750644F}"/>
-          </ac:picMkLst>
-        </pc:picChg>
-      </pc:sldChg>
-      <pc:sldChg chg="modSp mod">
-        <pc:chgData name="Vissapragada,Sai Tejaswee" userId="ac5152bd-e08b-42ef-87f5-6857be20e85f" providerId="ADAL" clId="{97312CED-9575-4606-A328-07082E28D64F}" dt="2022-11-30T18:10:10.410" v="133" actId="20577"/>
-        <pc:sldMkLst>
-          <pc:docMk/>
-          <pc:sldMk cId="1045016516" sldId="343"/>
-        </pc:sldMkLst>
-        <pc:spChg chg="mod">
-          <ac:chgData name="Vissapragada,Sai Tejaswee" userId="ac5152bd-e08b-42ef-87f5-6857be20e85f" providerId="ADAL" clId="{97312CED-9575-4606-A328-07082E28D64F}" dt="2022-11-30T18:10:10.410" v="133" actId="20577"/>
-          <ac:spMkLst>
-            <pc:docMk/>
-            <pc:sldMk cId="1045016516" sldId="343"/>
-            <ac:spMk id="3" creationId="{9EF72435-41D5-40ED-A1E0-F497D91EB7D3}"/>
-          </ac:spMkLst>
-        </pc:spChg>
-      </pc:sldChg>
-      <pc:sldChg chg="modSp mod">
-        <pc:chgData name="Vissapragada,Sai Tejaswee" userId="ac5152bd-e08b-42ef-87f5-6857be20e85f" providerId="ADAL" clId="{97312CED-9575-4606-A328-07082E28D64F}" dt="2022-11-30T18:28:45.025" v="375" actId="20577"/>
-        <pc:sldMkLst>
-          <pc:docMk/>
-          <pc:sldMk cId="2459341095" sldId="364"/>
-        </pc:sldMkLst>
-        <pc:spChg chg="mod">
-          <ac:chgData name="Vissapragada,Sai Tejaswee" userId="ac5152bd-e08b-42ef-87f5-6857be20e85f" providerId="ADAL" clId="{97312CED-9575-4606-A328-07082E28D64F}" dt="2022-11-30T18:28:45.025" v="375" actId="20577"/>
-          <ac:spMkLst>
-            <pc:docMk/>
-            <pc:sldMk cId="2459341095" sldId="364"/>
-            <ac:spMk id="3" creationId="{386E58DB-AF1A-2DF3-7CF6-71CAE99743B8}"/>
-          </ac:spMkLst>
-        </pc:spChg>
-      </pc:sldChg>
-      <pc:sldChg chg="ord">
-        <pc:chgData name="Vissapragada,Sai Tejaswee" userId="ac5152bd-e08b-42ef-87f5-6857be20e85f" providerId="ADAL" clId="{97312CED-9575-4606-A328-07082E28D64F}" dt="2022-12-01T17:16:52.309" v="423"/>
-        <pc:sldMkLst>
-          <pc:docMk/>
-          <pc:sldMk cId="1168084508" sldId="365"/>
-        </pc:sldMkLst>
-      </pc:sldChg>
-      <pc:sldChg chg="modSp mod ord">
-        <pc:chgData name="Vissapragada,Sai Tejaswee" userId="ac5152bd-e08b-42ef-87f5-6857be20e85f" providerId="ADAL" clId="{97312CED-9575-4606-A328-07082E28D64F}" dt="2022-12-01T17:25:22.338" v="503" actId="20577"/>
-        <pc:sldMkLst>
-          <pc:docMk/>
-          <pc:sldMk cId="1837471576" sldId="366"/>
-        </pc:sldMkLst>
-        <pc:spChg chg="mod">
-          <ac:chgData name="Vissapragada,Sai Tejaswee" userId="ac5152bd-e08b-42ef-87f5-6857be20e85f" providerId="ADAL" clId="{97312CED-9575-4606-A328-07082E28D64F}" dt="2022-12-01T17:22:25.593" v="458" actId="20577"/>
-          <ac:spMkLst>
-            <pc:docMk/>
-            <pc:sldMk cId="1837471576" sldId="366"/>
-            <ac:spMk id="2" creationId="{699FDC42-B1C1-8EF3-24EB-74E32AB17A6B}"/>
-          </ac:spMkLst>
-        </pc:spChg>
-        <pc:spChg chg="mod">
-          <ac:chgData name="Vissapragada,Sai Tejaswee" userId="ac5152bd-e08b-42ef-87f5-6857be20e85f" providerId="ADAL" clId="{97312CED-9575-4606-A328-07082E28D64F}" dt="2022-12-01T17:25:22.338" v="503" actId="20577"/>
-          <ac:spMkLst>
-            <pc:docMk/>
-            <pc:sldMk cId="1837471576" sldId="366"/>
-            <ac:spMk id="3" creationId="{A8E34014-DCF4-FA40-FD67-BBA08040D734}"/>
-          </ac:spMkLst>
-        </pc:spChg>
-      </pc:sldChg>
-      <pc:sldChg chg="modSp del mod">
-        <pc:chgData name="Vissapragada,Sai Tejaswee" userId="ac5152bd-e08b-42ef-87f5-6857be20e85f" providerId="ADAL" clId="{97312CED-9575-4606-A328-07082E28D64F}" dt="2022-11-30T18:14:30.513" v="173" actId="2696"/>
-        <pc:sldMkLst>
-          <pc:docMk/>
-          <pc:sldMk cId="3832482965" sldId="369"/>
-        </pc:sldMkLst>
-        <pc:spChg chg="mod">
-          <ac:chgData name="Vissapragada,Sai Tejaswee" userId="ac5152bd-e08b-42ef-87f5-6857be20e85f" providerId="ADAL" clId="{97312CED-9575-4606-A328-07082E28D64F}" dt="2022-11-30T18:14:15.453" v="171" actId="20577"/>
-          <ac:spMkLst>
-            <pc:docMk/>
-            <pc:sldMk cId="3832482965" sldId="369"/>
-            <ac:spMk id="3" creationId="{ABC53B28-A702-CB39-14D5-C5D93E4EE12D}"/>
-          </ac:spMkLst>
-        </pc:spChg>
-      </pc:sldChg>
-      <pc:sldChg chg="modSp mod">
-        <pc:chgData name="Vissapragada,Sai Tejaswee" userId="ac5152bd-e08b-42ef-87f5-6857be20e85f" providerId="ADAL" clId="{97312CED-9575-4606-A328-07082E28D64F}" dt="2022-12-01T17:21:12.806" v="436" actId="20577"/>
-        <pc:sldMkLst>
-          <pc:docMk/>
-          <pc:sldMk cId="3017103360" sldId="372"/>
-        </pc:sldMkLst>
-        <pc:spChg chg="mod">
-          <ac:chgData name="Vissapragada,Sai Tejaswee" userId="ac5152bd-e08b-42ef-87f5-6857be20e85f" providerId="ADAL" clId="{97312CED-9575-4606-A328-07082E28D64F}" dt="2022-12-01T17:21:12.806" v="436" actId="20577"/>
-          <ac:spMkLst>
-            <pc:docMk/>
-            <pc:sldMk cId="3017103360" sldId="372"/>
-            <ac:spMk id="3" creationId="{0E3D6556-A722-02BE-F336-6B448678512B}"/>
-          </ac:spMkLst>
-        </pc:spChg>
-      </pc:sldChg>
-      <pc:sldChg chg="modSp mod">
-        <pc:chgData name="Vissapragada,Sai Tejaswee" userId="ac5152bd-e08b-42ef-87f5-6857be20e85f" providerId="ADAL" clId="{97312CED-9575-4606-A328-07082E28D64F}" dt="2022-12-01T17:20:59.038" v="432" actId="1076"/>
-        <pc:sldMkLst>
-          <pc:docMk/>
-          <pc:sldMk cId="823308323" sldId="379"/>
-        </pc:sldMkLst>
-        <pc:spChg chg="mod">
-          <ac:chgData name="Vissapragada,Sai Tejaswee" userId="ac5152bd-e08b-42ef-87f5-6857be20e85f" providerId="ADAL" clId="{97312CED-9575-4606-A328-07082E28D64F}" dt="2022-12-01T17:20:49.056" v="431" actId="5793"/>
-          <ac:spMkLst>
-            <pc:docMk/>
-            <pc:sldMk cId="823308323" sldId="379"/>
-            <ac:spMk id="3" creationId="{ABDEE460-B203-FB49-6CA3-216BB52E9EEC}"/>
-          </ac:spMkLst>
-        </pc:spChg>
-        <pc:picChg chg="mod">
-          <ac:chgData name="Vissapragada,Sai Tejaswee" userId="ac5152bd-e08b-42ef-87f5-6857be20e85f" providerId="ADAL" clId="{97312CED-9575-4606-A328-07082E28D64F}" dt="2022-12-01T17:20:59.038" v="432" actId="1076"/>
-          <ac:picMkLst>
-            <pc:docMk/>
-            <pc:sldMk cId="823308323" sldId="379"/>
-            <ac:picMk id="5" creationId="{CB635F71-EF6E-5388-3464-01D1BE9D5598}"/>
-          </ac:picMkLst>
-        </pc:picChg>
-      </pc:sldChg>
-      <pc:sldChg chg="modSp new mod">
-        <pc:chgData name="Vissapragada,Sai Tejaswee" userId="ac5152bd-e08b-42ef-87f5-6857be20e85f" providerId="ADAL" clId="{97312CED-9575-4606-A328-07082E28D64F}" dt="2022-12-01T17:16:07.940" v="421" actId="255"/>
-        <pc:sldMkLst>
-          <pc:docMk/>
-          <pc:sldMk cId="1719887273" sldId="380"/>
-        </pc:sldMkLst>
-        <pc:spChg chg="mod">
-          <ac:chgData name="Vissapragada,Sai Tejaswee" userId="ac5152bd-e08b-42ef-87f5-6857be20e85f" providerId="ADAL" clId="{97312CED-9575-4606-A328-07082E28D64F}" dt="2022-12-01T17:14:44.921" v="418" actId="113"/>
-          <ac:spMkLst>
-            <pc:docMk/>
-            <pc:sldMk cId="1719887273" sldId="380"/>
-            <ac:spMk id="2" creationId="{4163873F-2445-771F-7C3C-DB4B51C24BCA}"/>
-          </ac:spMkLst>
-        </pc:spChg>
-        <pc:spChg chg="mod">
-          <ac:chgData name="Vissapragada,Sai Tejaswee" userId="ac5152bd-e08b-42ef-87f5-6857be20e85f" providerId="ADAL" clId="{97312CED-9575-4606-A328-07082E28D64F}" dt="2022-12-01T17:16:07.940" v="421" actId="255"/>
-          <ac:spMkLst>
-            <pc:docMk/>
-            <pc:sldMk cId="1719887273" sldId="380"/>
-            <ac:spMk id="3" creationId="{1CF5E8F7-4059-9C97-B4AC-DFD78B0E433C}"/>
-          </ac:spMkLst>
-        </pc:spChg>
-      </pc:sldChg>
-      <pc:sldChg chg="addSp delSp modSp new mod setBg">
-        <pc:chgData name="Vissapragada,Sai Tejaswee" userId="ac5152bd-e08b-42ef-87f5-6857be20e85f" providerId="ADAL" clId="{97312CED-9575-4606-A328-07082E28D64F}" dt="2022-12-01T17:02:13.867" v="417" actId="255"/>
-        <pc:sldMkLst>
-          <pc:docMk/>
-          <pc:sldMk cId="33053877" sldId="381"/>
-        </pc:sldMkLst>
-        <pc:spChg chg="del">
-          <ac:chgData name="Vissapragada,Sai Tejaswee" userId="ac5152bd-e08b-42ef-87f5-6857be20e85f" providerId="ADAL" clId="{97312CED-9575-4606-A328-07082E28D64F}" dt="2022-12-01T16:59:37.214" v="377" actId="478"/>
-          <ac:spMkLst>
-            <pc:docMk/>
-            <pc:sldMk cId="33053877" sldId="381"/>
-            <ac:spMk id="2" creationId="{DFE2F05A-79EF-C5AD-26D8-0F602A6FB42A}"/>
-          </ac:spMkLst>
-        </pc:spChg>
-        <pc:spChg chg="mod">
-          <ac:chgData name="Vissapragada,Sai Tejaswee" userId="ac5152bd-e08b-42ef-87f5-6857be20e85f" providerId="ADAL" clId="{97312CED-9575-4606-A328-07082E28D64F}" dt="2022-12-01T17:02:13.867" v="417" actId="255"/>
-          <ac:spMkLst>
-            <pc:docMk/>
-            <pc:sldMk cId="33053877" sldId="381"/>
-            <ac:spMk id="3" creationId="{C96D0731-AC58-AB78-3B3C-17717D28033A}"/>
-          </ac:spMkLst>
-        </pc:spChg>
-        <pc:spChg chg="add">
-          <ac:chgData name="Vissapragada,Sai Tejaswee" userId="ac5152bd-e08b-42ef-87f5-6857be20e85f" providerId="ADAL" clId="{97312CED-9575-4606-A328-07082E28D64F}" dt="2022-12-01T17:02:05.978" v="416" actId="26606"/>
-          <ac:spMkLst>
-            <pc:docMk/>
-            <pc:sldMk cId="33053877" sldId="381"/>
-            <ac:spMk id="8" creationId="{F837543A-6020-4505-A233-C9DB4BF74011}"/>
-          </ac:spMkLst>
-        </pc:spChg>
-        <pc:spChg chg="add">
-          <ac:chgData name="Vissapragada,Sai Tejaswee" userId="ac5152bd-e08b-42ef-87f5-6857be20e85f" providerId="ADAL" clId="{97312CED-9575-4606-A328-07082E28D64F}" dt="2022-12-01T17:02:05.978" v="416" actId="26606"/>
-          <ac:spMkLst>
-            <pc:docMk/>
-            <pc:sldMk cId="33053877" sldId="381"/>
-            <ac:spMk id="10" creationId="{35B16301-FB18-48BA-A6DD-C37CAF6F9A18}"/>
-          </ac:spMkLst>
-        </pc:spChg>
-        <pc:spChg chg="add">
-          <ac:chgData name="Vissapragada,Sai Tejaswee" userId="ac5152bd-e08b-42ef-87f5-6857be20e85f" providerId="ADAL" clId="{97312CED-9575-4606-A328-07082E28D64F}" dt="2022-12-01T17:02:05.978" v="416" actId="26606"/>
-          <ac:spMkLst>
-            <pc:docMk/>
-            <pc:sldMk cId="33053877" sldId="381"/>
-            <ac:spMk id="12" creationId="{C3C0D90E-074A-4F52-9B11-B52BEF4BCBE5}"/>
-          </ac:spMkLst>
-        </pc:spChg>
-        <pc:spChg chg="add">
-          <ac:chgData name="Vissapragada,Sai Tejaswee" userId="ac5152bd-e08b-42ef-87f5-6857be20e85f" providerId="ADAL" clId="{97312CED-9575-4606-A328-07082E28D64F}" dt="2022-12-01T17:02:05.978" v="416" actId="26606"/>
-          <ac:spMkLst>
-            <pc:docMk/>
-            <pc:sldMk cId="33053877" sldId="381"/>
-            <ac:spMk id="14" creationId="{CABBD4C1-E6F8-46F6-8152-A8A97490BF4D}"/>
-          </ac:spMkLst>
-        </pc:spChg>
-        <pc:spChg chg="add">
-          <ac:chgData name="Vissapragada,Sai Tejaswee" userId="ac5152bd-e08b-42ef-87f5-6857be20e85f" providerId="ADAL" clId="{97312CED-9575-4606-A328-07082E28D64F}" dt="2022-12-01T17:02:05.978" v="416" actId="26606"/>
-          <ac:spMkLst>
-            <pc:docMk/>
-            <pc:sldMk cId="33053877" sldId="381"/>
-            <ac:spMk id="16" creationId="{83BA5EF5-1FE9-4BF9-83BB-269BCDDF6156}"/>
-          </ac:spMkLst>
-        </pc:spChg>
-        <pc:spChg chg="add">
-          <ac:chgData name="Vissapragada,Sai Tejaswee" userId="ac5152bd-e08b-42ef-87f5-6857be20e85f" providerId="ADAL" clId="{97312CED-9575-4606-A328-07082E28D64F}" dt="2022-12-01T17:02:05.978" v="416" actId="26606"/>
-          <ac:spMkLst>
-            <pc:docMk/>
-            <pc:sldMk cId="33053877" sldId="381"/>
-            <ac:spMk id="20" creationId="{88853921-7BC9-4BDE-ACAB-133C683C82D6}"/>
-          </ac:spMkLst>
-        </pc:spChg>
-        <pc:spChg chg="add">
-          <ac:chgData name="Vissapragada,Sai Tejaswee" userId="ac5152bd-e08b-42ef-87f5-6857be20e85f" providerId="ADAL" clId="{97312CED-9575-4606-A328-07082E28D64F}" dt="2022-12-01T17:02:05.978" v="416" actId="26606"/>
-          <ac:spMkLst>
-            <pc:docMk/>
-            <pc:sldMk cId="33053877" sldId="381"/>
-            <ac:spMk id="22" creationId="{09192968-3AE7-4470-A61C-97294BB92731}"/>
-          </ac:spMkLst>
-        </pc:spChg>
-        <pc:spChg chg="add">
-          <ac:chgData name="Vissapragada,Sai Tejaswee" userId="ac5152bd-e08b-42ef-87f5-6857be20e85f" providerId="ADAL" clId="{97312CED-9575-4606-A328-07082E28D64F}" dt="2022-12-01T17:02:05.978" v="416" actId="26606"/>
-          <ac:spMkLst>
-            <pc:docMk/>
-            <pc:sldMk cId="33053877" sldId="381"/>
-            <ac:spMk id="24" creationId="{3AB72E55-43E4-4356-BFE8-E2102CB0B505}"/>
-          </ac:spMkLst>
-        </pc:spChg>
-        <pc:cxnChg chg="add">
-          <ac:chgData name="Vissapragada,Sai Tejaswee" userId="ac5152bd-e08b-42ef-87f5-6857be20e85f" providerId="ADAL" clId="{97312CED-9575-4606-A328-07082E28D64F}" dt="2022-12-01T17:02:05.978" v="416" actId="26606"/>
-          <ac:cxnSpMkLst>
-            <pc:docMk/>
-            <pc:sldMk cId="33053877" sldId="381"/>
-            <ac:cxnSpMk id="18" creationId="{4B3BCACB-5880-460B-9606-8C433A9AF99D}"/>
-          </ac:cxnSpMkLst>
-        </pc:cxnChg>
-      </pc:sldChg>
-      <pc:sldChg chg="addSp delSp modSp new mod setBg setClrOvrMap">
-        <pc:chgData name="Vissapragada,Sai Tejaswee" userId="ac5152bd-e08b-42ef-87f5-6857be20e85f" providerId="ADAL" clId="{97312CED-9575-4606-A328-07082E28D64F}" dt="2022-12-01T17:01:50.658" v="415" actId="255"/>
-        <pc:sldMkLst>
-          <pc:docMk/>
-          <pc:sldMk cId="1624363699" sldId="382"/>
-        </pc:sldMkLst>
-        <pc:spChg chg="del">
-          <ac:chgData name="Vissapragada,Sai Tejaswee" userId="ac5152bd-e08b-42ef-87f5-6857be20e85f" providerId="ADAL" clId="{97312CED-9575-4606-A328-07082E28D64F}" dt="2022-12-01T17:00:33.246" v="390" actId="478"/>
-          <ac:spMkLst>
-            <pc:docMk/>
-            <pc:sldMk cId="1624363699" sldId="382"/>
-            <ac:spMk id="2" creationId="{DD9D3A2A-BE64-549A-AC15-149E6D2A7788}"/>
-          </ac:spMkLst>
-        </pc:spChg>
-        <pc:spChg chg="mod">
-          <ac:chgData name="Vissapragada,Sai Tejaswee" userId="ac5152bd-e08b-42ef-87f5-6857be20e85f" providerId="ADAL" clId="{97312CED-9575-4606-A328-07082E28D64F}" dt="2022-12-01T17:01:50.658" v="415" actId="255"/>
-          <ac:spMkLst>
-            <pc:docMk/>
-            <pc:sldMk cId="1624363699" sldId="382"/>
-            <ac:spMk id="3" creationId="{51FBCFCD-66E2-17B8-526A-ABE905A30482}"/>
-          </ac:spMkLst>
-        </pc:spChg>
-        <pc:spChg chg="add">
-          <ac:chgData name="Vissapragada,Sai Tejaswee" userId="ac5152bd-e08b-42ef-87f5-6857be20e85f" providerId="ADAL" clId="{97312CED-9575-4606-A328-07082E28D64F}" dt="2022-12-01T17:01:35.589" v="413" actId="26606"/>
-          <ac:spMkLst>
-            <pc:docMk/>
-            <pc:sldMk cId="1624363699" sldId="382"/>
-            <ac:spMk id="10" creationId="{EF9B8DF2-C3F5-49A2-94D2-F7B65A0F1F15}"/>
-          </ac:spMkLst>
-        </pc:spChg>
-        <pc:spChg chg="add">
-          <ac:chgData name="Vissapragada,Sai Tejaswee" userId="ac5152bd-e08b-42ef-87f5-6857be20e85f" providerId="ADAL" clId="{97312CED-9575-4606-A328-07082E28D64F}" dt="2022-12-01T17:01:35.589" v="413" actId="26606"/>
-          <ac:spMkLst>
-            <pc:docMk/>
-            <pc:sldMk cId="1624363699" sldId="382"/>
-            <ac:spMk id="12" creationId="{4330B6AC-E6AB-45E4-A303-C8DE90EB2AAC}"/>
-          </ac:spMkLst>
-        </pc:spChg>
-        <pc:picChg chg="add">
-          <ac:chgData name="Vissapragada,Sai Tejaswee" userId="ac5152bd-e08b-42ef-87f5-6857be20e85f" providerId="ADAL" clId="{97312CED-9575-4606-A328-07082E28D64F}" dt="2022-12-01T17:01:35.589" v="413" actId="26606"/>
-          <ac:picMkLst>
-            <pc:docMk/>
-            <pc:sldMk cId="1624363699" sldId="382"/>
-            <ac:picMk id="7" creationId="{AA33671C-89D5-7485-1248-683E673E8D06}"/>
-          </ac:picMkLst>
-        </pc:picChg>
       </pc:sldChg>
     </pc:docChg>
   </pc:docChgLst>
@@ -2801,6 +1532,1111 @@
     </pc:docChg>
   </pc:docChgLst>
   <pc:docChgLst>
+    <pc:chgData name="Vissapragada,Sai Tejaswee" userId="S::s545438@nwmissouri.edu::ac5152bd-e08b-42ef-87f5-6857be20e85f" providerId="AD" clId="Web-{A8C22E62-5AA5-483F-A10E-5EB0B6850044}"/>
+    <pc:docChg chg="addSld delSld modSld sldOrd addMainMaster delMainMaster">
+      <pc:chgData name="Vissapragada,Sai Tejaswee" userId="S::s545438@nwmissouri.edu::ac5152bd-e08b-42ef-87f5-6857be20e85f" providerId="AD" clId="Web-{A8C22E62-5AA5-483F-A10E-5EB0B6850044}" dt="2022-10-14T16:25:57.626" v="510" actId="20577"/>
+      <pc:docMkLst>
+        <pc:docMk/>
+      </pc:docMkLst>
+      <pc:sldChg chg="delSp modSp mod modClrScheme chgLayout">
+        <pc:chgData name="Vissapragada,Sai Tejaswee" userId="S::s545438@nwmissouri.edu::ac5152bd-e08b-42ef-87f5-6857be20e85f" providerId="AD" clId="Web-{A8C22E62-5AA5-483F-A10E-5EB0B6850044}" dt="2022-10-14T15:33:54.842" v="357" actId="20577"/>
+        <pc:sldMkLst>
+          <pc:docMk/>
+          <pc:sldMk cId="2985600738" sldId="256"/>
+        </pc:sldMkLst>
+        <pc:spChg chg="mod ord">
+          <ac:chgData name="Vissapragada,Sai Tejaswee" userId="S::s545438@nwmissouri.edu::ac5152bd-e08b-42ef-87f5-6857be20e85f" providerId="AD" clId="Web-{A8C22E62-5AA5-483F-A10E-5EB0B6850044}" dt="2022-10-14T14:54:02.291" v="189"/>
+          <ac:spMkLst>
+            <pc:docMk/>
+            <pc:sldMk cId="2985600738" sldId="256"/>
+            <ac:spMk id="2" creationId="{9C11EC8D-E2F8-47A8-86F0-53A644871CB0}"/>
+          </ac:spMkLst>
+        </pc:spChg>
+        <pc:spChg chg="mod ord">
+          <ac:chgData name="Vissapragada,Sai Tejaswee" userId="S::s545438@nwmissouri.edu::ac5152bd-e08b-42ef-87f5-6857be20e85f" providerId="AD" clId="Web-{A8C22E62-5AA5-483F-A10E-5EB0B6850044}" dt="2022-10-14T15:33:54.842" v="357" actId="20577"/>
+          <ac:spMkLst>
+            <pc:docMk/>
+            <pc:sldMk cId="2985600738" sldId="256"/>
+            <ac:spMk id="3" creationId="{40718280-D32F-4892-B800-93AAD39A2582}"/>
+          </ac:spMkLst>
+        </pc:spChg>
+        <pc:spChg chg="del">
+          <ac:chgData name="Vissapragada,Sai Tejaswee" userId="S::s545438@nwmissouri.edu::ac5152bd-e08b-42ef-87f5-6857be20e85f" providerId="AD" clId="Web-{A8C22E62-5AA5-483F-A10E-5EB0B6850044}" dt="2022-10-14T15:11:13.375" v="309"/>
+          <ac:spMkLst>
+            <pc:docMk/>
+            <pc:sldMk cId="2985600738" sldId="256"/>
+            <ac:spMk id="4" creationId="{1A844C8B-BD82-45AC-9223-D9EBA59A555F}"/>
+          </ac:spMkLst>
+        </pc:spChg>
+      </pc:sldChg>
+      <pc:sldChg chg="delSp modSp mod modClrScheme chgLayout">
+        <pc:chgData name="Vissapragada,Sai Tejaswee" userId="S::s545438@nwmissouri.edu::ac5152bd-e08b-42ef-87f5-6857be20e85f" providerId="AD" clId="Web-{A8C22E62-5AA5-483F-A10E-5EB0B6850044}" dt="2022-10-14T15:32:43.262" v="349" actId="20577"/>
+        <pc:sldMkLst>
+          <pc:docMk/>
+          <pc:sldMk cId="2442537970" sldId="341"/>
+        </pc:sldMkLst>
+        <pc:spChg chg="mod ord">
+          <ac:chgData name="Vissapragada,Sai Tejaswee" userId="S::s545438@nwmissouri.edu::ac5152bd-e08b-42ef-87f5-6857be20e85f" providerId="AD" clId="Web-{A8C22E62-5AA5-483F-A10E-5EB0B6850044}" dt="2022-10-14T15:01:20.207" v="235" actId="20577"/>
+          <ac:spMkLst>
+            <pc:docMk/>
+            <pc:sldMk cId="2442537970" sldId="341"/>
+            <ac:spMk id="2" creationId="{A03556A8-306D-4AAD-A818-C5F7CD7DCAA6}"/>
+          </ac:spMkLst>
+        </pc:spChg>
+        <pc:spChg chg="del mod ord">
+          <ac:chgData name="Vissapragada,Sai Tejaswee" userId="S::s545438@nwmissouri.edu::ac5152bd-e08b-42ef-87f5-6857be20e85f" providerId="AD" clId="Web-{A8C22E62-5AA5-483F-A10E-5EB0B6850044}" dt="2022-10-14T15:10:50.906" v="305"/>
+          <ac:spMkLst>
+            <pc:docMk/>
+            <pc:sldMk cId="2442537970" sldId="341"/>
+            <ac:spMk id="4" creationId="{138D912F-AF88-4AC6-85CE-BF905A5B5706}"/>
+          </ac:spMkLst>
+        </pc:spChg>
+        <pc:spChg chg="mod ord">
+          <ac:chgData name="Vissapragada,Sai Tejaswee" userId="S::s545438@nwmissouri.edu::ac5152bd-e08b-42ef-87f5-6857be20e85f" providerId="AD" clId="Web-{A8C22E62-5AA5-483F-A10E-5EB0B6850044}" dt="2022-10-14T15:32:43.262" v="349" actId="20577"/>
+          <ac:spMkLst>
+            <pc:docMk/>
+            <pc:sldMk cId="2442537970" sldId="341"/>
+            <ac:spMk id="28" creationId="{5625D5E9-34CA-4D00-BCB5-EB2CB1EDEA0D}"/>
+          </ac:spMkLst>
+        </pc:spChg>
+      </pc:sldChg>
+      <pc:sldChg chg="delSp modSp mod modClrScheme chgLayout">
+        <pc:chgData name="Vissapragada,Sai Tejaswee" userId="S::s545438@nwmissouri.edu::ac5152bd-e08b-42ef-87f5-6857be20e85f" providerId="AD" clId="Web-{A8C22E62-5AA5-483F-A10E-5EB0B6850044}" dt="2022-10-14T15:10:58.063" v="306"/>
+        <pc:sldMkLst>
+          <pc:docMk/>
+          <pc:sldMk cId="552338012" sldId="342"/>
+        </pc:sldMkLst>
+        <pc:spChg chg="mod ord">
+          <ac:chgData name="Vissapragada,Sai Tejaswee" userId="S::s545438@nwmissouri.edu::ac5152bd-e08b-42ef-87f5-6857be20e85f" providerId="AD" clId="Web-{A8C22E62-5AA5-483F-A10E-5EB0B6850044}" dt="2022-10-14T14:54:02.291" v="189"/>
+          <ac:spMkLst>
+            <pc:docMk/>
+            <pc:sldMk cId="552338012" sldId="342"/>
+            <ac:spMk id="2" creationId="{9808F5F9-4D67-45B6-B64A-8EB48D97F519}"/>
+          </ac:spMkLst>
+        </pc:spChg>
+        <pc:spChg chg="del mod ord">
+          <ac:chgData name="Vissapragada,Sai Tejaswee" userId="S::s545438@nwmissouri.edu::ac5152bd-e08b-42ef-87f5-6857be20e85f" providerId="AD" clId="Web-{A8C22E62-5AA5-483F-A10E-5EB0B6850044}" dt="2022-10-14T15:10:58.063" v="306"/>
+          <ac:spMkLst>
+            <pc:docMk/>
+            <pc:sldMk cId="552338012" sldId="342"/>
+            <ac:spMk id="4" creationId="{FB2979EF-7D42-4D7E-B0EA-A04305C20AA3}"/>
+          </ac:spMkLst>
+        </pc:spChg>
+      </pc:sldChg>
+      <pc:sldChg chg="delSp modSp mod modClrScheme chgLayout">
+        <pc:chgData name="Vissapragada,Sai Tejaswee" userId="S::s545438@nwmissouri.edu::ac5152bd-e08b-42ef-87f5-6857be20e85f" providerId="AD" clId="Web-{A8C22E62-5AA5-483F-A10E-5EB0B6850044}" dt="2022-10-14T15:33:06.950" v="352" actId="20577"/>
+        <pc:sldMkLst>
+          <pc:docMk/>
+          <pc:sldMk cId="1045016516" sldId="343"/>
+        </pc:sldMkLst>
+        <pc:spChg chg="mod ord">
+          <ac:chgData name="Vissapragada,Sai Tejaswee" userId="S::s545438@nwmissouri.edu::ac5152bd-e08b-42ef-87f5-6857be20e85f" providerId="AD" clId="Web-{A8C22E62-5AA5-483F-A10E-5EB0B6850044}" dt="2022-10-14T14:54:02.291" v="189"/>
+          <ac:spMkLst>
+            <pc:docMk/>
+            <pc:sldMk cId="1045016516" sldId="343"/>
+            <ac:spMk id="2" creationId="{AD3A397E-08A5-421B-83E3-0BCD6A6F8F56}"/>
+          </ac:spMkLst>
+        </pc:spChg>
+        <pc:spChg chg="mod ord">
+          <ac:chgData name="Vissapragada,Sai Tejaswee" userId="S::s545438@nwmissouri.edu::ac5152bd-e08b-42ef-87f5-6857be20e85f" providerId="AD" clId="Web-{A8C22E62-5AA5-483F-A10E-5EB0B6850044}" dt="2022-10-14T15:33:06.950" v="352" actId="20577"/>
+          <ac:spMkLst>
+            <pc:docMk/>
+            <pc:sldMk cId="1045016516" sldId="343"/>
+            <ac:spMk id="3" creationId="{9EF72435-41D5-40ED-A1E0-F497D91EB7D3}"/>
+          </ac:spMkLst>
+        </pc:spChg>
+        <pc:spChg chg="del mod ord">
+          <ac:chgData name="Vissapragada,Sai Tejaswee" userId="S::s545438@nwmissouri.edu::ac5152bd-e08b-42ef-87f5-6857be20e85f" providerId="AD" clId="Web-{A8C22E62-5AA5-483F-A10E-5EB0B6850044}" dt="2022-10-14T15:11:08.422" v="308"/>
+          <ac:spMkLst>
+            <pc:docMk/>
+            <pc:sldMk cId="1045016516" sldId="343"/>
+            <ac:spMk id="4" creationId="{BF9D6BA6-993E-40BB-A086-4BD7B61F7AAF}"/>
+          </ac:spMkLst>
+        </pc:spChg>
+      </pc:sldChg>
+      <pc:sldChg chg="delSp modSp mod modClrScheme chgLayout">
+        <pc:chgData name="Vissapragada,Sai Tejaswee" userId="S::s545438@nwmissouri.edu::ac5152bd-e08b-42ef-87f5-6857be20e85f" providerId="AD" clId="Web-{A8C22E62-5AA5-483F-A10E-5EB0B6850044}" dt="2022-10-14T15:10:41.375" v="304" actId="1076"/>
+        <pc:sldMkLst>
+          <pc:docMk/>
+          <pc:sldMk cId="1898072782" sldId="344"/>
+        </pc:sldMkLst>
+        <pc:spChg chg="mod ord">
+          <ac:chgData name="Vissapragada,Sai Tejaswee" userId="S::s545438@nwmissouri.edu::ac5152bd-e08b-42ef-87f5-6857be20e85f" providerId="AD" clId="Web-{A8C22E62-5AA5-483F-A10E-5EB0B6850044}" dt="2022-10-14T14:54:02.291" v="189"/>
+          <ac:spMkLst>
+            <pc:docMk/>
+            <pc:sldMk cId="1898072782" sldId="344"/>
+            <ac:spMk id="2" creationId="{B68093B9-6981-40EC-9AFD-1A8DBA15D2B3}"/>
+          </ac:spMkLst>
+        </pc:spChg>
+        <pc:spChg chg="del mod ord">
+          <ac:chgData name="Vissapragada,Sai Tejaswee" userId="S::s545438@nwmissouri.edu::ac5152bd-e08b-42ef-87f5-6857be20e85f" providerId="AD" clId="Web-{A8C22E62-5AA5-483F-A10E-5EB0B6850044}" dt="2022-10-14T15:10:34.781" v="303"/>
+          <ac:spMkLst>
+            <pc:docMk/>
+            <pc:sldMk cId="1898072782" sldId="344"/>
+            <ac:spMk id="4" creationId="{FA12FCA5-CA9E-48B3-8CDF-8CAC941C2C35}"/>
+          </ac:spMkLst>
+        </pc:spChg>
+        <pc:spChg chg="mod">
+          <ac:chgData name="Vissapragada,Sai Tejaswee" userId="S::s545438@nwmissouri.edu::ac5152bd-e08b-42ef-87f5-6857be20e85f" providerId="AD" clId="Web-{A8C22E62-5AA5-483F-A10E-5EB0B6850044}" dt="2022-10-14T15:10:41.375" v="304" actId="1076"/>
+          <ac:spMkLst>
+            <pc:docMk/>
+            <pc:sldMk cId="1898072782" sldId="344"/>
+            <ac:spMk id="17" creationId="{B86EB294-945B-45F4-B366-6F962417C70F}"/>
+          </ac:spMkLst>
+        </pc:spChg>
+      </pc:sldChg>
+      <pc:sldChg chg="modSp mod modClrScheme chgLayout">
+        <pc:chgData name="Vissapragada,Sai Tejaswee" userId="S::s545438@nwmissouri.edu::ac5152bd-e08b-42ef-87f5-6857be20e85f" providerId="AD" clId="Web-{A8C22E62-5AA5-483F-A10E-5EB0B6850044}" dt="2022-10-14T15:41:42.711" v="394" actId="20577"/>
+        <pc:sldMkLst>
+          <pc:docMk/>
+          <pc:sldMk cId="219102181" sldId="350"/>
+        </pc:sldMkLst>
+        <pc:spChg chg="mod ord">
+          <ac:chgData name="Vissapragada,Sai Tejaswee" userId="S::s545438@nwmissouri.edu::ac5152bd-e08b-42ef-87f5-6857be20e85f" providerId="AD" clId="Web-{A8C22E62-5AA5-483F-A10E-5EB0B6850044}" dt="2022-10-14T15:41:42.711" v="394" actId="20577"/>
+          <ac:spMkLst>
+            <pc:docMk/>
+            <pc:sldMk cId="219102181" sldId="350"/>
+            <ac:spMk id="2" creationId="{823C8B64-1E38-4FF9-9F3B-F5E69809B377}"/>
+          </ac:spMkLst>
+        </pc:spChg>
+        <pc:spChg chg="mod ord">
+          <ac:chgData name="Vissapragada,Sai Tejaswee" userId="S::s545438@nwmissouri.edu::ac5152bd-e08b-42ef-87f5-6857be20e85f" providerId="AD" clId="Web-{A8C22E62-5AA5-483F-A10E-5EB0B6850044}" dt="2022-10-14T14:54:02.291" v="189"/>
+          <ac:spMkLst>
+            <pc:docMk/>
+            <pc:sldMk cId="219102181" sldId="350"/>
+            <ac:spMk id="4" creationId="{7C79D3E6-8253-4877-8B5A-5E0FF1CCEEC1}"/>
+          </ac:spMkLst>
+        </pc:spChg>
+      </pc:sldChg>
+      <pc:sldChg chg="delSp modSp mod modClrScheme chgLayout">
+        <pc:chgData name="Vissapragada,Sai Tejaswee" userId="S::s545438@nwmissouri.edu::ac5152bd-e08b-42ef-87f5-6857be20e85f" providerId="AD" clId="Web-{A8C22E62-5AA5-483F-A10E-5EB0B6850044}" dt="2022-10-14T15:09:01.685" v="286" actId="1076"/>
+        <pc:sldMkLst>
+          <pc:docMk/>
+          <pc:sldMk cId="3939176308" sldId="351"/>
+        </pc:sldMkLst>
+        <pc:spChg chg="mod ord">
+          <ac:chgData name="Vissapragada,Sai Tejaswee" userId="S::s545438@nwmissouri.edu::ac5152bd-e08b-42ef-87f5-6857be20e85f" providerId="AD" clId="Web-{A8C22E62-5AA5-483F-A10E-5EB0B6850044}" dt="2022-10-14T14:54:02.291" v="189"/>
+          <ac:spMkLst>
+            <pc:docMk/>
+            <pc:sldMk cId="3939176308" sldId="351"/>
+            <ac:spMk id="2" creationId="{32E2E634-DDFF-4EE1-9D86-F940664BE3DC}"/>
+          </ac:spMkLst>
+        </pc:spChg>
+        <pc:spChg chg="del mod ord">
+          <ac:chgData name="Vissapragada,Sai Tejaswee" userId="S::s545438@nwmissouri.edu::ac5152bd-e08b-42ef-87f5-6857be20e85f" providerId="AD" clId="Web-{A8C22E62-5AA5-483F-A10E-5EB0B6850044}" dt="2022-10-14T15:08:49.669" v="284"/>
+          <ac:spMkLst>
+            <pc:docMk/>
+            <pc:sldMk cId="3939176308" sldId="351"/>
+            <ac:spMk id="4" creationId="{A2D4F142-5B88-4EF7-A3A7-EBAC0CB63769}"/>
+          </ac:spMkLst>
+        </pc:spChg>
+        <pc:spChg chg="mod">
+          <ac:chgData name="Vissapragada,Sai Tejaswee" userId="S::s545438@nwmissouri.edu::ac5152bd-e08b-42ef-87f5-6857be20e85f" providerId="AD" clId="Web-{A8C22E62-5AA5-483F-A10E-5EB0B6850044}" dt="2022-10-14T15:09:01.685" v="286" actId="1076"/>
+          <ac:spMkLst>
+            <pc:docMk/>
+            <pc:sldMk cId="3939176308" sldId="351"/>
+            <ac:spMk id="5" creationId="{13BA4C93-B95F-41BF-A1C9-9216CE9854AF}"/>
+          </ac:spMkLst>
+        </pc:spChg>
+      </pc:sldChg>
+      <pc:sldChg chg="delSp modSp mod modClrScheme chgLayout">
+        <pc:chgData name="Vissapragada,Sai Tejaswee" userId="S::s545438@nwmissouri.edu::ac5152bd-e08b-42ef-87f5-6857be20e85f" providerId="AD" clId="Web-{A8C22E62-5AA5-483F-A10E-5EB0B6850044}" dt="2022-10-14T15:30:35.838" v="337" actId="20577"/>
+        <pc:sldMkLst>
+          <pc:docMk/>
+          <pc:sldMk cId="3416718736" sldId="354"/>
+        </pc:sldMkLst>
+        <pc:spChg chg="mod ord">
+          <ac:chgData name="Vissapragada,Sai Tejaswee" userId="S::s545438@nwmissouri.edu::ac5152bd-e08b-42ef-87f5-6857be20e85f" providerId="AD" clId="Web-{A8C22E62-5AA5-483F-A10E-5EB0B6850044}" dt="2022-10-14T14:54:02.291" v="189"/>
+          <ac:spMkLst>
+            <pc:docMk/>
+            <pc:sldMk cId="3416718736" sldId="354"/>
+            <ac:spMk id="2" creationId="{0766B607-6105-4582-BC98-8E35CE39574E}"/>
+          </ac:spMkLst>
+        </pc:spChg>
+        <pc:spChg chg="mod ord">
+          <ac:chgData name="Vissapragada,Sai Tejaswee" userId="S::s545438@nwmissouri.edu::ac5152bd-e08b-42ef-87f5-6857be20e85f" providerId="AD" clId="Web-{A8C22E62-5AA5-483F-A10E-5EB0B6850044}" dt="2022-10-14T15:30:35.838" v="337" actId="20577"/>
+          <ac:spMkLst>
+            <pc:docMk/>
+            <pc:sldMk cId="3416718736" sldId="354"/>
+            <ac:spMk id="3" creationId="{A04DE8D9-0B5E-47D8-90F9-96463A6646BA}"/>
+          </ac:spMkLst>
+        </pc:spChg>
+        <pc:spChg chg="del mod ord">
+          <ac:chgData name="Vissapragada,Sai Tejaswee" userId="S::s545438@nwmissouri.edu::ac5152bd-e08b-42ef-87f5-6857be20e85f" providerId="AD" clId="Web-{A8C22E62-5AA5-483F-A10E-5EB0B6850044}" dt="2022-10-14T15:08:22.700" v="281"/>
+          <ac:spMkLst>
+            <pc:docMk/>
+            <pc:sldMk cId="3416718736" sldId="354"/>
+            <ac:spMk id="4" creationId="{8799341D-0A1F-47EF-A691-D497A3FBF766}"/>
+          </ac:spMkLst>
+        </pc:spChg>
+      </pc:sldChg>
+      <pc:sldChg chg="del">
+        <pc:chgData name="Vissapragada,Sai Tejaswee" userId="S::s545438@nwmissouri.edu::ac5152bd-e08b-42ef-87f5-6857be20e85f" providerId="AD" clId="Web-{A8C22E62-5AA5-483F-A10E-5EB0B6850044}" dt="2022-10-14T14:22:12.366" v="107"/>
+        <pc:sldMkLst>
+          <pc:docMk/>
+          <pc:sldMk cId="4194509776" sldId="356"/>
+        </pc:sldMkLst>
+      </pc:sldChg>
+      <pc:sldChg chg="delSp modSp mod modClrScheme chgLayout">
+        <pc:chgData name="Vissapragada,Sai Tejaswee" userId="S::s545438@nwmissouri.edu::ac5152bd-e08b-42ef-87f5-6857be20e85f" providerId="AD" clId="Web-{A8C22E62-5AA5-483F-A10E-5EB0B6850044}" dt="2022-10-14T15:32:54.543" v="350" actId="20577"/>
+        <pc:sldMkLst>
+          <pc:docMk/>
+          <pc:sldMk cId="1841957312" sldId="357"/>
+        </pc:sldMkLst>
+        <pc:spChg chg="mod ord">
+          <ac:chgData name="Vissapragada,Sai Tejaswee" userId="S::s545438@nwmissouri.edu::ac5152bd-e08b-42ef-87f5-6857be20e85f" providerId="AD" clId="Web-{A8C22E62-5AA5-483F-A10E-5EB0B6850044}" dt="2022-10-14T14:54:02.291" v="189"/>
+          <ac:spMkLst>
+            <pc:docMk/>
+            <pc:sldMk cId="1841957312" sldId="357"/>
+            <ac:spMk id="2" creationId="{00E763BB-9BA0-8B15-EC3A-9596592F3FC1}"/>
+          </ac:spMkLst>
+        </pc:spChg>
+        <pc:spChg chg="mod ord">
+          <ac:chgData name="Vissapragada,Sai Tejaswee" userId="S::s545438@nwmissouri.edu::ac5152bd-e08b-42ef-87f5-6857be20e85f" providerId="AD" clId="Web-{A8C22E62-5AA5-483F-A10E-5EB0B6850044}" dt="2022-10-14T15:32:54.543" v="350" actId="20577"/>
+          <ac:spMkLst>
+            <pc:docMk/>
+            <pc:sldMk cId="1841957312" sldId="357"/>
+            <ac:spMk id="3" creationId="{66B15469-23DA-28F8-3644-BAB61795B752}"/>
+          </ac:spMkLst>
+        </pc:spChg>
+        <pc:spChg chg="del mod ord">
+          <ac:chgData name="Vissapragada,Sai Tejaswee" userId="S::s545438@nwmissouri.edu::ac5152bd-e08b-42ef-87f5-6857be20e85f" providerId="AD" clId="Web-{A8C22E62-5AA5-483F-A10E-5EB0B6850044}" dt="2022-10-14T15:11:03.657" v="307"/>
+          <ac:spMkLst>
+            <pc:docMk/>
+            <pc:sldMk cId="1841957312" sldId="357"/>
+            <ac:spMk id="4" creationId="{91717223-F755-64C7-4639-B04FAD293BD0}"/>
+          </ac:spMkLst>
+        </pc:spChg>
+      </pc:sldChg>
+      <pc:sldChg chg="delSp modSp del mod modClrScheme chgLayout">
+        <pc:chgData name="Vissapragada,Sai Tejaswee" userId="S::s545438@nwmissouri.edu::ac5152bd-e08b-42ef-87f5-6857be20e85f" providerId="AD" clId="Web-{A8C22E62-5AA5-483F-A10E-5EB0B6850044}" dt="2022-10-14T15:24:59.346" v="329"/>
+        <pc:sldMkLst>
+          <pc:docMk/>
+          <pc:sldMk cId="2615451039" sldId="359"/>
+        </pc:sldMkLst>
+        <pc:spChg chg="mod ord">
+          <ac:chgData name="Vissapragada,Sai Tejaswee" userId="S::s545438@nwmissouri.edu::ac5152bd-e08b-42ef-87f5-6857be20e85f" providerId="AD" clId="Web-{A8C22E62-5AA5-483F-A10E-5EB0B6850044}" dt="2022-10-14T14:54:02.291" v="189"/>
+          <ac:spMkLst>
+            <pc:docMk/>
+            <pc:sldMk cId="2615451039" sldId="359"/>
+            <ac:spMk id="2" creationId="{5D613BA6-E68F-21F9-0C54-720CE635B62B}"/>
+          </ac:spMkLst>
+        </pc:spChg>
+        <pc:spChg chg="mod ord">
+          <ac:chgData name="Vissapragada,Sai Tejaswee" userId="S::s545438@nwmissouri.edu::ac5152bd-e08b-42ef-87f5-6857be20e85f" providerId="AD" clId="Web-{A8C22E62-5AA5-483F-A10E-5EB0B6850044}" dt="2022-10-14T14:54:02.291" v="189"/>
+          <ac:spMkLst>
+            <pc:docMk/>
+            <pc:sldMk cId="2615451039" sldId="359"/>
+            <ac:spMk id="3" creationId="{53F44DDF-3ED2-A853-9443-CA9C52F9790C}"/>
+          </ac:spMkLst>
+        </pc:spChg>
+        <pc:spChg chg="del mod ord">
+          <ac:chgData name="Vissapragada,Sai Tejaswee" userId="S::s545438@nwmissouri.edu::ac5152bd-e08b-42ef-87f5-6857be20e85f" providerId="AD" clId="Web-{A8C22E62-5AA5-483F-A10E-5EB0B6850044}" dt="2022-10-14T15:08:29.185" v="282"/>
+          <ac:spMkLst>
+            <pc:docMk/>
+            <pc:sldMk cId="2615451039" sldId="359"/>
+            <ac:spMk id="4" creationId="{1AE0D728-6607-F08C-7642-439B4B69E578}"/>
+          </ac:spMkLst>
+        </pc:spChg>
+      </pc:sldChg>
+      <pc:sldChg chg="delSp modSp del mod modClrScheme chgLayout">
+        <pc:chgData name="Vissapragada,Sai Tejaswee" userId="S::s545438@nwmissouri.edu::ac5152bd-e08b-42ef-87f5-6857be20e85f" providerId="AD" clId="Web-{A8C22E62-5AA5-483F-A10E-5EB0B6850044}" dt="2022-10-14T15:15:12.756" v="311"/>
+        <pc:sldMkLst>
+          <pc:docMk/>
+          <pc:sldMk cId="3128748201" sldId="362"/>
+        </pc:sldMkLst>
+        <pc:spChg chg="mod ord">
+          <ac:chgData name="Vissapragada,Sai Tejaswee" userId="S::s545438@nwmissouri.edu::ac5152bd-e08b-42ef-87f5-6857be20e85f" providerId="AD" clId="Web-{A8C22E62-5AA5-483F-A10E-5EB0B6850044}" dt="2022-10-14T14:54:02.291" v="189"/>
+          <ac:spMkLst>
+            <pc:docMk/>
+            <pc:sldMk cId="3128748201" sldId="362"/>
+            <ac:spMk id="2" creationId="{6F6EC735-A4DA-28E0-5532-FBE50F8A1D8A}"/>
+          </ac:spMkLst>
+        </pc:spChg>
+        <pc:spChg chg="mod ord">
+          <ac:chgData name="Vissapragada,Sai Tejaswee" userId="S::s545438@nwmissouri.edu::ac5152bd-e08b-42ef-87f5-6857be20e85f" providerId="AD" clId="Web-{A8C22E62-5AA5-483F-A10E-5EB0B6850044}" dt="2022-10-14T14:54:02.291" v="189"/>
+          <ac:spMkLst>
+            <pc:docMk/>
+            <pc:sldMk cId="3128748201" sldId="362"/>
+            <ac:spMk id="3" creationId="{EBA700B0-EE6F-549E-CF17-345BC994A623}"/>
+          </ac:spMkLst>
+        </pc:spChg>
+        <pc:spChg chg="del mod ord">
+          <ac:chgData name="Vissapragada,Sai Tejaswee" userId="S::s545438@nwmissouri.edu::ac5152bd-e08b-42ef-87f5-6857be20e85f" providerId="AD" clId="Web-{A8C22E62-5AA5-483F-A10E-5EB0B6850044}" dt="2022-10-14T15:09:20.420" v="289"/>
+          <ac:spMkLst>
+            <pc:docMk/>
+            <pc:sldMk cId="3128748201" sldId="362"/>
+            <ac:spMk id="4" creationId="{F09C8ABB-92DC-7D4D-703A-6645A2A6F037}"/>
+          </ac:spMkLst>
+        </pc:spChg>
+      </pc:sldChg>
+      <pc:sldChg chg="delSp modSp mod modClrScheme chgLayout">
+        <pc:chgData name="Vissapragada,Sai Tejaswee" userId="S::s545438@nwmissouri.edu::ac5152bd-e08b-42ef-87f5-6857be20e85f" providerId="AD" clId="Web-{A8C22E62-5AA5-483F-A10E-5EB0B6850044}" dt="2022-10-14T15:59:36.890" v="467" actId="20577"/>
+        <pc:sldMkLst>
+          <pc:docMk/>
+          <pc:sldMk cId="2423198090" sldId="363"/>
+        </pc:sldMkLst>
+        <pc:spChg chg="mod ord">
+          <ac:chgData name="Vissapragada,Sai Tejaswee" userId="S::s545438@nwmissouri.edu::ac5152bd-e08b-42ef-87f5-6857be20e85f" providerId="AD" clId="Web-{A8C22E62-5AA5-483F-A10E-5EB0B6850044}" dt="2022-10-14T14:54:02.291" v="189"/>
+          <ac:spMkLst>
+            <pc:docMk/>
+            <pc:sldMk cId="2423198090" sldId="363"/>
+            <ac:spMk id="2" creationId="{D410B586-2A06-5C9A-314A-C3DDBE0097DE}"/>
+          </ac:spMkLst>
+        </pc:spChg>
+        <pc:spChg chg="mod ord">
+          <ac:chgData name="Vissapragada,Sai Tejaswee" userId="S::s545438@nwmissouri.edu::ac5152bd-e08b-42ef-87f5-6857be20e85f" providerId="AD" clId="Web-{A8C22E62-5AA5-483F-A10E-5EB0B6850044}" dt="2022-10-14T15:59:36.890" v="467" actId="20577"/>
+          <ac:spMkLst>
+            <pc:docMk/>
+            <pc:sldMk cId="2423198090" sldId="363"/>
+            <ac:spMk id="3" creationId="{3C27D1C7-E779-949F-4B8F-5A301D08E902}"/>
+          </ac:spMkLst>
+        </pc:spChg>
+        <pc:spChg chg="del mod ord">
+          <ac:chgData name="Vissapragada,Sai Tejaswee" userId="S::s545438@nwmissouri.edu::ac5152bd-e08b-42ef-87f5-6857be20e85f" providerId="AD" clId="Web-{A8C22E62-5AA5-483F-A10E-5EB0B6850044}" dt="2022-10-14T15:09:12.607" v="288"/>
+          <ac:spMkLst>
+            <pc:docMk/>
+            <pc:sldMk cId="2423198090" sldId="363"/>
+            <ac:spMk id="4" creationId="{6C4ABEAF-5E95-D7AB-7B2F-F5AD8C35B370}"/>
+          </ac:spMkLst>
+        </pc:spChg>
+      </pc:sldChg>
+      <pc:sldChg chg="delSp modSp mod modClrScheme chgLayout">
+        <pc:chgData name="Vissapragada,Sai Tejaswee" userId="S::s545438@nwmissouri.edu::ac5152bd-e08b-42ef-87f5-6857be20e85f" providerId="AD" clId="Web-{A8C22E62-5AA5-483F-A10E-5EB0B6850044}" dt="2022-10-14T15:09:51.171" v="298" actId="20577"/>
+        <pc:sldMkLst>
+          <pc:docMk/>
+          <pc:sldMk cId="2459341095" sldId="364"/>
+        </pc:sldMkLst>
+        <pc:spChg chg="mod ord">
+          <ac:chgData name="Vissapragada,Sai Tejaswee" userId="S::s545438@nwmissouri.edu::ac5152bd-e08b-42ef-87f5-6857be20e85f" providerId="AD" clId="Web-{A8C22E62-5AA5-483F-A10E-5EB0B6850044}" dt="2022-10-14T14:54:02.291" v="189"/>
+          <ac:spMkLst>
+            <pc:docMk/>
+            <pc:sldMk cId="2459341095" sldId="364"/>
+            <ac:spMk id="2" creationId="{DC980566-5AA5-75AE-3878-F3B8B65B360F}"/>
+          </ac:spMkLst>
+        </pc:spChg>
+        <pc:spChg chg="mod ord">
+          <ac:chgData name="Vissapragada,Sai Tejaswee" userId="S::s545438@nwmissouri.edu::ac5152bd-e08b-42ef-87f5-6857be20e85f" providerId="AD" clId="Web-{A8C22E62-5AA5-483F-A10E-5EB0B6850044}" dt="2022-10-14T15:09:51.171" v="298" actId="20577"/>
+          <ac:spMkLst>
+            <pc:docMk/>
+            <pc:sldMk cId="2459341095" sldId="364"/>
+            <ac:spMk id="3" creationId="{386E58DB-AF1A-2DF3-7CF6-71CAE99743B8}"/>
+          </ac:spMkLst>
+        </pc:spChg>
+        <pc:spChg chg="del mod ord">
+          <ac:chgData name="Vissapragada,Sai Tejaswee" userId="S::s545438@nwmissouri.edu::ac5152bd-e08b-42ef-87f5-6857be20e85f" providerId="AD" clId="Web-{A8C22E62-5AA5-483F-A10E-5EB0B6850044}" dt="2022-10-14T15:09:27.764" v="290"/>
+          <ac:spMkLst>
+            <pc:docMk/>
+            <pc:sldMk cId="2459341095" sldId="364"/>
+            <ac:spMk id="4" creationId="{07793932-1B44-9BA4-21C6-7C6863E8F3FF}"/>
+          </ac:spMkLst>
+        </pc:spChg>
+      </pc:sldChg>
+      <pc:sldChg chg="delSp modSp mod modClrScheme chgLayout">
+        <pc:chgData name="Vissapragada,Sai Tejaswee" userId="S::s545438@nwmissouri.edu::ac5152bd-e08b-42ef-87f5-6857be20e85f" providerId="AD" clId="Web-{A8C22E62-5AA5-483F-A10E-5EB0B6850044}" dt="2022-10-14T15:32:30.043" v="348" actId="20577"/>
+        <pc:sldMkLst>
+          <pc:docMk/>
+          <pc:sldMk cId="1168084508" sldId="365"/>
+        </pc:sldMkLst>
+        <pc:spChg chg="mod ord">
+          <ac:chgData name="Vissapragada,Sai Tejaswee" userId="S::s545438@nwmissouri.edu::ac5152bd-e08b-42ef-87f5-6857be20e85f" providerId="AD" clId="Web-{A8C22E62-5AA5-483F-A10E-5EB0B6850044}" dt="2022-10-14T15:01:41.301" v="254" actId="20577"/>
+          <ac:spMkLst>
+            <pc:docMk/>
+            <pc:sldMk cId="1168084508" sldId="365"/>
+            <ac:spMk id="2" creationId="{0A99E831-0FE4-BBC0-F1D0-9F150956F9CB}"/>
+          </ac:spMkLst>
+        </pc:spChg>
+        <pc:spChg chg="mod ord">
+          <ac:chgData name="Vissapragada,Sai Tejaswee" userId="S::s545438@nwmissouri.edu::ac5152bd-e08b-42ef-87f5-6857be20e85f" providerId="AD" clId="Web-{A8C22E62-5AA5-483F-A10E-5EB0B6850044}" dt="2022-10-14T15:32:30.043" v="348" actId="20577"/>
+          <ac:spMkLst>
+            <pc:docMk/>
+            <pc:sldMk cId="1168084508" sldId="365"/>
+            <ac:spMk id="3" creationId="{3CC905E3-3707-BA22-DDB9-9FF9CDFDF532}"/>
+          </ac:spMkLst>
+        </pc:spChg>
+        <pc:spChg chg="del mod ord">
+          <ac:chgData name="Vissapragada,Sai Tejaswee" userId="S::s545438@nwmissouri.edu::ac5152bd-e08b-42ef-87f5-6857be20e85f" providerId="AD" clId="Web-{A8C22E62-5AA5-483F-A10E-5EB0B6850044}" dt="2022-10-14T15:10:21.124" v="301"/>
+          <ac:spMkLst>
+            <pc:docMk/>
+            <pc:sldMk cId="1168084508" sldId="365"/>
+            <ac:spMk id="4" creationId="{9325BA59-088F-F932-168B-94207CA13343}"/>
+          </ac:spMkLst>
+        </pc:spChg>
+      </pc:sldChg>
+      <pc:sldChg chg="delSp modSp mod modClrScheme delDesignElem chgLayout">
+        <pc:chgData name="Vissapragada,Sai Tejaswee" userId="S::s545438@nwmissouri.edu::ac5152bd-e08b-42ef-87f5-6857be20e85f" providerId="AD" clId="Web-{A8C22E62-5AA5-483F-A10E-5EB0B6850044}" dt="2022-10-14T15:32:20.012" v="346" actId="20577"/>
+        <pc:sldMkLst>
+          <pc:docMk/>
+          <pc:sldMk cId="1837471576" sldId="366"/>
+        </pc:sldMkLst>
+        <pc:spChg chg="mod ord">
+          <ac:chgData name="Vissapragada,Sai Tejaswee" userId="S::s545438@nwmissouri.edu::ac5152bd-e08b-42ef-87f5-6857be20e85f" providerId="AD" clId="Web-{A8C22E62-5AA5-483F-A10E-5EB0B6850044}" dt="2022-10-14T14:54:02.291" v="189"/>
+          <ac:spMkLst>
+            <pc:docMk/>
+            <pc:sldMk cId="1837471576" sldId="366"/>
+            <ac:spMk id="2" creationId="{699FDC42-B1C1-8EF3-24EB-74E32AB17A6B}"/>
+          </ac:spMkLst>
+        </pc:spChg>
+        <pc:spChg chg="mod ord">
+          <ac:chgData name="Vissapragada,Sai Tejaswee" userId="S::s545438@nwmissouri.edu::ac5152bd-e08b-42ef-87f5-6857be20e85f" providerId="AD" clId="Web-{A8C22E62-5AA5-483F-A10E-5EB0B6850044}" dt="2022-10-14T15:32:20.012" v="346" actId="20577"/>
+          <ac:spMkLst>
+            <pc:docMk/>
+            <pc:sldMk cId="1837471576" sldId="366"/>
+            <ac:spMk id="3" creationId="{A8E34014-DCF4-FA40-FD67-BBA08040D734}"/>
+          </ac:spMkLst>
+        </pc:spChg>
+        <pc:spChg chg="del mod ord">
+          <ac:chgData name="Vissapragada,Sai Tejaswee" userId="S::s545438@nwmissouri.edu::ac5152bd-e08b-42ef-87f5-6857be20e85f" providerId="AD" clId="Web-{A8C22E62-5AA5-483F-A10E-5EB0B6850044}" dt="2022-10-14T15:10:14.749" v="300"/>
+          <ac:spMkLst>
+            <pc:docMk/>
+            <pc:sldMk cId="1837471576" sldId="366"/>
+            <ac:spMk id="4" creationId="{1D8F33DF-6D51-678F-B93A-CFECC5B6B34B}"/>
+          </ac:spMkLst>
+        </pc:spChg>
+        <pc:spChg chg="del">
+          <ac:chgData name="Vissapragada,Sai Tejaswee" userId="S::s545438@nwmissouri.edu::ac5152bd-e08b-42ef-87f5-6857be20e85f" providerId="AD" clId="Web-{A8C22E62-5AA5-483F-A10E-5EB0B6850044}" dt="2022-10-14T14:54:02.291" v="189"/>
+          <ac:spMkLst>
+            <pc:docMk/>
+            <pc:sldMk cId="1837471576" sldId="366"/>
+            <ac:spMk id="37" creationId="{5E39A796-BE83-48B1-B33F-35C4A32AAB57}"/>
+          </ac:spMkLst>
+        </pc:spChg>
+        <pc:spChg chg="del">
+          <ac:chgData name="Vissapragada,Sai Tejaswee" userId="S::s545438@nwmissouri.edu::ac5152bd-e08b-42ef-87f5-6857be20e85f" providerId="AD" clId="Web-{A8C22E62-5AA5-483F-A10E-5EB0B6850044}" dt="2022-10-14T14:54:02.291" v="189"/>
+          <ac:spMkLst>
+            <pc:docMk/>
+            <pc:sldMk cId="1837471576" sldId="366"/>
+            <ac:spMk id="38" creationId="{72F84B47-E267-4194-8194-831DB7B5547F}"/>
+          </ac:spMkLst>
+        </pc:spChg>
+      </pc:sldChg>
+      <pc:sldChg chg="delSp modSp mod modClrScheme chgLayout">
+        <pc:chgData name="Vissapragada,Sai Tejaswee" userId="S::s545438@nwmissouri.edu::ac5152bd-e08b-42ef-87f5-6857be20e85f" providerId="AD" clId="Web-{A8C22E62-5AA5-483F-A10E-5EB0B6850044}" dt="2022-10-14T15:28:27.225" v="330" actId="20577"/>
+        <pc:sldMkLst>
+          <pc:docMk/>
+          <pc:sldMk cId="2698460313" sldId="368"/>
+        </pc:sldMkLst>
+        <pc:spChg chg="mod ord">
+          <ac:chgData name="Vissapragada,Sai Tejaswee" userId="S::s545438@nwmissouri.edu::ac5152bd-e08b-42ef-87f5-6857be20e85f" providerId="AD" clId="Web-{A8C22E62-5AA5-483F-A10E-5EB0B6850044}" dt="2022-10-14T15:02:58.271" v="256" actId="20577"/>
+          <ac:spMkLst>
+            <pc:docMk/>
+            <pc:sldMk cId="2698460313" sldId="368"/>
+            <ac:spMk id="2" creationId="{57E92D1A-143E-A8D1-5650-23C53F336A3A}"/>
+          </ac:spMkLst>
+        </pc:spChg>
+        <pc:spChg chg="mod ord">
+          <ac:chgData name="Vissapragada,Sai Tejaswee" userId="S::s545438@nwmissouri.edu::ac5152bd-e08b-42ef-87f5-6857be20e85f" providerId="AD" clId="Web-{A8C22E62-5AA5-483F-A10E-5EB0B6850044}" dt="2022-10-14T15:28:27.225" v="330" actId="20577"/>
+          <ac:spMkLst>
+            <pc:docMk/>
+            <pc:sldMk cId="2698460313" sldId="368"/>
+            <ac:spMk id="3" creationId="{0485A877-B7E7-764E-DB9E-520F12AC7E8A}"/>
+          </ac:spMkLst>
+        </pc:spChg>
+        <pc:spChg chg="del mod ord">
+          <ac:chgData name="Vissapragada,Sai Tejaswee" userId="S::s545438@nwmissouri.edu::ac5152bd-e08b-42ef-87f5-6857be20e85f" providerId="AD" clId="Web-{A8C22E62-5AA5-483F-A10E-5EB0B6850044}" dt="2022-10-14T15:09:06.748" v="287"/>
+          <ac:spMkLst>
+            <pc:docMk/>
+            <pc:sldMk cId="2698460313" sldId="368"/>
+            <ac:spMk id="4" creationId="{E21CBC94-1453-F549-F5A2-F9CA55491551}"/>
+          </ac:spMkLst>
+        </pc:spChg>
+      </pc:sldChg>
+      <pc:sldChg chg="delSp modSp mod modClrScheme chgLayout">
+        <pc:chgData name="Vissapragada,Sai Tejaswee" userId="S::s545438@nwmissouri.edu::ac5152bd-e08b-42ef-87f5-6857be20e85f" providerId="AD" clId="Web-{A8C22E62-5AA5-483F-A10E-5EB0B6850044}" dt="2022-10-14T15:32:09.464" v="345" actId="20577"/>
+        <pc:sldMkLst>
+          <pc:docMk/>
+          <pc:sldMk cId="3832482965" sldId="369"/>
+        </pc:sldMkLst>
+        <pc:spChg chg="mod ord">
+          <ac:chgData name="Vissapragada,Sai Tejaswee" userId="S::s545438@nwmissouri.edu::ac5152bd-e08b-42ef-87f5-6857be20e85f" providerId="AD" clId="Web-{A8C22E62-5AA5-483F-A10E-5EB0B6850044}" dt="2022-10-14T15:32:09.464" v="345" actId="20577"/>
+          <ac:spMkLst>
+            <pc:docMk/>
+            <pc:sldMk cId="3832482965" sldId="369"/>
+            <ac:spMk id="3" creationId="{ABC53B28-A702-CB39-14D5-C5D93E4EE12D}"/>
+          </ac:spMkLst>
+        </pc:spChg>
+        <pc:spChg chg="del mod ord">
+          <ac:chgData name="Vissapragada,Sai Tejaswee" userId="S::s545438@nwmissouri.edu::ac5152bd-e08b-42ef-87f5-6857be20e85f" providerId="AD" clId="Web-{A8C22E62-5AA5-483F-A10E-5EB0B6850044}" dt="2022-10-14T15:10:08.093" v="299"/>
+          <ac:spMkLst>
+            <pc:docMk/>
+            <pc:sldMk cId="3832482965" sldId="369"/>
+            <ac:spMk id="4" creationId="{2FE6C971-314E-93BC-7657-03293E5B84A6}"/>
+          </ac:spMkLst>
+        </pc:spChg>
+      </pc:sldChg>
+      <pc:sldChg chg="delSp modSp mod modClrScheme delDesignElem chgLayout">
+        <pc:chgData name="Vissapragada,Sai Tejaswee" userId="S::s545438@nwmissouri.edu::ac5152bd-e08b-42ef-87f5-6857be20e85f" providerId="AD" clId="Web-{A8C22E62-5AA5-483F-A10E-5EB0B6850044}" dt="2022-10-14T14:54:33.308" v="194" actId="20577"/>
+        <pc:sldMkLst>
+          <pc:docMk/>
+          <pc:sldMk cId="437098969" sldId="370"/>
+        </pc:sldMkLst>
+        <pc:spChg chg="mod ord">
+          <ac:chgData name="Vissapragada,Sai Tejaswee" userId="S::s545438@nwmissouri.edu::ac5152bd-e08b-42ef-87f5-6857be20e85f" providerId="AD" clId="Web-{A8C22E62-5AA5-483F-A10E-5EB0B6850044}" dt="2022-10-14T14:54:33.308" v="194" actId="20577"/>
+          <ac:spMkLst>
+            <pc:docMk/>
+            <pc:sldMk cId="437098969" sldId="370"/>
+            <ac:spMk id="2" creationId="{A8723335-4D01-C533-AC17-BB39BC5E4AB8}"/>
+          </ac:spMkLst>
+        </pc:spChg>
+        <pc:spChg chg="mod ord">
+          <ac:chgData name="Vissapragada,Sai Tejaswee" userId="S::s545438@nwmissouri.edu::ac5152bd-e08b-42ef-87f5-6857be20e85f" providerId="AD" clId="Web-{A8C22E62-5AA5-483F-A10E-5EB0B6850044}" dt="2022-10-14T14:54:02.291" v="189"/>
+          <ac:spMkLst>
+            <pc:docMk/>
+            <pc:sldMk cId="437098969" sldId="370"/>
+            <ac:spMk id="3" creationId="{2717A627-2709-3E6E-A10A-905A446CF39D}"/>
+          </ac:spMkLst>
+        </pc:spChg>
+        <pc:spChg chg="mod ord">
+          <ac:chgData name="Vissapragada,Sai Tejaswee" userId="S::s545438@nwmissouri.edu::ac5152bd-e08b-42ef-87f5-6857be20e85f" providerId="AD" clId="Web-{A8C22E62-5AA5-483F-A10E-5EB0B6850044}" dt="2022-10-14T14:54:02.291" v="189"/>
+          <ac:spMkLst>
+            <pc:docMk/>
+            <pc:sldMk cId="437098969" sldId="370"/>
+            <ac:spMk id="4" creationId="{5A0C8046-7569-8FB5-356C-E4DB27FB3CE6}"/>
+          </ac:spMkLst>
+        </pc:spChg>
+        <pc:spChg chg="del">
+          <ac:chgData name="Vissapragada,Sai Tejaswee" userId="S::s545438@nwmissouri.edu::ac5152bd-e08b-42ef-87f5-6857be20e85f" providerId="AD" clId="Web-{A8C22E62-5AA5-483F-A10E-5EB0B6850044}" dt="2022-10-14T14:54:02.291" v="189"/>
+          <ac:spMkLst>
+            <pc:docMk/>
+            <pc:sldMk cId="437098969" sldId="370"/>
+            <ac:spMk id="17" creationId="{3346177D-ADC4-4968-B747-5CFCD390B5B9}"/>
+          </ac:spMkLst>
+        </pc:spChg>
+        <pc:spChg chg="del">
+          <ac:chgData name="Vissapragada,Sai Tejaswee" userId="S::s545438@nwmissouri.edu::ac5152bd-e08b-42ef-87f5-6857be20e85f" providerId="AD" clId="Web-{A8C22E62-5AA5-483F-A10E-5EB0B6850044}" dt="2022-10-14T14:54:02.291" v="189"/>
+          <ac:spMkLst>
+            <pc:docMk/>
+            <pc:sldMk cId="437098969" sldId="370"/>
+            <ac:spMk id="19" creationId="{0844A943-BF79-4FEA-ABB1-3BD54D236606}"/>
+          </ac:spMkLst>
+        </pc:spChg>
+        <pc:spChg chg="del">
+          <ac:chgData name="Vissapragada,Sai Tejaswee" userId="S::s545438@nwmissouri.edu::ac5152bd-e08b-42ef-87f5-6857be20e85f" providerId="AD" clId="Web-{A8C22E62-5AA5-483F-A10E-5EB0B6850044}" dt="2022-10-14T14:54:02.291" v="189"/>
+          <ac:spMkLst>
+            <pc:docMk/>
+            <pc:sldMk cId="437098969" sldId="370"/>
+            <ac:spMk id="21" creationId="{6437CC72-F4A8-4DC3-AFAB-D22C482C8100}"/>
+          </ac:spMkLst>
+        </pc:spChg>
+        <pc:picChg chg="mod">
+          <ac:chgData name="Vissapragada,Sai Tejaswee" userId="S::s545438@nwmissouri.edu::ac5152bd-e08b-42ef-87f5-6857be20e85f" providerId="AD" clId="Web-{A8C22E62-5AA5-483F-A10E-5EB0B6850044}" dt="2022-10-14T14:54:15.635" v="190" actId="1076"/>
+          <ac:picMkLst>
+            <pc:docMk/>
+            <pc:sldMk cId="437098969" sldId="370"/>
+            <ac:picMk id="5" creationId="{8BC2E01F-BB52-CA40-F63F-63DFB1D2B6F5}"/>
+          </ac:picMkLst>
+        </pc:picChg>
+      </pc:sldChg>
+      <pc:sldChg chg="delSp modSp mod modClrScheme chgLayout">
+        <pc:chgData name="Vissapragada,Sai Tejaswee" userId="S::s545438@nwmissouri.edu::ac5152bd-e08b-42ef-87f5-6857be20e85f" providerId="AD" clId="Web-{A8C22E62-5AA5-483F-A10E-5EB0B6850044}" dt="2022-10-14T15:46:32.264" v="463" actId="20577"/>
+        <pc:sldMkLst>
+          <pc:docMk/>
+          <pc:sldMk cId="884823026" sldId="371"/>
+        </pc:sldMkLst>
+        <pc:spChg chg="mod ord">
+          <ac:chgData name="Vissapragada,Sai Tejaswee" userId="S::s545438@nwmissouri.edu::ac5152bd-e08b-42ef-87f5-6857be20e85f" providerId="AD" clId="Web-{A8C22E62-5AA5-483F-A10E-5EB0B6850044}" dt="2022-10-14T15:46:32.264" v="463" actId="20577"/>
+          <ac:spMkLst>
+            <pc:docMk/>
+            <pc:sldMk cId="884823026" sldId="371"/>
+            <ac:spMk id="3" creationId="{1CE5B5B3-F968-7176-817F-D2DECAB3BFC0}"/>
+          </ac:spMkLst>
+        </pc:spChg>
+        <pc:spChg chg="del mod ord">
+          <ac:chgData name="Vissapragada,Sai Tejaswee" userId="S::s545438@nwmissouri.edu::ac5152bd-e08b-42ef-87f5-6857be20e85f" providerId="AD" clId="Web-{A8C22E62-5AA5-483F-A10E-5EB0B6850044}" dt="2022-10-14T15:08:06.668" v="280"/>
+          <ac:spMkLst>
+            <pc:docMk/>
+            <pc:sldMk cId="884823026" sldId="371"/>
+            <ac:spMk id="4" creationId="{E3A7E43B-9E7A-B4A6-17AC-16297ABC4F50}"/>
+          </ac:spMkLst>
+        </pc:spChg>
+      </pc:sldChg>
+      <pc:sldChg chg="modSp">
+        <pc:chgData name="Vissapragada,Sai Tejaswee" userId="S::s545438@nwmissouri.edu::ac5152bd-e08b-42ef-87f5-6857be20e85f" providerId="AD" clId="Web-{A8C22E62-5AA5-483F-A10E-5EB0B6850044}" dt="2022-10-14T15:59:45.390" v="468" actId="20577"/>
+        <pc:sldMkLst>
+          <pc:docMk/>
+          <pc:sldMk cId="3017103360" sldId="372"/>
+        </pc:sldMkLst>
+        <pc:spChg chg="mod">
+          <ac:chgData name="Vissapragada,Sai Tejaswee" userId="S::s545438@nwmissouri.edu::ac5152bd-e08b-42ef-87f5-6857be20e85f" providerId="AD" clId="Web-{A8C22E62-5AA5-483F-A10E-5EB0B6850044}" dt="2022-10-14T15:15:02.162" v="310" actId="20577"/>
+          <ac:spMkLst>
+            <pc:docMk/>
+            <pc:sldMk cId="3017103360" sldId="372"/>
+            <ac:spMk id="2" creationId="{9B203523-CF4E-5660-E239-E185D27F83C7}"/>
+          </ac:spMkLst>
+        </pc:spChg>
+        <pc:spChg chg="mod">
+          <ac:chgData name="Vissapragada,Sai Tejaswee" userId="S::s545438@nwmissouri.edu::ac5152bd-e08b-42ef-87f5-6857be20e85f" providerId="AD" clId="Web-{A8C22E62-5AA5-483F-A10E-5EB0B6850044}" dt="2022-10-14T15:59:45.390" v="468" actId="20577"/>
+          <ac:spMkLst>
+            <pc:docMk/>
+            <pc:sldMk cId="3017103360" sldId="372"/>
+            <ac:spMk id="3" creationId="{0E3D6556-A722-02BE-F336-6B448678512B}"/>
+          </ac:spMkLst>
+        </pc:spChg>
+      </pc:sldChg>
+      <pc:sldChg chg="modSp">
+        <pc:chgData name="Vissapragada,Sai Tejaswee" userId="S::s545438@nwmissouri.edu::ac5152bd-e08b-42ef-87f5-6857be20e85f" providerId="AD" clId="Web-{A8C22E62-5AA5-483F-A10E-5EB0B6850044}" dt="2022-10-14T15:30:19.165" v="336" actId="20577"/>
+        <pc:sldMkLst>
+          <pc:docMk/>
+          <pc:sldMk cId="3360226570" sldId="373"/>
+        </pc:sldMkLst>
+        <pc:spChg chg="mod">
+          <ac:chgData name="Vissapragada,Sai Tejaswee" userId="S::s545438@nwmissouri.edu::ac5152bd-e08b-42ef-87f5-6857be20e85f" providerId="AD" clId="Web-{A8C22E62-5AA5-483F-A10E-5EB0B6850044}" dt="2022-10-14T15:02:42.693" v="255" actId="20577"/>
+          <ac:spMkLst>
+            <pc:docMk/>
+            <pc:sldMk cId="3360226570" sldId="373"/>
+            <ac:spMk id="2" creationId="{C70D7201-9327-5D3D-7F01-45617E65561E}"/>
+          </ac:spMkLst>
+        </pc:spChg>
+        <pc:spChg chg="mod">
+          <ac:chgData name="Vissapragada,Sai Tejaswee" userId="S::s545438@nwmissouri.edu::ac5152bd-e08b-42ef-87f5-6857be20e85f" providerId="AD" clId="Web-{A8C22E62-5AA5-483F-A10E-5EB0B6850044}" dt="2022-10-14T15:30:19.165" v="336" actId="20577"/>
+          <ac:spMkLst>
+            <pc:docMk/>
+            <pc:sldMk cId="3360226570" sldId="373"/>
+            <ac:spMk id="3" creationId="{479AB6C6-DF7C-4F0A-419D-EED753033418}"/>
+          </ac:spMkLst>
+        </pc:spChg>
+      </pc:sldChg>
+      <pc:sldChg chg="modSp">
+        <pc:chgData name="Vissapragada,Sai Tejaswee" userId="S::s545438@nwmissouri.edu::ac5152bd-e08b-42ef-87f5-6857be20e85f" providerId="AD" clId="Web-{A8C22E62-5AA5-483F-A10E-5EB0B6850044}" dt="2022-10-14T15:04:19.429" v="278" actId="20577"/>
+        <pc:sldMkLst>
+          <pc:docMk/>
+          <pc:sldMk cId="1614585721" sldId="374"/>
+        </pc:sldMkLst>
+        <pc:spChg chg="mod">
+          <ac:chgData name="Vissapragada,Sai Tejaswee" userId="S::s545438@nwmissouri.edu::ac5152bd-e08b-42ef-87f5-6857be20e85f" providerId="AD" clId="Web-{A8C22E62-5AA5-483F-A10E-5EB0B6850044}" dt="2022-10-14T15:04:19.429" v="278" actId="20577"/>
+          <ac:spMkLst>
+            <pc:docMk/>
+            <pc:sldMk cId="1614585721" sldId="374"/>
+            <ac:spMk id="2" creationId="{0F872AB6-0F89-8C23-9855-C08AB0E40A22}"/>
+          </ac:spMkLst>
+        </pc:spChg>
+      </pc:sldChg>
+      <pc:sldChg chg="modSp">
+        <pc:chgData name="Vissapragada,Sai Tejaswee" userId="S::s545438@nwmissouri.edu::ac5152bd-e08b-42ef-87f5-6857be20e85f" providerId="AD" clId="Web-{A8C22E62-5AA5-483F-A10E-5EB0B6850044}" dt="2022-10-14T15:40:20.272" v="358" actId="20577"/>
+        <pc:sldMkLst>
+          <pc:docMk/>
+          <pc:sldMk cId="4113795527" sldId="375"/>
+        </pc:sldMkLst>
+        <pc:spChg chg="mod">
+          <ac:chgData name="Vissapragada,Sai Tejaswee" userId="S::s545438@nwmissouri.edu::ac5152bd-e08b-42ef-87f5-6857be20e85f" providerId="AD" clId="Web-{A8C22E62-5AA5-483F-A10E-5EB0B6850044}" dt="2022-10-14T15:40:20.272" v="358" actId="20577"/>
+          <ac:spMkLst>
+            <pc:docMk/>
+            <pc:sldMk cId="4113795527" sldId="375"/>
+            <ac:spMk id="2" creationId="{7AC27030-194D-1EF6-AC29-5F692AEB8181}"/>
+          </ac:spMkLst>
+        </pc:spChg>
+        <pc:spChg chg="mod">
+          <ac:chgData name="Vissapragada,Sai Tejaswee" userId="S::s545438@nwmissouri.edu::ac5152bd-e08b-42ef-87f5-6857be20e85f" providerId="AD" clId="Web-{A8C22E62-5AA5-483F-A10E-5EB0B6850044}" dt="2022-10-14T15:31:37.057" v="343" actId="20577"/>
+          <ac:spMkLst>
+            <pc:docMk/>
+            <pc:sldMk cId="4113795527" sldId="375"/>
+            <ac:spMk id="3" creationId="{7CAED4AF-0819-0D07-042B-3BC87CBC8010}"/>
+          </ac:spMkLst>
+        </pc:spChg>
+      </pc:sldChg>
+      <pc:sldChg chg="modSp add">
+        <pc:chgData name="Vissapragada,Sai Tejaswee" userId="S::s545438@nwmissouri.edu::ac5152bd-e08b-42ef-87f5-6857be20e85f" providerId="AD" clId="Web-{A8C22E62-5AA5-483F-A10E-5EB0B6850044}" dt="2022-10-14T16:07:04.181" v="472" actId="20577"/>
+        <pc:sldMkLst>
+          <pc:docMk/>
+          <pc:sldMk cId="659270591" sldId="376"/>
+        </pc:sldMkLst>
+        <pc:spChg chg="mod">
+          <ac:chgData name="Vissapragada,Sai Tejaswee" userId="S::s545438@nwmissouri.edu::ac5152bd-e08b-42ef-87f5-6857be20e85f" providerId="AD" clId="Web-{A8C22E62-5AA5-483F-A10E-5EB0B6850044}" dt="2022-10-14T16:07:04.181" v="472" actId="20577"/>
+          <ac:spMkLst>
+            <pc:docMk/>
+            <pc:sldMk cId="659270591" sldId="376"/>
+            <ac:spMk id="3" creationId="{00000000-0000-0000-0000-000000000000}"/>
+          </ac:spMkLst>
+        </pc:spChg>
+      </pc:sldChg>
+      <pc:sldChg chg="modSp add">
+        <pc:chgData name="Vissapragada,Sai Tejaswee" userId="S::s545438@nwmissouri.edu::ac5152bd-e08b-42ef-87f5-6857be20e85f" providerId="AD" clId="Web-{A8C22E62-5AA5-483F-A10E-5EB0B6850044}" dt="2022-10-14T16:08:27.245" v="491" actId="1076"/>
+        <pc:sldMkLst>
+          <pc:docMk/>
+          <pc:sldMk cId="824242017" sldId="377"/>
+        </pc:sldMkLst>
+        <pc:spChg chg="mod">
+          <ac:chgData name="Vissapragada,Sai Tejaswee" userId="S::s545438@nwmissouri.edu::ac5152bd-e08b-42ef-87f5-6857be20e85f" providerId="AD" clId="Web-{A8C22E62-5AA5-483F-A10E-5EB0B6850044}" dt="2022-10-14T16:08:27.245" v="491" actId="1076"/>
+          <ac:spMkLst>
+            <pc:docMk/>
+            <pc:sldMk cId="824242017" sldId="377"/>
+            <ac:spMk id="15" creationId="{F6ECBACC-0B57-3040-504E-48379878B34E}"/>
+          </ac:spMkLst>
+        </pc:spChg>
+        <pc:spChg chg="mod">
+          <ac:chgData name="Vissapragada,Sai Tejaswee" userId="S::s545438@nwmissouri.edu::ac5152bd-e08b-42ef-87f5-6857be20e85f" providerId="AD" clId="Web-{A8C22E62-5AA5-483F-A10E-5EB0B6850044}" dt="2022-10-14T15:29:55.883" v="334" actId="20577"/>
+          <ac:spMkLst>
+            <pc:docMk/>
+            <pc:sldMk cId="824242017" sldId="377"/>
+            <ac:spMk id="18" creationId="{0D575FF4-A0A5-5D5F-E422-A3C3DF894EF5}"/>
+          </ac:spMkLst>
+        </pc:spChg>
+      </pc:sldChg>
+      <pc:sldChg chg="addSp delSp modSp add">
+        <pc:chgData name="Vissapragada,Sai Tejaswee" userId="S::s545438@nwmissouri.edu::ac5152bd-e08b-42ef-87f5-6857be20e85f" providerId="AD" clId="Web-{A8C22E62-5AA5-483F-A10E-5EB0B6850044}" dt="2022-10-14T15:24:37.267" v="328" actId="20577"/>
+        <pc:sldMkLst>
+          <pc:docMk/>
+          <pc:sldMk cId="3225898199" sldId="378"/>
+        </pc:sldMkLst>
+        <pc:spChg chg="del">
+          <ac:chgData name="Vissapragada,Sai Tejaswee" userId="S::s545438@nwmissouri.edu::ac5152bd-e08b-42ef-87f5-6857be20e85f" providerId="AD" clId="Web-{A8C22E62-5AA5-483F-A10E-5EB0B6850044}" dt="2022-10-14T15:23:36.782" v="321"/>
+          <ac:spMkLst>
+            <pc:docMk/>
+            <pc:sldMk cId="3225898199" sldId="378"/>
+            <ac:spMk id="2" creationId="{C841DDDB-09FE-0770-F467-1A6644329CFC}"/>
+          </ac:spMkLst>
+        </pc:spChg>
+        <pc:spChg chg="mod">
+          <ac:chgData name="Vissapragada,Sai Tejaswee" userId="S::s545438@nwmissouri.edu::ac5152bd-e08b-42ef-87f5-6857be20e85f" providerId="AD" clId="Web-{A8C22E62-5AA5-483F-A10E-5EB0B6850044}" dt="2022-10-14T15:24:37.267" v="328" actId="20577"/>
+          <ac:spMkLst>
+            <pc:docMk/>
+            <pc:sldMk cId="3225898199" sldId="378"/>
+            <ac:spMk id="3" creationId="{627AC61C-9393-097F-8278-A135703BB589}"/>
+          </ac:spMkLst>
+        </pc:spChg>
+        <pc:spChg chg="add del mod">
+          <ac:chgData name="Vissapragada,Sai Tejaswee" userId="S::s545438@nwmissouri.edu::ac5152bd-e08b-42ef-87f5-6857be20e85f" providerId="AD" clId="Web-{A8C22E62-5AA5-483F-A10E-5EB0B6850044}" dt="2022-10-14T15:23:40.344" v="322"/>
+          <ac:spMkLst>
+            <pc:docMk/>
+            <pc:sldMk cId="3225898199" sldId="378"/>
+            <ac:spMk id="5" creationId="{0CC146A7-8589-151D-467A-2DFFFD93A847}"/>
+          </ac:spMkLst>
+        </pc:spChg>
+        <pc:spChg chg="add mod">
+          <ac:chgData name="Vissapragada,Sai Tejaswee" userId="S::s545438@nwmissouri.edu::ac5152bd-e08b-42ef-87f5-6857be20e85f" providerId="AD" clId="Web-{A8C22E62-5AA5-483F-A10E-5EB0B6850044}" dt="2022-10-14T15:24:10.829" v="325" actId="20577"/>
+          <ac:spMkLst>
+            <pc:docMk/>
+            <pc:sldMk cId="3225898199" sldId="378"/>
+            <ac:spMk id="7" creationId="{D6B5D823-5C12-1AB8-3142-290071BA27E1}"/>
+          </ac:spMkLst>
+        </pc:spChg>
+      </pc:sldChg>
+      <pc:sldChg chg="modSp ord">
+        <pc:chgData name="Vissapragada,Sai Tejaswee" userId="S::s545438@nwmissouri.edu::ac5152bd-e08b-42ef-87f5-6857be20e85f" providerId="AD" clId="Web-{A8C22E62-5AA5-483F-A10E-5EB0B6850044}" dt="2022-10-14T15:42:03.477" v="397" actId="20577"/>
+        <pc:sldMkLst>
+          <pc:docMk/>
+          <pc:sldMk cId="836180278" sldId="379"/>
+        </pc:sldMkLst>
+        <pc:spChg chg="mod">
+          <ac:chgData name="Vissapragada,Sai Tejaswee" userId="S::s545438@nwmissouri.edu::ac5152bd-e08b-42ef-87f5-6857be20e85f" providerId="AD" clId="Web-{A8C22E62-5AA5-483F-A10E-5EB0B6850044}" dt="2022-10-14T15:42:03.477" v="397" actId="20577"/>
+          <ac:spMkLst>
+            <pc:docMk/>
+            <pc:sldMk cId="836180278" sldId="379"/>
+            <ac:spMk id="3" creationId="{6F325FD3-8624-CDB2-FF03-5B4140CC7C86}"/>
+          </ac:spMkLst>
+        </pc:spChg>
+      </pc:sldChg>
+      <pc:sldChg chg="modSp add">
+        <pc:chgData name="Vissapragada,Sai Tejaswee" userId="S::s545438@nwmissouri.edu::ac5152bd-e08b-42ef-87f5-6857be20e85f" providerId="AD" clId="Web-{A8C22E62-5AA5-483F-A10E-5EB0B6850044}" dt="2022-10-14T16:25:57.626" v="510" actId="20577"/>
+        <pc:sldMkLst>
+          <pc:docMk/>
+          <pc:sldMk cId="3033080522" sldId="380"/>
+        </pc:sldMkLst>
+        <pc:spChg chg="mod">
+          <ac:chgData name="Vissapragada,Sai Tejaswee" userId="S::s545438@nwmissouri.edu::ac5152bd-e08b-42ef-87f5-6857be20e85f" providerId="AD" clId="Web-{A8C22E62-5AA5-483F-A10E-5EB0B6850044}" dt="2022-10-14T16:11:23.139" v="493" actId="1076"/>
+          <ac:spMkLst>
+            <pc:docMk/>
+            <pc:sldMk cId="3033080522" sldId="380"/>
+            <ac:spMk id="2" creationId="{C841DDDB-09FE-0770-F467-1A6644329CFC}"/>
+          </ac:spMkLst>
+        </pc:spChg>
+        <pc:spChg chg="mod">
+          <ac:chgData name="Vissapragada,Sai Tejaswee" userId="S::s545438@nwmissouri.edu::ac5152bd-e08b-42ef-87f5-6857be20e85f" providerId="AD" clId="Web-{A8C22E62-5AA5-483F-A10E-5EB0B6850044}" dt="2022-10-14T16:25:57.626" v="510" actId="20577"/>
+          <ac:spMkLst>
+            <pc:docMk/>
+            <pc:sldMk cId="3033080522" sldId="380"/>
+            <ac:spMk id="3" creationId="{627AC61C-9393-097F-8278-A135703BB589}"/>
+          </ac:spMkLst>
+        </pc:spChg>
+      </pc:sldChg>
+      <pc:sldMasterChg chg="add addSldLayout">
+        <pc:chgData name="Vissapragada,Sai Tejaswee" userId="S::s545438@nwmissouri.edu::ac5152bd-e08b-42ef-87f5-6857be20e85f" providerId="AD" clId="Web-{A8C22E62-5AA5-483F-A10E-5EB0B6850044}" dt="2022-10-14T15:23:13.109" v="318"/>
+        <pc:sldMasterMkLst>
+          <pc:docMk/>
+          <pc:sldMasterMk cId="665472013" sldId="2147483648"/>
+        </pc:sldMasterMkLst>
+        <pc:sldLayoutChg chg="add">
+          <pc:chgData name="Vissapragada,Sai Tejaswee" userId="S::s545438@nwmissouri.edu::ac5152bd-e08b-42ef-87f5-6857be20e85f" providerId="AD" clId="Web-{A8C22E62-5AA5-483F-A10E-5EB0B6850044}" dt="2022-10-14T15:23:13.109" v="318"/>
+          <pc:sldLayoutMkLst>
+            <pc:docMk/>
+            <pc:sldMasterMk cId="665472013" sldId="2147483648"/>
+            <pc:sldLayoutMk cId="1458169407" sldId="2147483649"/>
+          </pc:sldLayoutMkLst>
+        </pc:sldLayoutChg>
+        <pc:sldLayoutChg chg="add">
+          <pc:chgData name="Vissapragada,Sai Tejaswee" userId="S::s545438@nwmissouri.edu::ac5152bd-e08b-42ef-87f5-6857be20e85f" providerId="AD" clId="Web-{A8C22E62-5AA5-483F-A10E-5EB0B6850044}" dt="2022-10-14T15:23:13.109" v="318"/>
+          <pc:sldLayoutMkLst>
+            <pc:docMk/>
+            <pc:sldMasterMk cId="665472013" sldId="2147483648"/>
+            <pc:sldLayoutMk cId="233810693" sldId="2147483650"/>
+          </pc:sldLayoutMkLst>
+        </pc:sldLayoutChg>
+        <pc:sldLayoutChg chg="add">
+          <pc:chgData name="Vissapragada,Sai Tejaswee" userId="S::s545438@nwmissouri.edu::ac5152bd-e08b-42ef-87f5-6857be20e85f" providerId="AD" clId="Web-{A8C22E62-5AA5-483F-A10E-5EB0B6850044}" dt="2022-10-14T15:23:13.109" v="318"/>
+          <pc:sldLayoutMkLst>
+            <pc:docMk/>
+            <pc:sldMasterMk cId="665472013" sldId="2147483648"/>
+            <pc:sldLayoutMk cId="3055460370" sldId="2147483651"/>
+          </pc:sldLayoutMkLst>
+        </pc:sldLayoutChg>
+        <pc:sldLayoutChg chg="add">
+          <pc:chgData name="Vissapragada,Sai Tejaswee" userId="S::s545438@nwmissouri.edu::ac5152bd-e08b-42ef-87f5-6857be20e85f" providerId="AD" clId="Web-{A8C22E62-5AA5-483F-A10E-5EB0B6850044}" dt="2022-10-14T15:23:13.109" v="318"/>
+          <pc:sldLayoutMkLst>
+            <pc:docMk/>
+            <pc:sldMasterMk cId="665472013" sldId="2147483648"/>
+            <pc:sldLayoutMk cId="3245278729" sldId="2147483652"/>
+          </pc:sldLayoutMkLst>
+        </pc:sldLayoutChg>
+        <pc:sldLayoutChg chg="add">
+          <pc:chgData name="Vissapragada,Sai Tejaswee" userId="S::s545438@nwmissouri.edu::ac5152bd-e08b-42ef-87f5-6857be20e85f" providerId="AD" clId="Web-{A8C22E62-5AA5-483F-A10E-5EB0B6850044}" dt="2022-10-14T15:23:13.109" v="318"/>
+          <pc:sldLayoutMkLst>
+            <pc:docMk/>
+            <pc:sldMasterMk cId="665472013" sldId="2147483648"/>
+            <pc:sldLayoutMk cId="2460712989" sldId="2147483653"/>
+          </pc:sldLayoutMkLst>
+        </pc:sldLayoutChg>
+        <pc:sldLayoutChg chg="add">
+          <pc:chgData name="Vissapragada,Sai Tejaswee" userId="S::s545438@nwmissouri.edu::ac5152bd-e08b-42ef-87f5-6857be20e85f" providerId="AD" clId="Web-{A8C22E62-5AA5-483F-A10E-5EB0B6850044}" dt="2022-10-14T15:23:13.109" v="318"/>
+          <pc:sldLayoutMkLst>
+            <pc:docMk/>
+            <pc:sldMasterMk cId="665472013" sldId="2147483648"/>
+            <pc:sldLayoutMk cId="420868276" sldId="2147483654"/>
+          </pc:sldLayoutMkLst>
+        </pc:sldLayoutChg>
+        <pc:sldLayoutChg chg="add">
+          <pc:chgData name="Vissapragada,Sai Tejaswee" userId="S::s545438@nwmissouri.edu::ac5152bd-e08b-42ef-87f5-6857be20e85f" providerId="AD" clId="Web-{A8C22E62-5AA5-483F-A10E-5EB0B6850044}" dt="2022-10-14T15:23:13.109" v="318"/>
+          <pc:sldLayoutMkLst>
+            <pc:docMk/>
+            <pc:sldMasterMk cId="665472013" sldId="2147483648"/>
+            <pc:sldLayoutMk cId="2188320448" sldId="2147483655"/>
+          </pc:sldLayoutMkLst>
+        </pc:sldLayoutChg>
+        <pc:sldLayoutChg chg="add">
+          <pc:chgData name="Vissapragada,Sai Tejaswee" userId="S::s545438@nwmissouri.edu::ac5152bd-e08b-42ef-87f5-6857be20e85f" providerId="AD" clId="Web-{A8C22E62-5AA5-483F-A10E-5EB0B6850044}" dt="2022-10-14T15:23:13.109" v="318"/>
+          <pc:sldLayoutMkLst>
+            <pc:docMk/>
+            <pc:sldMasterMk cId="665472013" sldId="2147483648"/>
+            <pc:sldLayoutMk cId="1478049854" sldId="2147483656"/>
+          </pc:sldLayoutMkLst>
+        </pc:sldLayoutChg>
+        <pc:sldLayoutChg chg="add">
+          <pc:chgData name="Vissapragada,Sai Tejaswee" userId="S::s545438@nwmissouri.edu::ac5152bd-e08b-42ef-87f5-6857be20e85f" providerId="AD" clId="Web-{A8C22E62-5AA5-483F-A10E-5EB0B6850044}" dt="2022-10-14T15:23:13.109" v="318"/>
+          <pc:sldLayoutMkLst>
+            <pc:docMk/>
+            <pc:sldMasterMk cId="665472013" sldId="2147483648"/>
+            <pc:sldLayoutMk cId="262202188" sldId="2147483657"/>
+          </pc:sldLayoutMkLst>
+        </pc:sldLayoutChg>
+        <pc:sldLayoutChg chg="add">
+          <pc:chgData name="Vissapragada,Sai Tejaswee" userId="S::s545438@nwmissouri.edu::ac5152bd-e08b-42ef-87f5-6857be20e85f" providerId="AD" clId="Web-{A8C22E62-5AA5-483F-A10E-5EB0B6850044}" dt="2022-10-14T15:23:13.109" v="318"/>
+          <pc:sldLayoutMkLst>
+            <pc:docMk/>
+            <pc:sldMasterMk cId="665472013" sldId="2147483648"/>
+            <pc:sldLayoutMk cId="2294843928" sldId="2147483658"/>
+          </pc:sldLayoutMkLst>
+        </pc:sldLayoutChg>
+        <pc:sldLayoutChg chg="add">
+          <pc:chgData name="Vissapragada,Sai Tejaswee" userId="S::s545438@nwmissouri.edu::ac5152bd-e08b-42ef-87f5-6857be20e85f" providerId="AD" clId="Web-{A8C22E62-5AA5-483F-A10E-5EB0B6850044}" dt="2022-10-14T15:23:13.109" v="318"/>
+          <pc:sldLayoutMkLst>
+            <pc:docMk/>
+            <pc:sldMasterMk cId="665472013" sldId="2147483648"/>
+            <pc:sldLayoutMk cId="3209405923" sldId="2147483659"/>
+          </pc:sldLayoutMkLst>
+        </pc:sldLayoutChg>
+      </pc:sldMasterChg>
+      <pc:sldMasterChg chg="del delSldLayout">
+        <pc:chgData name="Vissapragada,Sai Tejaswee" userId="S::s545438@nwmissouri.edu::ac5152bd-e08b-42ef-87f5-6857be20e85f" providerId="AD" clId="Web-{A8C22E62-5AA5-483F-A10E-5EB0B6850044}" dt="2022-10-14T14:54:02.291" v="189"/>
+        <pc:sldMasterMkLst>
+          <pc:docMk/>
+          <pc:sldMasterMk cId="3402309836" sldId="2147483712"/>
+        </pc:sldMasterMkLst>
+        <pc:sldLayoutChg chg="del">
+          <pc:chgData name="Vissapragada,Sai Tejaswee" userId="S::s545438@nwmissouri.edu::ac5152bd-e08b-42ef-87f5-6857be20e85f" providerId="AD" clId="Web-{A8C22E62-5AA5-483F-A10E-5EB0B6850044}" dt="2022-10-14T14:54:02.291" v="189"/>
+          <pc:sldLayoutMkLst>
+            <pc:docMk/>
+            <pc:sldMasterMk cId="3402309836" sldId="2147483712"/>
+            <pc:sldLayoutMk cId="155847499" sldId="2147483713"/>
+          </pc:sldLayoutMkLst>
+        </pc:sldLayoutChg>
+        <pc:sldLayoutChg chg="del">
+          <pc:chgData name="Vissapragada,Sai Tejaswee" userId="S::s545438@nwmissouri.edu::ac5152bd-e08b-42ef-87f5-6857be20e85f" providerId="AD" clId="Web-{A8C22E62-5AA5-483F-A10E-5EB0B6850044}" dt="2022-10-14T14:54:02.291" v="189"/>
+          <pc:sldLayoutMkLst>
+            <pc:docMk/>
+            <pc:sldMasterMk cId="3402309836" sldId="2147483712"/>
+            <pc:sldLayoutMk cId="1458528500" sldId="2147483714"/>
+          </pc:sldLayoutMkLst>
+        </pc:sldLayoutChg>
+        <pc:sldLayoutChg chg="del">
+          <pc:chgData name="Vissapragada,Sai Tejaswee" userId="S::s545438@nwmissouri.edu::ac5152bd-e08b-42ef-87f5-6857be20e85f" providerId="AD" clId="Web-{A8C22E62-5AA5-483F-A10E-5EB0B6850044}" dt="2022-10-14T14:54:02.291" v="189"/>
+          <pc:sldLayoutMkLst>
+            <pc:docMk/>
+            <pc:sldMasterMk cId="3402309836" sldId="2147483712"/>
+            <pc:sldLayoutMk cId="3981056472" sldId="2147483715"/>
+          </pc:sldLayoutMkLst>
+        </pc:sldLayoutChg>
+        <pc:sldLayoutChg chg="del">
+          <pc:chgData name="Vissapragada,Sai Tejaswee" userId="S::s545438@nwmissouri.edu::ac5152bd-e08b-42ef-87f5-6857be20e85f" providerId="AD" clId="Web-{A8C22E62-5AA5-483F-A10E-5EB0B6850044}" dt="2022-10-14T14:54:02.291" v="189"/>
+          <pc:sldLayoutMkLst>
+            <pc:docMk/>
+            <pc:sldMasterMk cId="3402309836" sldId="2147483712"/>
+            <pc:sldLayoutMk cId="2156215914" sldId="2147483716"/>
+          </pc:sldLayoutMkLst>
+        </pc:sldLayoutChg>
+        <pc:sldLayoutChg chg="del">
+          <pc:chgData name="Vissapragada,Sai Tejaswee" userId="S::s545438@nwmissouri.edu::ac5152bd-e08b-42ef-87f5-6857be20e85f" providerId="AD" clId="Web-{A8C22E62-5AA5-483F-A10E-5EB0B6850044}" dt="2022-10-14T14:54:02.291" v="189"/>
+          <pc:sldLayoutMkLst>
+            <pc:docMk/>
+            <pc:sldMasterMk cId="3402309836" sldId="2147483712"/>
+            <pc:sldLayoutMk cId="192506806" sldId="2147483717"/>
+          </pc:sldLayoutMkLst>
+        </pc:sldLayoutChg>
+        <pc:sldLayoutChg chg="del">
+          <pc:chgData name="Vissapragada,Sai Tejaswee" userId="S::s545438@nwmissouri.edu::ac5152bd-e08b-42ef-87f5-6857be20e85f" providerId="AD" clId="Web-{A8C22E62-5AA5-483F-A10E-5EB0B6850044}" dt="2022-10-14T14:54:02.291" v="189"/>
+          <pc:sldLayoutMkLst>
+            <pc:docMk/>
+            <pc:sldMasterMk cId="3402309836" sldId="2147483712"/>
+            <pc:sldLayoutMk cId="1320739255" sldId="2147483718"/>
+          </pc:sldLayoutMkLst>
+        </pc:sldLayoutChg>
+        <pc:sldLayoutChg chg="del">
+          <pc:chgData name="Vissapragada,Sai Tejaswee" userId="S::s545438@nwmissouri.edu::ac5152bd-e08b-42ef-87f5-6857be20e85f" providerId="AD" clId="Web-{A8C22E62-5AA5-483F-A10E-5EB0B6850044}" dt="2022-10-14T14:54:02.291" v="189"/>
+          <pc:sldLayoutMkLst>
+            <pc:docMk/>
+            <pc:sldMasterMk cId="3402309836" sldId="2147483712"/>
+            <pc:sldLayoutMk cId="1287267590" sldId="2147483719"/>
+          </pc:sldLayoutMkLst>
+        </pc:sldLayoutChg>
+        <pc:sldLayoutChg chg="del">
+          <pc:chgData name="Vissapragada,Sai Tejaswee" userId="S::s545438@nwmissouri.edu::ac5152bd-e08b-42ef-87f5-6857be20e85f" providerId="AD" clId="Web-{A8C22E62-5AA5-483F-A10E-5EB0B6850044}" dt="2022-10-14T14:54:02.291" v="189"/>
+          <pc:sldLayoutMkLst>
+            <pc:docMk/>
+            <pc:sldMasterMk cId="3402309836" sldId="2147483712"/>
+            <pc:sldLayoutMk cId="2468964331" sldId="2147483720"/>
+          </pc:sldLayoutMkLst>
+        </pc:sldLayoutChg>
+        <pc:sldLayoutChg chg="del">
+          <pc:chgData name="Vissapragada,Sai Tejaswee" userId="S::s545438@nwmissouri.edu::ac5152bd-e08b-42ef-87f5-6857be20e85f" providerId="AD" clId="Web-{A8C22E62-5AA5-483F-A10E-5EB0B6850044}" dt="2022-10-14T14:54:02.291" v="189"/>
+          <pc:sldLayoutMkLst>
+            <pc:docMk/>
+            <pc:sldMasterMk cId="3402309836" sldId="2147483712"/>
+            <pc:sldLayoutMk cId="84800665" sldId="2147483721"/>
+          </pc:sldLayoutMkLst>
+        </pc:sldLayoutChg>
+        <pc:sldLayoutChg chg="del">
+          <pc:chgData name="Vissapragada,Sai Tejaswee" userId="S::s545438@nwmissouri.edu::ac5152bd-e08b-42ef-87f5-6857be20e85f" providerId="AD" clId="Web-{A8C22E62-5AA5-483F-A10E-5EB0B6850044}" dt="2022-10-14T14:54:02.291" v="189"/>
+          <pc:sldLayoutMkLst>
+            <pc:docMk/>
+            <pc:sldMasterMk cId="3402309836" sldId="2147483712"/>
+            <pc:sldLayoutMk cId="1079905034" sldId="2147483722"/>
+          </pc:sldLayoutMkLst>
+        </pc:sldLayoutChg>
+        <pc:sldLayoutChg chg="del">
+          <pc:chgData name="Vissapragada,Sai Tejaswee" userId="S::s545438@nwmissouri.edu::ac5152bd-e08b-42ef-87f5-6857be20e85f" providerId="AD" clId="Web-{A8C22E62-5AA5-483F-A10E-5EB0B6850044}" dt="2022-10-14T14:54:02.291" v="189"/>
+          <pc:sldLayoutMkLst>
+            <pc:docMk/>
+            <pc:sldMasterMk cId="3402309836" sldId="2147483712"/>
+            <pc:sldLayoutMk cId="67894319" sldId="2147483723"/>
+          </pc:sldLayoutMkLst>
+        </pc:sldLayoutChg>
+      </pc:sldMasterChg>
+      <pc:sldMasterChg chg="add addSldLayout modSldLayout">
+        <pc:chgData name="Vissapragada,Sai Tejaswee" userId="S::s545438@nwmissouri.edu::ac5152bd-e08b-42ef-87f5-6857be20e85f" providerId="AD" clId="Web-{A8C22E62-5AA5-483F-A10E-5EB0B6850044}" dt="2022-10-14T14:54:02.291" v="189"/>
+        <pc:sldMasterMkLst>
+          <pc:docMk/>
+          <pc:sldMasterMk cId="811897821" sldId="2147483724"/>
+        </pc:sldMasterMkLst>
+        <pc:sldLayoutChg chg="add mod replId">
+          <pc:chgData name="Vissapragada,Sai Tejaswee" userId="S::s545438@nwmissouri.edu::ac5152bd-e08b-42ef-87f5-6857be20e85f" providerId="AD" clId="Web-{A8C22E62-5AA5-483F-A10E-5EB0B6850044}" dt="2022-10-14T14:54:02.291" v="189"/>
+          <pc:sldLayoutMkLst>
+            <pc:docMk/>
+            <pc:sldMasterMk cId="811897821" sldId="2147483724"/>
+            <pc:sldLayoutMk cId="3208152015" sldId="2147483725"/>
+          </pc:sldLayoutMkLst>
+        </pc:sldLayoutChg>
+        <pc:sldLayoutChg chg="add mod replId">
+          <pc:chgData name="Vissapragada,Sai Tejaswee" userId="S::s545438@nwmissouri.edu::ac5152bd-e08b-42ef-87f5-6857be20e85f" providerId="AD" clId="Web-{A8C22E62-5AA5-483F-A10E-5EB0B6850044}" dt="2022-10-14T14:54:02.291" v="189"/>
+          <pc:sldLayoutMkLst>
+            <pc:docMk/>
+            <pc:sldMasterMk cId="811897821" sldId="2147483724"/>
+            <pc:sldLayoutMk cId="3627695572" sldId="2147483726"/>
+          </pc:sldLayoutMkLst>
+        </pc:sldLayoutChg>
+        <pc:sldLayoutChg chg="add mod replId">
+          <pc:chgData name="Vissapragada,Sai Tejaswee" userId="S::s545438@nwmissouri.edu::ac5152bd-e08b-42ef-87f5-6857be20e85f" providerId="AD" clId="Web-{A8C22E62-5AA5-483F-A10E-5EB0B6850044}" dt="2022-10-14T14:54:02.291" v="189"/>
+          <pc:sldLayoutMkLst>
+            <pc:docMk/>
+            <pc:sldMasterMk cId="811897821" sldId="2147483724"/>
+            <pc:sldLayoutMk cId="3061910980" sldId="2147483727"/>
+          </pc:sldLayoutMkLst>
+        </pc:sldLayoutChg>
+        <pc:sldLayoutChg chg="add mod replId">
+          <pc:chgData name="Vissapragada,Sai Tejaswee" userId="S::s545438@nwmissouri.edu::ac5152bd-e08b-42ef-87f5-6857be20e85f" providerId="AD" clId="Web-{A8C22E62-5AA5-483F-A10E-5EB0B6850044}" dt="2022-10-14T14:54:02.291" v="189"/>
+          <pc:sldLayoutMkLst>
+            <pc:docMk/>
+            <pc:sldMasterMk cId="811897821" sldId="2147483724"/>
+            <pc:sldLayoutMk cId="2022701550" sldId="2147483728"/>
+          </pc:sldLayoutMkLst>
+        </pc:sldLayoutChg>
+        <pc:sldLayoutChg chg="add mod replId">
+          <pc:chgData name="Vissapragada,Sai Tejaswee" userId="S::s545438@nwmissouri.edu::ac5152bd-e08b-42ef-87f5-6857be20e85f" providerId="AD" clId="Web-{A8C22E62-5AA5-483F-A10E-5EB0B6850044}" dt="2022-10-14T14:54:02.291" v="189"/>
+          <pc:sldLayoutMkLst>
+            <pc:docMk/>
+            <pc:sldMasterMk cId="811897821" sldId="2147483724"/>
+            <pc:sldLayoutMk cId="2897638432" sldId="2147483729"/>
+          </pc:sldLayoutMkLst>
+        </pc:sldLayoutChg>
+        <pc:sldLayoutChg chg="add mod replId">
+          <pc:chgData name="Vissapragada,Sai Tejaswee" userId="S::s545438@nwmissouri.edu::ac5152bd-e08b-42ef-87f5-6857be20e85f" providerId="AD" clId="Web-{A8C22E62-5AA5-483F-A10E-5EB0B6850044}" dt="2022-10-14T14:54:02.291" v="189"/>
+          <pc:sldLayoutMkLst>
+            <pc:docMk/>
+            <pc:sldMasterMk cId="811897821" sldId="2147483724"/>
+            <pc:sldLayoutMk cId="695812942" sldId="2147483730"/>
+          </pc:sldLayoutMkLst>
+        </pc:sldLayoutChg>
+        <pc:sldLayoutChg chg="add mod replId">
+          <pc:chgData name="Vissapragada,Sai Tejaswee" userId="S::s545438@nwmissouri.edu::ac5152bd-e08b-42ef-87f5-6857be20e85f" providerId="AD" clId="Web-{A8C22E62-5AA5-483F-A10E-5EB0B6850044}" dt="2022-10-14T14:54:02.291" v="189"/>
+          <pc:sldLayoutMkLst>
+            <pc:docMk/>
+            <pc:sldMasterMk cId="811897821" sldId="2147483724"/>
+            <pc:sldLayoutMk cId="1239700076" sldId="2147483731"/>
+          </pc:sldLayoutMkLst>
+        </pc:sldLayoutChg>
+        <pc:sldLayoutChg chg="add mod replId">
+          <pc:chgData name="Vissapragada,Sai Tejaswee" userId="S::s545438@nwmissouri.edu::ac5152bd-e08b-42ef-87f5-6857be20e85f" providerId="AD" clId="Web-{A8C22E62-5AA5-483F-A10E-5EB0B6850044}" dt="2022-10-14T14:54:02.291" v="189"/>
+          <pc:sldLayoutMkLst>
+            <pc:docMk/>
+            <pc:sldMasterMk cId="811897821" sldId="2147483724"/>
+            <pc:sldLayoutMk cId="2558372690" sldId="2147483732"/>
+          </pc:sldLayoutMkLst>
+        </pc:sldLayoutChg>
+        <pc:sldLayoutChg chg="add mod replId">
+          <pc:chgData name="Vissapragada,Sai Tejaswee" userId="S::s545438@nwmissouri.edu::ac5152bd-e08b-42ef-87f5-6857be20e85f" providerId="AD" clId="Web-{A8C22E62-5AA5-483F-A10E-5EB0B6850044}" dt="2022-10-14T14:54:02.291" v="189"/>
+          <pc:sldLayoutMkLst>
+            <pc:docMk/>
+            <pc:sldMasterMk cId="811897821" sldId="2147483724"/>
+            <pc:sldLayoutMk cId="2715583257" sldId="2147483733"/>
+          </pc:sldLayoutMkLst>
+        </pc:sldLayoutChg>
+        <pc:sldLayoutChg chg="add mod replId">
+          <pc:chgData name="Vissapragada,Sai Tejaswee" userId="S::s545438@nwmissouri.edu::ac5152bd-e08b-42ef-87f5-6857be20e85f" providerId="AD" clId="Web-{A8C22E62-5AA5-483F-A10E-5EB0B6850044}" dt="2022-10-14T14:54:02.291" v="189"/>
+          <pc:sldLayoutMkLst>
+            <pc:docMk/>
+            <pc:sldMasterMk cId="811897821" sldId="2147483724"/>
+            <pc:sldLayoutMk cId="2125951674" sldId="2147483734"/>
+          </pc:sldLayoutMkLst>
+        </pc:sldLayoutChg>
+        <pc:sldLayoutChg chg="add mod replId">
+          <pc:chgData name="Vissapragada,Sai Tejaswee" userId="S::s545438@nwmissouri.edu::ac5152bd-e08b-42ef-87f5-6857be20e85f" providerId="AD" clId="Web-{A8C22E62-5AA5-483F-A10E-5EB0B6850044}" dt="2022-10-14T14:54:02.291" v="189"/>
+          <pc:sldLayoutMkLst>
+            <pc:docMk/>
+            <pc:sldMasterMk cId="811897821" sldId="2147483724"/>
+            <pc:sldLayoutMk cId="617663772" sldId="2147483735"/>
+          </pc:sldLayoutMkLst>
+        </pc:sldLayoutChg>
+      </pc:sldMasterChg>
+    </pc:docChg>
+  </pc:docChgLst>
+  <pc:docChgLst>
     <pc:chgData name="Janumula,Sailaxman" userId="S::s544100@nwmissouri.edu::057ba501-34c5-48a9-a77d-e6ca3e3b42d5" providerId="AD" clId="Web-{2D846336-9554-2D9E-6BB0-D4386FA2A1C3}"/>
     <pc:docChg chg="modSld">
       <pc:chgData name="Janumula,Sailaxman" userId="S::s544100@nwmissouri.edu::057ba501-34c5-48a9-a77d-e6ca3e3b42d5" providerId="AD" clId="Web-{2D846336-9554-2D9E-6BB0-D4386FA2A1C3}" dt="2022-10-14T13:06:11.337" v="131" actId="20577"/>
@@ -2821,6 +2657,519 @@
             <ac:spMk id="3" creationId="{3CC905E3-3707-BA22-DDB9-9FF9CDFDF532}"/>
           </ac:spMkLst>
         </pc:spChg>
+      </pc:sldChg>
+    </pc:docChg>
+  </pc:docChgLst>
+  <pc:docChgLst>
+    <pc:chgData name="Dammannagari,Jahnavi" userId="S::s545241@nwmissouri.edu::57b5fd11-6565-4914-86c8-bc292b5f2f1b" providerId="AD" clId="Web-{B027FBD9-1FB0-4A80-A451-F01E0C52357B}"/>
+    <pc:docChg chg="modSld">
+      <pc:chgData name="Dammannagari,Jahnavi" userId="S::s545241@nwmissouri.edu::57b5fd11-6565-4914-86c8-bc292b5f2f1b" providerId="AD" clId="Web-{B027FBD9-1FB0-4A80-A451-F01E0C52357B}" dt="2022-10-14T16:30:58.849" v="3" actId="20577"/>
+      <pc:docMkLst>
+        <pc:docMk/>
+      </pc:docMkLst>
+      <pc:sldChg chg="modSp">
+        <pc:chgData name="Dammannagari,Jahnavi" userId="S::s545241@nwmissouri.edu::57b5fd11-6565-4914-86c8-bc292b5f2f1b" providerId="AD" clId="Web-{B027FBD9-1FB0-4A80-A451-F01E0C52357B}" dt="2022-10-14T16:30:58.849" v="3" actId="20577"/>
+        <pc:sldMkLst>
+          <pc:docMk/>
+          <pc:sldMk cId="884823026" sldId="371"/>
+        </pc:sldMkLst>
+        <pc:spChg chg="mod">
+          <ac:chgData name="Dammannagari,Jahnavi" userId="S::s545241@nwmissouri.edu::57b5fd11-6565-4914-86c8-bc292b5f2f1b" providerId="AD" clId="Web-{B027FBD9-1FB0-4A80-A451-F01E0C52357B}" dt="2022-10-14T16:30:58.849" v="3" actId="20577"/>
+          <ac:spMkLst>
+            <pc:docMk/>
+            <pc:sldMk cId="884823026" sldId="371"/>
+            <ac:spMk id="3" creationId="{1CE5B5B3-F968-7176-817F-D2DECAB3BFC0}"/>
+          </ac:spMkLst>
+        </pc:spChg>
+      </pc:sldChg>
+    </pc:docChg>
+  </pc:docChgLst>
+  <pc:docChgLst>
+    <pc:chgData name="Myakala,Shiva Krishna" userId="S::s545549@nwmissouri.edu::1ad7070b-5778-4d5e-ba6b-216720902aee" providerId="AD" clId="Web-{F20EB9F4-8045-359E-AE86-9ECCD8700251}"/>
+    <pc:docChg chg="addSld modSld sldOrd">
+      <pc:chgData name="Myakala,Shiva Krishna" userId="S::s545549@nwmissouri.edu::1ad7070b-5778-4d5e-ba6b-216720902aee" providerId="AD" clId="Web-{F20EB9F4-8045-359E-AE86-9ECCD8700251}" dt="2022-10-14T16:01:22.857" v="786" actId="20577"/>
+      <pc:docMkLst>
+        <pc:docMk/>
+      </pc:docMkLst>
+      <pc:sldChg chg="addSp delSp modSp new mod ord setBg">
+        <pc:chgData name="Myakala,Shiva Krishna" userId="S::s545549@nwmissouri.edu::1ad7070b-5778-4d5e-ba6b-216720902aee" providerId="AD" clId="Web-{F20EB9F4-8045-359E-AE86-9ECCD8700251}" dt="2022-10-14T15:36:34.556" v="479"/>
+        <pc:sldMkLst>
+          <pc:docMk/>
+          <pc:sldMk cId="437098969" sldId="370"/>
+        </pc:sldMkLst>
+        <pc:spChg chg="mod">
+          <ac:chgData name="Myakala,Shiva Krishna" userId="S::s545549@nwmissouri.edu::1ad7070b-5778-4d5e-ba6b-216720902aee" providerId="AD" clId="Web-{F20EB9F4-8045-359E-AE86-9ECCD8700251}" dt="2022-10-14T14:36:17.393" v="70"/>
+          <ac:spMkLst>
+            <pc:docMk/>
+            <pc:sldMk cId="437098969" sldId="370"/>
+            <ac:spMk id="2" creationId="{A8723335-4D01-C533-AC17-BB39BC5E4AB8}"/>
+          </ac:spMkLst>
+        </pc:spChg>
+        <pc:spChg chg="mod ord">
+          <ac:chgData name="Myakala,Shiva Krishna" userId="S::s545549@nwmissouri.edu::1ad7070b-5778-4d5e-ba6b-216720902aee" providerId="AD" clId="Web-{F20EB9F4-8045-359E-AE86-9ECCD8700251}" dt="2022-10-14T14:37:37.504" v="80" actId="20577"/>
+          <ac:spMkLst>
+            <pc:docMk/>
+            <pc:sldMk cId="437098969" sldId="370"/>
+            <ac:spMk id="3" creationId="{2717A627-2709-3E6E-A10A-905A446CF39D}"/>
+          </ac:spMkLst>
+        </pc:spChg>
+        <pc:spChg chg="mod ord">
+          <ac:chgData name="Myakala,Shiva Krishna" userId="S::s545549@nwmissouri.edu::1ad7070b-5778-4d5e-ba6b-216720902aee" providerId="AD" clId="Web-{F20EB9F4-8045-359E-AE86-9ECCD8700251}" dt="2022-10-14T14:36:17.393" v="70"/>
+          <ac:spMkLst>
+            <pc:docMk/>
+            <pc:sldMk cId="437098969" sldId="370"/>
+            <ac:spMk id="4" creationId="{5A0C8046-7569-8FB5-356C-E4DB27FB3CE6}"/>
+          </ac:spMkLst>
+        </pc:spChg>
+        <pc:spChg chg="add del">
+          <ac:chgData name="Myakala,Shiva Krishna" userId="S::s545549@nwmissouri.edu::1ad7070b-5778-4d5e-ba6b-216720902aee" providerId="AD" clId="Web-{F20EB9F4-8045-359E-AE86-9ECCD8700251}" dt="2022-10-14T14:36:17.393" v="70"/>
+          <ac:spMkLst>
+            <pc:docMk/>
+            <pc:sldMk cId="437098969" sldId="370"/>
+            <ac:spMk id="10" creationId="{5E39A796-BE83-48B1-B33F-35C4A32AAB57}"/>
+          </ac:spMkLst>
+        </pc:spChg>
+        <pc:spChg chg="add del">
+          <ac:chgData name="Myakala,Shiva Krishna" userId="S::s545549@nwmissouri.edu::1ad7070b-5778-4d5e-ba6b-216720902aee" providerId="AD" clId="Web-{F20EB9F4-8045-359E-AE86-9ECCD8700251}" dt="2022-10-14T14:36:17.393" v="70"/>
+          <ac:spMkLst>
+            <pc:docMk/>
+            <pc:sldMk cId="437098969" sldId="370"/>
+            <ac:spMk id="12" creationId="{72F84B47-E267-4194-8194-831DB7B5547F}"/>
+          </ac:spMkLst>
+        </pc:spChg>
+        <pc:spChg chg="add">
+          <ac:chgData name="Myakala,Shiva Krishna" userId="S::s545549@nwmissouri.edu::1ad7070b-5778-4d5e-ba6b-216720902aee" providerId="AD" clId="Web-{F20EB9F4-8045-359E-AE86-9ECCD8700251}" dt="2022-10-14T14:36:17.393" v="70"/>
+          <ac:spMkLst>
+            <pc:docMk/>
+            <pc:sldMk cId="437098969" sldId="370"/>
+            <ac:spMk id="17" creationId="{3346177D-ADC4-4968-B747-5CFCD390B5B9}"/>
+          </ac:spMkLst>
+        </pc:spChg>
+        <pc:spChg chg="add">
+          <ac:chgData name="Myakala,Shiva Krishna" userId="S::s545549@nwmissouri.edu::1ad7070b-5778-4d5e-ba6b-216720902aee" providerId="AD" clId="Web-{F20EB9F4-8045-359E-AE86-9ECCD8700251}" dt="2022-10-14T14:36:17.393" v="70"/>
+          <ac:spMkLst>
+            <pc:docMk/>
+            <pc:sldMk cId="437098969" sldId="370"/>
+            <ac:spMk id="19" creationId="{0844A943-BF79-4FEA-ABB1-3BD54D236606}"/>
+          </ac:spMkLst>
+        </pc:spChg>
+        <pc:spChg chg="add">
+          <ac:chgData name="Myakala,Shiva Krishna" userId="S::s545549@nwmissouri.edu::1ad7070b-5778-4d5e-ba6b-216720902aee" providerId="AD" clId="Web-{F20EB9F4-8045-359E-AE86-9ECCD8700251}" dt="2022-10-14T14:36:17.393" v="70"/>
+          <ac:spMkLst>
+            <pc:docMk/>
+            <pc:sldMk cId="437098969" sldId="370"/>
+            <ac:spMk id="21" creationId="{6437CC72-F4A8-4DC3-AFAB-D22C482C8100}"/>
+          </ac:spMkLst>
+        </pc:spChg>
+        <pc:picChg chg="add mod">
+          <ac:chgData name="Myakala,Shiva Krishna" userId="S::s545549@nwmissouri.edu::1ad7070b-5778-4d5e-ba6b-216720902aee" providerId="AD" clId="Web-{F20EB9F4-8045-359E-AE86-9ECCD8700251}" dt="2022-10-14T14:37:45.832" v="82" actId="14100"/>
+          <ac:picMkLst>
+            <pc:docMk/>
+            <pc:sldMk cId="437098969" sldId="370"/>
+            <ac:picMk id="5" creationId="{8BC2E01F-BB52-CA40-F63F-63DFB1D2B6F5}"/>
+          </ac:picMkLst>
+        </pc:picChg>
+      </pc:sldChg>
+      <pc:sldChg chg="delSp modSp new ord">
+        <pc:chgData name="Myakala,Shiva Krishna" userId="S::s545549@nwmissouri.edu::1ad7070b-5778-4d5e-ba6b-216720902aee" providerId="AD" clId="Web-{F20EB9F4-8045-359E-AE86-9ECCD8700251}" dt="2022-10-14T16:01:22.857" v="786" actId="20577"/>
+        <pc:sldMkLst>
+          <pc:docMk/>
+          <pc:sldMk cId="884823026" sldId="371"/>
+        </pc:sldMkLst>
+        <pc:spChg chg="del">
+          <ac:chgData name="Myakala,Shiva Krishna" userId="S::s545549@nwmissouri.edu::1ad7070b-5778-4d5e-ba6b-216720902aee" providerId="AD" clId="Web-{F20EB9F4-8045-359E-AE86-9ECCD8700251}" dt="2022-10-14T14:40:11.867" v="83"/>
+          <ac:spMkLst>
+            <pc:docMk/>
+            <pc:sldMk cId="884823026" sldId="371"/>
+            <ac:spMk id="2" creationId="{F43EBA1B-3143-D8A2-286E-5DD8267D06AF}"/>
+          </ac:spMkLst>
+        </pc:spChg>
+        <pc:spChg chg="mod">
+          <ac:chgData name="Myakala,Shiva Krishna" userId="S::s545549@nwmissouri.edu::1ad7070b-5778-4d5e-ba6b-216720902aee" providerId="AD" clId="Web-{F20EB9F4-8045-359E-AE86-9ECCD8700251}" dt="2022-10-14T16:01:22.857" v="786" actId="20577"/>
+          <ac:spMkLst>
+            <pc:docMk/>
+            <pc:sldMk cId="884823026" sldId="371"/>
+            <ac:spMk id="3" creationId="{1CE5B5B3-F968-7176-817F-D2DECAB3BFC0}"/>
+          </ac:spMkLst>
+        </pc:spChg>
+      </pc:sldChg>
+      <pc:sldChg chg="modSp">
+        <pc:chgData name="Myakala,Shiva Krishna" userId="S::s545549@nwmissouri.edu::1ad7070b-5778-4d5e-ba6b-216720902aee" providerId="AD" clId="Web-{F20EB9F4-8045-359E-AE86-9ECCD8700251}" dt="2022-10-14T15:49:05.854" v="513" actId="1076"/>
+        <pc:sldMkLst>
+          <pc:docMk/>
+          <pc:sldMk cId="4113795527" sldId="375"/>
+        </pc:sldMkLst>
+        <pc:picChg chg="mod">
+          <ac:chgData name="Myakala,Shiva Krishna" userId="S::s545549@nwmissouri.edu::1ad7070b-5778-4d5e-ba6b-216720902aee" providerId="AD" clId="Web-{F20EB9F4-8045-359E-AE86-9ECCD8700251}" dt="2022-10-14T15:49:05.854" v="513" actId="1076"/>
+          <ac:picMkLst>
+            <pc:docMk/>
+            <pc:sldMk cId="4113795527" sldId="375"/>
+            <ac:picMk id="4" creationId="{074D5358-FD49-FD13-8281-A866D2376EC2}"/>
+          </ac:picMkLst>
+        </pc:picChg>
+      </pc:sldChg>
+      <pc:sldChg chg="addSp modSp">
+        <pc:chgData name="Myakala,Shiva Krishna" userId="S::s545549@nwmissouri.edu::1ad7070b-5778-4d5e-ba6b-216720902aee" providerId="AD" clId="Web-{F20EB9F4-8045-359E-AE86-9ECCD8700251}" dt="2022-10-14T15:36:50.587" v="499" actId="20577"/>
+        <pc:sldMkLst>
+          <pc:docMk/>
+          <pc:sldMk cId="3225898199" sldId="378"/>
+        </pc:sldMkLst>
+        <pc:spChg chg="mod">
+          <ac:chgData name="Myakala,Shiva Krishna" userId="S::s545549@nwmissouri.edu::1ad7070b-5778-4d5e-ba6b-216720902aee" providerId="AD" clId="Web-{F20EB9F4-8045-359E-AE86-9ECCD8700251}" dt="2022-10-14T15:34:16.615" v="457" actId="20577"/>
+          <ac:spMkLst>
+            <pc:docMk/>
+            <pc:sldMk cId="3225898199" sldId="378"/>
+            <ac:spMk id="3" creationId="{627AC61C-9393-097F-8278-A135703BB589}"/>
+          </ac:spMkLst>
+        </pc:spChg>
+        <pc:spChg chg="mod">
+          <ac:chgData name="Myakala,Shiva Krishna" userId="S::s545549@nwmissouri.edu::1ad7070b-5778-4d5e-ba6b-216720902aee" providerId="AD" clId="Web-{F20EB9F4-8045-359E-AE86-9ECCD8700251}" dt="2022-10-14T15:36:50.587" v="499" actId="20577"/>
+          <ac:spMkLst>
+            <pc:docMk/>
+            <pc:sldMk cId="3225898199" sldId="378"/>
+            <ac:spMk id="7" creationId="{D6B5D823-5C12-1AB8-3142-290071BA27E1}"/>
+          </ac:spMkLst>
+        </pc:spChg>
+        <pc:picChg chg="add mod">
+          <ac:chgData name="Myakala,Shiva Krishna" userId="S::s545549@nwmissouri.edu::1ad7070b-5778-4d5e-ba6b-216720902aee" providerId="AD" clId="Web-{F20EB9F4-8045-359E-AE86-9ECCD8700251}" dt="2022-10-14T15:34:32.240" v="463" actId="14100"/>
+          <ac:picMkLst>
+            <pc:docMk/>
+            <pc:sldMk cId="3225898199" sldId="378"/>
+            <ac:picMk id="4" creationId="{B5949412-727A-B8B1-7800-52D93B576323}"/>
+          </ac:picMkLst>
+        </pc:picChg>
+      </pc:sldChg>
+    </pc:docChg>
+  </pc:docChgLst>
+  <pc:docChgLst>
+    <pc:chgData name="Vissapragada,Sai Tejaswee" userId="ac5152bd-e08b-42ef-87f5-6857be20e85f" providerId="ADAL" clId="{97312CED-9575-4606-A328-07082E28D64F}"/>
+    <pc:docChg chg="undo custSel addSld delSld modSld sldOrd">
+      <pc:chgData name="Vissapragada,Sai Tejaswee" userId="ac5152bd-e08b-42ef-87f5-6857be20e85f" providerId="ADAL" clId="{97312CED-9575-4606-A328-07082E28D64F}" dt="2022-12-01T17:25:22.338" v="503" actId="20577"/>
+      <pc:docMkLst>
+        <pc:docMk/>
+      </pc:docMkLst>
+      <pc:sldChg chg="modSp mod">
+        <pc:chgData name="Vissapragada,Sai Tejaswee" userId="ac5152bd-e08b-42ef-87f5-6857be20e85f" providerId="ADAL" clId="{97312CED-9575-4606-A328-07082E28D64F}" dt="2022-11-30T18:13:55.278" v="170" actId="20577"/>
+        <pc:sldMkLst>
+          <pc:docMk/>
+          <pc:sldMk cId="1407598965" sldId="259"/>
+        </pc:sldMkLst>
+        <pc:spChg chg="mod">
+          <ac:chgData name="Vissapragada,Sai Tejaswee" userId="ac5152bd-e08b-42ef-87f5-6857be20e85f" providerId="ADAL" clId="{97312CED-9575-4606-A328-07082E28D64F}" dt="2022-11-30T18:13:55.278" v="170" actId="20577"/>
+          <ac:spMkLst>
+            <pc:docMk/>
+            <pc:sldMk cId="1407598965" sldId="259"/>
+            <ac:spMk id="3" creationId="{A5942236-8E5C-5516-A831-74F50A87BCB4}"/>
+          </ac:spMkLst>
+        </pc:spChg>
+      </pc:sldChg>
+      <pc:sldChg chg="modSp mod">
+        <pc:chgData name="Vissapragada,Sai Tejaswee" userId="ac5152bd-e08b-42ef-87f5-6857be20e85f" providerId="ADAL" clId="{97312CED-9575-4606-A328-07082E28D64F}" dt="2022-11-30T18:04:15.752" v="22" actId="20577"/>
+        <pc:sldMkLst>
+          <pc:docMk/>
+          <pc:sldMk cId="2442537970" sldId="341"/>
+        </pc:sldMkLst>
+        <pc:spChg chg="mod">
+          <ac:chgData name="Vissapragada,Sai Tejaswee" userId="ac5152bd-e08b-42ef-87f5-6857be20e85f" providerId="ADAL" clId="{97312CED-9575-4606-A328-07082E28D64F}" dt="2022-11-30T18:04:15.752" v="22" actId="20577"/>
+          <ac:spMkLst>
+            <pc:docMk/>
+            <pc:sldMk cId="2442537970" sldId="341"/>
+            <ac:spMk id="2" creationId="{A03556A8-306D-4AAD-A818-C5F7CD7DCAA6}"/>
+          </ac:spMkLst>
+        </pc:spChg>
+      </pc:sldChg>
+      <pc:sldChg chg="modSp">
+        <pc:chgData name="Vissapragada,Sai Tejaswee" userId="ac5152bd-e08b-42ef-87f5-6857be20e85f" providerId="ADAL" clId="{97312CED-9575-4606-A328-07082E28D64F}" dt="2022-11-28T18:42:52.605" v="16" actId="962"/>
+        <pc:sldMkLst>
+          <pc:docMk/>
+          <pc:sldMk cId="552338012" sldId="342"/>
+        </pc:sldMkLst>
+        <pc:picChg chg="mod">
+          <ac:chgData name="Vissapragada,Sai Tejaswee" userId="ac5152bd-e08b-42ef-87f5-6857be20e85f" providerId="ADAL" clId="{97312CED-9575-4606-A328-07082E28D64F}" dt="2022-11-28T18:42:52.605" v="16" actId="962"/>
+          <ac:picMkLst>
+            <pc:docMk/>
+            <pc:sldMk cId="552338012" sldId="342"/>
+            <ac:picMk id="6" creationId="{EB3BA4DD-4E8B-4D77-BBE5-9E0B9750644F}"/>
+          </ac:picMkLst>
+        </pc:picChg>
+      </pc:sldChg>
+      <pc:sldChg chg="modSp mod">
+        <pc:chgData name="Vissapragada,Sai Tejaswee" userId="ac5152bd-e08b-42ef-87f5-6857be20e85f" providerId="ADAL" clId="{97312CED-9575-4606-A328-07082E28D64F}" dt="2022-11-30T18:10:10.410" v="133" actId="20577"/>
+        <pc:sldMkLst>
+          <pc:docMk/>
+          <pc:sldMk cId="1045016516" sldId="343"/>
+        </pc:sldMkLst>
+        <pc:spChg chg="mod">
+          <ac:chgData name="Vissapragada,Sai Tejaswee" userId="ac5152bd-e08b-42ef-87f5-6857be20e85f" providerId="ADAL" clId="{97312CED-9575-4606-A328-07082E28D64F}" dt="2022-11-30T18:10:10.410" v="133" actId="20577"/>
+          <ac:spMkLst>
+            <pc:docMk/>
+            <pc:sldMk cId="1045016516" sldId="343"/>
+            <ac:spMk id="3" creationId="{9EF72435-41D5-40ED-A1E0-F497D91EB7D3}"/>
+          </ac:spMkLst>
+        </pc:spChg>
+      </pc:sldChg>
+      <pc:sldChg chg="modSp mod">
+        <pc:chgData name="Vissapragada,Sai Tejaswee" userId="ac5152bd-e08b-42ef-87f5-6857be20e85f" providerId="ADAL" clId="{97312CED-9575-4606-A328-07082E28D64F}" dt="2022-11-30T18:28:45.025" v="375" actId="20577"/>
+        <pc:sldMkLst>
+          <pc:docMk/>
+          <pc:sldMk cId="2459341095" sldId="364"/>
+        </pc:sldMkLst>
+        <pc:spChg chg="mod">
+          <ac:chgData name="Vissapragada,Sai Tejaswee" userId="ac5152bd-e08b-42ef-87f5-6857be20e85f" providerId="ADAL" clId="{97312CED-9575-4606-A328-07082E28D64F}" dt="2022-11-30T18:28:45.025" v="375" actId="20577"/>
+          <ac:spMkLst>
+            <pc:docMk/>
+            <pc:sldMk cId="2459341095" sldId="364"/>
+            <ac:spMk id="3" creationId="{386E58DB-AF1A-2DF3-7CF6-71CAE99743B8}"/>
+          </ac:spMkLst>
+        </pc:spChg>
+      </pc:sldChg>
+      <pc:sldChg chg="ord">
+        <pc:chgData name="Vissapragada,Sai Tejaswee" userId="ac5152bd-e08b-42ef-87f5-6857be20e85f" providerId="ADAL" clId="{97312CED-9575-4606-A328-07082E28D64F}" dt="2022-12-01T17:16:52.309" v="423"/>
+        <pc:sldMkLst>
+          <pc:docMk/>
+          <pc:sldMk cId="1168084508" sldId="365"/>
+        </pc:sldMkLst>
+      </pc:sldChg>
+      <pc:sldChg chg="modSp mod ord">
+        <pc:chgData name="Vissapragada,Sai Tejaswee" userId="ac5152bd-e08b-42ef-87f5-6857be20e85f" providerId="ADAL" clId="{97312CED-9575-4606-A328-07082E28D64F}" dt="2022-12-01T17:25:22.338" v="503" actId="20577"/>
+        <pc:sldMkLst>
+          <pc:docMk/>
+          <pc:sldMk cId="1837471576" sldId="366"/>
+        </pc:sldMkLst>
+        <pc:spChg chg="mod">
+          <ac:chgData name="Vissapragada,Sai Tejaswee" userId="ac5152bd-e08b-42ef-87f5-6857be20e85f" providerId="ADAL" clId="{97312CED-9575-4606-A328-07082E28D64F}" dt="2022-12-01T17:22:25.593" v="458" actId="20577"/>
+          <ac:spMkLst>
+            <pc:docMk/>
+            <pc:sldMk cId="1837471576" sldId="366"/>
+            <ac:spMk id="2" creationId="{699FDC42-B1C1-8EF3-24EB-74E32AB17A6B}"/>
+          </ac:spMkLst>
+        </pc:spChg>
+        <pc:spChg chg="mod">
+          <ac:chgData name="Vissapragada,Sai Tejaswee" userId="ac5152bd-e08b-42ef-87f5-6857be20e85f" providerId="ADAL" clId="{97312CED-9575-4606-A328-07082E28D64F}" dt="2022-12-01T17:25:22.338" v="503" actId="20577"/>
+          <ac:spMkLst>
+            <pc:docMk/>
+            <pc:sldMk cId="1837471576" sldId="366"/>
+            <ac:spMk id="3" creationId="{A8E34014-DCF4-FA40-FD67-BBA08040D734}"/>
+          </ac:spMkLst>
+        </pc:spChg>
+      </pc:sldChg>
+      <pc:sldChg chg="modSp del mod">
+        <pc:chgData name="Vissapragada,Sai Tejaswee" userId="ac5152bd-e08b-42ef-87f5-6857be20e85f" providerId="ADAL" clId="{97312CED-9575-4606-A328-07082E28D64F}" dt="2022-11-30T18:14:30.513" v="173" actId="2696"/>
+        <pc:sldMkLst>
+          <pc:docMk/>
+          <pc:sldMk cId="3832482965" sldId="369"/>
+        </pc:sldMkLst>
+        <pc:spChg chg="mod">
+          <ac:chgData name="Vissapragada,Sai Tejaswee" userId="ac5152bd-e08b-42ef-87f5-6857be20e85f" providerId="ADAL" clId="{97312CED-9575-4606-A328-07082E28D64F}" dt="2022-11-30T18:14:15.453" v="171" actId="20577"/>
+          <ac:spMkLst>
+            <pc:docMk/>
+            <pc:sldMk cId="3832482965" sldId="369"/>
+            <ac:spMk id="3" creationId="{ABC53B28-A702-CB39-14D5-C5D93E4EE12D}"/>
+          </ac:spMkLst>
+        </pc:spChg>
+      </pc:sldChg>
+      <pc:sldChg chg="modSp mod">
+        <pc:chgData name="Vissapragada,Sai Tejaswee" userId="ac5152bd-e08b-42ef-87f5-6857be20e85f" providerId="ADAL" clId="{97312CED-9575-4606-A328-07082E28D64F}" dt="2022-12-01T17:21:12.806" v="436" actId="20577"/>
+        <pc:sldMkLst>
+          <pc:docMk/>
+          <pc:sldMk cId="3017103360" sldId="372"/>
+        </pc:sldMkLst>
+        <pc:spChg chg="mod">
+          <ac:chgData name="Vissapragada,Sai Tejaswee" userId="ac5152bd-e08b-42ef-87f5-6857be20e85f" providerId="ADAL" clId="{97312CED-9575-4606-A328-07082E28D64F}" dt="2022-12-01T17:21:12.806" v="436" actId="20577"/>
+          <ac:spMkLst>
+            <pc:docMk/>
+            <pc:sldMk cId="3017103360" sldId="372"/>
+            <ac:spMk id="3" creationId="{0E3D6556-A722-02BE-F336-6B448678512B}"/>
+          </ac:spMkLst>
+        </pc:spChg>
+      </pc:sldChg>
+      <pc:sldChg chg="modSp mod">
+        <pc:chgData name="Vissapragada,Sai Tejaswee" userId="ac5152bd-e08b-42ef-87f5-6857be20e85f" providerId="ADAL" clId="{97312CED-9575-4606-A328-07082E28D64F}" dt="2022-12-01T17:20:59.038" v="432" actId="1076"/>
+        <pc:sldMkLst>
+          <pc:docMk/>
+          <pc:sldMk cId="823308323" sldId="379"/>
+        </pc:sldMkLst>
+        <pc:spChg chg="mod">
+          <ac:chgData name="Vissapragada,Sai Tejaswee" userId="ac5152bd-e08b-42ef-87f5-6857be20e85f" providerId="ADAL" clId="{97312CED-9575-4606-A328-07082E28D64F}" dt="2022-12-01T17:20:49.056" v="431" actId="5793"/>
+          <ac:spMkLst>
+            <pc:docMk/>
+            <pc:sldMk cId="823308323" sldId="379"/>
+            <ac:spMk id="3" creationId="{ABDEE460-B203-FB49-6CA3-216BB52E9EEC}"/>
+          </ac:spMkLst>
+        </pc:spChg>
+        <pc:picChg chg="mod">
+          <ac:chgData name="Vissapragada,Sai Tejaswee" userId="ac5152bd-e08b-42ef-87f5-6857be20e85f" providerId="ADAL" clId="{97312CED-9575-4606-A328-07082E28D64F}" dt="2022-12-01T17:20:59.038" v="432" actId="1076"/>
+          <ac:picMkLst>
+            <pc:docMk/>
+            <pc:sldMk cId="823308323" sldId="379"/>
+            <ac:picMk id="5" creationId="{CB635F71-EF6E-5388-3464-01D1BE9D5598}"/>
+          </ac:picMkLst>
+        </pc:picChg>
+      </pc:sldChg>
+      <pc:sldChg chg="modSp new mod">
+        <pc:chgData name="Vissapragada,Sai Tejaswee" userId="ac5152bd-e08b-42ef-87f5-6857be20e85f" providerId="ADAL" clId="{97312CED-9575-4606-A328-07082E28D64F}" dt="2022-12-01T17:16:07.940" v="421" actId="255"/>
+        <pc:sldMkLst>
+          <pc:docMk/>
+          <pc:sldMk cId="1719887273" sldId="380"/>
+        </pc:sldMkLst>
+        <pc:spChg chg="mod">
+          <ac:chgData name="Vissapragada,Sai Tejaswee" userId="ac5152bd-e08b-42ef-87f5-6857be20e85f" providerId="ADAL" clId="{97312CED-9575-4606-A328-07082E28D64F}" dt="2022-12-01T17:14:44.921" v="418" actId="113"/>
+          <ac:spMkLst>
+            <pc:docMk/>
+            <pc:sldMk cId="1719887273" sldId="380"/>
+            <ac:spMk id="2" creationId="{4163873F-2445-771F-7C3C-DB4B51C24BCA}"/>
+          </ac:spMkLst>
+        </pc:spChg>
+        <pc:spChg chg="mod">
+          <ac:chgData name="Vissapragada,Sai Tejaswee" userId="ac5152bd-e08b-42ef-87f5-6857be20e85f" providerId="ADAL" clId="{97312CED-9575-4606-A328-07082E28D64F}" dt="2022-12-01T17:16:07.940" v="421" actId="255"/>
+          <ac:spMkLst>
+            <pc:docMk/>
+            <pc:sldMk cId="1719887273" sldId="380"/>
+            <ac:spMk id="3" creationId="{1CF5E8F7-4059-9C97-B4AC-DFD78B0E433C}"/>
+          </ac:spMkLst>
+        </pc:spChg>
+      </pc:sldChg>
+      <pc:sldChg chg="addSp delSp modSp new mod setBg">
+        <pc:chgData name="Vissapragada,Sai Tejaswee" userId="ac5152bd-e08b-42ef-87f5-6857be20e85f" providerId="ADAL" clId="{97312CED-9575-4606-A328-07082E28D64F}" dt="2022-12-01T17:02:13.867" v="417" actId="255"/>
+        <pc:sldMkLst>
+          <pc:docMk/>
+          <pc:sldMk cId="33053877" sldId="381"/>
+        </pc:sldMkLst>
+        <pc:spChg chg="del">
+          <ac:chgData name="Vissapragada,Sai Tejaswee" userId="ac5152bd-e08b-42ef-87f5-6857be20e85f" providerId="ADAL" clId="{97312CED-9575-4606-A328-07082E28D64F}" dt="2022-12-01T16:59:37.214" v="377" actId="478"/>
+          <ac:spMkLst>
+            <pc:docMk/>
+            <pc:sldMk cId="33053877" sldId="381"/>
+            <ac:spMk id="2" creationId="{DFE2F05A-79EF-C5AD-26D8-0F602A6FB42A}"/>
+          </ac:spMkLst>
+        </pc:spChg>
+        <pc:spChg chg="mod">
+          <ac:chgData name="Vissapragada,Sai Tejaswee" userId="ac5152bd-e08b-42ef-87f5-6857be20e85f" providerId="ADAL" clId="{97312CED-9575-4606-A328-07082E28D64F}" dt="2022-12-01T17:02:13.867" v="417" actId="255"/>
+          <ac:spMkLst>
+            <pc:docMk/>
+            <pc:sldMk cId="33053877" sldId="381"/>
+            <ac:spMk id="3" creationId="{C96D0731-AC58-AB78-3B3C-17717D28033A}"/>
+          </ac:spMkLst>
+        </pc:spChg>
+        <pc:spChg chg="add">
+          <ac:chgData name="Vissapragada,Sai Tejaswee" userId="ac5152bd-e08b-42ef-87f5-6857be20e85f" providerId="ADAL" clId="{97312CED-9575-4606-A328-07082E28D64F}" dt="2022-12-01T17:02:05.978" v="416" actId="26606"/>
+          <ac:spMkLst>
+            <pc:docMk/>
+            <pc:sldMk cId="33053877" sldId="381"/>
+            <ac:spMk id="8" creationId="{F837543A-6020-4505-A233-C9DB4BF74011}"/>
+          </ac:spMkLst>
+        </pc:spChg>
+        <pc:spChg chg="add">
+          <ac:chgData name="Vissapragada,Sai Tejaswee" userId="ac5152bd-e08b-42ef-87f5-6857be20e85f" providerId="ADAL" clId="{97312CED-9575-4606-A328-07082E28D64F}" dt="2022-12-01T17:02:05.978" v="416" actId="26606"/>
+          <ac:spMkLst>
+            <pc:docMk/>
+            <pc:sldMk cId="33053877" sldId="381"/>
+            <ac:spMk id="10" creationId="{35B16301-FB18-48BA-A6DD-C37CAF6F9A18}"/>
+          </ac:spMkLst>
+        </pc:spChg>
+        <pc:spChg chg="add">
+          <ac:chgData name="Vissapragada,Sai Tejaswee" userId="ac5152bd-e08b-42ef-87f5-6857be20e85f" providerId="ADAL" clId="{97312CED-9575-4606-A328-07082E28D64F}" dt="2022-12-01T17:02:05.978" v="416" actId="26606"/>
+          <ac:spMkLst>
+            <pc:docMk/>
+            <pc:sldMk cId="33053877" sldId="381"/>
+            <ac:spMk id="12" creationId="{C3C0D90E-074A-4F52-9B11-B52BEF4BCBE5}"/>
+          </ac:spMkLst>
+        </pc:spChg>
+        <pc:spChg chg="add">
+          <ac:chgData name="Vissapragada,Sai Tejaswee" userId="ac5152bd-e08b-42ef-87f5-6857be20e85f" providerId="ADAL" clId="{97312CED-9575-4606-A328-07082E28D64F}" dt="2022-12-01T17:02:05.978" v="416" actId="26606"/>
+          <ac:spMkLst>
+            <pc:docMk/>
+            <pc:sldMk cId="33053877" sldId="381"/>
+            <ac:spMk id="14" creationId="{CABBD4C1-E6F8-46F6-8152-A8A97490BF4D}"/>
+          </ac:spMkLst>
+        </pc:spChg>
+        <pc:spChg chg="add">
+          <ac:chgData name="Vissapragada,Sai Tejaswee" userId="ac5152bd-e08b-42ef-87f5-6857be20e85f" providerId="ADAL" clId="{97312CED-9575-4606-A328-07082E28D64F}" dt="2022-12-01T17:02:05.978" v="416" actId="26606"/>
+          <ac:spMkLst>
+            <pc:docMk/>
+            <pc:sldMk cId="33053877" sldId="381"/>
+            <ac:spMk id="16" creationId="{83BA5EF5-1FE9-4BF9-83BB-269BCDDF6156}"/>
+          </ac:spMkLst>
+        </pc:spChg>
+        <pc:spChg chg="add">
+          <ac:chgData name="Vissapragada,Sai Tejaswee" userId="ac5152bd-e08b-42ef-87f5-6857be20e85f" providerId="ADAL" clId="{97312CED-9575-4606-A328-07082E28D64F}" dt="2022-12-01T17:02:05.978" v="416" actId="26606"/>
+          <ac:spMkLst>
+            <pc:docMk/>
+            <pc:sldMk cId="33053877" sldId="381"/>
+            <ac:spMk id="20" creationId="{88853921-7BC9-4BDE-ACAB-133C683C82D6}"/>
+          </ac:spMkLst>
+        </pc:spChg>
+        <pc:spChg chg="add">
+          <ac:chgData name="Vissapragada,Sai Tejaswee" userId="ac5152bd-e08b-42ef-87f5-6857be20e85f" providerId="ADAL" clId="{97312CED-9575-4606-A328-07082E28D64F}" dt="2022-12-01T17:02:05.978" v="416" actId="26606"/>
+          <ac:spMkLst>
+            <pc:docMk/>
+            <pc:sldMk cId="33053877" sldId="381"/>
+            <ac:spMk id="22" creationId="{09192968-3AE7-4470-A61C-97294BB92731}"/>
+          </ac:spMkLst>
+        </pc:spChg>
+        <pc:spChg chg="add">
+          <ac:chgData name="Vissapragada,Sai Tejaswee" userId="ac5152bd-e08b-42ef-87f5-6857be20e85f" providerId="ADAL" clId="{97312CED-9575-4606-A328-07082E28D64F}" dt="2022-12-01T17:02:05.978" v="416" actId="26606"/>
+          <ac:spMkLst>
+            <pc:docMk/>
+            <pc:sldMk cId="33053877" sldId="381"/>
+            <ac:spMk id="24" creationId="{3AB72E55-43E4-4356-BFE8-E2102CB0B505}"/>
+          </ac:spMkLst>
+        </pc:spChg>
+        <pc:cxnChg chg="add">
+          <ac:chgData name="Vissapragada,Sai Tejaswee" userId="ac5152bd-e08b-42ef-87f5-6857be20e85f" providerId="ADAL" clId="{97312CED-9575-4606-A328-07082E28D64F}" dt="2022-12-01T17:02:05.978" v="416" actId="26606"/>
+          <ac:cxnSpMkLst>
+            <pc:docMk/>
+            <pc:sldMk cId="33053877" sldId="381"/>
+            <ac:cxnSpMk id="18" creationId="{4B3BCACB-5880-460B-9606-8C433A9AF99D}"/>
+          </ac:cxnSpMkLst>
+        </pc:cxnChg>
+      </pc:sldChg>
+      <pc:sldChg chg="addSp delSp modSp new mod setBg setClrOvrMap">
+        <pc:chgData name="Vissapragada,Sai Tejaswee" userId="ac5152bd-e08b-42ef-87f5-6857be20e85f" providerId="ADAL" clId="{97312CED-9575-4606-A328-07082E28D64F}" dt="2022-12-01T17:01:50.658" v="415" actId="255"/>
+        <pc:sldMkLst>
+          <pc:docMk/>
+          <pc:sldMk cId="1624363699" sldId="382"/>
+        </pc:sldMkLst>
+        <pc:spChg chg="del">
+          <ac:chgData name="Vissapragada,Sai Tejaswee" userId="ac5152bd-e08b-42ef-87f5-6857be20e85f" providerId="ADAL" clId="{97312CED-9575-4606-A328-07082E28D64F}" dt="2022-12-01T17:00:33.246" v="390" actId="478"/>
+          <ac:spMkLst>
+            <pc:docMk/>
+            <pc:sldMk cId="1624363699" sldId="382"/>
+            <ac:spMk id="2" creationId="{DD9D3A2A-BE64-549A-AC15-149E6D2A7788}"/>
+          </ac:spMkLst>
+        </pc:spChg>
+        <pc:spChg chg="mod">
+          <ac:chgData name="Vissapragada,Sai Tejaswee" userId="ac5152bd-e08b-42ef-87f5-6857be20e85f" providerId="ADAL" clId="{97312CED-9575-4606-A328-07082E28D64F}" dt="2022-12-01T17:01:50.658" v="415" actId="255"/>
+          <ac:spMkLst>
+            <pc:docMk/>
+            <pc:sldMk cId="1624363699" sldId="382"/>
+            <ac:spMk id="3" creationId="{51FBCFCD-66E2-17B8-526A-ABE905A30482}"/>
+          </ac:spMkLst>
+        </pc:spChg>
+        <pc:spChg chg="add">
+          <ac:chgData name="Vissapragada,Sai Tejaswee" userId="ac5152bd-e08b-42ef-87f5-6857be20e85f" providerId="ADAL" clId="{97312CED-9575-4606-A328-07082E28D64F}" dt="2022-12-01T17:01:35.589" v="413" actId="26606"/>
+          <ac:spMkLst>
+            <pc:docMk/>
+            <pc:sldMk cId="1624363699" sldId="382"/>
+            <ac:spMk id="10" creationId="{EF9B8DF2-C3F5-49A2-94D2-F7B65A0F1F15}"/>
+          </ac:spMkLst>
+        </pc:spChg>
+        <pc:spChg chg="add">
+          <ac:chgData name="Vissapragada,Sai Tejaswee" userId="ac5152bd-e08b-42ef-87f5-6857be20e85f" providerId="ADAL" clId="{97312CED-9575-4606-A328-07082E28D64F}" dt="2022-12-01T17:01:35.589" v="413" actId="26606"/>
+          <ac:spMkLst>
+            <pc:docMk/>
+            <pc:sldMk cId="1624363699" sldId="382"/>
+            <ac:spMk id="12" creationId="{4330B6AC-E6AB-45E4-A303-C8DE90EB2AAC}"/>
+          </ac:spMkLst>
+        </pc:spChg>
+        <pc:picChg chg="add">
+          <ac:chgData name="Vissapragada,Sai Tejaswee" userId="ac5152bd-e08b-42ef-87f5-6857be20e85f" providerId="ADAL" clId="{97312CED-9575-4606-A328-07082E28D64F}" dt="2022-12-01T17:01:35.589" v="413" actId="26606"/>
+          <ac:picMkLst>
+            <pc:docMk/>
+            <pc:sldMk cId="1624363699" sldId="382"/>
+            <ac:picMk id="7" creationId="{AA33671C-89D5-7485-1248-683E673E8D06}"/>
+          </ac:picMkLst>
+        </pc:picChg>
       </pc:sldChg>
     </pc:docChg>
   </pc:docChgLst>
@@ -2849,356 +3198,6 @@
     </pc:docChg>
   </pc:docChgLst>
   <pc:docChgLst>
-    <pc:chgData name="Myakala,Shiva Krishna" userId="S::s545549@nwmissouri.edu::1ad7070b-5778-4d5e-ba6b-216720902aee" providerId="AD" clId="Web-{F20EB9F4-8045-359E-AE86-9ECCD8700251}"/>
-    <pc:docChg chg="addSld modSld sldOrd">
-      <pc:chgData name="Myakala,Shiva Krishna" userId="S::s545549@nwmissouri.edu::1ad7070b-5778-4d5e-ba6b-216720902aee" providerId="AD" clId="Web-{F20EB9F4-8045-359E-AE86-9ECCD8700251}" dt="2022-10-14T16:01:22.857" v="786" actId="20577"/>
-      <pc:docMkLst>
-        <pc:docMk/>
-      </pc:docMkLst>
-      <pc:sldChg chg="addSp delSp modSp new mod ord setBg">
-        <pc:chgData name="Myakala,Shiva Krishna" userId="S::s545549@nwmissouri.edu::1ad7070b-5778-4d5e-ba6b-216720902aee" providerId="AD" clId="Web-{F20EB9F4-8045-359E-AE86-9ECCD8700251}" dt="2022-10-14T15:36:34.556" v="479"/>
-        <pc:sldMkLst>
-          <pc:docMk/>
-          <pc:sldMk cId="437098969" sldId="370"/>
-        </pc:sldMkLst>
-        <pc:spChg chg="mod">
-          <ac:chgData name="Myakala,Shiva Krishna" userId="S::s545549@nwmissouri.edu::1ad7070b-5778-4d5e-ba6b-216720902aee" providerId="AD" clId="Web-{F20EB9F4-8045-359E-AE86-9ECCD8700251}" dt="2022-10-14T14:36:17.393" v="70"/>
-          <ac:spMkLst>
-            <pc:docMk/>
-            <pc:sldMk cId="437098969" sldId="370"/>
-            <ac:spMk id="2" creationId="{A8723335-4D01-C533-AC17-BB39BC5E4AB8}"/>
-          </ac:spMkLst>
-        </pc:spChg>
-        <pc:spChg chg="mod ord">
-          <ac:chgData name="Myakala,Shiva Krishna" userId="S::s545549@nwmissouri.edu::1ad7070b-5778-4d5e-ba6b-216720902aee" providerId="AD" clId="Web-{F20EB9F4-8045-359E-AE86-9ECCD8700251}" dt="2022-10-14T14:37:37.504" v="80" actId="20577"/>
-          <ac:spMkLst>
-            <pc:docMk/>
-            <pc:sldMk cId="437098969" sldId="370"/>
-            <ac:spMk id="3" creationId="{2717A627-2709-3E6E-A10A-905A446CF39D}"/>
-          </ac:spMkLst>
-        </pc:spChg>
-        <pc:spChg chg="mod ord">
-          <ac:chgData name="Myakala,Shiva Krishna" userId="S::s545549@nwmissouri.edu::1ad7070b-5778-4d5e-ba6b-216720902aee" providerId="AD" clId="Web-{F20EB9F4-8045-359E-AE86-9ECCD8700251}" dt="2022-10-14T14:36:17.393" v="70"/>
-          <ac:spMkLst>
-            <pc:docMk/>
-            <pc:sldMk cId="437098969" sldId="370"/>
-            <ac:spMk id="4" creationId="{5A0C8046-7569-8FB5-356C-E4DB27FB3CE6}"/>
-          </ac:spMkLst>
-        </pc:spChg>
-        <pc:spChg chg="add del">
-          <ac:chgData name="Myakala,Shiva Krishna" userId="S::s545549@nwmissouri.edu::1ad7070b-5778-4d5e-ba6b-216720902aee" providerId="AD" clId="Web-{F20EB9F4-8045-359E-AE86-9ECCD8700251}" dt="2022-10-14T14:36:17.393" v="70"/>
-          <ac:spMkLst>
-            <pc:docMk/>
-            <pc:sldMk cId="437098969" sldId="370"/>
-            <ac:spMk id="10" creationId="{5E39A796-BE83-48B1-B33F-35C4A32AAB57}"/>
-          </ac:spMkLst>
-        </pc:spChg>
-        <pc:spChg chg="add del">
-          <ac:chgData name="Myakala,Shiva Krishna" userId="S::s545549@nwmissouri.edu::1ad7070b-5778-4d5e-ba6b-216720902aee" providerId="AD" clId="Web-{F20EB9F4-8045-359E-AE86-9ECCD8700251}" dt="2022-10-14T14:36:17.393" v="70"/>
-          <ac:spMkLst>
-            <pc:docMk/>
-            <pc:sldMk cId="437098969" sldId="370"/>
-            <ac:spMk id="12" creationId="{72F84B47-E267-4194-8194-831DB7B5547F}"/>
-          </ac:spMkLst>
-        </pc:spChg>
-        <pc:spChg chg="add">
-          <ac:chgData name="Myakala,Shiva Krishna" userId="S::s545549@nwmissouri.edu::1ad7070b-5778-4d5e-ba6b-216720902aee" providerId="AD" clId="Web-{F20EB9F4-8045-359E-AE86-9ECCD8700251}" dt="2022-10-14T14:36:17.393" v="70"/>
-          <ac:spMkLst>
-            <pc:docMk/>
-            <pc:sldMk cId="437098969" sldId="370"/>
-            <ac:spMk id="17" creationId="{3346177D-ADC4-4968-B747-5CFCD390B5B9}"/>
-          </ac:spMkLst>
-        </pc:spChg>
-        <pc:spChg chg="add">
-          <ac:chgData name="Myakala,Shiva Krishna" userId="S::s545549@nwmissouri.edu::1ad7070b-5778-4d5e-ba6b-216720902aee" providerId="AD" clId="Web-{F20EB9F4-8045-359E-AE86-9ECCD8700251}" dt="2022-10-14T14:36:17.393" v="70"/>
-          <ac:spMkLst>
-            <pc:docMk/>
-            <pc:sldMk cId="437098969" sldId="370"/>
-            <ac:spMk id="19" creationId="{0844A943-BF79-4FEA-ABB1-3BD54D236606}"/>
-          </ac:spMkLst>
-        </pc:spChg>
-        <pc:spChg chg="add">
-          <ac:chgData name="Myakala,Shiva Krishna" userId="S::s545549@nwmissouri.edu::1ad7070b-5778-4d5e-ba6b-216720902aee" providerId="AD" clId="Web-{F20EB9F4-8045-359E-AE86-9ECCD8700251}" dt="2022-10-14T14:36:17.393" v="70"/>
-          <ac:spMkLst>
-            <pc:docMk/>
-            <pc:sldMk cId="437098969" sldId="370"/>
-            <ac:spMk id="21" creationId="{6437CC72-F4A8-4DC3-AFAB-D22C482C8100}"/>
-          </ac:spMkLst>
-        </pc:spChg>
-        <pc:picChg chg="add mod">
-          <ac:chgData name="Myakala,Shiva Krishna" userId="S::s545549@nwmissouri.edu::1ad7070b-5778-4d5e-ba6b-216720902aee" providerId="AD" clId="Web-{F20EB9F4-8045-359E-AE86-9ECCD8700251}" dt="2022-10-14T14:37:45.832" v="82" actId="14100"/>
-          <ac:picMkLst>
-            <pc:docMk/>
-            <pc:sldMk cId="437098969" sldId="370"/>
-            <ac:picMk id="5" creationId="{8BC2E01F-BB52-CA40-F63F-63DFB1D2B6F5}"/>
-          </ac:picMkLst>
-        </pc:picChg>
-      </pc:sldChg>
-      <pc:sldChg chg="delSp modSp new ord">
-        <pc:chgData name="Myakala,Shiva Krishna" userId="S::s545549@nwmissouri.edu::1ad7070b-5778-4d5e-ba6b-216720902aee" providerId="AD" clId="Web-{F20EB9F4-8045-359E-AE86-9ECCD8700251}" dt="2022-10-14T16:01:22.857" v="786" actId="20577"/>
-        <pc:sldMkLst>
-          <pc:docMk/>
-          <pc:sldMk cId="884823026" sldId="371"/>
-        </pc:sldMkLst>
-        <pc:spChg chg="del">
-          <ac:chgData name="Myakala,Shiva Krishna" userId="S::s545549@nwmissouri.edu::1ad7070b-5778-4d5e-ba6b-216720902aee" providerId="AD" clId="Web-{F20EB9F4-8045-359E-AE86-9ECCD8700251}" dt="2022-10-14T14:40:11.867" v="83"/>
-          <ac:spMkLst>
-            <pc:docMk/>
-            <pc:sldMk cId="884823026" sldId="371"/>
-            <ac:spMk id="2" creationId="{F43EBA1B-3143-D8A2-286E-5DD8267D06AF}"/>
-          </ac:spMkLst>
-        </pc:spChg>
-        <pc:spChg chg="mod">
-          <ac:chgData name="Myakala,Shiva Krishna" userId="S::s545549@nwmissouri.edu::1ad7070b-5778-4d5e-ba6b-216720902aee" providerId="AD" clId="Web-{F20EB9F4-8045-359E-AE86-9ECCD8700251}" dt="2022-10-14T16:01:22.857" v="786" actId="20577"/>
-          <ac:spMkLst>
-            <pc:docMk/>
-            <pc:sldMk cId="884823026" sldId="371"/>
-            <ac:spMk id="3" creationId="{1CE5B5B3-F968-7176-817F-D2DECAB3BFC0}"/>
-          </ac:spMkLst>
-        </pc:spChg>
-      </pc:sldChg>
-      <pc:sldChg chg="modSp">
-        <pc:chgData name="Myakala,Shiva Krishna" userId="S::s545549@nwmissouri.edu::1ad7070b-5778-4d5e-ba6b-216720902aee" providerId="AD" clId="Web-{F20EB9F4-8045-359E-AE86-9ECCD8700251}" dt="2022-10-14T15:49:05.854" v="513" actId="1076"/>
-        <pc:sldMkLst>
-          <pc:docMk/>
-          <pc:sldMk cId="4113795527" sldId="375"/>
-        </pc:sldMkLst>
-        <pc:picChg chg="mod">
-          <ac:chgData name="Myakala,Shiva Krishna" userId="S::s545549@nwmissouri.edu::1ad7070b-5778-4d5e-ba6b-216720902aee" providerId="AD" clId="Web-{F20EB9F4-8045-359E-AE86-9ECCD8700251}" dt="2022-10-14T15:49:05.854" v="513" actId="1076"/>
-          <ac:picMkLst>
-            <pc:docMk/>
-            <pc:sldMk cId="4113795527" sldId="375"/>
-            <ac:picMk id="4" creationId="{074D5358-FD49-FD13-8281-A866D2376EC2}"/>
-          </ac:picMkLst>
-        </pc:picChg>
-      </pc:sldChg>
-      <pc:sldChg chg="addSp modSp">
-        <pc:chgData name="Myakala,Shiva Krishna" userId="S::s545549@nwmissouri.edu::1ad7070b-5778-4d5e-ba6b-216720902aee" providerId="AD" clId="Web-{F20EB9F4-8045-359E-AE86-9ECCD8700251}" dt="2022-10-14T15:36:50.587" v="499" actId="20577"/>
-        <pc:sldMkLst>
-          <pc:docMk/>
-          <pc:sldMk cId="3225898199" sldId="378"/>
-        </pc:sldMkLst>
-        <pc:spChg chg="mod">
-          <ac:chgData name="Myakala,Shiva Krishna" userId="S::s545549@nwmissouri.edu::1ad7070b-5778-4d5e-ba6b-216720902aee" providerId="AD" clId="Web-{F20EB9F4-8045-359E-AE86-9ECCD8700251}" dt="2022-10-14T15:34:16.615" v="457" actId="20577"/>
-          <ac:spMkLst>
-            <pc:docMk/>
-            <pc:sldMk cId="3225898199" sldId="378"/>
-            <ac:spMk id="3" creationId="{627AC61C-9393-097F-8278-A135703BB589}"/>
-          </ac:spMkLst>
-        </pc:spChg>
-        <pc:spChg chg="mod">
-          <ac:chgData name="Myakala,Shiva Krishna" userId="S::s545549@nwmissouri.edu::1ad7070b-5778-4d5e-ba6b-216720902aee" providerId="AD" clId="Web-{F20EB9F4-8045-359E-AE86-9ECCD8700251}" dt="2022-10-14T15:36:50.587" v="499" actId="20577"/>
-          <ac:spMkLst>
-            <pc:docMk/>
-            <pc:sldMk cId="3225898199" sldId="378"/>
-            <ac:spMk id="7" creationId="{D6B5D823-5C12-1AB8-3142-290071BA27E1}"/>
-          </ac:spMkLst>
-        </pc:spChg>
-        <pc:picChg chg="add mod">
-          <ac:chgData name="Myakala,Shiva Krishna" userId="S::s545549@nwmissouri.edu::1ad7070b-5778-4d5e-ba6b-216720902aee" providerId="AD" clId="Web-{F20EB9F4-8045-359E-AE86-9ECCD8700251}" dt="2022-10-14T15:34:32.240" v="463" actId="14100"/>
-          <ac:picMkLst>
-            <pc:docMk/>
-            <pc:sldMk cId="3225898199" sldId="378"/>
-            <ac:picMk id="4" creationId="{B5949412-727A-B8B1-7800-52D93B576323}"/>
-          </ac:picMkLst>
-        </pc:picChg>
-      </pc:sldChg>
-    </pc:docChg>
-  </pc:docChgLst>
-  <pc:docChgLst>
-    <pc:chgData name="Vasana,Manikanta" userId="S::s545551@nwmissouri.edu::aa5ba442-2039-4fd0-a3af-aa6dd8db2d87" providerId="AD" clId="Web-{9E33308C-2BE0-4477-9970-3C15019AEB70}"/>
-    <pc:docChg chg="addSld delSld modSld sldOrd">
-      <pc:chgData name="Vasana,Manikanta" userId="S::s545551@nwmissouri.edu::aa5ba442-2039-4fd0-a3af-aa6dd8db2d87" providerId="AD" clId="Web-{9E33308C-2BE0-4477-9970-3C15019AEB70}" dt="2022-10-14T16:26:20.416" v="252" actId="20577"/>
-      <pc:docMkLst>
-        <pc:docMk/>
-      </pc:docMkLst>
-      <pc:sldChg chg="modSp">
-        <pc:chgData name="Vasana,Manikanta" userId="S::s545551@nwmissouri.edu::aa5ba442-2039-4fd0-a3af-aa6dd8db2d87" providerId="AD" clId="Web-{9E33308C-2BE0-4477-9970-3C15019AEB70}" dt="2022-10-14T15:06:40.421" v="182" actId="1076"/>
-        <pc:sldMkLst>
-          <pc:docMk/>
-          <pc:sldMk cId="2985600738" sldId="256"/>
-        </pc:sldMkLst>
-        <pc:spChg chg="mod">
-          <ac:chgData name="Vasana,Manikanta" userId="S::s545551@nwmissouri.edu::aa5ba442-2039-4fd0-a3af-aa6dd8db2d87" providerId="AD" clId="Web-{9E33308C-2BE0-4477-9970-3C15019AEB70}" dt="2022-10-14T15:06:40.421" v="182" actId="1076"/>
-          <ac:spMkLst>
-            <pc:docMk/>
-            <pc:sldMk cId="2985600738" sldId="256"/>
-            <ac:spMk id="2" creationId="{9C11EC8D-E2F8-47A8-86F0-53A644871CB0}"/>
-          </ac:spMkLst>
-        </pc:spChg>
-      </pc:sldChg>
-      <pc:sldChg chg="ord">
-        <pc:chgData name="Vasana,Manikanta" userId="S::s545551@nwmissouri.edu::aa5ba442-2039-4fd0-a3af-aa6dd8db2d87" providerId="AD" clId="Web-{9E33308C-2BE0-4477-9970-3C15019AEB70}" dt="2022-10-14T15:07:18.406" v="183"/>
-        <pc:sldMkLst>
-          <pc:docMk/>
-          <pc:sldMk cId="2442537970" sldId="341"/>
-        </pc:sldMkLst>
-      </pc:sldChg>
-      <pc:sldChg chg="modSp">
-        <pc:chgData name="Vasana,Manikanta" userId="S::s545551@nwmissouri.edu::aa5ba442-2039-4fd0-a3af-aa6dd8db2d87" providerId="AD" clId="Web-{9E33308C-2BE0-4477-9970-3C15019AEB70}" dt="2022-10-14T15:07:41.048" v="184" actId="1076"/>
-        <pc:sldMkLst>
-          <pc:docMk/>
-          <pc:sldMk cId="1168084508" sldId="365"/>
-        </pc:sldMkLst>
-        <pc:spChg chg="mod">
-          <ac:chgData name="Vasana,Manikanta" userId="S::s545551@nwmissouri.edu::aa5ba442-2039-4fd0-a3af-aa6dd8db2d87" providerId="AD" clId="Web-{9E33308C-2BE0-4477-9970-3C15019AEB70}" dt="2022-10-14T15:07:41.048" v="184" actId="1076"/>
-          <ac:spMkLst>
-            <pc:docMk/>
-            <pc:sldMk cId="1168084508" sldId="365"/>
-            <ac:spMk id="2" creationId="{0A99E831-0FE4-BBC0-F1D0-9F150956F9CB}"/>
-          </ac:spMkLst>
-        </pc:spChg>
-      </pc:sldChg>
-      <pc:sldChg chg="modSp">
-        <pc:chgData name="Vasana,Manikanta" userId="S::s545551@nwmissouri.edu::aa5ba442-2039-4fd0-a3af-aa6dd8db2d87" providerId="AD" clId="Web-{9E33308C-2BE0-4477-9970-3C15019AEB70}" dt="2022-10-14T16:26:20.416" v="252" actId="20577"/>
-        <pc:sldMkLst>
-          <pc:docMk/>
-          <pc:sldMk cId="884823026" sldId="371"/>
-        </pc:sldMkLst>
-        <pc:spChg chg="mod">
-          <ac:chgData name="Vasana,Manikanta" userId="S::s545551@nwmissouri.edu::aa5ba442-2039-4fd0-a3af-aa6dd8db2d87" providerId="AD" clId="Web-{9E33308C-2BE0-4477-9970-3C15019AEB70}" dt="2022-10-14T16:26:20.416" v="252" actId="20577"/>
-          <ac:spMkLst>
-            <pc:docMk/>
-            <pc:sldMk cId="884823026" sldId="371"/>
-            <ac:spMk id="3" creationId="{1CE5B5B3-F968-7176-817F-D2DECAB3BFC0}"/>
-          </ac:spMkLst>
-        </pc:spChg>
-      </pc:sldChg>
-      <pc:sldChg chg="addSp modSp new">
-        <pc:chgData name="Vasana,Manikanta" userId="S::s545551@nwmissouri.edu::aa5ba442-2039-4fd0-a3af-aa6dd8db2d87" providerId="AD" clId="Web-{9E33308C-2BE0-4477-9970-3C15019AEB70}" dt="2022-10-14T15:29:24.531" v="187" actId="1076"/>
-        <pc:sldMkLst>
-          <pc:docMk/>
-          <pc:sldMk cId="3360226570" sldId="373"/>
-        </pc:sldMkLst>
-        <pc:spChg chg="mod">
-          <ac:chgData name="Vasana,Manikanta" userId="S::s545551@nwmissouri.edu::aa5ba442-2039-4fd0-a3af-aa6dd8db2d87" providerId="AD" clId="Web-{9E33308C-2BE0-4477-9970-3C15019AEB70}" dt="2022-10-14T15:05:11.513" v="180" actId="20577"/>
-          <ac:spMkLst>
-            <pc:docMk/>
-            <pc:sldMk cId="3360226570" sldId="373"/>
-            <ac:spMk id="2" creationId="{C70D7201-9327-5D3D-7F01-45617E65561E}"/>
-          </ac:spMkLst>
-        </pc:spChg>
-        <pc:spChg chg="mod">
-          <ac:chgData name="Vasana,Manikanta" userId="S::s545551@nwmissouri.edu::aa5ba442-2039-4fd0-a3af-aa6dd8db2d87" providerId="AD" clId="Web-{9E33308C-2BE0-4477-9970-3C15019AEB70}" dt="2022-10-14T15:05:19.904" v="181" actId="14100"/>
-          <ac:spMkLst>
-            <pc:docMk/>
-            <pc:sldMk cId="3360226570" sldId="373"/>
-            <ac:spMk id="3" creationId="{479AB6C6-DF7C-4F0A-419D-EED753033418}"/>
-          </ac:spMkLst>
-        </pc:spChg>
-        <pc:picChg chg="add mod">
-          <ac:chgData name="Vasana,Manikanta" userId="S::s545551@nwmissouri.edu::aa5ba442-2039-4fd0-a3af-aa6dd8db2d87" providerId="AD" clId="Web-{9E33308C-2BE0-4477-9970-3C15019AEB70}" dt="2022-10-14T15:29:24.531" v="187" actId="1076"/>
-          <ac:picMkLst>
-            <pc:docMk/>
-            <pc:sldMk cId="3360226570" sldId="373"/>
-            <ac:picMk id="4" creationId="{73EA9A43-DEC8-EBBE-28F0-5259D002A528}"/>
-          </ac:picMkLst>
-        </pc:picChg>
-      </pc:sldChg>
-      <pc:sldChg chg="addSp delSp modSp new">
-        <pc:chgData name="Vasana,Manikanta" userId="S::s545551@nwmissouri.edu::aa5ba442-2039-4fd0-a3af-aa6dd8db2d87" providerId="AD" clId="Web-{9E33308C-2BE0-4477-9970-3C15019AEB70}" dt="2022-10-14T15:53:39.658" v="248" actId="1076"/>
-        <pc:sldMkLst>
-          <pc:docMk/>
-          <pc:sldMk cId="1614585721" sldId="374"/>
-        </pc:sldMkLst>
-        <pc:spChg chg="mod">
-          <ac:chgData name="Vasana,Manikanta" userId="S::s545551@nwmissouri.edu::aa5ba442-2039-4fd0-a3af-aa6dd8db2d87" providerId="AD" clId="Web-{9E33308C-2BE0-4477-9970-3C15019AEB70}" dt="2022-10-14T15:30:39.658" v="211" actId="14100"/>
-          <ac:spMkLst>
-            <pc:docMk/>
-            <pc:sldMk cId="1614585721" sldId="374"/>
-            <ac:spMk id="2" creationId="{0F872AB6-0F89-8C23-9855-C08AB0E40A22}"/>
-          </ac:spMkLst>
-        </pc:spChg>
-        <pc:spChg chg="del mod">
-          <ac:chgData name="Vasana,Manikanta" userId="S::s545551@nwmissouri.edu::aa5ba442-2039-4fd0-a3af-aa6dd8db2d87" providerId="AD" clId="Web-{9E33308C-2BE0-4477-9970-3C15019AEB70}" dt="2022-10-14T15:01:47.336" v="167"/>
-          <ac:spMkLst>
-            <pc:docMk/>
-            <pc:sldMk cId="1614585721" sldId="374"/>
-            <ac:spMk id="3" creationId="{D29A6593-7277-85BE-2832-AAE4222BA9E5}"/>
-          </ac:spMkLst>
-        </pc:spChg>
-        <pc:spChg chg="add del mod">
-          <ac:chgData name="Vasana,Manikanta" userId="S::s545551@nwmissouri.edu::aa5ba442-2039-4fd0-a3af-aa6dd8db2d87" providerId="AD" clId="Web-{9E33308C-2BE0-4477-9970-3C15019AEB70}" dt="2022-10-14T15:03:29.479" v="169"/>
-          <ac:spMkLst>
-            <pc:docMk/>
-            <pc:sldMk cId="1614585721" sldId="374"/>
-            <ac:spMk id="6" creationId="{F9BAF60C-C08E-A94F-986A-F1EDDB987F00}"/>
-          </ac:spMkLst>
-        </pc:spChg>
-        <pc:spChg chg="add del mod">
-          <ac:chgData name="Vasana,Manikanta" userId="S::s545551@nwmissouri.edu::aa5ba442-2039-4fd0-a3af-aa6dd8db2d87" providerId="AD" clId="Web-{9E33308C-2BE0-4477-9970-3C15019AEB70}" dt="2022-10-14T15:33:37.099" v="235"/>
-          <ac:spMkLst>
-            <pc:docMk/>
-            <pc:sldMk cId="1614585721" sldId="374"/>
-            <ac:spMk id="9" creationId="{8855A0B7-3C6E-F408-709A-0C527C838B1F}"/>
-          </ac:spMkLst>
-        </pc:spChg>
-        <pc:spChg chg="add mod">
-          <ac:chgData name="Vasana,Manikanta" userId="S::s545551@nwmissouri.edu::aa5ba442-2039-4fd0-a3af-aa6dd8db2d87" providerId="AD" clId="Web-{9E33308C-2BE0-4477-9970-3C15019AEB70}" dt="2022-10-14T15:53:39.658" v="248" actId="1076"/>
-          <ac:spMkLst>
-            <pc:docMk/>
-            <pc:sldMk cId="1614585721" sldId="374"/>
-            <ac:spMk id="11" creationId="{E54C5EA5-4146-31E0-19C4-AA547EE0D708}"/>
-          </ac:spMkLst>
-        </pc:spChg>
-        <pc:picChg chg="add del mod ord">
-          <ac:chgData name="Vasana,Manikanta" userId="S::s545551@nwmissouri.edu::aa5ba442-2039-4fd0-a3af-aa6dd8db2d87" providerId="AD" clId="Web-{9E33308C-2BE0-4477-9970-3C15019AEB70}" dt="2022-10-14T15:03:20.026" v="168"/>
-          <ac:picMkLst>
-            <pc:docMk/>
-            <pc:sldMk cId="1614585721" sldId="374"/>
-            <ac:picMk id="4" creationId="{AC0CEC8A-93E8-390E-58FE-A5F7B83D6C34}"/>
-          </ac:picMkLst>
-        </pc:picChg>
-        <pc:picChg chg="add mod ord">
-          <ac:chgData name="Vasana,Manikanta" userId="S::s545551@nwmissouri.edu::aa5ba442-2039-4fd0-a3af-aa6dd8db2d87" providerId="AD" clId="Web-{9E33308C-2BE0-4477-9970-3C15019AEB70}" dt="2022-10-14T15:31:54.769" v="224" actId="14100"/>
-          <ac:picMkLst>
-            <pc:docMk/>
-            <pc:sldMk cId="1614585721" sldId="374"/>
-            <ac:picMk id="7" creationId="{406597BD-8376-9BDA-576E-517F9B18FE5B}"/>
-          </ac:picMkLst>
-        </pc:picChg>
-        <pc:picChg chg="add mod">
-          <ac:chgData name="Vasana,Manikanta" userId="S::s545551@nwmissouri.edu::aa5ba442-2039-4fd0-a3af-aa6dd8db2d87" providerId="AD" clId="Web-{9E33308C-2BE0-4477-9970-3C15019AEB70}" dt="2022-10-14T15:35:57.227" v="245" actId="1076"/>
-          <ac:picMkLst>
-            <pc:docMk/>
-            <pc:sldMk cId="1614585721" sldId="374"/>
-            <ac:picMk id="8" creationId="{BF9C0E73-55E4-52F9-38E3-84F4976B7964}"/>
-          </ac:picMkLst>
-        </pc:picChg>
-        <pc:cxnChg chg="add del">
-          <ac:chgData name="Vasana,Manikanta" userId="S::s545551@nwmissouri.edu::aa5ba442-2039-4fd0-a3af-aa6dd8db2d87" providerId="AD" clId="Web-{9E33308C-2BE0-4477-9970-3C15019AEB70}" dt="2022-10-14T15:34:10.834" v="239"/>
-          <ac:cxnSpMkLst>
-            <pc:docMk/>
-            <pc:sldMk cId="1614585721" sldId="374"/>
-            <ac:cxnSpMk id="10" creationId="{D3C279B2-BC41-D4BD-99BC-826F94D4B028}"/>
-          </ac:cxnSpMkLst>
-        </pc:cxnChg>
-      </pc:sldChg>
-      <pc:sldChg chg="new del">
-        <pc:chgData name="Vasana,Manikanta" userId="S::s545551@nwmissouri.edu::aa5ba442-2039-4fd0-a3af-aa6dd8db2d87" providerId="AD" clId="Web-{9E33308C-2BE0-4477-9970-3C15019AEB70}" dt="2022-10-14T15:31:10.439" v="216"/>
-        <pc:sldMkLst>
-          <pc:docMk/>
-          <pc:sldMk cId="1977206377" sldId="379"/>
-        </pc:sldMkLst>
-      </pc:sldChg>
-      <pc:sldChg chg="modSp new del">
-        <pc:chgData name="Vasana,Manikanta" userId="S::s545551@nwmissouri.edu::aa5ba442-2039-4fd0-a3af-aa6dd8db2d87" providerId="AD" clId="Web-{9E33308C-2BE0-4477-9970-3C15019AEB70}" dt="2022-10-14T15:30:27.564" v="209"/>
-        <pc:sldMkLst>
-          <pc:docMk/>
-          <pc:sldMk cId="2640318406" sldId="379"/>
-        </pc:sldMkLst>
-        <pc:spChg chg="mod">
-          <ac:chgData name="Vasana,Manikanta" userId="S::s545551@nwmissouri.edu::aa5ba442-2039-4fd0-a3af-aa6dd8db2d87" providerId="AD" clId="Web-{9E33308C-2BE0-4477-9970-3C15019AEB70}" dt="2022-10-14T15:30:22.376" v="208" actId="20577"/>
-          <ac:spMkLst>
-            <pc:docMk/>
-            <pc:sldMk cId="2640318406" sldId="379"/>
-            <ac:spMk id="2" creationId="{CD739126-00C5-80F3-1365-6F4CFFED23BD}"/>
-          </ac:spMkLst>
-        </pc:spChg>
-      </pc:sldChg>
-    </pc:docChg>
-  </pc:docChgLst>
-  <pc:docChgLst>
     <pc:chgData name="Janumula,Sailaxman" userId="S::s544100@nwmissouri.edu::057ba501-34c5-48a9-a77d-e6ca3e3b42d5" providerId="AD" clId="Web-{CA624234-A490-48E6-A8DF-7F4EFFBDA957}"/>
     <pc:docChg chg="modSld">
       <pc:chgData name="Janumula,Sailaxman" userId="S::s544100@nwmissouri.edu::057ba501-34c5-48a9-a77d-e6ca3e3b42d5" providerId="AD" clId="Web-{CA624234-A490-48E6-A8DF-7F4EFFBDA957}" dt="2022-10-14T04:28:54.848" v="447" actId="20577"/>
@@ -3255,78 +3254,79 @@
     </pc:docChg>
   </pc:docChgLst>
   <pc:docChgLst>
-    <pc:chgData name="Mohammed,Abdul Rehman Sayeed" userId="S::s545401@nwmissouri.edu::ec91287c-2f25-40c2-83a5-709028914a19" providerId="AD" clId="Web-{DC04F97A-613E-44C0-86A2-F40C8FEC6AB0}"/>
-    <pc:docChg chg="addSld delSld modSld sldOrd">
-      <pc:chgData name="Mohammed,Abdul Rehman Sayeed" userId="S::s545401@nwmissouri.edu::ec91287c-2f25-40c2-83a5-709028914a19" providerId="AD" clId="Web-{DC04F97A-613E-44C0-86A2-F40C8FEC6AB0}" dt="2022-10-14T15:38:16.803" v="68" actId="20577"/>
+    <pc:chgData name="Vissapragada,Sai Tejaswee" userId="S::s545438@nwmissouri.edu::ac5152bd-e08b-42ef-87f5-6857be20e85f" providerId="AD" clId="Web-{874B8582-0C7F-4F1F-9F7E-123D6B1CBF9C}"/>
+    <pc:docChg chg="addSld modSld">
+      <pc:chgData name="Vissapragada,Sai Tejaswee" userId="S::s545438@nwmissouri.edu::ac5152bd-e08b-42ef-87f5-6857be20e85f" providerId="AD" clId="Web-{874B8582-0C7F-4F1F-9F7E-123D6B1CBF9C}" dt="2022-10-14T01:22:06.883" v="76" actId="20577"/>
       <pc:docMkLst>
         <pc:docMk/>
       </pc:docMkLst>
-      <pc:sldChg chg="modSp ord">
-        <pc:chgData name="Mohammed,Abdul Rehman Sayeed" userId="S::s545401@nwmissouri.edu::ec91287c-2f25-40c2-83a5-709028914a19" providerId="AD" clId="Web-{DC04F97A-613E-44C0-86A2-F40C8FEC6AB0}" dt="2022-10-14T15:38:16.803" v="68" actId="20577"/>
-        <pc:sldMkLst>
-          <pc:docMk/>
-          <pc:sldMk cId="2442537970" sldId="341"/>
-        </pc:sldMkLst>
-        <pc:spChg chg="mod">
-          <ac:chgData name="Mohammed,Abdul Rehman Sayeed" userId="S::s545401@nwmissouri.edu::ec91287c-2f25-40c2-83a5-709028914a19" providerId="AD" clId="Web-{DC04F97A-613E-44C0-86A2-F40C8FEC6AB0}" dt="2022-10-14T15:38:16.803" v="68" actId="20577"/>
-          <ac:spMkLst>
-            <pc:docMk/>
-            <pc:sldMk cId="2442537970" sldId="341"/>
-            <ac:spMk id="28" creationId="{5625D5E9-34CA-4D00-BCB5-EB2CB1EDEA0D}"/>
-          </ac:spMkLst>
-        </pc:spChg>
-      </pc:sldChg>
       <pc:sldChg chg="modSp">
-        <pc:chgData name="Mohammed,Abdul Rehman Sayeed" userId="S::s545401@nwmissouri.edu::ec91287c-2f25-40c2-83a5-709028914a19" providerId="AD" clId="Web-{DC04F97A-613E-44C0-86A2-F40C8FEC6AB0}" dt="2022-10-14T14:51:16.741" v="31" actId="20577"/>
-        <pc:sldMkLst>
-          <pc:docMk/>
-          <pc:sldMk cId="1045016516" sldId="343"/>
-        </pc:sldMkLst>
-        <pc:spChg chg="mod">
-          <ac:chgData name="Mohammed,Abdul Rehman Sayeed" userId="S::s545401@nwmissouri.edu::ec91287c-2f25-40c2-83a5-709028914a19" providerId="AD" clId="Web-{DC04F97A-613E-44C0-86A2-F40C8FEC6AB0}" dt="2022-10-14T14:51:16.741" v="31" actId="20577"/>
-          <ac:spMkLst>
-            <pc:docMk/>
-            <pc:sldMk cId="1045016516" sldId="343"/>
-            <ac:spMk id="3" creationId="{9EF72435-41D5-40ED-A1E0-F497D91EB7D3}"/>
-          </ac:spMkLst>
-        </pc:spChg>
-      </pc:sldChg>
-      <pc:sldChg chg="modSp">
-        <pc:chgData name="Mohammed,Abdul Rehman Sayeed" userId="S::s545401@nwmissouri.edu::ec91287c-2f25-40c2-83a5-709028914a19" providerId="AD" clId="Web-{DC04F97A-613E-44C0-86A2-F40C8FEC6AB0}" dt="2022-10-14T14:41:46.491" v="20" actId="20577"/>
-        <pc:sldMkLst>
-          <pc:docMk/>
-          <pc:sldMk cId="1898072782" sldId="344"/>
-        </pc:sldMkLst>
-        <pc:spChg chg="mod">
-          <ac:chgData name="Mohammed,Abdul Rehman Sayeed" userId="S::s545401@nwmissouri.edu::ec91287c-2f25-40c2-83a5-709028914a19" providerId="AD" clId="Web-{DC04F97A-613E-44C0-86A2-F40C8FEC6AB0}" dt="2022-10-14T14:41:46.491" v="20" actId="20577"/>
-          <ac:spMkLst>
-            <pc:docMk/>
-            <pc:sldMk cId="1898072782" sldId="344"/>
-            <ac:spMk id="2" creationId="{B68093B9-6981-40EC-9AFD-1A8DBA15D2B3}"/>
-          </ac:spMkLst>
-        </pc:spChg>
-      </pc:sldChg>
-      <pc:sldChg chg="modSp">
-        <pc:chgData name="Mohammed,Abdul Rehman Sayeed" userId="S::s545401@nwmissouri.edu::ec91287c-2f25-40c2-83a5-709028914a19" providerId="AD" clId="Web-{DC04F97A-613E-44C0-86A2-F40C8FEC6AB0}" dt="2022-10-14T15:18:57.804" v="41" actId="20577"/>
+        <pc:chgData name="Vissapragada,Sai Tejaswee" userId="S::s545438@nwmissouri.edu::ac5152bd-e08b-42ef-87f5-6857be20e85f" providerId="AD" clId="Web-{874B8582-0C7F-4F1F-9F7E-123D6B1CBF9C}" dt="2022-10-13T20:39:00.622" v="1" actId="20577"/>
         <pc:sldMkLst>
           <pc:docMk/>
           <pc:sldMk cId="1841957312" sldId="357"/>
         </pc:sldMkLst>
         <pc:spChg chg="mod">
-          <ac:chgData name="Mohammed,Abdul Rehman Sayeed" userId="S::s545401@nwmissouri.edu::ec91287c-2f25-40c2-83a5-709028914a19" providerId="AD" clId="Web-{DC04F97A-613E-44C0-86A2-F40C8FEC6AB0}" dt="2022-10-14T15:18:57.804" v="41" actId="20577"/>
+          <ac:chgData name="Vissapragada,Sai Tejaswee" userId="S::s545438@nwmissouri.edu::ac5152bd-e08b-42ef-87f5-6857be20e85f" providerId="AD" clId="Web-{874B8582-0C7F-4F1F-9F7E-123D6B1CBF9C}" dt="2022-10-13T20:39:00.622" v="1" actId="20577"/>
           <ac:spMkLst>
             <pc:docMk/>
             <pc:sldMk cId="1841957312" sldId="357"/>
-            <ac:spMk id="3" creationId="{66B15469-23DA-28F8-3644-BAB61795B752}"/>
+            <ac:spMk id="2" creationId="{00E763BB-9BA0-8B15-EC3A-9596592F3FC1}"/>
           </ac:spMkLst>
         </pc:spChg>
       </pc:sldChg>
-      <pc:sldChg chg="add del replId">
-        <pc:chgData name="Mohammed,Abdul Rehman Sayeed" userId="S::s545401@nwmissouri.edu::ec91287c-2f25-40c2-83a5-709028914a19" providerId="AD" clId="Web-{DC04F97A-613E-44C0-86A2-F40C8FEC6AB0}" dt="2022-10-14T15:08:36.179" v="38"/>
+      <pc:sldChg chg="modSp">
+        <pc:chgData name="Vissapragada,Sai Tejaswee" userId="S::s545438@nwmissouri.edu::ac5152bd-e08b-42ef-87f5-6857be20e85f" providerId="AD" clId="Web-{874B8582-0C7F-4F1F-9F7E-123D6B1CBF9C}" dt="2022-10-14T01:19:11.441" v="29" actId="20577"/>
         <pc:sldMkLst>
           <pc:docMk/>
-          <pc:sldMk cId="945766289" sldId="375"/>
+          <pc:sldMk cId="2423198090" sldId="363"/>
         </pc:sldMkLst>
+        <pc:spChg chg="mod">
+          <ac:chgData name="Vissapragada,Sai Tejaswee" userId="S::s545438@nwmissouri.edu::ac5152bd-e08b-42ef-87f5-6857be20e85f" providerId="AD" clId="Web-{874B8582-0C7F-4F1F-9F7E-123D6B1CBF9C}" dt="2022-10-14T01:19:11.441" v="29" actId="20577"/>
+          <ac:spMkLst>
+            <pc:docMk/>
+            <pc:sldMk cId="2423198090" sldId="363"/>
+            <ac:spMk id="3" creationId="{3C27D1C7-E779-949F-4B8F-5A301D08E902}"/>
+          </ac:spMkLst>
+        </pc:spChg>
+      </pc:sldChg>
+      <pc:sldChg chg="modSp">
+        <pc:chgData name="Vissapragada,Sai Tejaswee" userId="S::s545438@nwmissouri.edu::ac5152bd-e08b-42ef-87f5-6857be20e85f" providerId="AD" clId="Web-{874B8582-0C7F-4F1F-9F7E-123D6B1CBF9C}" dt="2022-10-13T20:38:48.794" v="0" actId="20577"/>
+        <pc:sldMkLst>
+          <pc:docMk/>
+          <pc:sldMk cId="3868749730" sldId="367"/>
+        </pc:sldMkLst>
+        <pc:spChg chg="mod">
+          <ac:chgData name="Vissapragada,Sai Tejaswee" userId="S::s545438@nwmissouri.edu::ac5152bd-e08b-42ef-87f5-6857be20e85f" providerId="AD" clId="Web-{874B8582-0C7F-4F1F-9F7E-123D6B1CBF9C}" dt="2022-10-13T20:38:48.794" v="0" actId="20577"/>
+          <ac:spMkLst>
+            <pc:docMk/>
+            <pc:sldMk cId="3868749730" sldId="367"/>
+            <ac:spMk id="2" creationId="{B0B3554D-045E-A7DF-ADEE-5920476E61E9}"/>
+          </ac:spMkLst>
+        </pc:spChg>
+      </pc:sldChg>
+      <pc:sldChg chg="modSp new">
+        <pc:chgData name="Vissapragada,Sai Tejaswee" userId="S::s545438@nwmissouri.edu::ac5152bd-e08b-42ef-87f5-6857be20e85f" providerId="AD" clId="Web-{874B8582-0C7F-4F1F-9F7E-123D6B1CBF9C}" dt="2022-10-14T01:22:06.883" v="76" actId="20577"/>
+        <pc:sldMkLst>
+          <pc:docMk/>
+          <pc:sldMk cId="2698460313" sldId="368"/>
+        </pc:sldMkLst>
+        <pc:spChg chg="mod">
+          <ac:chgData name="Vissapragada,Sai Tejaswee" userId="S::s545438@nwmissouri.edu::ac5152bd-e08b-42ef-87f5-6857be20e85f" providerId="AD" clId="Web-{874B8582-0C7F-4F1F-9F7E-123D6B1CBF9C}" dt="2022-10-14T01:19:21.645" v="39" actId="20577"/>
+          <ac:spMkLst>
+            <pc:docMk/>
+            <pc:sldMk cId="2698460313" sldId="368"/>
+            <ac:spMk id="2" creationId="{57E92D1A-143E-A8D1-5650-23C53F336A3A}"/>
+          </ac:spMkLst>
+        </pc:spChg>
+        <pc:spChg chg="mod">
+          <ac:chgData name="Vissapragada,Sai Tejaswee" userId="S::s545438@nwmissouri.edu::ac5152bd-e08b-42ef-87f5-6857be20e85f" providerId="AD" clId="Web-{874B8582-0C7F-4F1F-9F7E-123D6B1CBF9C}" dt="2022-10-14T01:22:06.883" v="76" actId="20577"/>
+          <ac:spMkLst>
+            <pc:docMk/>
+            <pc:sldMk cId="2698460313" sldId="368"/>
+            <ac:spMk id="3" creationId="{0485A877-B7E7-764E-DB9E-520F12AC7E8A}"/>
+          </ac:spMkLst>
+        </pc:spChg>
       </pc:sldChg>
     </pc:docChg>
   </pc:docChgLst>
@@ -3415,7 +3415,7 @@
           <a:p>
             <a:fld id="{B0433E97-FADB-4491-B54C-1BDF826AF2C8}" type="datetimeFigureOut">
               <a:rPr lang="en-US" smtClean="0"/>
-              <a:t>11/30/2022</a:t>
+              <a:t>12/1/2022</a:t>
             </a:fld>
             <a:endParaRPr lang="en-US"/>
           </a:p>
@@ -3895,7 +3895,7 @@
           <a:p>
             <a:fld id="{C764DE79-268F-4C1A-8933-263129D2AF90}" type="datetimeFigureOut">
               <a:rPr lang="en-US" dirty="0"/>
-              <a:t>11/30/2022</a:t>
+              <a:t>12/1/2022</a:t>
             </a:fld>
             <a:endParaRPr lang="en-US"/>
           </a:p>
@@ -4063,7 +4063,7 @@
           <a:p>
             <a:fld id="{C764DE79-268F-4C1A-8933-263129D2AF90}" type="datetimeFigureOut">
               <a:rPr lang="en-US" dirty="0"/>
-              <a:t>11/30/2022</a:t>
+              <a:t>12/1/2022</a:t>
             </a:fld>
             <a:endParaRPr lang="en-US"/>
           </a:p>
@@ -4241,7 +4241,7 @@
           <a:p>
             <a:fld id="{C764DE79-268F-4C1A-8933-263129D2AF90}" type="datetimeFigureOut">
               <a:rPr lang="en-US" dirty="0"/>
-              <a:t>11/30/2022</a:t>
+              <a:t>12/1/2022</a:t>
             </a:fld>
             <a:endParaRPr lang="en-US"/>
           </a:p>
@@ -4409,7 +4409,7 @@
           <a:p>
             <a:fld id="{C764DE79-268F-4C1A-8933-263129D2AF90}" type="datetimeFigureOut">
               <a:rPr lang="en-US" dirty="0"/>
-              <a:t>11/30/2022</a:t>
+              <a:t>12/1/2022</a:t>
             </a:fld>
             <a:endParaRPr lang="en-US"/>
           </a:p>
@@ -4654,7 +4654,7 @@
           <a:p>
             <a:fld id="{C764DE79-268F-4C1A-8933-263129D2AF90}" type="datetimeFigureOut">
               <a:rPr lang="en-US" dirty="0"/>
-              <a:t>11/30/2022</a:t>
+              <a:t>12/1/2022</a:t>
             </a:fld>
             <a:endParaRPr lang="en-US"/>
           </a:p>
@@ -4883,7 +4883,7 @@
           <a:p>
             <a:fld id="{C764DE79-268F-4C1A-8933-263129D2AF90}" type="datetimeFigureOut">
               <a:rPr lang="en-US" dirty="0"/>
-              <a:t>11/30/2022</a:t>
+              <a:t>12/1/2022</a:t>
             </a:fld>
             <a:endParaRPr lang="en-US"/>
           </a:p>
@@ -5247,7 +5247,7 @@
           <a:p>
             <a:fld id="{C764DE79-268F-4C1A-8933-263129D2AF90}" type="datetimeFigureOut">
               <a:rPr lang="en-US" dirty="0"/>
-              <a:t>11/30/2022</a:t>
+              <a:t>12/1/2022</a:t>
             </a:fld>
             <a:endParaRPr lang="en-US"/>
           </a:p>
@@ -5364,7 +5364,7 @@
           <a:p>
             <a:fld id="{C764DE79-268F-4C1A-8933-263129D2AF90}" type="datetimeFigureOut">
               <a:rPr lang="en-US" dirty="0"/>
-              <a:t>11/30/2022</a:t>
+              <a:t>12/1/2022</a:t>
             </a:fld>
             <a:endParaRPr lang="en-US"/>
           </a:p>
@@ -5459,7 +5459,7 @@
           <a:p>
             <a:fld id="{C764DE79-268F-4C1A-8933-263129D2AF90}" type="datetimeFigureOut">
               <a:rPr lang="en-US" dirty="0"/>
-              <a:t>11/30/2022</a:t>
+              <a:t>12/1/2022</a:t>
             </a:fld>
             <a:endParaRPr lang="en-US"/>
           </a:p>
@@ -5734,7 +5734,7 @@
           <a:p>
             <a:fld id="{C764DE79-268F-4C1A-8933-263129D2AF90}" type="datetimeFigureOut">
               <a:rPr lang="en-US" dirty="0"/>
-              <a:t>11/30/2022</a:t>
+              <a:t>12/1/2022</a:t>
             </a:fld>
             <a:endParaRPr lang="en-US"/>
           </a:p>
@@ -5986,7 +5986,7 @@
           <a:p>
             <a:fld id="{C764DE79-268F-4C1A-8933-263129D2AF90}" type="datetimeFigureOut">
               <a:rPr lang="en-US" dirty="0"/>
-              <a:t>11/30/2022</a:t>
+              <a:t>12/1/2022</a:t>
             </a:fld>
             <a:endParaRPr lang="en-US"/>
           </a:p>
@@ -6197,7 +6197,7 @@
           <a:p>
             <a:fld id="{C764DE79-268F-4C1A-8933-263129D2AF90}" type="datetimeFigureOut">
               <a:rPr lang="en-US" dirty="0"/>
-              <a:t>11/30/2022</a:t>
+              <a:t>12/1/2022</a:t>
             </a:fld>
             <a:endParaRPr lang="en-US"/>
           </a:p>
@@ -6620,8 +6620,8 @@
         </p:nvSpPr>
         <p:spPr>
           <a:xfrm>
-            <a:off x="0" y="-196981"/>
-            <a:ext cx="12307019" cy="1582468"/>
+            <a:off x="0" y="195943"/>
+            <a:ext cx="12307019" cy="1189544"/>
           </a:xfrm>
         </p:spPr>
         <p:txBody>
@@ -6686,19 +6686,8 @@
                 <a:latin typeface="Calibri"/>
                 <a:cs typeface="Calibri"/>
               </a:rPr>
-              <a:t>Jahnavi </a:t>
-            </a:r>
-            <a:r>
-              <a:rPr lang="en-US" err="1">
-                <a:latin typeface="Calibri"/>
-                <a:cs typeface="Calibri"/>
-              </a:rPr>
-              <a:t>Dammannagari</a:t>
-            </a:r>
-            <a:endParaRPr lang="en-US">
-              <a:latin typeface="Calibri"/>
-              <a:cs typeface="Calibri"/>
-            </a:endParaRPr>
+              <a:t>Jahnavi Dammannagari</a:t>
+            </a:r>
           </a:p>
           <a:p>
             <a:pPr marL="342900" indent="-342900" algn="l">
@@ -6706,30 +6695,12 @@
               <a:buChar char="•"/>
             </a:pPr>
             <a:r>
-              <a:rPr lang="en-US" err="1">
-                <a:latin typeface="Calibri"/>
-                <a:cs typeface="Calibri"/>
-              </a:rPr>
-              <a:t>Sailaxman</a:t>
-            </a:r>
-            <a:r>
               <a:rPr lang="en-US">
                 <a:latin typeface="Calibri"/>
                 <a:cs typeface="Calibri"/>
               </a:rPr>
-              <a:t> </a:t>
-            </a:r>
-            <a:r>
-              <a:rPr lang="en-US" err="1">
-                <a:latin typeface="Calibri"/>
-                <a:cs typeface="Calibri"/>
-              </a:rPr>
-              <a:t>Janumula</a:t>
-            </a:r>
-            <a:endParaRPr lang="en-US">
-              <a:latin typeface="Calibri"/>
-              <a:cs typeface="Calibri"/>
-            </a:endParaRPr>
+              <a:t>Sailaxman Janumula</a:t>
+            </a:r>
           </a:p>
           <a:p>
             <a:pPr marL="342900" indent="-342900" algn="l">
@@ -6740,33 +6711,21 @@
                 <a:latin typeface="Calibri"/>
                 <a:cs typeface="Calibri"/>
               </a:rPr>
-              <a:t>Nikitha </a:t>
-            </a:r>
-            <a:r>
-              <a:rPr lang="en-US" err="1">
-                <a:latin typeface="Calibri"/>
-                <a:cs typeface="Calibri"/>
-              </a:rPr>
-              <a:t>Srivyshnavi</a:t>
-            </a:r>
+              <a:t>Nikitha Srivyshnavi Kankanalapalli</a:t>
+            </a:r>
+          </a:p>
+          <a:p>
+            <a:pPr marL="342900" indent="-342900" algn="l">
+              <a:buFont typeface="Arial" panose="020B0604020202020204" pitchFamily="34" charset="0"/>
+              <a:buChar char="•"/>
+            </a:pPr>
             <a:r>
               <a:rPr lang="en-US">
                 <a:latin typeface="Calibri"/>
                 <a:cs typeface="Calibri"/>
               </a:rPr>
-              <a:t> </a:t>
-            </a:r>
-            <a:r>
-              <a:rPr lang="en-US" err="1">
-                <a:latin typeface="Calibri"/>
-                <a:cs typeface="Calibri"/>
-              </a:rPr>
-              <a:t>Kankanalapalli</a:t>
-            </a:r>
-            <a:endParaRPr lang="en-US">
-              <a:latin typeface="Calibri"/>
-              <a:cs typeface="Calibri"/>
-            </a:endParaRPr>
+              <a:t>Sai Tejaswee Vissapragada</a:t>
+            </a:r>
           </a:p>
           <a:p>
             <a:pPr marL="342900" indent="-342900" algn="l">
@@ -6778,57 +6737,8 @@
                 <a:latin typeface="Calibri"/>
                 <a:cs typeface="Calibri"/>
               </a:rPr>
-              <a:t>Sai </a:t>
-            </a:r>
-            <a:r>
-              <a:rPr lang="en-US" err="1">
-                <a:latin typeface="Calibri"/>
-                <a:cs typeface="Calibri"/>
-              </a:rPr>
-              <a:t>Tejaswee</a:t>
-            </a:r>
-            <a:r>
-              <a:rPr lang="en-US">
-                <a:latin typeface="Calibri"/>
-                <a:cs typeface="Calibri"/>
-              </a:rPr>
-              <a:t> </a:t>
-            </a:r>
-            <a:r>
-              <a:rPr lang="en-US" err="1">
-                <a:latin typeface="Calibri"/>
-                <a:cs typeface="Calibri"/>
-              </a:rPr>
-              <a:t>Vissapragada</a:t>
-            </a:r>
-            <a:endParaRPr lang="en-US">
-              <a:latin typeface="Calibri"/>
-              <a:cs typeface="Calibri"/>
-            </a:endParaRPr>
-          </a:p>
-          <a:p>
-            <a:pPr marL="342900" indent="-342900" algn="l">
-              <a:buFont typeface="Arial" panose="020B0604020202020204" pitchFamily="34" charset="0"/>
-              <a:buChar char="•"/>
-            </a:pPr>
-            <a:r>
-              <a:rPr lang="en-US">
-                <a:latin typeface="Calibri"/>
-                <a:cs typeface="Calibri"/>
-              </a:rPr>
-              <a:t>Archana </a:t>
-            </a:r>
-            <a:r>
-              <a:rPr lang="en-US" err="1">
-                <a:latin typeface="Calibri"/>
-                <a:cs typeface="Calibri"/>
-              </a:rPr>
-              <a:t>Lingampally</a:t>
-            </a:r>
-            <a:endParaRPr lang="en-US">
-              <a:latin typeface="Calibri"/>
-              <a:cs typeface="Calibri"/>
-            </a:endParaRPr>
+              <a:t>Archana Lingampally</a:t>
+            </a:r>
           </a:p>
           <a:p>
             <a:pPr marL="342900" indent="-342900" algn="l">
@@ -6873,37 +6783,19 @@
                 <a:latin typeface="Calibri"/>
                 <a:cs typeface="Calibri"/>
               </a:rPr>
-              <a:t>Shiva Krishna </a:t>
-            </a:r>
-            <a:r>
-              <a:rPr lang="en-US" err="1">
-                <a:latin typeface="Calibri"/>
-                <a:cs typeface="Calibri"/>
-              </a:rPr>
-              <a:t>Myakala</a:t>
-            </a:r>
-            <a:endParaRPr lang="en-US">
-              <a:latin typeface="Calibri"/>
-              <a:cs typeface="Calibri"/>
-            </a:endParaRPr>
+              <a:t>Shiva Krishna Myakala</a:t>
+            </a:r>
           </a:p>
           <a:p>
             <a:pPr marL="342900" indent="-342900" algn="l">
               <a:buChar char="•"/>
             </a:pPr>
-            <a:r>
-              <a:rPr lang="en-US" err="1">
-                <a:latin typeface="Calibri"/>
-                <a:cs typeface="Calibri"/>
-              </a:rPr>
-              <a:t>Dheemanth</a:t>
-            </a:r>
             <a:r>
               <a:rPr lang="en-US">
                 <a:latin typeface="Calibri"/>
                 <a:cs typeface="Calibri"/>
               </a:rPr>
-              <a:t> Reddy Sanku</a:t>
+              <a:t>Dheemanth Reddy Sanku</a:t>
             </a:r>
           </a:p>
           <a:p>
@@ -6918,7 +6810,7 @@
               </a:rPr>
               <a:t>Manikanta Vasana</a:t>
             </a:r>
-            <a:endParaRPr lang="en-US" b="0" i="0">
+            <a:endParaRPr lang="en-US" b="0" i="0" dirty="0">
               <a:solidFill>
                 <a:srgbClr val="2D3B45"/>
               </a:solidFill>
@@ -6926,42 +6818,6 @@
               <a:latin typeface="Calibri"/>
               <a:cs typeface="Calibri"/>
             </a:endParaRPr>
-          </a:p>
-        </p:txBody>
-      </p:sp>
-      <p:sp>
-        <p:nvSpPr>
-          <p:cNvPr id="5" name="TextBox 4">
-            <a:extLst>
-              <a:ext uri="{FF2B5EF4-FFF2-40B4-BE49-F238E27FC236}">
-                <a16:creationId xmlns:a16="http://schemas.microsoft.com/office/drawing/2014/main" id="{F0D9F4AE-835F-4448-B5D2-C594E3C93546}"/>
-              </a:ext>
-            </a:extLst>
-          </p:cNvPr>
-          <p:cNvSpPr txBox="1"/>
-          <p:nvPr/>
-        </p:nvSpPr>
-        <p:spPr>
-          <a:xfrm>
-            <a:off x="3345612" y="952808"/>
-            <a:ext cx="5029199" cy="584775"/>
-          </a:xfrm>
-          <a:prstGeom prst="rect">
-            <a:avLst/>
-          </a:prstGeom>
-          <a:noFill/>
-        </p:spPr>
-        <p:txBody>
-          <a:bodyPr wrap="square" rtlCol="0">
-            <a:spAutoFit/>
-          </a:bodyPr>
-          <a:lstStyle/>
-          <a:p>
-            <a:pPr algn="ctr"/>
-            <a:r>
-              <a:rPr lang="en-US" sz="3200"/>
-              <a:t>  </a:t>
-            </a:r>
           </a:p>
         </p:txBody>
       </p:sp>
@@ -7021,8 +6877,8 @@
         </p:nvSpPr>
         <p:spPr>
           <a:xfrm>
-            <a:off x="648929" y="629266"/>
-            <a:ext cx="10894140" cy="1622321"/>
+            <a:off x="648929" y="870857"/>
+            <a:ext cx="10894140" cy="968830"/>
           </a:xfrm>
         </p:spPr>
         <p:txBody>
@@ -7033,7 +6889,7 @@
           <a:p>
             <a:r>
               <a:rPr lang="en-US" b="1" dirty="0"/>
-              <a:t>Methodology-1</a:t>
+              <a:t>Data set</a:t>
             </a:r>
             <a:endParaRPr lang="en-US" b="1" dirty="0">
               <a:cs typeface="Calibri Light"/>
@@ -7305,7 +7161,7 @@
                 <a:ea typeface="Calibri" panose="020F0502020204030204" pitchFamily="34" charset="0"/>
                 <a:cs typeface="Calibri" panose="020F0502020204030204" pitchFamily="34" charset="0"/>
               </a:rPr>
-              <a:t> this module we will pre-process dataset to remove missing values</a:t>
+              <a:t> this module we will pre-process the dataset to remove missing values</a:t>
             </a:r>
           </a:p>
           <a:p>
@@ -7326,7 +7182,7 @@
                 <a:ea typeface="Calibri" panose="020F0502020204030204" pitchFamily="34" charset="0"/>
                 <a:cs typeface="Calibri" panose="020F0502020204030204" pitchFamily="34" charset="0"/>
               </a:rPr>
-              <a:t>A</a:t>
+              <a:t>T</a:t>
             </a:r>
             <a:r>
               <a:rPr lang="en-IN" sz="2400" dirty="0">
@@ -7335,7 +7191,7 @@
                 <a:ea typeface="Calibri" panose="020F0502020204030204" pitchFamily="34" charset="0"/>
                 <a:cs typeface="Calibri" panose="020F0502020204030204" pitchFamily="34" charset="0"/>
               </a:rPr>
-              <a:t>nd then apply flipping and Fourier transform algorithm to select important attributes from dataset</a:t>
+              <a:t>hen apply flipping and Fourier transform algorithm to select important attributes from the dataset</a:t>
             </a:r>
             <a:endParaRPr lang="en-US" sz="2400" dirty="0">
               <a:effectLst/>
@@ -7356,6 +7212,12 @@
             <a:pPr marL="0" indent="0">
               <a:buNone/>
             </a:pPr>
+            <a:r>
+              <a:rPr lang="en-US" sz="2400" dirty="0">
+                <a:cs typeface="Calibri" panose="020F0502020204030204"/>
+              </a:rPr>
+              <a:t>   </a:t>
+            </a:r>
             <a:r>
               <a:rPr lang="en-US" sz="2400" dirty="0" err="1">
                 <a:cs typeface="Calibri" panose="020F0502020204030204"/>
@@ -8524,9 +8386,16 @@
             <p:ph type="title"/>
           </p:nvPr>
         </p:nvSpPr>
-        <p:spPr/>
-        <p:txBody>
-          <a:bodyPr/>
+        <p:spPr>
+          <a:xfrm>
+            <a:off x="838200" y="1360713"/>
+            <a:ext cx="10515600" cy="816428"/>
+          </a:xfrm>
+        </p:spPr>
+        <p:txBody>
+          <a:bodyPr>
+            <a:normAutofit/>
+          </a:bodyPr>
           <a:lstStyle/>
           <a:p>
             <a:r>
@@ -8552,7 +8421,12 @@
             <p:ph idx="1"/>
           </p:nvPr>
         </p:nvSpPr>
-        <p:spPr/>
+        <p:spPr>
+          <a:xfrm>
+            <a:off x="838200" y="2264229"/>
+            <a:ext cx="10515600" cy="3912733"/>
+          </a:xfrm>
+        </p:spPr>
         <p:txBody>
           <a:bodyPr>
             <a:noAutofit/>
@@ -8679,6 +8553,61 @@
           </a:p>
           <a:p>
             <a:endParaRPr lang="en-US" sz="2400" dirty="0"/>
+          </a:p>
+        </p:txBody>
+      </p:sp>
+      <p:sp>
+        <p:nvSpPr>
+          <p:cNvPr id="4" name="Title 1">
+            <a:extLst>
+              <a:ext uri="{FF2B5EF4-FFF2-40B4-BE49-F238E27FC236}">
+                <a16:creationId xmlns:a16="http://schemas.microsoft.com/office/drawing/2014/main" id="{C3CF2BAF-EC59-9A69-3CD2-F9BA72E22181}"/>
+              </a:ext>
+            </a:extLst>
+          </p:cNvPr>
+          <p:cNvSpPr txBox="1">
+            <a:spLocks/>
+          </p:cNvSpPr>
+          <p:nvPr/>
+        </p:nvSpPr>
+        <p:spPr>
+          <a:xfrm>
+            <a:off x="838200" y="544285"/>
+            <a:ext cx="10515600" cy="816428"/>
+          </a:xfrm>
+          <a:prstGeom prst="rect">
+            <a:avLst/>
+          </a:prstGeom>
+        </p:spPr>
+        <p:txBody>
+          <a:bodyPr vert="horz" lIns="91440" tIns="45720" rIns="91440" bIns="45720" rtlCol="0" anchor="ctr">
+            <a:noAutofit/>
+          </a:bodyPr>
+          <a:lstStyle>
+            <a:lvl1pPr algn="l" defTabSz="914400" rtl="0" eaLnBrk="1" latinLnBrk="0" hangingPunct="1">
+              <a:lnSpc>
+                <a:spcPct val="90000"/>
+              </a:lnSpc>
+              <a:spcBef>
+                <a:spcPct val="0"/>
+              </a:spcBef>
+              <a:buNone/>
+              <a:defRPr sz="4400" kern="1200">
+                <a:solidFill>
+                  <a:schemeClr val="tx1"/>
+                </a:solidFill>
+                <a:latin typeface="+mj-lt"/>
+                <a:ea typeface="+mj-ea"/>
+                <a:cs typeface="+mj-cs"/>
+              </a:defRPr>
+            </a:lvl1pPr>
+          </a:lstStyle>
+          <a:p>
+            <a:pPr algn="ctr"/>
+            <a:r>
+              <a:rPr lang="en-US" sz="5400" b="1" dirty="0"/>
+              <a:t>Methodology-2</a:t>
+            </a:r>
           </a:p>
         </p:txBody>
       </p:sp>
@@ -8728,7 +8657,12 @@
             <p:ph type="title"/>
           </p:nvPr>
         </p:nvSpPr>
-        <p:spPr/>
+        <p:spPr>
+          <a:xfrm>
+            <a:off x="707571" y="365125"/>
+            <a:ext cx="10646229" cy="1325563"/>
+          </a:xfrm>
+        </p:spPr>
         <p:txBody>
           <a:bodyPr/>
           <a:lstStyle/>
@@ -10309,17 +10243,17 @@
               <a:buChar char="•"/>
             </a:pPr>
             <a:r>
-              <a:rPr lang="en-US" sz="2400" dirty="0"/>
+              <a:rPr lang="en-US" sz="2400"/>
               <a:t>Introduction</a:t>
             </a:r>
-            <a:endParaRPr lang="en-US" sz="2400" dirty="0">
+            <a:endParaRPr lang="en-US" sz="2400">
               <a:cs typeface="Calibri"/>
             </a:endParaRPr>
           </a:p>
           <a:p>
             <a:pPr marL="285750" indent="-285750"/>
             <a:r>
-              <a:rPr lang="en-US" sz="2400" dirty="0">
+              <a:rPr lang="en-US" sz="2400">
                 <a:cs typeface="Calibri"/>
               </a:rPr>
               <a:t>Existing System</a:t>
@@ -10331,32 +10265,20 @@
               <a:buChar char="•"/>
             </a:pPr>
             <a:r>
-              <a:rPr lang="en-US" sz="2400" dirty="0"/>
+              <a:rPr lang="en-US" sz="2400"/>
               <a:t>Proposed System</a:t>
             </a:r>
-            <a:endParaRPr lang="en-US" sz="2400" dirty="0">
+            <a:endParaRPr lang="en-US" sz="2400">
               <a:cs typeface="Calibri"/>
             </a:endParaRPr>
           </a:p>
           <a:p>
             <a:pPr marL="285750" indent="-285750"/>
             <a:r>
-              <a:rPr lang="en-US" sz="2400" dirty="0">
+              <a:rPr lang="en-US" sz="2400">
                 <a:cs typeface="Calibri"/>
               </a:rPr>
-              <a:t>Why QR Code and </a:t>
-            </a:r>
-            <a:r>
-              <a:rPr lang="en-US" sz="2400" dirty="0" err="1">
-                <a:cs typeface="Calibri"/>
-              </a:rPr>
-              <a:t>Heartwave</a:t>
-            </a:r>
-            <a:r>
-              <a:rPr lang="en-US" sz="2400" dirty="0">
-                <a:cs typeface="Calibri"/>
-              </a:rPr>
-              <a:t> </a:t>
+              <a:t>Why QR Code and Heartwave </a:t>
             </a:r>
           </a:p>
           <a:p>
@@ -10365,7 +10287,7 @@
               <a:buChar char="•"/>
             </a:pPr>
             <a:r>
-              <a:rPr lang="en-US" sz="2400" dirty="0">
+              <a:rPr lang="en-US" sz="2400">
                 <a:cs typeface="Calibri"/>
               </a:rPr>
               <a:t>Methodology-I</a:t>
@@ -10374,7 +10296,7 @@
           <a:p>
             <a:pPr marL="285750" indent="-285750"/>
             <a:r>
-              <a:rPr lang="en-US" sz="2400" dirty="0">
+              <a:rPr lang="en-US" sz="2400">
                 <a:cs typeface="Calibri"/>
               </a:rPr>
               <a:t>Methodology-II</a:t>
@@ -10383,7 +10305,7 @@
           <a:p>
             <a:pPr marL="285750" indent="-285750"/>
             <a:r>
-              <a:rPr lang="en-US" sz="2400" dirty="0">
+              <a:rPr lang="en-US" sz="2400">
                 <a:cs typeface="Calibri"/>
               </a:rPr>
               <a:t>Task Accomplished </a:t>
@@ -10395,10 +10317,10 @@
               <a:buChar char="•"/>
             </a:pPr>
             <a:r>
-              <a:rPr lang="en-US" sz="2400" dirty="0"/>
+              <a:rPr lang="en-US" sz="2400"/>
               <a:t>Future Accomplishments</a:t>
             </a:r>
-            <a:endParaRPr lang="en-US" sz="2400" dirty="0">
+            <a:endParaRPr lang="en-US" sz="2400">
               <a:cs typeface="Calibri"/>
             </a:endParaRPr>
           </a:p>
@@ -10406,7 +10328,7 @@
             <a:pPr marL="0" indent="0">
               <a:buNone/>
             </a:pPr>
-            <a:endParaRPr lang="en-US" sz="4200" dirty="0">
+            <a:endParaRPr lang="en-US" sz="4200">
               <a:cs typeface="Calibri"/>
             </a:endParaRPr>
           </a:p>
@@ -10415,7 +10337,7 @@
               <a:buFont typeface="Arial" panose="020B0604020202020204" pitchFamily="34" charset="0"/>
               <a:buChar char="•"/>
             </a:pPr>
-            <a:endParaRPr lang="en-US" sz="2800" dirty="0"/>
+            <a:endParaRPr lang="en-US" sz="2800"/>
           </a:p>
           <a:p>
             <a:endParaRPr lang="en-US" dirty="0"/>
@@ -12157,8 +12079,8 @@
         </p:nvSpPr>
         <p:spPr>
           <a:xfrm>
-            <a:off x="838200" y="1825625"/>
-            <a:ext cx="5558489" cy="4351338"/>
+            <a:off x="1524000" y="1825625"/>
+            <a:ext cx="4872690" cy="4351338"/>
           </a:xfrm>
         </p:spPr>
         <p:txBody>
@@ -12946,8 +12868,8 @@
         </p:nvSpPr>
         <p:spPr>
           <a:xfrm>
-            <a:off x="805543" y="2871982"/>
-            <a:ext cx="5272888" cy="3181684"/>
+            <a:off x="205198" y="2198914"/>
+            <a:ext cx="6366383" cy="3124199"/>
           </a:xfrm>
         </p:spPr>
         <p:txBody>
@@ -14453,8 +14375,8 @@
         </p:blipFill>
         <p:spPr>
           <a:xfrm>
-            <a:off x="9303994" y="859353"/>
-            <a:ext cx="2005749" cy="1502376"/>
+            <a:off x="9101524" y="859352"/>
+            <a:ext cx="2209200" cy="1503111"/>
           </a:xfrm>
           <a:prstGeom prst="rect">
             <a:avLst/>
@@ -14489,7 +14411,7 @@
         </p:blipFill>
         <p:spPr>
           <a:xfrm>
-            <a:off x="5403493" y="3835153"/>
+            <a:off x="4447044" y="3961559"/>
             <a:ext cx="2065444" cy="2065444"/>
           </a:xfrm>
           <a:prstGeom prst="rect">
@@ -14525,8 +14447,8 @@
         </p:blipFill>
         <p:spPr>
           <a:xfrm>
-            <a:off x="9621822" y="3654030"/>
-            <a:ext cx="1588615" cy="2246567"/>
+            <a:off x="9458658" y="3720727"/>
+            <a:ext cx="1500043" cy="1954706"/>
           </a:xfrm>
           <a:prstGeom prst="rect">
             <a:avLst/>
@@ -14547,7 +14469,7 @@
         </p:nvSpPr>
         <p:spPr>
           <a:xfrm>
-            <a:off x="2614255" y="1470998"/>
+            <a:off x="2614672" y="1893988"/>
             <a:ext cx="1187183" cy="165744"/>
           </a:xfrm>
           <a:prstGeom prst="rightArrow">
@@ -14593,7 +14515,7 @@
         </p:nvSpPr>
         <p:spPr>
           <a:xfrm>
-            <a:off x="7404826" y="1346579"/>
+            <a:off x="7260858" y="1836249"/>
             <a:ext cx="1020084" cy="145783"/>
           </a:xfrm>
           <a:prstGeom prst="rightArrow">
@@ -14639,7 +14561,7 @@
         </p:nvSpPr>
         <p:spPr>
           <a:xfrm rot="5400000">
-            <a:off x="9914861" y="3070179"/>
+            <a:off x="9716891" y="3051549"/>
             <a:ext cx="1002539" cy="190060"/>
           </a:xfrm>
           <a:prstGeom prst="rightArrow">
@@ -14685,7 +14607,7 @@
         </p:nvSpPr>
         <p:spPr>
           <a:xfrm rot="10800000">
-            <a:off x="8329155" y="4848717"/>
+            <a:off x="7308125" y="5063990"/>
             <a:ext cx="1098929" cy="184921"/>
           </a:xfrm>
           <a:prstGeom prst="rightArrow">
@@ -14731,7 +14653,7 @@
         </p:nvSpPr>
         <p:spPr>
           <a:xfrm>
-            <a:off x="1979700" y="1636741"/>
+            <a:off x="1979700" y="1407737"/>
             <a:ext cx="2895600" cy="461665"/>
           </a:xfrm>
           <a:prstGeom prst="rect">
@@ -14746,7 +14668,7 @@
           <a:lstStyle/>
           <a:p>
             <a:r>
-              <a:rPr lang="en-US" sz="2400"/>
+              <a:rPr lang="en-US" sz="2400" dirty="0"/>
               <a:t>QR Code is Scanned</a:t>
             </a:r>
           </a:p>
@@ -14766,7 +14688,7 @@
         </p:nvSpPr>
         <p:spPr>
           <a:xfrm>
-            <a:off x="6893927" y="1479390"/>
+            <a:off x="6614246" y="1411330"/>
             <a:ext cx="2895600" cy="461665"/>
           </a:xfrm>
           <a:prstGeom prst="rect">
@@ -14781,7 +14703,7 @@
           <a:lstStyle/>
           <a:p>
             <a:r>
-              <a:rPr lang="en-US" sz="2400"/>
+              <a:rPr lang="en-US" sz="2400" dirty="0"/>
               <a:t>Access Granted</a:t>
             </a:r>
           </a:p>
@@ -14801,8 +14723,8 @@
         </p:nvSpPr>
         <p:spPr>
           <a:xfrm>
-            <a:off x="7457941" y="2928152"/>
-            <a:ext cx="2895600" cy="461665"/>
+            <a:off x="10435078" y="2773119"/>
+            <a:ext cx="1751291" cy="830997"/>
           </a:xfrm>
           <a:prstGeom prst="rect">
             <a:avLst/>
@@ -14816,8 +14738,14 @@
           <a:lstStyle/>
           <a:p>
             <a:r>
-              <a:rPr lang="en-US" sz="2400"/>
-              <a:t>ECG wave is detected</a:t>
+              <a:rPr lang="en-US" sz="2400" dirty="0"/>
+              <a:t>ECG wave</a:t>
+            </a:r>
+          </a:p>
+          <a:p>
+            <a:r>
+              <a:rPr lang="en-US" sz="2400" dirty="0"/>
+              <a:t>is detected</a:t>
             </a:r>
           </a:p>
         </p:txBody>
@@ -14851,7 +14779,7 @@
           <a:lstStyle/>
           <a:p>
             <a:r>
-              <a:rPr lang="en-US" sz="2400"/>
+              <a:rPr lang="en-US" sz="2400" dirty="0"/>
               <a:t>Heart wave Authentication</a:t>
             </a:r>
           </a:p>
@@ -14871,7 +14799,7 @@
         </p:nvSpPr>
         <p:spPr>
           <a:xfrm>
-            <a:off x="7726269" y="4315648"/>
+            <a:off x="6806098" y="4602325"/>
             <a:ext cx="2295426" cy="461665"/>
           </a:xfrm>
           <a:prstGeom prst="rect">
@@ -14886,7 +14814,7 @@
           <a:lstStyle/>
           <a:p>
             <a:r>
-              <a:rPr lang="en-US" sz="2400"/>
+              <a:rPr lang="en-US" sz="2400" dirty="0"/>
               <a:t>Access Granted</a:t>
             </a:r>
           </a:p>
@@ -14906,7 +14834,7 @@
         </p:nvSpPr>
         <p:spPr>
           <a:xfrm>
-            <a:off x="5925879" y="6027003"/>
+            <a:off x="4925519" y="6005746"/>
             <a:ext cx="2318998" cy="830997"/>
           </a:xfrm>
           <a:prstGeom prst="rect">
@@ -14921,12 +14849,12 @@
           <a:lstStyle/>
           <a:p>
             <a:r>
-              <a:rPr lang="en-US" sz="2400"/>
+              <a:rPr lang="en-US" sz="2400" dirty="0"/>
               <a:t>Services</a:t>
             </a:r>
           </a:p>
           <a:p>
-            <a:endParaRPr lang="en-US" sz="2400"/>
+            <a:endParaRPr lang="en-US" sz="2400" dirty="0"/>
           </a:p>
         </p:txBody>
       </p:sp>
@@ -14958,8 +14886,8 @@
         </p:blipFill>
         <p:spPr>
           <a:xfrm>
-            <a:off x="501118" y="927100"/>
-            <a:ext cx="1466850" cy="2501900"/>
+            <a:off x="546612" y="1191313"/>
+            <a:ext cx="1020475" cy="1736839"/>
           </a:xfrm>
           <a:prstGeom prst="rect">
             <a:avLst/>
@@ -14980,7 +14908,7 @@
         </p:nvSpPr>
         <p:spPr>
           <a:xfrm>
-            <a:off x="947493" y="3528210"/>
+            <a:off x="668079" y="2967335"/>
             <a:ext cx="1020475" cy="461665"/>
           </a:xfrm>
           <a:prstGeom prst="rect">
@@ -14995,7 +14923,7 @@
           <a:lstStyle/>
           <a:p>
             <a:r>
-              <a:rPr lang="en-US" sz="2400"/>
+              <a:rPr lang="en-US" sz="2400" dirty="0"/>
               <a:t>User</a:t>
             </a:r>
           </a:p>
@@ -15224,18 +15152,20 @@
             <p:ph type="title"/>
           </p:nvPr>
         </p:nvSpPr>
-        <p:spPr/>
+        <p:spPr>
+          <a:xfrm>
+            <a:off x="838200" y="136525"/>
+            <a:ext cx="10515600" cy="766989"/>
+          </a:xfrm>
+        </p:spPr>
         <p:txBody>
           <a:bodyPr/>
           <a:lstStyle/>
           <a:p>
-            <a:r>
-              <a:rPr lang="en-US" b="1" dirty="0" err="1"/>
-              <a:t>Heartwave</a:t>
-            </a:r>
+            <a:pPr algn="ctr"/>
             <a:r>
               <a:rPr lang="en-US" b="1" dirty="0"/>
-              <a:t> Authentication using ML</a:t>
+              <a:t>Methodology-1</a:t>
             </a:r>
             <a:endParaRPr lang="en-US" dirty="0"/>
           </a:p>
@@ -15298,7 +15228,7 @@
         </p:blipFill>
         <p:spPr>
           <a:xfrm>
-            <a:off x="167640" y="1615131"/>
+            <a:off x="419100" y="1615131"/>
             <a:ext cx="11353800" cy="5106344"/>
           </a:xfrm>
           <a:prstGeom prst="rect">
@@ -15306,6 +15236,61 @@
           </a:prstGeom>
         </p:spPr>
       </p:pic>
+      <p:sp>
+        <p:nvSpPr>
+          <p:cNvPr id="3" name="Title 1">
+            <a:extLst>
+              <a:ext uri="{FF2B5EF4-FFF2-40B4-BE49-F238E27FC236}">
+                <a16:creationId xmlns:a16="http://schemas.microsoft.com/office/drawing/2014/main" id="{5907B3B8-7162-8681-10D4-D0819D98755E}"/>
+              </a:ext>
+            </a:extLst>
+          </p:cNvPr>
+          <p:cNvSpPr txBox="1">
+            <a:spLocks/>
+          </p:cNvSpPr>
+          <p:nvPr/>
+        </p:nvSpPr>
+        <p:spPr>
+          <a:xfrm>
+            <a:off x="287383" y="903514"/>
+            <a:ext cx="10515600" cy="766989"/>
+          </a:xfrm>
+          <a:prstGeom prst="rect">
+            <a:avLst/>
+          </a:prstGeom>
+        </p:spPr>
+        <p:txBody>
+          <a:bodyPr vert="horz" lIns="91440" tIns="45720" rIns="91440" bIns="45720" rtlCol="0" anchor="ctr">
+            <a:normAutofit/>
+          </a:bodyPr>
+          <a:lstStyle>
+            <a:lvl1pPr algn="l" defTabSz="914400" rtl="0" eaLnBrk="1" latinLnBrk="0" hangingPunct="1">
+              <a:lnSpc>
+                <a:spcPct val="90000"/>
+              </a:lnSpc>
+              <a:spcBef>
+                <a:spcPct val="0"/>
+              </a:spcBef>
+              <a:buNone/>
+              <a:defRPr sz="4400" kern="1200">
+                <a:solidFill>
+                  <a:schemeClr val="tx1"/>
+                </a:solidFill>
+                <a:latin typeface="+mj-lt"/>
+                <a:ea typeface="+mj-ea"/>
+                <a:cs typeface="+mj-cs"/>
+              </a:defRPr>
+            </a:lvl1pPr>
+          </a:lstStyle>
+          <a:p>
+            <a:r>
+              <a:rPr lang="en-US" b="1" dirty="0"/>
+              <a:t>Block diagram</a:t>
+            </a:r>
+            <a:endParaRPr lang="en-US" dirty="0"/>
+          </a:p>
+        </p:txBody>
+      </p:sp>
     </p:spTree>
     <p:extLst>
       <p:ext uri="{BB962C8B-B14F-4D97-AF65-F5344CB8AC3E}">
@@ -15876,15 +15861,6 @@
 </file>
 
 <file path=customXml/item1.xml><?xml version="1.0" encoding="utf-8"?>
-<?mso-contentType ?>
-<FormTemplates xmlns="http://schemas.microsoft.com/sharepoint/v3/contenttype/forms">
-  <Display>DocumentLibraryForm</Display>
-  <Edit>DocumentLibraryForm</Edit>
-  <New>DocumentLibraryForm</New>
-</FormTemplates>
-</file>
-
-<file path=customXml/item2.xml><?xml version="1.0" encoding="utf-8"?>
 <p:properties xmlns:p="http://schemas.microsoft.com/office/2006/metadata/properties" xmlns:xsi="http://www.w3.org/2001/XMLSchema-instance" xmlns:pc="http://schemas.microsoft.com/office/infopath/2007/PartnerControls">
   <documentManagement>
     <TaxCatchAll xmlns="c19f3564-a95e-47d5-97e3-34af000c2652" xsi:nil="true"/>
@@ -15893,6 +15869,15 @@
     </lcf76f155ced4ddcb4097134ff3c332f>
   </documentManagement>
 </p:properties>
+</file>
+
+<file path=customXml/item2.xml><?xml version="1.0" encoding="utf-8"?>
+<?mso-contentType ?>
+<FormTemplates xmlns="http://schemas.microsoft.com/sharepoint/v3/contenttype/forms">
+  <Display>DocumentLibraryForm</Display>
+  <Edit>DocumentLibraryForm</Edit>
+  <New>DocumentLibraryForm</New>
+</FormTemplates>
 </file>
 
 <file path=customXml/item3.xml><?xml version="1.0" encoding="utf-8"?>
@@ -16073,14 +16058,6 @@
 </file>
 
 <file path=customXml/itemProps1.xml><?xml version="1.0" encoding="utf-8"?>
-<ds:datastoreItem xmlns:ds="http://schemas.openxmlformats.org/officeDocument/2006/customXml" ds:itemID="{5BAD64A1-DB19-4D1F-A55E-076561A36A25}">
-  <ds:schemaRefs>
-    <ds:schemaRef ds:uri="http://schemas.microsoft.com/sharepoint/v3/contenttype/forms"/>
-  </ds:schemaRefs>
-</ds:datastoreItem>
-</file>
-
-<file path=customXml/itemProps2.xml><?xml version="1.0" encoding="utf-8"?>
 <ds:datastoreItem xmlns:ds="http://schemas.openxmlformats.org/officeDocument/2006/customXml" ds:itemID="{6A0B52BC-4B4C-4F3A-AF4E-115EF32F9439}">
   <ds:schemaRefs>
     <ds:schemaRef ds:uri="c5f1fd4d-4aaf-4baf-bfef-3f62c27f496f"/>
@@ -16093,6 +16070,14 @@
     <ds:schemaRef ds:uri="http://schemas.openxmlformats.org/package/2006/metadata/core-properties"/>
     <ds:schemaRef ds:uri="http://www.w3.org/XML/1998/namespace"/>
     <ds:schemaRef ds:uri="c19f3564-a95e-47d5-97e3-34af000c2652"/>
+  </ds:schemaRefs>
+</ds:datastoreItem>
+</file>
+
+<file path=customXml/itemProps2.xml><?xml version="1.0" encoding="utf-8"?>
+<ds:datastoreItem xmlns:ds="http://schemas.openxmlformats.org/officeDocument/2006/customXml" ds:itemID="{5BAD64A1-DB19-4D1F-A55E-076561A36A25}">
+  <ds:schemaRefs>
+    <ds:schemaRef ds:uri="http://schemas.microsoft.com/sharepoint/v3/contenttype/forms"/>
   </ds:schemaRefs>
 </ds:datastoreItem>
 </file>

--- a/Mid Term (1).pptx
+++ b/Mid Term (1).pptx
@@ -5,7 +5,7 @@
     <p:sldMasterId id="2147483724" r:id="rId4"/>
   </p:sldMasterIdLst>
   <p:notesMasterIdLst>
-    <p:notesMasterId r:id="rId30"/>
+    <p:notesMasterId r:id="rId29"/>
   </p:notesMasterIdLst>
   <p:sldIdLst>
     <p:sldId id="256" r:id="rId5"/>
@@ -20,19 +20,18 @@
     <p:sldId id="366" r:id="rId14"/>
     <p:sldId id="364" r:id="rId15"/>
     <p:sldId id="379" r:id="rId16"/>
-    <p:sldId id="372" r:id="rId17"/>
-    <p:sldId id="368" r:id="rId18"/>
-    <p:sldId id="351" r:id="rId19"/>
-    <p:sldId id="259" r:id="rId20"/>
-    <p:sldId id="257" r:id="rId21"/>
-    <p:sldId id="260" r:id="rId22"/>
-    <p:sldId id="258" r:id="rId23"/>
-    <p:sldId id="261" r:id="rId24"/>
-    <p:sldId id="262" r:id="rId25"/>
-    <p:sldId id="263" r:id="rId26"/>
-    <p:sldId id="354" r:id="rId27"/>
-    <p:sldId id="381" r:id="rId28"/>
-    <p:sldId id="382" r:id="rId29"/>
+    <p:sldId id="383" r:id="rId17"/>
+    <p:sldId id="351" r:id="rId18"/>
+    <p:sldId id="259" r:id="rId19"/>
+    <p:sldId id="257" r:id="rId20"/>
+    <p:sldId id="260" r:id="rId21"/>
+    <p:sldId id="258" r:id="rId22"/>
+    <p:sldId id="261" r:id="rId23"/>
+    <p:sldId id="262" r:id="rId24"/>
+    <p:sldId id="263" r:id="rId25"/>
+    <p:sldId id="354" r:id="rId26"/>
+    <p:sldId id="381" r:id="rId27"/>
+    <p:sldId id="382" r:id="rId28"/>
   </p:sldIdLst>
   <p:sldSz cx="12192000" cy="6858000"/>
   <p:notesSz cx="6858000" cy="9144000"/>
@@ -142,7 +141,7 @@
 <file path=ppt/revisionInfo.xml><?xml version="1.0" encoding="utf-8"?>
 <p1510:revInfo xmlns:a="http://schemas.openxmlformats.org/drawingml/2006/main" xmlns:r="http://schemas.openxmlformats.org/officeDocument/2006/relationships" xmlns:p1510="http://schemas.microsoft.com/office/powerpoint/2015/10/main">
   <p1510:revLst>
-    <p1510:client id="{97312CED-9575-4606-A328-07082E28D64F}" v="8" dt="2022-11-28T18:42:52.605"/>
+    <p1510:client id="{97312CED-9575-4606-A328-07082E28D64F}" v="16" dt="2022-12-01T19:42:24.670"/>
   </p1510:revLst>
 </p1510:revInfo>
 </file>
@@ -2400,18 +2399,26 @@
   <pc:docChgLst>
     <pc:chgData name="Vissapragada,Sai Tejaswee" userId="ac5152bd-e08b-42ef-87f5-6857be20e85f" providerId="ADAL" clId="{97312CED-9575-4606-A328-07082E28D64F}"/>
     <pc:docChg chg="undo custSel addSld delSld modSld sldOrd">
-      <pc:chgData name="Vissapragada,Sai Tejaswee" userId="ac5152bd-e08b-42ef-87f5-6857be20e85f" providerId="ADAL" clId="{97312CED-9575-4606-A328-07082E28D64F}" dt="2022-12-01T17:25:22.338" v="503" actId="20577"/>
+      <pc:chgData name="Vissapragada,Sai Tejaswee" userId="ac5152bd-e08b-42ef-87f5-6857be20e85f" providerId="ADAL" clId="{97312CED-9575-4606-A328-07082E28D64F}" dt="2022-12-01T19:44:29.548" v="1271" actId="20577"/>
       <pc:docMkLst>
         <pc:docMk/>
       </pc:docMkLst>
       <pc:sldChg chg="modSp mod">
-        <pc:chgData name="Vissapragada,Sai Tejaswee" userId="ac5152bd-e08b-42ef-87f5-6857be20e85f" providerId="ADAL" clId="{97312CED-9575-4606-A328-07082E28D64F}" dt="2022-11-30T18:13:55.278" v="170" actId="20577"/>
+        <pc:chgData name="Vissapragada,Sai Tejaswee" userId="ac5152bd-e08b-42ef-87f5-6857be20e85f" providerId="ADAL" clId="{97312CED-9575-4606-A328-07082E28D64F}" dt="2022-12-01T19:25:17.481" v="1200" actId="20577"/>
         <pc:sldMkLst>
           <pc:docMk/>
           <pc:sldMk cId="1407598965" sldId="259"/>
         </pc:sldMkLst>
         <pc:spChg chg="mod">
-          <ac:chgData name="Vissapragada,Sai Tejaswee" userId="ac5152bd-e08b-42ef-87f5-6857be20e85f" providerId="ADAL" clId="{97312CED-9575-4606-A328-07082E28D64F}" dt="2022-11-30T18:13:55.278" v="170" actId="20577"/>
+          <ac:chgData name="Vissapragada,Sai Tejaswee" userId="ac5152bd-e08b-42ef-87f5-6857be20e85f" providerId="ADAL" clId="{97312CED-9575-4606-A328-07082E28D64F}" dt="2022-12-01T19:23:30.159" v="1128" actId="6549"/>
+          <ac:spMkLst>
+            <pc:docMk/>
+            <pc:sldMk cId="1407598965" sldId="259"/>
+            <ac:spMk id="2" creationId="{3513FC13-F9B0-A9E6-9F54-41D1F10BBBA8}"/>
+          </ac:spMkLst>
+        </pc:spChg>
+        <pc:spChg chg="mod">
+          <ac:chgData name="Vissapragada,Sai Tejaswee" userId="ac5152bd-e08b-42ef-87f5-6857be20e85f" providerId="ADAL" clId="{97312CED-9575-4606-A328-07082E28D64F}" dt="2022-12-01T19:25:17.481" v="1200" actId="20577"/>
           <ac:spMkLst>
             <pc:docMk/>
             <pc:sldMk cId="1407598965" sldId="259"/>
@@ -2419,20 +2426,140 @@
           </ac:spMkLst>
         </pc:spChg>
       </pc:sldChg>
-      <pc:sldChg chg="modSp mod">
-        <pc:chgData name="Vissapragada,Sai Tejaswee" userId="ac5152bd-e08b-42ef-87f5-6857be20e85f" providerId="ADAL" clId="{97312CED-9575-4606-A328-07082E28D64F}" dt="2022-11-30T18:04:15.752" v="22" actId="20577"/>
+      <pc:sldChg chg="addSp delSp modSp mod setBg">
+        <pc:chgData name="Vissapragada,Sai Tejaswee" userId="ac5152bd-e08b-42ef-87f5-6857be20e85f" providerId="ADAL" clId="{97312CED-9575-4606-A328-07082E28D64F}" dt="2022-12-01T19:37:16.186" v="1253" actId="1076"/>
         <pc:sldMkLst>
           <pc:docMk/>
           <pc:sldMk cId="2442537970" sldId="341"/>
         </pc:sldMkLst>
         <pc:spChg chg="mod">
-          <ac:chgData name="Vissapragada,Sai Tejaswee" userId="ac5152bd-e08b-42ef-87f5-6857be20e85f" providerId="ADAL" clId="{97312CED-9575-4606-A328-07082E28D64F}" dt="2022-11-30T18:04:15.752" v="22" actId="20577"/>
+          <ac:chgData name="Vissapragada,Sai Tejaswee" userId="ac5152bd-e08b-42ef-87f5-6857be20e85f" providerId="ADAL" clId="{97312CED-9575-4606-A328-07082E28D64F}" dt="2022-12-01T19:37:05.785" v="1251" actId="26606"/>
           <ac:spMkLst>
             <pc:docMk/>
             <pc:sldMk cId="2442537970" sldId="341"/>
             <ac:spMk id="2" creationId="{A03556A8-306D-4AAD-A818-C5F7CD7DCAA6}"/>
           </ac:spMkLst>
         </pc:spChg>
+        <pc:spChg chg="add mod">
+          <ac:chgData name="Vissapragada,Sai Tejaswee" userId="ac5152bd-e08b-42ef-87f5-6857be20e85f" providerId="ADAL" clId="{97312CED-9575-4606-A328-07082E28D64F}" dt="2022-12-01T19:37:16.186" v="1253" actId="1076"/>
+          <ac:spMkLst>
+            <pc:docMk/>
+            <pc:sldMk cId="2442537970" sldId="341"/>
+            <ac:spMk id="4" creationId="{0690F2C6-C732-7183-01F2-E6C8942102E9}"/>
+          </ac:spMkLst>
+        </pc:spChg>
+        <pc:spChg chg="mod ord">
+          <ac:chgData name="Vissapragada,Sai Tejaswee" userId="ac5152bd-e08b-42ef-87f5-6857be20e85f" providerId="ADAL" clId="{97312CED-9575-4606-A328-07082E28D64F}" dt="2022-12-01T19:37:05.785" v="1251" actId="26606"/>
+          <ac:spMkLst>
+            <pc:docMk/>
+            <pc:sldMk cId="2442537970" sldId="341"/>
+            <ac:spMk id="28" creationId="{5625D5E9-34CA-4D00-BCB5-EB2CB1EDEA0D}"/>
+          </ac:spMkLst>
+        </pc:spChg>
+        <pc:spChg chg="add">
+          <ac:chgData name="Vissapragada,Sai Tejaswee" userId="ac5152bd-e08b-42ef-87f5-6857be20e85f" providerId="ADAL" clId="{97312CED-9575-4606-A328-07082E28D64F}" dt="2022-12-01T19:37:05.785" v="1251" actId="26606"/>
+          <ac:spMkLst>
+            <pc:docMk/>
+            <pc:sldMk cId="2442537970" sldId="341"/>
+            <ac:spMk id="30" creationId="{743AA782-23D1-4521-8CAD-47662984AA08}"/>
+          </ac:spMkLst>
+        </pc:spChg>
+        <pc:spChg chg="add">
+          <ac:chgData name="Vissapragada,Sai Tejaswee" userId="ac5152bd-e08b-42ef-87f5-6857be20e85f" providerId="ADAL" clId="{97312CED-9575-4606-A328-07082E28D64F}" dt="2022-12-01T19:37:05.785" v="1251" actId="26606"/>
+          <ac:spMkLst>
+            <pc:docMk/>
+            <pc:sldMk cId="2442537970" sldId="341"/>
+            <ac:spMk id="31" creationId="{650D18FE-0824-4A46-B22C-A86B52E5780A}"/>
+          </ac:spMkLst>
+        </pc:spChg>
+        <pc:spChg chg="add del">
+          <ac:chgData name="Vissapragada,Sai Tejaswee" userId="ac5152bd-e08b-42ef-87f5-6857be20e85f" providerId="ADAL" clId="{97312CED-9575-4606-A328-07082E28D64F}" dt="2022-12-01T19:36:16.475" v="1241" actId="26606"/>
+          <ac:spMkLst>
+            <pc:docMk/>
+            <pc:sldMk cId="2442537970" sldId="341"/>
+            <ac:spMk id="33" creationId="{2B566528-1B12-4246-9431-5C2D7D081168}"/>
+          </ac:spMkLst>
+        </pc:spChg>
+        <pc:spChg chg="add del">
+          <ac:chgData name="Vissapragada,Sai Tejaswee" userId="ac5152bd-e08b-42ef-87f5-6857be20e85f" providerId="ADAL" clId="{97312CED-9575-4606-A328-07082E28D64F}" dt="2022-12-01T19:36:35.630" v="1243" actId="26606"/>
+          <ac:spMkLst>
+            <pc:docMk/>
+            <pc:sldMk cId="2442537970" sldId="341"/>
+            <ac:spMk id="43" creationId="{743AA782-23D1-4521-8CAD-47662984AA08}"/>
+          </ac:spMkLst>
+        </pc:spChg>
+        <pc:spChg chg="add del">
+          <ac:chgData name="Vissapragada,Sai Tejaswee" userId="ac5152bd-e08b-42ef-87f5-6857be20e85f" providerId="ADAL" clId="{97312CED-9575-4606-A328-07082E28D64F}" dt="2022-12-01T19:36:35.630" v="1243" actId="26606"/>
+          <ac:spMkLst>
+            <pc:docMk/>
+            <pc:sldMk cId="2442537970" sldId="341"/>
+            <ac:spMk id="44" creationId="{650D18FE-0824-4A46-B22C-A86B52E5780A}"/>
+          </ac:spMkLst>
+        </pc:spChg>
+        <pc:spChg chg="add del">
+          <ac:chgData name="Vissapragada,Sai Tejaswee" userId="ac5152bd-e08b-42ef-87f5-6857be20e85f" providerId="ADAL" clId="{97312CED-9575-4606-A328-07082E28D64F}" dt="2022-12-01T19:37:00.479" v="1247" actId="26606"/>
+          <ac:spMkLst>
+            <pc:docMk/>
+            <pc:sldMk cId="2442537970" sldId="341"/>
+            <ac:spMk id="48" creationId="{2B97F24A-32CE-4C1C-A50D-3016B394DCFB}"/>
+          </ac:spMkLst>
+        </pc:spChg>
+        <pc:spChg chg="add del">
+          <ac:chgData name="Vissapragada,Sai Tejaswee" userId="ac5152bd-e08b-42ef-87f5-6857be20e85f" providerId="ADAL" clId="{97312CED-9575-4606-A328-07082E28D64F}" dt="2022-12-01T19:37:00.479" v="1247" actId="26606"/>
+          <ac:spMkLst>
+            <pc:docMk/>
+            <pc:sldMk cId="2442537970" sldId="341"/>
+            <ac:spMk id="49" creationId="{CD8B4F24-440B-49E9-B85D-733523DC064B}"/>
+          </ac:spMkLst>
+        </pc:spChg>
+        <pc:spChg chg="add del">
+          <ac:chgData name="Vissapragada,Sai Tejaswee" userId="ac5152bd-e08b-42ef-87f5-6857be20e85f" providerId="ADAL" clId="{97312CED-9575-4606-A328-07082E28D64F}" dt="2022-12-01T19:37:02.268" v="1249" actId="26606"/>
+          <ac:spMkLst>
+            <pc:docMk/>
+            <pc:sldMk cId="2442537970" sldId="341"/>
+            <ac:spMk id="51" creationId="{FF9B822F-893E-44C8-963C-64F50ACECBB2}"/>
+          </ac:spMkLst>
+        </pc:spChg>
+        <pc:spChg chg="add del">
+          <ac:chgData name="Vissapragada,Sai Tejaswee" userId="ac5152bd-e08b-42ef-87f5-6857be20e85f" providerId="ADAL" clId="{97312CED-9575-4606-A328-07082E28D64F}" dt="2022-12-01T19:37:02.268" v="1249" actId="26606"/>
+          <ac:spMkLst>
+            <pc:docMk/>
+            <pc:sldMk cId="2442537970" sldId="341"/>
+            <ac:spMk id="52" creationId="{EBF87945-A001-489F-9D9B-7D9435F0B9CA}"/>
+          </ac:spMkLst>
+        </pc:spChg>
+        <pc:grpChg chg="add del">
+          <ac:chgData name="Vissapragada,Sai Tejaswee" userId="ac5152bd-e08b-42ef-87f5-6857be20e85f" providerId="ADAL" clId="{97312CED-9575-4606-A328-07082E28D64F}" dt="2022-12-01T19:36:16.475" v="1241" actId="26606"/>
+          <ac:grpSpMkLst>
+            <pc:docMk/>
+            <pc:sldMk cId="2442537970" sldId="341"/>
+            <ac:grpSpMk id="35" creationId="{828A5161-06F1-46CF-8AD7-844680A59E13}"/>
+          </ac:grpSpMkLst>
+        </pc:grpChg>
+        <pc:grpChg chg="add del">
+          <ac:chgData name="Vissapragada,Sai Tejaswee" userId="ac5152bd-e08b-42ef-87f5-6857be20e85f" providerId="ADAL" clId="{97312CED-9575-4606-A328-07082E28D64F}" dt="2022-12-01T19:36:16.475" v="1241" actId="26606"/>
+          <ac:grpSpMkLst>
+            <pc:docMk/>
+            <pc:sldMk cId="2442537970" sldId="341"/>
+            <ac:grpSpMk id="39" creationId="{5995D10D-E9C9-47DB-AE7E-801FEF38F5C9}"/>
+          </ac:grpSpMkLst>
+        </pc:grpChg>
+        <pc:picChg chg="add mod">
+          <ac:chgData name="Vissapragada,Sai Tejaswee" userId="ac5152bd-e08b-42ef-87f5-6857be20e85f" providerId="ADAL" clId="{97312CED-9575-4606-A328-07082E28D64F}" dt="2022-12-01T19:37:11.241" v="1252" actId="1076"/>
+          <ac:picMkLst>
+            <pc:docMk/>
+            <pc:sldMk cId="2442537970" sldId="341"/>
+            <ac:picMk id="3" creationId="{096DF17D-9E11-213A-86EA-E9D8EF89D4C4}"/>
+          </ac:picMkLst>
+        </pc:picChg>
+        <pc:cxnChg chg="add del">
+          <ac:chgData name="Vissapragada,Sai Tejaswee" userId="ac5152bd-e08b-42ef-87f5-6857be20e85f" providerId="ADAL" clId="{97312CED-9575-4606-A328-07082E28D64F}" dt="2022-12-01T19:36:41.659" v="1245" actId="26606"/>
+          <ac:cxnSpMkLst>
+            <pc:docMk/>
+            <pc:sldMk cId="2442537970" sldId="341"/>
+            <ac:cxnSpMk id="46" creationId="{39B7FDC9-F0CE-43A7-9F2A-83DD09DC3453}"/>
+          </ac:cxnSpMkLst>
+        </pc:cxnChg>
       </pc:sldChg>
       <pc:sldChg chg="modSp">
         <pc:chgData name="Vissapragada,Sai Tejaswee" userId="ac5152bd-e08b-42ef-87f5-6857be20e85f" providerId="ADAL" clId="{97312CED-9575-4606-A328-07082E28D64F}" dt="2022-11-28T18:42:52.605" v="16" actId="962"/>
@@ -2465,6 +2592,84 @@
         </pc:spChg>
       </pc:sldChg>
       <pc:sldChg chg="modSp mod">
+        <pc:chgData name="Vissapragada,Sai Tejaswee" userId="ac5152bd-e08b-42ef-87f5-6857be20e85f" providerId="ADAL" clId="{97312CED-9575-4606-A328-07082E28D64F}" dt="2022-12-01T19:27:54.050" v="1201" actId="20577"/>
+        <pc:sldMkLst>
+          <pc:docMk/>
+          <pc:sldMk cId="3939176308" sldId="351"/>
+        </pc:sldMkLst>
+        <pc:spChg chg="mod">
+          <ac:chgData name="Vissapragada,Sai Tejaswee" userId="ac5152bd-e08b-42ef-87f5-6857be20e85f" providerId="ADAL" clId="{97312CED-9575-4606-A328-07082E28D64F}" dt="2022-12-01T19:27:54.050" v="1201" actId="20577"/>
+          <ac:spMkLst>
+            <pc:docMk/>
+            <pc:sldMk cId="3939176308" sldId="351"/>
+            <ac:spMk id="5" creationId="{13BA4C93-B95F-41BF-A1C9-9216CE9854AF}"/>
+          </ac:spMkLst>
+        </pc:spChg>
+      </pc:sldChg>
+      <pc:sldChg chg="addSp delSp modSp mod">
+        <pc:chgData name="Vissapragada,Sai Tejaswee" userId="ac5152bd-e08b-42ef-87f5-6857be20e85f" providerId="ADAL" clId="{97312CED-9575-4606-A328-07082E28D64F}" dt="2022-12-01T19:44:29.548" v="1271" actId="20577"/>
+        <pc:sldMkLst>
+          <pc:docMk/>
+          <pc:sldMk cId="1841957312" sldId="357"/>
+        </pc:sldMkLst>
+        <pc:spChg chg="del mod">
+          <ac:chgData name="Vissapragada,Sai Tejaswee" userId="ac5152bd-e08b-42ef-87f5-6857be20e85f" providerId="ADAL" clId="{97312CED-9575-4606-A328-07082E28D64F}" dt="2022-12-01T19:33:05.472" v="1204" actId="931"/>
+          <ac:spMkLst>
+            <pc:docMk/>
+            <pc:sldMk cId="1841957312" sldId="357"/>
+            <ac:spMk id="3" creationId="{66B15469-23DA-28F8-3644-BAB61795B752}"/>
+          </ac:spMkLst>
+        </pc:spChg>
+        <pc:spChg chg="add del mod">
+          <ac:chgData name="Vissapragada,Sai Tejaswee" userId="ac5152bd-e08b-42ef-87f5-6857be20e85f" providerId="ADAL" clId="{97312CED-9575-4606-A328-07082E28D64F}" dt="2022-12-01T19:37:42.426" v="1256" actId="478"/>
+          <ac:spMkLst>
+            <pc:docMk/>
+            <pc:sldMk cId="1841957312" sldId="357"/>
+            <ac:spMk id="8" creationId="{AE3F6465-2BB0-10D1-0920-8CF06A6A70A1}"/>
+          </ac:spMkLst>
+        </pc:spChg>
+        <pc:spChg chg="add del mod">
+          <ac:chgData name="Vissapragada,Sai Tejaswee" userId="ac5152bd-e08b-42ef-87f5-6857be20e85f" providerId="ADAL" clId="{97312CED-9575-4606-A328-07082E28D64F}" dt="2022-12-01T19:34:44.222" v="1231"/>
+          <ac:spMkLst>
+            <pc:docMk/>
+            <pc:sldMk cId="1841957312" sldId="357"/>
+            <ac:spMk id="9" creationId="{2D872BA5-C612-C19B-533A-6E27CA3EE06D}"/>
+          </ac:spMkLst>
+        </pc:spChg>
+        <pc:spChg chg="add del mod">
+          <ac:chgData name="Vissapragada,Sai Tejaswee" userId="ac5152bd-e08b-42ef-87f5-6857be20e85f" providerId="ADAL" clId="{97312CED-9575-4606-A328-07082E28D64F}" dt="2022-12-01T19:37:33.466" v="1255" actId="478"/>
+          <ac:spMkLst>
+            <pc:docMk/>
+            <pc:sldMk cId="1841957312" sldId="357"/>
+            <ac:spMk id="11" creationId="{C1137DA7-4624-065A-6CB1-209ADF36C98E}"/>
+          </ac:spMkLst>
+        </pc:spChg>
+        <pc:spChg chg="add mod">
+          <ac:chgData name="Vissapragada,Sai Tejaswee" userId="ac5152bd-e08b-42ef-87f5-6857be20e85f" providerId="ADAL" clId="{97312CED-9575-4606-A328-07082E28D64F}" dt="2022-12-01T19:44:29.548" v="1271" actId="20577"/>
+          <ac:spMkLst>
+            <pc:docMk/>
+            <pc:sldMk cId="1841957312" sldId="357"/>
+            <ac:spMk id="12" creationId="{BB996AEA-9FBE-72E5-C476-17768B360348}"/>
+          </ac:spMkLst>
+        </pc:spChg>
+        <pc:picChg chg="add del mod">
+          <ac:chgData name="Vissapragada,Sai Tejaswee" userId="ac5152bd-e08b-42ef-87f5-6857be20e85f" providerId="ADAL" clId="{97312CED-9575-4606-A328-07082E28D64F}" dt="2022-12-01T19:37:26.570" v="1254" actId="478"/>
+          <ac:picMkLst>
+            <pc:docMk/>
+            <pc:sldMk cId="1841957312" sldId="357"/>
+            <ac:picMk id="5" creationId="{A62A53C4-6D03-D651-A1A8-90081DC653CE}"/>
+          </ac:picMkLst>
+        </pc:picChg>
+        <pc:picChg chg="add mod">
+          <ac:chgData name="Vissapragada,Sai Tejaswee" userId="ac5152bd-e08b-42ef-87f5-6857be20e85f" providerId="ADAL" clId="{97312CED-9575-4606-A328-07082E28D64F}" dt="2022-12-01T19:42:12.779" v="1261" actId="1076"/>
+          <ac:picMkLst>
+            <pc:docMk/>
+            <pc:sldMk cId="1841957312" sldId="357"/>
+            <ac:picMk id="7" creationId="{7DBD2287-80E0-BD50-7016-F3398A68F619}"/>
+          </ac:picMkLst>
+        </pc:picChg>
+      </pc:sldChg>
+      <pc:sldChg chg="modSp mod">
         <pc:chgData name="Vissapragada,Sai Tejaswee" userId="ac5152bd-e08b-42ef-87f5-6857be20e85f" providerId="ADAL" clId="{97312CED-9575-4606-A328-07082E28D64F}" dt="2022-11-30T18:28:45.025" v="375" actId="20577"/>
         <pc:sldMkLst>
           <pc:docMk/>
@@ -2487,7 +2692,7 @@
         </pc:sldMkLst>
       </pc:sldChg>
       <pc:sldChg chg="modSp mod ord">
-        <pc:chgData name="Vissapragada,Sai Tejaswee" userId="ac5152bd-e08b-42ef-87f5-6857be20e85f" providerId="ADAL" clId="{97312CED-9575-4606-A328-07082E28D64F}" dt="2022-12-01T17:25:22.338" v="503" actId="20577"/>
+        <pc:chgData name="Vissapragada,Sai Tejaswee" userId="ac5152bd-e08b-42ef-87f5-6857be20e85f" providerId="ADAL" clId="{97312CED-9575-4606-A328-07082E28D64F}" dt="2022-12-01T19:24:58.623" v="1193" actId="20577"/>
         <pc:sldMkLst>
           <pc:docMk/>
           <pc:sldMk cId="1837471576" sldId="366"/>
@@ -2501,13 +2706,20 @@
           </ac:spMkLst>
         </pc:spChg>
         <pc:spChg chg="mod">
-          <ac:chgData name="Vissapragada,Sai Tejaswee" userId="ac5152bd-e08b-42ef-87f5-6857be20e85f" providerId="ADAL" clId="{97312CED-9575-4606-A328-07082E28D64F}" dt="2022-12-01T17:25:22.338" v="503" actId="20577"/>
+          <ac:chgData name="Vissapragada,Sai Tejaswee" userId="ac5152bd-e08b-42ef-87f5-6857be20e85f" providerId="ADAL" clId="{97312CED-9575-4606-A328-07082E28D64F}" dt="2022-12-01T19:24:58.623" v="1193" actId="20577"/>
           <ac:spMkLst>
             <pc:docMk/>
             <pc:sldMk cId="1837471576" sldId="366"/>
             <ac:spMk id="3" creationId="{A8E34014-DCF4-FA40-FD67-BBA08040D734}"/>
           </ac:spMkLst>
         </pc:spChg>
+      </pc:sldChg>
+      <pc:sldChg chg="del">
+        <pc:chgData name="Vissapragada,Sai Tejaswee" userId="ac5152bd-e08b-42ef-87f5-6857be20e85f" providerId="ADAL" clId="{97312CED-9575-4606-A328-07082E28D64F}" dt="2022-12-01T19:29:36.893" v="1202" actId="2696"/>
+        <pc:sldMkLst>
+          <pc:docMk/>
+          <pc:sldMk cId="2698460313" sldId="368"/>
+        </pc:sldMkLst>
       </pc:sldChg>
       <pc:sldChg chg="modSp del mod">
         <pc:chgData name="Vissapragada,Sai Tejaswee" userId="ac5152bd-e08b-42ef-87f5-6857be20e85f" providerId="ADAL" clId="{97312CED-9575-4606-A328-07082E28D64F}" dt="2022-11-30T18:14:30.513" v="173" actId="2696"/>
@@ -2524,8 +2736,8 @@
           </ac:spMkLst>
         </pc:spChg>
       </pc:sldChg>
-      <pc:sldChg chg="modSp mod">
-        <pc:chgData name="Vissapragada,Sai Tejaswee" userId="ac5152bd-e08b-42ef-87f5-6857be20e85f" providerId="ADAL" clId="{97312CED-9575-4606-A328-07082E28D64F}" dt="2022-12-01T17:21:12.806" v="436" actId="20577"/>
+      <pc:sldChg chg="modSp del mod">
+        <pc:chgData name="Vissapragada,Sai Tejaswee" userId="ac5152bd-e08b-42ef-87f5-6857be20e85f" providerId="ADAL" clId="{97312CED-9575-4606-A328-07082E28D64F}" dt="2022-12-01T18:35:09.766" v="513" actId="2696"/>
         <pc:sldMkLst>
           <pc:docMk/>
           <pc:sldMk cId="3017103360" sldId="372"/>
@@ -2540,13 +2752,13 @@
         </pc:spChg>
       </pc:sldChg>
       <pc:sldChg chg="modSp mod">
-        <pc:chgData name="Vissapragada,Sai Tejaswee" userId="ac5152bd-e08b-42ef-87f5-6857be20e85f" providerId="ADAL" clId="{97312CED-9575-4606-A328-07082E28D64F}" dt="2022-12-01T17:20:59.038" v="432" actId="1076"/>
+        <pc:chgData name="Vissapragada,Sai Tejaswee" userId="ac5152bd-e08b-42ef-87f5-6857be20e85f" providerId="ADAL" clId="{97312CED-9575-4606-A328-07082E28D64F}" dt="2022-12-01T18:37:30.124" v="569" actId="20577"/>
         <pc:sldMkLst>
           <pc:docMk/>
           <pc:sldMk cId="823308323" sldId="379"/>
         </pc:sldMkLst>
         <pc:spChg chg="mod">
-          <ac:chgData name="Vissapragada,Sai Tejaswee" userId="ac5152bd-e08b-42ef-87f5-6857be20e85f" providerId="ADAL" clId="{97312CED-9575-4606-A328-07082E28D64F}" dt="2022-12-01T17:20:49.056" v="431" actId="5793"/>
+          <ac:chgData name="Vissapragada,Sai Tejaswee" userId="ac5152bd-e08b-42ef-87f5-6857be20e85f" providerId="ADAL" clId="{97312CED-9575-4606-A328-07082E28D64F}" dt="2022-12-01T18:37:30.124" v="569" actId="20577"/>
           <ac:spMkLst>
             <pc:docMk/>
             <pc:sldMk cId="823308323" sldId="379"/>
@@ -2554,7 +2766,7 @@
           </ac:spMkLst>
         </pc:spChg>
         <pc:picChg chg="mod">
-          <ac:chgData name="Vissapragada,Sai Tejaswee" userId="ac5152bd-e08b-42ef-87f5-6857be20e85f" providerId="ADAL" clId="{97312CED-9575-4606-A328-07082E28D64F}" dt="2022-12-01T17:20:59.038" v="432" actId="1076"/>
+          <ac:chgData name="Vissapragada,Sai Tejaswee" userId="ac5152bd-e08b-42ef-87f5-6857be20e85f" providerId="ADAL" clId="{97312CED-9575-4606-A328-07082E28D64F}" dt="2022-12-01T18:35:04.293" v="512" actId="1076"/>
           <ac:picMkLst>
             <pc:docMk/>
             <pc:sldMk cId="823308323" sldId="379"/>
@@ -2726,6 +2938,45 @@
             <ac:picMk id="7" creationId="{AA33671C-89D5-7485-1248-683E673E8D06}"/>
           </ac:picMkLst>
         </pc:picChg>
+      </pc:sldChg>
+      <pc:sldChg chg="addSp delSp modSp new mod">
+        <pc:chgData name="Vissapragada,Sai Tejaswee" userId="ac5152bd-e08b-42ef-87f5-6857be20e85f" providerId="ADAL" clId="{97312CED-9575-4606-A328-07082E28D64F}" dt="2022-12-01T19:21:41.492" v="1012" actId="20577"/>
+        <pc:sldMkLst>
+          <pc:docMk/>
+          <pc:sldMk cId="1352854707" sldId="383"/>
+        </pc:sldMkLst>
+        <pc:spChg chg="mod">
+          <ac:chgData name="Vissapragada,Sai Tejaswee" userId="ac5152bd-e08b-42ef-87f5-6857be20e85f" providerId="ADAL" clId="{97312CED-9575-4606-A328-07082E28D64F}" dt="2022-12-01T18:38:02.689" v="587" actId="113"/>
+          <ac:spMkLst>
+            <pc:docMk/>
+            <pc:sldMk cId="1352854707" sldId="383"/>
+            <ac:spMk id="2" creationId="{6A1AA52C-2A9C-9533-4734-25DF518C0F5C}"/>
+          </ac:spMkLst>
+        </pc:spChg>
+        <pc:spChg chg="del">
+          <ac:chgData name="Vissapragada,Sai Tejaswee" userId="ac5152bd-e08b-42ef-87f5-6857be20e85f" providerId="ADAL" clId="{97312CED-9575-4606-A328-07082E28D64F}" dt="2022-12-01T18:38:40.102" v="588" actId="3680"/>
+          <ac:spMkLst>
+            <pc:docMk/>
+            <pc:sldMk cId="1352854707" sldId="383"/>
+            <ac:spMk id="3" creationId="{B626838D-1086-A8B7-160E-61BFF9BEA4BE}"/>
+          </ac:spMkLst>
+        </pc:spChg>
+        <pc:spChg chg="add mod">
+          <ac:chgData name="Vissapragada,Sai Tejaswee" userId="ac5152bd-e08b-42ef-87f5-6857be20e85f" providerId="ADAL" clId="{97312CED-9575-4606-A328-07082E28D64F}" dt="2022-12-01T19:21:41.492" v="1012" actId="20577"/>
+          <ac:spMkLst>
+            <pc:docMk/>
+            <pc:sldMk cId="1352854707" sldId="383"/>
+            <ac:spMk id="5" creationId="{5FE4C6FD-22D2-A930-78A7-C2769095E4E3}"/>
+          </ac:spMkLst>
+        </pc:spChg>
+        <pc:graphicFrameChg chg="add mod ord modGraphic">
+          <ac:chgData name="Vissapragada,Sai Tejaswee" userId="ac5152bd-e08b-42ef-87f5-6857be20e85f" providerId="ADAL" clId="{97312CED-9575-4606-A328-07082E28D64F}" dt="2022-12-01T19:16:42.022" v="804" actId="20577"/>
+          <ac:graphicFrameMkLst>
+            <pc:docMk/>
+            <pc:sldMk cId="1352854707" sldId="383"/>
+            <ac:graphicFrameMk id="4" creationId="{C1452911-6D98-EA98-4848-81B5CCF2F622}"/>
+          </ac:graphicFrameMkLst>
+        </pc:graphicFrameChg>
       </pc:sldChg>
     </pc:docChg>
   </pc:docChgLst>
@@ -3415,7 +3666,7 @@
           <a:p>
             <a:fld id="{B0433E97-FADB-4491-B54C-1BDF826AF2C8}" type="datetimeFigureOut">
               <a:rPr lang="en-US" smtClean="0"/>
-              <a:t>11/30/2022</a:t>
+              <a:t>12/1/2022</a:t>
             </a:fld>
             <a:endParaRPr lang="en-US"/>
           </a:p>
@@ -3747,7 +3998,91 @@
           <a:p>
             <a:fld id="{EDC17F1F-E773-4BAF-8FCE-005674C8D8EE}" type="slidenum">
               <a:rPr lang="en-US" smtClean="0"/>
-              <a:t>24</a:t>
+              <a:t>6</a:t>
+            </a:fld>
+            <a:endParaRPr lang="en-US"/>
+          </a:p>
+        </p:txBody>
+      </p:sp>
+    </p:spTree>
+    <p:extLst>
+      <p:ext uri="{BB962C8B-B14F-4D97-AF65-F5344CB8AC3E}">
+        <p14:creationId xmlns:p14="http://schemas.microsoft.com/office/powerpoint/2010/main" val="122208535"/>
+      </p:ext>
+    </p:extLst>
+  </p:cSld>
+  <p:clrMapOvr>
+    <a:masterClrMapping/>
+  </p:clrMapOvr>
+</p:notes>
+</file>
+
+<file path=ppt/notesSlides/notesSlide2.xml><?xml version="1.0" encoding="utf-8"?>
+<p:notes xmlns:a="http://schemas.openxmlformats.org/drawingml/2006/main" xmlns:r="http://schemas.openxmlformats.org/officeDocument/2006/relationships" xmlns:p="http://schemas.openxmlformats.org/presentationml/2006/main">
+  <p:cSld>
+    <p:spTree>
+      <p:nvGrpSpPr>
+        <p:cNvPr id="1" name=""/>
+        <p:cNvGrpSpPr/>
+        <p:nvPr/>
+      </p:nvGrpSpPr>
+      <p:grpSpPr>
+        <a:xfrm>
+          <a:off x="0" y="0"/>
+          <a:ext cx="0" cy="0"/>
+          <a:chOff x="0" y="0"/>
+          <a:chExt cx="0" cy="0"/>
+        </a:xfrm>
+      </p:grpSpPr>
+      <p:sp>
+        <p:nvSpPr>
+          <p:cNvPr id="2" name="Slide Image Placeholder 1"/>
+          <p:cNvSpPr>
+            <a:spLocks noGrp="1" noRot="1" noChangeAspect="1"/>
+          </p:cNvSpPr>
+          <p:nvPr>
+            <p:ph type="sldImg"/>
+          </p:nvPr>
+        </p:nvSpPr>
+        <p:spPr/>
+      </p:sp>
+      <p:sp>
+        <p:nvSpPr>
+          <p:cNvPr id="3" name="Notes Placeholder 2"/>
+          <p:cNvSpPr>
+            <a:spLocks noGrp="1"/>
+          </p:cNvSpPr>
+          <p:nvPr>
+            <p:ph type="body" idx="1"/>
+          </p:nvPr>
+        </p:nvSpPr>
+        <p:spPr/>
+        <p:txBody>
+          <a:bodyPr/>
+          <a:lstStyle/>
+          <a:p>
+            <a:endParaRPr lang="en-US" dirty="0"/>
+          </a:p>
+        </p:txBody>
+      </p:sp>
+      <p:sp>
+        <p:nvSpPr>
+          <p:cNvPr id="4" name="Slide Number Placeholder 3"/>
+          <p:cNvSpPr>
+            <a:spLocks noGrp="1"/>
+          </p:cNvSpPr>
+          <p:nvPr>
+            <p:ph type="sldNum" sz="quarter" idx="5"/>
+          </p:nvPr>
+        </p:nvSpPr>
+        <p:spPr/>
+        <p:txBody>
+          <a:bodyPr/>
+          <a:lstStyle/>
+          <a:p>
+            <a:fld id="{EDC17F1F-E773-4BAF-8FCE-005674C8D8EE}" type="slidenum">
+              <a:rPr lang="en-US" smtClean="0"/>
+              <a:t>23</a:t>
             </a:fld>
             <a:endParaRPr lang="en-US"/>
           </a:p>
@@ -3895,7 +4230,7 @@
           <a:p>
             <a:fld id="{C764DE79-268F-4C1A-8933-263129D2AF90}" type="datetimeFigureOut">
               <a:rPr lang="en-US" dirty="0"/>
-              <a:t>11/30/2022</a:t>
+              <a:t>12/1/2022</a:t>
             </a:fld>
             <a:endParaRPr lang="en-US"/>
           </a:p>
@@ -4063,7 +4398,7 @@
           <a:p>
             <a:fld id="{C764DE79-268F-4C1A-8933-263129D2AF90}" type="datetimeFigureOut">
               <a:rPr lang="en-US" dirty="0"/>
-              <a:t>11/30/2022</a:t>
+              <a:t>12/1/2022</a:t>
             </a:fld>
             <a:endParaRPr lang="en-US"/>
           </a:p>
@@ -4241,7 +4576,7 @@
           <a:p>
             <a:fld id="{C764DE79-268F-4C1A-8933-263129D2AF90}" type="datetimeFigureOut">
               <a:rPr lang="en-US" dirty="0"/>
-              <a:t>11/30/2022</a:t>
+              <a:t>12/1/2022</a:t>
             </a:fld>
             <a:endParaRPr lang="en-US"/>
           </a:p>
@@ -4409,7 +4744,7 @@
           <a:p>
             <a:fld id="{C764DE79-268F-4C1A-8933-263129D2AF90}" type="datetimeFigureOut">
               <a:rPr lang="en-US" dirty="0"/>
-              <a:t>11/30/2022</a:t>
+              <a:t>12/1/2022</a:t>
             </a:fld>
             <a:endParaRPr lang="en-US"/>
           </a:p>
@@ -4654,7 +4989,7 @@
           <a:p>
             <a:fld id="{C764DE79-268F-4C1A-8933-263129D2AF90}" type="datetimeFigureOut">
               <a:rPr lang="en-US" dirty="0"/>
-              <a:t>11/30/2022</a:t>
+              <a:t>12/1/2022</a:t>
             </a:fld>
             <a:endParaRPr lang="en-US"/>
           </a:p>
@@ -4883,7 +5218,7 @@
           <a:p>
             <a:fld id="{C764DE79-268F-4C1A-8933-263129D2AF90}" type="datetimeFigureOut">
               <a:rPr lang="en-US" dirty="0"/>
-              <a:t>11/30/2022</a:t>
+              <a:t>12/1/2022</a:t>
             </a:fld>
             <a:endParaRPr lang="en-US"/>
           </a:p>
@@ -5247,7 +5582,7 @@
           <a:p>
             <a:fld id="{C764DE79-268F-4C1A-8933-263129D2AF90}" type="datetimeFigureOut">
               <a:rPr lang="en-US" dirty="0"/>
-              <a:t>11/30/2022</a:t>
+              <a:t>12/1/2022</a:t>
             </a:fld>
             <a:endParaRPr lang="en-US"/>
           </a:p>
@@ -5364,7 +5699,7 @@
           <a:p>
             <a:fld id="{C764DE79-268F-4C1A-8933-263129D2AF90}" type="datetimeFigureOut">
               <a:rPr lang="en-US" dirty="0"/>
-              <a:t>11/30/2022</a:t>
+              <a:t>12/1/2022</a:t>
             </a:fld>
             <a:endParaRPr lang="en-US"/>
           </a:p>
@@ -5459,7 +5794,7 @@
           <a:p>
             <a:fld id="{C764DE79-268F-4C1A-8933-263129D2AF90}" type="datetimeFigureOut">
               <a:rPr lang="en-US" dirty="0"/>
-              <a:t>11/30/2022</a:t>
+              <a:t>12/1/2022</a:t>
             </a:fld>
             <a:endParaRPr lang="en-US"/>
           </a:p>
@@ -5734,7 +6069,7 @@
           <a:p>
             <a:fld id="{C764DE79-268F-4C1A-8933-263129D2AF90}" type="datetimeFigureOut">
               <a:rPr lang="en-US" dirty="0"/>
-              <a:t>11/30/2022</a:t>
+              <a:t>12/1/2022</a:t>
             </a:fld>
             <a:endParaRPr lang="en-US"/>
           </a:p>
@@ -5986,7 +6321,7 @@
           <a:p>
             <a:fld id="{C764DE79-268F-4C1A-8933-263129D2AF90}" type="datetimeFigureOut">
               <a:rPr lang="en-US" dirty="0"/>
-              <a:t>11/30/2022</a:t>
+              <a:t>12/1/2022</a:t>
             </a:fld>
             <a:endParaRPr lang="en-US"/>
           </a:p>
@@ -6197,7 +6532,7 @@
           <a:p>
             <a:fld id="{C764DE79-268F-4C1A-8933-263129D2AF90}" type="datetimeFigureOut">
               <a:rPr lang="en-US" dirty="0"/>
-              <a:t>11/30/2022</a:t>
+              <a:t>12/1/2022</a:t>
             </a:fld>
             <a:endParaRPr lang="en-US"/>
           </a:p>
@@ -7074,6 +7409,29 @@
                 <a:ea typeface="+mn-lt"/>
                 <a:cs typeface="+mn-lt"/>
               </a:rPr>
+              <a:t>The name of dataset is ECG-ID Database(</a:t>
+            </a:r>
+            <a:r>
+              <a:rPr lang="en-US" sz="2400" dirty="0" err="1">
+                <a:ea typeface="+mn-lt"/>
+                <a:cs typeface="+mn-lt"/>
+              </a:rPr>
+              <a:t>ecgiddb</a:t>
+            </a:r>
+            <a:r>
+              <a:rPr lang="en-US" sz="2400" dirty="0">
+                <a:ea typeface="+mn-lt"/>
+                <a:cs typeface="+mn-lt"/>
+              </a:rPr>
+              <a:t>)</a:t>
+            </a:r>
+          </a:p>
+          <a:p>
+            <a:r>
+              <a:rPr lang="en-US" sz="2400" dirty="0">
+                <a:ea typeface="+mn-lt"/>
+                <a:cs typeface="+mn-lt"/>
+              </a:rPr>
               <a:t>The input dataset is in form of .txt files</a:t>
             </a:r>
           </a:p>
@@ -7095,7 +7453,7 @@
                 <a:ea typeface="+mn-lt"/>
                 <a:cs typeface="+mn-lt"/>
               </a:rPr>
-              <a:t>There are 20 ECG recordings obtained from 20 persons</a:t>
+              <a:t>There are 20 ECG recordings obtained from 20 persons for 10 secs</a:t>
             </a:r>
             <a:endParaRPr lang="en-US" sz="2400" dirty="0">
               <a:cs typeface="Calibri" panose="020F0502020204030204"/>
@@ -7104,19 +7462,7 @@
           <a:p>
             <a:r>
               <a:rPr lang="en-US" sz="2400" dirty="0">
-                <a:ea typeface="+mn-lt"/>
-                <a:cs typeface="+mn-lt"/>
-              </a:rPr>
-              <a:t>Each person is recorded for 10 seconds</a:t>
-            </a:r>
-            <a:endParaRPr lang="en-US" sz="2400" dirty="0">
-              <a:cs typeface="Calibri"/>
-            </a:endParaRPr>
-          </a:p>
-          <a:p>
-            <a:r>
-              <a:rPr lang="en-US" sz="2400" dirty="0">
-                <a:cs typeface="Calibri"/>
+                <a:cs typeface="Calibri" panose="020F0502020204030204"/>
               </a:rPr>
               <a:t>Source Link for methodology-1:</a:t>
             </a:r>
@@ -7127,14 +7473,14 @@
             </a:pPr>
             <a:r>
               <a:rPr lang="en-US" sz="2400" dirty="0">
-                <a:cs typeface="Calibri"/>
+                <a:cs typeface="Calibri" panose="020F0502020204030204"/>
               </a:rPr>
               <a:t> </a:t>
             </a:r>
             <a:r>
               <a:rPr lang="en-US" sz="2400" dirty="0">
                 <a:cs typeface="Calibri" panose="020F0502020204030204"/>
-                <a:hlinkClick r:id="rId2" action="ppaction://hlinksldjump"/>
+                <a:hlinkClick r:id="rId2"/>
               </a:rPr>
               <a:t>https://archive.physionet.org/cgi-bin/atm/ATM</a:t>
             </a:r>
@@ -7514,92 +7860,13 @@
               <a:buAutoNum type="arabicPeriod"/>
             </a:pPr>
             <a:r>
-              <a:rPr lang="en-US" sz="2400" dirty="0">
-                <a:solidFill>
-                  <a:srgbClr val="222222"/>
-                </a:solidFill>
-              </a:rPr>
-              <a:t>Code: XX = </a:t>
-            </a:r>
-            <a:r>
-              <a:rPr lang="en-US" sz="2400" dirty="0" err="1">
-                <a:solidFill>
-                  <a:srgbClr val="222222"/>
-                </a:solidFill>
-              </a:rPr>
-              <a:t>X.reshape</a:t>
-            </a:r>
-            <a:r>
-              <a:rPr lang="en-US" sz="2400" dirty="0">
-                <a:solidFill>
-                  <a:srgbClr val="222222"/>
-                </a:solidFill>
-              </a:rPr>
-              <a:t>(</a:t>
-            </a:r>
-            <a:r>
-              <a:rPr lang="en-US" sz="2400" dirty="0" err="1">
-                <a:solidFill>
-                  <a:srgbClr val="222222"/>
-                </a:solidFill>
-              </a:rPr>
-              <a:t>X.shape</a:t>
-            </a:r>
-            <a:r>
-              <a:rPr lang="en-US" sz="2400" dirty="0">
-                <a:solidFill>
-                  <a:srgbClr val="222222"/>
-                </a:solidFill>
-              </a:rPr>
-              <a:t>[0],(</a:t>
-            </a:r>
-            <a:r>
-              <a:rPr lang="en-US" sz="2400" dirty="0" err="1">
-                <a:solidFill>
-                  <a:srgbClr val="222222"/>
-                </a:solidFill>
-              </a:rPr>
-              <a:t>X.shape</a:t>
-            </a:r>
-            <a:r>
-              <a:rPr lang="en-US" sz="2400" dirty="0">
-                <a:solidFill>
-                  <a:srgbClr val="222222"/>
-                </a:solidFill>
-              </a:rPr>
-              <a:t>[1]*</a:t>
-            </a:r>
-            <a:r>
-              <a:rPr lang="en-US" sz="2400" dirty="0" err="1">
-                <a:solidFill>
-                  <a:srgbClr val="222222"/>
-                </a:solidFill>
-              </a:rPr>
-              <a:t>X.shape</a:t>
-            </a:r>
-            <a:r>
-              <a:rPr lang="en-US" sz="2400" dirty="0">
-                <a:solidFill>
-                  <a:srgbClr val="222222"/>
-                </a:solidFill>
-              </a:rPr>
-              <a:t>[2]))</a:t>
-            </a:r>
-            <a:br>
-              <a:rPr lang="en-US" sz="2400" dirty="0">
-                <a:solidFill>
-                  <a:srgbClr val="222222"/>
-                </a:solidFill>
-              </a:rPr>
-            </a:br>
-            <a:r>
               <a:rPr lang="en-US" sz="2400" i="0" dirty="0">
                 <a:solidFill>
                   <a:srgbClr val="222222"/>
                 </a:solidFill>
                 <a:effectLst/>
               </a:rPr>
-              <a:t>We will be reshaping the array using </a:t>
+              <a:t>We will be reshaping the array(input) using </a:t>
             </a:r>
             <a:r>
               <a:rPr lang="en-US" sz="2400" i="0" dirty="0" err="1">
@@ -7629,89 +7896,6 @@
               <a:rPr lang="en-US" sz="2400" dirty="0">
                 <a:cs typeface="Calibri"/>
               </a:rPr>
-              <a:t>Code:  </a:t>
-            </a:r>
-            <a:r>
-              <a:rPr lang="en-US" sz="2400" dirty="0" err="1">
-                <a:cs typeface="Calibri"/>
-              </a:rPr>
-              <a:t>X_train</a:t>
-            </a:r>
-            <a:r>
-              <a:rPr lang="en-US" sz="2400" dirty="0">
-                <a:cs typeface="Calibri"/>
-              </a:rPr>
-              <a:t>, </a:t>
-            </a:r>
-            <a:r>
-              <a:rPr lang="en-US" sz="2400" dirty="0" err="1">
-                <a:cs typeface="Calibri"/>
-              </a:rPr>
-              <a:t>X_test</a:t>
-            </a:r>
-            <a:r>
-              <a:rPr lang="en-US" sz="2400" dirty="0">
-                <a:cs typeface="Calibri"/>
-              </a:rPr>
-              <a:t>, </a:t>
-            </a:r>
-            <a:r>
-              <a:rPr lang="en-US" sz="2400" dirty="0" err="1">
-                <a:cs typeface="Calibri"/>
-              </a:rPr>
-              <a:t>y_train</a:t>
-            </a:r>
-            <a:r>
-              <a:rPr lang="en-US" sz="2400" dirty="0">
-                <a:cs typeface="Calibri"/>
-              </a:rPr>
-              <a:t>, </a:t>
-            </a:r>
-            <a:r>
-              <a:rPr lang="en-US" sz="2400" dirty="0" err="1">
-                <a:cs typeface="Calibri"/>
-              </a:rPr>
-              <a:t>y_test</a:t>
-            </a:r>
-            <a:r>
-              <a:rPr lang="en-US" sz="2400" dirty="0">
-                <a:cs typeface="Calibri"/>
-              </a:rPr>
-              <a:t> = </a:t>
-            </a:r>
-            <a:r>
-              <a:rPr lang="en-US" sz="2400" dirty="0" err="1">
-                <a:cs typeface="Calibri"/>
-              </a:rPr>
-              <a:t>train_test_split</a:t>
-            </a:r>
-            <a:r>
-              <a:rPr lang="en-US" sz="2400" dirty="0">
-                <a:cs typeface="Calibri"/>
-              </a:rPr>
-              <a:t>(XX, Y, </a:t>
-            </a:r>
-            <a:r>
-              <a:rPr lang="en-US" sz="2400" dirty="0" err="1">
-                <a:cs typeface="Calibri"/>
-              </a:rPr>
-              <a:t>train_size</a:t>
-            </a:r>
-            <a:r>
-              <a:rPr lang="en-US" sz="2400" dirty="0">
-                <a:cs typeface="Calibri"/>
-              </a:rPr>
-              <a:t>=0.9)</a:t>
-            </a:r>
-            <a:br>
-              <a:rPr lang="en-US" sz="2400" dirty="0">
-                <a:cs typeface="Calibri"/>
-              </a:rPr>
-            </a:br>
-            <a:r>
-              <a:rPr lang="en-US" sz="2400" dirty="0">
-                <a:cs typeface="Calibri"/>
-              </a:rPr>
               <a:t>We will then use test-train and split to split our data into two parts which will be used for training and testing. </a:t>
             </a:r>
             <a:r>
@@ -7721,6 +7905,45 @@
               </a:rPr>
               <a:t>The features are scaled.</a:t>
             </a:r>
+          </a:p>
+          <a:p>
+            <a:pPr marL="0" indent="0">
+              <a:buNone/>
+            </a:pPr>
+            <a:r>
+              <a:rPr lang="en-US" sz="2400" dirty="0">
+                <a:ea typeface="+mn-lt"/>
+                <a:cs typeface="+mn-lt"/>
+              </a:rPr>
+              <a:t>3.   The training model is generated by fitting the classified data into training set.</a:t>
+            </a:r>
+          </a:p>
+          <a:p>
+            <a:pPr marL="0" indent="0">
+              <a:buNone/>
+            </a:pPr>
+            <a:r>
+              <a:rPr lang="en-US" sz="2400" dirty="0">
+                <a:cs typeface="Calibri"/>
+              </a:rPr>
+              <a:t>4.   T</a:t>
+            </a:r>
+            <a:r>
+              <a:rPr lang="en-US" sz="2400" dirty="0">
+                <a:ea typeface="+mn-lt"/>
+                <a:cs typeface="+mn-lt"/>
+              </a:rPr>
+              <a:t>he MSE, MAE and Accuracy is determined for the provided data using in-built functions.</a:t>
+            </a:r>
+          </a:p>
+          <a:p>
+            <a:pPr marL="0" indent="0">
+              <a:buNone/>
+            </a:pPr>
+            <a:endParaRPr lang="en-US" sz="2400" dirty="0">
+              <a:ea typeface="+mn-lt"/>
+              <a:cs typeface="+mn-lt"/>
+            </a:endParaRPr>
           </a:p>
           <a:p>
             <a:pPr marL="0" indent="0">
@@ -7799,7 +8022,7 @@
         </p:blipFill>
         <p:spPr>
           <a:xfrm>
-            <a:off x="1970554" y="4160238"/>
+            <a:off x="1970554" y="4561682"/>
             <a:ext cx="7600950" cy="1800225"/>
           </a:xfrm>
           <a:prstGeom prst="rect">
@@ -7839,313 +8062,10 @@
       </p:grpSpPr>
       <p:sp>
         <p:nvSpPr>
-          <p:cNvPr id="3" name="Content Placeholder 2">
+          <p:cNvPr id="2" name="Title 1">
             <a:extLst>
               <a:ext uri="{FF2B5EF4-FFF2-40B4-BE49-F238E27FC236}">
-                <a16:creationId xmlns:a16="http://schemas.microsoft.com/office/drawing/2014/main" id="{0E3D6556-A722-02BE-F336-6B448678512B}"/>
-              </a:ext>
-            </a:extLst>
-          </p:cNvPr>
-          <p:cNvSpPr>
-            <a:spLocks noGrp="1"/>
-          </p:cNvSpPr>
-          <p:nvPr>
-            <p:ph idx="1"/>
-          </p:nvPr>
-        </p:nvSpPr>
-        <p:spPr>
-          <a:xfrm>
-            <a:off x="629433" y="1481160"/>
-            <a:ext cx="10724367" cy="4695803"/>
-          </a:xfrm>
-        </p:spPr>
-        <p:txBody>
-          <a:bodyPr vert="horz" lIns="91440" tIns="45720" rIns="91440" bIns="45720" rtlCol="0" anchor="t">
-            <a:normAutofit/>
-          </a:bodyPr>
-          <a:lstStyle/>
-          <a:p>
-            <a:pPr marL="0" indent="0">
-              <a:buNone/>
-            </a:pPr>
-            <a:endParaRPr lang="en-US" sz="2400" dirty="0">
-              <a:ea typeface="+mn-lt"/>
-              <a:cs typeface="+mn-lt"/>
-            </a:endParaRPr>
-          </a:p>
-          <a:p>
-            <a:pPr marL="0" indent="0">
-              <a:buNone/>
-            </a:pPr>
-            <a:r>
-              <a:rPr lang="en-US" sz="2400" dirty="0">
-                <a:ea typeface="+mn-lt"/>
-                <a:cs typeface="+mn-lt"/>
-              </a:rPr>
-              <a:t>3.   The training model is generated by fitting the classified data into training set.</a:t>
-            </a:r>
-          </a:p>
-          <a:p>
-            <a:pPr marL="0" indent="0">
-              <a:buNone/>
-            </a:pPr>
-            <a:r>
-              <a:rPr lang="en-US" sz="2400" dirty="0">
-                <a:cs typeface="Calibri"/>
-              </a:rPr>
-              <a:t>4.   T</a:t>
-            </a:r>
-            <a:r>
-              <a:rPr lang="en-US" sz="2400" dirty="0">
-                <a:ea typeface="+mn-lt"/>
-                <a:cs typeface="+mn-lt"/>
-              </a:rPr>
-              <a:t>he accuracy is determined for the provided data using in-built functions.</a:t>
-            </a:r>
-          </a:p>
-          <a:p>
-            <a:pPr marL="0" indent="0">
-              <a:buNone/>
-            </a:pPr>
-            <a:r>
-              <a:rPr lang="en-US" sz="2400" dirty="0">
-                <a:ea typeface="+mn-lt"/>
-                <a:cs typeface="+mn-lt"/>
-              </a:rPr>
-              <a:t>    Code:</a:t>
-            </a:r>
-          </a:p>
-          <a:p>
-            <a:pPr marL="0" indent="0">
-              <a:buNone/>
-            </a:pPr>
-            <a:r>
-              <a:rPr lang="en-US" sz="2400" dirty="0">
-                <a:ea typeface="+mn-lt"/>
-                <a:cs typeface="+mn-lt"/>
-              </a:rPr>
-              <a:t>    </a:t>
-            </a:r>
-            <a:r>
-              <a:rPr lang="en-US" sz="2400" dirty="0" err="1">
-                <a:ea typeface="+mn-lt"/>
-                <a:cs typeface="+mn-lt"/>
-              </a:rPr>
-              <a:t>svm_acc</a:t>
-            </a:r>
-            <a:r>
-              <a:rPr lang="en-US" sz="2400" dirty="0">
-                <a:ea typeface="+mn-lt"/>
-                <a:cs typeface="+mn-lt"/>
-              </a:rPr>
-              <a:t> = </a:t>
-            </a:r>
-            <a:r>
-              <a:rPr lang="en-US" sz="2400" dirty="0" err="1">
-                <a:ea typeface="+mn-lt"/>
-                <a:cs typeface="+mn-lt"/>
-              </a:rPr>
-              <a:t>accuracy_score</a:t>
-            </a:r>
-            <a:r>
-              <a:rPr lang="en-US" sz="2400" dirty="0">
-                <a:ea typeface="+mn-lt"/>
-                <a:cs typeface="+mn-lt"/>
-              </a:rPr>
-              <a:t>(</a:t>
-            </a:r>
-            <a:r>
-              <a:rPr lang="en-US" sz="2400" dirty="0" err="1">
-                <a:ea typeface="+mn-lt"/>
-                <a:cs typeface="+mn-lt"/>
-              </a:rPr>
-              <a:t>y_test,predict</a:t>
-            </a:r>
-            <a:r>
-              <a:rPr lang="en-US" sz="2400" dirty="0">
-                <a:ea typeface="+mn-lt"/>
-                <a:cs typeface="+mn-lt"/>
-              </a:rPr>
-              <a:t>) </a:t>
-            </a:r>
-          </a:p>
-          <a:p>
-            <a:pPr marL="0" indent="0">
-              <a:buNone/>
-            </a:pPr>
-            <a:r>
-              <a:rPr lang="en-US" sz="2400" dirty="0">
-                <a:ea typeface="+mn-lt"/>
-                <a:cs typeface="+mn-lt"/>
-              </a:rPr>
-              <a:t>    </a:t>
-            </a:r>
-            <a:r>
-              <a:rPr lang="en-US" sz="2400" dirty="0" err="1">
-                <a:ea typeface="+mn-lt"/>
-                <a:cs typeface="+mn-lt"/>
-              </a:rPr>
-              <a:t>alg_accuracy.append</a:t>
-            </a:r>
-            <a:r>
-              <a:rPr lang="en-US" sz="2400" dirty="0">
-                <a:ea typeface="+mn-lt"/>
-                <a:cs typeface="+mn-lt"/>
-              </a:rPr>
-              <a:t>(</a:t>
-            </a:r>
-            <a:r>
-              <a:rPr lang="en-US" sz="2400" dirty="0" err="1">
-                <a:ea typeface="+mn-lt"/>
-                <a:cs typeface="+mn-lt"/>
-              </a:rPr>
-              <a:t>svm_acc</a:t>
-            </a:r>
-            <a:r>
-              <a:rPr lang="en-US" sz="2400" dirty="0">
-                <a:ea typeface="+mn-lt"/>
-                <a:cs typeface="+mn-lt"/>
-              </a:rPr>
-              <a:t>)</a:t>
-            </a:r>
-          </a:p>
-          <a:p>
-            <a:pPr marL="0" indent="0">
-              <a:buNone/>
-            </a:pPr>
-            <a:r>
-              <a:rPr lang="en-US" sz="2400" dirty="0">
-                <a:ea typeface="+mn-lt"/>
-                <a:cs typeface="+mn-lt"/>
-              </a:rPr>
-              <a:t>    </a:t>
-            </a:r>
-            <a:r>
-              <a:rPr lang="en-US" sz="2400" dirty="0" err="1">
-                <a:ea typeface="+mn-lt"/>
-                <a:cs typeface="+mn-lt"/>
-              </a:rPr>
-              <a:t>mse</a:t>
-            </a:r>
-            <a:r>
-              <a:rPr lang="en-US" sz="2400" dirty="0">
-                <a:ea typeface="+mn-lt"/>
-                <a:cs typeface="+mn-lt"/>
-              </a:rPr>
-              <a:t> = </a:t>
-            </a:r>
-            <a:r>
-              <a:rPr lang="en-US" sz="2400" dirty="0" err="1">
-                <a:ea typeface="+mn-lt"/>
-                <a:cs typeface="+mn-lt"/>
-              </a:rPr>
-              <a:t>mean_squared_error</a:t>
-            </a:r>
-            <a:r>
-              <a:rPr lang="en-US" sz="2400" dirty="0">
-                <a:ea typeface="+mn-lt"/>
-                <a:cs typeface="+mn-lt"/>
-              </a:rPr>
-              <a:t>(</a:t>
-            </a:r>
-            <a:r>
-              <a:rPr lang="en-US" sz="2400" dirty="0" err="1">
-                <a:ea typeface="+mn-lt"/>
-                <a:cs typeface="+mn-lt"/>
-              </a:rPr>
-              <a:t>y_test,predict</a:t>
-            </a:r>
-            <a:r>
-              <a:rPr lang="en-US" sz="2400" dirty="0">
-                <a:ea typeface="+mn-lt"/>
-                <a:cs typeface="+mn-lt"/>
-              </a:rPr>
-              <a:t>)</a:t>
-            </a:r>
-          </a:p>
-          <a:p>
-            <a:pPr marL="0" indent="0">
-              <a:buNone/>
-            </a:pPr>
-            <a:r>
-              <a:rPr lang="en-US" sz="2400" dirty="0">
-                <a:ea typeface="+mn-lt"/>
-                <a:cs typeface="+mn-lt"/>
-              </a:rPr>
-              <a:t>    </a:t>
-            </a:r>
-            <a:r>
-              <a:rPr lang="en-US" sz="2400" dirty="0" err="1">
-                <a:ea typeface="+mn-lt"/>
-                <a:cs typeface="+mn-lt"/>
-              </a:rPr>
-              <a:t>mae</a:t>
-            </a:r>
-            <a:r>
-              <a:rPr lang="en-US" sz="2400" dirty="0">
-                <a:ea typeface="+mn-lt"/>
-                <a:cs typeface="+mn-lt"/>
-              </a:rPr>
-              <a:t> = </a:t>
-            </a:r>
-            <a:r>
-              <a:rPr lang="en-US" sz="2400" dirty="0" err="1">
-                <a:ea typeface="+mn-lt"/>
-                <a:cs typeface="+mn-lt"/>
-              </a:rPr>
-              <a:t>mean_absolute_error</a:t>
-            </a:r>
-            <a:r>
-              <a:rPr lang="en-US" sz="2400" dirty="0">
-                <a:ea typeface="+mn-lt"/>
-                <a:cs typeface="+mn-lt"/>
-              </a:rPr>
-              <a:t>(</a:t>
-            </a:r>
-            <a:r>
-              <a:rPr lang="en-US" sz="2400" dirty="0" err="1">
-                <a:ea typeface="+mn-lt"/>
-                <a:cs typeface="+mn-lt"/>
-              </a:rPr>
-              <a:t>y_test,predict</a:t>
-            </a:r>
-            <a:r>
-              <a:rPr lang="en-US" sz="2400" dirty="0">
-                <a:ea typeface="+mn-lt"/>
-                <a:cs typeface="+mn-lt"/>
-              </a:rPr>
-              <a:t>)</a:t>
-            </a:r>
-            <a:endParaRPr lang="en-US" sz="2400" dirty="0">
-              <a:cs typeface="Calibri"/>
-            </a:endParaRPr>
-          </a:p>
-          <a:p>
-            <a:pPr marL="0" indent="0">
-              <a:buNone/>
-            </a:pPr>
-            <a:endParaRPr lang="en-US" sz="3200" dirty="0">
-              <a:cs typeface="Calibri"/>
-            </a:endParaRPr>
-          </a:p>
-          <a:p>
-            <a:endParaRPr lang="en-US" sz="3200" dirty="0">
-              <a:cs typeface="Calibri"/>
-            </a:endParaRPr>
-          </a:p>
-          <a:p>
-            <a:endParaRPr lang="en-US" sz="3200" dirty="0">
-              <a:cs typeface="Calibri"/>
-            </a:endParaRPr>
-          </a:p>
-        </p:txBody>
-      </p:sp>
-      <p:sp>
-        <p:nvSpPr>
-          <p:cNvPr id="6" name="Title 1">
-            <a:extLst>
-              <a:ext uri="{FF2B5EF4-FFF2-40B4-BE49-F238E27FC236}">
-                <a16:creationId xmlns:a16="http://schemas.microsoft.com/office/drawing/2014/main" id="{599E8A2E-B4D4-024E-7F43-9D1450291D3F}"/>
+                <a16:creationId xmlns:a16="http://schemas.microsoft.com/office/drawing/2014/main" id="{6A1AA52C-2A9C-9533-4734-25DF518C0F5C}"/>
               </a:ext>
             </a:extLst>
           </p:cNvPr>
@@ -8156,33 +8076,594 @@
             <p:ph type="title"/>
           </p:nvPr>
         </p:nvSpPr>
-        <p:spPr>
-          <a:xfrm>
-            <a:off x="726141" y="-4669"/>
-            <a:ext cx="10515600" cy="1325563"/>
-          </a:xfrm>
-        </p:spPr>
+        <p:spPr/>
         <p:txBody>
           <a:bodyPr/>
           <a:lstStyle/>
           <a:p>
             <a:r>
-              <a:rPr lang="en-US" b="1" dirty="0">
-                <a:ea typeface="+mj-lt"/>
-                <a:cs typeface="+mj-lt"/>
-              </a:rPr>
-              <a:t>Support Vector Machine &amp; Decision Tree</a:t>
-            </a:r>
-            <a:endParaRPr lang="en-US" b="1" dirty="0">
-              <a:cs typeface="Calibri Light"/>
-            </a:endParaRPr>
+              <a:rPr lang="en-US" b="1" dirty="0"/>
+              <a:t>Accuracy Results</a:t>
+            </a:r>
+          </a:p>
+        </p:txBody>
+      </p:sp>
+      <p:graphicFrame>
+        <p:nvGraphicFramePr>
+          <p:cNvPr id="4" name="Table 4">
+            <a:extLst>
+              <a:ext uri="{FF2B5EF4-FFF2-40B4-BE49-F238E27FC236}">
+                <a16:creationId xmlns:a16="http://schemas.microsoft.com/office/drawing/2014/main" id="{C1452911-6D98-EA98-4848-81B5CCF2F622}"/>
+              </a:ext>
+            </a:extLst>
+          </p:cNvPr>
+          <p:cNvGraphicFramePr>
+            <a:graphicFrameLocks noGrp="1"/>
+          </p:cNvGraphicFramePr>
+          <p:nvPr>
+            <p:ph idx="1"/>
+            <p:extLst>
+              <p:ext uri="{D42A27DB-BD31-4B8C-83A1-F6EECF244321}">
+                <p14:modId xmlns:p14="http://schemas.microsoft.com/office/powerpoint/2010/main" val="1772747708"/>
+              </p:ext>
+            </p:extLst>
+          </p:nvPr>
+        </p:nvGraphicFramePr>
+        <p:xfrm>
+          <a:off x="838200" y="1825625"/>
+          <a:ext cx="10515596" cy="2966720"/>
+        </p:xfrm>
+        <a:graphic>
+          <a:graphicData uri="http://schemas.openxmlformats.org/drawingml/2006/table">
+            <a:tbl>
+              <a:tblPr firstRow="1" bandRow="1">
+                <a:tableStyleId>{5C22544A-7EE6-4342-B048-85BDC9FD1C3A}</a:tableStyleId>
+              </a:tblPr>
+              <a:tblGrid>
+                <a:gridCol w="2628899">
+                  <a:extLst>
+                    <a:ext uri="{9D8B030D-6E8A-4147-A177-3AD203B41FA5}">
+                      <a16:colId xmlns:a16="http://schemas.microsoft.com/office/drawing/2014/main" val="3473105830"/>
+                    </a:ext>
+                  </a:extLst>
+                </a:gridCol>
+                <a:gridCol w="2628899">
+                  <a:extLst>
+                    <a:ext uri="{9D8B030D-6E8A-4147-A177-3AD203B41FA5}">
+                      <a16:colId xmlns:a16="http://schemas.microsoft.com/office/drawing/2014/main" val="1496212250"/>
+                    </a:ext>
+                  </a:extLst>
+                </a:gridCol>
+                <a:gridCol w="2628899">
+                  <a:extLst>
+                    <a:ext uri="{9D8B030D-6E8A-4147-A177-3AD203B41FA5}">
+                      <a16:colId xmlns:a16="http://schemas.microsoft.com/office/drawing/2014/main" val="4085048851"/>
+                    </a:ext>
+                  </a:extLst>
+                </a:gridCol>
+                <a:gridCol w="2628899">
+                  <a:extLst>
+                    <a:ext uri="{9D8B030D-6E8A-4147-A177-3AD203B41FA5}">
+                      <a16:colId xmlns:a16="http://schemas.microsoft.com/office/drawing/2014/main" val="1665291002"/>
+                    </a:ext>
+                  </a:extLst>
+                </a:gridCol>
+              </a:tblGrid>
+              <a:tr h="370840">
+                <a:tc>
+                  <a:txBody>
+                    <a:bodyPr/>
+                    <a:lstStyle/>
+                    <a:p>
+                      <a:r>
+                        <a:rPr lang="en-US" dirty="0"/>
+                        <a:t>SVM Test data size(%)</a:t>
+                      </a:r>
+                    </a:p>
+                  </a:txBody>
+                  <a:tcPr/>
+                </a:tc>
+                <a:tc>
+                  <a:txBody>
+                    <a:bodyPr/>
+                    <a:lstStyle/>
+                    <a:p>
+                      <a:r>
+                        <a:rPr lang="en-US" dirty="0"/>
+                        <a:t>SVM Accuracy</a:t>
+                      </a:r>
+                    </a:p>
+                  </a:txBody>
+                  <a:tcPr/>
+                </a:tc>
+                <a:tc>
+                  <a:txBody>
+                    <a:bodyPr/>
+                    <a:lstStyle/>
+                    <a:p>
+                      <a:r>
+                        <a:rPr lang="en-US" dirty="0"/>
+                        <a:t>DT Test data size (%)</a:t>
+                      </a:r>
+                    </a:p>
+                  </a:txBody>
+                  <a:tcPr/>
+                </a:tc>
+                <a:tc>
+                  <a:txBody>
+                    <a:bodyPr/>
+                    <a:lstStyle/>
+                    <a:p>
+                      <a:r>
+                        <a:rPr lang="en-US" dirty="0"/>
+                        <a:t>DT Accuracy</a:t>
+                      </a:r>
+                    </a:p>
+                  </a:txBody>
+                  <a:tcPr/>
+                </a:tc>
+                <a:extLst>
+                  <a:ext uri="{0D108BD9-81ED-4DB2-BD59-A6C34878D82A}">
+                    <a16:rowId xmlns:a16="http://schemas.microsoft.com/office/drawing/2014/main" val="149413861"/>
+                  </a:ext>
+                </a:extLst>
+              </a:tr>
+              <a:tr h="370840">
+                <a:tc>
+                  <a:txBody>
+                    <a:bodyPr/>
+                    <a:lstStyle/>
+                    <a:p>
+                      <a:r>
+                        <a:rPr lang="en-US" dirty="0"/>
+                        <a:t>50</a:t>
+                      </a:r>
+                    </a:p>
+                  </a:txBody>
+                  <a:tcPr/>
+                </a:tc>
+                <a:tc>
+                  <a:txBody>
+                    <a:bodyPr/>
+                    <a:lstStyle/>
+                    <a:p>
+                      <a:r>
+                        <a:rPr lang="en-US" dirty="0"/>
+                        <a:t>0.5</a:t>
+                      </a:r>
+                    </a:p>
+                  </a:txBody>
+                  <a:tcPr/>
+                </a:tc>
+                <a:tc>
+                  <a:txBody>
+                    <a:bodyPr/>
+                    <a:lstStyle/>
+                    <a:p>
+                      <a:r>
+                        <a:rPr lang="en-US" dirty="0"/>
+                        <a:t>50</a:t>
+                      </a:r>
+                    </a:p>
+                  </a:txBody>
+                  <a:tcPr/>
+                </a:tc>
+                <a:tc>
+                  <a:txBody>
+                    <a:bodyPr/>
+                    <a:lstStyle/>
+                    <a:p>
+                      <a:r>
+                        <a:rPr lang="en-US" dirty="0"/>
+                        <a:t>0.6</a:t>
+                      </a:r>
+                    </a:p>
+                  </a:txBody>
+                  <a:tcPr/>
+                </a:tc>
+                <a:extLst>
+                  <a:ext uri="{0D108BD9-81ED-4DB2-BD59-A6C34878D82A}">
+                    <a16:rowId xmlns:a16="http://schemas.microsoft.com/office/drawing/2014/main" val="4154188650"/>
+                  </a:ext>
+                </a:extLst>
+              </a:tr>
+              <a:tr h="370840">
+                <a:tc>
+                  <a:txBody>
+                    <a:bodyPr/>
+                    <a:lstStyle/>
+                    <a:p>
+                      <a:r>
+                        <a:rPr lang="en-US" dirty="0"/>
+                        <a:t>60</a:t>
+                      </a:r>
+                    </a:p>
+                  </a:txBody>
+                  <a:tcPr/>
+                </a:tc>
+                <a:tc>
+                  <a:txBody>
+                    <a:bodyPr/>
+                    <a:lstStyle/>
+                    <a:p>
+                      <a:r>
+                        <a:rPr lang="en-US" dirty="0"/>
+                        <a:t>0.583</a:t>
+                      </a:r>
+                    </a:p>
+                  </a:txBody>
+                  <a:tcPr/>
+                </a:tc>
+                <a:tc>
+                  <a:txBody>
+                    <a:bodyPr/>
+                    <a:lstStyle/>
+                    <a:p>
+                      <a:r>
+                        <a:rPr lang="en-US" dirty="0"/>
+                        <a:t>60</a:t>
+                      </a:r>
+                    </a:p>
+                  </a:txBody>
+                  <a:tcPr/>
+                </a:tc>
+                <a:tc>
+                  <a:txBody>
+                    <a:bodyPr/>
+                    <a:lstStyle/>
+                    <a:p>
+                      <a:r>
+                        <a:rPr lang="en-US" dirty="0"/>
+                        <a:t>0.666</a:t>
+                      </a:r>
+                    </a:p>
+                  </a:txBody>
+                  <a:tcPr/>
+                </a:tc>
+                <a:extLst>
+                  <a:ext uri="{0D108BD9-81ED-4DB2-BD59-A6C34878D82A}">
+                    <a16:rowId xmlns:a16="http://schemas.microsoft.com/office/drawing/2014/main" val="1972865108"/>
+                  </a:ext>
+                </a:extLst>
+              </a:tr>
+              <a:tr h="370840">
+                <a:tc>
+                  <a:txBody>
+                    <a:bodyPr/>
+                    <a:lstStyle/>
+                    <a:p>
+                      <a:r>
+                        <a:rPr lang="en-US" dirty="0"/>
+                        <a:t>70</a:t>
+                      </a:r>
+                    </a:p>
+                  </a:txBody>
+                  <a:tcPr/>
+                </a:tc>
+                <a:tc>
+                  <a:txBody>
+                    <a:bodyPr/>
+                    <a:lstStyle/>
+                    <a:p>
+                      <a:r>
+                        <a:rPr lang="en-US" dirty="0"/>
+                        <a:t>0.64</a:t>
+                      </a:r>
+                    </a:p>
+                  </a:txBody>
+                  <a:tcPr/>
+                </a:tc>
+                <a:tc>
+                  <a:txBody>
+                    <a:bodyPr/>
+                    <a:lstStyle/>
+                    <a:p>
+                      <a:r>
+                        <a:rPr lang="en-US" dirty="0"/>
+                        <a:t>70</a:t>
+                      </a:r>
+                    </a:p>
+                  </a:txBody>
+                  <a:tcPr/>
+                </a:tc>
+                <a:tc>
+                  <a:txBody>
+                    <a:bodyPr/>
+                    <a:lstStyle/>
+                    <a:p>
+                      <a:r>
+                        <a:rPr lang="en-US" dirty="0"/>
+                        <a:t>0.71</a:t>
+                      </a:r>
+                    </a:p>
+                  </a:txBody>
+                  <a:tcPr/>
+                </a:tc>
+                <a:extLst>
+                  <a:ext uri="{0D108BD9-81ED-4DB2-BD59-A6C34878D82A}">
+                    <a16:rowId xmlns:a16="http://schemas.microsoft.com/office/drawing/2014/main" val="2976427702"/>
+                  </a:ext>
+                </a:extLst>
+              </a:tr>
+              <a:tr h="370840">
+                <a:tc>
+                  <a:txBody>
+                    <a:bodyPr/>
+                    <a:lstStyle/>
+                    <a:p>
+                      <a:r>
+                        <a:rPr lang="en-US" dirty="0"/>
+                        <a:t>80</a:t>
+                      </a:r>
+                    </a:p>
+                  </a:txBody>
+                  <a:tcPr/>
+                </a:tc>
+                <a:tc>
+                  <a:txBody>
+                    <a:bodyPr/>
+                    <a:lstStyle/>
+                    <a:p>
+                      <a:r>
+                        <a:rPr lang="en-US" dirty="0"/>
+                        <a:t>0.6875</a:t>
+                      </a:r>
+                    </a:p>
+                  </a:txBody>
+                  <a:tcPr/>
+                </a:tc>
+                <a:tc>
+                  <a:txBody>
+                    <a:bodyPr/>
+                    <a:lstStyle/>
+                    <a:p>
+                      <a:r>
+                        <a:rPr lang="en-US" dirty="0"/>
+                        <a:t>80</a:t>
+                      </a:r>
+                    </a:p>
+                  </a:txBody>
+                  <a:tcPr/>
+                </a:tc>
+                <a:tc>
+                  <a:txBody>
+                    <a:bodyPr/>
+                    <a:lstStyle/>
+                    <a:p>
+                      <a:r>
+                        <a:rPr lang="en-US" dirty="0"/>
+                        <a:t>0.75</a:t>
+                      </a:r>
+                    </a:p>
+                  </a:txBody>
+                  <a:tcPr/>
+                </a:tc>
+                <a:extLst>
+                  <a:ext uri="{0D108BD9-81ED-4DB2-BD59-A6C34878D82A}">
+                    <a16:rowId xmlns:a16="http://schemas.microsoft.com/office/drawing/2014/main" val="142371457"/>
+                  </a:ext>
+                </a:extLst>
+              </a:tr>
+              <a:tr h="370840">
+                <a:tc>
+                  <a:txBody>
+                    <a:bodyPr/>
+                    <a:lstStyle/>
+                    <a:p>
+                      <a:r>
+                        <a:rPr lang="en-US" dirty="0"/>
+                        <a:t>90</a:t>
+                      </a:r>
+                    </a:p>
+                  </a:txBody>
+                  <a:tcPr/>
+                </a:tc>
+                <a:tc>
+                  <a:txBody>
+                    <a:bodyPr/>
+                    <a:lstStyle/>
+                    <a:p>
+                      <a:r>
+                        <a:rPr lang="en-US" dirty="0"/>
+                        <a:t>0.722</a:t>
+                      </a:r>
+                    </a:p>
+                  </a:txBody>
+                  <a:tcPr/>
+                </a:tc>
+                <a:tc>
+                  <a:txBody>
+                    <a:bodyPr/>
+                    <a:lstStyle/>
+                    <a:p>
+                      <a:r>
+                        <a:rPr lang="en-US" dirty="0"/>
+                        <a:t>90</a:t>
+                      </a:r>
+                    </a:p>
+                  </a:txBody>
+                  <a:tcPr/>
+                </a:tc>
+                <a:tc>
+                  <a:txBody>
+                    <a:bodyPr/>
+                    <a:lstStyle/>
+                    <a:p>
+                      <a:r>
+                        <a:rPr lang="en-US" dirty="0"/>
+                        <a:t>0.777</a:t>
+                      </a:r>
+                    </a:p>
+                  </a:txBody>
+                  <a:tcPr/>
+                </a:tc>
+                <a:extLst>
+                  <a:ext uri="{0D108BD9-81ED-4DB2-BD59-A6C34878D82A}">
+                    <a16:rowId xmlns:a16="http://schemas.microsoft.com/office/drawing/2014/main" val="1583932119"/>
+                  </a:ext>
+                </a:extLst>
+              </a:tr>
+              <a:tr h="370840">
+                <a:tc>
+                  <a:txBody>
+                    <a:bodyPr/>
+                    <a:lstStyle/>
+                    <a:p>
+                      <a:r>
+                        <a:rPr lang="en-US" dirty="0"/>
+                        <a:t>95</a:t>
+                      </a:r>
+                    </a:p>
+                  </a:txBody>
+                  <a:tcPr/>
+                </a:tc>
+                <a:tc>
+                  <a:txBody>
+                    <a:bodyPr/>
+                    <a:lstStyle/>
+                    <a:p>
+                      <a:r>
+                        <a:rPr lang="en-US" dirty="0"/>
+                        <a:t>0.736</a:t>
+                      </a:r>
+                    </a:p>
+                  </a:txBody>
+                  <a:tcPr/>
+                </a:tc>
+                <a:tc>
+                  <a:txBody>
+                    <a:bodyPr/>
+                    <a:lstStyle/>
+                    <a:p>
+                      <a:r>
+                        <a:rPr lang="en-US" dirty="0"/>
+                        <a:t>95</a:t>
+                      </a:r>
+                    </a:p>
+                  </a:txBody>
+                  <a:tcPr/>
+                </a:tc>
+                <a:tc>
+                  <a:txBody>
+                    <a:bodyPr/>
+                    <a:lstStyle/>
+                    <a:p>
+                      <a:r>
+                        <a:rPr lang="en-US" dirty="0"/>
+                        <a:t>0.789</a:t>
+                      </a:r>
+                    </a:p>
+                  </a:txBody>
+                  <a:tcPr/>
+                </a:tc>
+                <a:extLst>
+                  <a:ext uri="{0D108BD9-81ED-4DB2-BD59-A6C34878D82A}">
+                    <a16:rowId xmlns:a16="http://schemas.microsoft.com/office/drawing/2014/main" val="3462298689"/>
+                  </a:ext>
+                </a:extLst>
+              </a:tr>
+              <a:tr h="370840">
+                <a:tc>
+                  <a:txBody>
+                    <a:bodyPr/>
+                    <a:lstStyle/>
+                    <a:p>
+                      <a:r>
+                        <a:rPr lang="en-US" dirty="0"/>
+                        <a:t>100</a:t>
+                      </a:r>
+                    </a:p>
+                  </a:txBody>
+                  <a:tcPr/>
+                </a:tc>
+                <a:tc>
+                  <a:txBody>
+                    <a:bodyPr/>
+                    <a:lstStyle/>
+                    <a:p>
+                      <a:r>
+                        <a:rPr lang="en-US" dirty="0"/>
+                        <a:t>ERROR</a:t>
+                      </a:r>
+                    </a:p>
+                  </a:txBody>
+                  <a:tcPr/>
+                </a:tc>
+                <a:tc>
+                  <a:txBody>
+                    <a:bodyPr/>
+                    <a:lstStyle/>
+                    <a:p>
+                      <a:r>
+                        <a:rPr lang="en-US" dirty="0"/>
+                        <a:t>100</a:t>
+                      </a:r>
+                    </a:p>
+                  </a:txBody>
+                  <a:tcPr/>
+                </a:tc>
+                <a:tc>
+                  <a:txBody>
+                    <a:bodyPr/>
+                    <a:lstStyle/>
+                    <a:p>
+                      <a:r>
+                        <a:rPr lang="en-US" dirty="0"/>
+                        <a:t>ERROR</a:t>
+                      </a:r>
+                    </a:p>
+                  </a:txBody>
+                  <a:tcPr/>
+                </a:tc>
+                <a:extLst>
+                  <a:ext uri="{0D108BD9-81ED-4DB2-BD59-A6C34878D82A}">
+                    <a16:rowId xmlns:a16="http://schemas.microsoft.com/office/drawing/2014/main" val="4290572794"/>
+                  </a:ext>
+                </a:extLst>
+              </a:tr>
+            </a:tbl>
+          </a:graphicData>
+        </a:graphic>
+      </p:graphicFrame>
+      <p:sp>
+        <p:nvSpPr>
+          <p:cNvPr id="5" name="TextBox 4">
+            <a:extLst>
+              <a:ext uri="{FF2B5EF4-FFF2-40B4-BE49-F238E27FC236}">
+                <a16:creationId xmlns:a16="http://schemas.microsoft.com/office/drawing/2014/main" id="{5FE4C6FD-22D2-A930-78A7-C2769095E4E3}"/>
+              </a:ext>
+            </a:extLst>
+          </p:cNvPr>
+          <p:cNvSpPr txBox="1"/>
+          <p:nvPr/>
+        </p:nvSpPr>
+        <p:spPr>
+          <a:xfrm>
+            <a:off x="905109" y="5073805"/>
+            <a:ext cx="10515599" cy="830997"/>
+          </a:xfrm>
+          <a:prstGeom prst="rect">
+            <a:avLst/>
+          </a:prstGeom>
+          <a:noFill/>
+        </p:spPr>
+        <p:txBody>
+          <a:bodyPr wrap="square" rtlCol="0">
+            <a:spAutoFit/>
+          </a:bodyPr>
+          <a:lstStyle/>
+          <a:p>
+            <a:r>
+              <a:rPr lang="en-US" sz="2400" dirty="0"/>
+              <a:t>The accuracy of both algorithms increases with increase in size of test data, and we get error when we take 100% of data for testing.</a:t>
+            </a:r>
           </a:p>
         </p:txBody>
       </p:sp>
     </p:spTree>
     <p:extLst>
       <p:ext uri="{BB962C8B-B14F-4D97-AF65-F5344CB8AC3E}">
-        <p14:creationId xmlns:p14="http://schemas.microsoft.com/office/powerpoint/2010/main" val="3017103360"/>
+        <p14:creationId xmlns:p14="http://schemas.microsoft.com/office/powerpoint/2010/main" val="1352854707"/>
       </p:ext>
     </p:extLst>
   </p:cSld>
@@ -8214,7 +8695,7 @@
           <p:cNvPr id="2" name="Title 1">
             <a:extLst>
               <a:ext uri="{FF2B5EF4-FFF2-40B4-BE49-F238E27FC236}">
-                <a16:creationId xmlns:a16="http://schemas.microsoft.com/office/drawing/2014/main" id="{57E92D1A-143E-A8D1-5650-23C53F336A3A}"/>
+                <a16:creationId xmlns:a16="http://schemas.microsoft.com/office/drawing/2014/main" id="{32E2E634-DDFF-4EE1-9D86-F940664BE3DC}"/>
               </a:ext>
             </a:extLst>
           </p:cNvPr>
@@ -8231,107 +8712,98 @@
           <a:lstStyle/>
           <a:p>
             <a:r>
-              <a:rPr lang="en-US" b="1" dirty="0">
-                <a:cs typeface="Calibri Light"/>
-              </a:rPr>
-              <a:t>Pros and Cons</a:t>
-            </a:r>
-            <a:endParaRPr lang="en-US" b="1" dirty="0"/>
+              <a:rPr lang="en-US" b="1" dirty="0"/>
+              <a:t>Reasons for not going with Methodology-1</a:t>
+            </a:r>
+            <a:endParaRPr lang="en-US" dirty="0"/>
           </a:p>
         </p:txBody>
       </p:sp>
       <p:sp>
         <p:nvSpPr>
-          <p:cNvPr id="3" name="Content Placeholder 2">
+          <p:cNvPr id="5" name="TextBox 4">
             <a:extLst>
               <a:ext uri="{FF2B5EF4-FFF2-40B4-BE49-F238E27FC236}">
-                <a16:creationId xmlns:a16="http://schemas.microsoft.com/office/drawing/2014/main" id="{0485A877-B7E7-764E-DB9E-520F12AC7E8A}"/>
+                <a16:creationId xmlns:a16="http://schemas.microsoft.com/office/drawing/2014/main" id="{13BA4C93-B95F-41BF-A1C9-9216CE9854AF}"/>
               </a:ext>
             </a:extLst>
           </p:cNvPr>
-          <p:cNvSpPr>
-            <a:spLocks noGrp="1"/>
-          </p:cNvSpPr>
-          <p:nvPr>
-            <p:ph idx="1"/>
-          </p:nvPr>
-        </p:nvSpPr>
-        <p:spPr/>
+          <p:cNvSpPr txBox="1"/>
+          <p:nvPr/>
+        </p:nvSpPr>
+        <p:spPr>
+          <a:xfrm>
+            <a:off x="282509" y="1698857"/>
+            <a:ext cx="11210925" cy="5201424"/>
+          </a:xfrm>
+          <a:prstGeom prst="rect">
+            <a:avLst/>
+          </a:prstGeom>
+          <a:noFill/>
+        </p:spPr>
         <p:txBody>
-          <a:bodyPr vert="horz" lIns="91440" tIns="45720" rIns="91440" bIns="45720" rtlCol="0" anchor="t">
-            <a:normAutofit/>
+          <a:bodyPr wrap="square" rtlCol="0">
+            <a:spAutoFit/>
           </a:bodyPr>
           <a:lstStyle/>
           <a:p>
-            <a:pPr marL="0" indent="0">
-              <a:buNone/>
+            <a:endParaRPr lang="en-US" sz="2400" dirty="0"/>
+          </a:p>
+          <a:p>
+            <a:pPr marL="342900" indent="-342900">
+              <a:buFont typeface="Arial" panose="020B0604020202020204" pitchFamily="34" charset="0"/>
+              <a:buChar char="•"/>
             </a:pPr>
             <a:r>
-              <a:rPr lang="en-US" sz="2400" u="sng">
-                <a:cs typeface="Calibri"/>
-              </a:rPr>
-              <a:t>Pros</a:t>
-            </a:r>
-          </a:p>
-          <a:p>
-            <a:r>
-              <a:rPr lang="en-US" sz="2400">
-                <a:ea typeface="+mn-lt"/>
-                <a:cs typeface="+mn-lt"/>
-              </a:rPr>
-              <a:t>Easy to understand and interpret.</a:t>
-            </a:r>
-          </a:p>
-          <a:p>
-            <a:r>
-              <a:rPr lang="en-US" sz="2400">
-                <a:ea typeface="+mn-lt"/>
-                <a:cs typeface="+mn-lt"/>
-              </a:rPr>
-              <a:t>Require very little data preparation.</a:t>
-            </a:r>
-            <a:endParaRPr lang="en-US" sz="2400">
-              <a:cs typeface="Calibri"/>
-            </a:endParaRPr>
-          </a:p>
-          <a:p>
-            <a:pPr marL="0" indent="0">
-              <a:buNone/>
+              <a:rPr lang="en-US" sz="2400" dirty="0"/>
+              <a:t>The dataset has only two features and which is very less when we want to train and get proper results for matching.</a:t>
+            </a:r>
+          </a:p>
+          <a:p>
+            <a:pPr marL="342900" indent="-342900">
+              <a:buFont typeface="Arial" panose="020B0604020202020204" pitchFamily="34" charset="0"/>
+              <a:buChar char="•"/>
             </a:pPr>
             <a:r>
-              <a:rPr lang="en-US" sz="2400" u="sng">
-                <a:cs typeface="Calibri"/>
-              </a:rPr>
-              <a:t>Cons</a:t>
-            </a:r>
-          </a:p>
-          <a:p>
-            <a:r>
-              <a:rPr lang="en-US" sz="2400">
-                <a:ea typeface="+mn-lt"/>
-                <a:cs typeface="+mn-lt"/>
-              </a:rPr>
-              <a:t>Overfitting is quite common with decision trees simply due to the nature of their training.</a:t>
-            </a:r>
-          </a:p>
-          <a:p>
-            <a:r>
-              <a:rPr lang="en-US" sz="2400">
-                <a:ea typeface="+mn-lt"/>
-                <a:cs typeface="+mn-lt"/>
-              </a:rPr>
-              <a:t>Decision trees are also vulnerable to becoming biased to the classes that have a majority in the dataset.</a:t>
-            </a:r>
-            <a:endParaRPr lang="en-US" sz="2400">
-              <a:cs typeface="Calibri"/>
-            </a:endParaRPr>
+              <a:rPr lang="en-US" sz="2400" dirty="0"/>
+              <a:t>We tried adding more features to datasets, but we could not find ideal data to add them to the data we have.</a:t>
+            </a:r>
+          </a:p>
+          <a:p>
+            <a:pPr marL="342900" indent="-342900">
+              <a:buFont typeface="Arial" panose="020B0604020202020204" pitchFamily="34" charset="0"/>
+              <a:buChar char="•"/>
+            </a:pPr>
+            <a:r>
+              <a:rPr lang="en-US" sz="2400" dirty="0"/>
+              <a:t>The result of prediction of which person the data belongs to at the end is only done by matching numbers in the data which can give fault predictions easily if we change the testing data a little bit.</a:t>
+            </a:r>
+          </a:p>
+          <a:p>
+            <a:pPr marL="342900" indent="-342900">
+              <a:buFont typeface="Arial" panose="020B0604020202020204" pitchFamily="34" charset="0"/>
+              <a:buChar char="•"/>
+            </a:pPr>
+            <a:endParaRPr lang="en-US" sz="2400" dirty="0"/>
+          </a:p>
+          <a:p>
+            <a:endParaRPr lang="en-US" sz="2400" dirty="0"/>
+          </a:p>
+          <a:p>
+            <a:endParaRPr lang="en-US" sz="2400" dirty="0"/>
+          </a:p>
+          <a:p>
+            <a:endParaRPr lang="en-US" sz="3200" dirty="0"/>
+          </a:p>
+          <a:p>
+            <a:endParaRPr lang="en-US" sz="3600" dirty="0"/>
           </a:p>
         </p:txBody>
       </p:sp>
     </p:spTree>
     <p:extLst>
       <p:ext uri="{BB962C8B-B14F-4D97-AF65-F5344CB8AC3E}">
-        <p14:creationId xmlns:p14="http://schemas.microsoft.com/office/powerpoint/2010/main" val="2698460313"/>
+        <p14:creationId xmlns:p14="http://schemas.microsoft.com/office/powerpoint/2010/main" val="3939176308"/>
       </p:ext>
     </p:extLst>
   </p:cSld>
@@ -8363,156 +8835,6 @@
           <p:cNvPr id="2" name="Title 1">
             <a:extLst>
               <a:ext uri="{FF2B5EF4-FFF2-40B4-BE49-F238E27FC236}">
-                <a16:creationId xmlns:a16="http://schemas.microsoft.com/office/drawing/2014/main" id="{32E2E634-DDFF-4EE1-9D86-F940664BE3DC}"/>
-              </a:ext>
-            </a:extLst>
-          </p:cNvPr>
-          <p:cNvSpPr>
-            <a:spLocks noGrp="1"/>
-          </p:cNvSpPr>
-          <p:nvPr>
-            <p:ph type="title"/>
-          </p:nvPr>
-        </p:nvSpPr>
-        <p:spPr/>
-        <p:txBody>
-          <a:bodyPr/>
-          <a:lstStyle/>
-          <a:p>
-            <a:r>
-              <a:rPr lang="en-US" b="1" dirty="0"/>
-              <a:t>Reasons for not going with Methodology-1</a:t>
-            </a:r>
-            <a:endParaRPr lang="en-US" dirty="0"/>
-          </a:p>
-        </p:txBody>
-      </p:sp>
-      <p:sp>
-        <p:nvSpPr>
-          <p:cNvPr id="5" name="TextBox 4">
-            <a:extLst>
-              <a:ext uri="{FF2B5EF4-FFF2-40B4-BE49-F238E27FC236}">
-                <a16:creationId xmlns:a16="http://schemas.microsoft.com/office/drawing/2014/main" id="{13BA4C93-B95F-41BF-A1C9-9216CE9854AF}"/>
-              </a:ext>
-            </a:extLst>
-          </p:cNvPr>
-          <p:cNvSpPr txBox="1"/>
-          <p:nvPr/>
-        </p:nvSpPr>
-        <p:spPr>
-          <a:xfrm>
-            <a:off x="282509" y="1698857"/>
-            <a:ext cx="11210925" cy="5940088"/>
-          </a:xfrm>
-          <a:prstGeom prst="rect">
-            <a:avLst/>
-          </a:prstGeom>
-          <a:noFill/>
-        </p:spPr>
-        <p:txBody>
-          <a:bodyPr wrap="square" rtlCol="0">
-            <a:spAutoFit/>
-          </a:bodyPr>
-          <a:lstStyle/>
-          <a:p>
-            <a:endParaRPr lang="en-US" sz="2400" dirty="0"/>
-          </a:p>
-          <a:p>
-            <a:pPr marL="342900" indent="-342900">
-              <a:buFont typeface="Arial" panose="020B0604020202020204" pitchFamily="34" charset="0"/>
-              <a:buChar char="•"/>
-            </a:pPr>
-            <a:r>
-              <a:rPr lang="en-US" sz="2400" dirty="0"/>
-              <a:t>The dataset has only two features and which is very less when we want to train and get proper results for matching.</a:t>
-            </a:r>
-          </a:p>
-          <a:p>
-            <a:pPr marL="342900" indent="-342900">
-              <a:buFont typeface="Arial" panose="020B0604020202020204" pitchFamily="34" charset="0"/>
-              <a:buChar char="•"/>
-            </a:pPr>
-            <a:r>
-              <a:rPr lang="en-US" sz="2400" dirty="0"/>
-              <a:t>The results only have 100% accuracy if we train 100% of the data which is not ideal when dealing with more data.</a:t>
-            </a:r>
-          </a:p>
-          <a:p>
-            <a:pPr marL="342900" indent="-342900">
-              <a:buFont typeface="Arial" panose="020B0604020202020204" pitchFamily="34" charset="0"/>
-              <a:buChar char="•"/>
-            </a:pPr>
-            <a:r>
-              <a:rPr lang="en-US" sz="2400" dirty="0"/>
-              <a:t>We tried adding more features to datasets, but we could not find ideal data to add them to the data we have.</a:t>
-            </a:r>
-          </a:p>
-          <a:p>
-            <a:pPr marL="342900" indent="-342900">
-              <a:buFont typeface="Arial" panose="020B0604020202020204" pitchFamily="34" charset="0"/>
-              <a:buChar char="•"/>
-            </a:pPr>
-            <a:r>
-              <a:rPr lang="en-US" sz="2400" dirty="0"/>
-              <a:t>The result of prediction of which person the data belongs to at the end is only done by matching numbers in the data which can give fault predictions easily if we change the testing data a little bit.</a:t>
-            </a:r>
-          </a:p>
-          <a:p>
-            <a:pPr marL="342900" indent="-342900">
-              <a:buFont typeface="Arial" panose="020B0604020202020204" pitchFamily="34" charset="0"/>
-              <a:buChar char="•"/>
-            </a:pPr>
-            <a:endParaRPr lang="en-US" sz="2400" dirty="0"/>
-          </a:p>
-          <a:p>
-            <a:endParaRPr lang="en-US" sz="2400" dirty="0"/>
-          </a:p>
-          <a:p>
-            <a:endParaRPr lang="en-US" sz="2400" dirty="0"/>
-          </a:p>
-          <a:p>
-            <a:endParaRPr lang="en-US" sz="3200" dirty="0"/>
-          </a:p>
-          <a:p>
-            <a:endParaRPr lang="en-US" sz="3600" dirty="0"/>
-          </a:p>
-        </p:txBody>
-      </p:sp>
-    </p:spTree>
-    <p:extLst>
-      <p:ext uri="{BB962C8B-B14F-4D97-AF65-F5344CB8AC3E}">
-        <p14:creationId xmlns:p14="http://schemas.microsoft.com/office/powerpoint/2010/main" val="3939176308"/>
-      </p:ext>
-    </p:extLst>
-  </p:cSld>
-  <p:clrMapOvr>
-    <a:masterClrMapping/>
-  </p:clrMapOvr>
-</p:sld>
-</file>
-
-<file path=ppt/slides/slide16.xml><?xml version="1.0" encoding="utf-8"?>
-<p:sld xmlns:a="http://schemas.openxmlformats.org/drawingml/2006/main" xmlns:r="http://schemas.openxmlformats.org/officeDocument/2006/relationships" xmlns:p="http://schemas.openxmlformats.org/presentationml/2006/main">
-  <p:cSld>
-    <p:spTree>
-      <p:nvGrpSpPr>
-        <p:cNvPr id="1" name=""/>
-        <p:cNvGrpSpPr/>
-        <p:nvPr/>
-      </p:nvGrpSpPr>
-      <p:grpSpPr>
-        <a:xfrm>
-          <a:off x="0" y="0"/>
-          <a:ext cx="0" cy="0"/>
-          <a:chOff x="0" y="0"/>
-          <a:chExt cx="0" cy="0"/>
-        </a:xfrm>
-      </p:grpSpPr>
-      <p:sp>
-        <p:nvSpPr>
-          <p:cNvPr id="2" name="Title 1">
-            <a:extLst>
-              <a:ext uri="{FF2B5EF4-FFF2-40B4-BE49-F238E27FC236}">
                 <a16:creationId xmlns:a16="http://schemas.microsoft.com/office/drawing/2014/main" id="{3513FC13-F9B0-A9E6-9F54-41D1F10BBBA8}"/>
               </a:ext>
             </a:extLst>
@@ -8531,7 +8853,7 @@
           <a:p>
             <a:r>
               <a:rPr lang="en-US" b="1" dirty="0"/>
-              <a:t>ECG-ID Dataset</a:t>
+              <a:t>Methodology-2</a:t>
             </a:r>
           </a:p>
         </p:txBody>
@@ -8561,19 +8883,19 @@
           <a:p>
             <a:r>
               <a:rPr lang="en-US" sz="2400" dirty="0"/>
+              <a:t>The name of dataset is ECG-ID Database</a:t>
+            </a:r>
+          </a:p>
+          <a:p>
+            <a:r>
+              <a:rPr lang="en-US" sz="2400" dirty="0"/>
               <a:t>The database contains 310 ECG recordings, obtained from 90 persons. Each recording contains:</a:t>
             </a:r>
           </a:p>
           <a:p>
             <a:r>
               <a:rPr lang="en-US" sz="2400" dirty="0"/>
-              <a:t>The records were obtained from volunteers (44 men and 46 women aged from 13 to 75 years who were students, colleagues, and friends of the author). </a:t>
-            </a:r>
-          </a:p>
-          <a:p>
-            <a:r>
-              <a:rPr lang="en-US" sz="2400" dirty="0"/>
-              <a:t>The number of records for each person varies from 2 (collected during one day) to 20 (collected periodically over 6 months).</a:t>
+              <a:t>The number of records for each person varies from 2 to 20.</a:t>
             </a:r>
           </a:p>
           <a:p>
@@ -8695,7 +9017,7 @@
 </p:sld>
 </file>
 
-<file path=ppt/slides/slide17.xml><?xml version="1.0" encoding="utf-8"?>
+<file path=ppt/slides/slide16.xml><?xml version="1.0" encoding="utf-8"?>
 <p:sld xmlns:a="http://schemas.openxmlformats.org/drawingml/2006/main" xmlns:r="http://schemas.openxmlformats.org/officeDocument/2006/relationships" xmlns:p="http://schemas.openxmlformats.org/presentationml/2006/main">
   <p:cSld>
     <p:spTree>
@@ -9713,7 +10035,7 @@
 </p:sld>
 </file>
 
-<file path=ppt/slides/slide18.xml><?xml version="1.0" encoding="utf-8"?>
+<file path=ppt/slides/slide17.xml><?xml version="1.0" encoding="utf-8"?>
 <p:sld xmlns:a="http://schemas.openxmlformats.org/drawingml/2006/main" xmlns:r="http://schemas.openxmlformats.org/officeDocument/2006/relationships" xmlns:p="http://schemas.openxmlformats.org/presentationml/2006/main">
   <p:cSld>
     <p:spTree>
@@ -9824,7 +10146,7 @@
 </p:sld>
 </file>
 
-<file path=ppt/slides/slide19.xml><?xml version="1.0" encoding="utf-8"?>
+<file path=ppt/slides/slide18.xml><?xml version="1.0" encoding="utf-8"?>
 <p:sld xmlns:a="http://schemas.openxmlformats.org/drawingml/2006/main" xmlns:r="http://schemas.openxmlformats.org/officeDocument/2006/relationships" xmlns:p="http://schemas.openxmlformats.org/presentationml/2006/main">
   <p:cSld>
     <p:spTree>
@@ -10226,216 +10548,7 @@
 </p:sld>
 </file>
 
-<file path=ppt/slides/slide2.xml><?xml version="1.0" encoding="utf-8"?>
-<p:sld xmlns:a="http://schemas.openxmlformats.org/drawingml/2006/main" xmlns:r="http://schemas.openxmlformats.org/officeDocument/2006/relationships" xmlns:p="http://schemas.openxmlformats.org/presentationml/2006/main">
-  <p:cSld>
-    <p:spTree>
-      <p:nvGrpSpPr>
-        <p:cNvPr id="1" name=""/>
-        <p:cNvGrpSpPr/>
-        <p:nvPr/>
-      </p:nvGrpSpPr>
-      <p:grpSpPr>
-        <a:xfrm>
-          <a:off x="0" y="0"/>
-          <a:ext cx="0" cy="0"/>
-          <a:chOff x="0" y="0"/>
-          <a:chExt cx="0" cy="0"/>
-        </a:xfrm>
-      </p:grpSpPr>
-      <p:sp>
-        <p:nvSpPr>
-          <p:cNvPr id="2" name="Title 1">
-            <a:extLst>
-              <a:ext uri="{FF2B5EF4-FFF2-40B4-BE49-F238E27FC236}">
-                <a16:creationId xmlns:a16="http://schemas.microsoft.com/office/drawing/2014/main" id="{AD3A397E-08A5-421B-83E3-0BCD6A6F8F56}"/>
-              </a:ext>
-            </a:extLst>
-          </p:cNvPr>
-          <p:cNvSpPr>
-            <a:spLocks noGrp="1"/>
-          </p:cNvSpPr>
-          <p:nvPr>
-            <p:ph type="title"/>
-          </p:nvPr>
-        </p:nvSpPr>
-        <p:spPr>
-          <a:xfrm>
-            <a:off x="980242" y="414706"/>
-            <a:ext cx="2517559" cy="1325563"/>
-          </a:xfrm>
-        </p:spPr>
-        <p:txBody>
-          <a:bodyPr/>
-          <a:lstStyle/>
-          <a:p>
-            <a:r>
-              <a:rPr lang="en-US" b="1"/>
-              <a:t>Outline</a:t>
-            </a:r>
-          </a:p>
-        </p:txBody>
-      </p:sp>
-      <p:sp>
-        <p:nvSpPr>
-          <p:cNvPr id="3" name="Content Placeholder 2">
-            <a:extLst>
-              <a:ext uri="{FF2B5EF4-FFF2-40B4-BE49-F238E27FC236}">
-                <a16:creationId xmlns:a16="http://schemas.microsoft.com/office/drawing/2014/main" id="{9EF72435-41D5-40ED-A1E0-F497D91EB7D3}"/>
-              </a:ext>
-            </a:extLst>
-          </p:cNvPr>
-          <p:cNvSpPr>
-            <a:spLocks noGrp="1"/>
-          </p:cNvSpPr>
-          <p:nvPr>
-            <p:ph idx="1"/>
-          </p:nvPr>
-        </p:nvSpPr>
-        <p:spPr>
-          <a:xfrm>
-            <a:off x="838200" y="1665827"/>
-            <a:ext cx="9548674" cy="4351338"/>
-          </a:xfrm>
-        </p:spPr>
-        <p:txBody>
-          <a:bodyPr vert="horz" lIns="91440" tIns="45720" rIns="91440" bIns="45720" rtlCol="0" anchor="t">
-            <a:normAutofit/>
-          </a:bodyPr>
-          <a:lstStyle/>
-          <a:p>
-            <a:pPr marL="285750" indent="-285750">
-              <a:buFont typeface="Arial" panose="020B0604020202020204" pitchFamily="34" charset="0"/>
-              <a:buChar char="•"/>
-            </a:pPr>
-            <a:r>
-              <a:rPr lang="en-US" sz="2400" dirty="0"/>
-              <a:t>Introduction</a:t>
-            </a:r>
-            <a:endParaRPr lang="en-US" sz="2400" dirty="0">
-              <a:cs typeface="Calibri"/>
-            </a:endParaRPr>
-          </a:p>
-          <a:p>
-            <a:pPr marL="285750" indent="-285750"/>
-            <a:r>
-              <a:rPr lang="en-US" sz="2400" dirty="0">
-                <a:cs typeface="Calibri"/>
-              </a:rPr>
-              <a:t>Existing System</a:t>
-            </a:r>
-          </a:p>
-          <a:p>
-            <a:pPr marL="285750" indent="-285750">
-              <a:buFont typeface="Arial" panose="020B0604020202020204" pitchFamily="34" charset="0"/>
-              <a:buChar char="•"/>
-            </a:pPr>
-            <a:r>
-              <a:rPr lang="en-US" sz="2400" dirty="0"/>
-              <a:t>Proposed System</a:t>
-            </a:r>
-            <a:endParaRPr lang="en-US" sz="2400" dirty="0">
-              <a:cs typeface="Calibri"/>
-            </a:endParaRPr>
-          </a:p>
-          <a:p>
-            <a:pPr marL="285750" indent="-285750"/>
-            <a:r>
-              <a:rPr lang="en-US" sz="2400" dirty="0">
-                <a:cs typeface="Calibri"/>
-              </a:rPr>
-              <a:t>Why QR Code and </a:t>
-            </a:r>
-            <a:r>
-              <a:rPr lang="en-US" sz="2400" dirty="0" err="1">
-                <a:cs typeface="Calibri"/>
-              </a:rPr>
-              <a:t>Heartwave</a:t>
-            </a:r>
-            <a:r>
-              <a:rPr lang="en-US" sz="2400" dirty="0">
-                <a:cs typeface="Calibri"/>
-              </a:rPr>
-              <a:t> </a:t>
-            </a:r>
-          </a:p>
-          <a:p>
-            <a:pPr marL="285750" indent="-285750">
-              <a:buFont typeface="Arial" panose="020B0604020202020204" pitchFamily="34" charset="0"/>
-              <a:buChar char="•"/>
-            </a:pPr>
-            <a:r>
-              <a:rPr lang="en-US" sz="2400" dirty="0">
-                <a:cs typeface="Calibri"/>
-              </a:rPr>
-              <a:t>Methodology-I</a:t>
-            </a:r>
-          </a:p>
-          <a:p>
-            <a:pPr marL="285750" indent="-285750"/>
-            <a:r>
-              <a:rPr lang="en-US" sz="2400" dirty="0">
-                <a:cs typeface="Calibri"/>
-              </a:rPr>
-              <a:t>Methodology-II</a:t>
-            </a:r>
-          </a:p>
-          <a:p>
-            <a:pPr marL="285750" indent="-285750"/>
-            <a:r>
-              <a:rPr lang="en-US" sz="2400" dirty="0">
-                <a:cs typeface="Calibri"/>
-              </a:rPr>
-              <a:t>Task Accomplished </a:t>
-            </a:r>
-          </a:p>
-          <a:p>
-            <a:pPr marL="285750" indent="-285750">
-              <a:buFont typeface="Arial" panose="020B0604020202020204" pitchFamily="34" charset="0"/>
-              <a:buChar char="•"/>
-            </a:pPr>
-            <a:r>
-              <a:rPr lang="en-US" sz="2400" dirty="0"/>
-              <a:t>Future Accomplishments</a:t>
-            </a:r>
-            <a:endParaRPr lang="en-US" sz="2400" dirty="0">
-              <a:cs typeface="Calibri"/>
-            </a:endParaRPr>
-          </a:p>
-          <a:p>
-            <a:pPr marL="0" indent="0">
-              <a:buNone/>
-            </a:pPr>
-            <a:endParaRPr lang="en-US" sz="4200" dirty="0">
-              <a:cs typeface="Calibri"/>
-            </a:endParaRPr>
-          </a:p>
-          <a:p>
-            <a:pPr marL="285750" indent="-285750">
-              <a:buFont typeface="Arial" panose="020B0604020202020204" pitchFamily="34" charset="0"/>
-              <a:buChar char="•"/>
-            </a:pPr>
-            <a:endParaRPr lang="en-US" sz="2800" dirty="0"/>
-          </a:p>
-          <a:p>
-            <a:endParaRPr lang="en-US" dirty="0"/>
-          </a:p>
-        </p:txBody>
-      </p:sp>
-    </p:spTree>
-    <p:extLst>
-      <p:ext uri="{BB962C8B-B14F-4D97-AF65-F5344CB8AC3E}">
-        <p14:creationId xmlns:p14="http://schemas.microsoft.com/office/powerpoint/2010/main" val="1045016516"/>
-      </p:ext>
-    </p:extLst>
-  </p:cSld>
-  <p:clrMapOvr>
-    <a:masterClrMapping/>
-  </p:clrMapOvr>
-</p:sld>
-</file>
-
-<file path=ppt/slides/slide20.xml><?xml version="1.0" encoding="utf-8"?>
+<file path=ppt/slides/slide19.xml><?xml version="1.0" encoding="utf-8"?>
 <p:sld xmlns:a="http://schemas.openxmlformats.org/drawingml/2006/main" xmlns:r="http://schemas.openxmlformats.org/officeDocument/2006/relationships" xmlns:p="http://schemas.openxmlformats.org/presentationml/2006/main">
   <p:cSld>
     <p:spTree>
@@ -10555,7 +10668,7 @@
 </p:sld>
 </file>
 
-<file path=ppt/slides/slide21.xml><?xml version="1.0" encoding="utf-8"?>
+<file path=ppt/slides/slide2.xml><?xml version="1.0" encoding="utf-8"?>
 <p:sld xmlns:a="http://schemas.openxmlformats.org/drawingml/2006/main" xmlns:r="http://schemas.openxmlformats.org/officeDocument/2006/relationships" xmlns:p="http://schemas.openxmlformats.org/presentationml/2006/main">
   <p:cSld>
     <p:spTree>
@@ -10577,6 +10690,215 @@
           <p:cNvPr id="2" name="Title 1">
             <a:extLst>
               <a:ext uri="{FF2B5EF4-FFF2-40B4-BE49-F238E27FC236}">
+                <a16:creationId xmlns:a16="http://schemas.microsoft.com/office/drawing/2014/main" id="{AD3A397E-08A5-421B-83E3-0BCD6A6F8F56}"/>
+              </a:ext>
+            </a:extLst>
+          </p:cNvPr>
+          <p:cNvSpPr>
+            <a:spLocks noGrp="1"/>
+          </p:cNvSpPr>
+          <p:nvPr>
+            <p:ph type="title"/>
+          </p:nvPr>
+        </p:nvSpPr>
+        <p:spPr>
+          <a:xfrm>
+            <a:off x="980242" y="414706"/>
+            <a:ext cx="2517559" cy="1325563"/>
+          </a:xfrm>
+        </p:spPr>
+        <p:txBody>
+          <a:bodyPr/>
+          <a:lstStyle/>
+          <a:p>
+            <a:r>
+              <a:rPr lang="en-US" b="1"/>
+              <a:t>Outline</a:t>
+            </a:r>
+          </a:p>
+        </p:txBody>
+      </p:sp>
+      <p:sp>
+        <p:nvSpPr>
+          <p:cNvPr id="3" name="Content Placeholder 2">
+            <a:extLst>
+              <a:ext uri="{FF2B5EF4-FFF2-40B4-BE49-F238E27FC236}">
+                <a16:creationId xmlns:a16="http://schemas.microsoft.com/office/drawing/2014/main" id="{9EF72435-41D5-40ED-A1E0-F497D91EB7D3}"/>
+              </a:ext>
+            </a:extLst>
+          </p:cNvPr>
+          <p:cNvSpPr>
+            <a:spLocks noGrp="1"/>
+          </p:cNvSpPr>
+          <p:nvPr>
+            <p:ph idx="1"/>
+          </p:nvPr>
+        </p:nvSpPr>
+        <p:spPr>
+          <a:xfrm>
+            <a:off x="838200" y="1665827"/>
+            <a:ext cx="9548674" cy="4351338"/>
+          </a:xfrm>
+        </p:spPr>
+        <p:txBody>
+          <a:bodyPr vert="horz" lIns="91440" tIns="45720" rIns="91440" bIns="45720" rtlCol="0" anchor="t">
+            <a:normAutofit/>
+          </a:bodyPr>
+          <a:lstStyle/>
+          <a:p>
+            <a:pPr marL="285750" indent="-285750">
+              <a:buFont typeface="Arial" panose="020B0604020202020204" pitchFamily="34" charset="0"/>
+              <a:buChar char="•"/>
+            </a:pPr>
+            <a:r>
+              <a:rPr lang="en-US" sz="2400" dirty="0"/>
+              <a:t>Introduction</a:t>
+            </a:r>
+            <a:endParaRPr lang="en-US" sz="2400" dirty="0">
+              <a:cs typeface="Calibri"/>
+            </a:endParaRPr>
+          </a:p>
+          <a:p>
+            <a:pPr marL="285750" indent="-285750"/>
+            <a:r>
+              <a:rPr lang="en-US" sz="2400" dirty="0">
+                <a:cs typeface="Calibri"/>
+              </a:rPr>
+              <a:t>Existing System</a:t>
+            </a:r>
+          </a:p>
+          <a:p>
+            <a:pPr marL="285750" indent="-285750">
+              <a:buFont typeface="Arial" panose="020B0604020202020204" pitchFamily="34" charset="0"/>
+              <a:buChar char="•"/>
+            </a:pPr>
+            <a:r>
+              <a:rPr lang="en-US" sz="2400" dirty="0"/>
+              <a:t>Proposed System</a:t>
+            </a:r>
+            <a:endParaRPr lang="en-US" sz="2400" dirty="0">
+              <a:cs typeface="Calibri"/>
+            </a:endParaRPr>
+          </a:p>
+          <a:p>
+            <a:pPr marL="285750" indent="-285750"/>
+            <a:r>
+              <a:rPr lang="en-US" sz="2400" dirty="0">
+                <a:cs typeface="Calibri"/>
+              </a:rPr>
+              <a:t>Why QR Code and </a:t>
+            </a:r>
+            <a:r>
+              <a:rPr lang="en-US" sz="2400" dirty="0" err="1">
+                <a:cs typeface="Calibri"/>
+              </a:rPr>
+              <a:t>Heartwave</a:t>
+            </a:r>
+            <a:r>
+              <a:rPr lang="en-US" sz="2400" dirty="0">
+                <a:cs typeface="Calibri"/>
+              </a:rPr>
+              <a:t> </a:t>
+            </a:r>
+          </a:p>
+          <a:p>
+            <a:pPr marL="285750" indent="-285750">
+              <a:buFont typeface="Arial" panose="020B0604020202020204" pitchFamily="34" charset="0"/>
+              <a:buChar char="•"/>
+            </a:pPr>
+            <a:r>
+              <a:rPr lang="en-US" sz="2400" dirty="0">
+                <a:cs typeface="Calibri"/>
+              </a:rPr>
+              <a:t>Methodology-I</a:t>
+            </a:r>
+          </a:p>
+          <a:p>
+            <a:pPr marL="285750" indent="-285750"/>
+            <a:r>
+              <a:rPr lang="en-US" sz="2400" dirty="0">
+                <a:cs typeface="Calibri"/>
+              </a:rPr>
+              <a:t>Methodology-II</a:t>
+            </a:r>
+          </a:p>
+          <a:p>
+            <a:pPr marL="285750" indent="-285750"/>
+            <a:r>
+              <a:rPr lang="en-US" sz="2400" dirty="0">
+                <a:cs typeface="Calibri"/>
+              </a:rPr>
+              <a:t>Task Accomplished </a:t>
+            </a:r>
+          </a:p>
+          <a:p>
+            <a:pPr marL="285750" indent="-285750">
+              <a:buFont typeface="Arial" panose="020B0604020202020204" pitchFamily="34" charset="0"/>
+              <a:buChar char="•"/>
+            </a:pPr>
+            <a:r>
+              <a:rPr lang="en-US" sz="2400" dirty="0"/>
+              <a:t>Future Accomplishments</a:t>
+            </a:r>
+            <a:endParaRPr lang="en-US" sz="2400" dirty="0">
+              <a:cs typeface="Calibri"/>
+            </a:endParaRPr>
+          </a:p>
+          <a:p>
+            <a:pPr marL="0" indent="0">
+              <a:buNone/>
+            </a:pPr>
+            <a:endParaRPr lang="en-US" sz="4200" dirty="0">
+              <a:cs typeface="Calibri"/>
+            </a:endParaRPr>
+          </a:p>
+          <a:p>
+            <a:pPr marL="285750" indent="-285750">
+              <a:buFont typeface="Arial" panose="020B0604020202020204" pitchFamily="34" charset="0"/>
+              <a:buChar char="•"/>
+            </a:pPr>
+            <a:endParaRPr lang="en-US" sz="2800" dirty="0"/>
+          </a:p>
+          <a:p>
+            <a:endParaRPr lang="en-US" dirty="0"/>
+          </a:p>
+        </p:txBody>
+      </p:sp>
+    </p:spTree>
+    <p:extLst>
+      <p:ext uri="{BB962C8B-B14F-4D97-AF65-F5344CB8AC3E}">
+        <p14:creationId xmlns:p14="http://schemas.microsoft.com/office/powerpoint/2010/main" val="1045016516"/>
+      </p:ext>
+    </p:extLst>
+  </p:cSld>
+  <p:clrMapOvr>
+    <a:masterClrMapping/>
+  </p:clrMapOvr>
+</p:sld>
+</file>
+
+<file path=ppt/slides/slide20.xml><?xml version="1.0" encoding="utf-8"?>
+<p:sld xmlns:a="http://schemas.openxmlformats.org/drawingml/2006/main" xmlns:r="http://schemas.openxmlformats.org/officeDocument/2006/relationships" xmlns:p="http://schemas.openxmlformats.org/presentationml/2006/main">
+  <p:cSld>
+    <p:spTree>
+      <p:nvGrpSpPr>
+        <p:cNvPr id="1" name=""/>
+        <p:cNvGrpSpPr/>
+        <p:nvPr/>
+      </p:nvGrpSpPr>
+      <p:grpSpPr>
+        <a:xfrm>
+          <a:off x="0" y="0"/>
+          <a:ext cx="0" cy="0"/>
+          <a:chOff x="0" y="0"/>
+          <a:chExt cx="0" cy="0"/>
+        </a:xfrm>
+      </p:grpSpPr>
+      <p:sp>
+        <p:nvSpPr>
+          <p:cNvPr id="2" name="Title 1">
+            <a:extLst>
+              <a:ext uri="{FF2B5EF4-FFF2-40B4-BE49-F238E27FC236}">
                 <a16:creationId xmlns:a16="http://schemas.microsoft.com/office/drawing/2014/main" id="{3158A0F0-C4C7-13A0-C207-67D8A2E558E3}"/>
               </a:ext>
             </a:extLst>
@@ -10658,7 +10980,7 @@
 </p:sld>
 </file>
 
-<file path=ppt/slides/slide22.xml><?xml version="1.0" encoding="utf-8"?>
+<file path=ppt/slides/slide21.xml><?xml version="1.0" encoding="utf-8"?>
 <p:sld xmlns:a="http://schemas.openxmlformats.org/drawingml/2006/main" xmlns:r="http://schemas.openxmlformats.org/officeDocument/2006/relationships" xmlns:p="http://schemas.openxmlformats.org/presentationml/2006/main">
   <p:cSld>
     <p:spTree>
@@ -11816,7 +12138,7 @@
 </p:sld>
 </file>
 
-<file path=ppt/slides/slide23.xml><?xml version="1.0" encoding="utf-8"?>
+<file path=ppt/slides/slide22.xml><?xml version="1.0" encoding="utf-8"?>
 <p:sld xmlns:a="http://schemas.openxmlformats.org/drawingml/2006/main" xmlns:r="http://schemas.openxmlformats.org/officeDocument/2006/relationships" xmlns:p="http://schemas.openxmlformats.org/presentationml/2006/main">
   <p:cSld>
     <p:spTree>
@@ -11934,7 +12256,7 @@
 </p:sld>
 </file>
 
-<file path=ppt/slides/slide24.xml><?xml version="1.0" encoding="utf-8"?>
+<file path=ppt/slides/slide23.xml><?xml version="1.0" encoding="utf-8"?>
 <p:sld xmlns:a="http://schemas.openxmlformats.org/drawingml/2006/main" xmlns:r="http://schemas.openxmlformats.org/officeDocument/2006/relationships" xmlns:p="http://schemas.openxmlformats.org/presentationml/2006/main">
   <p:cSld>
     <p:bg>
@@ -12900,7 +13222,7 @@
 </p:sld>
 </file>
 
-<file path=ppt/slides/slide25.xml><?xml version="1.0" encoding="utf-8"?>
+<file path=ppt/slides/slide24.xml><?xml version="1.0" encoding="utf-8"?>
 <p:sld xmlns:a="http://schemas.openxmlformats.org/drawingml/2006/main" xmlns:r="http://schemas.openxmlformats.org/officeDocument/2006/relationships" xmlns:p="http://schemas.openxmlformats.org/presentationml/2006/main">
   <p:cSld>
     <p:bg>
@@ -13474,65 +13796,98 @@
           </a:p>
         </p:txBody>
       </p:sp>
-      <p:sp>
-        <p:nvSpPr>
-          <p:cNvPr id="3" name="Content Placeholder 2">
+      <p:pic>
+        <p:nvPicPr>
+          <p:cNvPr id="7" name="Picture 6" descr="Diagram&#10;&#10;Description automatically generated">
             <a:extLst>
               <a:ext uri="{FF2B5EF4-FFF2-40B4-BE49-F238E27FC236}">
-                <a16:creationId xmlns:a16="http://schemas.microsoft.com/office/drawing/2014/main" id="{66B15469-23DA-28F8-3644-BAB61795B752}"/>
+                <a16:creationId xmlns:a16="http://schemas.microsoft.com/office/drawing/2014/main" id="{7DBD2287-80E0-BD50-7016-F3398A68F619}"/>
               </a:ext>
             </a:extLst>
           </p:cNvPr>
-          <p:cNvSpPr>
-            <a:spLocks noGrp="1"/>
-          </p:cNvSpPr>
-          <p:nvPr>
-            <p:ph idx="1"/>
-          </p:nvPr>
-        </p:nvSpPr>
-        <p:spPr/>
+          <p:cNvPicPr>
+            <a:picLocks noChangeAspect="1"/>
+          </p:cNvPicPr>
+          <p:nvPr/>
+        </p:nvPicPr>
+        <p:blipFill>
+          <a:blip r:embed="rId2">
+            <a:extLst>
+              <a:ext uri="{28A0092B-C50C-407E-A947-70E740481C1C}">
+                <a14:useLocalDpi xmlns:a14="http://schemas.microsoft.com/office/drawing/2010/main" val="0"/>
+              </a:ext>
+            </a:extLst>
+          </a:blip>
+          <a:stretch>
+            <a:fillRect/>
+          </a:stretch>
+        </p:blipFill>
+        <p:spPr>
+          <a:xfrm>
+            <a:off x="6200077" y="1458845"/>
+            <a:ext cx="4114800" cy="3940309"/>
+          </a:xfrm>
+          <a:prstGeom prst="rect">
+            <a:avLst/>
+          </a:prstGeom>
+        </p:spPr>
+      </p:pic>
+      <p:sp>
+        <p:nvSpPr>
+          <p:cNvPr id="12" name="TextBox 11">
+            <a:extLst>
+              <a:ext uri="{FF2B5EF4-FFF2-40B4-BE49-F238E27FC236}">
+                <a16:creationId xmlns:a16="http://schemas.microsoft.com/office/drawing/2014/main" id="{BB996AEA-9FBE-72E5-C476-17768B360348}"/>
+              </a:ext>
+            </a:extLst>
+          </p:cNvPr>
+          <p:cNvSpPr txBox="1"/>
+          <p:nvPr/>
+        </p:nvSpPr>
+        <p:spPr>
+          <a:xfrm>
+            <a:off x="838200" y="1806498"/>
+            <a:ext cx="5027341" cy="3139321"/>
+          </a:xfrm>
+          <a:prstGeom prst="rect">
+            <a:avLst/>
+          </a:prstGeom>
+          <a:noFill/>
+        </p:spPr>
         <p:txBody>
-          <a:bodyPr vert="horz" lIns="91440" tIns="45720" rIns="91440" bIns="45720" rtlCol="0" anchor="t">
-            <a:normAutofit/>
+          <a:bodyPr wrap="square" rtlCol="0">
+            <a:spAutoFit/>
           </a:bodyPr>
           <a:lstStyle/>
           <a:p>
-            <a:r>
-              <a:rPr lang="en-US" sz="2400">
-                <a:ea typeface="+mn-lt"/>
-                <a:cs typeface="+mn-lt"/>
-              </a:rPr>
-              <a:t>Given the rapid advancement of digital technology, IoT solutions, cloud services, and big data services, secure data protection is required. To this end, many have implemented two-factor authentication (2FA).</a:t>
-            </a:r>
-          </a:p>
-          <a:p>
-            <a:r>
-              <a:rPr lang="en-US" sz="2400">
-                <a:ea typeface="+mn-lt"/>
-                <a:cs typeface="+mn-lt"/>
-              </a:rPr>
-              <a:t>Two Factor Authentication, or 2FA, is an extra layer of protection used to ensure the security beyond just a username and password.</a:t>
-            </a:r>
-          </a:p>
-          <a:p>
-            <a:r>
-              <a:rPr lang="en-US" sz="2400">
-                <a:ea typeface="+mn-lt"/>
-                <a:cs typeface="+mn-lt"/>
-              </a:rPr>
-              <a:t>Biometric authentication is a security method that verifies users using their distinctive biological traits.</a:t>
-            </a:r>
-          </a:p>
-          <a:p>
-            <a:endParaRPr lang="en-US">
-              <a:ea typeface="+mn-lt"/>
-              <a:cs typeface="+mn-lt"/>
-            </a:endParaRPr>
-          </a:p>
-          <a:p>
-            <a:endParaRPr lang="en-US">
-              <a:cs typeface="Calibri"/>
-            </a:endParaRPr>
+            <a:pPr marL="285750" indent="-285750">
+              <a:buFont typeface="Arial" panose="020B0604020202020204" pitchFamily="34" charset="0"/>
+              <a:buChar char="•"/>
+            </a:pPr>
+            <a:r>
+              <a:rPr lang="en-US" dirty="0"/>
+              <a:t>It is remarkable how, by and large, users are still burdened by numerous passwords, which have been used for access control since the earliest days of computing.</a:t>
+            </a:r>
+          </a:p>
+          <a:p>
+            <a:pPr marL="285750" indent="-285750">
+              <a:buFont typeface="Arial" panose="020B0604020202020204" pitchFamily="34" charset="0"/>
+              <a:buChar char="•"/>
+            </a:pPr>
+            <a:r>
+              <a:rPr lang="en-US" dirty="0"/>
+              <a:t> There has been a recent shift of interest towards the field of biometric authentication, which proves the identity of the user using their biological characteristics.</a:t>
+            </a:r>
+          </a:p>
+          <a:p>
+            <a:pPr marL="285750" indent="-285750">
+              <a:buFont typeface="Arial" panose="020B0604020202020204" pitchFamily="34" charset="0"/>
+              <a:buChar char="•"/>
+            </a:pPr>
+            <a:r>
+              <a:rPr lang="en-US" dirty="0"/>
+              <a:t>Past research has shown that ECG is unique to each individual and thus could potentially be used for authentication.</a:t>
+            </a:r>
           </a:p>
         </p:txBody>
       </p:sp>
@@ -14192,6 +14547,14 @@
 <file path=ppt/slides/slide6.xml><?xml version="1.0" encoding="utf-8"?>
 <p:sld xmlns:a="http://schemas.openxmlformats.org/drawingml/2006/main" xmlns:r="http://schemas.openxmlformats.org/officeDocument/2006/relationships" xmlns:p="http://schemas.openxmlformats.org/presentationml/2006/main">
   <p:cSld>
+    <p:bg>
+      <p:bgPr>
+        <a:solidFill>
+          <a:schemeClr val="bg1"/>
+        </a:solidFill>
+        <a:effectLst/>
+      </p:bgPr>
+    </p:bg>
     <p:spTree>
       <p:nvGrpSpPr>
         <p:cNvPr id="1" name=""/>
@@ -14206,6 +14569,66 @@
           <a:chExt cx="0" cy="0"/>
         </a:xfrm>
       </p:grpSpPr>
+      <p:sp useBgFill="1">
+        <p:nvSpPr>
+          <p:cNvPr id="30" name="Rectangle 32">
+            <a:extLst>
+              <a:ext uri="{FF2B5EF4-FFF2-40B4-BE49-F238E27FC236}">
+                <a16:creationId xmlns:a16="http://schemas.microsoft.com/office/drawing/2014/main" id="{743AA782-23D1-4521-8CAD-47662984AA08}"/>
+              </a:ext>
+              <a:ext uri="{C183D7F6-B498-43B3-948B-1728B52AA6E4}">
+                <adec:decorative xmlns:adec="http://schemas.microsoft.com/office/drawing/2017/decorative" val="1"/>
+              </a:ext>
+            </a:extLst>
+          </p:cNvPr>
+          <p:cNvSpPr>
+            <a:spLocks noGrp="1" noRot="1" noChangeAspect="1" noMove="1" noResize="1" noEditPoints="1" noAdjustHandles="1" noChangeArrowheads="1" noChangeShapeType="1" noTextEdit="1"/>
+          </p:cNvSpPr>
+          <p:nvPr>
+            <p:extLst>
+              <p:ext uri="{386F3935-93C4-4BCD-93E2-E3B085C9AB24}">
+                <p16:designElem xmlns:p16="http://schemas.microsoft.com/office/powerpoint/2015/main" val="1"/>
+              </p:ext>
+            </p:extLst>
+          </p:nvPr>
+        </p:nvSpPr>
+        <p:spPr>
+          <a:xfrm>
+            <a:off x="0" y="0"/>
+            <a:ext cx="12192000" cy="6858000"/>
+          </a:xfrm>
+          <a:prstGeom prst="rect">
+            <a:avLst/>
+          </a:prstGeom>
+          <a:ln>
+            <a:noFill/>
+          </a:ln>
+        </p:spPr>
+        <p:style>
+          <a:lnRef idx="2">
+            <a:schemeClr val="accent1">
+              <a:shade val="50000"/>
+            </a:schemeClr>
+          </a:lnRef>
+          <a:fillRef idx="1">
+            <a:schemeClr val="accent1"/>
+          </a:fillRef>
+          <a:effectRef idx="0">
+            <a:schemeClr val="accent1"/>
+          </a:effectRef>
+          <a:fontRef idx="minor">
+            <a:schemeClr val="lt1"/>
+          </a:fontRef>
+        </p:style>
+        <p:txBody>
+          <a:bodyPr rtlCol="0" anchor="ctr"/>
+          <a:lstStyle/>
+          <a:p>
+            <a:pPr algn="ctr"/>
+            <a:endParaRPr lang="en-US"/>
+          </a:p>
+        </p:txBody>
+      </p:sp>
       <p:sp>
         <p:nvSpPr>
           <p:cNvPr id="2" name="Title 1">
@@ -14222,15 +14645,295 @@
             <p:ph type="title"/>
           </p:nvPr>
         </p:nvSpPr>
-        <p:spPr/>
+        <p:spPr>
+          <a:xfrm>
+            <a:off x="630936" y="640080"/>
+            <a:ext cx="4818888" cy="1481328"/>
+          </a:xfrm>
+        </p:spPr>
         <p:txBody>
-          <a:bodyPr/>
+          <a:bodyPr anchor="b">
+            <a:normAutofit/>
+          </a:bodyPr>
           <a:lstStyle/>
           <a:p>
             <a:r>
-              <a:rPr lang="en-US" b="1" dirty="0"/>
+              <a:rPr lang="en-US" sz="5000" b="1"/>
               <a:t>Why Heart Wave Authentication ?</a:t>
             </a:r>
+          </a:p>
+        </p:txBody>
+      </p:sp>
+      <p:sp>
+        <p:nvSpPr>
+          <p:cNvPr id="31" name="sketch line">
+            <a:extLst>
+              <a:ext uri="{FF2B5EF4-FFF2-40B4-BE49-F238E27FC236}">
+                <a16:creationId xmlns:a16="http://schemas.microsoft.com/office/drawing/2014/main" id="{650D18FE-0824-4A46-B22C-A86B52E5780A}"/>
+              </a:ext>
+              <a:ext uri="{C183D7F6-B498-43B3-948B-1728B52AA6E4}">
+                <adec:decorative xmlns:adec="http://schemas.microsoft.com/office/drawing/2017/decorative" val="1"/>
+              </a:ext>
+            </a:extLst>
+          </p:cNvPr>
+          <p:cNvSpPr>
+            <a:spLocks noGrp="1" noRot="1" noChangeAspect="1" noMove="1" noResize="1" noEditPoints="1" noAdjustHandles="1" noChangeArrowheads="1" noChangeShapeType="1" noTextEdit="1"/>
+          </p:cNvSpPr>
+          <p:nvPr>
+            <p:extLst>
+              <p:ext uri="{386F3935-93C4-4BCD-93E2-E3B085C9AB24}">
+                <p16:designElem xmlns:p16="http://schemas.microsoft.com/office/powerpoint/2015/main" val="1"/>
+              </p:ext>
+            </p:extLst>
+          </p:nvPr>
+        </p:nvSpPr>
+        <p:spPr>
+          <a:xfrm>
+            <a:off x="643278" y="2372868"/>
+            <a:ext cx="3255095" cy="18288"/>
+          </a:xfrm>
+          <a:custGeom>
+            <a:avLst/>
+            <a:gdLst>
+              <a:gd name="connsiteX0" fmla="*/ 0 w 3255095"/>
+              <a:gd name="connsiteY0" fmla="*/ 0 h 18288"/>
+              <a:gd name="connsiteX1" fmla="*/ 618468 w 3255095"/>
+              <a:gd name="connsiteY1" fmla="*/ 0 h 18288"/>
+              <a:gd name="connsiteX2" fmla="*/ 1269487 w 3255095"/>
+              <a:gd name="connsiteY2" fmla="*/ 0 h 18288"/>
+              <a:gd name="connsiteX3" fmla="*/ 1953057 w 3255095"/>
+              <a:gd name="connsiteY3" fmla="*/ 0 h 18288"/>
+              <a:gd name="connsiteX4" fmla="*/ 2636627 w 3255095"/>
+              <a:gd name="connsiteY4" fmla="*/ 0 h 18288"/>
+              <a:gd name="connsiteX5" fmla="*/ 3255095 w 3255095"/>
+              <a:gd name="connsiteY5" fmla="*/ 0 h 18288"/>
+              <a:gd name="connsiteX6" fmla="*/ 3255095 w 3255095"/>
+              <a:gd name="connsiteY6" fmla="*/ 18288 h 18288"/>
+              <a:gd name="connsiteX7" fmla="*/ 2538974 w 3255095"/>
+              <a:gd name="connsiteY7" fmla="*/ 18288 h 18288"/>
+              <a:gd name="connsiteX8" fmla="*/ 1822853 w 3255095"/>
+              <a:gd name="connsiteY8" fmla="*/ 18288 h 18288"/>
+              <a:gd name="connsiteX9" fmla="*/ 1171834 w 3255095"/>
+              <a:gd name="connsiteY9" fmla="*/ 18288 h 18288"/>
+              <a:gd name="connsiteX10" fmla="*/ 0 w 3255095"/>
+              <a:gd name="connsiteY10" fmla="*/ 18288 h 18288"/>
+              <a:gd name="connsiteX11" fmla="*/ 0 w 3255095"/>
+              <a:gd name="connsiteY11" fmla="*/ 0 h 18288"/>
+            </a:gdLst>
+            <a:ahLst/>
+            <a:cxnLst>
+              <a:cxn ang="0">
+                <a:pos x="connsiteX0" y="connsiteY0"/>
+              </a:cxn>
+              <a:cxn ang="0">
+                <a:pos x="connsiteX1" y="connsiteY1"/>
+              </a:cxn>
+              <a:cxn ang="0">
+                <a:pos x="connsiteX2" y="connsiteY2"/>
+              </a:cxn>
+              <a:cxn ang="0">
+                <a:pos x="connsiteX3" y="connsiteY3"/>
+              </a:cxn>
+              <a:cxn ang="0">
+                <a:pos x="connsiteX4" y="connsiteY4"/>
+              </a:cxn>
+              <a:cxn ang="0">
+                <a:pos x="connsiteX5" y="connsiteY5"/>
+              </a:cxn>
+              <a:cxn ang="0">
+                <a:pos x="connsiteX6" y="connsiteY6"/>
+              </a:cxn>
+              <a:cxn ang="0">
+                <a:pos x="connsiteX7" y="connsiteY7"/>
+              </a:cxn>
+              <a:cxn ang="0">
+                <a:pos x="connsiteX8" y="connsiteY8"/>
+              </a:cxn>
+              <a:cxn ang="0">
+                <a:pos x="connsiteX9" y="connsiteY9"/>
+              </a:cxn>
+              <a:cxn ang="0">
+                <a:pos x="connsiteX10" y="connsiteY10"/>
+              </a:cxn>
+              <a:cxn ang="0">
+                <a:pos x="connsiteX11" y="connsiteY11"/>
+              </a:cxn>
+            </a:cxnLst>
+            <a:rect l="l" t="t" r="r" b="b"/>
+            <a:pathLst>
+              <a:path w="3255095" h="18288" fill="none" extrusionOk="0">
+                <a:moveTo>
+                  <a:pt x="0" y="0"/>
+                </a:moveTo>
+                <a:cubicBezTo>
+                  <a:pt x="240201" y="-22123"/>
+                  <a:pt x="462021" y="-19623"/>
+                  <a:pt x="618468" y="0"/>
+                </a:cubicBezTo>
+                <a:cubicBezTo>
+                  <a:pt x="774915" y="19623"/>
+                  <a:pt x="974734" y="2035"/>
+                  <a:pt x="1269487" y="0"/>
+                </a:cubicBezTo>
+                <a:cubicBezTo>
+                  <a:pt x="1564240" y="-2035"/>
+                  <a:pt x="1733579" y="10639"/>
+                  <a:pt x="1953057" y="0"/>
+                </a:cubicBezTo>
+                <a:cubicBezTo>
+                  <a:pt x="2172535" y="-10639"/>
+                  <a:pt x="2453962" y="14018"/>
+                  <a:pt x="2636627" y="0"/>
+                </a:cubicBezTo>
+                <a:cubicBezTo>
+                  <a:pt x="2819292" y="-14018"/>
+                  <a:pt x="3121375" y="5399"/>
+                  <a:pt x="3255095" y="0"/>
+                </a:cubicBezTo>
+                <a:cubicBezTo>
+                  <a:pt x="3254386" y="8157"/>
+                  <a:pt x="3254682" y="12125"/>
+                  <a:pt x="3255095" y="18288"/>
+                </a:cubicBezTo>
+                <a:cubicBezTo>
+                  <a:pt x="3088545" y="23203"/>
+                  <a:pt x="2687475" y="7419"/>
+                  <a:pt x="2538974" y="18288"/>
+                </a:cubicBezTo>
+                <a:cubicBezTo>
+                  <a:pt x="2390473" y="29157"/>
+                  <a:pt x="2137381" y="-8959"/>
+                  <a:pt x="1822853" y="18288"/>
+                </a:cubicBezTo>
+                <a:cubicBezTo>
+                  <a:pt x="1508325" y="45535"/>
+                  <a:pt x="1466437" y="20385"/>
+                  <a:pt x="1171834" y="18288"/>
+                </a:cubicBezTo>
+                <a:cubicBezTo>
+                  <a:pt x="877231" y="16191"/>
+                  <a:pt x="561097" y="37643"/>
+                  <a:pt x="0" y="18288"/>
+                </a:cubicBezTo>
+                <a:cubicBezTo>
+                  <a:pt x="-46" y="12483"/>
+                  <a:pt x="-203" y="6491"/>
+                  <a:pt x="0" y="0"/>
+                </a:cubicBezTo>
+                <a:close/>
+              </a:path>
+              <a:path w="3255095" h="18288" stroke="0" extrusionOk="0">
+                <a:moveTo>
+                  <a:pt x="0" y="0"/>
+                </a:moveTo>
+                <a:cubicBezTo>
+                  <a:pt x="291965" y="19429"/>
+                  <a:pt x="363155" y="8568"/>
+                  <a:pt x="618468" y="0"/>
+                </a:cubicBezTo>
+                <a:cubicBezTo>
+                  <a:pt x="873781" y="-8568"/>
+                  <a:pt x="904459" y="-19505"/>
+                  <a:pt x="1171834" y="0"/>
+                </a:cubicBezTo>
+                <a:cubicBezTo>
+                  <a:pt x="1439209" y="19505"/>
+                  <a:pt x="1744369" y="9790"/>
+                  <a:pt x="1887955" y="0"/>
+                </a:cubicBezTo>
+                <a:cubicBezTo>
+                  <a:pt x="2031541" y="-9790"/>
+                  <a:pt x="2346378" y="21240"/>
+                  <a:pt x="2506423" y="0"/>
+                </a:cubicBezTo>
+                <a:cubicBezTo>
+                  <a:pt x="2666468" y="-21240"/>
+                  <a:pt x="2990257" y="30414"/>
+                  <a:pt x="3255095" y="0"/>
+                </a:cubicBezTo>
+                <a:cubicBezTo>
+                  <a:pt x="3254831" y="4493"/>
+                  <a:pt x="3255479" y="9472"/>
+                  <a:pt x="3255095" y="18288"/>
+                </a:cubicBezTo>
+                <a:cubicBezTo>
+                  <a:pt x="3120743" y="16690"/>
+                  <a:pt x="2759628" y="42462"/>
+                  <a:pt x="2604076" y="18288"/>
+                </a:cubicBezTo>
+                <a:cubicBezTo>
+                  <a:pt x="2448524" y="-5886"/>
+                  <a:pt x="2184336" y="19599"/>
+                  <a:pt x="1887955" y="18288"/>
+                </a:cubicBezTo>
+                <a:cubicBezTo>
+                  <a:pt x="1591574" y="16977"/>
+                  <a:pt x="1548845" y="6870"/>
+                  <a:pt x="1334589" y="18288"/>
+                </a:cubicBezTo>
+                <a:cubicBezTo>
+                  <a:pt x="1120333" y="29706"/>
+                  <a:pt x="996014" y="9662"/>
+                  <a:pt x="683570" y="18288"/>
+                </a:cubicBezTo>
+                <a:cubicBezTo>
+                  <a:pt x="371126" y="26914"/>
+                  <a:pt x="198687" y="16167"/>
+                  <a:pt x="0" y="18288"/>
+                </a:cubicBezTo>
+                <a:cubicBezTo>
+                  <a:pt x="843" y="9577"/>
+                  <a:pt x="371" y="6900"/>
+                  <a:pt x="0" y="0"/>
+                </a:cubicBezTo>
+                <a:close/>
+              </a:path>
+            </a:pathLst>
+          </a:custGeom>
+          <a:solidFill>
+            <a:schemeClr val="accent2"/>
+          </a:solidFill>
+          <a:ln w="38100" cap="rnd">
+            <a:solidFill>
+              <a:schemeClr val="accent2"/>
+            </a:solidFill>
+            <a:round/>
+            <a:extLst>
+              <a:ext uri="{C807C97D-BFC1-408E-A445-0C87EB9F89A2}">
+                <ask:lineSketchStyleProps xmlns:ask="http://schemas.microsoft.com/office/drawing/2018/sketchyshapes" sd="1219033472">
+                  <a:prstGeom prst="rect">
+                    <a:avLst/>
+                  </a:prstGeom>
+                  <ask:type>
+                    <ask:lineSketchFreehand/>
+                  </ask:type>
+                </ask:lineSketchStyleProps>
+              </a:ext>
+            </a:extLst>
+          </a:ln>
+        </p:spPr>
+        <p:style>
+          <a:lnRef idx="2">
+            <a:schemeClr val="accent1">
+              <a:shade val="50000"/>
+            </a:schemeClr>
+          </a:lnRef>
+          <a:fillRef idx="1">
+            <a:schemeClr val="accent1"/>
+          </a:fillRef>
+          <a:effectRef idx="0">
+            <a:schemeClr val="accent1"/>
+          </a:effectRef>
+          <a:fontRef idx="minor">
+            <a:schemeClr val="lt1"/>
+          </a:fontRef>
+        </p:style>
+        <p:txBody>
+          <a:bodyPr rtlCol="0" anchor="ctr"/>
+          <a:lstStyle/>
+          <a:p>
+            <a:pPr algn="ctr"/>
+            <a:endParaRPr lang="en-US"/>
           </a:p>
         </p:txBody>
       </p:sp>
@@ -14250,7 +14953,12 @@
             <p:ph idx="1"/>
           </p:nvPr>
         </p:nvSpPr>
-        <p:spPr/>
+        <p:spPr>
+          <a:xfrm>
+            <a:off x="630936" y="2660904"/>
+            <a:ext cx="4818888" cy="3547872"/>
+          </a:xfrm>
+        </p:spPr>
         <p:txBody>
           <a:bodyPr vert="horz" lIns="91440" tIns="45720" rIns="91440" bIns="45720" rtlCol="0" anchor="t">
             <a:normAutofit/>
@@ -14258,43 +14966,34 @@
           <a:lstStyle/>
           <a:p>
             <a:r>
-              <a:rPr lang="en-US" sz="2400" dirty="0">
+              <a:rPr lang="en-US" sz="2200">
                 <a:ea typeface="+mn-lt"/>
                 <a:cs typeface="+mn-lt"/>
               </a:rPr>
               <a:t>Non-transferrable – Everyone has a unique set of biometrics</a:t>
             </a:r>
-            <a:endParaRPr lang="en-US" sz="2400" dirty="0">
-              <a:solidFill>
-                <a:srgbClr val="0B1B2B"/>
-              </a:solidFill>
+            <a:endParaRPr lang="en-US" sz="2200">
               <a:latin typeface="Calibri"/>
               <a:cs typeface="Calibri"/>
             </a:endParaRPr>
           </a:p>
           <a:p>
             <a:r>
-              <a:rPr lang="en-US" sz="2400" i="0" dirty="0">
-                <a:solidFill>
-                  <a:srgbClr val="0B1B2B"/>
-                </a:solidFill>
+              <a:rPr lang="en-US" sz="2200" i="0">
                 <a:effectLst/>
                 <a:latin typeface="Calibri"/>
                 <a:cs typeface="Calibri"/>
               </a:rPr>
               <a:t>High security and assurance – Biometric identification provides the answers to “something a person has and is” and helps verify identity</a:t>
             </a:r>
-            <a:endParaRPr lang="en-US" sz="2400" dirty="0">
+            <a:endParaRPr lang="en-US" sz="2200">
               <a:latin typeface="Calibri"/>
               <a:cs typeface="Calibri"/>
             </a:endParaRPr>
           </a:p>
           <a:p>
             <a:r>
-              <a:rPr lang="en-US" sz="2400" i="0" dirty="0">
-                <a:solidFill>
-                  <a:srgbClr val="0B1B2B"/>
-                </a:solidFill>
+              <a:rPr lang="en-US" sz="2200" i="0">
                 <a:effectLst/>
                 <a:latin typeface="Calibri"/>
                 <a:cs typeface="Calibri"/>
@@ -14302,10 +15001,7 @@
               <a:t>Spoof-proof – Biometrics are hard to fake or steal</a:t>
             </a:r>
             <a:r>
-              <a:rPr lang="en-US" sz="2400" dirty="0">
-                <a:solidFill>
-                  <a:srgbClr val="0B1B2B"/>
-                </a:solidFill>
+              <a:rPr lang="en-US" sz="2200">
                 <a:latin typeface="Calibri"/>
                 <a:cs typeface="Calibri"/>
               </a:rPr>
@@ -14314,14 +15010,87 @@
           </a:p>
           <a:p>
             <a:r>
-              <a:rPr lang="en-US" sz="2400" dirty="0">
-                <a:solidFill>
-                  <a:srgbClr val="0B1B2B"/>
-                </a:solidFill>
+              <a:rPr lang="en-US" sz="2200">
                 <a:latin typeface="Calibri"/>
                 <a:cs typeface="Calibri"/>
               </a:rPr>
               <a:t>User Experience – Convenient and fast.</a:t>
+            </a:r>
+          </a:p>
+        </p:txBody>
+      </p:sp>
+      <p:pic>
+        <p:nvPicPr>
+          <p:cNvPr id="3" name="Content Placeholder 4" descr="Diagram&#10;&#10;Description automatically generated">
+            <a:extLst>
+              <a:ext uri="{FF2B5EF4-FFF2-40B4-BE49-F238E27FC236}">
+                <a16:creationId xmlns:a16="http://schemas.microsoft.com/office/drawing/2014/main" id="{096DF17D-9E11-213A-86EA-E9D8EF89D4C4}"/>
+              </a:ext>
+            </a:extLst>
+          </p:cNvPr>
+          <p:cNvPicPr>
+            <a:picLocks noChangeAspect="1"/>
+          </p:cNvPicPr>
+          <p:nvPr/>
+        </p:nvPicPr>
+        <p:blipFill>
+          <a:blip r:embed="rId3">
+            <a:extLst>
+              <a:ext uri="{28A0092B-C50C-407E-A947-70E740481C1C}">
+                <a14:useLocalDpi xmlns:a14="http://schemas.microsoft.com/office/drawing/2010/main" val="0"/>
+              </a:ext>
+            </a:extLst>
+          </a:blip>
+          <a:stretch>
+            <a:fillRect/>
+          </a:stretch>
+        </p:blipFill>
+        <p:spPr>
+          <a:xfrm>
+            <a:off x="5449824" y="1688954"/>
+            <a:ext cx="5458968" cy="3480092"/>
+          </a:xfrm>
+          <a:prstGeom prst="rect">
+            <a:avLst/>
+          </a:prstGeom>
+        </p:spPr>
+      </p:pic>
+      <p:sp>
+        <p:nvSpPr>
+          <p:cNvPr id="4" name="TextBox 3">
+            <a:extLst>
+              <a:ext uri="{FF2B5EF4-FFF2-40B4-BE49-F238E27FC236}">
+                <a16:creationId xmlns:a16="http://schemas.microsoft.com/office/drawing/2014/main" id="{0690F2C6-C732-7183-01F2-E6C8942102E9}"/>
+              </a:ext>
+            </a:extLst>
+          </p:cNvPr>
+          <p:cNvSpPr txBox="1"/>
+          <p:nvPr/>
+        </p:nvSpPr>
+        <p:spPr>
+          <a:xfrm>
+            <a:off x="6179635" y="5504245"/>
+            <a:ext cx="3031273" cy="369332"/>
+          </a:xfrm>
+          <a:prstGeom prst="rect">
+            <a:avLst/>
+          </a:prstGeom>
+          <a:noFill/>
+        </p:spPr>
+        <p:txBody>
+          <a:bodyPr wrap="square" rtlCol="0">
+            <a:spAutoFit/>
+          </a:bodyPr>
+          <a:lstStyle/>
+          <a:p>
+            <a:pPr algn="ctr">
+              <a:spcAft>
+                <a:spcPts val="600"/>
+              </a:spcAft>
+            </a:pPr>
+            <a:r>
+              <a:rPr lang="en-US" dirty="0"/>
+              <a:t>QRS Wave</a:t>
             </a:r>
           </a:p>
         </p:txBody>
@@ -15876,15 +16645,6 @@
 </file>
 
 <file path=customXml/item1.xml><?xml version="1.0" encoding="utf-8"?>
-<?mso-contentType ?>
-<FormTemplates xmlns="http://schemas.microsoft.com/sharepoint/v3/contenttype/forms">
-  <Display>DocumentLibraryForm</Display>
-  <Edit>DocumentLibraryForm</Edit>
-  <New>DocumentLibraryForm</New>
-</FormTemplates>
-</file>
-
-<file path=customXml/item2.xml><?xml version="1.0" encoding="utf-8"?>
 <p:properties xmlns:p="http://schemas.microsoft.com/office/2006/metadata/properties" xmlns:xsi="http://www.w3.org/2001/XMLSchema-instance" xmlns:pc="http://schemas.microsoft.com/office/infopath/2007/PartnerControls">
   <documentManagement>
     <TaxCatchAll xmlns="c19f3564-a95e-47d5-97e3-34af000c2652" xsi:nil="true"/>
@@ -15893,6 +16653,15 @@
     </lcf76f155ced4ddcb4097134ff3c332f>
   </documentManagement>
 </p:properties>
+</file>
+
+<file path=customXml/item2.xml><?xml version="1.0" encoding="utf-8"?>
+<?mso-contentType ?>
+<FormTemplates xmlns="http://schemas.microsoft.com/sharepoint/v3/contenttype/forms">
+  <Display>DocumentLibraryForm</Display>
+  <Edit>DocumentLibraryForm</Edit>
+  <New>DocumentLibraryForm</New>
+</FormTemplates>
 </file>
 
 <file path=customXml/item3.xml><?xml version="1.0" encoding="utf-8"?>
@@ -16073,14 +16842,6 @@
 </file>
 
 <file path=customXml/itemProps1.xml><?xml version="1.0" encoding="utf-8"?>
-<ds:datastoreItem xmlns:ds="http://schemas.openxmlformats.org/officeDocument/2006/customXml" ds:itemID="{5BAD64A1-DB19-4D1F-A55E-076561A36A25}">
-  <ds:schemaRefs>
-    <ds:schemaRef ds:uri="http://schemas.microsoft.com/sharepoint/v3/contenttype/forms"/>
-  </ds:schemaRefs>
-</ds:datastoreItem>
-</file>
-
-<file path=customXml/itemProps2.xml><?xml version="1.0" encoding="utf-8"?>
 <ds:datastoreItem xmlns:ds="http://schemas.openxmlformats.org/officeDocument/2006/customXml" ds:itemID="{6A0B52BC-4B4C-4F3A-AF4E-115EF32F9439}">
   <ds:schemaRefs>
     <ds:schemaRef ds:uri="c5f1fd4d-4aaf-4baf-bfef-3f62c27f496f"/>
@@ -16093,6 +16854,14 @@
     <ds:schemaRef ds:uri="http://schemas.openxmlformats.org/package/2006/metadata/core-properties"/>
     <ds:schemaRef ds:uri="http://www.w3.org/XML/1998/namespace"/>
     <ds:schemaRef ds:uri="c19f3564-a95e-47d5-97e3-34af000c2652"/>
+  </ds:schemaRefs>
+</ds:datastoreItem>
+</file>
+
+<file path=customXml/itemProps2.xml><?xml version="1.0" encoding="utf-8"?>
+<ds:datastoreItem xmlns:ds="http://schemas.openxmlformats.org/officeDocument/2006/customXml" ds:itemID="{5BAD64A1-DB19-4D1F-A55E-076561A36A25}">
+  <ds:schemaRefs>
+    <ds:schemaRef ds:uri="http://schemas.microsoft.com/sharepoint/v3/contenttype/forms"/>
   </ds:schemaRefs>
 </ds:datastoreItem>
 </file>
